--- a/Presentation Slides/Effective Data Visualization for Actuaries.pptx
+++ b/Presentation Slides/Effective Data Visualization for Actuaries.pptx
@@ -8,14 +8,35 @@
     <p:sldMasterId id="2147483701" r:id="rId4"/>
   </p:sldMasterIdLst>
   <p:notesMasterIdLst>
-    <p:notesMasterId r:id="rId10"/>
+    <p:notesMasterId r:id="rId31"/>
   </p:notesMasterIdLst>
   <p:sldIdLst>
-    <p:sldId id="257" r:id="rId5"/>
-    <p:sldId id="256" r:id="rId6"/>
-    <p:sldId id="259" r:id="rId7"/>
-    <p:sldId id="260" r:id="rId8"/>
-    <p:sldId id="261" r:id="rId9"/>
+    <p:sldId id="262" r:id="rId5"/>
+    <p:sldId id="257" r:id="rId6"/>
+    <p:sldId id="268" r:id="rId7"/>
+    <p:sldId id="256" r:id="rId8"/>
+    <p:sldId id="265" r:id="rId9"/>
+    <p:sldId id="264" r:id="rId10"/>
+    <p:sldId id="281" r:id="rId11"/>
+    <p:sldId id="270" r:id="rId12"/>
+    <p:sldId id="271" r:id="rId13"/>
+    <p:sldId id="272" r:id="rId14"/>
+    <p:sldId id="273" r:id="rId15"/>
+    <p:sldId id="274" r:id="rId16"/>
+    <p:sldId id="275" r:id="rId17"/>
+    <p:sldId id="276" r:id="rId18"/>
+    <p:sldId id="277" r:id="rId19"/>
+    <p:sldId id="278" r:id="rId20"/>
+    <p:sldId id="279" r:id="rId21"/>
+    <p:sldId id="280" r:id="rId22"/>
+    <p:sldId id="283" r:id="rId23"/>
+    <p:sldId id="285" r:id="rId24"/>
+    <p:sldId id="284" r:id="rId25"/>
+    <p:sldId id="286" r:id="rId26"/>
+    <p:sldId id="267" r:id="rId27"/>
+    <p:sldId id="259" r:id="rId28"/>
+    <p:sldId id="260" r:id="rId29"/>
+    <p:sldId id="261" r:id="rId30"/>
   </p:sldIdLst>
   <p:sldSz cx="9144000" cy="6858000" type="screen4x3"/>
   <p:notesSz cx="6858000" cy="9144000"/>
@@ -671,7 +692,7 @@
             <a:fld id="{64B16661-4D50-41DC-A83A-1231FD5B8537}" type="slidenum">
               <a:rPr lang="en-US" smtClean="0"/>
               <a:pPr/>
-              <a:t>2</a:t>
+              <a:t>4</a:t>
             </a:fld>
             <a:endParaRPr lang="en-US"/>
           </a:p>
@@ -1515,7 +1536,7 @@
               <a:pPr>
                 <a:defRPr/>
               </a:pPr>
-              <a:t>2/22/2023</a:t>
+              <a:t>2/23/2023</a:t>
             </a:fld>
             <a:endParaRPr lang="en-US"/>
           </a:p>
@@ -1714,7 +1735,7 @@
               <a:pPr>
                 <a:defRPr/>
               </a:pPr>
-              <a:t>2/22/2023</a:t>
+              <a:t>2/23/2023</a:t>
             </a:fld>
             <a:endParaRPr lang="en-US"/>
           </a:p>
@@ -1981,7 +2002,7 @@
               <a:pPr>
                 <a:defRPr/>
               </a:pPr>
-              <a:t>2/22/2023</a:t>
+              <a:t>2/23/2023</a:t>
             </a:fld>
             <a:endParaRPr lang="en-US"/>
           </a:p>
@@ -2288,7 +2309,7 @@
               <a:pPr>
                 <a:defRPr/>
               </a:pPr>
-              <a:t>2/22/2023</a:t>
+              <a:t>2/23/2023</a:t>
             </a:fld>
             <a:endParaRPr lang="en-US"/>
           </a:p>
@@ -2729,7 +2750,7 @@
               <a:pPr>
                 <a:defRPr/>
               </a:pPr>
-              <a:t>2/22/2023</a:t>
+              <a:t>2/23/2023</a:t>
             </a:fld>
             <a:endParaRPr lang="en-US"/>
           </a:p>
@@ -2868,7 +2889,7 @@
               <a:pPr>
                 <a:defRPr/>
               </a:pPr>
-              <a:t>2/22/2023</a:t>
+              <a:t>2/23/2023</a:t>
             </a:fld>
             <a:endParaRPr lang="en-US"/>
           </a:p>
@@ -2985,7 +3006,7 @@
               <a:pPr>
                 <a:defRPr/>
               </a:pPr>
-              <a:t>2/22/2023</a:t>
+              <a:t>2/23/2023</a:t>
             </a:fld>
             <a:endParaRPr lang="en-US"/>
           </a:p>
@@ -3282,7 +3303,7 @@
               <a:pPr>
                 <a:defRPr/>
               </a:pPr>
-              <a:t>2/22/2023</a:t>
+              <a:t>2/23/2023</a:t>
             </a:fld>
             <a:endParaRPr lang="en-US"/>
           </a:p>
@@ -3748,7 +3769,7 @@
               <a:pPr>
                 <a:defRPr/>
               </a:pPr>
-              <a:t>2/22/2023</a:t>
+              <a:t>2/23/2023</a:t>
             </a:fld>
             <a:endParaRPr lang="en-US"/>
           </a:p>
@@ -3938,7 +3959,7 @@
               <a:pPr>
                 <a:defRPr/>
               </a:pPr>
-              <a:t>2/22/2023</a:t>
+              <a:t>2/23/2023</a:t>
             </a:fld>
             <a:endParaRPr lang="en-US"/>
           </a:p>
@@ -4138,7 +4159,7 @@
               <a:pPr>
                 <a:defRPr/>
               </a:pPr>
-              <a:t>2/22/2023</a:t>
+              <a:t>2/23/2023</a:t>
             </a:fld>
             <a:endParaRPr lang="en-US"/>
           </a:p>
@@ -4400,7 +4421,7 @@
               <a:pPr>
                 <a:defRPr/>
               </a:pPr>
-              <a:t>2/22/2023</a:t>
+              <a:t>2/23/2023</a:t>
             </a:fld>
             <a:endParaRPr lang="en-US"/>
           </a:p>
@@ -4599,7 +4620,7 @@
               <a:pPr>
                 <a:defRPr/>
               </a:pPr>
-              <a:t>2/22/2023</a:t>
+              <a:t>2/23/2023</a:t>
             </a:fld>
             <a:endParaRPr lang="en-US"/>
           </a:p>
@@ -4866,7 +4887,7 @@
               <a:pPr>
                 <a:defRPr/>
               </a:pPr>
-              <a:t>2/22/2023</a:t>
+              <a:t>2/23/2023</a:t>
             </a:fld>
             <a:endParaRPr lang="en-US"/>
           </a:p>
@@ -5173,7 +5194,7 @@
               <a:pPr>
                 <a:defRPr/>
               </a:pPr>
-              <a:t>2/22/2023</a:t>
+              <a:t>2/23/2023</a:t>
             </a:fld>
             <a:endParaRPr lang="en-US"/>
           </a:p>
@@ -5614,7 +5635,7 @@
               <a:pPr>
                 <a:defRPr/>
               </a:pPr>
-              <a:t>2/22/2023</a:t>
+              <a:t>2/23/2023</a:t>
             </a:fld>
             <a:endParaRPr lang="en-US"/>
           </a:p>
@@ -5753,7 +5774,7 @@
               <a:pPr>
                 <a:defRPr/>
               </a:pPr>
-              <a:t>2/22/2023</a:t>
+              <a:t>2/23/2023</a:t>
             </a:fld>
             <a:endParaRPr lang="en-US"/>
           </a:p>
@@ -5870,7 +5891,7 @@
               <a:pPr>
                 <a:defRPr/>
               </a:pPr>
-              <a:t>2/22/2023</a:t>
+              <a:t>2/23/2023</a:t>
             </a:fld>
             <a:endParaRPr lang="en-US"/>
           </a:p>
@@ -6379,7 +6400,7 @@
               <a:pPr>
                 <a:defRPr/>
               </a:pPr>
-              <a:t>2/22/2023</a:t>
+              <a:t>2/23/2023</a:t>
             </a:fld>
             <a:endParaRPr lang="en-US"/>
           </a:p>
@@ -6656,7 +6677,7 @@
               <a:pPr>
                 <a:defRPr/>
               </a:pPr>
-              <a:t>2/22/2023</a:t>
+              <a:t>2/23/2023</a:t>
             </a:fld>
             <a:endParaRPr lang="en-US"/>
           </a:p>
@@ -6846,7 +6867,7 @@
               <a:pPr>
                 <a:defRPr/>
               </a:pPr>
-              <a:t>2/22/2023</a:t>
+              <a:t>2/23/2023</a:t>
             </a:fld>
             <a:endParaRPr lang="en-US"/>
           </a:p>
@@ -7046,7 +7067,7 @@
               <a:pPr>
                 <a:defRPr/>
               </a:pPr>
-              <a:t>2/22/2023</a:t>
+              <a:t>2/23/2023</a:t>
             </a:fld>
             <a:endParaRPr lang="en-US"/>
           </a:p>
@@ -7308,7 +7329,7 @@
               <a:pPr>
                 <a:defRPr/>
               </a:pPr>
-              <a:t>2/22/2023</a:t>
+              <a:t>2/23/2023</a:t>
             </a:fld>
             <a:endParaRPr lang="en-US"/>
           </a:p>
@@ -7498,7 +7519,7 @@
               <a:pPr>
                 <a:defRPr/>
               </a:pPr>
-              <a:t>2/22/2023</a:t>
+              <a:t>2/23/2023</a:t>
             </a:fld>
             <a:endParaRPr lang="en-US"/>
           </a:p>
@@ -7765,7 +7786,7 @@
               <a:pPr>
                 <a:defRPr/>
               </a:pPr>
-              <a:t>2/22/2023</a:t>
+              <a:t>2/23/2023</a:t>
             </a:fld>
             <a:endParaRPr lang="en-US"/>
           </a:p>
@@ -8072,7 +8093,7 @@
               <a:pPr>
                 <a:defRPr/>
               </a:pPr>
-              <a:t>2/22/2023</a:t>
+              <a:t>2/23/2023</a:t>
             </a:fld>
             <a:endParaRPr lang="en-US"/>
           </a:p>
@@ -8513,7 +8534,7 @@
               <a:pPr>
                 <a:defRPr/>
               </a:pPr>
-              <a:t>2/22/2023</a:t>
+              <a:t>2/23/2023</a:t>
             </a:fld>
             <a:endParaRPr lang="en-US"/>
           </a:p>
@@ -8652,7 +8673,7 @@
               <a:pPr>
                 <a:defRPr/>
               </a:pPr>
-              <a:t>2/22/2023</a:t>
+              <a:t>2/23/2023</a:t>
             </a:fld>
             <a:endParaRPr lang="en-US"/>
           </a:p>
@@ -9075,7 +9096,7 @@
               <a:pPr>
                 <a:defRPr/>
               </a:pPr>
-              <a:t>2/22/2023</a:t>
+              <a:t>2/23/2023</a:t>
             </a:fld>
             <a:endParaRPr lang="en-US"/>
           </a:p>
@@ -9372,7 +9393,7 @@
               <a:pPr>
                 <a:defRPr/>
               </a:pPr>
-              <a:t>2/22/2023</a:t>
+              <a:t>2/23/2023</a:t>
             </a:fld>
             <a:endParaRPr lang="en-US"/>
           </a:p>
@@ -9649,7 +9670,7 @@
               <a:pPr>
                 <a:defRPr/>
               </a:pPr>
-              <a:t>2/22/2023</a:t>
+              <a:t>2/23/2023</a:t>
             </a:fld>
             <a:endParaRPr lang="en-US"/>
           </a:p>
@@ -9839,7 +9860,7 @@
               <a:pPr>
                 <a:defRPr/>
               </a:pPr>
-              <a:t>2/22/2023</a:t>
+              <a:t>2/23/2023</a:t>
             </a:fld>
             <a:endParaRPr lang="en-US"/>
           </a:p>
@@ -10039,7 +10060,7 @@
               <a:pPr>
                 <a:defRPr/>
               </a:pPr>
-              <a:t>2/22/2023</a:t>
+              <a:t>2/23/2023</a:t>
             </a:fld>
             <a:endParaRPr lang="en-US"/>
           </a:p>
@@ -12243,7 +12264,7 @@
               <a:pPr>
                 <a:defRPr/>
               </a:pPr>
-              <a:t>2/22/2023</a:t>
+              <a:t>2/23/2023</a:t>
             </a:fld>
             <a:endParaRPr lang="en-US"/>
           </a:p>
@@ -12922,7 +12943,7 @@
               <a:pPr>
                 <a:defRPr/>
               </a:pPr>
-              <a:t>2/22/2023</a:t>
+              <a:t>2/23/2023</a:t>
             </a:fld>
             <a:endParaRPr lang="en-US"/>
           </a:p>
@@ -13608,7 +13629,7 @@
               <a:pPr>
                 <a:defRPr/>
               </a:pPr>
-              <a:t>2/22/2023</a:t>
+              <a:t>2/23/2023</a:t>
             </a:fld>
             <a:endParaRPr lang="en-US"/>
           </a:p>
@@ -14127,7 +14148,7 @@
           <p:cNvPr id="2" name="Title 1">
             <a:extLst>
               <a:ext uri="{FF2B5EF4-FFF2-40B4-BE49-F238E27FC236}">
-                <a16:creationId xmlns:a16="http://schemas.microsoft.com/office/drawing/2014/main" id="{6442BFB3-50B7-CB64-9D6F-632F86BE2902}"/>
+                <a16:creationId xmlns:a16="http://schemas.microsoft.com/office/drawing/2014/main" id="{E5277F28-4700-7326-7DE7-E6683E4893F1}"/>
               </a:ext>
             </a:extLst>
           </p:cNvPr>
@@ -14135,47 +14156,27 @@
             <a:spLocks noGrp="1"/>
           </p:cNvSpPr>
           <p:nvPr>
-            <p:ph type="ctrTitle"/>
-          </p:nvPr>
-        </p:nvSpPr>
-        <p:spPr>
-          <a:xfrm>
-            <a:off x="1485900" y="2130425"/>
-            <a:ext cx="6172200" cy="1470025"/>
-          </a:xfrm>
-        </p:spPr>
+            <p:ph type="title"/>
+          </p:nvPr>
+        </p:nvSpPr>
+        <p:spPr/>
         <p:txBody>
           <a:bodyPr/>
           <a:lstStyle/>
           <a:p>
-            <a:pPr algn="ctr"/>
-            <a:r>
-              <a:rPr lang="en-US" sz="5400" dirty="0"/>
-              <a:t>Effective</a:t>
-            </a:r>
-            <a:br>
-              <a:rPr lang="en-US" sz="5400" dirty="0"/>
-            </a:br>
-            <a:r>
-              <a:rPr lang="en-US" sz="5400" dirty="0"/>
-              <a:t>Data Visualization</a:t>
-            </a:r>
-            <a:br>
-              <a:rPr lang="en-US" sz="5400" dirty="0"/>
-            </a:br>
-            <a:r>
-              <a:rPr lang="en-US" sz="5400" dirty="0"/>
-              <a:t>for Actuaries</a:t>
-            </a:r>
-          </a:p>
-        </p:txBody>
-      </p:sp>
-      <p:sp>
-        <p:nvSpPr>
-          <p:cNvPr id="3" name="Subtitle 2">
+            <a:r>
+              <a:rPr lang="en-US" dirty="0"/>
+              <a:t>Original Proposed Content</a:t>
+            </a:r>
+          </a:p>
+        </p:txBody>
+      </p:sp>
+      <p:sp>
+        <p:nvSpPr>
+          <p:cNvPr id="3" name="Content Placeholder 2">
             <a:extLst>
               <a:ext uri="{FF2B5EF4-FFF2-40B4-BE49-F238E27FC236}">
-                <a16:creationId xmlns:a16="http://schemas.microsoft.com/office/drawing/2014/main" id="{9AF04EAA-821F-B55D-E8F7-C5651E6F8F40}"/>
+                <a16:creationId xmlns:a16="http://schemas.microsoft.com/office/drawing/2014/main" id="{AEA73732-7C01-D2DF-814F-02669711A8AF}"/>
               </a:ext>
             </a:extLst>
           </p:cNvPr>
@@ -14183,28 +14184,728 @@
             <a:spLocks noGrp="1"/>
           </p:cNvSpPr>
           <p:nvPr>
-            <p:ph type="subTitle" idx="1"/>
+            <p:ph idx="1"/>
           </p:nvPr>
         </p:nvSpPr>
         <p:spPr>
           <a:xfrm>
-            <a:off x="1371600" y="4495800"/>
-            <a:ext cx="6400800" cy="1752600"/>
+            <a:off x="152400" y="1417638"/>
+            <a:ext cx="7924800" cy="4708525"/>
           </a:xfrm>
         </p:spPr>
         <p:txBody>
           <a:bodyPr/>
           <a:lstStyle/>
           <a:p>
-            <a:r>
-              <a:rPr lang="en-US" dirty="0"/>
-              <a:t>Brian Fannin</a:t>
-            </a:r>
-          </a:p>
-          <a:p>
-            <a:r>
-              <a:rPr lang="en-US" dirty="0"/>
-              <a:t>Jordan Bonner</a:t>
+            <a:pPr marL="114300" marR="0" indent="0">
+              <a:lnSpc>
+                <a:spcPct val="110000"/>
+              </a:lnSpc>
+              <a:spcBef>
+                <a:spcPts val="0"/>
+              </a:spcBef>
+              <a:spcAft>
+                <a:spcPts val="0"/>
+              </a:spcAft>
+              <a:buNone/>
+            </a:pPr>
+            <a:r>
+              <a:rPr lang="en-US" sz="1050" b="1" dirty="0">
+                <a:solidFill>
+                  <a:srgbClr val="00589A"/>
+                </a:solidFill>
+                <a:effectLst/>
+                <a:latin typeface="Arial" panose="020B0604020202020204" pitchFamily="34" charset="0"/>
+                <a:ea typeface="SimSun" panose="02010600030101010101" pitchFamily="2" charset="-122"/>
+              </a:rPr>
+              <a:t>Title</a:t>
+            </a:r>
+            <a:r>
+              <a:rPr lang="en-US" sz="1050" dirty="0">
+                <a:solidFill>
+                  <a:srgbClr val="00589A"/>
+                </a:solidFill>
+                <a:effectLst/>
+                <a:latin typeface="Arial" panose="020B0604020202020204" pitchFamily="34" charset="0"/>
+                <a:ea typeface="SimSun" panose="02010600030101010101" pitchFamily="2" charset="-122"/>
+              </a:rPr>
+              <a:t>: Effective Data Visualization for Actuaries</a:t>
+            </a:r>
+            <a:endParaRPr lang="en-US" sz="1050" dirty="0">
+              <a:effectLst/>
+              <a:latin typeface="Arial" panose="020B0604020202020204" pitchFamily="34" charset="0"/>
+              <a:ea typeface="SimSun" panose="02010600030101010101" pitchFamily="2" charset="-122"/>
+            </a:endParaRPr>
+          </a:p>
+          <a:p>
+            <a:pPr marL="114300" marR="0" indent="0">
+              <a:lnSpc>
+                <a:spcPct val="110000"/>
+              </a:lnSpc>
+              <a:spcBef>
+                <a:spcPts val="0"/>
+              </a:spcBef>
+              <a:spcAft>
+                <a:spcPts val="0"/>
+              </a:spcAft>
+              <a:buNone/>
+            </a:pPr>
+            <a:r>
+              <a:rPr lang="en-US" sz="1050" b="1" dirty="0">
+                <a:solidFill>
+                  <a:srgbClr val="00589A"/>
+                </a:solidFill>
+                <a:effectLst/>
+                <a:latin typeface="Arial" panose="020B0604020202020204" pitchFamily="34" charset="0"/>
+                <a:ea typeface="SimSun" panose="02010600030101010101" pitchFamily="2" charset="-122"/>
+              </a:rPr>
+              <a:t>Session Description: </a:t>
+            </a:r>
+            <a:endParaRPr lang="en-US" sz="1050" dirty="0">
+              <a:solidFill>
+                <a:srgbClr val="00589A"/>
+              </a:solidFill>
+              <a:effectLst/>
+              <a:latin typeface="Arial" panose="020B0604020202020204" pitchFamily="34" charset="0"/>
+              <a:ea typeface="SimSun" panose="02010600030101010101" pitchFamily="2" charset="-122"/>
+            </a:endParaRPr>
+          </a:p>
+          <a:p>
+            <a:pPr marL="514350" lvl="1" indent="0">
+              <a:lnSpc>
+                <a:spcPct val="110000"/>
+              </a:lnSpc>
+              <a:spcBef>
+                <a:spcPts val="0"/>
+              </a:spcBef>
+              <a:spcAft>
+                <a:spcPts val="0"/>
+              </a:spcAft>
+              <a:buNone/>
+            </a:pPr>
+            <a:r>
+              <a:rPr lang="en-US" sz="1050" dirty="0">
+                <a:solidFill>
+                  <a:srgbClr val="00589A"/>
+                </a:solidFill>
+                <a:effectLst/>
+                <a:latin typeface="Arial" panose="020B0604020202020204" pitchFamily="34" charset="0"/>
+                <a:ea typeface="SimSun" panose="02010600030101010101" pitchFamily="2" charset="-122"/>
+              </a:rPr>
+              <a:t>Actuaries often need to regularly communicate trends, diagnostics, and findings to stakeholders (other actuaries, their business partners, or clients).</a:t>
+            </a:r>
+            <a:endParaRPr lang="en-US" sz="1050" dirty="0">
+              <a:solidFill>
+                <a:srgbClr val="0072BC"/>
+              </a:solidFill>
+              <a:effectLst/>
+              <a:latin typeface="Arial" panose="020B0604020202020204" pitchFamily="34" charset="0"/>
+              <a:ea typeface="SimSun" panose="02010600030101010101" pitchFamily="2" charset="-122"/>
+            </a:endParaRPr>
+          </a:p>
+          <a:p>
+            <a:pPr marL="514350" lvl="1" indent="0">
+              <a:lnSpc>
+                <a:spcPct val="110000"/>
+              </a:lnSpc>
+              <a:spcBef>
+                <a:spcPts val="0"/>
+              </a:spcBef>
+              <a:spcAft>
+                <a:spcPts val="0"/>
+              </a:spcAft>
+              <a:buNone/>
+            </a:pPr>
+            <a:endParaRPr lang="en-US" sz="400" dirty="0">
+              <a:solidFill>
+                <a:srgbClr val="0072BC"/>
+              </a:solidFill>
+              <a:ea typeface="SimSun" panose="02010600030101010101" pitchFamily="2" charset="-122"/>
+            </a:endParaRPr>
+          </a:p>
+          <a:p>
+            <a:pPr marL="514350" lvl="1" indent="0">
+              <a:lnSpc>
+                <a:spcPct val="110000"/>
+              </a:lnSpc>
+              <a:spcBef>
+                <a:spcPts val="0"/>
+              </a:spcBef>
+              <a:spcAft>
+                <a:spcPts val="0"/>
+              </a:spcAft>
+              <a:buNone/>
+            </a:pPr>
+            <a:r>
+              <a:rPr lang="en-US" sz="1050" dirty="0">
+                <a:solidFill>
+                  <a:srgbClr val="00589A"/>
+                </a:solidFill>
+                <a:effectLst/>
+                <a:latin typeface="Arial" panose="020B0604020202020204" pitchFamily="34" charset="0"/>
+                <a:ea typeface="SimSun" panose="02010600030101010101" pitchFamily="2" charset="-122"/>
+              </a:rPr>
+              <a:t>Two questions arise:</a:t>
+            </a:r>
+          </a:p>
+          <a:p>
+            <a:pPr marL="685800" lvl="1" indent="-171450">
+              <a:lnSpc>
+                <a:spcPct val="110000"/>
+              </a:lnSpc>
+              <a:spcBef>
+                <a:spcPts val="0"/>
+              </a:spcBef>
+              <a:spcAft>
+                <a:spcPts val="0"/>
+              </a:spcAft>
+            </a:pPr>
+            <a:r>
+              <a:rPr lang="en-US" sz="1050" dirty="0">
+                <a:solidFill>
+                  <a:srgbClr val="00589A"/>
+                </a:solidFill>
+                <a:effectLst/>
+                <a:latin typeface="Arial" panose="020B0604020202020204" pitchFamily="34" charset="0"/>
+                <a:ea typeface="SimSun" panose="02010600030101010101" pitchFamily="2" charset="-122"/>
+              </a:rPr>
+              <a:t>How do we create visualizations that let actuaries focus on interpreting rather than doing?</a:t>
+            </a:r>
+          </a:p>
+          <a:p>
+            <a:pPr marL="685800" lvl="1" indent="-171450">
+              <a:lnSpc>
+                <a:spcPct val="110000"/>
+              </a:lnSpc>
+              <a:spcBef>
+                <a:spcPts val="0"/>
+              </a:spcBef>
+              <a:spcAft>
+                <a:spcPts val="0"/>
+              </a:spcAft>
+            </a:pPr>
+            <a:r>
+              <a:rPr lang="en-US" sz="1050" dirty="0">
+                <a:solidFill>
+                  <a:srgbClr val="00589A"/>
+                </a:solidFill>
+                <a:effectLst/>
+                <a:latin typeface="Arial" panose="020B0604020202020204" pitchFamily="34" charset="0"/>
+                <a:ea typeface="SimSun" panose="02010600030101010101" pitchFamily="2" charset="-122"/>
+              </a:rPr>
+              <a:t>How do we re-structure these visualizations to tell a better story?</a:t>
+            </a:r>
+            <a:endParaRPr lang="en-US" sz="1050" dirty="0">
+              <a:solidFill>
+                <a:srgbClr val="0072BC"/>
+              </a:solidFill>
+              <a:ea typeface="SimSun" panose="02010600030101010101" pitchFamily="2" charset="-122"/>
+            </a:endParaRPr>
+          </a:p>
+          <a:p>
+            <a:pPr marL="685800" lvl="1" indent="-171450">
+              <a:lnSpc>
+                <a:spcPct val="110000"/>
+              </a:lnSpc>
+              <a:spcBef>
+                <a:spcPts val="0"/>
+              </a:spcBef>
+              <a:spcAft>
+                <a:spcPts val="0"/>
+              </a:spcAft>
+            </a:pPr>
+            <a:endParaRPr lang="en-US" sz="400" dirty="0">
+              <a:solidFill>
+                <a:srgbClr val="0072BC"/>
+              </a:solidFill>
+              <a:effectLst/>
+              <a:latin typeface="Arial" panose="020B0604020202020204" pitchFamily="34" charset="0"/>
+              <a:ea typeface="SimSun" panose="02010600030101010101" pitchFamily="2" charset="-122"/>
+            </a:endParaRPr>
+          </a:p>
+          <a:p>
+            <a:pPr marL="514350" lvl="1" indent="0">
+              <a:lnSpc>
+                <a:spcPct val="110000"/>
+              </a:lnSpc>
+              <a:spcBef>
+                <a:spcPts val="0"/>
+              </a:spcBef>
+              <a:spcAft>
+                <a:spcPts val="0"/>
+              </a:spcAft>
+              <a:buNone/>
+            </a:pPr>
+            <a:r>
+              <a:rPr lang="en-US" sz="1050" dirty="0">
+                <a:solidFill>
+                  <a:srgbClr val="00589A"/>
+                </a:solidFill>
+                <a:effectLst/>
+                <a:latin typeface="Arial" panose="020B0604020202020204" pitchFamily="34" charset="0"/>
+                <a:ea typeface="SimSun" panose="02010600030101010101" pitchFamily="2" charset="-122"/>
+              </a:rPr>
+              <a:t>In this session Brian and I will examine some common actuarial analysis problems (e.g. loss development, trend/inflation, mix shift exhibits, and model diagnostics) through the lens of visualization. Using R’s </a:t>
+            </a:r>
+            <a:r>
+              <a:rPr lang="en-US" sz="1050" dirty="0">
+                <a:effectLst/>
+                <a:latin typeface="Arial" panose="020B0604020202020204" pitchFamily="34" charset="0"/>
+                <a:ea typeface="SimSun" panose="02010600030101010101" pitchFamily="2" charset="-122"/>
+              </a:rPr>
+              <a:t>`ggplot2` </a:t>
+            </a:r>
+            <a:r>
+              <a:rPr lang="en-US" sz="1050" dirty="0">
+                <a:solidFill>
+                  <a:srgbClr val="00589A"/>
+                </a:solidFill>
+                <a:effectLst/>
+                <a:latin typeface="Arial" panose="020B0604020202020204" pitchFamily="34" charset="0"/>
+                <a:ea typeface="SimSun" panose="02010600030101010101" pitchFamily="2" charset="-122"/>
+              </a:rPr>
+              <a:t>package, we’ll show how these visualizations can be improved to better communicate the story. For example, reserve loss development can be manipulated with</a:t>
+            </a:r>
+            <a:r>
+              <a:rPr lang="en-US" sz="1050" dirty="0">
+                <a:effectLst/>
+                <a:latin typeface="Arial" panose="020B0604020202020204" pitchFamily="34" charset="0"/>
+                <a:ea typeface="SimSun" panose="02010600030101010101" pitchFamily="2" charset="-122"/>
+              </a:rPr>
+              <a:t> `</a:t>
+            </a:r>
+            <a:r>
+              <a:rPr lang="en-US" sz="1050" dirty="0" err="1">
+                <a:effectLst/>
+                <a:latin typeface="Arial" panose="020B0604020202020204" pitchFamily="34" charset="0"/>
+                <a:ea typeface="SimSun" panose="02010600030101010101" pitchFamily="2" charset="-122"/>
+              </a:rPr>
+              <a:t>dplyr</a:t>
+            </a:r>
+            <a:r>
+              <a:rPr lang="en-US" sz="1050" dirty="0">
+                <a:effectLst/>
+                <a:latin typeface="Arial" panose="020B0604020202020204" pitchFamily="34" charset="0"/>
+                <a:ea typeface="SimSun" panose="02010600030101010101" pitchFamily="2" charset="-122"/>
+              </a:rPr>
+              <a:t>`</a:t>
+            </a:r>
+            <a:r>
+              <a:rPr lang="en-US" sz="1050" dirty="0">
+                <a:solidFill>
+                  <a:srgbClr val="00589A"/>
+                </a:solidFill>
+                <a:effectLst/>
+                <a:latin typeface="Arial" panose="020B0604020202020204" pitchFamily="34" charset="0"/>
+                <a:ea typeface="SimSun" panose="02010600030101010101" pitchFamily="2" charset="-122"/>
+              </a:rPr>
+              <a:t> to show cumulative losses on the x-axis and incremental amounts on the y-axis to better highlight the loss development factor. After demoing a few visualization examples, we’ll show how some formatting tricks can be used to make your visualizations look polished.</a:t>
+            </a:r>
+            <a:endParaRPr lang="en-US" sz="1050" dirty="0">
+              <a:solidFill>
+                <a:srgbClr val="0072BC"/>
+              </a:solidFill>
+              <a:ea typeface="SimSun" panose="02010600030101010101" pitchFamily="2" charset="-122"/>
+            </a:endParaRPr>
+          </a:p>
+          <a:p>
+            <a:pPr marL="114300" indent="0">
+              <a:lnSpc>
+                <a:spcPct val="110000"/>
+              </a:lnSpc>
+              <a:spcBef>
+                <a:spcPts val="0"/>
+              </a:spcBef>
+              <a:spcAft>
+                <a:spcPts val="0"/>
+              </a:spcAft>
+              <a:buNone/>
+            </a:pPr>
+            <a:r>
+              <a:rPr lang="en-US" sz="1050" b="1" dirty="0">
+                <a:solidFill>
+                  <a:srgbClr val="00589A"/>
+                </a:solidFill>
+                <a:effectLst/>
+                <a:latin typeface="Arial" panose="020B0604020202020204" pitchFamily="34" charset="0"/>
+                <a:ea typeface="SimSun" panose="02010600030101010101" pitchFamily="2" charset="-122"/>
+              </a:rPr>
+              <a:t>Learning Objectives:</a:t>
+            </a:r>
+            <a:endParaRPr lang="en-US" sz="1050" b="1" dirty="0">
+              <a:ea typeface="SimSun" panose="02010600030101010101" pitchFamily="2" charset="-122"/>
+            </a:endParaRPr>
+          </a:p>
+          <a:p>
+            <a:pPr indent="-228600">
+              <a:lnSpc>
+                <a:spcPct val="110000"/>
+              </a:lnSpc>
+              <a:spcBef>
+                <a:spcPts val="0"/>
+              </a:spcBef>
+              <a:spcAft>
+                <a:spcPts val="0"/>
+              </a:spcAft>
+              <a:buFont typeface="+mj-lt"/>
+              <a:buAutoNum type="arabicPeriod"/>
+            </a:pPr>
+            <a:r>
+              <a:rPr lang="en-US" sz="1050" dirty="0">
+                <a:solidFill>
+                  <a:srgbClr val="00589A"/>
+                </a:solidFill>
+                <a:effectLst/>
+                <a:latin typeface="Arial" panose="020B0604020202020204" pitchFamily="34" charset="0"/>
+                <a:ea typeface="SimSun" panose="02010600030101010101" pitchFamily="2" charset="-122"/>
+              </a:rPr>
+              <a:t>Demonstrate when alternative representations of common actuarial visualizations are helpful</a:t>
+            </a:r>
+            <a:endParaRPr lang="en-US" sz="1050" dirty="0">
+              <a:ea typeface="SimSun" panose="02010600030101010101" pitchFamily="2" charset="-122"/>
+            </a:endParaRPr>
+          </a:p>
+          <a:p>
+            <a:pPr indent="-228600">
+              <a:lnSpc>
+                <a:spcPct val="110000"/>
+              </a:lnSpc>
+              <a:spcBef>
+                <a:spcPts val="0"/>
+              </a:spcBef>
+              <a:spcAft>
+                <a:spcPts val="0"/>
+              </a:spcAft>
+              <a:buFont typeface="+mj-lt"/>
+              <a:buAutoNum type="arabicPeriod"/>
+            </a:pPr>
+            <a:r>
+              <a:rPr lang="en-US" sz="1050" dirty="0">
+                <a:solidFill>
+                  <a:srgbClr val="00589A"/>
+                </a:solidFill>
+                <a:effectLst/>
+                <a:latin typeface="Arial" panose="020B0604020202020204" pitchFamily="34" charset="0"/>
+                <a:ea typeface="SimSun" panose="02010600030101010101" pitchFamily="2" charset="-122"/>
+              </a:rPr>
+              <a:t>Basic use of the </a:t>
+            </a:r>
+            <a:r>
+              <a:rPr lang="en-US" sz="1050" dirty="0">
+                <a:effectLst/>
+                <a:latin typeface="Arial" panose="020B0604020202020204" pitchFamily="34" charset="0"/>
+                <a:ea typeface="SimSun" panose="02010600030101010101" pitchFamily="2" charset="-122"/>
+              </a:rPr>
+              <a:t>`ggplot2`</a:t>
+            </a:r>
+            <a:r>
+              <a:rPr lang="en-US" sz="1050" dirty="0">
+                <a:solidFill>
+                  <a:srgbClr val="00589A"/>
+                </a:solidFill>
+                <a:effectLst/>
+                <a:latin typeface="Arial" panose="020B0604020202020204" pitchFamily="34" charset="0"/>
+                <a:ea typeface="SimSun" panose="02010600030101010101" pitchFamily="2" charset="-122"/>
+              </a:rPr>
+              <a:t> package</a:t>
+            </a:r>
+            <a:endParaRPr lang="en-US" sz="1050" dirty="0">
+              <a:ea typeface="SimSun" panose="02010600030101010101" pitchFamily="2" charset="-122"/>
+            </a:endParaRPr>
+          </a:p>
+          <a:p>
+            <a:pPr indent="-228600">
+              <a:lnSpc>
+                <a:spcPct val="110000"/>
+              </a:lnSpc>
+              <a:spcBef>
+                <a:spcPts val="0"/>
+              </a:spcBef>
+              <a:spcAft>
+                <a:spcPts val="0"/>
+              </a:spcAft>
+              <a:buFont typeface="+mj-lt"/>
+              <a:buAutoNum type="arabicPeriod"/>
+            </a:pPr>
+            <a:r>
+              <a:rPr lang="en-US" sz="1050" dirty="0">
+                <a:solidFill>
+                  <a:srgbClr val="00589A"/>
+                </a:solidFill>
+                <a:effectLst/>
+                <a:latin typeface="Arial" panose="020B0604020202020204" pitchFamily="34" charset="0"/>
+                <a:ea typeface="SimSun" panose="02010600030101010101" pitchFamily="2" charset="-122"/>
+              </a:rPr>
+              <a:t>When and how to use non-data formatting to customize a visualization for your audience</a:t>
+            </a:r>
+            <a:endParaRPr lang="en-US" sz="1050" dirty="0">
+              <a:effectLst/>
+              <a:latin typeface="Arial" panose="020B0604020202020204" pitchFamily="34" charset="0"/>
+              <a:ea typeface="SimSun" panose="02010600030101010101" pitchFamily="2" charset="-122"/>
+            </a:endParaRPr>
+          </a:p>
+          <a:p>
+            <a:pPr marL="114300" marR="0" indent="0">
+              <a:lnSpc>
+                <a:spcPct val="110000"/>
+              </a:lnSpc>
+              <a:spcBef>
+                <a:spcPts val="0"/>
+              </a:spcBef>
+              <a:spcAft>
+                <a:spcPts val="0"/>
+              </a:spcAft>
+              <a:buNone/>
+            </a:pPr>
+            <a:r>
+              <a:rPr lang="en-US" sz="1050" b="1" dirty="0">
+                <a:solidFill>
+                  <a:srgbClr val="00589A"/>
+                </a:solidFill>
+                <a:effectLst/>
+                <a:latin typeface="Arial" panose="020B0604020202020204" pitchFamily="34" charset="0"/>
+                <a:ea typeface="SimSun" panose="02010600030101010101" pitchFamily="2" charset="-122"/>
+              </a:rPr>
+              <a:t>Session Format</a:t>
+            </a:r>
+            <a:r>
+              <a:rPr lang="en-US" sz="1050" dirty="0">
+                <a:solidFill>
+                  <a:srgbClr val="00589A"/>
+                </a:solidFill>
+                <a:effectLst/>
+                <a:latin typeface="Arial" panose="020B0604020202020204" pitchFamily="34" charset="0"/>
+                <a:ea typeface="SimSun" panose="02010600030101010101" pitchFamily="2" charset="-122"/>
+              </a:rPr>
+              <a:t>: Concurrent Session, 50-60 minutes</a:t>
+            </a:r>
+            <a:endParaRPr lang="en-US" sz="1050" dirty="0">
+              <a:effectLst/>
+              <a:latin typeface="Arial" panose="020B0604020202020204" pitchFamily="34" charset="0"/>
+              <a:ea typeface="SimSun" panose="02010600030101010101" pitchFamily="2" charset="-122"/>
+            </a:endParaRPr>
+          </a:p>
+          <a:p>
+            <a:pPr marL="114300" marR="0" indent="0">
+              <a:lnSpc>
+                <a:spcPct val="110000"/>
+              </a:lnSpc>
+              <a:spcBef>
+                <a:spcPts val="0"/>
+              </a:spcBef>
+              <a:spcAft>
+                <a:spcPts val="0"/>
+              </a:spcAft>
+              <a:buNone/>
+            </a:pPr>
+            <a:r>
+              <a:rPr lang="en-US" sz="1050" b="1" dirty="0">
+                <a:solidFill>
+                  <a:srgbClr val="00589A"/>
+                </a:solidFill>
+                <a:effectLst/>
+                <a:latin typeface="Arial" panose="020B0604020202020204" pitchFamily="34" charset="0"/>
+                <a:ea typeface="SimSun" panose="02010600030101010101" pitchFamily="2" charset="-122"/>
+              </a:rPr>
+              <a:t>Theme</a:t>
+            </a:r>
+            <a:r>
+              <a:rPr lang="en-US" sz="1050" dirty="0">
+                <a:solidFill>
+                  <a:srgbClr val="00589A"/>
+                </a:solidFill>
+                <a:effectLst/>
+                <a:latin typeface="Arial" panose="020B0604020202020204" pitchFamily="34" charset="0"/>
+                <a:ea typeface="SimSun" panose="02010600030101010101" pitchFamily="2" charset="-122"/>
+              </a:rPr>
+              <a:t>: Navigate</a:t>
+            </a:r>
+            <a:endParaRPr lang="en-US" sz="1050" dirty="0">
+              <a:effectLst/>
+              <a:latin typeface="Arial" panose="020B0604020202020204" pitchFamily="34" charset="0"/>
+              <a:ea typeface="SimSun" panose="02010600030101010101" pitchFamily="2" charset="-122"/>
+            </a:endParaRPr>
+          </a:p>
+          <a:p>
+            <a:pPr marL="114300" marR="0" indent="0">
+              <a:lnSpc>
+                <a:spcPct val="110000"/>
+              </a:lnSpc>
+              <a:spcBef>
+                <a:spcPts val="0"/>
+              </a:spcBef>
+              <a:spcAft>
+                <a:spcPts val="0"/>
+              </a:spcAft>
+              <a:buNone/>
+            </a:pPr>
+            <a:r>
+              <a:rPr lang="en-US" sz="1050" b="1" dirty="0">
+                <a:solidFill>
+                  <a:srgbClr val="00589A"/>
+                </a:solidFill>
+                <a:effectLst/>
+                <a:latin typeface="Arial" panose="020B0604020202020204" pitchFamily="34" charset="0"/>
+                <a:ea typeface="SimSun" panose="02010600030101010101" pitchFamily="2" charset="-122"/>
+              </a:rPr>
+              <a:t>Applicable Areas</a:t>
+            </a:r>
+            <a:r>
+              <a:rPr lang="en-US" sz="1050" dirty="0">
+                <a:solidFill>
+                  <a:srgbClr val="00589A"/>
+                </a:solidFill>
+                <a:effectLst/>
+                <a:latin typeface="Arial" panose="020B0604020202020204" pitchFamily="34" charset="0"/>
+                <a:ea typeface="SimSun" panose="02010600030101010101" pitchFamily="2" charset="-122"/>
+              </a:rPr>
+              <a:t>: Actuarial Toolkit: Programming Software, Data Manipulation Tools, and Data Visualization Tools</a:t>
+            </a:r>
+            <a:endParaRPr lang="en-US" sz="1050" dirty="0">
+              <a:effectLst/>
+              <a:latin typeface="Arial" panose="020B0604020202020204" pitchFamily="34" charset="0"/>
+              <a:ea typeface="SimSun" panose="02010600030101010101" pitchFamily="2" charset="-122"/>
+            </a:endParaRPr>
+          </a:p>
+          <a:p>
+            <a:pPr marL="114300" marR="0" indent="0">
+              <a:lnSpc>
+                <a:spcPct val="110000"/>
+              </a:lnSpc>
+              <a:spcBef>
+                <a:spcPts val="0"/>
+              </a:spcBef>
+              <a:spcAft>
+                <a:spcPts val="0"/>
+              </a:spcAft>
+              <a:buNone/>
+            </a:pPr>
+            <a:r>
+              <a:rPr lang="en-US" sz="1050" b="1" dirty="0">
+                <a:solidFill>
+                  <a:srgbClr val="00589A"/>
+                </a:solidFill>
+                <a:effectLst/>
+                <a:latin typeface="Arial" panose="020B0604020202020204" pitchFamily="34" charset="0"/>
+                <a:ea typeface="SimSun" panose="02010600030101010101" pitchFamily="2" charset="-122"/>
+              </a:rPr>
+              <a:t>Knowledge Level</a:t>
+            </a:r>
+            <a:r>
+              <a:rPr lang="en-US" sz="1050" dirty="0">
+                <a:solidFill>
+                  <a:srgbClr val="00589A"/>
+                </a:solidFill>
+                <a:effectLst/>
+                <a:latin typeface="Arial" panose="020B0604020202020204" pitchFamily="34" charset="0"/>
+                <a:ea typeface="SimSun" panose="02010600030101010101" pitchFamily="2" charset="-122"/>
+              </a:rPr>
+              <a:t>: Level 2: General Knowledge of the Subject (6-9 years)</a:t>
+            </a:r>
+            <a:endParaRPr lang="en-US" sz="1050" dirty="0">
+              <a:effectLst/>
+              <a:latin typeface="Arial" panose="020B0604020202020204" pitchFamily="34" charset="0"/>
+              <a:ea typeface="SimSun" panose="02010600030101010101" pitchFamily="2" charset="-122"/>
+            </a:endParaRPr>
+          </a:p>
+          <a:p>
+            <a:pPr marL="114300" marR="0" indent="0">
+              <a:lnSpc>
+                <a:spcPct val="110000"/>
+              </a:lnSpc>
+              <a:spcBef>
+                <a:spcPts val="0"/>
+              </a:spcBef>
+              <a:spcAft>
+                <a:spcPts val="0"/>
+              </a:spcAft>
+              <a:buNone/>
+            </a:pPr>
+            <a:r>
+              <a:rPr lang="en-US" sz="1050" b="1" dirty="0">
+                <a:solidFill>
+                  <a:srgbClr val="00589A"/>
+                </a:solidFill>
+                <a:effectLst/>
+                <a:latin typeface="Arial" panose="020B0604020202020204" pitchFamily="34" charset="0"/>
+                <a:ea typeface="SimSun" panose="02010600030101010101" pitchFamily="2" charset="-122"/>
+              </a:rPr>
+              <a:t>Interactive Elements</a:t>
+            </a:r>
+            <a:r>
+              <a:rPr lang="en-US" sz="1050" dirty="0">
+                <a:solidFill>
+                  <a:srgbClr val="00589A"/>
+                </a:solidFill>
+                <a:effectLst/>
+                <a:latin typeface="Arial" panose="020B0604020202020204" pitchFamily="34" charset="0"/>
+                <a:ea typeface="SimSun" panose="02010600030101010101" pitchFamily="2" charset="-122"/>
+              </a:rPr>
+              <a:t>: There will be one or two discussion prompts, as well live voting to compare different means of visualizing data analysis</a:t>
+            </a:r>
+            <a:endParaRPr lang="en-US" sz="1050" dirty="0">
+              <a:effectLst/>
+              <a:latin typeface="Arial" panose="020B0604020202020204" pitchFamily="34" charset="0"/>
+              <a:ea typeface="SimSun" panose="02010600030101010101" pitchFamily="2" charset="-122"/>
+            </a:endParaRPr>
+          </a:p>
+          <a:p>
+            <a:endParaRPr lang="en-US" sz="1050" dirty="0"/>
+          </a:p>
+        </p:txBody>
+      </p:sp>
+      <p:sp>
+        <p:nvSpPr>
+          <p:cNvPr id="4" name="Rectangle 3">
+            <a:extLst>
+              <a:ext uri="{FF2B5EF4-FFF2-40B4-BE49-F238E27FC236}">
+                <a16:creationId xmlns:a16="http://schemas.microsoft.com/office/drawing/2014/main" id="{9BEF9406-5BE2-272B-C07C-310932DEEE05}"/>
+              </a:ext>
+            </a:extLst>
+          </p:cNvPr>
+          <p:cNvSpPr/>
+          <p:nvPr/>
+        </p:nvSpPr>
+        <p:spPr>
+          <a:xfrm>
+            <a:off x="0" y="5638800"/>
+            <a:ext cx="5029200" cy="1219199"/>
+          </a:xfrm>
+          <a:prstGeom prst="rect">
+            <a:avLst/>
+          </a:prstGeom>
+          <a:solidFill>
+            <a:srgbClr val="FFFF00"/>
+          </a:solidFill>
+        </p:spPr>
+        <p:style>
+          <a:lnRef idx="2">
+            <a:schemeClr val="accent1">
+              <a:shade val="50000"/>
+            </a:schemeClr>
+          </a:lnRef>
+          <a:fillRef idx="1">
+            <a:schemeClr val="accent1"/>
+          </a:fillRef>
+          <a:effectRef idx="0">
+            <a:schemeClr val="accent1"/>
+          </a:effectRef>
+          <a:fontRef idx="minor">
+            <a:schemeClr val="lt1"/>
+          </a:fontRef>
+        </p:style>
+        <p:txBody>
+          <a:bodyPr rtlCol="0" anchor="ctr"/>
+          <a:lstStyle/>
+          <a:p>
+            <a:pPr algn="ctr"/>
+            <a:r>
+              <a:rPr lang="en-US" b="1" dirty="0">
+                <a:solidFill>
+                  <a:schemeClr val="tx1"/>
+                </a:solidFill>
+              </a:rPr>
+              <a:t>To Be Removed. For Reference Only.</a:t>
             </a:r>
           </a:p>
         </p:txBody>
@@ -14212,7 +14913,839 @@
     </p:spTree>
     <p:extLst>
       <p:ext uri="{BB962C8B-B14F-4D97-AF65-F5344CB8AC3E}">
-        <p14:creationId xmlns:p14="http://schemas.microsoft.com/office/powerpoint/2010/main" val="3575641883"/>
+        <p14:creationId xmlns:p14="http://schemas.microsoft.com/office/powerpoint/2010/main" val="2821091003"/>
+      </p:ext>
+    </p:extLst>
+  </p:cSld>
+  <p:clrMapOvr>
+    <a:masterClrMapping/>
+  </p:clrMapOvr>
+</p:sld>
+</file>
+
+<file path=ppt/slides/slide10.xml><?xml version="1.0" encoding="utf-8"?>
+<p:sld xmlns:a="http://schemas.openxmlformats.org/drawingml/2006/main" xmlns:r="http://schemas.openxmlformats.org/officeDocument/2006/relationships" xmlns:p="http://schemas.openxmlformats.org/presentationml/2006/main">
+  <p:cSld>
+    <p:spTree>
+      <p:nvGrpSpPr>
+        <p:cNvPr id="1" name=""/>
+        <p:cNvGrpSpPr/>
+        <p:nvPr/>
+      </p:nvGrpSpPr>
+      <p:grpSpPr>
+        <a:xfrm>
+          <a:off x="0" y="0"/>
+          <a:ext cx="0" cy="0"/>
+          <a:chOff x="0" y="0"/>
+          <a:chExt cx="0" cy="0"/>
+        </a:xfrm>
+      </p:grpSpPr>
+      <p:sp>
+        <p:nvSpPr>
+          <p:cNvPr id="2" name="Title 1">
+            <a:extLst>
+              <a:ext uri="{FF2B5EF4-FFF2-40B4-BE49-F238E27FC236}">
+                <a16:creationId xmlns:a16="http://schemas.microsoft.com/office/drawing/2014/main" id="{18969BF5-0288-FD7C-1739-0C8672F3D7F8}"/>
+              </a:ext>
+            </a:extLst>
+          </p:cNvPr>
+          <p:cNvSpPr>
+            <a:spLocks noGrp="1"/>
+          </p:cNvSpPr>
+          <p:nvPr>
+            <p:ph type="title"/>
+          </p:nvPr>
+        </p:nvSpPr>
+        <p:spPr/>
+        <p:txBody>
+          <a:bodyPr/>
+          <a:lstStyle/>
+          <a:p>
+            <a:r>
+              <a:rPr lang="en-US" dirty="0"/>
+              <a:t>Loss Development Triangles</a:t>
+            </a:r>
+          </a:p>
+        </p:txBody>
+      </p:sp>
+      <p:sp>
+        <p:nvSpPr>
+          <p:cNvPr id="3" name="Content Placeholder 2">
+            <a:extLst>
+              <a:ext uri="{FF2B5EF4-FFF2-40B4-BE49-F238E27FC236}">
+                <a16:creationId xmlns:a16="http://schemas.microsoft.com/office/drawing/2014/main" id="{39176E43-0115-E50B-D268-5E00760022A7}"/>
+              </a:ext>
+            </a:extLst>
+          </p:cNvPr>
+          <p:cNvSpPr>
+            <a:spLocks noGrp="1"/>
+          </p:cNvSpPr>
+          <p:nvPr>
+            <p:ph idx="1"/>
+          </p:nvPr>
+        </p:nvSpPr>
+        <p:spPr/>
+        <p:txBody>
+          <a:bodyPr/>
+          <a:lstStyle/>
+          <a:p>
+            <a:endParaRPr lang="en-US" dirty="0"/>
+          </a:p>
+        </p:txBody>
+      </p:sp>
+    </p:spTree>
+    <p:extLst>
+      <p:ext uri="{BB962C8B-B14F-4D97-AF65-F5344CB8AC3E}">
+        <p14:creationId xmlns:p14="http://schemas.microsoft.com/office/powerpoint/2010/main" val="2988560573"/>
+      </p:ext>
+    </p:extLst>
+  </p:cSld>
+  <p:clrMapOvr>
+    <a:masterClrMapping/>
+  </p:clrMapOvr>
+</p:sld>
+</file>
+
+<file path=ppt/slides/slide11.xml><?xml version="1.0" encoding="utf-8"?>
+<p:sld xmlns:a="http://schemas.openxmlformats.org/drawingml/2006/main" xmlns:r="http://schemas.openxmlformats.org/officeDocument/2006/relationships" xmlns:p="http://schemas.openxmlformats.org/presentationml/2006/main">
+  <p:cSld>
+    <p:spTree>
+      <p:nvGrpSpPr>
+        <p:cNvPr id="1" name=""/>
+        <p:cNvGrpSpPr/>
+        <p:nvPr/>
+      </p:nvGrpSpPr>
+      <p:grpSpPr>
+        <a:xfrm>
+          <a:off x="0" y="0"/>
+          <a:ext cx="0" cy="0"/>
+          <a:chOff x="0" y="0"/>
+          <a:chExt cx="0" cy="0"/>
+        </a:xfrm>
+      </p:grpSpPr>
+      <p:sp>
+        <p:nvSpPr>
+          <p:cNvPr id="2" name="Title 1">
+            <a:extLst>
+              <a:ext uri="{FF2B5EF4-FFF2-40B4-BE49-F238E27FC236}">
+                <a16:creationId xmlns:a16="http://schemas.microsoft.com/office/drawing/2014/main" id="{18969BF5-0288-FD7C-1739-0C8672F3D7F8}"/>
+              </a:ext>
+            </a:extLst>
+          </p:cNvPr>
+          <p:cNvSpPr>
+            <a:spLocks noGrp="1"/>
+          </p:cNvSpPr>
+          <p:nvPr>
+            <p:ph type="title"/>
+          </p:nvPr>
+        </p:nvSpPr>
+        <p:spPr/>
+        <p:txBody>
+          <a:bodyPr/>
+          <a:lstStyle/>
+          <a:p>
+            <a:r>
+              <a:rPr lang="en-US" dirty="0"/>
+              <a:t>Trend Selection</a:t>
+            </a:r>
+          </a:p>
+        </p:txBody>
+      </p:sp>
+      <p:sp>
+        <p:nvSpPr>
+          <p:cNvPr id="3" name="Content Placeholder 2">
+            <a:extLst>
+              <a:ext uri="{FF2B5EF4-FFF2-40B4-BE49-F238E27FC236}">
+                <a16:creationId xmlns:a16="http://schemas.microsoft.com/office/drawing/2014/main" id="{39176E43-0115-E50B-D268-5E00760022A7}"/>
+              </a:ext>
+            </a:extLst>
+          </p:cNvPr>
+          <p:cNvSpPr>
+            <a:spLocks noGrp="1"/>
+          </p:cNvSpPr>
+          <p:nvPr>
+            <p:ph idx="1"/>
+          </p:nvPr>
+        </p:nvSpPr>
+        <p:spPr/>
+        <p:txBody>
+          <a:bodyPr/>
+          <a:lstStyle/>
+          <a:p>
+            <a:endParaRPr lang="en-US" dirty="0"/>
+          </a:p>
+        </p:txBody>
+      </p:sp>
+    </p:spTree>
+    <p:extLst>
+      <p:ext uri="{BB962C8B-B14F-4D97-AF65-F5344CB8AC3E}">
+        <p14:creationId xmlns:p14="http://schemas.microsoft.com/office/powerpoint/2010/main" val="3996687486"/>
+      </p:ext>
+    </p:extLst>
+  </p:cSld>
+  <p:clrMapOvr>
+    <a:masterClrMapping/>
+  </p:clrMapOvr>
+</p:sld>
+</file>
+
+<file path=ppt/slides/slide12.xml><?xml version="1.0" encoding="utf-8"?>
+<p:sld xmlns:a="http://schemas.openxmlformats.org/drawingml/2006/main" xmlns:r="http://schemas.openxmlformats.org/officeDocument/2006/relationships" xmlns:p="http://schemas.openxmlformats.org/presentationml/2006/main">
+  <p:cSld>
+    <p:spTree>
+      <p:nvGrpSpPr>
+        <p:cNvPr id="1" name=""/>
+        <p:cNvGrpSpPr/>
+        <p:nvPr/>
+      </p:nvGrpSpPr>
+      <p:grpSpPr>
+        <a:xfrm>
+          <a:off x="0" y="0"/>
+          <a:ext cx="0" cy="0"/>
+          <a:chOff x="0" y="0"/>
+          <a:chExt cx="0" cy="0"/>
+        </a:xfrm>
+      </p:grpSpPr>
+      <p:sp>
+        <p:nvSpPr>
+          <p:cNvPr id="2" name="Title 1">
+            <a:extLst>
+              <a:ext uri="{FF2B5EF4-FFF2-40B4-BE49-F238E27FC236}">
+                <a16:creationId xmlns:a16="http://schemas.microsoft.com/office/drawing/2014/main" id="{18969BF5-0288-FD7C-1739-0C8672F3D7F8}"/>
+              </a:ext>
+            </a:extLst>
+          </p:cNvPr>
+          <p:cNvSpPr>
+            <a:spLocks noGrp="1"/>
+          </p:cNvSpPr>
+          <p:nvPr>
+            <p:ph type="title"/>
+          </p:nvPr>
+        </p:nvSpPr>
+        <p:spPr/>
+        <p:txBody>
+          <a:bodyPr/>
+          <a:lstStyle/>
+          <a:p>
+            <a:r>
+              <a:rPr lang="en-US" dirty="0"/>
+              <a:t>Trend Selection</a:t>
+            </a:r>
+          </a:p>
+        </p:txBody>
+      </p:sp>
+      <p:sp>
+        <p:nvSpPr>
+          <p:cNvPr id="3" name="Content Placeholder 2">
+            <a:extLst>
+              <a:ext uri="{FF2B5EF4-FFF2-40B4-BE49-F238E27FC236}">
+                <a16:creationId xmlns:a16="http://schemas.microsoft.com/office/drawing/2014/main" id="{39176E43-0115-E50B-D268-5E00760022A7}"/>
+              </a:ext>
+            </a:extLst>
+          </p:cNvPr>
+          <p:cNvSpPr>
+            <a:spLocks noGrp="1"/>
+          </p:cNvSpPr>
+          <p:nvPr>
+            <p:ph idx="1"/>
+          </p:nvPr>
+        </p:nvSpPr>
+        <p:spPr/>
+        <p:txBody>
+          <a:bodyPr/>
+          <a:lstStyle/>
+          <a:p>
+            <a:endParaRPr lang="en-US" dirty="0"/>
+          </a:p>
+        </p:txBody>
+      </p:sp>
+    </p:spTree>
+    <p:extLst>
+      <p:ext uri="{BB962C8B-B14F-4D97-AF65-F5344CB8AC3E}">
+        <p14:creationId xmlns:p14="http://schemas.microsoft.com/office/powerpoint/2010/main" val="2234546495"/>
+      </p:ext>
+    </p:extLst>
+  </p:cSld>
+  <p:clrMapOvr>
+    <a:masterClrMapping/>
+  </p:clrMapOvr>
+</p:sld>
+</file>
+
+<file path=ppt/slides/slide13.xml><?xml version="1.0" encoding="utf-8"?>
+<p:sld xmlns:a="http://schemas.openxmlformats.org/drawingml/2006/main" xmlns:r="http://schemas.openxmlformats.org/officeDocument/2006/relationships" xmlns:p="http://schemas.openxmlformats.org/presentationml/2006/main">
+  <p:cSld>
+    <p:spTree>
+      <p:nvGrpSpPr>
+        <p:cNvPr id="1" name=""/>
+        <p:cNvGrpSpPr/>
+        <p:nvPr/>
+      </p:nvGrpSpPr>
+      <p:grpSpPr>
+        <a:xfrm>
+          <a:off x="0" y="0"/>
+          <a:ext cx="0" cy="0"/>
+          <a:chOff x="0" y="0"/>
+          <a:chExt cx="0" cy="0"/>
+        </a:xfrm>
+      </p:grpSpPr>
+      <p:sp>
+        <p:nvSpPr>
+          <p:cNvPr id="2" name="Title 1">
+            <a:extLst>
+              <a:ext uri="{FF2B5EF4-FFF2-40B4-BE49-F238E27FC236}">
+                <a16:creationId xmlns:a16="http://schemas.microsoft.com/office/drawing/2014/main" id="{18969BF5-0288-FD7C-1739-0C8672F3D7F8}"/>
+              </a:ext>
+            </a:extLst>
+          </p:cNvPr>
+          <p:cNvSpPr>
+            <a:spLocks noGrp="1"/>
+          </p:cNvSpPr>
+          <p:nvPr>
+            <p:ph type="title"/>
+          </p:nvPr>
+        </p:nvSpPr>
+        <p:spPr/>
+        <p:txBody>
+          <a:bodyPr/>
+          <a:lstStyle/>
+          <a:p>
+            <a:r>
+              <a:rPr lang="en-US" dirty="0"/>
+              <a:t>Rate Indications</a:t>
+            </a:r>
+          </a:p>
+        </p:txBody>
+      </p:sp>
+      <p:sp>
+        <p:nvSpPr>
+          <p:cNvPr id="3" name="Content Placeholder 2">
+            <a:extLst>
+              <a:ext uri="{FF2B5EF4-FFF2-40B4-BE49-F238E27FC236}">
+                <a16:creationId xmlns:a16="http://schemas.microsoft.com/office/drawing/2014/main" id="{39176E43-0115-E50B-D268-5E00760022A7}"/>
+              </a:ext>
+            </a:extLst>
+          </p:cNvPr>
+          <p:cNvSpPr>
+            <a:spLocks noGrp="1"/>
+          </p:cNvSpPr>
+          <p:nvPr>
+            <p:ph idx="1"/>
+          </p:nvPr>
+        </p:nvSpPr>
+        <p:spPr/>
+        <p:txBody>
+          <a:bodyPr/>
+          <a:lstStyle/>
+          <a:p>
+            <a:endParaRPr lang="en-US" dirty="0"/>
+          </a:p>
+        </p:txBody>
+      </p:sp>
+    </p:spTree>
+    <p:extLst>
+      <p:ext uri="{BB962C8B-B14F-4D97-AF65-F5344CB8AC3E}">
+        <p14:creationId xmlns:p14="http://schemas.microsoft.com/office/powerpoint/2010/main" val="3744326896"/>
+      </p:ext>
+    </p:extLst>
+  </p:cSld>
+  <p:clrMapOvr>
+    <a:masterClrMapping/>
+  </p:clrMapOvr>
+</p:sld>
+</file>
+
+<file path=ppt/slides/slide14.xml><?xml version="1.0" encoding="utf-8"?>
+<p:sld xmlns:a="http://schemas.openxmlformats.org/drawingml/2006/main" xmlns:r="http://schemas.openxmlformats.org/officeDocument/2006/relationships" xmlns:p="http://schemas.openxmlformats.org/presentationml/2006/main">
+  <p:cSld>
+    <p:spTree>
+      <p:nvGrpSpPr>
+        <p:cNvPr id="1" name=""/>
+        <p:cNvGrpSpPr/>
+        <p:nvPr/>
+      </p:nvGrpSpPr>
+      <p:grpSpPr>
+        <a:xfrm>
+          <a:off x="0" y="0"/>
+          <a:ext cx="0" cy="0"/>
+          <a:chOff x="0" y="0"/>
+          <a:chExt cx="0" cy="0"/>
+        </a:xfrm>
+      </p:grpSpPr>
+      <p:sp>
+        <p:nvSpPr>
+          <p:cNvPr id="2" name="Title 1">
+            <a:extLst>
+              <a:ext uri="{FF2B5EF4-FFF2-40B4-BE49-F238E27FC236}">
+                <a16:creationId xmlns:a16="http://schemas.microsoft.com/office/drawing/2014/main" id="{18969BF5-0288-FD7C-1739-0C8672F3D7F8}"/>
+              </a:ext>
+            </a:extLst>
+          </p:cNvPr>
+          <p:cNvSpPr>
+            <a:spLocks noGrp="1"/>
+          </p:cNvSpPr>
+          <p:nvPr>
+            <p:ph type="title"/>
+          </p:nvPr>
+        </p:nvSpPr>
+        <p:spPr/>
+        <p:txBody>
+          <a:bodyPr/>
+          <a:lstStyle/>
+          <a:p>
+            <a:r>
+              <a:rPr lang="en-US"/>
+              <a:t>Rate Indications</a:t>
+            </a:r>
+            <a:endParaRPr lang="en-US" dirty="0"/>
+          </a:p>
+        </p:txBody>
+      </p:sp>
+      <p:sp>
+        <p:nvSpPr>
+          <p:cNvPr id="3" name="Content Placeholder 2">
+            <a:extLst>
+              <a:ext uri="{FF2B5EF4-FFF2-40B4-BE49-F238E27FC236}">
+                <a16:creationId xmlns:a16="http://schemas.microsoft.com/office/drawing/2014/main" id="{39176E43-0115-E50B-D268-5E00760022A7}"/>
+              </a:ext>
+            </a:extLst>
+          </p:cNvPr>
+          <p:cNvSpPr>
+            <a:spLocks noGrp="1"/>
+          </p:cNvSpPr>
+          <p:nvPr>
+            <p:ph idx="1"/>
+          </p:nvPr>
+        </p:nvSpPr>
+        <p:spPr/>
+        <p:txBody>
+          <a:bodyPr/>
+          <a:lstStyle/>
+          <a:p>
+            <a:endParaRPr lang="en-US" dirty="0"/>
+          </a:p>
+        </p:txBody>
+      </p:sp>
+    </p:spTree>
+    <p:extLst>
+      <p:ext uri="{BB962C8B-B14F-4D97-AF65-F5344CB8AC3E}">
+        <p14:creationId xmlns:p14="http://schemas.microsoft.com/office/powerpoint/2010/main" val="2037117755"/>
+      </p:ext>
+    </p:extLst>
+  </p:cSld>
+  <p:clrMapOvr>
+    <a:masterClrMapping/>
+  </p:clrMapOvr>
+</p:sld>
+</file>
+
+<file path=ppt/slides/slide15.xml><?xml version="1.0" encoding="utf-8"?>
+<p:sld xmlns:a="http://schemas.openxmlformats.org/drawingml/2006/main" xmlns:r="http://schemas.openxmlformats.org/officeDocument/2006/relationships" xmlns:p="http://schemas.openxmlformats.org/presentationml/2006/main">
+  <p:cSld>
+    <p:spTree>
+      <p:nvGrpSpPr>
+        <p:cNvPr id="1" name=""/>
+        <p:cNvGrpSpPr/>
+        <p:nvPr/>
+      </p:nvGrpSpPr>
+      <p:grpSpPr>
+        <a:xfrm>
+          <a:off x="0" y="0"/>
+          <a:ext cx="0" cy="0"/>
+          <a:chOff x="0" y="0"/>
+          <a:chExt cx="0" cy="0"/>
+        </a:xfrm>
+      </p:grpSpPr>
+      <p:sp>
+        <p:nvSpPr>
+          <p:cNvPr id="2" name="Title 1">
+            <a:extLst>
+              <a:ext uri="{FF2B5EF4-FFF2-40B4-BE49-F238E27FC236}">
+                <a16:creationId xmlns:a16="http://schemas.microsoft.com/office/drawing/2014/main" id="{18969BF5-0288-FD7C-1739-0C8672F3D7F8}"/>
+              </a:ext>
+            </a:extLst>
+          </p:cNvPr>
+          <p:cNvSpPr>
+            <a:spLocks noGrp="1"/>
+          </p:cNvSpPr>
+          <p:nvPr>
+            <p:ph type="title"/>
+          </p:nvPr>
+        </p:nvSpPr>
+        <p:spPr/>
+        <p:txBody>
+          <a:bodyPr/>
+          <a:lstStyle/>
+          <a:p>
+            <a:r>
+              <a:rPr lang="en-US" dirty="0"/>
+              <a:t>Mix Shift</a:t>
+            </a:r>
+          </a:p>
+        </p:txBody>
+      </p:sp>
+      <p:sp>
+        <p:nvSpPr>
+          <p:cNvPr id="3" name="Content Placeholder 2">
+            <a:extLst>
+              <a:ext uri="{FF2B5EF4-FFF2-40B4-BE49-F238E27FC236}">
+                <a16:creationId xmlns:a16="http://schemas.microsoft.com/office/drawing/2014/main" id="{39176E43-0115-E50B-D268-5E00760022A7}"/>
+              </a:ext>
+            </a:extLst>
+          </p:cNvPr>
+          <p:cNvSpPr>
+            <a:spLocks noGrp="1"/>
+          </p:cNvSpPr>
+          <p:nvPr>
+            <p:ph idx="1"/>
+          </p:nvPr>
+        </p:nvSpPr>
+        <p:spPr/>
+        <p:txBody>
+          <a:bodyPr/>
+          <a:lstStyle/>
+          <a:p>
+            <a:endParaRPr lang="en-US" dirty="0"/>
+          </a:p>
+        </p:txBody>
+      </p:sp>
+    </p:spTree>
+    <p:extLst>
+      <p:ext uri="{BB962C8B-B14F-4D97-AF65-F5344CB8AC3E}">
+        <p14:creationId xmlns:p14="http://schemas.microsoft.com/office/powerpoint/2010/main" val="233457934"/>
+      </p:ext>
+    </p:extLst>
+  </p:cSld>
+  <p:clrMapOvr>
+    <a:masterClrMapping/>
+  </p:clrMapOvr>
+</p:sld>
+</file>
+
+<file path=ppt/slides/slide16.xml><?xml version="1.0" encoding="utf-8"?>
+<p:sld xmlns:a="http://schemas.openxmlformats.org/drawingml/2006/main" xmlns:r="http://schemas.openxmlformats.org/officeDocument/2006/relationships" xmlns:p="http://schemas.openxmlformats.org/presentationml/2006/main">
+  <p:cSld>
+    <p:spTree>
+      <p:nvGrpSpPr>
+        <p:cNvPr id="1" name=""/>
+        <p:cNvGrpSpPr/>
+        <p:nvPr/>
+      </p:nvGrpSpPr>
+      <p:grpSpPr>
+        <a:xfrm>
+          <a:off x="0" y="0"/>
+          <a:ext cx="0" cy="0"/>
+          <a:chOff x="0" y="0"/>
+          <a:chExt cx="0" cy="0"/>
+        </a:xfrm>
+      </p:grpSpPr>
+      <p:sp>
+        <p:nvSpPr>
+          <p:cNvPr id="2" name="Title 1">
+            <a:extLst>
+              <a:ext uri="{FF2B5EF4-FFF2-40B4-BE49-F238E27FC236}">
+                <a16:creationId xmlns:a16="http://schemas.microsoft.com/office/drawing/2014/main" id="{18969BF5-0288-FD7C-1739-0C8672F3D7F8}"/>
+              </a:ext>
+            </a:extLst>
+          </p:cNvPr>
+          <p:cNvSpPr>
+            <a:spLocks noGrp="1"/>
+          </p:cNvSpPr>
+          <p:nvPr>
+            <p:ph type="title"/>
+          </p:nvPr>
+        </p:nvSpPr>
+        <p:spPr/>
+        <p:txBody>
+          <a:bodyPr/>
+          <a:lstStyle/>
+          <a:p>
+            <a:r>
+              <a:rPr lang="en-US" dirty="0"/>
+              <a:t>Mix Shift</a:t>
+            </a:r>
+          </a:p>
+        </p:txBody>
+      </p:sp>
+      <p:sp>
+        <p:nvSpPr>
+          <p:cNvPr id="3" name="Content Placeholder 2">
+            <a:extLst>
+              <a:ext uri="{FF2B5EF4-FFF2-40B4-BE49-F238E27FC236}">
+                <a16:creationId xmlns:a16="http://schemas.microsoft.com/office/drawing/2014/main" id="{39176E43-0115-E50B-D268-5E00760022A7}"/>
+              </a:ext>
+            </a:extLst>
+          </p:cNvPr>
+          <p:cNvSpPr>
+            <a:spLocks noGrp="1"/>
+          </p:cNvSpPr>
+          <p:nvPr>
+            <p:ph idx="1"/>
+          </p:nvPr>
+        </p:nvSpPr>
+        <p:spPr/>
+        <p:txBody>
+          <a:bodyPr/>
+          <a:lstStyle/>
+          <a:p>
+            <a:endParaRPr lang="en-US" dirty="0"/>
+          </a:p>
+        </p:txBody>
+      </p:sp>
+    </p:spTree>
+    <p:extLst>
+      <p:ext uri="{BB962C8B-B14F-4D97-AF65-F5344CB8AC3E}">
+        <p14:creationId xmlns:p14="http://schemas.microsoft.com/office/powerpoint/2010/main" val="3695907033"/>
+      </p:ext>
+    </p:extLst>
+  </p:cSld>
+  <p:clrMapOvr>
+    <a:masterClrMapping/>
+  </p:clrMapOvr>
+</p:sld>
+</file>
+
+<file path=ppt/slides/slide17.xml><?xml version="1.0" encoding="utf-8"?>
+<p:sld xmlns:a="http://schemas.openxmlformats.org/drawingml/2006/main" xmlns:r="http://schemas.openxmlformats.org/officeDocument/2006/relationships" xmlns:p="http://schemas.openxmlformats.org/presentationml/2006/main">
+  <p:cSld>
+    <p:spTree>
+      <p:nvGrpSpPr>
+        <p:cNvPr id="1" name=""/>
+        <p:cNvGrpSpPr/>
+        <p:nvPr/>
+      </p:nvGrpSpPr>
+      <p:grpSpPr>
+        <a:xfrm>
+          <a:off x="0" y="0"/>
+          <a:ext cx="0" cy="0"/>
+          <a:chOff x="0" y="0"/>
+          <a:chExt cx="0" cy="0"/>
+        </a:xfrm>
+      </p:grpSpPr>
+      <p:sp>
+        <p:nvSpPr>
+          <p:cNvPr id="2" name="Title 1">
+            <a:extLst>
+              <a:ext uri="{FF2B5EF4-FFF2-40B4-BE49-F238E27FC236}">
+                <a16:creationId xmlns:a16="http://schemas.microsoft.com/office/drawing/2014/main" id="{18969BF5-0288-FD7C-1739-0C8672F3D7F8}"/>
+              </a:ext>
+            </a:extLst>
+          </p:cNvPr>
+          <p:cNvSpPr>
+            <a:spLocks noGrp="1"/>
+          </p:cNvSpPr>
+          <p:nvPr>
+            <p:ph type="title"/>
+          </p:nvPr>
+        </p:nvSpPr>
+        <p:spPr/>
+        <p:txBody>
+          <a:bodyPr/>
+          <a:lstStyle/>
+          <a:p>
+            <a:r>
+              <a:rPr lang="en-US" dirty="0"/>
+              <a:t>Model Diagnostics</a:t>
+            </a:r>
+          </a:p>
+        </p:txBody>
+      </p:sp>
+      <p:sp>
+        <p:nvSpPr>
+          <p:cNvPr id="3" name="Content Placeholder 2">
+            <a:extLst>
+              <a:ext uri="{FF2B5EF4-FFF2-40B4-BE49-F238E27FC236}">
+                <a16:creationId xmlns:a16="http://schemas.microsoft.com/office/drawing/2014/main" id="{39176E43-0115-E50B-D268-5E00760022A7}"/>
+              </a:ext>
+            </a:extLst>
+          </p:cNvPr>
+          <p:cNvSpPr>
+            <a:spLocks noGrp="1"/>
+          </p:cNvSpPr>
+          <p:nvPr>
+            <p:ph idx="1"/>
+          </p:nvPr>
+        </p:nvSpPr>
+        <p:spPr/>
+        <p:txBody>
+          <a:bodyPr/>
+          <a:lstStyle/>
+          <a:p>
+            <a:endParaRPr lang="en-US" dirty="0"/>
+          </a:p>
+        </p:txBody>
+      </p:sp>
+    </p:spTree>
+    <p:extLst>
+      <p:ext uri="{BB962C8B-B14F-4D97-AF65-F5344CB8AC3E}">
+        <p14:creationId xmlns:p14="http://schemas.microsoft.com/office/powerpoint/2010/main" val="3026868623"/>
+      </p:ext>
+    </p:extLst>
+  </p:cSld>
+  <p:clrMapOvr>
+    <a:masterClrMapping/>
+  </p:clrMapOvr>
+</p:sld>
+</file>
+
+<file path=ppt/slides/slide18.xml><?xml version="1.0" encoding="utf-8"?>
+<p:sld xmlns:a="http://schemas.openxmlformats.org/drawingml/2006/main" xmlns:r="http://schemas.openxmlformats.org/officeDocument/2006/relationships" xmlns:p="http://schemas.openxmlformats.org/presentationml/2006/main">
+  <p:cSld>
+    <p:spTree>
+      <p:nvGrpSpPr>
+        <p:cNvPr id="1" name=""/>
+        <p:cNvGrpSpPr/>
+        <p:nvPr/>
+      </p:nvGrpSpPr>
+      <p:grpSpPr>
+        <a:xfrm>
+          <a:off x="0" y="0"/>
+          <a:ext cx="0" cy="0"/>
+          <a:chOff x="0" y="0"/>
+          <a:chExt cx="0" cy="0"/>
+        </a:xfrm>
+      </p:grpSpPr>
+      <p:sp>
+        <p:nvSpPr>
+          <p:cNvPr id="2" name="Title 1">
+            <a:extLst>
+              <a:ext uri="{FF2B5EF4-FFF2-40B4-BE49-F238E27FC236}">
+                <a16:creationId xmlns:a16="http://schemas.microsoft.com/office/drawing/2014/main" id="{18969BF5-0288-FD7C-1739-0C8672F3D7F8}"/>
+              </a:ext>
+            </a:extLst>
+          </p:cNvPr>
+          <p:cNvSpPr>
+            <a:spLocks noGrp="1"/>
+          </p:cNvSpPr>
+          <p:nvPr>
+            <p:ph type="title"/>
+          </p:nvPr>
+        </p:nvSpPr>
+        <p:spPr/>
+        <p:txBody>
+          <a:bodyPr/>
+          <a:lstStyle/>
+          <a:p>
+            <a:r>
+              <a:rPr lang="en-US"/>
+              <a:t>Model Diagnostics</a:t>
+            </a:r>
+            <a:endParaRPr lang="en-US" dirty="0"/>
+          </a:p>
+        </p:txBody>
+      </p:sp>
+      <p:sp>
+        <p:nvSpPr>
+          <p:cNvPr id="3" name="Content Placeholder 2">
+            <a:extLst>
+              <a:ext uri="{FF2B5EF4-FFF2-40B4-BE49-F238E27FC236}">
+                <a16:creationId xmlns:a16="http://schemas.microsoft.com/office/drawing/2014/main" id="{39176E43-0115-E50B-D268-5E00760022A7}"/>
+              </a:ext>
+            </a:extLst>
+          </p:cNvPr>
+          <p:cNvSpPr>
+            <a:spLocks noGrp="1"/>
+          </p:cNvSpPr>
+          <p:nvPr>
+            <p:ph idx="1"/>
+          </p:nvPr>
+        </p:nvSpPr>
+        <p:spPr/>
+        <p:txBody>
+          <a:bodyPr/>
+          <a:lstStyle/>
+          <a:p>
+            <a:endParaRPr lang="en-US" dirty="0"/>
+          </a:p>
+        </p:txBody>
+      </p:sp>
+    </p:spTree>
+    <p:extLst>
+      <p:ext uri="{BB962C8B-B14F-4D97-AF65-F5344CB8AC3E}">
+        <p14:creationId xmlns:p14="http://schemas.microsoft.com/office/powerpoint/2010/main" val="1881759498"/>
+      </p:ext>
+    </p:extLst>
+  </p:cSld>
+  <p:clrMapOvr>
+    <a:masterClrMapping/>
+  </p:clrMapOvr>
+</p:sld>
+</file>
+
+<file path=ppt/slides/slide19.xml><?xml version="1.0" encoding="utf-8"?>
+<p:sld xmlns:a="http://schemas.openxmlformats.org/drawingml/2006/main" xmlns:r="http://schemas.openxmlformats.org/officeDocument/2006/relationships" xmlns:p="http://schemas.openxmlformats.org/presentationml/2006/main">
+  <p:cSld>
+    <p:spTree>
+      <p:nvGrpSpPr>
+        <p:cNvPr id="1" name=""/>
+        <p:cNvGrpSpPr/>
+        <p:nvPr/>
+      </p:nvGrpSpPr>
+      <p:grpSpPr>
+        <a:xfrm>
+          <a:off x="0" y="0"/>
+          <a:ext cx="0" cy="0"/>
+          <a:chOff x="0" y="0"/>
+          <a:chExt cx="0" cy="0"/>
+        </a:xfrm>
+      </p:grpSpPr>
+      <p:sp>
+        <p:nvSpPr>
+          <p:cNvPr id="2" name="Title 1">
+            <a:extLst>
+              <a:ext uri="{FF2B5EF4-FFF2-40B4-BE49-F238E27FC236}">
+                <a16:creationId xmlns:a16="http://schemas.microsoft.com/office/drawing/2014/main" id="{FABAA41A-77E6-2FBA-A297-38D8E88EA1EE}"/>
+              </a:ext>
+            </a:extLst>
+          </p:cNvPr>
+          <p:cNvSpPr>
+            <a:spLocks noGrp="1"/>
+          </p:cNvSpPr>
+          <p:nvPr>
+            <p:ph type="title"/>
+          </p:nvPr>
+        </p:nvSpPr>
+        <p:spPr/>
+        <p:txBody>
+          <a:bodyPr/>
+          <a:lstStyle/>
+          <a:p>
+            <a:r>
+              <a:rPr lang="en-US" dirty="0"/>
+              <a:t>Practical formatting tricks</a:t>
+            </a:r>
+          </a:p>
+        </p:txBody>
+      </p:sp>
+      <p:sp>
+        <p:nvSpPr>
+          <p:cNvPr id="3" name="Text Placeholder 2">
+            <a:extLst>
+              <a:ext uri="{FF2B5EF4-FFF2-40B4-BE49-F238E27FC236}">
+                <a16:creationId xmlns:a16="http://schemas.microsoft.com/office/drawing/2014/main" id="{CC58DA01-D3BC-9504-0836-D49045D6C03A}"/>
+              </a:ext>
+            </a:extLst>
+          </p:cNvPr>
+          <p:cNvSpPr>
+            <a:spLocks noGrp="1"/>
+          </p:cNvSpPr>
+          <p:nvPr>
+            <p:ph type="body" idx="1"/>
+          </p:nvPr>
+        </p:nvSpPr>
+        <p:spPr/>
+        <p:txBody>
+          <a:bodyPr/>
+          <a:lstStyle/>
+          <a:p>
+            <a:endParaRPr lang="en-US"/>
+          </a:p>
+        </p:txBody>
+      </p:sp>
+    </p:spTree>
+    <p:extLst>
+      <p:ext uri="{BB962C8B-B14F-4D97-AF65-F5344CB8AC3E}">
+        <p14:creationId xmlns:p14="http://schemas.microsoft.com/office/powerpoint/2010/main" val="177268762"/>
       </p:ext>
     </p:extLst>
   </p:cSld>
@@ -14241,110 +15774,97 @@
       </p:grpSpPr>
       <p:sp>
         <p:nvSpPr>
-          <p:cNvPr id="2" name="Title 1"/>
-          <p:cNvSpPr>
-            <a:spLocks noGrp="1"/>
-          </p:cNvSpPr>
-          <p:nvPr>
-            <p:ph type="title"/>
-          </p:nvPr>
-        </p:nvSpPr>
-        <p:spPr/>
-        <p:txBody>
-          <a:bodyPr/>
-          <a:lstStyle/>
-          <a:p>
-            <a:pPr algn="ctr"/>
-            <a:r>
-              <a:rPr lang="en-US" altLang="en-US" dirty="0"/>
-              <a:t>Antitrust Notice</a:t>
-            </a:r>
-            <a:endParaRPr lang="en-US" dirty="0"/>
-          </a:p>
-        </p:txBody>
-      </p:sp>
-      <p:sp>
-        <p:nvSpPr>
-          <p:cNvPr id="3" name="Content Placeholder 2"/>
-          <p:cNvSpPr>
-            <a:spLocks noGrp="1"/>
-          </p:cNvSpPr>
-          <p:nvPr>
-            <p:ph idx="1"/>
+          <p:cNvPr id="2" name="Title 1">
+            <a:extLst>
+              <a:ext uri="{FF2B5EF4-FFF2-40B4-BE49-F238E27FC236}">
+                <a16:creationId xmlns:a16="http://schemas.microsoft.com/office/drawing/2014/main" id="{6442BFB3-50B7-CB64-9D6F-632F86BE2902}"/>
+              </a:ext>
+            </a:extLst>
+          </p:cNvPr>
+          <p:cNvSpPr>
+            <a:spLocks noGrp="1"/>
+          </p:cNvSpPr>
+          <p:nvPr>
+            <p:ph type="ctrTitle"/>
           </p:nvPr>
         </p:nvSpPr>
         <p:spPr>
           <a:xfrm>
-            <a:off x="1143000" y="1600200"/>
-            <a:ext cx="7543800" cy="3962399"/>
+            <a:off x="1485900" y="2130425"/>
+            <a:ext cx="6172200" cy="1470025"/>
           </a:xfrm>
         </p:spPr>
         <p:txBody>
           <a:bodyPr/>
           <a:lstStyle/>
           <a:p>
-            <a:pPr>
-              <a:lnSpc>
-                <a:spcPct val="80000"/>
-              </a:lnSpc>
-            </a:pPr>
-            <a:r>
-              <a:rPr lang="en-US" altLang="en-US" sz="1800" b="1" dirty="0"/>
-              <a:t>The Casualty Actuarial Society is committed to adhering strictly to the letter and spirit of the antitrust laws.  Seminars conducted under the auspices of the CAS are designed solely to provide a forum for the expression of various points of view on topics described in the programs or agendas for such meetings.</a:t>
-            </a:r>
-            <a:r>
-              <a:rPr lang="en-US" altLang="en-US" sz="1800" dirty="0"/>
-              <a:t>  </a:t>
-            </a:r>
-          </a:p>
-          <a:p>
-            <a:pPr>
-              <a:lnSpc>
-                <a:spcPct val="80000"/>
-              </a:lnSpc>
-            </a:pPr>
-            <a:endParaRPr lang="en-US" altLang="en-US" sz="1800" dirty="0"/>
-          </a:p>
-          <a:p>
-            <a:pPr>
-              <a:lnSpc>
-                <a:spcPct val="80000"/>
-              </a:lnSpc>
-            </a:pPr>
-            <a:r>
-              <a:rPr lang="en-US" altLang="en-US" sz="1800" b="1" dirty="0"/>
-              <a:t>Under no circumstances shall CAS seminars be used as a means for competing companies or firms to reach any understanding – expressed or implied – that restricts competition or in any way impairs the ability of members to exercise independent business judgment regarding matters affecting competition.</a:t>
-            </a:r>
-            <a:r>
-              <a:rPr lang="en-US" altLang="en-US" sz="1800" dirty="0"/>
-              <a:t>  </a:t>
-            </a:r>
-          </a:p>
-          <a:p>
-            <a:pPr>
-              <a:lnSpc>
-                <a:spcPct val="80000"/>
-              </a:lnSpc>
-            </a:pPr>
-            <a:endParaRPr lang="en-US" altLang="en-US" sz="1800" dirty="0"/>
-          </a:p>
-          <a:p>
-            <a:pPr>
-              <a:lnSpc>
-                <a:spcPct val="80000"/>
-              </a:lnSpc>
-            </a:pPr>
-            <a:r>
-              <a:rPr lang="en-US" altLang="en-US" sz="1800" b="1" dirty="0"/>
-              <a:t>It is the responsibility of all seminar participants to be aware of antitrust regulations, to prevent any written or verbal discussions that appear to violate these laws, and to adhere in every respect to the CAS antitrust compliance policy.</a:t>
-            </a:r>
-          </a:p>
-          <a:p>
-            <a:endParaRPr lang="en-US" dirty="0"/>
+            <a:pPr algn="ctr"/>
+            <a:r>
+              <a:rPr lang="en-US" sz="5400" dirty="0"/>
+              <a:t>Effective</a:t>
+            </a:r>
+            <a:br>
+              <a:rPr lang="en-US" sz="5400" dirty="0"/>
+            </a:br>
+            <a:r>
+              <a:rPr lang="en-US" sz="5400" dirty="0"/>
+              <a:t>Data Visualization</a:t>
+            </a:r>
+            <a:br>
+              <a:rPr lang="en-US" sz="5400" dirty="0"/>
+            </a:br>
+            <a:r>
+              <a:rPr lang="en-US" sz="5400" dirty="0"/>
+              <a:t>for Actuaries</a:t>
+            </a:r>
+          </a:p>
+        </p:txBody>
+      </p:sp>
+      <p:sp>
+        <p:nvSpPr>
+          <p:cNvPr id="3" name="Subtitle 2">
+            <a:extLst>
+              <a:ext uri="{FF2B5EF4-FFF2-40B4-BE49-F238E27FC236}">
+                <a16:creationId xmlns:a16="http://schemas.microsoft.com/office/drawing/2014/main" id="{9AF04EAA-821F-B55D-E8F7-C5651E6F8F40}"/>
+              </a:ext>
+            </a:extLst>
+          </p:cNvPr>
+          <p:cNvSpPr>
+            <a:spLocks noGrp="1"/>
+          </p:cNvSpPr>
+          <p:nvPr>
+            <p:ph type="subTitle" idx="1"/>
+          </p:nvPr>
+        </p:nvSpPr>
+        <p:spPr>
+          <a:xfrm>
+            <a:off x="1371600" y="4495800"/>
+            <a:ext cx="6400800" cy="1752600"/>
+          </a:xfrm>
+        </p:spPr>
+        <p:txBody>
+          <a:bodyPr/>
+          <a:lstStyle/>
+          <a:p>
+            <a:r>
+              <a:rPr lang="en-US" dirty="0"/>
+              <a:t>Brian Fannin</a:t>
+            </a:r>
+          </a:p>
+          <a:p>
+            <a:r>
+              <a:rPr lang="en-US" dirty="0"/>
+              <a:t>Jordan Bonner</a:t>
+            </a:r>
           </a:p>
         </p:txBody>
       </p:sp>
     </p:spTree>
+    <p:extLst>
+      <p:ext uri="{BB962C8B-B14F-4D97-AF65-F5344CB8AC3E}">
+        <p14:creationId xmlns:p14="http://schemas.microsoft.com/office/powerpoint/2010/main" val="3575641883"/>
+      </p:ext>
+    </p:extLst>
   </p:cSld>
   <p:clrMapOvr>
     <a:masterClrMapping/>
@@ -14352,7 +15872,7 @@
 </p:sld>
 </file>
 
-<file path=ppt/slides/slide3.xml><?xml version="1.0" encoding="utf-8"?>
+<file path=ppt/slides/slide20.xml><?xml version="1.0" encoding="utf-8"?>
 <p:sld xmlns:a="http://schemas.openxmlformats.org/drawingml/2006/main" xmlns:r="http://schemas.openxmlformats.org/officeDocument/2006/relationships" xmlns:p="http://schemas.openxmlformats.org/presentationml/2006/main">
   <p:cSld>
     <p:spTree>
@@ -14374,7 +15894,7 @@
           <p:cNvPr id="2" name="Title 1">
             <a:extLst>
               <a:ext uri="{FF2B5EF4-FFF2-40B4-BE49-F238E27FC236}">
-                <a16:creationId xmlns:a16="http://schemas.microsoft.com/office/drawing/2014/main" id="{0701B3B3-EF2C-C8A7-8ED7-CD65A75184A1}"/>
+                <a16:creationId xmlns:a16="http://schemas.microsoft.com/office/drawing/2014/main" id="{18969BF5-0288-FD7C-1739-0C8672F3D7F8}"/>
               </a:ext>
             </a:extLst>
           </p:cNvPr>
@@ -14392,51 +15912,40 @@
           <a:p>
             <a:r>
               <a:rPr lang="en-US" dirty="0"/>
-              <a:t>Example Plot A</a:t>
-            </a:r>
-          </a:p>
-        </p:txBody>
-      </p:sp>
-      <p:pic>
-        <p:nvPicPr>
-          <p:cNvPr id="5" name="Picture 4" descr="Diagram&#10;&#10;Description automatically generated with low confidence">
+              <a:t>Titles &amp; Renaming Variables</a:t>
+            </a:r>
+          </a:p>
+        </p:txBody>
+      </p:sp>
+      <p:sp>
+        <p:nvSpPr>
+          <p:cNvPr id="3" name="Content Placeholder 2">
             <a:extLst>
               <a:ext uri="{FF2B5EF4-FFF2-40B4-BE49-F238E27FC236}">
-                <a16:creationId xmlns:a16="http://schemas.microsoft.com/office/drawing/2014/main" id="{D06BE20D-1734-A4E5-07FB-1D8F60C84269}"/>
+                <a16:creationId xmlns:a16="http://schemas.microsoft.com/office/drawing/2014/main" id="{39176E43-0115-E50B-D268-5E00760022A7}"/>
               </a:ext>
             </a:extLst>
           </p:cNvPr>
-          <p:cNvPicPr>
-            <a:picLocks noChangeAspect="1"/>
-          </p:cNvPicPr>
-          <p:nvPr/>
-        </p:nvPicPr>
-        <p:blipFill>
-          <a:blip r:embed="rId2" r:link="rId3" cstate="print">
-            <a:extLst>
-              <a:ext uri="{28A0092B-C50C-407E-A947-70E740481C1C}">
-                <a14:useLocalDpi xmlns:a14="http://schemas.microsoft.com/office/drawing/2010/main" val="0"/>
-              </a:ext>
-            </a:extLst>
-          </a:blip>
-          <a:stretch>
-            <a:fillRect/>
-          </a:stretch>
-        </p:blipFill>
-        <p:spPr>
-          <a:xfrm>
-            <a:off x="1371600" y="1295400"/>
-            <a:ext cx="6400800" cy="4267200"/>
-          </a:xfrm>
-          <a:prstGeom prst="rect">
-            <a:avLst/>
-          </a:prstGeom>
-        </p:spPr>
-      </p:pic>
+          <p:cNvSpPr>
+            <a:spLocks noGrp="1"/>
+          </p:cNvSpPr>
+          <p:nvPr>
+            <p:ph idx="1"/>
+          </p:nvPr>
+        </p:nvSpPr>
+        <p:spPr/>
+        <p:txBody>
+          <a:bodyPr/>
+          <a:lstStyle/>
+          <a:p>
+            <a:endParaRPr lang="en-US" dirty="0"/>
+          </a:p>
+        </p:txBody>
+      </p:sp>
     </p:spTree>
     <p:extLst>
       <p:ext uri="{BB962C8B-B14F-4D97-AF65-F5344CB8AC3E}">
-        <p14:creationId xmlns:p14="http://schemas.microsoft.com/office/powerpoint/2010/main" val="265096747"/>
+        <p14:creationId xmlns:p14="http://schemas.microsoft.com/office/powerpoint/2010/main" val="3241427914"/>
       </p:ext>
     </p:extLst>
   </p:cSld>
@@ -14446,7 +15955,7 @@
 </p:sld>
 </file>
 
-<file path=ppt/slides/slide4.xml><?xml version="1.0" encoding="utf-8"?>
+<file path=ppt/slides/slide21.xml><?xml version="1.0" encoding="utf-8"?>
 <p:sld xmlns:a="http://schemas.openxmlformats.org/drawingml/2006/main" xmlns:r="http://schemas.openxmlformats.org/officeDocument/2006/relationships" xmlns:p="http://schemas.openxmlformats.org/presentationml/2006/main">
   <p:cSld>
     <p:spTree>
@@ -14468,6 +15977,255 @@
           <p:cNvPr id="2" name="Title 1">
             <a:extLst>
               <a:ext uri="{FF2B5EF4-FFF2-40B4-BE49-F238E27FC236}">
+                <a16:creationId xmlns:a16="http://schemas.microsoft.com/office/drawing/2014/main" id="{18969BF5-0288-FD7C-1739-0C8672F3D7F8}"/>
+              </a:ext>
+            </a:extLst>
+          </p:cNvPr>
+          <p:cNvSpPr>
+            <a:spLocks noGrp="1"/>
+          </p:cNvSpPr>
+          <p:nvPr>
+            <p:ph type="title"/>
+          </p:nvPr>
+        </p:nvSpPr>
+        <p:spPr/>
+        <p:txBody>
+          <a:bodyPr/>
+          <a:lstStyle/>
+          <a:p>
+            <a:r>
+              <a:rPr lang="en-US" dirty="0"/>
+              <a:t>Text Size</a:t>
+            </a:r>
+          </a:p>
+        </p:txBody>
+      </p:sp>
+      <p:sp>
+        <p:nvSpPr>
+          <p:cNvPr id="3" name="Content Placeholder 2">
+            <a:extLst>
+              <a:ext uri="{FF2B5EF4-FFF2-40B4-BE49-F238E27FC236}">
+                <a16:creationId xmlns:a16="http://schemas.microsoft.com/office/drawing/2014/main" id="{39176E43-0115-E50B-D268-5E00760022A7}"/>
+              </a:ext>
+            </a:extLst>
+          </p:cNvPr>
+          <p:cNvSpPr>
+            <a:spLocks noGrp="1"/>
+          </p:cNvSpPr>
+          <p:nvPr>
+            <p:ph idx="1"/>
+          </p:nvPr>
+        </p:nvSpPr>
+        <p:spPr/>
+        <p:txBody>
+          <a:bodyPr/>
+          <a:lstStyle/>
+          <a:p>
+            <a:endParaRPr lang="en-US" dirty="0"/>
+          </a:p>
+        </p:txBody>
+      </p:sp>
+    </p:spTree>
+    <p:extLst>
+      <p:ext uri="{BB962C8B-B14F-4D97-AF65-F5344CB8AC3E}">
+        <p14:creationId xmlns:p14="http://schemas.microsoft.com/office/powerpoint/2010/main" val="1481048253"/>
+      </p:ext>
+    </p:extLst>
+  </p:cSld>
+  <p:clrMapOvr>
+    <a:masterClrMapping/>
+  </p:clrMapOvr>
+</p:sld>
+</file>
+
+<file path=ppt/slides/slide22.xml><?xml version="1.0" encoding="utf-8"?>
+<p:sld xmlns:a="http://schemas.openxmlformats.org/drawingml/2006/main" xmlns:r="http://schemas.openxmlformats.org/officeDocument/2006/relationships" xmlns:p="http://schemas.openxmlformats.org/presentationml/2006/main">
+  <p:cSld>
+    <p:spTree>
+      <p:nvGrpSpPr>
+        <p:cNvPr id="1" name=""/>
+        <p:cNvGrpSpPr/>
+        <p:nvPr/>
+      </p:nvGrpSpPr>
+      <p:grpSpPr>
+        <a:xfrm>
+          <a:off x="0" y="0"/>
+          <a:ext cx="0" cy="0"/>
+          <a:chOff x="0" y="0"/>
+          <a:chExt cx="0" cy="0"/>
+        </a:xfrm>
+      </p:grpSpPr>
+      <p:sp>
+        <p:nvSpPr>
+          <p:cNvPr id="2" name="Title 1">
+            <a:extLst>
+              <a:ext uri="{FF2B5EF4-FFF2-40B4-BE49-F238E27FC236}">
+                <a16:creationId xmlns:a16="http://schemas.microsoft.com/office/drawing/2014/main" id="{18969BF5-0288-FD7C-1739-0C8672F3D7F8}"/>
+              </a:ext>
+            </a:extLst>
+          </p:cNvPr>
+          <p:cNvSpPr>
+            <a:spLocks noGrp="1"/>
+          </p:cNvSpPr>
+          <p:nvPr>
+            <p:ph type="title"/>
+          </p:nvPr>
+        </p:nvSpPr>
+        <p:spPr/>
+        <p:txBody>
+          <a:bodyPr/>
+          <a:lstStyle/>
+          <a:p>
+            <a:r>
+              <a:rPr lang="en-US" dirty="0"/>
+              <a:t>Colors</a:t>
+            </a:r>
+          </a:p>
+        </p:txBody>
+      </p:sp>
+      <p:sp>
+        <p:nvSpPr>
+          <p:cNvPr id="3" name="Content Placeholder 2">
+            <a:extLst>
+              <a:ext uri="{FF2B5EF4-FFF2-40B4-BE49-F238E27FC236}">
+                <a16:creationId xmlns:a16="http://schemas.microsoft.com/office/drawing/2014/main" id="{39176E43-0115-E50B-D268-5E00760022A7}"/>
+              </a:ext>
+            </a:extLst>
+          </p:cNvPr>
+          <p:cNvSpPr>
+            <a:spLocks noGrp="1"/>
+          </p:cNvSpPr>
+          <p:nvPr>
+            <p:ph idx="1"/>
+          </p:nvPr>
+        </p:nvSpPr>
+        <p:spPr/>
+        <p:txBody>
+          <a:bodyPr/>
+          <a:lstStyle/>
+          <a:p>
+            <a:endParaRPr lang="en-US" dirty="0"/>
+          </a:p>
+        </p:txBody>
+      </p:sp>
+    </p:spTree>
+    <p:extLst>
+      <p:ext uri="{BB962C8B-B14F-4D97-AF65-F5344CB8AC3E}">
+        <p14:creationId xmlns:p14="http://schemas.microsoft.com/office/powerpoint/2010/main" val="2002468093"/>
+      </p:ext>
+    </p:extLst>
+  </p:cSld>
+  <p:clrMapOvr>
+    <a:masterClrMapping/>
+  </p:clrMapOvr>
+</p:sld>
+</file>
+
+<file path=ppt/slides/slide23.xml><?xml version="1.0" encoding="utf-8"?>
+<p:sld xmlns:a="http://schemas.openxmlformats.org/drawingml/2006/main" xmlns:r="http://schemas.openxmlformats.org/officeDocument/2006/relationships" xmlns:p="http://schemas.openxmlformats.org/presentationml/2006/main">
+  <p:cSld>
+    <p:spTree>
+      <p:nvGrpSpPr>
+        <p:cNvPr id="1" name=""/>
+        <p:cNvGrpSpPr/>
+        <p:nvPr/>
+      </p:nvGrpSpPr>
+      <p:grpSpPr>
+        <a:xfrm>
+          <a:off x="0" y="0"/>
+          <a:ext cx="0" cy="0"/>
+          <a:chOff x="0" y="0"/>
+          <a:chExt cx="0" cy="0"/>
+        </a:xfrm>
+      </p:grpSpPr>
+      <p:sp>
+        <p:nvSpPr>
+          <p:cNvPr id="2" name="Title 1">
+            <a:extLst>
+              <a:ext uri="{FF2B5EF4-FFF2-40B4-BE49-F238E27FC236}">
+                <a16:creationId xmlns:a16="http://schemas.microsoft.com/office/drawing/2014/main" id="{6AA0D46C-160A-13B4-DED2-2C2A2470264C}"/>
+              </a:ext>
+            </a:extLst>
+          </p:cNvPr>
+          <p:cNvSpPr>
+            <a:spLocks noGrp="1"/>
+          </p:cNvSpPr>
+          <p:nvPr>
+            <p:ph type="title"/>
+          </p:nvPr>
+        </p:nvSpPr>
+        <p:spPr/>
+        <p:txBody>
+          <a:bodyPr/>
+          <a:lstStyle/>
+          <a:p>
+            <a:r>
+              <a:rPr lang="en-US" dirty="0"/>
+              <a:t>Appendix</a:t>
+            </a:r>
+          </a:p>
+        </p:txBody>
+      </p:sp>
+      <p:sp>
+        <p:nvSpPr>
+          <p:cNvPr id="3" name="Text Placeholder 2">
+            <a:extLst>
+              <a:ext uri="{FF2B5EF4-FFF2-40B4-BE49-F238E27FC236}">
+                <a16:creationId xmlns:a16="http://schemas.microsoft.com/office/drawing/2014/main" id="{0E763E03-4660-8CF9-6C32-6D09D78F6FDE}"/>
+              </a:ext>
+            </a:extLst>
+          </p:cNvPr>
+          <p:cNvSpPr>
+            <a:spLocks noGrp="1"/>
+          </p:cNvSpPr>
+          <p:nvPr>
+            <p:ph type="body" idx="1"/>
+          </p:nvPr>
+        </p:nvSpPr>
+        <p:spPr/>
+        <p:txBody>
+          <a:bodyPr/>
+          <a:lstStyle/>
+          <a:p>
+            <a:endParaRPr lang="en-US" dirty="0"/>
+          </a:p>
+        </p:txBody>
+      </p:sp>
+    </p:spTree>
+    <p:extLst>
+      <p:ext uri="{BB962C8B-B14F-4D97-AF65-F5344CB8AC3E}">
+        <p14:creationId xmlns:p14="http://schemas.microsoft.com/office/powerpoint/2010/main" val="2128084239"/>
+      </p:ext>
+    </p:extLst>
+  </p:cSld>
+  <p:clrMapOvr>
+    <a:masterClrMapping/>
+  </p:clrMapOvr>
+</p:sld>
+</file>
+
+<file path=ppt/slides/slide24.xml><?xml version="1.0" encoding="utf-8"?>
+<p:sld xmlns:a="http://schemas.openxmlformats.org/drawingml/2006/main" xmlns:r="http://schemas.openxmlformats.org/officeDocument/2006/relationships" xmlns:p="http://schemas.openxmlformats.org/presentationml/2006/main">
+  <p:cSld>
+    <p:spTree>
+      <p:nvGrpSpPr>
+        <p:cNvPr id="1" name=""/>
+        <p:cNvGrpSpPr/>
+        <p:nvPr/>
+      </p:nvGrpSpPr>
+      <p:grpSpPr>
+        <a:xfrm>
+          <a:off x="0" y="0"/>
+          <a:ext cx="0" cy="0"/>
+          <a:chOff x="0" y="0"/>
+          <a:chExt cx="0" cy="0"/>
+        </a:xfrm>
+      </p:grpSpPr>
+      <p:sp>
+        <p:nvSpPr>
+          <p:cNvPr id="2" name="Title 1">
+            <a:extLst>
+              <a:ext uri="{FF2B5EF4-FFF2-40B4-BE49-F238E27FC236}">
                 <a16:creationId xmlns:a16="http://schemas.microsoft.com/office/drawing/2014/main" id="{0701B3B3-EF2C-C8A7-8ED7-CD65A75184A1}"/>
               </a:ext>
             </a:extLst>
@@ -14486,7 +16244,7 @@
           <a:p>
             <a:r>
               <a:rPr lang="en-US" dirty="0"/>
-              <a:t>Example Plot B</a:t>
+              <a:t>Example Plot A</a:t>
             </a:r>
           </a:p>
         </p:txBody>
@@ -14531,7 +16289,7 @@
     </p:spTree>
     <p:extLst>
       <p:ext uri="{BB962C8B-B14F-4D97-AF65-F5344CB8AC3E}">
-        <p14:creationId xmlns:p14="http://schemas.microsoft.com/office/powerpoint/2010/main" val="1985292993"/>
+        <p14:creationId xmlns:p14="http://schemas.microsoft.com/office/powerpoint/2010/main" val="265096747"/>
       </p:ext>
     </p:extLst>
   </p:cSld>
@@ -14541,7 +16299,7 @@
 </p:sld>
 </file>
 
-<file path=ppt/slides/slide5.xml><?xml version="1.0" encoding="utf-8"?>
+<file path=ppt/slides/slide25.xml><?xml version="1.0" encoding="utf-8"?>
 <p:sld xmlns:a="http://schemas.openxmlformats.org/drawingml/2006/main" xmlns:r="http://schemas.openxmlformats.org/officeDocument/2006/relationships" xmlns:p="http://schemas.openxmlformats.org/presentationml/2006/main">
   <p:cSld>
     <p:spTree>
@@ -14581,7 +16339,7 @@
           <a:p>
             <a:r>
               <a:rPr lang="en-US" dirty="0"/>
-              <a:t>Example Plot C</a:t>
+              <a:t>Example Plot B</a:t>
             </a:r>
           </a:p>
         </p:txBody>
@@ -14616,7 +16374,102 @@
         <p:spPr>
           <a:xfrm>
             <a:off x="1371600" y="1295400"/>
-            <a:ext cx="6400800" cy="4267199"/>
+            <a:ext cx="6400799" cy="4267199"/>
+          </a:xfrm>
+          <a:prstGeom prst="rect">
+            <a:avLst/>
+          </a:prstGeom>
+        </p:spPr>
+      </p:pic>
+    </p:spTree>
+    <p:extLst>
+      <p:ext uri="{BB962C8B-B14F-4D97-AF65-F5344CB8AC3E}">
+        <p14:creationId xmlns:p14="http://schemas.microsoft.com/office/powerpoint/2010/main" val="1985292993"/>
+      </p:ext>
+    </p:extLst>
+  </p:cSld>
+  <p:clrMapOvr>
+    <a:masterClrMapping/>
+  </p:clrMapOvr>
+</p:sld>
+</file>
+
+<file path=ppt/slides/slide26.xml><?xml version="1.0" encoding="utf-8"?>
+<p:sld xmlns:a="http://schemas.openxmlformats.org/drawingml/2006/main" xmlns:r="http://schemas.openxmlformats.org/officeDocument/2006/relationships" xmlns:p="http://schemas.openxmlformats.org/presentationml/2006/main">
+  <p:cSld>
+    <p:spTree>
+      <p:nvGrpSpPr>
+        <p:cNvPr id="1" name=""/>
+        <p:cNvGrpSpPr/>
+        <p:nvPr/>
+      </p:nvGrpSpPr>
+      <p:grpSpPr>
+        <a:xfrm>
+          <a:off x="0" y="0"/>
+          <a:ext cx="0" cy="0"/>
+          <a:chOff x="0" y="0"/>
+          <a:chExt cx="0" cy="0"/>
+        </a:xfrm>
+      </p:grpSpPr>
+      <p:sp>
+        <p:nvSpPr>
+          <p:cNvPr id="2" name="Title 1">
+            <a:extLst>
+              <a:ext uri="{FF2B5EF4-FFF2-40B4-BE49-F238E27FC236}">
+                <a16:creationId xmlns:a16="http://schemas.microsoft.com/office/drawing/2014/main" id="{0701B3B3-EF2C-C8A7-8ED7-CD65A75184A1}"/>
+              </a:ext>
+            </a:extLst>
+          </p:cNvPr>
+          <p:cNvSpPr>
+            <a:spLocks noGrp="1"/>
+          </p:cNvSpPr>
+          <p:nvPr>
+            <p:ph type="title"/>
+          </p:nvPr>
+        </p:nvSpPr>
+        <p:spPr/>
+        <p:txBody>
+          <a:bodyPr/>
+          <a:lstStyle/>
+          <a:p>
+            <a:r>
+              <a:rPr lang="en-US" dirty="0"/>
+              <a:t>Example Plot C</a:t>
+            </a:r>
+          </a:p>
+        </p:txBody>
+      </p:sp>
+      <p:pic>
+        <p:nvPicPr>
+          <p:cNvPr id="5" name="Picture 4">
+            <a:extLst>
+              <a:ext uri="{FF2B5EF4-FFF2-40B4-BE49-F238E27FC236}">
+                <a16:creationId xmlns:a16="http://schemas.microsoft.com/office/drawing/2014/main" id="{D06BE20D-1734-A4E5-07FB-1D8F60C84269}"/>
+              </a:ext>
+            </a:extLst>
+          </p:cNvPr>
+          <p:cNvPicPr>
+            <a:picLocks noChangeAspect="1"/>
+          </p:cNvPicPr>
+          <p:nvPr/>
+        </p:nvPicPr>
+        <p:blipFill>
+          <a:blip r:embed="rId2" r:link="rId3" cstate="print">
+            <a:extLst>
+              <a:ext uri="{28A0092B-C50C-407E-A947-70E740481C1C}">
+                <a14:useLocalDpi xmlns:a14="http://schemas.microsoft.com/office/drawing/2010/main" val="0"/>
+              </a:ext>
+            </a:extLst>
+          </a:blip>
+          <a:srcRect/>
+          <a:stretch>
+            <a:fillRect/>
+          </a:stretch>
+        </p:blipFill>
+        <p:spPr>
+          <a:xfrm>
+            <a:off x="1371600" y="1295400"/>
+            <a:ext cx="6400799" cy="4267199"/>
           </a:xfrm>
           <a:prstGeom prst="rect">
             <a:avLst/>
@@ -14627,6 +16480,708 @@
     <p:extLst>
       <p:ext uri="{BB962C8B-B14F-4D97-AF65-F5344CB8AC3E}">
         <p14:creationId xmlns:p14="http://schemas.microsoft.com/office/powerpoint/2010/main" val="3444414520"/>
+      </p:ext>
+    </p:extLst>
+  </p:cSld>
+  <p:clrMapOvr>
+    <a:masterClrMapping/>
+  </p:clrMapOvr>
+</p:sld>
+</file>
+
+<file path=ppt/slides/slide3.xml><?xml version="1.0" encoding="utf-8"?>
+<p:sld xmlns:a="http://schemas.openxmlformats.org/drawingml/2006/main" xmlns:r="http://schemas.openxmlformats.org/officeDocument/2006/relationships" xmlns:p="http://schemas.openxmlformats.org/presentationml/2006/main">
+  <p:cSld>
+    <p:spTree>
+      <p:nvGrpSpPr>
+        <p:cNvPr id="1" name=""/>
+        <p:cNvGrpSpPr/>
+        <p:nvPr/>
+      </p:nvGrpSpPr>
+      <p:grpSpPr>
+        <a:xfrm>
+          <a:off x="0" y="0"/>
+          <a:ext cx="0" cy="0"/>
+          <a:chOff x="0" y="0"/>
+          <a:chExt cx="0" cy="0"/>
+        </a:xfrm>
+      </p:grpSpPr>
+      <p:sp>
+        <p:nvSpPr>
+          <p:cNvPr id="2" name="Title 1">
+            <a:extLst>
+              <a:ext uri="{FF2B5EF4-FFF2-40B4-BE49-F238E27FC236}">
+                <a16:creationId xmlns:a16="http://schemas.microsoft.com/office/drawing/2014/main" id="{74710D85-8C9D-388F-E1FC-561F624F73D8}"/>
+              </a:ext>
+            </a:extLst>
+          </p:cNvPr>
+          <p:cNvSpPr>
+            <a:spLocks noGrp="1"/>
+          </p:cNvSpPr>
+          <p:nvPr>
+            <p:ph type="ctrTitle"/>
+          </p:nvPr>
+        </p:nvSpPr>
+        <p:spPr/>
+        <p:txBody>
+          <a:bodyPr/>
+          <a:lstStyle/>
+          <a:p>
+            <a:r>
+              <a:rPr lang="en-US" dirty="0"/>
+              <a:t>Effective</a:t>
+            </a:r>
+            <a:br>
+              <a:rPr lang="en-US" dirty="0"/>
+            </a:br>
+            <a:r>
+              <a:rPr lang="en-US" dirty="0"/>
+              <a:t>Data Visualization</a:t>
+            </a:r>
+            <a:br>
+              <a:rPr lang="en-US" dirty="0"/>
+            </a:br>
+            <a:r>
+              <a:rPr lang="en-US" dirty="0"/>
+              <a:t>for Actuaries</a:t>
+            </a:r>
+          </a:p>
+        </p:txBody>
+      </p:sp>
+      <p:sp>
+        <p:nvSpPr>
+          <p:cNvPr id="3" name="Subtitle 2">
+            <a:extLst>
+              <a:ext uri="{FF2B5EF4-FFF2-40B4-BE49-F238E27FC236}">
+                <a16:creationId xmlns:a16="http://schemas.microsoft.com/office/drawing/2014/main" id="{4053B939-82C6-7883-3378-EEEF2C23A74B}"/>
+              </a:ext>
+            </a:extLst>
+          </p:cNvPr>
+          <p:cNvSpPr>
+            <a:spLocks noGrp="1"/>
+          </p:cNvSpPr>
+          <p:nvPr>
+            <p:ph type="subTitle" idx="1"/>
+          </p:nvPr>
+        </p:nvSpPr>
+        <p:spPr/>
+        <p:txBody>
+          <a:bodyPr/>
+          <a:lstStyle/>
+          <a:p>
+            <a:r>
+              <a:rPr lang="en-US" dirty="0"/>
+              <a:t>Brian Fannin</a:t>
+            </a:r>
+          </a:p>
+          <a:p>
+            <a:r>
+              <a:rPr lang="en-US" dirty="0"/>
+              <a:t>Jordan Bonner</a:t>
+            </a:r>
+          </a:p>
+        </p:txBody>
+      </p:sp>
+    </p:spTree>
+    <p:extLst>
+      <p:ext uri="{BB962C8B-B14F-4D97-AF65-F5344CB8AC3E}">
+        <p14:creationId xmlns:p14="http://schemas.microsoft.com/office/powerpoint/2010/main" val="3925388622"/>
+      </p:ext>
+    </p:extLst>
+  </p:cSld>
+  <p:clrMapOvr>
+    <a:masterClrMapping/>
+  </p:clrMapOvr>
+</p:sld>
+</file>
+
+<file path=ppt/slides/slide4.xml><?xml version="1.0" encoding="utf-8"?>
+<p:sld xmlns:a="http://schemas.openxmlformats.org/drawingml/2006/main" xmlns:r="http://schemas.openxmlformats.org/officeDocument/2006/relationships" xmlns:p="http://schemas.openxmlformats.org/presentationml/2006/main">
+  <p:cSld>
+    <p:spTree>
+      <p:nvGrpSpPr>
+        <p:cNvPr id="1" name=""/>
+        <p:cNvGrpSpPr/>
+        <p:nvPr/>
+      </p:nvGrpSpPr>
+      <p:grpSpPr>
+        <a:xfrm>
+          <a:off x="0" y="0"/>
+          <a:ext cx="0" cy="0"/>
+          <a:chOff x="0" y="0"/>
+          <a:chExt cx="0" cy="0"/>
+        </a:xfrm>
+      </p:grpSpPr>
+      <p:sp>
+        <p:nvSpPr>
+          <p:cNvPr id="2" name="Title 1"/>
+          <p:cNvSpPr>
+            <a:spLocks noGrp="1"/>
+          </p:cNvSpPr>
+          <p:nvPr>
+            <p:ph type="title"/>
+          </p:nvPr>
+        </p:nvSpPr>
+        <p:spPr/>
+        <p:txBody>
+          <a:bodyPr/>
+          <a:lstStyle/>
+          <a:p>
+            <a:pPr algn="ctr"/>
+            <a:r>
+              <a:rPr lang="en-US" altLang="en-US" dirty="0"/>
+              <a:t>Antitrust Notice</a:t>
+            </a:r>
+            <a:endParaRPr lang="en-US" dirty="0"/>
+          </a:p>
+        </p:txBody>
+      </p:sp>
+      <p:sp>
+        <p:nvSpPr>
+          <p:cNvPr id="3" name="Content Placeholder 2"/>
+          <p:cNvSpPr>
+            <a:spLocks noGrp="1"/>
+          </p:cNvSpPr>
+          <p:nvPr>
+            <p:ph idx="1"/>
+          </p:nvPr>
+        </p:nvSpPr>
+        <p:spPr>
+          <a:xfrm>
+            <a:off x="1143000" y="1600200"/>
+            <a:ext cx="7543800" cy="3962399"/>
+          </a:xfrm>
+        </p:spPr>
+        <p:txBody>
+          <a:bodyPr/>
+          <a:lstStyle/>
+          <a:p>
+            <a:pPr>
+              <a:lnSpc>
+                <a:spcPct val="80000"/>
+              </a:lnSpc>
+            </a:pPr>
+            <a:r>
+              <a:rPr lang="en-US" altLang="en-US" sz="1800" b="1" dirty="0"/>
+              <a:t>The Casualty Actuarial Society is committed to adhering strictly to the letter and spirit of the antitrust laws.  Seminars conducted under the auspices of the CAS are designed solely to provide a forum for the expression of various points of view on topics described in the programs or agendas for such meetings.</a:t>
+            </a:r>
+            <a:r>
+              <a:rPr lang="en-US" altLang="en-US" sz="1800" dirty="0"/>
+              <a:t>  </a:t>
+            </a:r>
+          </a:p>
+          <a:p>
+            <a:pPr>
+              <a:lnSpc>
+                <a:spcPct val="80000"/>
+              </a:lnSpc>
+            </a:pPr>
+            <a:endParaRPr lang="en-US" altLang="en-US" sz="1800" dirty="0"/>
+          </a:p>
+          <a:p>
+            <a:pPr>
+              <a:lnSpc>
+                <a:spcPct val="80000"/>
+              </a:lnSpc>
+            </a:pPr>
+            <a:r>
+              <a:rPr lang="en-US" altLang="en-US" sz="1800" b="1" dirty="0"/>
+              <a:t>Under no circumstances shall CAS seminars be used as a means for competing companies or firms to reach any understanding – expressed or implied – that restricts competition or in any way impairs the ability of members to exercise independent business judgment regarding matters affecting competition.</a:t>
+            </a:r>
+            <a:r>
+              <a:rPr lang="en-US" altLang="en-US" sz="1800" dirty="0"/>
+              <a:t>  </a:t>
+            </a:r>
+          </a:p>
+          <a:p>
+            <a:pPr>
+              <a:lnSpc>
+                <a:spcPct val="80000"/>
+              </a:lnSpc>
+            </a:pPr>
+            <a:endParaRPr lang="en-US" altLang="en-US" sz="1800" dirty="0"/>
+          </a:p>
+          <a:p>
+            <a:pPr>
+              <a:lnSpc>
+                <a:spcPct val="80000"/>
+              </a:lnSpc>
+            </a:pPr>
+            <a:r>
+              <a:rPr lang="en-US" altLang="en-US" sz="1800" b="1" dirty="0"/>
+              <a:t>It is the responsibility of all seminar participants to be aware of antitrust regulations, to prevent any written or verbal discussions that appear to violate these laws, and to adhere in every respect to the CAS antitrust compliance policy.</a:t>
+            </a:r>
+          </a:p>
+          <a:p>
+            <a:endParaRPr lang="en-US" dirty="0"/>
+          </a:p>
+        </p:txBody>
+      </p:sp>
+    </p:spTree>
+  </p:cSld>
+  <p:clrMapOvr>
+    <a:masterClrMapping/>
+  </p:clrMapOvr>
+</p:sld>
+</file>
+
+<file path=ppt/slides/slide5.xml><?xml version="1.0" encoding="utf-8"?>
+<p:sld xmlns:a="http://schemas.openxmlformats.org/drawingml/2006/main" xmlns:r="http://schemas.openxmlformats.org/officeDocument/2006/relationships" xmlns:p="http://schemas.openxmlformats.org/presentationml/2006/main">
+  <p:cSld>
+    <p:spTree>
+      <p:nvGrpSpPr>
+        <p:cNvPr id="1" name=""/>
+        <p:cNvGrpSpPr/>
+        <p:nvPr/>
+      </p:nvGrpSpPr>
+      <p:grpSpPr>
+        <a:xfrm>
+          <a:off x="0" y="0"/>
+          <a:ext cx="0" cy="0"/>
+          <a:chOff x="0" y="0"/>
+          <a:chExt cx="0" cy="0"/>
+        </a:xfrm>
+      </p:grpSpPr>
+      <p:sp>
+        <p:nvSpPr>
+          <p:cNvPr id="2" name="Title 1">
+            <a:extLst>
+              <a:ext uri="{FF2B5EF4-FFF2-40B4-BE49-F238E27FC236}">
+                <a16:creationId xmlns:a16="http://schemas.microsoft.com/office/drawing/2014/main" id="{10B17ABD-BE88-D042-5997-22F660D5947A}"/>
+              </a:ext>
+            </a:extLst>
+          </p:cNvPr>
+          <p:cNvSpPr>
+            <a:spLocks noGrp="1"/>
+          </p:cNvSpPr>
+          <p:nvPr>
+            <p:ph type="title"/>
+          </p:nvPr>
+        </p:nvSpPr>
+        <p:spPr/>
+        <p:txBody>
+          <a:bodyPr/>
+          <a:lstStyle/>
+          <a:p>
+            <a:r>
+              <a:rPr lang="en-US" dirty="0"/>
+              <a:t>Visualizations should:</a:t>
+            </a:r>
+          </a:p>
+        </p:txBody>
+      </p:sp>
+      <p:sp>
+        <p:nvSpPr>
+          <p:cNvPr id="3" name="Content Placeholder 2">
+            <a:extLst>
+              <a:ext uri="{FF2B5EF4-FFF2-40B4-BE49-F238E27FC236}">
+                <a16:creationId xmlns:a16="http://schemas.microsoft.com/office/drawing/2014/main" id="{F33662A3-4DD5-0500-C0E1-EA5CF57A5ABC}"/>
+              </a:ext>
+            </a:extLst>
+          </p:cNvPr>
+          <p:cNvSpPr>
+            <a:spLocks noGrp="1"/>
+          </p:cNvSpPr>
+          <p:nvPr>
+            <p:ph idx="1"/>
+          </p:nvPr>
+        </p:nvSpPr>
+        <p:spPr/>
+        <p:txBody>
+          <a:bodyPr/>
+          <a:lstStyle/>
+          <a:p>
+            <a:pPr marL="0" indent="0">
+              <a:buNone/>
+            </a:pPr>
+            <a:endParaRPr lang="en-US" sz="4000" dirty="0"/>
+          </a:p>
+          <a:p>
+            <a:r>
+              <a:rPr lang="en-US" sz="4000" b="1" dirty="0"/>
+              <a:t>Be Easily Interpreted</a:t>
+            </a:r>
+          </a:p>
+          <a:p>
+            <a:endParaRPr lang="en-US" sz="2400" b="1" dirty="0"/>
+          </a:p>
+          <a:p>
+            <a:r>
+              <a:rPr lang="en-US" sz="4000" b="1" dirty="0"/>
+              <a:t>Tell a Story</a:t>
+            </a:r>
+          </a:p>
+        </p:txBody>
+      </p:sp>
+    </p:spTree>
+    <p:extLst>
+      <p:ext uri="{BB962C8B-B14F-4D97-AF65-F5344CB8AC3E}">
+        <p14:creationId xmlns:p14="http://schemas.microsoft.com/office/powerpoint/2010/main" val="2741569399"/>
+      </p:ext>
+    </p:extLst>
+  </p:cSld>
+  <p:clrMapOvr>
+    <a:masterClrMapping/>
+  </p:clrMapOvr>
+</p:sld>
+</file>
+
+<file path=ppt/slides/slide6.xml><?xml version="1.0" encoding="utf-8"?>
+<p:sld xmlns:a="http://schemas.openxmlformats.org/drawingml/2006/main" xmlns:r="http://schemas.openxmlformats.org/officeDocument/2006/relationships" xmlns:p="http://schemas.openxmlformats.org/presentationml/2006/main">
+  <p:cSld>
+    <p:spTree>
+      <p:nvGrpSpPr>
+        <p:cNvPr id="1" name=""/>
+        <p:cNvGrpSpPr/>
+        <p:nvPr/>
+      </p:nvGrpSpPr>
+      <p:grpSpPr>
+        <a:xfrm>
+          <a:off x="0" y="0"/>
+          <a:ext cx="0" cy="0"/>
+          <a:chOff x="0" y="0"/>
+          <a:chExt cx="0" cy="0"/>
+        </a:xfrm>
+      </p:grpSpPr>
+      <p:sp>
+        <p:nvSpPr>
+          <p:cNvPr id="2" name="Title 1">
+            <a:extLst>
+              <a:ext uri="{FF2B5EF4-FFF2-40B4-BE49-F238E27FC236}">
+                <a16:creationId xmlns:a16="http://schemas.microsoft.com/office/drawing/2014/main" id="{10B17ABD-BE88-D042-5997-22F660D5947A}"/>
+              </a:ext>
+            </a:extLst>
+          </p:cNvPr>
+          <p:cNvSpPr>
+            <a:spLocks noGrp="1"/>
+          </p:cNvSpPr>
+          <p:nvPr>
+            <p:ph type="title"/>
+          </p:nvPr>
+        </p:nvSpPr>
+        <p:spPr/>
+        <p:txBody>
+          <a:bodyPr/>
+          <a:lstStyle/>
+          <a:p>
+            <a:r>
+              <a:rPr lang="en-US" dirty="0"/>
+              <a:t>Icebreaker Examples</a:t>
+            </a:r>
+          </a:p>
+        </p:txBody>
+      </p:sp>
+      <p:sp>
+        <p:nvSpPr>
+          <p:cNvPr id="3" name="Content Placeholder 2">
+            <a:extLst>
+              <a:ext uri="{FF2B5EF4-FFF2-40B4-BE49-F238E27FC236}">
+                <a16:creationId xmlns:a16="http://schemas.microsoft.com/office/drawing/2014/main" id="{F33662A3-4DD5-0500-C0E1-EA5CF57A5ABC}"/>
+              </a:ext>
+            </a:extLst>
+          </p:cNvPr>
+          <p:cNvSpPr>
+            <a:spLocks noGrp="1"/>
+          </p:cNvSpPr>
+          <p:nvPr>
+            <p:ph idx="1"/>
+          </p:nvPr>
+        </p:nvSpPr>
+        <p:spPr/>
+        <p:txBody>
+          <a:bodyPr/>
+          <a:lstStyle/>
+          <a:p>
+            <a:pPr marL="0" indent="0">
+              <a:buNone/>
+            </a:pPr>
+            <a:r>
+              <a:rPr lang="en-US" dirty="0"/>
+              <a:t>A slide or two that are difficult to interpret, then a slide or two that are easy to interpret?</a:t>
+            </a:r>
+          </a:p>
+        </p:txBody>
+      </p:sp>
+    </p:spTree>
+    <p:extLst>
+      <p:ext uri="{BB962C8B-B14F-4D97-AF65-F5344CB8AC3E}">
+        <p14:creationId xmlns:p14="http://schemas.microsoft.com/office/powerpoint/2010/main" val="330312104"/>
+      </p:ext>
+    </p:extLst>
+  </p:cSld>
+  <p:clrMapOvr>
+    <a:masterClrMapping/>
+  </p:clrMapOvr>
+</p:sld>
+</file>
+
+<file path=ppt/slides/slide7.xml><?xml version="1.0" encoding="utf-8"?>
+<p:sld xmlns:a="http://schemas.openxmlformats.org/drawingml/2006/main" xmlns:r="http://schemas.openxmlformats.org/officeDocument/2006/relationships" xmlns:p="http://schemas.openxmlformats.org/presentationml/2006/main">
+  <p:cSld>
+    <p:spTree>
+      <p:nvGrpSpPr>
+        <p:cNvPr id="1" name=""/>
+        <p:cNvGrpSpPr/>
+        <p:nvPr/>
+      </p:nvGrpSpPr>
+      <p:grpSpPr>
+        <a:xfrm>
+          <a:off x="0" y="0"/>
+          <a:ext cx="0" cy="0"/>
+          <a:chOff x="0" y="0"/>
+          <a:chExt cx="0" cy="0"/>
+        </a:xfrm>
+      </p:grpSpPr>
+      <p:sp>
+        <p:nvSpPr>
+          <p:cNvPr id="2" name="Title 1">
+            <a:extLst>
+              <a:ext uri="{FF2B5EF4-FFF2-40B4-BE49-F238E27FC236}">
+                <a16:creationId xmlns:a16="http://schemas.microsoft.com/office/drawing/2014/main" id="{FB164A08-7CBF-A761-E02D-33DAFF697330}"/>
+              </a:ext>
+            </a:extLst>
+          </p:cNvPr>
+          <p:cNvSpPr>
+            <a:spLocks noGrp="1"/>
+          </p:cNvSpPr>
+          <p:nvPr>
+            <p:ph type="title"/>
+          </p:nvPr>
+        </p:nvSpPr>
+        <p:spPr/>
+        <p:txBody>
+          <a:bodyPr/>
+          <a:lstStyle/>
+          <a:p>
+            <a:r>
+              <a:rPr lang="en-US" dirty="0"/>
+              <a:t>Revisiting common Actuarial Exhibits</a:t>
+            </a:r>
+          </a:p>
+        </p:txBody>
+      </p:sp>
+      <p:sp>
+        <p:nvSpPr>
+          <p:cNvPr id="3" name="Text Placeholder 2">
+            <a:extLst>
+              <a:ext uri="{FF2B5EF4-FFF2-40B4-BE49-F238E27FC236}">
+                <a16:creationId xmlns:a16="http://schemas.microsoft.com/office/drawing/2014/main" id="{4B1F8AE9-444E-BC75-AA22-A6E4BADDFFA8}"/>
+              </a:ext>
+            </a:extLst>
+          </p:cNvPr>
+          <p:cNvSpPr>
+            <a:spLocks noGrp="1"/>
+          </p:cNvSpPr>
+          <p:nvPr>
+            <p:ph type="body" idx="1"/>
+          </p:nvPr>
+        </p:nvSpPr>
+        <p:spPr/>
+        <p:txBody>
+          <a:bodyPr/>
+          <a:lstStyle/>
+          <a:p>
+            <a:endParaRPr lang="en-US"/>
+          </a:p>
+        </p:txBody>
+      </p:sp>
+    </p:spTree>
+    <p:extLst>
+      <p:ext uri="{BB962C8B-B14F-4D97-AF65-F5344CB8AC3E}">
+        <p14:creationId xmlns:p14="http://schemas.microsoft.com/office/powerpoint/2010/main" val="755335451"/>
+      </p:ext>
+    </p:extLst>
+  </p:cSld>
+  <p:clrMapOvr>
+    <a:masterClrMapping/>
+  </p:clrMapOvr>
+</p:sld>
+</file>
+
+<file path=ppt/slides/slide8.xml><?xml version="1.0" encoding="utf-8"?>
+<p:sld xmlns:a="http://schemas.openxmlformats.org/drawingml/2006/main" xmlns:r="http://schemas.openxmlformats.org/officeDocument/2006/relationships" xmlns:p="http://schemas.openxmlformats.org/presentationml/2006/main">
+  <p:cSld>
+    <p:spTree>
+      <p:nvGrpSpPr>
+        <p:cNvPr id="1" name=""/>
+        <p:cNvGrpSpPr/>
+        <p:nvPr/>
+      </p:nvGrpSpPr>
+      <p:grpSpPr>
+        <a:xfrm>
+          <a:off x="0" y="0"/>
+          <a:ext cx="0" cy="0"/>
+          <a:chOff x="0" y="0"/>
+          <a:chExt cx="0" cy="0"/>
+        </a:xfrm>
+      </p:grpSpPr>
+      <p:sp>
+        <p:nvSpPr>
+          <p:cNvPr id="2" name="Title 1">
+            <a:extLst>
+              <a:ext uri="{FF2B5EF4-FFF2-40B4-BE49-F238E27FC236}">
+                <a16:creationId xmlns:a16="http://schemas.microsoft.com/office/drawing/2014/main" id="{18969BF5-0288-FD7C-1739-0C8672F3D7F8}"/>
+              </a:ext>
+            </a:extLst>
+          </p:cNvPr>
+          <p:cNvSpPr>
+            <a:spLocks noGrp="1"/>
+          </p:cNvSpPr>
+          <p:nvPr>
+            <p:ph type="title"/>
+          </p:nvPr>
+        </p:nvSpPr>
+        <p:spPr/>
+        <p:txBody>
+          <a:bodyPr/>
+          <a:lstStyle/>
+          <a:p>
+            <a:r>
+              <a:rPr lang="en-US" dirty="0"/>
+              <a:t>Common Actuarial Exhibits</a:t>
+            </a:r>
+          </a:p>
+        </p:txBody>
+      </p:sp>
+      <p:sp>
+        <p:nvSpPr>
+          <p:cNvPr id="3" name="Content Placeholder 2">
+            <a:extLst>
+              <a:ext uri="{FF2B5EF4-FFF2-40B4-BE49-F238E27FC236}">
+                <a16:creationId xmlns:a16="http://schemas.microsoft.com/office/drawing/2014/main" id="{39176E43-0115-E50B-D268-5E00760022A7}"/>
+              </a:ext>
+            </a:extLst>
+          </p:cNvPr>
+          <p:cNvSpPr>
+            <a:spLocks noGrp="1"/>
+          </p:cNvSpPr>
+          <p:nvPr>
+            <p:ph idx="1"/>
+          </p:nvPr>
+        </p:nvSpPr>
+        <p:spPr/>
+        <p:txBody>
+          <a:bodyPr/>
+          <a:lstStyle/>
+          <a:p>
+            <a:r>
+              <a:rPr lang="en-US" dirty="0"/>
+              <a:t>Loss Development Triangles</a:t>
+            </a:r>
+          </a:p>
+          <a:p>
+            <a:r>
+              <a:rPr lang="en-US" dirty="0"/>
+              <a:t>Trend Selection</a:t>
+            </a:r>
+          </a:p>
+          <a:p>
+            <a:r>
+              <a:rPr lang="en-US" dirty="0"/>
+              <a:t>Rate Indications</a:t>
+            </a:r>
+          </a:p>
+          <a:p>
+            <a:r>
+              <a:rPr lang="en-US" dirty="0"/>
+              <a:t>Mix Shift Exhibits</a:t>
+            </a:r>
+          </a:p>
+          <a:p>
+            <a:r>
+              <a:rPr lang="en-US" dirty="0"/>
+              <a:t>Model Diagnostics</a:t>
+            </a:r>
+          </a:p>
+        </p:txBody>
+      </p:sp>
+    </p:spTree>
+    <p:extLst>
+      <p:ext uri="{BB962C8B-B14F-4D97-AF65-F5344CB8AC3E}">
+        <p14:creationId xmlns:p14="http://schemas.microsoft.com/office/powerpoint/2010/main" val="1365436568"/>
+      </p:ext>
+    </p:extLst>
+  </p:cSld>
+  <p:clrMapOvr>
+    <a:masterClrMapping/>
+  </p:clrMapOvr>
+</p:sld>
+</file>
+
+<file path=ppt/slides/slide9.xml><?xml version="1.0" encoding="utf-8"?>
+<p:sld xmlns:a="http://schemas.openxmlformats.org/drawingml/2006/main" xmlns:r="http://schemas.openxmlformats.org/officeDocument/2006/relationships" xmlns:p="http://schemas.openxmlformats.org/presentationml/2006/main">
+  <p:cSld>
+    <p:spTree>
+      <p:nvGrpSpPr>
+        <p:cNvPr id="1" name=""/>
+        <p:cNvGrpSpPr/>
+        <p:nvPr/>
+      </p:nvGrpSpPr>
+      <p:grpSpPr>
+        <a:xfrm>
+          <a:off x="0" y="0"/>
+          <a:ext cx="0" cy="0"/>
+          <a:chOff x="0" y="0"/>
+          <a:chExt cx="0" cy="0"/>
+        </a:xfrm>
+      </p:grpSpPr>
+      <p:sp>
+        <p:nvSpPr>
+          <p:cNvPr id="2" name="Title 1">
+            <a:extLst>
+              <a:ext uri="{FF2B5EF4-FFF2-40B4-BE49-F238E27FC236}">
+                <a16:creationId xmlns:a16="http://schemas.microsoft.com/office/drawing/2014/main" id="{18969BF5-0288-FD7C-1739-0C8672F3D7F8}"/>
+              </a:ext>
+            </a:extLst>
+          </p:cNvPr>
+          <p:cNvSpPr>
+            <a:spLocks noGrp="1"/>
+          </p:cNvSpPr>
+          <p:nvPr>
+            <p:ph type="title"/>
+          </p:nvPr>
+        </p:nvSpPr>
+        <p:spPr/>
+        <p:txBody>
+          <a:bodyPr/>
+          <a:lstStyle/>
+          <a:p>
+            <a:r>
+              <a:rPr lang="en-US" dirty="0"/>
+              <a:t>Loss Development Triangles</a:t>
+            </a:r>
+          </a:p>
+        </p:txBody>
+      </p:sp>
+      <p:sp>
+        <p:nvSpPr>
+          <p:cNvPr id="3" name="Content Placeholder 2">
+            <a:extLst>
+              <a:ext uri="{FF2B5EF4-FFF2-40B4-BE49-F238E27FC236}">
+                <a16:creationId xmlns:a16="http://schemas.microsoft.com/office/drawing/2014/main" id="{39176E43-0115-E50B-D268-5E00760022A7}"/>
+              </a:ext>
+            </a:extLst>
+          </p:cNvPr>
+          <p:cNvSpPr>
+            <a:spLocks noGrp="1"/>
+          </p:cNvSpPr>
+          <p:nvPr>
+            <p:ph idx="1"/>
+          </p:nvPr>
+        </p:nvSpPr>
+        <p:spPr/>
+        <p:txBody>
+          <a:bodyPr/>
+          <a:lstStyle/>
+          <a:p>
+            <a:endParaRPr lang="en-US" dirty="0"/>
+          </a:p>
+        </p:txBody>
+      </p:sp>
+    </p:spTree>
+    <p:extLst>
+      <p:ext uri="{BB962C8B-B14F-4D97-AF65-F5344CB8AC3E}">
+        <p14:creationId xmlns:p14="http://schemas.microsoft.com/office/powerpoint/2010/main" val="48610386"/>
       </p:ext>
     </p:extLst>
   </p:cSld>

--- a/Presentation Slides/Effective Data Visualization for Actuaries.pptx
+++ b/Presentation Slides/Effective Data Visualization for Actuaries.pptx
@@ -8,7 +8,7 @@
     <p:sldMasterId id="2147483701" r:id="rId4"/>
   </p:sldMasterIdLst>
   <p:notesMasterIdLst>
-    <p:notesMasterId r:id="rId31"/>
+    <p:notesMasterId r:id="rId40"/>
   </p:notesMasterIdLst>
   <p:sldIdLst>
     <p:sldId id="262" r:id="rId5"/>
@@ -16,27 +16,36 @@
     <p:sldId id="268" r:id="rId7"/>
     <p:sldId id="256" r:id="rId8"/>
     <p:sldId id="265" r:id="rId9"/>
-    <p:sldId id="264" r:id="rId10"/>
-    <p:sldId id="281" r:id="rId11"/>
-    <p:sldId id="270" r:id="rId12"/>
-    <p:sldId id="271" r:id="rId13"/>
-    <p:sldId id="272" r:id="rId14"/>
-    <p:sldId id="273" r:id="rId15"/>
-    <p:sldId id="274" r:id="rId16"/>
-    <p:sldId id="275" r:id="rId17"/>
-    <p:sldId id="276" r:id="rId18"/>
-    <p:sldId id="277" r:id="rId19"/>
-    <p:sldId id="278" r:id="rId20"/>
-    <p:sldId id="279" r:id="rId21"/>
-    <p:sldId id="280" r:id="rId22"/>
-    <p:sldId id="283" r:id="rId23"/>
-    <p:sldId id="285" r:id="rId24"/>
-    <p:sldId id="284" r:id="rId25"/>
-    <p:sldId id="286" r:id="rId26"/>
-    <p:sldId id="267" r:id="rId27"/>
-    <p:sldId id="259" r:id="rId28"/>
-    <p:sldId id="260" r:id="rId29"/>
-    <p:sldId id="261" r:id="rId30"/>
+    <p:sldId id="294" r:id="rId10"/>
+    <p:sldId id="264" r:id="rId11"/>
+    <p:sldId id="281" r:id="rId12"/>
+    <p:sldId id="270" r:id="rId13"/>
+    <p:sldId id="271" r:id="rId14"/>
+    <p:sldId id="272" r:id="rId15"/>
+    <p:sldId id="273" r:id="rId16"/>
+    <p:sldId id="274" r:id="rId17"/>
+    <p:sldId id="275" r:id="rId18"/>
+    <p:sldId id="276" r:id="rId19"/>
+    <p:sldId id="277" r:id="rId20"/>
+    <p:sldId id="278" r:id="rId21"/>
+    <p:sldId id="279" r:id="rId22"/>
+    <p:sldId id="280" r:id="rId23"/>
+    <p:sldId id="287" r:id="rId24"/>
+    <p:sldId id="288" r:id="rId25"/>
+    <p:sldId id="283" r:id="rId26"/>
+    <p:sldId id="285" r:id="rId27"/>
+    <p:sldId id="289" r:id="rId28"/>
+    <p:sldId id="291" r:id="rId29"/>
+    <p:sldId id="292" r:id="rId30"/>
+    <p:sldId id="293" r:id="rId31"/>
+    <p:sldId id="298" r:id="rId32"/>
+    <p:sldId id="295" r:id="rId33"/>
+    <p:sldId id="296" r:id="rId34"/>
+    <p:sldId id="297" r:id="rId35"/>
+    <p:sldId id="267" r:id="rId36"/>
+    <p:sldId id="259" r:id="rId37"/>
+    <p:sldId id="260" r:id="rId38"/>
+    <p:sldId id="261" r:id="rId39"/>
   </p:sldIdLst>
   <p:sldSz cx="9144000" cy="6858000" type="screen4x3"/>
   <p:notesSz cx="6858000" cy="9144000"/>
@@ -198,6 +207,497 @@
 </p:presentation>
 </file>
 
+<file path=ppt/changesInfos/changesInfo1.xml><?xml version="1.0" encoding="utf-8"?>
+<pc:chgInfo xmlns:a="http://schemas.openxmlformats.org/drawingml/2006/main" xmlns:r="http://schemas.openxmlformats.org/officeDocument/2006/relationships" xmlns:ac="http://schemas.microsoft.com/office/drawing/2013/main/command" xmlns:pc="http://schemas.microsoft.com/office/powerpoint/2013/main/command">
+  <pc:docChgLst>
+    <pc:chgData name="Bonner Jordan - Hartford-Remote-HSB" userId="e82d229e-6edb-4e20-9ecc-a487e5c63362" providerId="ADAL" clId="{28A72D4B-4855-4526-8442-D42DD59588DA}"/>
+    <pc:docChg chg="undo custSel addSld delSld modSld sldOrd">
+      <pc:chgData name="Bonner Jordan - Hartford-Remote-HSB" userId="e82d229e-6edb-4e20-9ecc-a487e5c63362" providerId="ADAL" clId="{28A72D4B-4855-4526-8442-D42DD59588DA}" dt="2023-03-01T19:52:50.233" v="874" actId="47"/>
+      <pc:docMkLst>
+        <pc:docMk/>
+      </pc:docMkLst>
+      <pc:sldChg chg="modSp mod">
+        <pc:chgData name="Bonner Jordan - Hartford-Remote-HSB" userId="e82d229e-6edb-4e20-9ecc-a487e5c63362" providerId="ADAL" clId="{28A72D4B-4855-4526-8442-D42DD59588DA}" dt="2023-03-01T04:43:55.007" v="244" actId="1035"/>
+        <pc:sldMkLst>
+          <pc:docMk/>
+          <pc:sldMk cId="265096747" sldId="259"/>
+        </pc:sldMkLst>
+        <pc:picChg chg="mod">
+          <ac:chgData name="Bonner Jordan - Hartford-Remote-HSB" userId="e82d229e-6edb-4e20-9ecc-a487e5c63362" providerId="ADAL" clId="{28A72D4B-4855-4526-8442-D42DD59588DA}" dt="2023-03-01T04:43:55.007" v="244" actId="1035"/>
+          <ac:picMkLst>
+            <pc:docMk/>
+            <pc:sldMk cId="265096747" sldId="259"/>
+            <ac:picMk id="5" creationId="{D06BE20D-1734-A4E5-07FB-1D8F60C84269}"/>
+          </ac:picMkLst>
+        </pc:picChg>
+      </pc:sldChg>
+      <pc:sldChg chg="modSp mod">
+        <pc:chgData name="Bonner Jordan - Hartford-Remote-HSB" userId="e82d229e-6edb-4e20-9ecc-a487e5c63362" providerId="ADAL" clId="{28A72D4B-4855-4526-8442-D42DD59588DA}" dt="2023-03-01T19:47:38.873" v="845" actId="20577"/>
+        <pc:sldMkLst>
+          <pc:docMk/>
+          <pc:sldMk cId="177268762" sldId="283"/>
+        </pc:sldMkLst>
+        <pc:spChg chg="mod">
+          <ac:chgData name="Bonner Jordan - Hartford-Remote-HSB" userId="e82d229e-6edb-4e20-9ecc-a487e5c63362" providerId="ADAL" clId="{28A72D4B-4855-4526-8442-D42DD59588DA}" dt="2023-03-01T19:47:38.873" v="845" actId="20577"/>
+          <ac:spMkLst>
+            <pc:docMk/>
+            <pc:sldMk cId="177268762" sldId="283"/>
+            <ac:spMk id="2" creationId="{FABAA41A-77E6-2FBA-A297-38D8E88EA1EE}"/>
+          </ac:spMkLst>
+        </pc:spChg>
+      </pc:sldChg>
+      <pc:sldChg chg="modSp del mod">
+        <pc:chgData name="Bonner Jordan - Hartford-Remote-HSB" userId="e82d229e-6edb-4e20-9ecc-a487e5c63362" providerId="ADAL" clId="{28A72D4B-4855-4526-8442-D42DD59588DA}" dt="2023-03-01T04:45:05.497" v="266" actId="47"/>
+        <pc:sldMkLst>
+          <pc:docMk/>
+          <pc:sldMk cId="1481048253" sldId="284"/>
+        </pc:sldMkLst>
+        <pc:spChg chg="mod">
+          <ac:chgData name="Bonner Jordan - Hartford-Remote-HSB" userId="e82d229e-6edb-4e20-9ecc-a487e5c63362" providerId="ADAL" clId="{28A72D4B-4855-4526-8442-D42DD59588DA}" dt="2023-03-01T03:54:08.200" v="238" actId="20577"/>
+          <ac:spMkLst>
+            <pc:docMk/>
+            <pc:sldMk cId="1481048253" sldId="284"/>
+            <ac:spMk id="2" creationId="{18969BF5-0288-FD7C-1739-0C8672F3D7F8}"/>
+          </ac:spMkLst>
+        </pc:spChg>
+      </pc:sldChg>
+      <pc:sldChg chg="addSp delSp modSp mod">
+        <pc:chgData name="Bonner Jordan - Hartford-Remote-HSB" userId="e82d229e-6edb-4e20-9ecc-a487e5c63362" providerId="ADAL" clId="{28A72D4B-4855-4526-8442-D42DD59588DA}" dt="2023-03-01T12:57:12.337" v="345" actId="20577"/>
+        <pc:sldMkLst>
+          <pc:docMk/>
+          <pc:sldMk cId="3241427914" sldId="285"/>
+        </pc:sldMkLst>
+        <pc:spChg chg="mod">
+          <ac:chgData name="Bonner Jordan - Hartford-Remote-HSB" userId="e82d229e-6edb-4e20-9ecc-a487e5c63362" providerId="ADAL" clId="{28A72D4B-4855-4526-8442-D42DD59588DA}" dt="2023-03-01T03:48:04.301" v="142" actId="14100"/>
+          <ac:spMkLst>
+            <pc:docMk/>
+            <pc:sldMk cId="3241427914" sldId="285"/>
+            <ac:spMk id="2" creationId="{18969BF5-0288-FD7C-1739-0C8672F3D7F8}"/>
+          </ac:spMkLst>
+        </pc:spChg>
+        <pc:spChg chg="del">
+          <ac:chgData name="Bonner Jordan - Hartford-Remote-HSB" userId="e82d229e-6edb-4e20-9ecc-a487e5c63362" providerId="ADAL" clId="{28A72D4B-4855-4526-8442-D42DD59588DA}" dt="2023-03-01T03:48:08.235" v="143" actId="478"/>
+          <ac:spMkLst>
+            <pc:docMk/>
+            <pc:sldMk cId="3241427914" sldId="285"/>
+            <ac:spMk id="3" creationId="{39176E43-0115-E50B-D268-5E00760022A7}"/>
+          </ac:spMkLst>
+        </pc:spChg>
+        <pc:spChg chg="add mod">
+          <ac:chgData name="Bonner Jordan - Hartford-Remote-HSB" userId="e82d229e-6edb-4e20-9ecc-a487e5c63362" providerId="ADAL" clId="{28A72D4B-4855-4526-8442-D42DD59588DA}" dt="2023-03-01T12:57:12.337" v="345" actId="20577"/>
+          <ac:spMkLst>
+            <pc:docMk/>
+            <pc:sldMk cId="3241427914" sldId="285"/>
+            <ac:spMk id="3" creationId="{D90ECCA0-06AB-B8AB-4B22-AA383E47AE34}"/>
+          </ac:spMkLst>
+        </pc:spChg>
+        <pc:spChg chg="add mod">
+          <ac:chgData name="Bonner Jordan - Hartford-Remote-HSB" userId="e82d229e-6edb-4e20-9ecc-a487e5c63362" providerId="ADAL" clId="{28A72D4B-4855-4526-8442-D42DD59588DA}" dt="2023-03-01T03:49:48.792" v="203" actId="1076"/>
+          <ac:spMkLst>
+            <pc:docMk/>
+            <pc:sldMk cId="3241427914" sldId="285"/>
+            <ac:spMk id="5" creationId="{2CA6CE52-CDE9-6BD5-D02A-0B9CDE177F35}"/>
+          </ac:spMkLst>
+        </pc:spChg>
+        <pc:picChg chg="add mod">
+          <ac:chgData name="Bonner Jordan - Hartford-Remote-HSB" userId="e82d229e-6edb-4e20-9ecc-a487e5c63362" providerId="ADAL" clId="{28A72D4B-4855-4526-8442-D42DD59588DA}" dt="2023-03-01T12:49:46.711" v="289" actId="14826"/>
+          <ac:picMkLst>
+            <pc:docMk/>
+            <pc:sldMk cId="3241427914" sldId="285"/>
+            <ac:picMk id="4" creationId="{E725ABD2-C6D9-F502-2921-0DC1A1664FD0}"/>
+          </ac:picMkLst>
+        </pc:picChg>
+      </pc:sldChg>
+      <pc:sldChg chg="del">
+        <pc:chgData name="Bonner Jordan - Hartford-Remote-HSB" userId="e82d229e-6edb-4e20-9ecc-a487e5c63362" providerId="ADAL" clId="{28A72D4B-4855-4526-8442-D42DD59588DA}" dt="2023-03-01T12:51:30.435" v="302" actId="47"/>
+        <pc:sldMkLst>
+          <pc:docMk/>
+          <pc:sldMk cId="2002468093" sldId="286"/>
+        </pc:sldMkLst>
+      </pc:sldChg>
+      <pc:sldChg chg="addSp delSp modSp add mod">
+        <pc:chgData name="Bonner Jordan - Hartford-Remote-HSB" userId="e82d229e-6edb-4e20-9ecc-a487e5c63362" providerId="ADAL" clId="{28A72D4B-4855-4526-8442-D42DD59588DA}" dt="2023-03-01T02:49:17.425" v="52" actId="14826"/>
+        <pc:sldMkLst>
+          <pc:docMk/>
+          <pc:sldMk cId="913523918" sldId="287"/>
+        </pc:sldMkLst>
+        <pc:spChg chg="mod">
+          <ac:chgData name="Bonner Jordan - Hartford-Remote-HSB" userId="e82d229e-6edb-4e20-9ecc-a487e5c63362" providerId="ADAL" clId="{28A72D4B-4855-4526-8442-D42DD59588DA}" dt="2023-03-01T02:47:26.214" v="33" actId="20577"/>
+          <ac:spMkLst>
+            <pc:docMk/>
+            <pc:sldMk cId="913523918" sldId="287"/>
+            <ac:spMk id="2" creationId="{18969BF5-0288-FD7C-1739-0C8672F3D7F8}"/>
+          </ac:spMkLst>
+        </pc:spChg>
+        <pc:spChg chg="del mod">
+          <ac:chgData name="Bonner Jordan - Hartford-Remote-HSB" userId="e82d229e-6edb-4e20-9ecc-a487e5c63362" providerId="ADAL" clId="{28A72D4B-4855-4526-8442-D42DD59588DA}" dt="2023-03-01T02:47:33.434" v="35" actId="478"/>
+          <ac:spMkLst>
+            <pc:docMk/>
+            <pc:sldMk cId="913523918" sldId="287"/>
+            <ac:spMk id="3" creationId="{39176E43-0115-E50B-D268-5E00760022A7}"/>
+          </ac:spMkLst>
+        </pc:spChg>
+        <pc:picChg chg="add mod">
+          <ac:chgData name="Bonner Jordan - Hartford-Remote-HSB" userId="e82d229e-6edb-4e20-9ecc-a487e5c63362" providerId="ADAL" clId="{28A72D4B-4855-4526-8442-D42DD59588DA}" dt="2023-03-01T02:48:50.214" v="50" actId="14826"/>
+          <ac:picMkLst>
+            <pc:docMk/>
+            <pc:sldMk cId="913523918" sldId="287"/>
+            <ac:picMk id="4" creationId="{A2EC8706-13D3-34C0-88D2-7EFE786C048F}"/>
+          </ac:picMkLst>
+        </pc:picChg>
+        <pc:picChg chg="add mod">
+          <ac:chgData name="Bonner Jordan - Hartford-Remote-HSB" userId="e82d229e-6edb-4e20-9ecc-a487e5c63362" providerId="ADAL" clId="{28A72D4B-4855-4526-8442-D42DD59588DA}" dt="2023-03-01T02:49:17.425" v="52" actId="14826"/>
+          <ac:picMkLst>
+            <pc:docMk/>
+            <pc:sldMk cId="913523918" sldId="287"/>
+            <ac:picMk id="5" creationId="{0183E975-398D-49AA-4FFE-0DD7A11833F4}"/>
+          </ac:picMkLst>
+        </pc:picChg>
+      </pc:sldChg>
+      <pc:sldChg chg="addSp delSp modSp add mod">
+        <pc:chgData name="Bonner Jordan - Hartford-Remote-HSB" userId="e82d229e-6edb-4e20-9ecc-a487e5c63362" providerId="ADAL" clId="{28A72D4B-4855-4526-8442-D42DD59588DA}" dt="2023-03-01T02:50:04.593" v="62" actId="1036"/>
+        <pc:sldMkLst>
+          <pc:docMk/>
+          <pc:sldMk cId="2704861902" sldId="288"/>
+        </pc:sldMkLst>
+        <pc:picChg chg="add mod">
+          <ac:chgData name="Bonner Jordan - Hartford-Remote-HSB" userId="e82d229e-6edb-4e20-9ecc-a487e5c63362" providerId="ADAL" clId="{28A72D4B-4855-4526-8442-D42DD59588DA}" dt="2023-03-01T02:50:04.593" v="62" actId="1036"/>
+          <ac:picMkLst>
+            <pc:docMk/>
+            <pc:sldMk cId="2704861902" sldId="288"/>
+            <ac:picMk id="3" creationId="{A7EF95ED-D8F3-6D8A-77DF-8B91594C2B97}"/>
+          </ac:picMkLst>
+        </pc:picChg>
+        <pc:picChg chg="del">
+          <ac:chgData name="Bonner Jordan - Hartford-Remote-HSB" userId="e82d229e-6edb-4e20-9ecc-a487e5c63362" providerId="ADAL" clId="{28A72D4B-4855-4526-8442-D42DD59588DA}" dt="2023-03-01T02:49:25.719" v="54" actId="478"/>
+          <ac:picMkLst>
+            <pc:docMk/>
+            <pc:sldMk cId="2704861902" sldId="288"/>
+            <ac:picMk id="4" creationId="{A2EC8706-13D3-34C0-88D2-7EFE786C048F}"/>
+          </ac:picMkLst>
+        </pc:picChg>
+        <pc:picChg chg="del">
+          <ac:chgData name="Bonner Jordan - Hartford-Remote-HSB" userId="e82d229e-6edb-4e20-9ecc-a487e5c63362" providerId="ADAL" clId="{28A72D4B-4855-4526-8442-D42DD59588DA}" dt="2023-03-01T02:49:25.719" v="54" actId="478"/>
+          <ac:picMkLst>
+            <pc:docMk/>
+            <pc:sldMk cId="2704861902" sldId="288"/>
+            <ac:picMk id="5" creationId="{0183E975-398D-49AA-4FFE-0DD7A11833F4}"/>
+          </ac:picMkLst>
+        </pc:picChg>
+      </pc:sldChg>
+      <pc:sldChg chg="addSp delSp modSp add mod">
+        <pc:chgData name="Bonner Jordan - Hartford-Remote-HSB" userId="e82d229e-6edb-4e20-9ecc-a487e5c63362" providerId="ADAL" clId="{28A72D4B-4855-4526-8442-D42DD59588DA}" dt="2023-03-01T13:01:44.279" v="506" actId="20577"/>
+        <pc:sldMkLst>
+          <pc:docMk/>
+          <pc:sldMk cId="2442441093" sldId="289"/>
+        </pc:sldMkLst>
+        <pc:spChg chg="del">
+          <ac:chgData name="Bonner Jordan - Hartford-Remote-HSB" userId="e82d229e-6edb-4e20-9ecc-a487e5c63362" providerId="ADAL" clId="{28A72D4B-4855-4526-8442-D42DD59588DA}" dt="2023-03-01T04:44:06.255" v="246" actId="478"/>
+          <ac:spMkLst>
+            <pc:docMk/>
+            <pc:sldMk cId="2442441093" sldId="289"/>
+            <ac:spMk id="3" creationId="{39176E43-0115-E50B-D268-5E00760022A7}"/>
+          </ac:spMkLst>
+        </pc:spChg>
+        <pc:spChg chg="add mod">
+          <ac:chgData name="Bonner Jordan - Hartford-Remote-HSB" userId="e82d229e-6edb-4e20-9ecc-a487e5c63362" providerId="ADAL" clId="{28A72D4B-4855-4526-8442-D42DD59588DA}" dt="2023-03-01T12:58:45.789" v="373" actId="20577"/>
+          <ac:spMkLst>
+            <pc:docMk/>
+            <pc:sldMk cId="2442441093" sldId="289"/>
+            <ac:spMk id="3" creationId="{5CA26C35-36C9-ADDC-3107-CF1F9C4ABAD9}"/>
+          </ac:spMkLst>
+        </pc:spChg>
+        <pc:spChg chg="add mod">
+          <ac:chgData name="Bonner Jordan - Hartford-Remote-HSB" userId="e82d229e-6edb-4e20-9ecc-a487e5c63362" providerId="ADAL" clId="{28A72D4B-4855-4526-8442-D42DD59588DA}" dt="2023-03-01T13:01:44.279" v="506" actId="20577"/>
+          <ac:spMkLst>
+            <pc:docMk/>
+            <pc:sldMk cId="2442441093" sldId="289"/>
+            <ac:spMk id="5" creationId="{04AF6261-B4B1-D761-810B-AACA39E89170}"/>
+          </ac:spMkLst>
+        </pc:spChg>
+        <pc:picChg chg="add mod">
+          <ac:chgData name="Bonner Jordan - Hartford-Remote-HSB" userId="e82d229e-6edb-4e20-9ecc-a487e5c63362" providerId="ADAL" clId="{28A72D4B-4855-4526-8442-D42DD59588DA}" dt="2023-03-01T12:50:04.045" v="291" actId="14826"/>
+          <ac:picMkLst>
+            <pc:docMk/>
+            <pc:sldMk cId="2442441093" sldId="289"/>
+            <ac:picMk id="4" creationId="{4A0037C9-EB90-2900-D4EC-DF813BC908A7}"/>
+          </ac:picMkLst>
+        </pc:picChg>
+      </pc:sldChg>
+      <pc:sldChg chg="add del">
+        <pc:chgData name="Bonner Jordan - Hartford-Remote-HSB" userId="e82d229e-6edb-4e20-9ecc-a487e5c63362" providerId="ADAL" clId="{28A72D4B-4855-4526-8442-D42DD59588DA}" dt="2023-03-01T12:51:11.396" v="294" actId="47"/>
+        <pc:sldMkLst>
+          <pc:docMk/>
+          <pc:sldMk cId="1280462283" sldId="290"/>
+        </pc:sldMkLst>
+      </pc:sldChg>
+      <pc:sldChg chg="addSp delSp modSp add mod">
+        <pc:chgData name="Bonner Jordan - Hartford-Remote-HSB" userId="e82d229e-6edb-4e20-9ecc-a487e5c63362" providerId="ADAL" clId="{28A72D4B-4855-4526-8442-D42DD59588DA}" dt="2023-03-01T13:02:17.551" v="584" actId="1076"/>
+        <pc:sldMkLst>
+          <pc:docMk/>
+          <pc:sldMk cId="2236211018" sldId="291"/>
+        </pc:sldMkLst>
+        <pc:spChg chg="mod">
+          <ac:chgData name="Bonner Jordan - Hartford-Remote-HSB" userId="e82d229e-6edb-4e20-9ecc-a487e5c63362" providerId="ADAL" clId="{28A72D4B-4855-4526-8442-D42DD59588DA}" dt="2023-03-01T04:44:32.899" v="264" actId="20577"/>
+          <ac:spMkLst>
+            <pc:docMk/>
+            <pc:sldMk cId="2236211018" sldId="291"/>
+            <ac:spMk id="2" creationId="{18969BF5-0288-FD7C-1739-0C8672F3D7F8}"/>
+          </ac:spMkLst>
+        </pc:spChg>
+        <pc:spChg chg="add del mod">
+          <ac:chgData name="Bonner Jordan - Hartford-Remote-HSB" userId="e82d229e-6edb-4e20-9ecc-a487e5c63362" providerId="ADAL" clId="{28A72D4B-4855-4526-8442-D42DD59588DA}" dt="2023-03-01T12:58:30.106" v="360" actId="478"/>
+          <ac:spMkLst>
+            <pc:docMk/>
+            <pc:sldMk cId="2236211018" sldId="291"/>
+            <ac:spMk id="3" creationId="{43D5C90E-B532-652C-4B65-FBC34DD549F8}"/>
+          </ac:spMkLst>
+        </pc:spChg>
+        <pc:spChg chg="mod">
+          <ac:chgData name="Bonner Jordan - Hartford-Remote-HSB" userId="e82d229e-6edb-4e20-9ecc-a487e5c63362" providerId="ADAL" clId="{28A72D4B-4855-4526-8442-D42DD59588DA}" dt="2023-03-01T13:02:17.551" v="584" actId="1076"/>
+          <ac:spMkLst>
+            <pc:docMk/>
+            <pc:sldMk cId="2236211018" sldId="291"/>
+            <ac:spMk id="5" creationId="{04AF6261-B4B1-D761-810B-AACA39E89170}"/>
+          </ac:spMkLst>
+        </pc:spChg>
+        <pc:spChg chg="add mod ord">
+          <ac:chgData name="Bonner Jordan - Hartford-Remote-HSB" userId="e82d229e-6edb-4e20-9ecc-a487e5c63362" providerId="ADAL" clId="{28A72D4B-4855-4526-8442-D42DD59588DA}" dt="2023-03-01T12:58:54.562" v="378" actId="20577"/>
+          <ac:spMkLst>
+            <pc:docMk/>
+            <pc:sldMk cId="2236211018" sldId="291"/>
+            <ac:spMk id="6" creationId="{5B20AD6F-D343-29FB-9824-B7DD8F4A2DDB}"/>
+          </ac:spMkLst>
+        </pc:spChg>
+        <pc:picChg chg="mod">
+          <ac:chgData name="Bonner Jordan - Hartford-Remote-HSB" userId="e82d229e-6edb-4e20-9ecc-a487e5c63362" providerId="ADAL" clId="{28A72D4B-4855-4526-8442-D42DD59588DA}" dt="2023-03-01T12:50:15.343" v="292" actId="14826"/>
+          <ac:picMkLst>
+            <pc:docMk/>
+            <pc:sldMk cId="2236211018" sldId="291"/>
+            <ac:picMk id="4" creationId="{4A0037C9-EB90-2900-D4EC-DF813BC908A7}"/>
+          </ac:picMkLst>
+        </pc:picChg>
+      </pc:sldChg>
+      <pc:sldChg chg="addSp modSp add mod">
+        <pc:chgData name="Bonner Jordan - Hartford-Remote-HSB" userId="e82d229e-6edb-4e20-9ecc-a487e5c63362" providerId="ADAL" clId="{28A72D4B-4855-4526-8442-D42DD59588DA}" dt="2023-03-01T13:02:37.594" v="644" actId="1076"/>
+        <pc:sldMkLst>
+          <pc:docMk/>
+          <pc:sldMk cId="3053040336" sldId="292"/>
+        </pc:sldMkLst>
+        <pc:spChg chg="mod">
+          <ac:chgData name="Bonner Jordan - Hartford-Remote-HSB" userId="e82d229e-6edb-4e20-9ecc-a487e5c63362" providerId="ADAL" clId="{28A72D4B-4855-4526-8442-D42DD59588DA}" dt="2023-03-01T12:45:29.789" v="288" actId="20577"/>
+          <ac:spMkLst>
+            <pc:docMk/>
+            <pc:sldMk cId="3053040336" sldId="292"/>
+            <ac:spMk id="2" creationId="{18969BF5-0288-FD7C-1739-0C8672F3D7F8}"/>
+          </ac:spMkLst>
+        </pc:spChg>
+        <pc:spChg chg="add mod">
+          <ac:chgData name="Bonner Jordan - Hartford-Remote-HSB" userId="e82d229e-6edb-4e20-9ecc-a487e5c63362" providerId="ADAL" clId="{28A72D4B-4855-4526-8442-D42DD59588DA}" dt="2023-03-01T12:59:38.779" v="393" actId="20577"/>
+          <ac:spMkLst>
+            <pc:docMk/>
+            <pc:sldMk cId="3053040336" sldId="292"/>
+            <ac:spMk id="3" creationId="{6C6ADEAB-5768-68AB-60CA-2FE1BC43C7E3}"/>
+          </ac:spMkLst>
+        </pc:spChg>
+        <pc:spChg chg="mod">
+          <ac:chgData name="Bonner Jordan - Hartford-Remote-HSB" userId="e82d229e-6edb-4e20-9ecc-a487e5c63362" providerId="ADAL" clId="{28A72D4B-4855-4526-8442-D42DD59588DA}" dt="2023-03-01T13:02:37.594" v="644" actId="1076"/>
+          <ac:spMkLst>
+            <pc:docMk/>
+            <pc:sldMk cId="3053040336" sldId="292"/>
+            <ac:spMk id="5" creationId="{04AF6261-B4B1-D761-810B-AACA39E89170}"/>
+          </ac:spMkLst>
+        </pc:spChg>
+        <pc:picChg chg="mod">
+          <ac:chgData name="Bonner Jordan - Hartford-Remote-HSB" userId="e82d229e-6edb-4e20-9ecc-a487e5c63362" providerId="ADAL" clId="{28A72D4B-4855-4526-8442-D42DD59588DA}" dt="2023-03-01T12:50:34.730" v="293" actId="14826"/>
+          <ac:picMkLst>
+            <pc:docMk/>
+            <pc:sldMk cId="3053040336" sldId="292"/>
+            <ac:picMk id="4" creationId="{4A0037C9-EB90-2900-D4EC-DF813BC908A7}"/>
+          </ac:picMkLst>
+        </pc:picChg>
+      </pc:sldChg>
+      <pc:sldChg chg="addSp modSp add mod">
+        <pc:chgData name="Bonner Jordan - Hartford-Remote-HSB" userId="e82d229e-6edb-4e20-9ecc-a487e5c63362" providerId="ADAL" clId="{28A72D4B-4855-4526-8442-D42DD59588DA}" dt="2023-03-01T13:02:49.107" v="686" actId="20577"/>
+        <pc:sldMkLst>
+          <pc:docMk/>
+          <pc:sldMk cId="1956384913" sldId="293"/>
+        </pc:sldMkLst>
+        <pc:spChg chg="mod">
+          <ac:chgData name="Bonner Jordan - Hartford-Remote-HSB" userId="e82d229e-6edb-4e20-9ecc-a487e5c63362" providerId="ADAL" clId="{28A72D4B-4855-4526-8442-D42DD59588DA}" dt="2023-03-01T12:51:16.233" v="300" actId="20577"/>
+          <ac:spMkLst>
+            <pc:docMk/>
+            <pc:sldMk cId="1956384913" sldId="293"/>
+            <ac:spMk id="2" creationId="{18969BF5-0288-FD7C-1739-0C8672F3D7F8}"/>
+          </ac:spMkLst>
+        </pc:spChg>
+        <pc:spChg chg="add mod">
+          <ac:chgData name="Bonner Jordan - Hartford-Remote-HSB" userId="e82d229e-6edb-4e20-9ecc-a487e5c63362" providerId="ADAL" clId="{28A72D4B-4855-4526-8442-D42DD59588DA}" dt="2023-03-01T13:01:17.103" v="438" actId="20577"/>
+          <ac:spMkLst>
+            <pc:docMk/>
+            <pc:sldMk cId="1956384913" sldId="293"/>
+            <ac:spMk id="3" creationId="{4FD38AA8-E08D-AFDB-588A-1A0A6FD4205A}"/>
+          </ac:spMkLst>
+        </pc:spChg>
+        <pc:spChg chg="mod">
+          <ac:chgData name="Bonner Jordan - Hartford-Remote-HSB" userId="e82d229e-6edb-4e20-9ecc-a487e5c63362" providerId="ADAL" clId="{28A72D4B-4855-4526-8442-D42DD59588DA}" dt="2023-03-01T13:02:49.107" v="686" actId="20577"/>
+          <ac:spMkLst>
+            <pc:docMk/>
+            <pc:sldMk cId="1956384913" sldId="293"/>
+            <ac:spMk id="5" creationId="{04AF6261-B4B1-D761-810B-AACA39E89170}"/>
+          </ac:spMkLst>
+        </pc:spChg>
+        <pc:picChg chg="mod">
+          <ac:chgData name="Bonner Jordan - Hartford-Remote-HSB" userId="e82d229e-6edb-4e20-9ecc-a487e5c63362" providerId="ADAL" clId="{28A72D4B-4855-4526-8442-D42DD59588DA}" dt="2023-03-01T12:51:26.489" v="301" actId="14826"/>
+          <ac:picMkLst>
+            <pc:docMk/>
+            <pc:sldMk cId="1956384913" sldId="293"/>
+            <ac:picMk id="4" creationId="{4A0037C9-EB90-2900-D4EC-DF813BC908A7}"/>
+          </ac:picMkLst>
+        </pc:picChg>
+      </pc:sldChg>
+      <pc:sldChg chg="modSp add mod">
+        <pc:chgData name="Bonner Jordan - Hartford-Remote-HSB" userId="e82d229e-6edb-4e20-9ecc-a487e5c63362" providerId="ADAL" clId="{28A72D4B-4855-4526-8442-D42DD59588DA}" dt="2023-03-01T19:46:58.361" v="809" actId="404"/>
+        <pc:sldMkLst>
+          <pc:docMk/>
+          <pc:sldMk cId="1338125014" sldId="294"/>
+        </pc:sldMkLst>
+        <pc:spChg chg="mod">
+          <ac:chgData name="Bonner Jordan - Hartford-Remote-HSB" userId="e82d229e-6edb-4e20-9ecc-a487e5c63362" providerId="ADAL" clId="{28A72D4B-4855-4526-8442-D42DD59588DA}" dt="2023-03-01T19:45:52.833" v="693" actId="20577"/>
+          <ac:spMkLst>
+            <pc:docMk/>
+            <pc:sldMk cId="1338125014" sldId="294"/>
+            <ac:spMk id="2" creationId="{10B17ABD-BE88-D042-5997-22F660D5947A}"/>
+          </ac:spMkLst>
+        </pc:spChg>
+        <pc:spChg chg="mod">
+          <ac:chgData name="Bonner Jordan - Hartford-Remote-HSB" userId="e82d229e-6edb-4e20-9ecc-a487e5c63362" providerId="ADAL" clId="{28A72D4B-4855-4526-8442-D42DD59588DA}" dt="2023-03-01T19:46:58.361" v="809" actId="404"/>
+          <ac:spMkLst>
+            <pc:docMk/>
+            <pc:sldMk cId="1338125014" sldId="294"/>
+            <ac:spMk id="3" creationId="{F33662A3-4DD5-0500-C0E1-EA5CF57A5ABC}"/>
+          </ac:spMkLst>
+        </pc:spChg>
+      </pc:sldChg>
+      <pc:sldChg chg="add">
+        <pc:chgData name="Bonner Jordan - Hartford-Remote-HSB" userId="e82d229e-6edb-4e20-9ecc-a487e5c63362" providerId="ADAL" clId="{28A72D4B-4855-4526-8442-D42DD59588DA}" dt="2023-03-01T19:47:23.621" v="810"/>
+        <pc:sldMkLst>
+          <pc:docMk/>
+          <pc:sldMk cId="4002762296" sldId="295"/>
+        </pc:sldMkLst>
+      </pc:sldChg>
+      <pc:sldChg chg="add">
+        <pc:chgData name="Bonner Jordan - Hartford-Remote-HSB" userId="e82d229e-6edb-4e20-9ecc-a487e5c63362" providerId="ADAL" clId="{28A72D4B-4855-4526-8442-D42DD59588DA}" dt="2023-03-01T19:47:23.621" v="810"/>
+        <pc:sldMkLst>
+          <pc:docMk/>
+          <pc:sldMk cId="1608165928" sldId="296"/>
+        </pc:sldMkLst>
+      </pc:sldChg>
+      <pc:sldChg chg="add">
+        <pc:chgData name="Bonner Jordan - Hartford-Remote-HSB" userId="e82d229e-6edb-4e20-9ecc-a487e5c63362" providerId="ADAL" clId="{28A72D4B-4855-4526-8442-D42DD59588DA}" dt="2023-03-01T19:47:23.621" v="810"/>
+        <pc:sldMkLst>
+          <pc:docMk/>
+          <pc:sldMk cId="1443684485" sldId="297"/>
+        </pc:sldMkLst>
+      </pc:sldChg>
+      <pc:sldChg chg="add del ord">
+        <pc:chgData name="Bonner Jordan - Hartford-Remote-HSB" userId="e82d229e-6edb-4e20-9ecc-a487e5c63362" providerId="ADAL" clId="{28A72D4B-4855-4526-8442-D42DD59588DA}" dt="2023-03-01T19:47:31.540" v="814" actId="47"/>
+        <pc:sldMkLst>
+          <pc:docMk/>
+          <pc:sldMk cId="1702470165" sldId="298"/>
+        </pc:sldMkLst>
+      </pc:sldChg>
+      <pc:sldChg chg="addSp delSp modSp add mod">
+        <pc:chgData name="Bonner Jordan - Hartford-Remote-HSB" userId="e82d229e-6edb-4e20-9ecc-a487e5c63362" providerId="ADAL" clId="{28A72D4B-4855-4526-8442-D42DD59588DA}" dt="2023-03-01T19:52:39.395" v="873" actId="478"/>
+        <pc:sldMkLst>
+          <pc:docMk/>
+          <pc:sldMk cId="2934773690" sldId="298"/>
+        </pc:sldMkLst>
+        <pc:spChg chg="mod">
+          <ac:chgData name="Bonner Jordan - Hartford-Remote-HSB" userId="e82d229e-6edb-4e20-9ecc-a487e5c63362" providerId="ADAL" clId="{28A72D4B-4855-4526-8442-D42DD59588DA}" dt="2023-03-01T19:51:26.010" v="856" actId="20577"/>
+          <ac:spMkLst>
+            <pc:docMk/>
+            <pc:sldMk cId="2934773690" sldId="298"/>
+            <ac:spMk id="2" creationId="{18969BF5-0288-FD7C-1739-0C8672F3D7F8}"/>
+          </ac:spMkLst>
+        </pc:spChg>
+        <pc:spChg chg="del">
+          <ac:chgData name="Bonner Jordan - Hartford-Remote-HSB" userId="e82d229e-6edb-4e20-9ecc-a487e5c63362" providerId="ADAL" clId="{28A72D4B-4855-4526-8442-D42DD59588DA}" dt="2023-03-01T19:51:30.187" v="858" actId="478"/>
+          <ac:spMkLst>
+            <pc:docMk/>
+            <pc:sldMk cId="2934773690" sldId="298"/>
+            <ac:spMk id="3" creationId="{4FD38AA8-E08D-AFDB-588A-1A0A6FD4205A}"/>
+          </ac:spMkLst>
+        </pc:spChg>
+        <pc:spChg chg="del">
+          <ac:chgData name="Bonner Jordan - Hartford-Remote-HSB" userId="e82d229e-6edb-4e20-9ecc-a487e5c63362" providerId="ADAL" clId="{28A72D4B-4855-4526-8442-D42DD59588DA}" dt="2023-03-01T19:51:28.375" v="857" actId="478"/>
+          <ac:spMkLst>
+            <pc:docMk/>
+            <pc:sldMk cId="2934773690" sldId="298"/>
+            <ac:spMk id="5" creationId="{04AF6261-B4B1-D761-810B-AACA39E89170}"/>
+          </ac:spMkLst>
+        </pc:spChg>
+        <pc:picChg chg="mod">
+          <ac:chgData name="Bonner Jordan - Hartford-Remote-HSB" userId="e82d229e-6edb-4e20-9ecc-a487e5c63362" providerId="ADAL" clId="{28A72D4B-4855-4526-8442-D42DD59588DA}" dt="2023-03-01T19:52:35.863" v="871" actId="555"/>
+          <ac:picMkLst>
+            <pc:docMk/>
+            <pc:sldMk cId="2934773690" sldId="298"/>
+            <ac:picMk id="4" creationId="{4A0037C9-EB90-2900-D4EC-DF813BC908A7}"/>
+          </ac:picMkLst>
+        </pc:picChg>
+        <pc:picChg chg="add mod">
+          <ac:chgData name="Bonner Jordan - Hartford-Remote-HSB" userId="e82d229e-6edb-4e20-9ecc-a487e5c63362" providerId="ADAL" clId="{28A72D4B-4855-4526-8442-D42DD59588DA}" dt="2023-03-01T19:52:30.565" v="870" actId="555"/>
+          <ac:picMkLst>
+            <pc:docMk/>
+            <pc:sldMk cId="2934773690" sldId="298"/>
+            <ac:picMk id="6" creationId="{D8447591-D830-A3F2-DC0D-858B0C9B5E06}"/>
+          </ac:picMkLst>
+        </pc:picChg>
+        <pc:picChg chg="add del mod">
+          <ac:chgData name="Bonner Jordan - Hartford-Remote-HSB" userId="e82d229e-6edb-4e20-9ecc-a487e5c63362" providerId="ADAL" clId="{28A72D4B-4855-4526-8442-D42DD59588DA}" dt="2023-03-01T19:52:39.395" v="873" actId="478"/>
+          <ac:picMkLst>
+            <pc:docMk/>
+            <pc:sldMk cId="2934773690" sldId="298"/>
+            <ac:picMk id="7" creationId="{1BA4302A-0527-65BF-65A8-F122A0EFB3C6}"/>
+          </ac:picMkLst>
+        </pc:picChg>
+        <pc:picChg chg="add del mod">
+          <ac:chgData name="Bonner Jordan - Hartford-Remote-HSB" userId="e82d229e-6edb-4e20-9ecc-a487e5c63362" providerId="ADAL" clId="{28A72D4B-4855-4526-8442-D42DD59588DA}" dt="2023-03-01T19:52:39.395" v="873" actId="478"/>
+          <ac:picMkLst>
+            <pc:docMk/>
+            <pc:sldMk cId="2934773690" sldId="298"/>
+            <ac:picMk id="8" creationId="{28361197-4891-DE0D-3D52-E5B55D2D7BD8}"/>
+          </ac:picMkLst>
+        </pc:picChg>
+      </pc:sldChg>
+      <pc:sldChg chg="modSp add del mod">
+        <pc:chgData name="Bonner Jordan - Hartford-Remote-HSB" userId="e82d229e-6edb-4e20-9ecc-a487e5c63362" providerId="ADAL" clId="{28A72D4B-4855-4526-8442-D42DD59588DA}" dt="2023-03-01T19:52:50.233" v="874" actId="47"/>
+        <pc:sldMkLst>
+          <pc:docMk/>
+          <pc:sldMk cId="2514743276" sldId="299"/>
+        </pc:sldMkLst>
+        <pc:picChg chg="mod">
+          <ac:chgData name="Bonner Jordan - Hartford-Remote-HSB" userId="e82d229e-6edb-4e20-9ecc-a487e5c63362" providerId="ADAL" clId="{28A72D4B-4855-4526-8442-D42DD59588DA}" dt="2023-03-01T19:52:10.063" v="866" actId="1582"/>
+          <ac:picMkLst>
+            <pc:docMk/>
+            <pc:sldMk cId="2514743276" sldId="299"/>
+            <ac:picMk id="4" creationId="{A2EC8706-13D3-34C0-88D2-7EFE786C048F}"/>
+          </ac:picMkLst>
+        </pc:picChg>
+        <pc:picChg chg="mod">
+          <ac:chgData name="Bonner Jordan - Hartford-Remote-HSB" userId="e82d229e-6edb-4e20-9ecc-a487e5c63362" providerId="ADAL" clId="{28A72D4B-4855-4526-8442-D42DD59588DA}" dt="2023-03-01T19:52:10.063" v="866" actId="1582"/>
+          <ac:picMkLst>
+            <pc:docMk/>
+            <pc:sldMk cId="2514743276" sldId="299"/>
+            <ac:picMk id="5" creationId="{0183E975-398D-49AA-4FFE-0DD7A11833F4}"/>
+          </ac:picMkLst>
+        </pc:picChg>
+      </pc:sldChg>
+    </pc:docChg>
+  </pc:docChgLst>
+</pc:chgInfo>
+</file>
+
 <file path=ppt/notesMasters/notesMaster1.xml><?xml version="1.0" encoding="utf-8"?>
 <p:notesMaster xmlns:a="http://schemas.openxmlformats.org/drawingml/2006/main" xmlns:r="http://schemas.openxmlformats.org/officeDocument/2006/relationships" xmlns:p="http://schemas.openxmlformats.org/presentationml/2006/main">
   <p:cSld>
@@ -1536,7 +2036,7 @@
               <a:pPr>
                 <a:defRPr/>
               </a:pPr>
-              <a:t>2/23/2023</a:t>
+              <a:t>3/1/2023</a:t>
             </a:fld>
             <a:endParaRPr lang="en-US"/>
           </a:p>
@@ -1735,7 +2235,7 @@
               <a:pPr>
                 <a:defRPr/>
               </a:pPr>
-              <a:t>2/23/2023</a:t>
+              <a:t>3/1/2023</a:t>
             </a:fld>
             <a:endParaRPr lang="en-US"/>
           </a:p>
@@ -2002,7 +2502,7 @@
               <a:pPr>
                 <a:defRPr/>
               </a:pPr>
-              <a:t>2/23/2023</a:t>
+              <a:t>3/1/2023</a:t>
             </a:fld>
             <a:endParaRPr lang="en-US"/>
           </a:p>
@@ -2309,7 +2809,7 @@
               <a:pPr>
                 <a:defRPr/>
               </a:pPr>
-              <a:t>2/23/2023</a:t>
+              <a:t>3/1/2023</a:t>
             </a:fld>
             <a:endParaRPr lang="en-US"/>
           </a:p>
@@ -2750,7 +3250,7 @@
               <a:pPr>
                 <a:defRPr/>
               </a:pPr>
-              <a:t>2/23/2023</a:t>
+              <a:t>3/1/2023</a:t>
             </a:fld>
             <a:endParaRPr lang="en-US"/>
           </a:p>
@@ -2889,7 +3389,7 @@
               <a:pPr>
                 <a:defRPr/>
               </a:pPr>
-              <a:t>2/23/2023</a:t>
+              <a:t>3/1/2023</a:t>
             </a:fld>
             <a:endParaRPr lang="en-US"/>
           </a:p>
@@ -3006,7 +3506,7 @@
               <a:pPr>
                 <a:defRPr/>
               </a:pPr>
-              <a:t>2/23/2023</a:t>
+              <a:t>3/1/2023</a:t>
             </a:fld>
             <a:endParaRPr lang="en-US"/>
           </a:p>
@@ -3303,7 +3803,7 @@
               <a:pPr>
                 <a:defRPr/>
               </a:pPr>
-              <a:t>2/23/2023</a:t>
+              <a:t>3/1/2023</a:t>
             </a:fld>
             <a:endParaRPr lang="en-US"/>
           </a:p>
@@ -3769,7 +4269,7 @@
               <a:pPr>
                 <a:defRPr/>
               </a:pPr>
-              <a:t>2/23/2023</a:t>
+              <a:t>3/1/2023</a:t>
             </a:fld>
             <a:endParaRPr lang="en-US"/>
           </a:p>
@@ -3959,7 +4459,7 @@
               <a:pPr>
                 <a:defRPr/>
               </a:pPr>
-              <a:t>2/23/2023</a:t>
+              <a:t>3/1/2023</a:t>
             </a:fld>
             <a:endParaRPr lang="en-US"/>
           </a:p>
@@ -4159,7 +4659,7 @@
               <a:pPr>
                 <a:defRPr/>
               </a:pPr>
-              <a:t>2/23/2023</a:t>
+              <a:t>3/1/2023</a:t>
             </a:fld>
             <a:endParaRPr lang="en-US"/>
           </a:p>
@@ -4421,7 +4921,7 @@
               <a:pPr>
                 <a:defRPr/>
               </a:pPr>
-              <a:t>2/23/2023</a:t>
+              <a:t>3/1/2023</a:t>
             </a:fld>
             <a:endParaRPr lang="en-US"/>
           </a:p>
@@ -4620,7 +5120,7 @@
               <a:pPr>
                 <a:defRPr/>
               </a:pPr>
-              <a:t>2/23/2023</a:t>
+              <a:t>3/1/2023</a:t>
             </a:fld>
             <a:endParaRPr lang="en-US"/>
           </a:p>
@@ -4887,7 +5387,7 @@
               <a:pPr>
                 <a:defRPr/>
               </a:pPr>
-              <a:t>2/23/2023</a:t>
+              <a:t>3/1/2023</a:t>
             </a:fld>
             <a:endParaRPr lang="en-US"/>
           </a:p>
@@ -5194,7 +5694,7 @@
               <a:pPr>
                 <a:defRPr/>
               </a:pPr>
-              <a:t>2/23/2023</a:t>
+              <a:t>3/1/2023</a:t>
             </a:fld>
             <a:endParaRPr lang="en-US"/>
           </a:p>
@@ -5635,7 +6135,7 @@
               <a:pPr>
                 <a:defRPr/>
               </a:pPr>
-              <a:t>2/23/2023</a:t>
+              <a:t>3/1/2023</a:t>
             </a:fld>
             <a:endParaRPr lang="en-US"/>
           </a:p>
@@ -5774,7 +6274,7 @@
               <a:pPr>
                 <a:defRPr/>
               </a:pPr>
-              <a:t>2/23/2023</a:t>
+              <a:t>3/1/2023</a:t>
             </a:fld>
             <a:endParaRPr lang="en-US"/>
           </a:p>
@@ -5891,7 +6391,7 @@
               <a:pPr>
                 <a:defRPr/>
               </a:pPr>
-              <a:t>2/23/2023</a:t>
+              <a:t>3/1/2023</a:t>
             </a:fld>
             <a:endParaRPr lang="en-US"/>
           </a:p>
@@ -6400,7 +6900,7 @@
               <a:pPr>
                 <a:defRPr/>
               </a:pPr>
-              <a:t>2/23/2023</a:t>
+              <a:t>3/1/2023</a:t>
             </a:fld>
             <a:endParaRPr lang="en-US"/>
           </a:p>
@@ -6677,7 +7177,7 @@
               <a:pPr>
                 <a:defRPr/>
               </a:pPr>
-              <a:t>2/23/2023</a:t>
+              <a:t>3/1/2023</a:t>
             </a:fld>
             <a:endParaRPr lang="en-US"/>
           </a:p>
@@ -6867,7 +7367,7 @@
               <a:pPr>
                 <a:defRPr/>
               </a:pPr>
-              <a:t>2/23/2023</a:t>
+              <a:t>3/1/2023</a:t>
             </a:fld>
             <a:endParaRPr lang="en-US"/>
           </a:p>
@@ -7067,7 +7567,7 @@
               <a:pPr>
                 <a:defRPr/>
               </a:pPr>
-              <a:t>2/23/2023</a:t>
+              <a:t>3/1/2023</a:t>
             </a:fld>
             <a:endParaRPr lang="en-US"/>
           </a:p>
@@ -7329,7 +7829,7 @@
               <a:pPr>
                 <a:defRPr/>
               </a:pPr>
-              <a:t>2/23/2023</a:t>
+              <a:t>3/1/2023</a:t>
             </a:fld>
             <a:endParaRPr lang="en-US"/>
           </a:p>
@@ -7519,7 +8019,7 @@
               <a:pPr>
                 <a:defRPr/>
               </a:pPr>
-              <a:t>2/23/2023</a:t>
+              <a:t>3/1/2023</a:t>
             </a:fld>
             <a:endParaRPr lang="en-US"/>
           </a:p>
@@ -7786,7 +8286,7 @@
               <a:pPr>
                 <a:defRPr/>
               </a:pPr>
-              <a:t>2/23/2023</a:t>
+              <a:t>3/1/2023</a:t>
             </a:fld>
             <a:endParaRPr lang="en-US"/>
           </a:p>
@@ -8093,7 +8593,7 @@
               <a:pPr>
                 <a:defRPr/>
               </a:pPr>
-              <a:t>2/23/2023</a:t>
+              <a:t>3/1/2023</a:t>
             </a:fld>
             <a:endParaRPr lang="en-US"/>
           </a:p>
@@ -8534,7 +9034,7 @@
               <a:pPr>
                 <a:defRPr/>
               </a:pPr>
-              <a:t>2/23/2023</a:t>
+              <a:t>3/1/2023</a:t>
             </a:fld>
             <a:endParaRPr lang="en-US"/>
           </a:p>
@@ -8673,7 +9173,7 @@
               <a:pPr>
                 <a:defRPr/>
               </a:pPr>
-              <a:t>2/23/2023</a:t>
+              <a:t>3/1/2023</a:t>
             </a:fld>
             <a:endParaRPr lang="en-US"/>
           </a:p>
@@ -9096,7 +9596,7 @@
               <a:pPr>
                 <a:defRPr/>
               </a:pPr>
-              <a:t>2/23/2023</a:t>
+              <a:t>3/1/2023</a:t>
             </a:fld>
             <a:endParaRPr lang="en-US"/>
           </a:p>
@@ -9393,7 +9893,7 @@
               <a:pPr>
                 <a:defRPr/>
               </a:pPr>
-              <a:t>2/23/2023</a:t>
+              <a:t>3/1/2023</a:t>
             </a:fld>
             <a:endParaRPr lang="en-US"/>
           </a:p>
@@ -9670,7 +10170,7 @@
               <a:pPr>
                 <a:defRPr/>
               </a:pPr>
-              <a:t>2/23/2023</a:t>
+              <a:t>3/1/2023</a:t>
             </a:fld>
             <a:endParaRPr lang="en-US"/>
           </a:p>
@@ -9860,7 +10360,7 @@
               <a:pPr>
                 <a:defRPr/>
               </a:pPr>
-              <a:t>2/23/2023</a:t>
+              <a:t>3/1/2023</a:t>
             </a:fld>
             <a:endParaRPr lang="en-US"/>
           </a:p>
@@ -10060,7 +10560,7 @@
               <a:pPr>
                 <a:defRPr/>
               </a:pPr>
-              <a:t>2/23/2023</a:t>
+              <a:t>3/1/2023</a:t>
             </a:fld>
             <a:endParaRPr lang="en-US"/>
           </a:p>
@@ -12264,7 +12764,7 @@
               <a:pPr>
                 <a:defRPr/>
               </a:pPr>
-              <a:t>2/23/2023</a:t>
+              <a:t>3/1/2023</a:t>
             </a:fld>
             <a:endParaRPr lang="en-US"/>
           </a:p>
@@ -12943,7 +13443,7 @@
               <a:pPr>
                 <a:defRPr/>
               </a:pPr>
-              <a:t>2/23/2023</a:t>
+              <a:t>3/1/2023</a:t>
             </a:fld>
             <a:endParaRPr lang="en-US"/>
           </a:p>
@@ -13629,7 +14129,7 @@
               <a:pPr>
                 <a:defRPr/>
               </a:pPr>
-              <a:t>2/23/2023</a:t>
+              <a:t>3/1/2023</a:t>
             </a:fld>
             <a:endParaRPr lang="en-US"/>
           </a:p>
@@ -14996,7 +15496,7 @@
     </p:spTree>
     <p:extLst>
       <p:ext uri="{BB962C8B-B14F-4D97-AF65-F5344CB8AC3E}">
-        <p14:creationId xmlns:p14="http://schemas.microsoft.com/office/powerpoint/2010/main" val="2988560573"/>
+        <p14:creationId xmlns:p14="http://schemas.microsoft.com/office/powerpoint/2010/main" val="48610386"/>
       </p:ext>
     </p:extLst>
   </p:cSld>
@@ -15046,7 +15546,7 @@
           <a:p>
             <a:r>
               <a:rPr lang="en-US" dirty="0"/>
-              <a:t>Trend Selection</a:t>
+              <a:t>Loss Development Triangles</a:t>
             </a:r>
           </a:p>
         </p:txBody>
@@ -15079,7 +15579,7 @@
     </p:spTree>
     <p:extLst>
       <p:ext uri="{BB962C8B-B14F-4D97-AF65-F5344CB8AC3E}">
-        <p14:creationId xmlns:p14="http://schemas.microsoft.com/office/powerpoint/2010/main" val="3996687486"/>
+        <p14:creationId xmlns:p14="http://schemas.microsoft.com/office/powerpoint/2010/main" val="2988560573"/>
       </p:ext>
     </p:extLst>
   </p:cSld>
@@ -15162,7 +15662,7 @@
     </p:spTree>
     <p:extLst>
       <p:ext uri="{BB962C8B-B14F-4D97-AF65-F5344CB8AC3E}">
-        <p14:creationId xmlns:p14="http://schemas.microsoft.com/office/powerpoint/2010/main" val="2234546495"/>
+        <p14:creationId xmlns:p14="http://schemas.microsoft.com/office/powerpoint/2010/main" val="3996687486"/>
       </p:ext>
     </p:extLst>
   </p:cSld>
@@ -15212,7 +15712,7 @@
           <a:p>
             <a:r>
               <a:rPr lang="en-US" dirty="0"/>
-              <a:t>Rate Indications</a:t>
+              <a:t>Trend Selection</a:t>
             </a:r>
           </a:p>
         </p:txBody>
@@ -15245,7 +15745,7 @@
     </p:spTree>
     <p:extLst>
       <p:ext uri="{BB962C8B-B14F-4D97-AF65-F5344CB8AC3E}">
-        <p14:creationId xmlns:p14="http://schemas.microsoft.com/office/powerpoint/2010/main" val="3744326896"/>
+        <p14:creationId xmlns:p14="http://schemas.microsoft.com/office/powerpoint/2010/main" val="2234546495"/>
       </p:ext>
     </p:extLst>
   </p:cSld>
@@ -15294,10 +15794,9 @@
           <a:lstStyle/>
           <a:p>
             <a:r>
-              <a:rPr lang="en-US"/>
+              <a:rPr lang="en-US" dirty="0"/>
               <a:t>Rate Indications</a:t>
             </a:r>
-            <a:endParaRPr lang="en-US" dirty="0"/>
           </a:p>
         </p:txBody>
       </p:sp>
@@ -15329,7 +15828,7 @@
     </p:spTree>
     <p:extLst>
       <p:ext uri="{BB962C8B-B14F-4D97-AF65-F5344CB8AC3E}">
-        <p14:creationId xmlns:p14="http://schemas.microsoft.com/office/powerpoint/2010/main" val="2037117755"/>
+        <p14:creationId xmlns:p14="http://schemas.microsoft.com/office/powerpoint/2010/main" val="3744326896"/>
       </p:ext>
     </p:extLst>
   </p:cSld>
@@ -15378,9 +15877,10 @@
           <a:lstStyle/>
           <a:p>
             <a:r>
-              <a:rPr lang="en-US" dirty="0"/>
-              <a:t>Mix Shift</a:t>
-            </a:r>
+              <a:rPr lang="en-US"/>
+              <a:t>Rate Indications</a:t>
+            </a:r>
+            <a:endParaRPr lang="en-US" dirty="0"/>
           </a:p>
         </p:txBody>
       </p:sp>
@@ -15412,7 +15912,7 @@
     </p:spTree>
     <p:extLst>
       <p:ext uri="{BB962C8B-B14F-4D97-AF65-F5344CB8AC3E}">
-        <p14:creationId xmlns:p14="http://schemas.microsoft.com/office/powerpoint/2010/main" val="233457934"/>
+        <p14:creationId xmlns:p14="http://schemas.microsoft.com/office/powerpoint/2010/main" val="2037117755"/>
       </p:ext>
     </p:extLst>
   </p:cSld>
@@ -15495,7 +15995,7 @@
     </p:spTree>
     <p:extLst>
       <p:ext uri="{BB962C8B-B14F-4D97-AF65-F5344CB8AC3E}">
-        <p14:creationId xmlns:p14="http://schemas.microsoft.com/office/powerpoint/2010/main" val="3695907033"/>
+        <p14:creationId xmlns:p14="http://schemas.microsoft.com/office/powerpoint/2010/main" val="233457934"/>
       </p:ext>
     </p:extLst>
   </p:cSld>
@@ -15545,7 +16045,7 @@
           <a:p>
             <a:r>
               <a:rPr lang="en-US" dirty="0"/>
-              <a:t>Model Diagnostics</a:t>
+              <a:t>Mix Shift</a:t>
             </a:r>
           </a:p>
         </p:txBody>
@@ -15578,7 +16078,7 @@
     </p:spTree>
     <p:extLst>
       <p:ext uri="{BB962C8B-B14F-4D97-AF65-F5344CB8AC3E}">
-        <p14:creationId xmlns:p14="http://schemas.microsoft.com/office/powerpoint/2010/main" val="3026868623"/>
+        <p14:creationId xmlns:p14="http://schemas.microsoft.com/office/powerpoint/2010/main" val="3695907033"/>
       </p:ext>
     </p:extLst>
   </p:cSld>
@@ -15627,10 +16127,9 @@
           <a:lstStyle/>
           <a:p>
             <a:r>
-              <a:rPr lang="en-US"/>
+              <a:rPr lang="en-US" dirty="0"/>
               <a:t>Model Diagnostics</a:t>
             </a:r>
-            <a:endParaRPr lang="en-US" dirty="0"/>
           </a:p>
         </p:txBody>
       </p:sp>
@@ -15662,7 +16161,7 @@
     </p:spTree>
     <p:extLst>
       <p:ext uri="{BB962C8B-B14F-4D97-AF65-F5344CB8AC3E}">
-        <p14:creationId xmlns:p14="http://schemas.microsoft.com/office/powerpoint/2010/main" val="1881759498"/>
+        <p14:creationId xmlns:p14="http://schemas.microsoft.com/office/powerpoint/2010/main" val="3026868623"/>
       </p:ext>
     </p:extLst>
   </p:cSld>
@@ -15694,7 +16193,7 @@
           <p:cNvPr id="2" name="Title 1">
             <a:extLst>
               <a:ext uri="{FF2B5EF4-FFF2-40B4-BE49-F238E27FC236}">
-                <a16:creationId xmlns:a16="http://schemas.microsoft.com/office/drawing/2014/main" id="{FABAA41A-77E6-2FBA-A297-38D8E88EA1EE}"/>
+                <a16:creationId xmlns:a16="http://schemas.microsoft.com/office/drawing/2014/main" id="{18969BF5-0288-FD7C-1739-0C8672F3D7F8}"/>
               </a:ext>
             </a:extLst>
           </p:cNvPr>
@@ -15711,18 +16210,19 @@
           <a:lstStyle/>
           <a:p>
             <a:r>
-              <a:rPr lang="en-US" dirty="0"/>
-              <a:t>Practical formatting tricks</a:t>
-            </a:r>
-          </a:p>
-        </p:txBody>
-      </p:sp>
-      <p:sp>
-        <p:nvSpPr>
-          <p:cNvPr id="3" name="Text Placeholder 2">
+              <a:rPr lang="en-US"/>
+              <a:t>Model Diagnostics</a:t>
+            </a:r>
+            <a:endParaRPr lang="en-US" dirty="0"/>
+          </a:p>
+        </p:txBody>
+      </p:sp>
+      <p:sp>
+        <p:nvSpPr>
+          <p:cNvPr id="3" name="Content Placeholder 2">
             <a:extLst>
               <a:ext uri="{FF2B5EF4-FFF2-40B4-BE49-F238E27FC236}">
-                <a16:creationId xmlns:a16="http://schemas.microsoft.com/office/drawing/2014/main" id="{CC58DA01-D3BC-9504-0836-D49045D6C03A}"/>
+                <a16:creationId xmlns:a16="http://schemas.microsoft.com/office/drawing/2014/main" id="{39176E43-0115-E50B-D268-5E00760022A7}"/>
               </a:ext>
             </a:extLst>
           </p:cNvPr>
@@ -15730,7 +16230,7 @@
             <a:spLocks noGrp="1"/>
           </p:cNvSpPr>
           <p:nvPr>
-            <p:ph type="body" idx="1"/>
+            <p:ph idx="1"/>
           </p:nvPr>
         </p:nvSpPr>
         <p:spPr/>
@@ -15738,14 +16238,14 @@
           <a:bodyPr/>
           <a:lstStyle/>
           <a:p>
-            <a:endParaRPr lang="en-US"/>
+            <a:endParaRPr lang="en-US" dirty="0"/>
           </a:p>
         </p:txBody>
       </p:sp>
     </p:spTree>
     <p:extLst>
       <p:ext uri="{BB962C8B-B14F-4D97-AF65-F5344CB8AC3E}">
-        <p14:creationId xmlns:p14="http://schemas.microsoft.com/office/powerpoint/2010/main" val="177268762"/>
+        <p14:creationId xmlns:p14="http://schemas.microsoft.com/office/powerpoint/2010/main" val="1881759498"/>
       </p:ext>
     </p:extLst>
   </p:cSld>
@@ -15912,40 +16412,89 @@
           <a:p>
             <a:r>
               <a:rPr lang="en-US" dirty="0"/>
-              <a:t>Titles &amp; Renaming Variables</a:t>
-            </a:r>
-          </a:p>
-        </p:txBody>
-      </p:sp>
-      <p:sp>
-        <p:nvSpPr>
-          <p:cNvPr id="3" name="Content Placeholder 2">
+              <a:t>Two Axes vs Two Charts</a:t>
+            </a:r>
+          </a:p>
+        </p:txBody>
+      </p:sp>
+      <p:pic>
+        <p:nvPicPr>
+          <p:cNvPr id="4" name="Picture 3">
             <a:extLst>
               <a:ext uri="{FF2B5EF4-FFF2-40B4-BE49-F238E27FC236}">
-                <a16:creationId xmlns:a16="http://schemas.microsoft.com/office/drawing/2014/main" id="{39176E43-0115-E50B-D268-5E00760022A7}"/>
+                <a16:creationId xmlns:a16="http://schemas.microsoft.com/office/drawing/2014/main" id="{A2EC8706-13D3-34C0-88D2-7EFE786C048F}"/>
               </a:ext>
             </a:extLst>
           </p:cNvPr>
-          <p:cNvSpPr>
-            <a:spLocks noGrp="1"/>
-          </p:cNvSpPr>
-          <p:nvPr>
-            <p:ph idx="1"/>
-          </p:nvPr>
-        </p:nvSpPr>
-        <p:spPr/>
-        <p:txBody>
-          <a:bodyPr/>
-          <a:lstStyle/>
-          <a:p>
-            <a:endParaRPr lang="en-US" dirty="0"/>
-          </a:p>
-        </p:txBody>
-      </p:sp>
+          <p:cNvPicPr>
+            <a:picLocks noChangeAspect="1"/>
+          </p:cNvPicPr>
+          <p:nvPr/>
+        </p:nvPicPr>
+        <p:blipFill>
+          <a:blip r:embed="rId2" r:link="rId3">
+            <a:extLst>
+              <a:ext uri="{28A0092B-C50C-407E-A947-70E740481C1C}">
+                <a14:useLocalDpi xmlns:a14="http://schemas.microsoft.com/office/drawing/2010/main" val="0"/>
+              </a:ext>
+            </a:extLst>
+          </a:blip>
+          <a:srcRect/>
+          <a:stretch>
+            <a:fillRect/>
+          </a:stretch>
+        </p:blipFill>
+        <p:spPr>
+          <a:xfrm>
+            <a:off x="152401" y="2209800"/>
+            <a:ext cx="4389118" cy="2926079"/>
+          </a:xfrm>
+          <a:prstGeom prst="rect">
+            <a:avLst/>
+          </a:prstGeom>
+        </p:spPr>
+      </p:pic>
+      <p:pic>
+        <p:nvPicPr>
+          <p:cNvPr id="5" name="Picture 4">
+            <a:extLst>
+              <a:ext uri="{FF2B5EF4-FFF2-40B4-BE49-F238E27FC236}">
+                <a16:creationId xmlns:a16="http://schemas.microsoft.com/office/drawing/2014/main" id="{0183E975-398D-49AA-4FFE-0DD7A11833F4}"/>
+              </a:ext>
+            </a:extLst>
+          </p:cNvPr>
+          <p:cNvPicPr>
+            <a:picLocks noChangeAspect="1"/>
+          </p:cNvPicPr>
+          <p:nvPr/>
+        </p:nvPicPr>
+        <p:blipFill>
+          <a:blip r:embed="rId4" r:link="rId5">
+            <a:extLst>
+              <a:ext uri="{28A0092B-C50C-407E-A947-70E740481C1C}">
+                <a14:useLocalDpi xmlns:a14="http://schemas.microsoft.com/office/drawing/2010/main" val="0"/>
+              </a:ext>
+            </a:extLst>
+          </a:blip>
+          <a:srcRect/>
+          <a:stretch>
+            <a:fillRect/>
+          </a:stretch>
+        </p:blipFill>
+        <p:spPr>
+          <a:xfrm>
+            <a:off x="4572001" y="2209800"/>
+            <a:ext cx="4389118" cy="2926079"/>
+          </a:xfrm>
+          <a:prstGeom prst="rect">
+            <a:avLst/>
+          </a:prstGeom>
+        </p:spPr>
+      </p:pic>
     </p:spTree>
     <p:extLst>
       <p:ext uri="{BB962C8B-B14F-4D97-AF65-F5344CB8AC3E}">
-        <p14:creationId xmlns:p14="http://schemas.microsoft.com/office/powerpoint/2010/main" val="3241427914"/>
+        <p14:creationId xmlns:p14="http://schemas.microsoft.com/office/powerpoint/2010/main" val="913523918"/>
       </p:ext>
     </p:extLst>
   </p:cSld>
@@ -15995,40 +16544,52 @@
           <a:p>
             <a:r>
               <a:rPr lang="en-US" dirty="0"/>
-              <a:t>Text Size</a:t>
-            </a:r>
-          </a:p>
-        </p:txBody>
-      </p:sp>
-      <p:sp>
-        <p:nvSpPr>
-          <p:cNvPr id="3" name="Content Placeholder 2">
+              <a:t>Two Axes vs Two Charts</a:t>
+            </a:r>
+          </a:p>
+        </p:txBody>
+      </p:sp>
+      <p:pic>
+        <p:nvPicPr>
+          <p:cNvPr id="3" name="Picture 2">
             <a:extLst>
               <a:ext uri="{FF2B5EF4-FFF2-40B4-BE49-F238E27FC236}">
-                <a16:creationId xmlns:a16="http://schemas.microsoft.com/office/drawing/2014/main" id="{39176E43-0115-E50B-D268-5E00760022A7}"/>
+                <a16:creationId xmlns:a16="http://schemas.microsoft.com/office/drawing/2014/main" id="{A7EF95ED-D8F3-6D8A-77DF-8B91594C2B97}"/>
               </a:ext>
             </a:extLst>
           </p:cNvPr>
-          <p:cNvSpPr>
-            <a:spLocks noGrp="1"/>
-          </p:cNvSpPr>
-          <p:nvPr>
-            <p:ph idx="1"/>
-          </p:nvPr>
-        </p:nvSpPr>
-        <p:spPr/>
-        <p:txBody>
-          <a:bodyPr/>
-          <a:lstStyle/>
-          <a:p>
-            <a:endParaRPr lang="en-US" dirty="0"/>
-          </a:p>
-        </p:txBody>
-      </p:sp>
+          <p:cNvPicPr>
+            <a:picLocks noChangeAspect="1"/>
+          </p:cNvPicPr>
+          <p:nvPr/>
+        </p:nvPicPr>
+        <p:blipFill>
+          <a:blip r:embed="rId2" r:link="rId3">
+            <a:extLst>
+              <a:ext uri="{28A0092B-C50C-407E-A947-70E740481C1C}">
+                <a14:useLocalDpi xmlns:a14="http://schemas.microsoft.com/office/drawing/2010/main" val="0"/>
+              </a:ext>
+            </a:extLst>
+          </a:blip>
+          <a:srcRect/>
+          <a:stretch>
+            <a:fillRect/>
+          </a:stretch>
+        </p:blipFill>
+        <p:spPr>
+          <a:xfrm>
+            <a:off x="1371600" y="1752602"/>
+            <a:ext cx="6400799" cy="4267198"/>
+          </a:xfrm>
+          <a:prstGeom prst="rect">
+            <a:avLst/>
+          </a:prstGeom>
+        </p:spPr>
+      </p:pic>
     </p:spTree>
     <p:extLst>
       <p:ext uri="{BB962C8B-B14F-4D97-AF65-F5344CB8AC3E}">
-        <p14:creationId xmlns:p14="http://schemas.microsoft.com/office/powerpoint/2010/main" val="1481048253"/>
+        <p14:creationId xmlns:p14="http://schemas.microsoft.com/office/powerpoint/2010/main" val="2704861902"/>
       </p:ext>
     </p:extLst>
   </p:cSld>
@@ -16060,7 +16621,7 @@
           <p:cNvPr id="2" name="Title 1">
             <a:extLst>
               <a:ext uri="{FF2B5EF4-FFF2-40B4-BE49-F238E27FC236}">
-                <a16:creationId xmlns:a16="http://schemas.microsoft.com/office/drawing/2014/main" id="{18969BF5-0288-FD7C-1739-0C8672F3D7F8}"/>
+                <a16:creationId xmlns:a16="http://schemas.microsoft.com/office/drawing/2014/main" id="{FABAA41A-77E6-2FBA-A297-38D8E88EA1EE}"/>
               </a:ext>
             </a:extLst>
           </p:cNvPr>
@@ -16078,17 +16639,24 @@
           <a:p>
             <a:r>
               <a:rPr lang="en-US" dirty="0"/>
-              <a:t>Colors</a:t>
-            </a:r>
-          </a:p>
-        </p:txBody>
-      </p:sp>
-      <p:sp>
-        <p:nvSpPr>
-          <p:cNvPr id="3" name="Content Placeholder 2">
+              <a:t>Automating</a:t>
+            </a:r>
+            <a:br>
+              <a:rPr lang="en-US" dirty="0"/>
+            </a:br>
+            <a:r>
+              <a:rPr lang="en-US" dirty="0"/>
+              <a:t>Actuarial Exhibits</a:t>
+            </a:r>
+          </a:p>
+        </p:txBody>
+      </p:sp>
+      <p:sp>
+        <p:nvSpPr>
+          <p:cNvPr id="3" name="Text Placeholder 2">
             <a:extLst>
               <a:ext uri="{FF2B5EF4-FFF2-40B4-BE49-F238E27FC236}">
-                <a16:creationId xmlns:a16="http://schemas.microsoft.com/office/drawing/2014/main" id="{39176E43-0115-E50B-D268-5E00760022A7}"/>
+                <a16:creationId xmlns:a16="http://schemas.microsoft.com/office/drawing/2014/main" id="{CC58DA01-D3BC-9504-0836-D49045D6C03A}"/>
               </a:ext>
             </a:extLst>
           </p:cNvPr>
@@ -16096,7 +16664,7 @@
             <a:spLocks noGrp="1"/>
           </p:cNvSpPr>
           <p:nvPr>
-            <p:ph idx="1"/>
+            <p:ph type="body" idx="1"/>
           </p:nvPr>
         </p:nvSpPr>
         <p:spPr/>
@@ -16104,14 +16672,14 @@
           <a:bodyPr/>
           <a:lstStyle/>
           <a:p>
-            <a:endParaRPr lang="en-US" dirty="0"/>
+            <a:endParaRPr lang="en-US"/>
           </a:p>
         </p:txBody>
       </p:sp>
     </p:spTree>
     <p:extLst>
       <p:ext uri="{BB962C8B-B14F-4D97-AF65-F5344CB8AC3E}">
-        <p14:creationId xmlns:p14="http://schemas.microsoft.com/office/powerpoint/2010/main" val="2002468093"/>
+        <p14:creationId xmlns:p14="http://schemas.microsoft.com/office/powerpoint/2010/main" val="177268762"/>
       </p:ext>
     </p:extLst>
   </p:cSld>
@@ -16143,6 +16711,2374 @@
           <p:cNvPr id="2" name="Title 1">
             <a:extLst>
               <a:ext uri="{FF2B5EF4-FFF2-40B4-BE49-F238E27FC236}">
+                <a16:creationId xmlns:a16="http://schemas.microsoft.com/office/drawing/2014/main" id="{18969BF5-0288-FD7C-1739-0C8672F3D7F8}"/>
+              </a:ext>
+            </a:extLst>
+          </p:cNvPr>
+          <p:cNvSpPr>
+            <a:spLocks noGrp="1"/>
+          </p:cNvSpPr>
+          <p:nvPr>
+            <p:ph type="title"/>
+          </p:nvPr>
+        </p:nvSpPr>
+        <p:spPr>
+          <a:xfrm>
+            <a:off x="1066800" y="274638"/>
+            <a:ext cx="7772400" cy="1143000"/>
+          </a:xfrm>
+        </p:spPr>
+        <p:txBody>
+          <a:bodyPr/>
+          <a:lstStyle/>
+          <a:p>
+            <a:r>
+              <a:rPr lang="en-US" dirty="0"/>
+              <a:t>Initial Example: Fitted Severity</a:t>
+            </a:r>
+          </a:p>
+        </p:txBody>
+      </p:sp>
+      <p:pic>
+        <p:nvPicPr>
+          <p:cNvPr id="4" name="Picture 3">
+            <a:extLst>
+              <a:ext uri="{FF2B5EF4-FFF2-40B4-BE49-F238E27FC236}">
+                <a16:creationId xmlns:a16="http://schemas.microsoft.com/office/drawing/2014/main" id="{E725ABD2-C6D9-F502-2921-0DC1A1664FD0}"/>
+              </a:ext>
+            </a:extLst>
+          </p:cNvPr>
+          <p:cNvPicPr>
+            <a:picLocks noChangeAspect="1"/>
+          </p:cNvPicPr>
+          <p:nvPr/>
+        </p:nvPicPr>
+        <p:blipFill>
+          <a:blip r:embed="rId2" r:link="rId3">
+            <a:extLst>
+              <a:ext uri="{28A0092B-C50C-407E-A947-70E740481C1C}">
+                <a14:useLocalDpi xmlns:a14="http://schemas.microsoft.com/office/drawing/2010/main" val="0"/>
+              </a:ext>
+            </a:extLst>
+          </a:blip>
+          <a:srcRect/>
+          <a:stretch>
+            <a:fillRect/>
+          </a:stretch>
+        </p:blipFill>
+        <p:spPr>
+          <a:xfrm>
+            <a:off x="2971801" y="1447801"/>
+            <a:ext cx="5943597" cy="3962398"/>
+          </a:xfrm>
+          <a:prstGeom prst="rect">
+            <a:avLst/>
+          </a:prstGeom>
+        </p:spPr>
+      </p:pic>
+      <p:sp>
+        <p:nvSpPr>
+          <p:cNvPr id="5" name="TextBox 4">
+            <a:extLst>
+              <a:ext uri="{FF2B5EF4-FFF2-40B4-BE49-F238E27FC236}">
+                <a16:creationId xmlns:a16="http://schemas.microsoft.com/office/drawing/2014/main" id="{2CA6CE52-CDE9-6BD5-D02A-0B9CDE177F35}"/>
+              </a:ext>
+            </a:extLst>
+          </p:cNvPr>
+          <p:cNvSpPr txBox="1"/>
+          <p:nvPr/>
+        </p:nvSpPr>
+        <p:spPr>
+          <a:xfrm>
+            <a:off x="228601" y="2514600"/>
+            <a:ext cx="2431673" cy="1384995"/>
+          </a:xfrm>
+          <a:prstGeom prst="rect">
+            <a:avLst/>
+          </a:prstGeom>
+          <a:noFill/>
+        </p:spPr>
+        <p:txBody>
+          <a:bodyPr wrap="square" rtlCol="0">
+            <a:spAutoFit/>
+          </a:bodyPr>
+          <a:lstStyle/>
+          <a:p>
+            <a:pPr algn="ctr"/>
+            <a:r>
+              <a:rPr lang="en-US" sz="2800" dirty="0">
+                <a:latin typeface="Arial" panose="020B0604020202020204" pitchFamily="34" charset="0"/>
+                <a:cs typeface="Arial" panose="020B0604020202020204" pitchFamily="34" charset="0"/>
+              </a:rPr>
+              <a:t>How can we improve upon this chart?</a:t>
+            </a:r>
+          </a:p>
+        </p:txBody>
+      </p:sp>
+      <p:sp>
+        <p:nvSpPr>
+          <p:cNvPr id="3" name="TextBox 2">
+            <a:extLst>
+              <a:ext uri="{FF2B5EF4-FFF2-40B4-BE49-F238E27FC236}">
+                <a16:creationId xmlns:a16="http://schemas.microsoft.com/office/drawing/2014/main" id="{D90ECCA0-06AB-B8AB-4B22-AA383E47AE34}"/>
+              </a:ext>
+            </a:extLst>
+          </p:cNvPr>
+          <p:cNvSpPr txBox="1"/>
+          <p:nvPr/>
+        </p:nvSpPr>
+        <p:spPr>
+          <a:xfrm>
+            <a:off x="260498" y="5181600"/>
+            <a:ext cx="7588101" cy="830997"/>
+          </a:xfrm>
+          <a:prstGeom prst="rect">
+            <a:avLst/>
+          </a:prstGeom>
+          <a:noFill/>
+        </p:spPr>
+        <p:txBody>
+          <a:bodyPr wrap="square" rtlCol="0">
+            <a:spAutoFit/>
+          </a:bodyPr>
+          <a:lstStyle/>
+          <a:p>
+            <a:r>
+              <a:rPr lang="en-US" sz="1200" dirty="0">
+                <a:latin typeface="Consolas" panose="020B0609020204030204" pitchFamily="49" charset="0"/>
+              </a:rPr>
+              <a:t>P &lt;- data |&gt;</a:t>
+            </a:r>
+          </a:p>
+          <a:p>
+            <a:r>
+              <a:rPr lang="en-US" sz="1200" dirty="0">
+                <a:latin typeface="Consolas" panose="020B0609020204030204" pitchFamily="49" charset="0"/>
+              </a:rPr>
+              <a:t>  </a:t>
+            </a:r>
+            <a:r>
+              <a:rPr lang="en-US" sz="1200" dirty="0" err="1">
+                <a:latin typeface="Consolas" panose="020B0609020204030204" pitchFamily="49" charset="0"/>
+              </a:rPr>
+              <a:t>geom_histogram</a:t>
+            </a:r>
+            <a:r>
+              <a:rPr lang="en-US" sz="1200" dirty="0">
+                <a:latin typeface="Consolas" panose="020B0609020204030204" pitchFamily="49" charset="0"/>
+              </a:rPr>
+              <a:t>(</a:t>
+            </a:r>
+            <a:r>
+              <a:rPr lang="en-US" sz="1200" dirty="0" err="1">
+                <a:latin typeface="Consolas" panose="020B0609020204030204" pitchFamily="49" charset="0"/>
+              </a:rPr>
+              <a:t>aes</a:t>
+            </a:r>
+            <a:r>
+              <a:rPr lang="en-US" sz="1200" dirty="0">
+                <a:latin typeface="Consolas" panose="020B0609020204030204" pitchFamily="49" charset="0"/>
+              </a:rPr>
+              <a:t>(x = loss, </a:t>
+            </a:r>
+            <a:r>
+              <a:rPr lang="en-US" sz="1200" dirty="0" err="1">
+                <a:latin typeface="Consolas" panose="020B0609020204030204" pitchFamily="49" charset="0"/>
+              </a:rPr>
+              <a:t>after_stat</a:t>
+            </a:r>
+            <a:r>
+              <a:rPr lang="en-US" sz="1200" dirty="0">
+                <a:latin typeface="Consolas" panose="020B0609020204030204" pitchFamily="49" charset="0"/>
+              </a:rPr>
+              <a:t>(density)) +</a:t>
+            </a:r>
+          </a:p>
+          <a:p>
+            <a:r>
+              <a:rPr lang="en-US" sz="1200" dirty="0">
+                <a:latin typeface="Consolas" panose="020B0609020204030204" pitchFamily="49" charset="0"/>
+              </a:rPr>
+              <a:t>  </a:t>
+            </a:r>
+            <a:r>
+              <a:rPr lang="en-US" sz="1200" dirty="0" err="1">
+                <a:latin typeface="Consolas" panose="020B0609020204030204" pitchFamily="49" charset="0"/>
+              </a:rPr>
+              <a:t>stat_function</a:t>
+            </a:r>
+            <a:r>
+              <a:rPr lang="en-US" sz="1200" dirty="0">
+                <a:latin typeface="Consolas" panose="020B0609020204030204" pitchFamily="49" charset="0"/>
+              </a:rPr>
+              <a:t>(fun = </a:t>
+            </a:r>
+            <a:r>
+              <a:rPr lang="en-US" sz="1200" dirty="0" err="1">
+                <a:latin typeface="Consolas" panose="020B0609020204030204" pitchFamily="49" charset="0"/>
+              </a:rPr>
+              <a:t>dlnorm</a:t>
+            </a:r>
+            <a:r>
+              <a:rPr lang="en-US" sz="1200" dirty="0">
+                <a:latin typeface="Consolas" panose="020B0609020204030204" pitchFamily="49" charset="0"/>
+              </a:rPr>
+              <a:t>,</a:t>
+            </a:r>
+          </a:p>
+          <a:p>
+            <a:r>
+              <a:rPr lang="en-US" sz="1200" dirty="0">
+                <a:latin typeface="Consolas" panose="020B0609020204030204" pitchFamily="49" charset="0"/>
+              </a:rPr>
+              <a:t>                </a:t>
+            </a:r>
+            <a:r>
+              <a:rPr lang="en-US" sz="1200" dirty="0" err="1">
+                <a:latin typeface="Consolas" panose="020B0609020204030204" pitchFamily="49" charset="0"/>
+              </a:rPr>
+              <a:t>args</a:t>
+            </a:r>
+            <a:r>
+              <a:rPr lang="en-US" sz="1200" dirty="0">
+                <a:latin typeface="Consolas" panose="020B0609020204030204" pitchFamily="49" charset="0"/>
+              </a:rPr>
+              <a:t> = list(</a:t>
+            </a:r>
+            <a:r>
+              <a:rPr lang="en-US" sz="1200" dirty="0" err="1">
+                <a:latin typeface="Consolas" panose="020B0609020204030204" pitchFamily="49" charset="0"/>
+              </a:rPr>
+              <a:t>meanlog</a:t>
+            </a:r>
+            <a:r>
+              <a:rPr lang="en-US" sz="1200" dirty="0">
+                <a:latin typeface="Consolas" panose="020B0609020204030204" pitchFamily="49" charset="0"/>
+              </a:rPr>
+              <a:t> = 10, </a:t>
+            </a:r>
+            <a:r>
+              <a:rPr lang="en-US" sz="1200" dirty="0" err="1">
+                <a:latin typeface="Consolas" panose="020B0609020204030204" pitchFamily="49" charset="0"/>
+              </a:rPr>
+              <a:t>sdlog</a:t>
+            </a:r>
+            <a:r>
+              <a:rPr lang="en-US" sz="1200" dirty="0">
+                <a:latin typeface="Consolas" panose="020B0609020204030204" pitchFamily="49" charset="0"/>
+              </a:rPr>
+              <a:t> = 1.0))</a:t>
+            </a:r>
+          </a:p>
+        </p:txBody>
+      </p:sp>
+    </p:spTree>
+    <p:extLst>
+      <p:ext uri="{BB962C8B-B14F-4D97-AF65-F5344CB8AC3E}">
+        <p14:creationId xmlns:p14="http://schemas.microsoft.com/office/powerpoint/2010/main" val="3241427914"/>
+      </p:ext>
+    </p:extLst>
+  </p:cSld>
+  <p:clrMapOvr>
+    <a:masterClrMapping/>
+  </p:clrMapOvr>
+</p:sld>
+</file>
+
+<file path=ppt/slides/slide24.xml><?xml version="1.0" encoding="utf-8"?>
+<p:sld xmlns:a="http://schemas.openxmlformats.org/drawingml/2006/main" xmlns:r="http://schemas.openxmlformats.org/officeDocument/2006/relationships" xmlns:p="http://schemas.openxmlformats.org/presentationml/2006/main">
+  <p:cSld>
+    <p:spTree>
+      <p:nvGrpSpPr>
+        <p:cNvPr id="1" name=""/>
+        <p:cNvGrpSpPr/>
+        <p:nvPr/>
+      </p:nvGrpSpPr>
+      <p:grpSpPr>
+        <a:xfrm>
+          <a:off x="0" y="0"/>
+          <a:ext cx="0" cy="0"/>
+          <a:chOff x="0" y="0"/>
+          <a:chExt cx="0" cy="0"/>
+        </a:xfrm>
+      </p:grpSpPr>
+      <p:sp>
+        <p:nvSpPr>
+          <p:cNvPr id="2" name="Title 1">
+            <a:extLst>
+              <a:ext uri="{FF2B5EF4-FFF2-40B4-BE49-F238E27FC236}">
+                <a16:creationId xmlns:a16="http://schemas.microsoft.com/office/drawing/2014/main" id="{18969BF5-0288-FD7C-1739-0C8672F3D7F8}"/>
+              </a:ext>
+            </a:extLst>
+          </p:cNvPr>
+          <p:cNvSpPr>
+            <a:spLocks noGrp="1"/>
+          </p:cNvSpPr>
+          <p:nvPr>
+            <p:ph type="title"/>
+          </p:nvPr>
+        </p:nvSpPr>
+        <p:spPr/>
+        <p:txBody>
+          <a:bodyPr/>
+          <a:lstStyle/>
+          <a:p>
+            <a:r>
+              <a:rPr lang="en-US" dirty="0"/>
+              <a:t>Titles &amp; Renaming Variables</a:t>
+            </a:r>
+          </a:p>
+        </p:txBody>
+      </p:sp>
+      <p:pic>
+        <p:nvPicPr>
+          <p:cNvPr id="4" name="Picture 3">
+            <a:extLst>
+              <a:ext uri="{FF2B5EF4-FFF2-40B4-BE49-F238E27FC236}">
+                <a16:creationId xmlns:a16="http://schemas.microsoft.com/office/drawing/2014/main" id="{4A0037C9-EB90-2900-D4EC-DF813BC908A7}"/>
+              </a:ext>
+            </a:extLst>
+          </p:cNvPr>
+          <p:cNvPicPr>
+            <a:picLocks noChangeAspect="1"/>
+          </p:cNvPicPr>
+          <p:nvPr/>
+        </p:nvPicPr>
+        <p:blipFill>
+          <a:blip r:embed="rId2" r:link="rId3">
+            <a:extLst>
+              <a:ext uri="{28A0092B-C50C-407E-A947-70E740481C1C}">
+                <a14:useLocalDpi xmlns:a14="http://schemas.microsoft.com/office/drawing/2010/main" val="0"/>
+              </a:ext>
+            </a:extLst>
+          </a:blip>
+          <a:srcRect/>
+          <a:stretch>
+            <a:fillRect/>
+          </a:stretch>
+        </p:blipFill>
+        <p:spPr>
+          <a:xfrm>
+            <a:off x="2971801" y="1447801"/>
+            <a:ext cx="5943597" cy="3962397"/>
+          </a:xfrm>
+          <a:prstGeom prst="rect">
+            <a:avLst/>
+          </a:prstGeom>
+        </p:spPr>
+      </p:pic>
+      <p:sp>
+        <p:nvSpPr>
+          <p:cNvPr id="5" name="TextBox 4">
+            <a:extLst>
+              <a:ext uri="{FF2B5EF4-FFF2-40B4-BE49-F238E27FC236}">
+                <a16:creationId xmlns:a16="http://schemas.microsoft.com/office/drawing/2014/main" id="{04AF6261-B4B1-D761-810B-AACA39E89170}"/>
+              </a:ext>
+            </a:extLst>
+          </p:cNvPr>
+          <p:cNvSpPr txBox="1"/>
+          <p:nvPr/>
+        </p:nvSpPr>
+        <p:spPr>
+          <a:xfrm>
+            <a:off x="228601" y="2514600"/>
+            <a:ext cx="2431673" cy="1815882"/>
+          </a:xfrm>
+          <a:prstGeom prst="rect">
+            <a:avLst/>
+          </a:prstGeom>
+          <a:noFill/>
+        </p:spPr>
+        <p:txBody>
+          <a:bodyPr wrap="square" rtlCol="0">
+            <a:spAutoFit/>
+          </a:bodyPr>
+          <a:lstStyle/>
+          <a:p>
+            <a:pPr algn="ctr"/>
+            <a:r>
+              <a:rPr lang="en-US" sz="2800" dirty="0">
+                <a:latin typeface="Arial" panose="020B0604020202020204" pitchFamily="34" charset="0"/>
+                <a:cs typeface="Arial" panose="020B0604020202020204" pitchFamily="34" charset="0"/>
+              </a:rPr>
+              <a:t>Adding a title and variable names goes a long way.</a:t>
+            </a:r>
+          </a:p>
+        </p:txBody>
+      </p:sp>
+      <p:sp>
+        <p:nvSpPr>
+          <p:cNvPr id="3" name="TextBox 2">
+            <a:extLst>
+              <a:ext uri="{FF2B5EF4-FFF2-40B4-BE49-F238E27FC236}">
+                <a16:creationId xmlns:a16="http://schemas.microsoft.com/office/drawing/2014/main" id="{5CA26C35-36C9-ADDC-3107-CF1F9C4ABAD9}"/>
+              </a:ext>
+            </a:extLst>
+          </p:cNvPr>
+          <p:cNvSpPr txBox="1"/>
+          <p:nvPr/>
+        </p:nvSpPr>
+        <p:spPr>
+          <a:xfrm>
+            <a:off x="260498" y="5181600"/>
+            <a:ext cx="7588101" cy="1200329"/>
+          </a:xfrm>
+          <a:prstGeom prst="rect">
+            <a:avLst/>
+          </a:prstGeom>
+          <a:noFill/>
+        </p:spPr>
+        <p:txBody>
+          <a:bodyPr wrap="square" rtlCol="0">
+            <a:spAutoFit/>
+          </a:bodyPr>
+          <a:lstStyle/>
+          <a:p>
+            <a:r>
+              <a:rPr lang="en-US" sz="1200" dirty="0">
+                <a:latin typeface="Consolas" panose="020B0609020204030204" pitchFamily="49" charset="0"/>
+              </a:rPr>
+              <a:t>P &lt;- p +</a:t>
+            </a:r>
+          </a:p>
+          <a:p>
+            <a:r>
+              <a:rPr lang="en-US" sz="1200" dirty="0">
+                <a:latin typeface="Consolas" panose="020B0609020204030204" pitchFamily="49" charset="0"/>
+              </a:rPr>
+              <a:t> labs(</a:t>
+            </a:r>
+          </a:p>
+          <a:p>
+            <a:r>
+              <a:rPr lang="en-US" sz="1200" dirty="0">
+                <a:latin typeface="Consolas" panose="020B0609020204030204" pitchFamily="49" charset="0"/>
+              </a:rPr>
+              <a:t>    x = "Severity",</a:t>
+            </a:r>
+          </a:p>
+          <a:p>
+            <a:r>
+              <a:rPr lang="en-US" sz="1200" dirty="0">
+                <a:latin typeface="Consolas" panose="020B0609020204030204" pitchFamily="49" charset="0"/>
+              </a:rPr>
+              <a:t>    y = "Density",</a:t>
+            </a:r>
+          </a:p>
+          <a:p>
+            <a:r>
+              <a:rPr lang="en-US" sz="1200" dirty="0">
+                <a:latin typeface="Consolas" panose="020B0609020204030204" pitchFamily="49" charset="0"/>
+              </a:rPr>
+              <a:t>    title = "Fitted Severity Curve"</a:t>
+            </a:r>
+          </a:p>
+          <a:p>
+            <a:r>
+              <a:rPr lang="en-US" sz="1200" dirty="0">
+                <a:latin typeface="Consolas" panose="020B0609020204030204" pitchFamily="49" charset="0"/>
+              </a:rPr>
+              <a:t>  )</a:t>
+            </a:r>
+          </a:p>
+        </p:txBody>
+      </p:sp>
+    </p:spTree>
+    <p:extLst>
+      <p:ext uri="{BB962C8B-B14F-4D97-AF65-F5344CB8AC3E}">
+        <p14:creationId xmlns:p14="http://schemas.microsoft.com/office/powerpoint/2010/main" val="2442441093"/>
+      </p:ext>
+    </p:extLst>
+  </p:cSld>
+  <p:clrMapOvr>
+    <a:masterClrMapping/>
+  </p:clrMapOvr>
+</p:sld>
+</file>
+
+<file path=ppt/slides/slide25.xml><?xml version="1.0" encoding="utf-8"?>
+<p:sld xmlns:a="http://schemas.openxmlformats.org/drawingml/2006/main" xmlns:r="http://schemas.openxmlformats.org/officeDocument/2006/relationships" xmlns:p="http://schemas.openxmlformats.org/presentationml/2006/main">
+  <p:cSld>
+    <p:spTree>
+      <p:nvGrpSpPr>
+        <p:cNvPr id="1" name=""/>
+        <p:cNvGrpSpPr/>
+        <p:nvPr/>
+      </p:nvGrpSpPr>
+      <p:grpSpPr>
+        <a:xfrm>
+          <a:off x="0" y="0"/>
+          <a:ext cx="0" cy="0"/>
+          <a:chOff x="0" y="0"/>
+          <a:chExt cx="0" cy="0"/>
+        </a:xfrm>
+      </p:grpSpPr>
+      <p:sp>
+        <p:nvSpPr>
+          <p:cNvPr id="6" name="TextBox 5">
+            <a:extLst>
+              <a:ext uri="{FF2B5EF4-FFF2-40B4-BE49-F238E27FC236}">
+                <a16:creationId xmlns:a16="http://schemas.microsoft.com/office/drawing/2014/main" id="{5B20AD6F-D343-29FB-9824-B7DD8F4A2DDB}"/>
+              </a:ext>
+            </a:extLst>
+          </p:cNvPr>
+          <p:cNvSpPr txBox="1"/>
+          <p:nvPr/>
+        </p:nvSpPr>
+        <p:spPr>
+          <a:xfrm>
+            <a:off x="260498" y="5181600"/>
+            <a:ext cx="7588101" cy="1015663"/>
+          </a:xfrm>
+          <a:prstGeom prst="rect">
+            <a:avLst/>
+          </a:prstGeom>
+          <a:noFill/>
+        </p:spPr>
+        <p:txBody>
+          <a:bodyPr wrap="square" rtlCol="0">
+            <a:spAutoFit/>
+          </a:bodyPr>
+          <a:lstStyle/>
+          <a:p>
+            <a:r>
+              <a:rPr lang="en-US" sz="1200" dirty="0">
+                <a:latin typeface="Consolas" panose="020B0609020204030204" pitchFamily="49" charset="0"/>
+              </a:rPr>
+              <a:t>P &lt;- p +</a:t>
+            </a:r>
+          </a:p>
+          <a:p>
+            <a:r>
+              <a:rPr lang="en-US" sz="1200" dirty="0">
+                <a:latin typeface="Consolas" panose="020B0609020204030204" pitchFamily="49" charset="0"/>
+              </a:rPr>
+              <a:t>  </a:t>
+            </a:r>
+            <a:r>
+              <a:rPr lang="en-US" sz="1200" dirty="0" err="1">
+                <a:latin typeface="Consolas" panose="020B0609020204030204" pitchFamily="49" charset="0"/>
+              </a:rPr>
+              <a:t>scale_x_continuous</a:t>
+            </a:r>
+            <a:r>
+              <a:rPr lang="en-US" sz="1200" dirty="0">
+                <a:latin typeface="Consolas" panose="020B0609020204030204" pitchFamily="49" charset="0"/>
+              </a:rPr>
+              <a:t>(labels = scales::comma) +</a:t>
+            </a:r>
+          </a:p>
+          <a:p>
+            <a:r>
+              <a:rPr lang="en-US" sz="1200" dirty="0">
+                <a:latin typeface="Consolas" panose="020B0609020204030204" pitchFamily="49" charset="0"/>
+              </a:rPr>
+              <a:t>  theme(</a:t>
+            </a:r>
+            <a:r>
+              <a:rPr lang="en-US" sz="1200" dirty="0" err="1">
+                <a:latin typeface="Consolas" panose="020B0609020204030204" pitchFamily="49" charset="0"/>
+              </a:rPr>
+              <a:t>axis.text.y</a:t>
+            </a:r>
+            <a:r>
+              <a:rPr lang="en-US" sz="1200" dirty="0">
+                <a:latin typeface="Consolas" panose="020B0609020204030204" pitchFamily="49" charset="0"/>
+              </a:rPr>
+              <a:t> = </a:t>
+            </a:r>
+            <a:r>
+              <a:rPr lang="en-US" sz="1200" dirty="0" err="1">
+                <a:latin typeface="Consolas" panose="020B0609020204030204" pitchFamily="49" charset="0"/>
+              </a:rPr>
+              <a:t>element_blank</a:t>
+            </a:r>
+            <a:r>
+              <a:rPr lang="en-US" sz="1200" dirty="0">
+                <a:latin typeface="Consolas" panose="020B0609020204030204" pitchFamily="49" charset="0"/>
+              </a:rPr>
+              <a:t>(),</a:t>
+            </a:r>
+          </a:p>
+          <a:p>
+            <a:r>
+              <a:rPr lang="en-US" sz="1200" dirty="0">
+                <a:latin typeface="Consolas" panose="020B0609020204030204" pitchFamily="49" charset="0"/>
+              </a:rPr>
+              <a:t>        </a:t>
+            </a:r>
+            <a:r>
+              <a:rPr lang="en-US" sz="1200" dirty="0" err="1">
+                <a:latin typeface="Consolas" panose="020B0609020204030204" pitchFamily="49" charset="0"/>
+              </a:rPr>
+              <a:t>axis.ticks.y</a:t>
+            </a:r>
+            <a:r>
+              <a:rPr lang="en-US" sz="1200" dirty="0">
+                <a:latin typeface="Consolas" panose="020B0609020204030204" pitchFamily="49" charset="0"/>
+              </a:rPr>
+              <a:t> = </a:t>
+            </a:r>
+            <a:r>
+              <a:rPr lang="en-US" sz="1200" dirty="0" err="1">
+                <a:latin typeface="Consolas" panose="020B0609020204030204" pitchFamily="49" charset="0"/>
+              </a:rPr>
+              <a:t>element_blank</a:t>
+            </a:r>
+            <a:r>
+              <a:rPr lang="en-US" sz="1200" dirty="0">
+                <a:latin typeface="Consolas" panose="020B0609020204030204" pitchFamily="49" charset="0"/>
+              </a:rPr>
+              <a:t>(),</a:t>
+            </a:r>
+          </a:p>
+          <a:p>
+            <a:r>
+              <a:rPr lang="en-US" sz="1200" dirty="0">
+                <a:latin typeface="Consolas" panose="020B0609020204030204" pitchFamily="49" charset="0"/>
+              </a:rPr>
+              <a:t>        </a:t>
+            </a:r>
+            <a:r>
+              <a:rPr lang="en-US" sz="1200" dirty="0" err="1">
+                <a:latin typeface="Consolas" panose="020B0609020204030204" pitchFamily="49" charset="0"/>
+              </a:rPr>
+              <a:t>axis.title.y</a:t>
+            </a:r>
+            <a:r>
+              <a:rPr lang="en-US" sz="1200" dirty="0">
+                <a:latin typeface="Consolas" panose="020B0609020204030204" pitchFamily="49" charset="0"/>
+              </a:rPr>
+              <a:t> = </a:t>
+            </a:r>
+            <a:r>
+              <a:rPr lang="en-US" sz="1200" dirty="0" err="1">
+                <a:latin typeface="Consolas" panose="020B0609020204030204" pitchFamily="49" charset="0"/>
+              </a:rPr>
+              <a:t>element_blank</a:t>
+            </a:r>
+            <a:r>
+              <a:rPr lang="en-US" sz="1200" dirty="0">
+                <a:latin typeface="Consolas" panose="020B0609020204030204" pitchFamily="49" charset="0"/>
+              </a:rPr>
+              <a:t>())</a:t>
+            </a:r>
+          </a:p>
+        </p:txBody>
+      </p:sp>
+      <p:sp>
+        <p:nvSpPr>
+          <p:cNvPr id="2" name="Title 1">
+            <a:extLst>
+              <a:ext uri="{FF2B5EF4-FFF2-40B4-BE49-F238E27FC236}">
+                <a16:creationId xmlns:a16="http://schemas.microsoft.com/office/drawing/2014/main" id="{18969BF5-0288-FD7C-1739-0C8672F3D7F8}"/>
+              </a:ext>
+            </a:extLst>
+          </p:cNvPr>
+          <p:cNvSpPr>
+            <a:spLocks noGrp="1"/>
+          </p:cNvSpPr>
+          <p:nvPr>
+            <p:ph type="title"/>
+          </p:nvPr>
+        </p:nvSpPr>
+        <p:spPr/>
+        <p:txBody>
+          <a:bodyPr/>
+          <a:lstStyle/>
+          <a:p>
+            <a:r>
+              <a:rPr lang="en-US" dirty="0"/>
+              <a:t>Cleaning Axes</a:t>
+            </a:r>
+          </a:p>
+        </p:txBody>
+      </p:sp>
+      <p:pic>
+        <p:nvPicPr>
+          <p:cNvPr id="4" name="Picture 3">
+            <a:extLst>
+              <a:ext uri="{FF2B5EF4-FFF2-40B4-BE49-F238E27FC236}">
+                <a16:creationId xmlns:a16="http://schemas.microsoft.com/office/drawing/2014/main" id="{4A0037C9-EB90-2900-D4EC-DF813BC908A7}"/>
+              </a:ext>
+            </a:extLst>
+          </p:cNvPr>
+          <p:cNvPicPr>
+            <a:picLocks noChangeAspect="1"/>
+          </p:cNvPicPr>
+          <p:nvPr/>
+        </p:nvPicPr>
+        <p:blipFill>
+          <a:blip r:embed="rId2" r:link="rId3">
+            <a:extLst>
+              <a:ext uri="{28A0092B-C50C-407E-A947-70E740481C1C}">
+                <a14:useLocalDpi xmlns:a14="http://schemas.microsoft.com/office/drawing/2010/main" val="0"/>
+              </a:ext>
+            </a:extLst>
+          </a:blip>
+          <a:srcRect/>
+          <a:stretch>
+            <a:fillRect/>
+          </a:stretch>
+        </p:blipFill>
+        <p:spPr>
+          <a:xfrm>
+            <a:off x="2971801" y="1447801"/>
+            <a:ext cx="5943596" cy="3962397"/>
+          </a:xfrm>
+          <a:prstGeom prst="rect">
+            <a:avLst/>
+          </a:prstGeom>
+        </p:spPr>
+      </p:pic>
+      <p:sp>
+        <p:nvSpPr>
+          <p:cNvPr id="5" name="TextBox 4">
+            <a:extLst>
+              <a:ext uri="{FF2B5EF4-FFF2-40B4-BE49-F238E27FC236}">
+                <a16:creationId xmlns:a16="http://schemas.microsoft.com/office/drawing/2014/main" id="{04AF6261-B4B1-D761-810B-AACA39E89170}"/>
+              </a:ext>
+            </a:extLst>
+          </p:cNvPr>
+          <p:cNvSpPr txBox="1"/>
+          <p:nvPr/>
+        </p:nvSpPr>
+        <p:spPr>
+          <a:xfrm>
+            <a:off x="228601" y="2176234"/>
+            <a:ext cx="2431673" cy="2246769"/>
+          </a:xfrm>
+          <a:prstGeom prst="rect">
+            <a:avLst/>
+          </a:prstGeom>
+          <a:noFill/>
+        </p:spPr>
+        <p:txBody>
+          <a:bodyPr wrap="square" rtlCol="0">
+            <a:spAutoFit/>
+          </a:bodyPr>
+          <a:lstStyle/>
+          <a:p>
+            <a:pPr algn="ctr"/>
+            <a:r>
+              <a:rPr lang="en-US" sz="2800" dirty="0">
+                <a:latin typeface="Arial" panose="020B0604020202020204" pitchFamily="34" charset="0"/>
+                <a:cs typeface="Arial" panose="020B0604020202020204" pitchFamily="34" charset="0"/>
+              </a:rPr>
+              <a:t>We can change the x-axis labels and remove the y-axis.</a:t>
+            </a:r>
+          </a:p>
+        </p:txBody>
+      </p:sp>
+    </p:spTree>
+    <p:extLst>
+      <p:ext uri="{BB962C8B-B14F-4D97-AF65-F5344CB8AC3E}">
+        <p14:creationId xmlns:p14="http://schemas.microsoft.com/office/powerpoint/2010/main" val="2236211018"/>
+      </p:ext>
+    </p:extLst>
+  </p:cSld>
+  <p:clrMapOvr>
+    <a:masterClrMapping/>
+  </p:clrMapOvr>
+</p:sld>
+</file>
+
+<file path=ppt/slides/slide26.xml><?xml version="1.0" encoding="utf-8"?>
+<p:sld xmlns:a="http://schemas.openxmlformats.org/drawingml/2006/main" xmlns:r="http://schemas.openxmlformats.org/officeDocument/2006/relationships" xmlns:p="http://schemas.openxmlformats.org/presentationml/2006/main">
+  <p:cSld>
+    <p:spTree>
+      <p:nvGrpSpPr>
+        <p:cNvPr id="1" name=""/>
+        <p:cNvGrpSpPr/>
+        <p:nvPr/>
+      </p:nvGrpSpPr>
+      <p:grpSpPr>
+        <a:xfrm>
+          <a:off x="0" y="0"/>
+          <a:ext cx="0" cy="0"/>
+          <a:chOff x="0" y="0"/>
+          <a:chExt cx="0" cy="0"/>
+        </a:xfrm>
+      </p:grpSpPr>
+      <p:sp>
+        <p:nvSpPr>
+          <p:cNvPr id="2" name="Title 1">
+            <a:extLst>
+              <a:ext uri="{FF2B5EF4-FFF2-40B4-BE49-F238E27FC236}">
+                <a16:creationId xmlns:a16="http://schemas.microsoft.com/office/drawing/2014/main" id="{18969BF5-0288-FD7C-1739-0C8672F3D7F8}"/>
+              </a:ext>
+            </a:extLst>
+          </p:cNvPr>
+          <p:cNvSpPr>
+            <a:spLocks noGrp="1"/>
+          </p:cNvSpPr>
+          <p:nvPr>
+            <p:ph type="title"/>
+          </p:nvPr>
+        </p:nvSpPr>
+        <p:spPr/>
+        <p:txBody>
+          <a:bodyPr/>
+          <a:lstStyle/>
+          <a:p>
+            <a:r>
+              <a:rPr lang="en-US" dirty="0"/>
+              <a:t>Text Size &amp; Theme</a:t>
+            </a:r>
+          </a:p>
+        </p:txBody>
+      </p:sp>
+      <p:pic>
+        <p:nvPicPr>
+          <p:cNvPr id="4" name="Picture 3">
+            <a:extLst>
+              <a:ext uri="{FF2B5EF4-FFF2-40B4-BE49-F238E27FC236}">
+                <a16:creationId xmlns:a16="http://schemas.microsoft.com/office/drawing/2014/main" id="{4A0037C9-EB90-2900-D4EC-DF813BC908A7}"/>
+              </a:ext>
+            </a:extLst>
+          </p:cNvPr>
+          <p:cNvPicPr>
+            <a:picLocks noChangeAspect="1"/>
+          </p:cNvPicPr>
+          <p:nvPr/>
+        </p:nvPicPr>
+        <p:blipFill>
+          <a:blip r:embed="rId2" r:link="rId3">
+            <a:extLst>
+              <a:ext uri="{28A0092B-C50C-407E-A947-70E740481C1C}">
+                <a14:useLocalDpi xmlns:a14="http://schemas.microsoft.com/office/drawing/2010/main" val="0"/>
+              </a:ext>
+            </a:extLst>
+          </a:blip>
+          <a:srcRect/>
+          <a:stretch>
+            <a:fillRect/>
+          </a:stretch>
+        </p:blipFill>
+        <p:spPr>
+          <a:xfrm>
+            <a:off x="2971802" y="1447801"/>
+            <a:ext cx="5943594" cy="3962396"/>
+          </a:xfrm>
+          <a:prstGeom prst="rect">
+            <a:avLst/>
+          </a:prstGeom>
+        </p:spPr>
+      </p:pic>
+      <p:sp>
+        <p:nvSpPr>
+          <p:cNvPr id="5" name="TextBox 4">
+            <a:extLst>
+              <a:ext uri="{FF2B5EF4-FFF2-40B4-BE49-F238E27FC236}">
+                <a16:creationId xmlns:a16="http://schemas.microsoft.com/office/drawing/2014/main" id="{04AF6261-B4B1-D761-810B-AACA39E89170}"/>
+              </a:ext>
+            </a:extLst>
+          </p:cNvPr>
+          <p:cNvSpPr txBox="1"/>
+          <p:nvPr/>
+        </p:nvSpPr>
+        <p:spPr>
+          <a:xfrm>
+            <a:off x="228601" y="1975873"/>
+            <a:ext cx="2431673" cy="2677656"/>
+          </a:xfrm>
+          <a:prstGeom prst="rect">
+            <a:avLst/>
+          </a:prstGeom>
+          <a:noFill/>
+        </p:spPr>
+        <p:txBody>
+          <a:bodyPr wrap="square" rtlCol="0">
+            <a:spAutoFit/>
+          </a:bodyPr>
+          <a:lstStyle/>
+          <a:p>
+            <a:pPr algn="ctr"/>
+            <a:r>
+              <a:rPr lang="en-US" sz="2800" dirty="0">
+                <a:latin typeface="Arial" panose="020B0604020202020204" pitchFamily="34" charset="0"/>
+                <a:cs typeface="Arial" panose="020B0604020202020204" pitchFamily="34" charset="0"/>
+              </a:rPr>
+              <a:t>We can increase text size and select a simpler theme.</a:t>
+            </a:r>
+          </a:p>
+        </p:txBody>
+      </p:sp>
+      <p:sp>
+        <p:nvSpPr>
+          <p:cNvPr id="3" name="TextBox 2">
+            <a:extLst>
+              <a:ext uri="{FF2B5EF4-FFF2-40B4-BE49-F238E27FC236}">
+                <a16:creationId xmlns:a16="http://schemas.microsoft.com/office/drawing/2014/main" id="{6C6ADEAB-5768-68AB-60CA-2FE1BC43C7E3}"/>
+              </a:ext>
+            </a:extLst>
+          </p:cNvPr>
+          <p:cNvSpPr txBox="1"/>
+          <p:nvPr/>
+        </p:nvSpPr>
+        <p:spPr>
+          <a:xfrm>
+            <a:off x="260498" y="5181600"/>
+            <a:ext cx="7588101" cy="1569660"/>
+          </a:xfrm>
+          <a:prstGeom prst="rect">
+            <a:avLst/>
+          </a:prstGeom>
+          <a:noFill/>
+        </p:spPr>
+        <p:txBody>
+          <a:bodyPr wrap="square" rtlCol="0">
+            <a:spAutoFit/>
+          </a:bodyPr>
+          <a:lstStyle/>
+          <a:p>
+            <a:r>
+              <a:rPr lang="en-US" sz="1200" dirty="0">
+                <a:latin typeface="Consolas" panose="020B0609020204030204" pitchFamily="49" charset="0"/>
+              </a:rPr>
+              <a:t>P &lt;- p +</a:t>
+            </a:r>
+          </a:p>
+          <a:p>
+            <a:r>
+              <a:rPr lang="en-US" sz="1200" dirty="0">
+                <a:latin typeface="Consolas" panose="020B0609020204030204" pitchFamily="49" charset="0"/>
+              </a:rPr>
+              <a:t>  </a:t>
+            </a:r>
+            <a:r>
+              <a:rPr lang="en-US" sz="1200" dirty="0" err="1">
+                <a:latin typeface="Consolas" panose="020B0609020204030204" pitchFamily="49" charset="0"/>
+              </a:rPr>
+              <a:t>theme_minimal</a:t>
+            </a:r>
+            <a:r>
+              <a:rPr lang="en-US" sz="1200" dirty="0">
+                <a:latin typeface="Consolas" panose="020B0609020204030204" pitchFamily="49" charset="0"/>
+              </a:rPr>
+              <a:t>(</a:t>
+            </a:r>
+            <a:r>
+              <a:rPr lang="en-US" sz="1200" dirty="0" err="1">
+                <a:latin typeface="Consolas" panose="020B0609020204030204" pitchFamily="49" charset="0"/>
+              </a:rPr>
+              <a:t>base_size</a:t>
+            </a:r>
+            <a:r>
+              <a:rPr lang="en-US" sz="1200" dirty="0">
+                <a:latin typeface="Consolas" panose="020B0609020204030204" pitchFamily="49" charset="0"/>
+              </a:rPr>
+              <a:t> = 20) +</a:t>
+            </a:r>
+          </a:p>
+          <a:p>
+            <a:r>
+              <a:rPr lang="en-US" sz="1200" dirty="0">
+                <a:latin typeface="Consolas" panose="020B0609020204030204" pitchFamily="49" charset="0"/>
+              </a:rPr>
+              <a:t>  theme(</a:t>
+            </a:r>
+            <a:r>
+              <a:rPr lang="en-US" sz="1200" dirty="0" err="1">
+                <a:latin typeface="Consolas" panose="020B0609020204030204" pitchFamily="49" charset="0"/>
+              </a:rPr>
+              <a:t>panel.grid.major</a:t>
+            </a:r>
+            <a:r>
+              <a:rPr lang="en-US" sz="1200" dirty="0">
+                <a:latin typeface="Consolas" panose="020B0609020204030204" pitchFamily="49" charset="0"/>
+              </a:rPr>
+              <a:t> = </a:t>
+            </a:r>
+            <a:r>
+              <a:rPr lang="en-US" sz="1200" dirty="0" err="1">
+                <a:latin typeface="Consolas" panose="020B0609020204030204" pitchFamily="49" charset="0"/>
+              </a:rPr>
+              <a:t>element_blank</a:t>
+            </a:r>
+            <a:r>
+              <a:rPr lang="en-US" sz="1200" dirty="0">
+                <a:latin typeface="Consolas" panose="020B0609020204030204" pitchFamily="49" charset="0"/>
+              </a:rPr>
+              <a:t>(),</a:t>
+            </a:r>
+          </a:p>
+          <a:p>
+            <a:r>
+              <a:rPr lang="en-US" sz="1200" dirty="0">
+                <a:latin typeface="Consolas" panose="020B0609020204030204" pitchFamily="49" charset="0"/>
+              </a:rPr>
+              <a:t>        </a:t>
+            </a:r>
+            <a:r>
+              <a:rPr lang="en-US" sz="1200" dirty="0" err="1">
+                <a:latin typeface="Consolas" panose="020B0609020204030204" pitchFamily="49" charset="0"/>
+              </a:rPr>
+              <a:t>panel.grid.minor</a:t>
+            </a:r>
+            <a:r>
+              <a:rPr lang="en-US" sz="1200" dirty="0">
+                <a:latin typeface="Consolas" panose="020B0609020204030204" pitchFamily="49" charset="0"/>
+              </a:rPr>
+              <a:t> = </a:t>
+            </a:r>
+            <a:r>
+              <a:rPr lang="en-US" sz="1200" dirty="0" err="1">
+                <a:latin typeface="Consolas" panose="020B0609020204030204" pitchFamily="49" charset="0"/>
+              </a:rPr>
+              <a:t>element_blank</a:t>
+            </a:r>
+            <a:r>
+              <a:rPr lang="en-US" sz="1200" dirty="0">
+                <a:latin typeface="Consolas" panose="020B0609020204030204" pitchFamily="49" charset="0"/>
+              </a:rPr>
+              <a:t>()) +</a:t>
+            </a:r>
+          </a:p>
+          <a:p>
+            <a:r>
+              <a:rPr lang="en-US" sz="1200" dirty="0">
+                <a:latin typeface="Consolas" panose="020B0609020204030204" pitchFamily="49" charset="0"/>
+              </a:rPr>
+              <a:t>  </a:t>
+            </a:r>
+            <a:r>
+              <a:rPr lang="en-US" sz="1200" dirty="0" err="1">
+                <a:latin typeface="Consolas" panose="020B0609020204030204" pitchFamily="49" charset="0"/>
+              </a:rPr>
+              <a:t>scale_x_continuous</a:t>
+            </a:r>
+            <a:r>
+              <a:rPr lang="en-US" sz="1200" dirty="0">
+                <a:latin typeface="Consolas" panose="020B0609020204030204" pitchFamily="49" charset="0"/>
+              </a:rPr>
+              <a:t>(labels = scales::comma) +</a:t>
+            </a:r>
+          </a:p>
+          <a:p>
+            <a:r>
+              <a:rPr lang="en-US" sz="1200" dirty="0">
+                <a:latin typeface="Consolas" panose="020B0609020204030204" pitchFamily="49" charset="0"/>
+              </a:rPr>
+              <a:t>  theme(</a:t>
+            </a:r>
+            <a:r>
+              <a:rPr lang="en-US" sz="1200" dirty="0" err="1">
+                <a:latin typeface="Consolas" panose="020B0609020204030204" pitchFamily="49" charset="0"/>
+              </a:rPr>
+              <a:t>axis.text.y</a:t>
+            </a:r>
+            <a:r>
+              <a:rPr lang="en-US" sz="1200" dirty="0">
+                <a:latin typeface="Consolas" panose="020B0609020204030204" pitchFamily="49" charset="0"/>
+              </a:rPr>
+              <a:t> = </a:t>
+            </a:r>
+            <a:r>
+              <a:rPr lang="en-US" sz="1200" dirty="0" err="1">
+                <a:latin typeface="Consolas" panose="020B0609020204030204" pitchFamily="49" charset="0"/>
+              </a:rPr>
+              <a:t>element_blank</a:t>
+            </a:r>
+            <a:r>
+              <a:rPr lang="en-US" sz="1200" dirty="0">
+                <a:latin typeface="Consolas" panose="020B0609020204030204" pitchFamily="49" charset="0"/>
+              </a:rPr>
+              <a:t>(),</a:t>
+            </a:r>
+          </a:p>
+          <a:p>
+            <a:r>
+              <a:rPr lang="en-US" sz="1200" dirty="0">
+                <a:latin typeface="Consolas" panose="020B0609020204030204" pitchFamily="49" charset="0"/>
+              </a:rPr>
+              <a:t>        </a:t>
+            </a:r>
+            <a:r>
+              <a:rPr lang="en-US" sz="1200" dirty="0" err="1">
+                <a:latin typeface="Consolas" panose="020B0609020204030204" pitchFamily="49" charset="0"/>
+              </a:rPr>
+              <a:t>axis.ticks.y</a:t>
+            </a:r>
+            <a:r>
+              <a:rPr lang="en-US" sz="1200" dirty="0">
+                <a:latin typeface="Consolas" panose="020B0609020204030204" pitchFamily="49" charset="0"/>
+              </a:rPr>
+              <a:t> = </a:t>
+            </a:r>
+            <a:r>
+              <a:rPr lang="en-US" sz="1200" dirty="0" err="1">
+                <a:latin typeface="Consolas" panose="020B0609020204030204" pitchFamily="49" charset="0"/>
+              </a:rPr>
+              <a:t>element_blank</a:t>
+            </a:r>
+            <a:r>
+              <a:rPr lang="en-US" sz="1200" dirty="0">
+                <a:latin typeface="Consolas" panose="020B0609020204030204" pitchFamily="49" charset="0"/>
+              </a:rPr>
+              <a:t>(),</a:t>
+            </a:r>
+          </a:p>
+          <a:p>
+            <a:r>
+              <a:rPr lang="en-US" sz="1200" dirty="0">
+                <a:latin typeface="Consolas" panose="020B0609020204030204" pitchFamily="49" charset="0"/>
+              </a:rPr>
+              <a:t>        </a:t>
+            </a:r>
+            <a:r>
+              <a:rPr lang="en-US" sz="1200" dirty="0" err="1">
+                <a:latin typeface="Consolas" panose="020B0609020204030204" pitchFamily="49" charset="0"/>
+              </a:rPr>
+              <a:t>axis.title.y</a:t>
+            </a:r>
+            <a:r>
+              <a:rPr lang="en-US" sz="1200" dirty="0">
+                <a:latin typeface="Consolas" panose="020B0609020204030204" pitchFamily="49" charset="0"/>
+              </a:rPr>
+              <a:t> = </a:t>
+            </a:r>
+            <a:r>
+              <a:rPr lang="en-US" sz="1200" dirty="0" err="1">
+                <a:latin typeface="Consolas" panose="020B0609020204030204" pitchFamily="49" charset="0"/>
+              </a:rPr>
+              <a:t>element_blank</a:t>
+            </a:r>
+            <a:r>
+              <a:rPr lang="en-US" sz="1200" dirty="0">
+                <a:latin typeface="Consolas" panose="020B0609020204030204" pitchFamily="49" charset="0"/>
+              </a:rPr>
+              <a:t>())</a:t>
+            </a:r>
+          </a:p>
+        </p:txBody>
+      </p:sp>
+    </p:spTree>
+    <p:extLst>
+      <p:ext uri="{BB962C8B-B14F-4D97-AF65-F5344CB8AC3E}">
+        <p14:creationId xmlns:p14="http://schemas.microsoft.com/office/powerpoint/2010/main" val="3053040336"/>
+      </p:ext>
+    </p:extLst>
+  </p:cSld>
+  <p:clrMapOvr>
+    <a:masterClrMapping/>
+  </p:clrMapOvr>
+</p:sld>
+</file>
+
+<file path=ppt/slides/slide27.xml><?xml version="1.0" encoding="utf-8"?>
+<p:sld xmlns:a="http://schemas.openxmlformats.org/drawingml/2006/main" xmlns:r="http://schemas.openxmlformats.org/officeDocument/2006/relationships" xmlns:p="http://schemas.openxmlformats.org/presentationml/2006/main">
+  <p:cSld>
+    <p:spTree>
+      <p:nvGrpSpPr>
+        <p:cNvPr id="1" name=""/>
+        <p:cNvGrpSpPr/>
+        <p:nvPr/>
+      </p:nvGrpSpPr>
+      <p:grpSpPr>
+        <a:xfrm>
+          <a:off x="0" y="0"/>
+          <a:ext cx="0" cy="0"/>
+          <a:chOff x="0" y="0"/>
+          <a:chExt cx="0" cy="0"/>
+        </a:xfrm>
+      </p:grpSpPr>
+      <p:sp>
+        <p:nvSpPr>
+          <p:cNvPr id="2" name="Title 1">
+            <a:extLst>
+              <a:ext uri="{FF2B5EF4-FFF2-40B4-BE49-F238E27FC236}">
+                <a16:creationId xmlns:a16="http://schemas.microsoft.com/office/drawing/2014/main" id="{18969BF5-0288-FD7C-1739-0C8672F3D7F8}"/>
+              </a:ext>
+            </a:extLst>
+          </p:cNvPr>
+          <p:cNvSpPr>
+            <a:spLocks noGrp="1"/>
+          </p:cNvSpPr>
+          <p:nvPr>
+            <p:ph type="title"/>
+          </p:nvPr>
+        </p:nvSpPr>
+        <p:spPr/>
+        <p:txBody>
+          <a:bodyPr/>
+          <a:lstStyle/>
+          <a:p>
+            <a:r>
+              <a:rPr lang="en-US" dirty="0"/>
+              <a:t>Color</a:t>
+            </a:r>
+          </a:p>
+        </p:txBody>
+      </p:sp>
+      <p:pic>
+        <p:nvPicPr>
+          <p:cNvPr id="4" name="Picture 3">
+            <a:extLst>
+              <a:ext uri="{FF2B5EF4-FFF2-40B4-BE49-F238E27FC236}">
+                <a16:creationId xmlns:a16="http://schemas.microsoft.com/office/drawing/2014/main" id="{4A0037C9-EB90-2900-D4EC-DF813BC908A7}"/>
+              </a:ext>
+            </a:extLst>
+          </p:cNvPr>
+          <p:cNvPicPr>
+            <a:picLocks noChangeAspect="1"/>
+          </p:cNvPicPr>
+          <p:nvPr/>
+        </p:nvPicPr>
+        <p:blipFill>
+          <a:blip r:embed="rId2" r:link="rId3">
+            <a:extLst>
+              <a:ext uri="{28A0092B-C50C-407E-A947-70E740481C1C}">
+                <a14:useLocalDpi xmlns:a14="http://schemas.microsoft.com/office/drawing/2010/main" val="0"/>
+              </a:ext>
+            </a:extLst>
+          </a:blip>
+          <a:srcRect/>
+          <a:stretch>
+            <a:fillRect/>
+          </a:stretch>
+        </p:blipFill>
+        <p:spPr>
+          <a:xfrm>
+            <a:off x="2971802" y="1447801"/>
+            <a:ext cx="5943594" cy="3962395"/>
+          </a:xfrm>
+          <a:prstGeom prst="rect">
+            <a:avLst/>
+          </a:prstGeom>
+        </p:spPr>
+      </p:pic>
+      <p:sp>
+        <p:nvSpPr>
+          <p:cNvPr id="5" name="TextBox 4">
+            <a:extLst>
+              <a:ext uri="{FF2B5EF4-FFF2-40B4-BE49-F238E27FC236}">
+                <a16:creationId xmlns:a16="http://schemas.microsoft.com/office/drawing/2014/main" id="{04AF6261-B4B1-D761-810B-AACA39E89170}"/>
+              </a:ext>
+            </a:extLst>
+          </p:cNvPr>
+          <p:cNvSpPr txBox="1"/>
+          <p:nvPr/>
+        </p:nvSpPr>
+        <p:spPr>
+          <a:xfrm>
+            <a:off x="228601" y="2514600"/>
+            <a:ext cx="2431673" cy="1815882"/>
+          </a:xfrm>
+          <a:prstGeom prst="rect">
+            <a:avLst/>
+          </a:prstGeom>
+          <a:noFill/>
+        </p:spPr>
+        <p:txBody>
+          <a:bodyPr wrap="square" rtlCol="0">
+            <a:spAutoFit/>
+          </a:bodyPr>
+          <a:lstStyle/>
+          <a:p>
+            <a:pPr algn="ctr"/>
+            <a:r>
+              <a:rPr lang="en-US" sz="2800" dirty="0">
+                <a:latin typeface="Arial" panose="020B0604020202020204" pitchFamily="34" charset="0"/>
+                <a:cs typeface="Arial" panose="020B0604020202020204" pitchFamily="34" charset="0"/>
+              </a:rPr>
+              <a:t>We can also update the color, if desired.</a:t>
+            </a:r>
+          </a:p>
+        </p:txBody>
+      </p:sp>
+      <p:sp>
+        <p:nvSpPr>
+          <p:cNvPr id="3" name="TextBox 2">
+            <a:extLst>
+              <a:ext uri="{FF2B5EF4-FFF2-40B4-BE49-F238E27FC236}">
+                <a16:creationId xmlns:a16="http://schemas.microsoft.com/office/drawing/2014/main" id="{4FD38AA8-E08D-AFDB-588A-1A0A6FD4205A}"/>
+              </a:ext>
+            </a:extLst>
+          </p:cNvPr>
+          <p:cNvSpPr txBox="1"/>
+          <p:nvPr/>
+        </p:nvSpPr>
+        <p:spPr>
+          <a:xfrm>
+            <a:off x="260498" y="5181600"/>
+            <a:ext cx="7588101" cy="1384995"/>
+          </a:xfrm>
+          <a:prstGeom prst="rect">
+            <a:avLst/>
+          </a:prstGeom>
+          <a:noFill/>
+        </p:spPr>
+        <p:txBody>
+          <a:bodyPr wrap="square" rtlCol="0">
+            <a:spAutoFit/>
+          </a:bodyPr>
+          <a:lstStyle/>
+          <a:p>
+            <a:r>
+              <a:rPr lang="en-US" sz="1200" dirty="0">
+                <a:latin typeface="Consolas" panose="020B0609020204030204" pitchFamily="49" charset="0"/>
+              </a:rPr>
+              <a:t>...</a:t>
+            </a:r>
+          </a:p>
+          <a:p>
+            <a:r>
+              <a:rPr lang="en-US" sz="1200" dirty="0">
+                <a:latin typeface="Consolas" panose="020B0609020204030204" pitchFamily="49" charset="0"/>
+              </a:rPr>
+              <a:t>  </a:t>
+            </a:r>
+            <a:r>
+              <a:rPr lang="en-US" sz="1200" dirty="0" err="1">
+                <a:latin typeface="Consolas" panose="020B0609020204030204" pitchFamily="49" charset="0"/>
+              </a:rPr>
+              <a:t>geom_histogram</a:t>
+            </a:r>
+            <a:r>
+              <a:rPr lang="en-US" sz="1200" dirty="0">
+                <a:latin typeface="Consolas" panose="020B0609020204030204" pitchFamily="49" charset="0"/>
+              </a:rPr>
+              <a:t>(</a:t>
+            </a:r>
+            <a:r>
+              <a:rPr lang="en-US" sz="1200" dirty="0" err="1">
+                <a:latin typeface="Consolas" panose="020B0609020204030204" pitchFamily="49" charset="0"/>
+              </a:rPr>
+              <a:t>aes</a:t>
+            </a:r>
+            <a:r>
+              <a:rPr lang="en-US" sz="1200" dirty="0">
+                <a:latin typeface="Consolas" panose="020B0609020204030204" pitchFamily="49" charset="0"/>
+              </a:rPr>
+              <a:t>(x = loss, </a:t>
+            </a:r>
+            <a:r>
+              <a:rPr lang="en-US" sz="1200" dirty="0" err="1">
+                <a:latin typeface="Consolas" panose="020B0609020204030204" pitchFamily="49" charset="0"/>
+              </a:rPr>
+              <a:t>after_stat</a:t>
+            </a:r>
+            <a:r>
+              <a:rPr lang="en-US" sz="1200" dirty="0">
+                <a:latin typeface="Consolas" panose="020B0609020204030204" pitchFamily="49" charset="0"/>
+              </a:rPr>
+              <a:t>(density)),</a:t>
+            </a:r>
+          </a:p>
+          <a:p>
+            <a:r>
+              <a:rPr lang="en-US" sz="1200" dirty="0">
+                <a:latin typeface="Consolas" panose="020B0609020204030204" pitchFamily="49" charset="0"/>
+              </a:rPr>
+              <a:t>                 fill = </a:t>
+            </a:r>
+            <a:r>
+              <a:rPr lang="en-US" sz="1200" dirty="0" err="1">
+                <a:latin typeface="Consolas" panose="020B0609020204030204" pitchFamily="49" charset="0"/>
+              </a:rPr>
+              <a:t>pal_CAS</a:t>
+            </a:r>
+            <a:r>
+              <a:rPr lang="en-US" sz="1200" dirty="0">
+                <a:latin typeface="Consolas" panose="020B0609020204030204" pitchFamily="49" charset="0"/>
+              </a:rPr>
+              <a:t>["</a:t>
+            </a:r>
+            <a:r>
+              <a:rPr lang="en-US" sz="1200" dirty="0" err="1">
+                <a:latin typeface="Consolas" panose="020B0609020204030204" pitchFamily="49" charset="0"/>
+              </a:rPr>
+              <a:t>light_blue</a:t>
+            </a:r>
+            <a:r>
+              <a:rPr lang="en-US" sz="1200" dirty="0">
+                <a:latin typeface="Consolas" panose="020B0609020204030204" pitchFamily="49" charset="0"/>
+              </a:rPr>
+              <a:t>"]) +</a:t>
+            </a:r>
+          </a:p>
+          <a:p>
+            <a:r>
+              <a:rPr lang="en-US" sz="1200" dirty="0">
+                <a:latin typeface="Consolas" panose="020B0609020204030204" pitchFamily="49" charset="0"/>
+              </a:rPr>
+              <a:t>  </a:t>
+            </a:r>
+            <a:r>
+              <a:rPr lang="en-US" sz="1200" dirty="0" err="1">
+                <a:latin typeface="Consolas" panose="020B0609020204030204" pitchFamily="49" charset="0"/>
+              </a:rPr>
+              <a:t>stat_function</a:t>
+            </a:r>
+            <a:r>
+              <a:rPr lang="en-US" sz="1200" dirty="0">
+                <a:latin typeface="Consolas" panose="020B0609020204030204" pitchFamily="49" charset="0"/>
+              </a:rPr>
+              <a:t>(fun = </a:t>
+            </a:r>
+            <a:r>
+              <a:rPr lang="en-US" sz="1200" dirty="0" err="1">
+                <a:latin typeface="Consolas" panose="020B0609020204030204" pitchFamily="49" charset="0"/>
+              </a:rPr>
+              <a:t>dlnorm</a:t>
+            </a:r>
+            <a:r>
+              <a:rPr lang="en-US" sz="1200" dirty="0">
+                <a:latin typeface="Consolas" panose="020B0609020204030204" pitchFamily="49" charset="0"/>
+              </a:rPr>
+              <a:t>,</a:t>
+            </a:r>
+          </a:p>
+          <a:p>
+            <a:r>
+              <a:rPr lang="en-US" sz="1200" dirty="0">
+                <a:latin typeface="Consolas" panose="020B0609020204030204" pitchFamily="49" charset="0"/>
+              </a:rPr>
+              <a:t>                </a:t>
+            </a:r>
+            <a:r>
+              <a:rPr lang="en-US" sz="1200" dirty="0" err="1">
+                <a:latin typeface="Consolas" panose="020B0609020204030204" pitchFamily="49" charset="0"/>
+              </a:rPr>
+              <a:t>args</a:t>
+            </a:r>
+            <a:r>
+              <a:rPr lang="en-US" sz="1200" dirty="0">
+                <a:latin typeface="Consolas" panose="020B0609020204030204" pitchFamily="49" charset="0"/>
+              </a:rPr>
+              <a:t> = list(</a:t>
+            </a:r>
+            <a:r>
+              <a:rPr lang="en-US" sz="1200" dirty="0" err="1">
+                <a:latin typeface="Consolas" panose="020B0609020204030204" pitchFamily="49" charset="0"/>
+              </a:rPr>
+              <a:t>meanlog</a:t>
+            </a:r>
+            <a:r>
+              <a:rPr lang="en-US" sz="1200" dirty="0">
+                <a:latin typeface="Consolas" panose="020B0609020204030204" pitchFamily="49" charset="0"/>
+              </a:rPr>
+              <a:t> = 10, </a:t>
+            </a:r>
+            <a:r>
+              <a:rPr lang="en-US" sz="1200" dirty="0" err="1">
+                <a:latin typeface="Consolas" panose="020B0609020204030204" pitchFamily="49" charset="0"/>
+              </a:rPr>
+              <a:t>sdlog</a:t>
+            </a:r>
+            <a:r>
+              <a:rPr lang="en-US" sz="1200" dirty="0">
+                <a:latin typeface="Consolas" panose="020B0609020204030204" pitchFamily="49" charset="0"/>
+              </a:rPr>
+              <a:t> = 1.0),</a:t>
+            </a:r>
+          </a:p>
+          <a:p>
+            <a:r>
+              <a:rPr lang="en-US" sz="1200" dirty="0">
+                <a:latin typeface="Consolas" panose="020B0609020204030204" pitchFamily="49" charset="0"/>
+              </a:rPr>
+              <a:t>                color = </a:t>
+            </a:r>
+            <a:r>
+              <a:rPr lang="en-US" sz="1200" dirty="0" err="1">
+                <a:latin typeface="Consolas" panose="020B0609020204030204" pitchFamily="49" charset="0"/>
+              </a:rPr>
+              <a:t>pal_CAS</a:t>
+            </a:r>
+            <a:r>
+              <a:rPr lang="en-US" sz="1200" dirty="0">
+                <a:latin typeface="Consolas" panose="020B0609020204030204" pitchFamily="49" charset="0"/>
+              </a:rPr>
+              <a:t>["</a:t>
+            </a:r>
+            <a:r>
+              <a:rPr lang="en-US" sz="1200" dirty="0" err="1">
+                <a:latin typeface="Consolas" panose="020B0609020204030204" pitchFamily="49" charset="0"/>
+              </a:rPr>
+              <a:t>dark_blue</a:t>
+            </a:r>
+            <a:r>
+              <a:rPr lang="en-US" sz="1200" dirty="0">
+                <a:latin typeface="Consolas" panose="020B0609020204030204" pitchFamily="49" charset="0"/>
+              </a:rPr>
+              <a:t>"]) +</a:t>
+            </a:r>
+          </a:p>
+          <a:p>
+            <a:r>
+              <a:rPr lang="en-US" sz="1200" dirty="0">
+                <a:latin typeface="Consolas" panose="020B0609020204030204" pitchFamily="49" charset="0"/>
+              </a:rPr>
+              <a:t>...</a:t>
+            </a:r>
+          </a:p>
+        </p:txBody>
+      </p:sp>
+    </p:spTree>
+    <p:extLst>
+      <p:ext uri="{BB962C8B-B14F-4D97-AF65-F5344CB8AC3E}">
+        <p14:creationId xmlns:p14="http://schemas.microsoft.com/office/powerpoint/2010/main" val="1956384913"/>
+      </p:ext>
+    </p:extLst>
+  </p:cSld>
+  <p:clrMapOvr>
+    <a:masterClrMapping/>
+  </p:clrMapOvr>
+</p:sld>
+</file>
+
+<file path=ppt/slides/slide28.xml><?xml version="1.0" encoding="utf-8"?>
+<p:sld xmlns:a="http://schemas.openxmlformats.org/drawingml/2006/main" xmlns:r="http://schemas.openxmlformats.org/officeDocument/2006/relationships" xmlns:p="http://schemas.openxmlformats.org/presentationml/2006/main">
+  <p:cSld>
+    <p:spTree>
+      <p:nvGrpSpPr>
+        <p:cNvPr id="1" name=""/>
+        <p:cNvGrpSpPr/>
+        <p:nvPr/>
+      </p:nvGrpSpPr>
+      <p:grpSpPr>
+        <a:xfrm>
+          <a:off x="0" y="0"/>
+          <a:ext cx="0" cy="0"/>
+          <a:chOff x="0" y="0"/>
+          <a:chExt cx="0" cy="0"/>
+        </a:xfrm>
+      </p:grpSpPr>
+      <p:sp>
+        <p:nvSpPr>
+          <p:cNvPr id="2" name="Title 1">
+            <a:extLst>
+              <a:ext uri="{FF2B5EF4-FFF2-40B4-BE49-F238E27FC236}">
+                <a16:creationId xmlns:a16="http://schemas.microsoft.com/office/drawing/2014/main" id="{18969BF5-0288-FD7C-1739-0C8672F3D7F8}"/>
+              </a:ext>
+            </a:extLst>
+          </p:cNvPr>
+          <p:cNvSpPr>
+            <a:spLocks noGrp="1"/>
+          </p:cNvSpPr>
+          <p:nvPr>
+            <p:ph type="title"/>
+          </p:nvPr>
+        </p:nvSpPr>
+        <p:spPr/>
+        <p:txBody>
+          <a:bodyPr/>
+          <a:lstStyle/>
+          <a:p>
+            <a:r>
+              <a:rPr lang="en-US" dirty="0"/>
+              <a:t>Comparison</a:t>
+            </a:r>
+          </a:p>
+        </p:txBody>
+      </p:sp>
+      <p:pic>
+        <p:nvPicPr>
+          <p:cNvPr id="4" name="Picture 3">
+            <a:extLst>
+              <a:ext uri="{FF2B5EF4-FFF2-40B4-BE49-F238E27FC236}">
+                <a16:creationId xmlns:a16="http://schemas.microsoft.com/office/drawing/2014/main" id="{4A0037C9-EB90-2900-D4EC-DF813BC908A7}"/>
+              </a:ext>
+            </a:extLst>
+          </p:cNvPr>
+          <p:cNvPicPr>
+            <a:picLocks noChangeAspect="1"/>
+          </p:cNvPicPr>
+          <p:nvPr/>
+        </p:nvPicPr>
+        <p:blipFill>
+          <a:blip r:embed="rId2" r:link="rId3">
+            <a:extLst>
+              <a:ext uri="{28A0092B-C50C-407E-A947-70E740481C1C}">
+                <a14:useLocalDpi xmlns:a14="http://schemas.microsoft.com/office/drawing/2010/main" val="0"/>
+              </a:ext>
+            </a:extLst>
+          </a:blip>
+          <a:srcRect/>
+          <a:stretch>
+            <a:fillRect/>
+          </a:stretch>
+        </p:blipFill>
+        <p:spPr>
+          <a:xfrm>
+            <a:off x="4571998" y="2209799"/>
+            <a:ext cx="4389121" cy="2926080"/>
+          </a:xfrm>
+          <a:prstGeom prst="rect">
+            <a:avLst/>
+          </a:prstGeom>
+        </p:spPr>
+      </p:pic>
+      <p:pic>
+        <p:nvPicPr>
+          <p:cNvPr id="6" name="Picture 5">
+            <a:extLst>
+              <a:ext uri="{FF2B5EF4-FFF2-40B4-BE49-F238E27FC236}">
+                <a16:creationId xmlns:a16="http://schemas.microsoft.com/office/drawing/2014/main" id="{D8447591-D830-A3F2-DC0D-858B0C9B5E06}"/>
+              </a:ext>
+            </a:extLst>
+          </p:cNvPr>
+          <p:cNvPicPr>
+            <a:picLocks noChangeAspect="1"/>
+          </p:cNvPicPr>
+          <p:nvPr/>
+        </p:nvPicPr>
+        <p:blipFill>
+          <a:blip r:embed="rId4" r:link="rId5">
+            <a:extLst>
+              <a:ext uri="{28A0092B-C50C-407E-A947-70E740481C1C}">
+                <a14:useLocalDpi xmlns:a14="http://schemas.microsoft.com/office/drawing/2010/main" val="0"/>
+              </a:ext>
+            </a:extLst>
+          </a:blip>
+          <a:srcRect/>
+          <a:stretch>
+            <a:fillRect/>
+          </a:stretch>
+        </p:blipFill>
+        <p:spPr>
+          <a:xfrm>
+            <a:off x="152401" y="2209799"/>
+            <a:ext cx="4389120" cy="2926080"/>
+          </a:xfrm>
+          <a:prstGeom prst="rect">
+            <a:avLst/>
+          </a:prstGeom>
+        </p:spPr>
+      </p:pic>
+    </p:spTree>
+    <p:extLst>
+      <p:ext uri="{BB962C8B-B14F-4D97-AF65-F5344CB8AC3E}">
+        <p14:creationId xmlns:p14="http://schemas.microsoft.com/office/powerpoint/2010/main" val="2934773690"/>
+      </p:ext>
+    </p:extLst>
+  </p:cSld>
+  <p:clrMapOvr>
+    <a:masterClrMapping/>
+  </p:clrMapOvr>
+</p:sld>
+</file>
+
+<file path=ppt/slides/slide29.xml><?xml version="1.0" encoding="utf-8"?>
+<p:sld xmlns:a="http://schemas.openxmlformats.org/drawingml/2006/main" xmlns:r="http://schemas.openxmlformats.org/officeDocument/2006/relationships" xmlns:p="http://schemas.openxmlformats.org/presentationml/2006/main">
+  <p:cSld>
+    <p:spTree>
+      <p:nvGrpSpPr>
+        <p:cNvPr id="1" name=""/>
+        <p:cNvGrpSpPr/>
+        <p:nvPr/>
+      </p:nvGrpSpPr>
+      <p:grpSpPr>
+        <a:xfrm>
+          <a:off x="0" y="0"/>
+          <a:ext cx="0" cy="0"/>
+          <a:chOff x="0" y="0"/>
+          <a:chExt cx="0" cy="0"/>
+        </a:xfrm>
+      </p:grpSpPr>
+      <p:sp>
+        <p:nvSpPr>
+          <p:cNvPr id="2" name="Title 1">
+            <a:extLst>
+              <a:ext uri="{FF2B5EF4-FFF2-40B4-BE49-F238E27FC236}">
+                <a16:creationId xmlns:a16="http://schemas.microsoft.com/office/drawing/2014/main" id="{FABAA41A-77E6-2FBA-A297-38D8E88EA1EE}"/>
+              </a:ext>
+            </a:extLst>
+          </p:cNvPr>
+          <p:cNvSpPr>
+            <a:spLocks noGrp="1"/>
+          </p:cNvSpPr>
+          <p:nvPr>
+            <p:ph type="title"/>
+          </p:nvPr>
+        </p:nvSpPr>
+        <p:spPr/>
+        <p:txBody>
+          <a:bodyPr/>
+          <a:lstStyle/>
+          <a:p>
+            <a:r>
+              <a:rPr lang="en-US" dirty="0"/>
+              <a:t>Practical formatting tricks</a:t>
+            </a:r>
+          </a:p>
+        </p:txBody>
+      </p:sp>
+      <p:sp>
+        <p:nvSpPr>
+          <p:cNvPr id="3" name="Text Placeholder 2">
+            <a:extLst>
+              <a:ext uri="{FF2B5EF4-FFF2-40B4-BE49-F238E27FC236}">
+                <a16:creationId xmlns:a16="http://schemas.microsoft.com/office/drawing/2014/main" id="{CC58DA01-D3BC-9504-0836-D49045D6C03A}"/>
+              </a:ext>
+            </a:extLst>
+          </p:cNvPr>
+          <p:cNvSpPr>
+            <a:spLocks noGrp="1"/>
+          </p:cNvSpPr>
+          <p:nvPr>
+            <p:ph type="body" idx="1"/>
+          </p:nvPr>
+        </p:nvSpPr>
+        <p:spPr/>
+        <p:txBody>
+          <a:bodyPr/>
+          <a:lstStyle/>
+          <a:p>
+            <a:endParaRPr lang="en-US"/>
+          </a:p>
+        </p:txBody>
+      </p:sp>
+    </p:spTree>
+    <p:extLst>
+      <p:ext uri="{BB962C8B-B14F-4D97-AF65-F5344CB8AC3E}">
+        <p14:creationId xmlns:p14="http://schemas.microsoft.com/office/powerpoint/2010/main" val="4002762296"/>
+      </p:ext>
+    </p:extLst>
+  </p:cSld>
+  <p:clrMapOvr>
+    <a:masterClrMapping/>
+  </p:clrMapOvr>
+</p:sld>
+</file>
+
+<file path=ppt/slides/slide3.xml><?xml version="1.0" encoding="utf-8"?>
+<p:sld xmlns:a="http://schemas.openxmlformats.org/drawingml/2006/main" xmlns:r="http://schemas.openxmlformats.org/officeDocument/2006/relationships" xmlns:p="http://schemas.openxmlformats.org/presentationml/2006/main">
+  <p:cSld>
+    <p:spTree>
+      <p:nvGrpSpPr>
+        <p:cNvPr id="1" name=""/>
+        <p:cNvGrpSpPr/>
+        <p:nvPr/>
+      </p:nvGrpSpPr>
+      <p:grpSpPr>
+        <a:xfrm>
+          <a:off x="0" y="0"/>
+          <a:ext cx="0" cy="0"/>
+          <a:chOff x="0" y="0"/>
+          <a:chExt cx="0" cy="0"/>
+        </a:xfrm>
+      </p:grpSpPr>
+      <p:sp>
+        <p:nvSpPr>
+          <p:cNvPr id="2" name="Title 1">
+            <a:extLst>
+              <a:ext uri="{FF2B5EF4-FFF2-40B4-BE49-F238E27FC236}">
+                <a16:creationId xmlns:a16="http://schemas.microsoft.com/office/drawing/2014/main" id="{74710D85-8C9D-388F-E1FC-561F624F73D8}"/>
+              </a:ext>
+            </a:extLst>
+          </p:cNvPr>
+          <p:cNvSpPr>
+            <a:spLocks noGrp="1"/>
+          </p:cNvSpPr>
+          <p:nvPr>
+            <p:ph type="ctrTitle"/>
+          </p:nvPr>
+        </p:nvSpPr>
+        <p:spPr/>
+        <p:txBody>
+          <a:bodyPr/>
+          <a:lstStyle/>
+          <a:p>
+            <a:r>
+              <a:rPr lang="en-US" dirty="0"/>
+              <a:t>Effective</a:t>
+            </a:r>
+            <a:br>
+              <a:rPr lang="en-US" dirty="0"/>
+            </a:br>
+            <a:r>
+              <a:rPr lang="en-US" dirty="0"/>
+              <a:t>Data Visualization</a:t>
+            </a:r>
+            <a:br>
+              <a:rPr lang="en-US" dirty="0"/>
+            </a:br>
+            <a:r>
+              <a:rPr lang="en-US" dirty="0"/>
+              <a:t>for Actuaries</a:t>
+            </a:r>
+          </a:p>
+        </p:txBody>
+      </p:sp>
+      <p:sp>
+        <p:nvSpPr>
+          <p:cNvPr id="3" name="Subtitle 2">
+            <a:extLst>
+              <a:ext uri="{FF2B5EF4-FFF2-40B4-BE49-F238E27FC236}">
+                <a16:creationId xmlns:a16="http://schemas.microsoft.com/office/drawing/2014/main" id="{4053B939-82C6-7883-3378-EEEF2C23A74B}"/>
+              </a:ext>
+            </a:extLst>
+          </p:cNvPr>
+          <p:cNvSpPr>
+            <a:spLocks noGrp="1"/>
+          </p:cNvSpPr>
+          <p:nvPr>
+            <p:ph type="subTitle" idx="1"/>
+          </p:nvPr>
+        </p:nvSpPr>
+        <p:spPr/>
+        <p:txBody>
+          <a:bodyPr/>
+          <a:lstStyle/>
+          <a:p>
+            <a:r>
+              <a:rPr lang="en-US" dirty="0"/>
+              <a:t>Brian Fannin</a:t>
+            </a:r>
+          </a:p>
+          <a:p>
+            <a:r>
+              <a:rPr lang="en-US" dirty="0"/>
+              <a:t>Jordan Bonner</a:t>
+            </a:r>
+          </a:p>
+        </p:txBody>
+      </p:sp>
+    </p:spTree>
+    <p:extLst>
+      <p:ext uri="{BB962C8B-B14F-4D97-AF65-F5344CB8AC3E}">
+        <p14:creationId xmlns:p14="http://schemas.microsoft.com/office/powerpoint/2010/main" val="3925388622"/>
+      </p:ext>
+    </p:extLst>
+  </p:cSld>
+  <p:clrMapOvr>
+    <a:masterClrMapping/>
+  </p:clrMapOvr>
+</p:sld>
+</file>
+
+<file path=ppt/slides/slide30.xml><?xml version="1.0" encoding="utf-8"?>
+<p:sld xmlns:a="http://schemas.openxmlformats.org/drawingml/2006/main" xmlns:r="http://schemas.openxmlformats.org/officeDocument/2006/relationships" xmlns:p="http://schemas.openxmlformats.org/presentationml/2006/main">
+  <p:cSld>
+    <p:spTree>
+      <p:nvGrpSpPr>
+        <p:cNvPr id="1" name=""/>
+        <p:cNvGrpSpPr/>
+        <p:nvPr/>
+      </p:nvGrpSpPr>
+      <p:grpSpPr>
+        <a:xfrm>
+          <a:off x="0" y="0"/>
+          <a:ext cx="0" cy="0"/>
+          <a:chOff x="0" y="0"/>
+          <a:chExt cx="0" cy="0"/>
+        </a:xfrm>
+      </p:grpSpPr>
+      <p:sp>
+        <p:nvSpPr>
+          <p:cNvPr id="2" name="Title 1">
+            <a:extLst>
+              <a:ext uri="{FF2B5EF4-FFF2-40B4-BE49-F238E27FC236}">
+                <a16:creationId xmlns:a16="http://schemas.microsoft.com/office/drawing/2014/main" id="{18969BF5-0288-FD7C-1739-0C8672F3D7F8}"/>
+              </a:ext>
+            </a:extLst>
+          </p:cNvPr>
+          <p:cNvSpPr>
+            <a:spLocks noGrp="1"/>
+          </p:cNvSpPr>
+          <p:nvPr>
+            <p:ph type="title"/>
+          </p:nvPr>
+        </p:nvSpPr>
+        <p:spPr>
+          <a:xfrm>
+            <a:off x="1066800" y="274638"/>
+            <a:ext cx="7772400" cy="1143000"/>
+          </a:xfrm>
+        </p:spPr>
+        <p:txBody>
+          <a:bodyPr/>
+          <a:lstStyle/>
+          <a:p>
+            <a:r>
+              <a:rPr lang="en-US" dirty="0"/>
+              <a:t>Initial Example: Fitted Severity</a:t>
+            </a:r>
+          </a:p>
+        </p:txBody>
+      </p:sp>
+      <p:pic>
+        <p:nvPicPr>
+          <p:cNvPr id="4" name="Picture 3">
+            <a:extLst>
+              <a:ext uri="{FF2B5EF4-FFF2-40B4-BE49-F238E27FC236}">
+                <a16:creationId xmlns:a16="http://schemas.microsoft.com/office/drawing/2014/main" id="{E725ABD2-C6D9-F502-2921-0DC1A1664FD0}"/>
+              </a:ext>
+            </a:extLst>
+          </p:cNvPr>
+          <p:cNvPicPr>
+            <a:picLocks noChangeAspect="1"/>
+          </p:cNvPicPr>
+          <p:nvPr/>
+        </p:nvPicPr>
+        <p:blipFill>
+          <a:blip r:embed="rId2" r:link="rId3">
+            <a:extLst>
+              <a:ext uri="{28A0092B-C50C-407E-A947-70E740481C1C}">
+                <a14:useLocalDpi xmlns:a14="http://schemas.microsoft.com/office/drawing/2010/main" val="0"/>
+              </a:ext>
+            </a:extLst>
+          </a:blip>
+          <a:srcRect/>
+          <a:stretch>
+            <a:fillRect/>
+          </a:stretch>
+        </p:blipFill>
+        <p:spPr>
+          <a:xfrm>
+            <a:off x="2971801" y="1447801"/>
+            <a:ext cx="5943597" cy="3962398"/>
+          </a:xfrm>
+          <a:prstGeom prst="rect">
+            <a:avLst/>
+          </a:prstGeom>
+        </p:spPr>
+      </p:pic>
+      <p:sp>
+        <p:nvSpPr>
+          <p:cNvPr id="5" name="TextBox 4">
+            <a:extLst>
+              <a:ext uri="{FF2B5EF4-FFF2-40B4-BE49-F238E27FC236}">
+                <a16:creationId xmlns:a16="http://schemas.microsoft.com/office/drawing/2014/main" id="{2CA6CE52-CDE9-6BD5-D02A-0B9CDE177F35}"/>
+              </a:ext>
+            </a:extLst>
+          </p:cNvPr>
+          <p:cNvSpPr txBox="1"/>
+          <p:nvPr/>
+        </p:nvSpPr>
+        <p:spPr>
+          <a:xfrm>
+            <a:off x="228601" y="2514600"/>
+            <a:ext cx="2431673" cy="1384995"/>
+          </a:xfrm>
+          <a:prstGeom prst="rect">
+            <a:avLst/>
+          </a:prstGeom>
+          <a:noFill/>
+        </p:spPr>
+        <p:txBody>
+          <a:bodyPr wrap="square" rtlCol="0">
+            <a:spAutoFit/>
+          </a:bodyPr>
+          <a:lstStyle/>
+          <a:p>
+            <a:pPr algn="ctr"/>
+            <a:r>
+              <a:rPr lang="en-US" sz="2800" dirty="0">
+                <a:latin typeface="Arial" panose="020B0604020202020204" pitchFamily="34" charset="0"/>
+                <a:cs typeface="Arial" panose="020B0604020202020204" pitchFamily="34" charset="0"/>
+              </a:rPr>
+              <a:t>How can we improve upon this chart?</a:t>
+            </a:r>
+          </a:p>
+        </p:txBody>
+      </p:sp>
+      <p:sp>
+        <p:nvSpPr>
+          <p:cNvPr id="3" name="TextBox 2">
+            <a:extLst>
+              <a:ext uri="{FF2B5EF4-FFF2-40B4-BE49-F238E27FC236}">
+                <a16:creationId xmlns:a16="http://schemas.microsoft.com/office/drawing/2014/main" id="{D90ECCA0-06AB-B8AB-4B22-AA383E47AE34}"/>
+              </a:ext>
+            </a:extLst>
+          </p:cNvPr>
+          <p:cNvSpPr txBox="1"/>
+          <p:nvPr/>
+        </p:nvSpPr>
+        <p:spPr>
+          <a:xfrm>
+            <a:off x="260498" y="5181600"/>
+            <a:ext cx="7588101" cy="830997"/>
+          </a:xfrm>
+          <a:prstGeom prst="rect">
+            <a:avLst/>
+          </a:prstGeom>
+          <a:noFill/>
+        </p:spPr>
+        <p:txBody>
+          <a:bodyPr wrap="square" rtlCol="0">
+            <a:spAutoFit/>
+          </a:bodyPr>
+          <a:lstStyle/>
+          <a:p>
+            <a:r>
+              <a:rPr lang="en-US" sz="1200" dirty="0">
+                <a:latin typeface="Consolas" panose="020B0609020204030204" pitchFamily="49" charset="0"/>
+              </a:rPr>
+              <a:t>P &lt;- data |&gt;</a:t>
+            </a:r>
+          </a:p>
+          <a:p>
+            <a:r>
+              <a:rPr lang="en-US" sz="1200" dirty="0">
+                <a:latin typeface="Consolas" panose="020B0609020204030204" pitchFamily="49" charset="0"/>
+              </a:rPr>
+              <a:t>  </a:t>
+            </a:r>
+            <a:r>
+              <a:rPr lang="en-US" sz="1200" dirty="0" err="1">
+                <a:latin typeface="Consolas" panose="020B0609020204030204" pitchFamily="49" charset="0"/>
+              </a:rPr>
+              <a:t>geom_histogram</a:t>
+            </a:r>
+            <a:r>
+              <a:rPr lang="en-US" sz="1200" dirty="0">
+                <a:latin typeface="Consolas" panose="020B0609020204030204" pitchFamily="49" charset="0"/>
+              </a:rPr>
+              <a:t>(</a:t>
+            </a:r>
+            <a:r>
+              <a:rPr lang="en-US" sz="1200" dirty="0" err="1">
+                <a:latin typeface="Consolas" panose="020B0609020204030204" pitchFamily="49" charset="0"/>
+              </a:rPr>
+              <a:t>aes</a:t>
+            </a:r>
+            <a:r>
+              <a:rPr lang="en-US" sz="1200" dirty="0">
+                <a:latin typeface="Consolas" panose="020B0609020204030204" pitchFamily="49" charset="0"/>
+              </a:rPr>
+              <a:t>(x = loss, </a:t>
+            </a:r>
+            <a:r>
+              <a:rPr lang="en-US" sz="1200" dirty="0" err="1">
+                <a:latin typeface="Consolas" panose="020B0609020204030204" pitchFamily="49" charset="0"/>
+              </a:rPr>
+              <a:t>after_stat</a:t>
+            </a:r>
+            <a:r>
+              <a:rPr lang="en-US" sz="1200" dirty="0">
+                <a:latin typeface="Consolas" panose="020B0609020204030204" pitchFamily="49" charset="0"/>
+              </a:rPr>
+              <a:t>(density)) +</a:t>
+            </a:r>
+          </a:p>
+          <a:p>
+            <a:r>
+              <a:rPr lang="en-US" sz="1200" dirty="0">
+                <a:latin typeface="Consolas" panose="020B0609020204030204" pitchFamily="49" charset="0"/>
+              </a:rPr>
+              <a:t>  </a:t>
+            </a:r>
+            <a:r>
+              <a:rPr lang="en-US" sz="1200" dirty="0" err="1">
+                <a:latin typeface="Consolas" panose="020B0609020204030204" pitchFamily="49" charset="0"/>
+              </a:rPr>
+              <a:t>stat_function</a:t>
+            </a:r>
+            <a:r>
+              <a:rPr lang="en-US" sz="1200" dirty="0">
+                <a:latin typeface="Consolas" panose="020B0609020204030204" pitchFamily="49" charset="0"/>
+              </a:rPr>
+              <a:t>(fun = </a:t>
+            </a:r>
+            <a:r>
+              <a:rPr lang="en-US" sz="1200" dirty="0" err="1">
+                <a:latin typeface="Consolas" panose="020B0609020204030204" pitchFamily="49" charset="0"/>
+              </a:rPr>
+              <a:t>dlnorm</a:t>
+            </a:r>
+            <a:r>
+              <a:rPr lang="en-US" sz="1200" dirty="0">
+                <a:latin typeface="Consolas" panose="020B0609020204030204" pitchFamily="49" charset="0"/>
+              </a:rPr>
+              <a:t>,</a:t>
+            </a:r>
+          </a:p>
+          <a:p>
+            <a:r>
+              <a:rPr lang="en-US" sz="1200" dirty="0">
+                <a:latin typeface="Consolas" panose="020B0609020204030204" pitchFamily="49" charset="0"/>
+              </a:rPr>
+              <a:t>                </a:t>
+            </a:r>
+            <a:r>
+              <a:rPr lang="en-US" sz="1200" dirty="0" err="1">
+                <a:latin typeface="Consolas" panose="020B0609020204030204" pitchFamily="49" charset="0"/>
+              </a:rPr>
+              <a:t>args</a:t>
+            </a:r>
+            <a:r>
+              <a:rPr lang="en-US" sz="1200" dirty="0">
+                <a:latin typeface="Consolas" panose="020B0609020204030204" pitchFamily="49" charset="0"/>
+              </a:rPr>
+              <a:t> = list(</a:t>
+            </a:r>
+            <a:r>
+              <a:rPr lang="en-US" sz="1200" dirty="0" err="1">
+                <a:latin typeface="Consolas" panose="020B0609020204030204" pitchFamily="49" charset="0"/>
+              </a:rPr>
+              <a:t>meanlog</a:t>
+            </a:r>
+            <a:r>
+              <a:rPr lang="en-US" sz="1200" dirty="0">
+                <a:latin typeface="Consolas" panose="020B0609020204030204" pitchFamily="49" charset="0"/>
+              </a:rPr>
+              <a:t> = 10, </a:t>
+            </a:r>
+            <a:r>
+              <a:rPr lang="en-US" sz="1200" dirty="0" err="1">
+                <a:latin typeface="Consolas" panose="020B0609020204030204" pitchFamily="49" charset="0"/>
+              </a:rPr>
+              <a:t>sdlog</a:t>
+            </a:r>
+            <a:r>
+              <a:rPr lang="en-US" sz="1200" dirty="0">
+                <a:latin typeface="Consolas" panose="020B0609020204030204" pitchFamily="49" charset="0"/>
+              </a:rPr>
+              <a:t> = 1.0))</a:t>
+            </a:r>
+          </a:p>
+        </p:txBody>
+      </p:sp>
+    </p:spTree>
+    <p:extLst>
+      <p:ext uri="{BB962C8B-B14F-4D97-AF65-F5344CB8AC3E}">
+        <p14:creationId xmlns:p14="http://schemas.microsoft.com/office/powerpoint/2010/main" val="1608165928"/>
+      </p:ext>
+    </p:extLst>
+  </p:cSld>
+  <p:clrMapOvr>
+    <a:masterClrMapping/>
+  </p:clrMapOvr>
+</p:sld>
+</file>
+
+<file path=ppt/slides/slide31.xml><?xml version="1.0" encoding="utf-8"?>
+<p:sld xmlns:a="http://schemas.openxmlformats.org/drawingml/2006/main" xmlns:r="http://schemas.openxmlformats.org/officeDocument/2006/relationships" xmlns:p="http://schemas.openxmlformats.org/presentationml/2006/main">
+  <p:cSld>
+    <p:spTree>
+      <p:nvGrpSpPr>
+        <p:cNvPr id="1" name=""/>
+        <p:cNvGrpSpPr/>
+        <p:nvPr/>
+      </p:nvGrpSpPr>
+      <p:grpSpPr>
+        <a:xfrm>
+          <a:off x="0" y="0"/>
+          <a:ext cx="0" cy="0"/>
+          <a:chOff x="0" y="0"/>
+          <a:chExt cx="0" cy="0"/>
+        </a:xfrm>
+      </p:grpSpPr>
+      <p:sp>
+        <p:nvSpPr>
+          <p:cNvPr id="2" name="Title 1">
+            <a:extLst>
+              <a:ext uri="{FF2B5EF4-FFF2-40B4-BE49-F238E27FC236}">
+                <a16:creationId xmlns:a16="http://schemas.microsoft.com/office/drawing/2014/main" id="{18969BF5-0288-FD7C-1739-0C8672F3D7F8}"/>
+              </a:ext>
+            </a:extLst>
+          </p:cNvPr>
+          <p:cNvSpPr>
+            <a:spLocks noGrp="1"/>
+          </p:cNvSpPr>
+          <p:nvPr>
+            <p:ph type="title"/>
+          </p:nvPr>
+        </p:nvSpPr>
+        <p:spPr/>
+        <p:txBody>
+          <a:bodyPr/>
+          <a:lstStyle/>
+          <a:p>
+            <a:r>
+              <a:rPr lang="en-US" dirty="0"/>
+              <a:t>Titles &amp; Renaming Variables</a:t>
+            </a:r>
+          </a:p>
+        </p:txBody>
+      </p:sp>
+      <p:pic>
+        <p:nvPicPr>
+          <p:cNvPr id="4" name="Picture 3">
+            <a:extLst>
+              <a:ext uri="{FF2B5EF4-FFF2-40B4-BE49-F238E27FC236}">
+                <a16:creationId xmlns:a16="http://schemas.microsoft.com/office/drawing/2014/main" id="{4A0037C9-EB90-2900-D4EC-DF813BC908A7}"/>
+              </a:ext>
+            </a:extLst>
+          </p:cNvPr>
+          <p:cNvPicPr>
+            <a:picLocks noChangeAspect="1"/>
+          </p:cNvPicPr>
+          <p:nvPr/>
+        </p:nvPicPr>
+        <p:blipFill>
+          <a:blip r:embed="rId2" r:link="rId3">
+            <a:extLst>
+              <a:ext uri="{28A0092B-C50C-407E-A947-70E740481C1C}">
+                <a14:useLocalDpi xmlns:a14="http://schemas.microsoft.com/office/drawing/2010/main" val="0"/>
+              </a:ext>
+            </a:extLst>
+          </a:blip>
+          <a:srcRect/>
+          <a:stretch>
+            <a:fillRect/>
+          </a:stretch>
+        </p:blipFill>
+        <p:spPr>
+          <a:xfrm>
+            <a:off x="2971801" y="1447801"/>
+            <a:ext cx="5943597" cy="3962397"/>
+          </a:xfrm>
+          <a:prstGeom prst="rect">
+            <a:avLst/>
+          </a:prstGeom>
+        </p:spPr>
+      </p:pic>
+      <p:sp>
+        <p:nvSpPr>
+          <p:cNvPr id="5" name="TextBox 4">
+            <a:extLst>
+              <a:ext uri="{FF2B5EF4-FFF2-40B4-BE49-F238E27FC236}">
+                <a16:creationId xmlns:a16="http://schemas.microsoft.com/office/drawing/2014/main" id="{04AF6261-B4B1-D761-810B-AACA39E89170}"/>
+              </a:ext>
+            </a:extLst>
+          </p:cNvPr>
+          <p:cNvSpPr txBox="1"/>
+          <p:nvPr/>
+        </p:nvSpPr>
+        <p:spPr>
+          <a:xfrm>
+            <a:off x="228601" y="2514600"/>
+            <a:ext cx="2431673" cy="1815882"/>
+          </a:xfrm>
+          <a:prstGeom prst="rect">
+            <a:avLst/>
+          </a:prstGeom>
+          <a:noFill/>
+        </p:spPr>
+        <p:txBody>
+          <a:bodyPr wrap="square" rtlCol="0">
+            <a:spAutoFit/>
+          </a:bodyPr>
+          <a:lstStyle/>
+          <a:p>
+            <a:pPr algn="ctr"/>
+            <a:r>
+              <a:rPr lang="en-US" sz="2800" dirty="0">
+                <a:latin typeface="Arial" panose="020B0604020202020204" pitchFamily="34" charset="0"/>
+                <a:cs typeface="Arial" panose="020B0604020202020204" pitchFamily="34" charset="0"/>
+              </a:rPr>
+              <a:t>Adding a title and variable names goes a long way.</a:t>
+            </a:r>
+          </a:p>
+        </p:txBody>
+      </p:sp>
+      <p:sp>
+        <p:nvSpPr>
+          <p:cNvPr id="3" name="TextBox 2">
+            <a:extLst>
+              <a:ext uri="{FF2B5EF4-FFF2-40B4-BE49-F238E27FC236}">
+                <a16:creationId xmlns:a16="http://schemas.microsoft.com/office/drawing/2014/main" id="{5CA26C35-36C9-ADDC-3107-CF1F9C4ABAD9}"/>
+              </a:ext>
+            </a:extLst>
+          </p:cNvPr>
+          <p:cNvSpPr txBox="1"/>
+          <p:nvPr/>
+        </p:nvSpPr>
+        <p:spPr>
+          <a:xfrm>
+            <a:off x="260498" y="5181600"/>
+            <a:ext cx="7588101" cy="1200329"/>
+          </a:xfrm>
+          <a:prstGeom prst="rect">
+            <a:avLst/>
+          </a:prstGeom>
+          <a:noFill/>
+        </p:spPr>
+        <p:txBody>
+          <a:bodyPr wrap="square" rtlCol="0">
+            <a:spAutoFit/>
+          </a:bodyPr>
+          <a:lstStyle/>
+          <a:p>
+            <a:r>
+              <a:rPr lang="en-US" sz="1200" dirty="0">
+                <a:latin typeface="Consolas" panose="020B0609020204030204" pitchFamily="49" charset="0"/>
+              </a:rPr>
+              <a:t>P &lt;- p +</a:t>
+            </a:r>
+          </a:p>
+          <a:p>
+            <a:r>
+              <a:rPr lang="en-US" sz="1200" dirty="0">
+                <a:latin typeface="Consolas" panose="020B0609020204030204" pitchFamily="49" charset="0"/>
+              </a:rPr>
+              <a:t> labs(</a:t>
+            </a:r>
+          </a:p>
+          <a:p>
+            <a:r>
+              <a:rPr lang="en-US" sz="1200" dirty="0">
+                <a:latin typeface="Consolas" panose="020B0609020204030204" pitchFamily="49" charset="0"/>
+              </a:rPr>
+              <a:t>    x = "Severity",</a:t>
+            </a:r>
+          </a:p>
+          <a:p>
+            <a:r>
+              <a:rPr lang="en-US" sz="1200" dirty="0">
+                <a:latin typeface="Consolas" panose="020B0609020204030204" pitchFamily="49" charset="0"/>
+              </a:rPr>
+              <a:t>    y = "Density",</a:t>
+            </a:r>
+          </a:p>
+          <a:p>
+            <a:r>
+              <a:rPr lang="en-US" sz="1200" dirty="0">
+                <a:latin typeface="Consolas" panose="020B0609020204030204" pitchFamily="49" charset="0"/>
+              </a:rPr>
+              <a:t>    title = "Fitted Severity Curve"</a:t>
+            </a:r>
+          </a:p>
+          <a:p>
+            <a:r>
+              <a:rPr lang="en-US" sz="1200" dirty="0">
+                <a:latin typeface="Consolas" panose="020B0609020204030204" pitchFamily="49" charset="0"/>
+              </a:rPr>
+              <a:t>  )</a:t>
+            </a:r>
+          </a:p>
+        </p:txBody>
+      </p:sp>
+    </p:spTree>
+    <p:extLst>
+      <p:ext uri="{BB962C8B-B14F-4D97-AF65-F5344CB8AC3E}">
+        <p14:creationId xmlns:p14="http://schemas.microsoft.com/office/powerpoint/2010/main" val="1443684485"/>
+      </p:ext>
+    </p:extLst>
+  </p:cSld>
+  <p:clrMapOvr>
+    <a:masterClrMapping/>
+  </p:clrMapOvr>
+</p:sld>
+</file>
+
+<file path=ppt/slides/slide32.xml><?xml version="1.0" encoding="utf-8"?>
+<p:sld xmlns:a="http://schemas.openxmlformats.org/drawingml/2006/main" xmlns:r="http://schemas.openxmlformats.org/officeDocument/2006/relationships" xmlns:p="http://schemas.openxmlformats.org/presentationml/2006/main">
+  <p:cSld>
+    <p:spTree>
+      <p:nvGrpSpPr>
+        <p:cNvPr id="1" name=""/>
+        <p:cNvGrpSpPr/>
+        <p:nvPr/>
+      </p:nvGrpSpPr>
+      <p:grpSpPr>
+        <a:xfrm>
+          <a:off x="0" y="0"/>
+          <a:ext cx="0" cy="0"/>
+          <a:chOff x="0" y="0"/>
+          <a:chExt cx="0" cy="0"/>
+        </a:xfrm>
+      </p:grpSpPr>
+      <p:sp>
+        <p:nvSpPr>
+          <p:cNvPr id="2" name="Title 1">
+            <a:extLst>
+              <a:ext uri="{FF2B5EF4-FFF2-40B4-BE49-F238E27FC236}">
                 <a16:creationId xmlns:a16="http://schemas.microsoft.com/office/drawing/2014/main" id="{6AA0D46C-160A-13B4-DED2-2C2A2470264C}"/>
               </a:ext>
             </a:extLst>
@@ -16204,7 +19140,7 @@
 </p:sld>
 </file>
 
-<file path=ppt/slides/slide24.xml><?xml version="1.0" encoding="utf-8"?>
+<file path=ppt/slides/slide33.xml><?xml version="1.0" encoding="utf-8"?>
 <p:sld xmlns:a="http://schemas.openxmlformats.org/drawingml/2006/main" xmlns:r="http://schemas.openxmlformats.org/officeDocument/2006/relationships" xmlns:p="http://schemas.openxmlformats.org/presentationml/2006/main">
   <p:cSld>
     <p:spTree>
@@ -16299,7 +19235,7 @@
 </p:sld>
 </file>
 
-<file path=ppt/slides/slide25.xml><?xml version="1.0" encoding="utf-8"?>
+<file path=ppt/slides/slide34.xml><?xml version="1.0" encoding="utf-8"?>
 <p:sld xmlns:a="http://schemas.openxmlformats.org/drawingml/2006/main" xmlns:r="http://schemas.openxmlformats.org/officeDocument/2006/relationships" xmlns:p="http://schemas.openxmlformats.org/presentationml/2006/main">
   <p:cSld>
     <p:spTree>
@@ -16394,7 +19330,7 @@
 </p:sld>
 </file>
 
-<file path=ppt/slides/slide26.xml><?xml version="1.0" encoding="utf-8"?>
+<file path=ppt/slides/slide35.xml><?xml version="1.0" encoding="utf-8"?>
 <p:sld xmlns:a="http://schemas.openxmlformats.org/drawingml/2006/main" xmlns:r="http://schemas.openxmlformats.org/officeDocument/2006/relationships" xmlns:p="http://schemas.openxmlformats.org/presentationml/2006/main">
   <p:cSld>
     <p:spTree>
@@ -16489,112 +19425,6 @@
 </p:sld>
 </file>
 
-<file path=ppt/slides/slide3.xml><?xml version="1.0" encoding="utf-8"?>
-<p:sld xmlns:a="http://schemas.openxmlformats.org/drawingml/2006/main" xmlns:r="http://schemas.openxmlformats.org/officeDocument/2006/relationships" xmlns:p="http://schemas.openxmlformats.org/presentationml/2006/main">
-  <p:cSld>
-    <p:spTree>
-      <p:nvGrpSpPr>
-        <p:cNvPr id="1" name=""/>
-        <p:cNvGrpSpPr/>
-        <p:nvPr/>
-      </p:nvGrpSpPr>
-      <p:grpSpPr>
-        <a:xfrm>
-          <a:off x="0" y="0"/>
-          <a:ext cx="0" cy="0"/>
-          <a:chOff x="0" y="0"/>
-          <a:chExt cx="0" cy="0"/>
-        </a:xfrm>
-      </p:grpSpPr>
-      <p:sp>
-        <p:nvSpPr>
-          <p:cNvPr id="2" name="Title 1">
-            <a:extLst>
-              <a:ext uri="{FF2B5EF4-FFF2-40B4-BE49-F238E27FC236}">
-                <a16:creationId xmlns:a16="http://schemas.microsoft.com/office/drawing/2014/main" id="{74710D85-8C9D-388F-E1FC-561F624F73D8}"/>
-              </a:ext>
-            </a:extLst>
-          </p:cNvPr>
-          <p:cNvSpPr>
-            <a:spLocks noGrp="1"/>
-          </p:cNvSpPr>
-          <p:nvPr>
-            <p:ph type="ctrTitle"/>
-          </p:nvPr>
-        </p:nvSpPr>
-        <p:spPr/>
-        <p:txBody>
-          <a:bodyPr/>
-          <a:lstStyle/>
-          <a:p>
-            <a:r>
-              <a:rPr lang="en-US" dirty="0"/>
-              <a:t>Effective</a:t>
-            </a:r>
-            <a:br>
-              <a:rPr lang="en-US" dirty="0"/>
-            </a:br>
-            <a:r>
-              <a:rPr lang="en-US" dirty="0"/>
-              <a:t>Data Visualization</a:t>
-            </a:r>
-            <a:br>
-              <a:rPr lang="en-US" dirty="0"/>
-            </a:br>
-            <a:r>
-              <a:rPr lang="en-US" dirty="0"/>
-              <a:t>for Actuaries</a:t>
-            </a:r>
-          </a:p>
-        </p:txBody>
-      </p:sp>
-      <p:sp>
-        <p:nvSpPr>
-          <p:cNvPr id="3" name="Subtitle 2">
-            <a:extLst>
-              <a:ext uri="{FF2B5EF4-FFF2-40B4-BE49-F238E27FC236}">
-                <a16:creationId xmlns:a16="http://schemas.microsoft.com/office/drawing/2014/main" id="{4053B939-82C6-7883-3378-EEEF2C23A74B}"/>
-              </a:ext>
-            </a:extLst>
-          </p:cNvPr>
-          <p:cNvSpPr>
-            <a:spLocks noGrp="1"/>
-          </p:cNvSpPr>
-          <p:nvPr>
-            <p:ph type="subTitle" idx="1"/>
-          </p:nvPr>
-        </p:nvSpPr>
-        <p:spPr/>
-        <p:txBody>
-          <a:bodyPr/>
-          <a:lstStyle/>
-          <a:p>
-            <a:r>
-              <a:rPr lang="en-US" dirty="0"/>
-              <a:t>Brian Fannin</a:t>
-            </a:r>
-          </a:p>
-          <a:p>
-            <a:r>
-              <a:rPr lang="en-US" dirty="0"/>
-              <a:t>Jordan Bonner</a:t>
-            </a:r>
-          </a:p>
-        </p:txBody>
-      </p:sp>
-    </p:spTree>
-    <p:extLst>
-      <p:ext uri="{BB962C8B-B14F-4D97-AF65-F5344CB8AC3E}">
-        <p14:creationId xmlns:p14="http://schemas.microsoft.com/office/powerpoint/2010/main" val="3925388622"/>
-      </p:ext>
-    </p:extLst>
-  </p:cSld>
-  <p:clrMapOvr>
-    <a:masterClrMapping/>
-  </p:clrMapOvr>
-</p:sld>
-</file>
-
 <file path=ppt/slides/slide4.xml><?xml version="1.0" encoding="utf-8"?>
 <p:sld xmlns:a="http://schemas.openxmlformats.org/drawingml/2006/main" xmlns:r="http://schemas.openxmlformats.org/officeDocument/2006/relationships" xmlns:p="http://schemas.openxmlformats.org/presentationml/2006/main">
   <p:cSld>
@@ -16866,7 +19696,7 @@
           <a:p>
             <a:r>
               <a:rPr lang="en-US" dirty="0"/>
-              <a:t>Icebreaker Examples</a:t>
+              <a:t>Agenda</a:t>
             </a:r>
           </a:p>
         </p:txBody>
@@ -16892,20 +19722,41 @@
           <a:bodyPr/>
           <a:lstStyle/>
           <a:p>
-            <a:pPr marL="0" indent="0">
-              <a:buNone/>
-            </a:pPr>
-            <a:r>
-              <a:rPr lang="en-US" dirty="0"/>
-              <a:t>A slide or two that are difficult to interpret, then a slide or two that are easy to interpret?</a:t>
-            </a:r>
+            <a:endParaRPr lang="en-US" sz="1600" b="1" dirty="0"/>
+          </a:p>
+          <a:p>
+            <a:r>
+              <a:rPr lang="en-US" sz="3600" b="1" dirty="0"/>
+              <a:t>Data Storytelling</a:t>
+            </a:r>
+          </a:p>
+          <a:p>
+            <a:endParaRPr lang="en-US" sz="2800" b="1" dirty="0"/>
+          </a:p>
+          <a:p>
+            <a:r>
+              <a:rPr lang="en-US" sz="3600" b="1" dirty="0"/>
+              <a:t>Actuarial Visualization</a:t>
+            </a:r>
+          </a:p>
+          <a:p>
+            <a:endParaRPr lang="en-US" sz="2800" b="1" dirty="0"/>
+          </a:p>
+          <a:p>
+            <a:r>
+              <a:rPr lang="en-US" sz="3600" b="1" dirty="0"/>
+              <a:t>Automating Actuarial Exhibits</a:t>
+            </a:r>
+          </a:p>
+          <a:p>
+            <a:endParaRPr lang="en-US" sz="3600" b="1" dirty="0"/>
           </a:p>
         </p:txBody>
       </p:sp>
     </p:spTree>
     <p:extLst>
       <p:ext uri="{BB962C8B-B14F-4D97-AF65-F5344CB8AC3E}">
-        <p14:creationId xmlns:p14="http://schemas.microsoft.com/office/powerpoint/2010/main" val="330312104"/>
+        <p14:creationId xmlns:p14="http://schemas.microsoft.com/office/powerpoint/2010/main" val="1338125014"/>
       </p:ext>
     </p:extLst>
   </p:cSld>
@@ -16937,7 +19788,7 @@
           <p:cNvPr id="2" name="Title 1">
             <a:extLst>
               <a:ext uri="{FF2B5EF4-FFF2-40B4-BE49-F238E27FC236}">
-                <a16:creationId xmlns:a16="http://schemas.microsoft.com/office/drawing/2014/main" id="{FB164A08-7CBF-A761-E02D-33DAFF697330}"/>
+                <a16:creationId xmlns:a16="http://schemas.microsoft.com/office/drawing/2014/main" id="{10B17ABD-BE88-D042-5997-22F660D5947A}"/>
               </a:ext>
             </a:extLst>
           </p:cNvPr>
@@ -16955,17 +19806,17 @@
           <a:p>
             <a:r>
               <a:rPr lang="en-US" dirty="0"/>
-              <a:t>Revisiting common Actuarial Exhibits</a:t>
-            </a:r>
-          </a:p>
-        </p:txBody>
-      </p:sp>
-      <p:sp>
-        <p:nvSpPr>
-          <p:cNvPr id="3" name="Text Placeholder 2">
+              <a:t>Icebreaker Examples</a:t>
+            </a:r>
+          </a:p>
+        </p:txBody>
+      </p:sp>
+      <p:sp>
+        <p:nvSpPr>
+          <p:cNvPr id="3" name="Content Placeholder 2">
             <a:extLst>
               <a:ext uri="{FF2B5EF4-FFF2-40B4-BE49-F238E27FC236}">
-                <a16:creationId xmlns:a16="http://schemas.microsoft.com/office/drawing/2014/main" id="{4B1F8AE9-444E-BC75-AA22-A6E4BADDFFA8}"/>
+                <a16:creationId xmlns:a16="http://schemas.microsoft.com/office/drawing/2014/main" id="{F33662A3-4DD5-0500-C0E1-EA5CF57A5ABC}"/>
               </a:ext>
             </a:extLst>
           </p:cNvPr>
@@ -16973,7 +19824,7 @@
             <a:spLocks noGrp="1"/>
           </p:cNvSpPr>
           <p:nvPr>
-            <p:ph type="body" idx="1"/>
+            <p:ph idx="1"/>
           </p:nvPr>
         </p:nvSpPr>
         <p:spPr/>
@@ -16981,14 +19832,20 @@
           <a:bodyPr/>
           <a:lstStyle/>
           <a:p>
-            <a:endParaRPr lang="en-US"/>
+            <a:pPr marL="0" indent="0">
+              <a:buNone/>
+            </a:pPr>
+            <a:r>
+              <a:rPr lang="en-US" dirty="0"/>
+              <a:t>A slide or two that are difficult to interpret, then a slide or two that are easy to interpret?</a:t>
+            </a:r>
           </a:p>
         </p:txBody>
       </p:sp>
     </p:spTree>
     <p:extLst>
       <p:ext uri="{BB962C8B-B14F-4D97-AF65-F5344CB8AC3E}">
-        <p14:creationId xmlns:p14="http://schemas.microsoft.com/office/powerpoint/2010/main" val="755335451"/>
+        <p14:creationId xmlns:p14="http://schemas.microsoft.com/office/powerpoint/2010/main" val="330312104"/>
       </p:ext>
     </p:extLst>
   </p:cSld>
@@ -17020,7 +19877,7 @@
           <p:cNvPr id="2" name="Title 1">
             <a:extLst>
               <a:ext uri="{FF2B5EF4-FFF2-40B4-BE49-F238E27FC236}">
-                <a16:creationId xmlns:a16="http://schemas.microsoft.com/office/drawing/2014/main" id="{18969BF5-0288-FD7C-1739-0C8672F3D7F8}"/>
+                <a16:creationId xmlns:a16="http://schemas.microsoft.com/office/drawing/2014/main" id="{FB164A08-7CBF-A761-E02D-33DAFF697330}"/>
               </a:ext>
             </a:extLst>
           </p:cNvPr>
@@ -17038,17 +19895,17 @@
           <a:p>
             <a:r>
               <a:rPr lang="en-US" dirty="0"/>
-              <a:t>Common Actuarial Exhibits</a:t>
-            </a:r>
-          </a:p>
-        </p:txBody>
-      </p:sp>
-      <p:sp>
-        <p:nvSpPr>
-          <p:cNvPr id="3" name="Content Placeholder 2">
+              <a:t>Revisiting common Actuarial Exhibits</a:t>
+            </a:r>
+          </a:p>
+        </p:txBody>
+      </p:sp>
+      <p:sp>
+        <p:nvSpPr>
+          <p:cNvPr id="3" name="Text Placeholder 2">
             <a:extLst>
               <a:ext uri="{FF2B5EF4-FFF2-40B4-BE49-F238E27FC236}">
-                <a16:creationId xmlns:a16="http://schemas.microsoft.com/office/drawing/2014/main" id="{39176E43-0115-E50B-D268-5E00760022A7}"/>
+                <a16:creationId xmlns:a16="http://schemas.microsoft.com/office/drawing/2014/main" id="{4B1F8AE9-444E-BC75-AA22-A6E4BADDFFA8}"/>
               </a:ext>
             </a:extLst>
           </p:cNvPr>
@@ -17056,7 +19913,7 @@
             <a:spLocks noGrp="1"/>
           </p:cNvSpPr>
           <p:nvPr>
-            <p:ph idx="1"/>
+            <p:ph type="body" idx="1"/>
           </p:nvPr>
         </p:nvSpPr>
         <p:spPr/>
@@ -17064,41 +19921,14 @@
           <a:bodyPr/>
           <a:lstStyle/>
           <a:p>
-            <a:r>
-              <a:rPr lang="en-US" dirty="0"/>
-              <a:t>Loss Development Triangles</a:t>
-            </a:r>
-          </a:p>
-          <a:p>
-            <a:r>
-              <a:rPr lang="en-US" dirty="0"/>
-              <a:t>Trend Selection</a:t>
-            </a:r>
-          </a:p>
-          <a:p>
-            <a:r>
-              <a:rPr lang="en-US" dirty="0"/>
-              <a:t>Rate Indications</a:t>
-            </a:r>
-          </a:p>
-          <a:p>
-            <a:r>
-              <a:rPr lang="en-US" dirty="0"/>
-              <a:t>Mix Shift Exhibits</a:t>
-            </a:r>
-          </a:p>
-          <a:p>
-            <a:r>
-              <a:rPr lang="en-US" dirty="0"/>
-              <a:t>Model Diagnostics</a:t>
-            </a:r>
+            <a:endParaRPr lang="en-US"/>
           </a:p>
         </p:txBody>
       </p:sp>
     </p:spTree>
     <p:extLst>
       <p:ext uri="{BB962C8B-B14F-4D97-AF65-F5344CB8AC3E}">
-        <p14:creationId xmlns:p14="http://schemas.microsoft.com/office/powerpoint/2010/main" val="1365436568"/>
+        <p14:creationId xmlns:p14="http://schemas.microsoft.com/office/powerpoint/2010/main" val="755335451"/>
       </p:ext>
     </p:extLst>
   </p:cSld>
@@ -17148,7 +19978,7 @@
           <a:p>
             <a:r>
               <a:rPr lang="en-US" dirty="0"/>
-              <a:t>Loss Development Triangles</a:t>
+              <a:t>Common Actuarial Exhibits</a:t>
             </a:r>
           </a:p>
         </p:txBody>
@@ -17174,14 +20004,41 @@
           <a:bodyPr/>
           <a:lstStyle/>
           <a:p>
-            <a:endParaRPr lang="en-US" dirty="0"/>
+            <a:r>
+              <a:rPr lang="en-US" dirty="0"/>
+              <a:t>Loss Development Triangles</a:t>
+            </a:r>
+          </a:p>
+          <a:p>
+            <a:r>
+              <a:rPr lang="en-US" dirty="0"/>
+              <a:t>Trend Selection</a:t>
+            </a:r>
+          </a:p>
+          <a:p>
+            <a:r>
+              <a:rPr lang="en-US" dirty="0"/>
+              <a:t>Rate Indications</a:t>
+            </a:r>
+          </a:p>
+          <a:p>
+            <a:r>
+              <a:rPr lang="en-US" dirty="0"/>
+              <a:t>Mix Shift Exhibits</a:t>
+            </a:r>
+          </a:p>
+          <a:p>
+            <a:r>
+              <a:rPr lang="en-US" dirty="0"/>
+              <a:t>Model Diagnostics</a:t>
+            </a:r>
           </a:p>
         </p:txBody>
       </p:sp>
     </p:spTree>
     <p:extLst>
       <p:ext uri="{BB962C8B-B14F-4D97-AF65-F5344CB8AC3E}">
-        <p14:creationId xmlns:p14="http://schemas.microsoft.com/office/powerpoint/2010/main" val="48610386"/>
+        <p14:creationId xmlns:p14="http://schemas.microsoft.com/office/powerpoint/2010/main" val="1365436568"/>
       </p:ext>
     </p:extLst>
   </p:cSld>

--- a/Presentation Slides/Effective Data Visualization for Actuaries.pptx
+++ b/Presentation Slides/Effective Data Visualization for Actuaries.pptx
@@ -8,44 +8,43 @@
     <p:sldMasterId id="2147483701" r:id="rId4"/>
   </p:sldMasterIdLst>
   <p:notesMasterIdLst>
-    <p:notesMasterId r:id="rId40"/>
+    <p:notesMasterId r:id="rId39"/>
   </p:notesMasterIdLst>
   <p:sldIdLst>
     <p:sldId id="262" r:id="rId5"/>
-    <p:sldId id="257" r:id="rId6"/>
+    <p:sldId id="302" r:id="rId6"/>
     <p:sldId id="268" r:id="rId7"/>
     <p:sldId id="256" r:id="rId8"/>
-    <p:sldId id="265" r:id="rId9"/>
-    <p:sldId id="294" r:id="rId10"/>
-    <p:sldId id="264" r:id="rId11"/>
-    <p:sldId id="281" r:id="rId12"/>
-    <p:sldId id="270" r:id="rId13"/>
-    <p:sldId id="271" r:id="rId14"/>
-    <p:sldId id="272" r:id="rId15"/>
-    <p:sldId id="273" r:id="rId16"/>
-    <p:sldId id="274" r:id="rId17"/>
-    <p:sldId id="275" r:id="rId18"/>
-    <p:sldId id="276" r:id="rId19"/>
-    <p:sldId id="277" r:id="rId20"/>
-    <p:sldId id="278" r:id="rId21"/>
-    <p:sldId id="279" r:id="rId22"/>
-    <p:sldId id="280" r:id="rId23"/>
-    <p:sldId id="287" r:id="rId24"/>
-    <p:sldId id="288" r:id="rId25"/>
-    <p:sldId id="283" r:id="rId26"/>
-    <p:sldId id="285" r:id="rId27"/>
-    <p:sldId id="289" r:id="rId28"/>
-    <p:sldId id="291" r:id="rId29"/>
-    <p:sldId id="292" r:id="rId30"/>
-    <p:sldId id="293" r:id="rId31"/>
-    <p:sldId id="298" r:id="rId32"/>
-    <p:sldId id="295" r:id="rId33"/>
-    <p:sldId id="296" r:id="rId34"/>
-    <p:sldId id="297" r:id="rId35"/>
-    <p:sldId id="267" r:id="rId36"/>
-    <p:sldId id="259" r:id="rId37"/>
-    <p:sldId id="260" r:id="rId38"/>
-    <p:sldId id="261" r:id="rId39"/>
+    <p:sldId id="294" r:id="rId9"/>
+    <p:sldId id="305" r:id="rId10"/>
+    <p:sldId id="265" r:id="rId11"/>
+    <p:sldId id="285" r:id="rId12"/>
+    <p:sldId id="289" r:id="rId13"/>
+    <p:sldId id="291" r:id="rId14"/>
+    <p:sldId id="292" r:id="rId15"/>
+    <p:sldId id="293" r:id="rId16"/>
+    <p:sldId id="298" r:id="rId17"/>
+    <p:sldId id="287" r:id="rId18"/>
+    <p:sldId id="288" r:id="rId19"/>
+    <p:sldId id="306" r:id="rId20"/>
+    <p:sldId id="270" r:id="rId21"/>
+    <p:sldId id="271" r:id="rId22"/>
+    <p:sldId id="272" r:id="rId23"/>
+    <p:sldId id="273" r:id="rId24"/>
+    <p:sldId id="274" r:id="rId25"/>
+    <p:sldId id="275" r:id="rId26"/>
+    <p:sldId id="276" r:id="rId27"/>
+    <p:sldId id="277" r:id="rId28"/>
+    <p:sldId id="278" r:id="rId29"/>
+    <p:sldId id="279" r:id="rId30"/>
+    <p:sldId id="280" r:id="rId31"/>
+    <p:sldId id="307" r:id="rId32"/>
+    <p:sldId id="308" r:id="rId33"/>
+    <p:sldId id="309" r:id="rId34"/>
+    <p:sldId id="267" r:id="rId35"/>
+    <p:sldId id="259" r:id="rId36"/>
+    <p:sldId id="260" r:id="rId37"/>
+    <p:sldId id="261" r:id="rId38"/>
   </p:sldIdLst>
   <p:sldSz cx="9144000" cy="6858000" type="screen4x3"/>
   <p:notesSz cx="6858000" cy="9144000"/>
@@ -175,6 +174,64 @@
     </a:lvl9pPr>
   </p:defaultTextStyle>
   <p:extLst>
+    <p:ext uri="{521415D9-36F7-43E2-AB2F-B90AF26B5E84}">
+      <p14:sectionLst xmlns:p14="http://schemas.microsoft.com/office/powerpoint/2010/main">
+        <p14:section name="Introduction" id="{62ED0C24-58BD-4028-AB31-8589526AB16A}">
+          <p14:sldIdLst>
+            <p14:sldId id="262"/>
+            <p14:sldId id="302"/>
+            <p14:sldId id="268"/>
+            <p14:sldId id="256"/>
+            <p14:sldId id="294"/>
+          </p14:sldIdLst>
+        </p14:section>
+        <p14:section name="Data Storytelling" id="{9E53BF7F-F3E0-472D-848E-A2A63FC39D8E}">
+          <p14:sldIdLst>
+            <p14:sldId id="305"/>
+            <p14:sldId id="265"/>
+            <p14:sldId id="285"/>
+            <p14:sldId id="289"/>
+            <p14:sldId id="291"/>
+            <p14:sldId id="292"/>
+            <p14:sldId id="293"/>
+            <p14:sldId id="298"/>
+            <p14:sldId id="287"/>
+            <p14:sldId id="288"/>
+          </p14:sldIdLst>
+        </p14:section>
+        <p14:section name="Actuarial Visualization" id="{1D1F7FD0-8F51-4D65-9C43-759341125BBE}">
+          <p14:sldIdLst>
+            <p14:sldId id="306"/>
+            <p14:sldId id="270"/>
+            <p14:sldId id="271"/>
+            <p14:sldId id="272"/>
+            <p14:sldId id="273"/>
+            <p14:sldId id="274"/>
+            <p14:sldId id="275"/>
+            <p14:sldId id="276"/>
+            <p14:sldId id="277"/>
+            <p14:sldId id="278"/>
+            <p14:sldId id="279"/>
+            <p14:sldId id="280"/>
+          </p14:sldIdLst>
+        </p14:section>
+        <p14:section name="Automating Actuarial Exhibits" id="{A6484AB9-E4A8-43FF-974E-1A637A486DBD}">
+          <p14:sldIdLst>
+            <p14:sldId id="307"/>
+            <p14:sldId id="308"/>
+            <p14:sldId id="309"/>
+          </p14:sldIdLst>
+        </p14:section>
+        <p14:section name="Appendix / Holding Area" id="{45D031BD-B1A8-440B-8629-295B7060D2C6}">
+          <p14:sldIdLst>
+            <p14:sldId id="267"/>
+            <p14:sldId id="259"/>
+            <p14:sldId id="260"/>
+            <p14:sldId id="261"/>
+          </p14:sldIdLst>
+        </p14:section>
+      </p14:sectionLst>
+    </p:ext>
     <p:ext uri="{EFAFB233-063F-42B5-8137-9DF3F51BA10A}">
       <p15:sldGuideLst xmlns:p15="http://schemas.microsoft.com/office/powerpoint/2012/main">
         <p15:guide id="1" orient="horz" pos="2160">
@@ -205,497 +262,6 @@
     </p:ext>
   </p:extLst>
 </p:presentation>
-</file>
-
-<file path=ppt/changesInfos/changesInfo1.xml><?xml version="1.0" encoding="utf-8"?>
-<pc:chgInfo xmlns:a="http://schemas.openxmlformats.org/drawingml/2006/main" xmlns:r="http://schemas.openxmlformats.org/officeDocument/2006/relationships" xmlns:ac="http://schemas.microsoft.com/office/drawing/2013/main/command" xmlns:pc="http://schemas.microsoft.com/office/powerpoint/2013/main/command">
-  <pc:docChgLst>
-    <pc:chgData name="Bonner Jordan - Hartford-Remote-HSB" userId="e82d229e-6edb-4e20-9ecc-a487e5c63362" providerId="ADAL" clId="{28A72D4B-4855-4526-8442-D42DD59588DA}"/>
-    <pc:docChg chg="undo custSel addSld delSld modSld sldOrd">
-      <pc:chgData name="Bonner Jordan - Hartford-Remote-HSB" userId="e82d229e-6edb-4e20-9ecc-a487e5c63362" providerId="ADAL" clId="{28A72D4B-4855-4526-8442-D42DD59588DA}" dt="2023-03-01T19:52:50.233" v="874" actId="47"/>
-      <pc:docMkLst>
-        <pc:docMk/>
-      </pc:docMkLst>
-      <pc:sldChg chg="modSp mod">
-        <pc:chgData name="Bonner Jordan - Hartford-Remote-HSB" userId="e82d229e-6edb-4e20-9ecc-a487e5c63362" providerId="ADAL" clId="{28A72D4B-4855-4526-8442-D42DD59588DA}" dt="2023-03-01T04:43:55.007" v="244" actId="1035"/>
-        <pc:sldMkLst>
-          <pc:docMk/>
-          <pc:sldMk cId="265096747" sldId="259"/>
-        </pc:sldMkLst>
-        <pc:picChg chg="mod">
-          <ac:chgData name="Bonner Jordan - Hartford-Remote-HSB" userId="e82d229e-6edb-4e20-9ecc-a487e5c63362" providerId="ADAL" clId="{28A72D4B-4855-4526-8442-D42DD59588DA}" dt="2023-03-01T04:43:55.007" v="244" actId="1035"/>
-          <ac:picMkLst>
-            <pc:docMk/>
-            <pc:sldMk cId="265096747" sldId="259"/>
-            <ac:picMk id="5" creationId="{D06BE20D-1734-A4E5-07FB-1D8F60C84269}"/>
-          </ac:picMkLst>
-        </pc:picChg>
-      </pc:sldChg>
-      <pc:sldChg chg="modSp mod">
-        <pc:chgData name="Bonner Jordan - Hartford-Remote-HSB" userId="e82d229e-6edb-4e20-9ecc-a487e5c63362" providerId="ADAL" clId="{28A72D4B-4855-4526-8442-D42DD59588DA}" dt="2023-03-01T19:47:38.873" v="845" actId="20577"/>
-        <pc:sldMkLst>
-          <pc:docMk/>
-          <pc:sldMk cId="177268762" sldId="283"/>
-        </pc:sldMkLst>
-        <pc:spChg chg="mod">
-          <ac:chgData name="Bonner Jordan - Hartford-Remote-HSB" userId="e82d229e-6edb-4e20-9ecc-a487e5c63362" providerId="ADAL" clId="{28A72D4B-4855-4526-8442-D42DD59588DA}" dt="2023-03-01T19:47:38.873" v="845" actId="20577"/>
-          <ac:spMkLst>
-            <pc:docMk/>
-            <pc:sldMk cId="177268762" sldId="283"/>
-            <ac:spMk id="2" creationId="{FABAA41A-77E6-2FBA-A297-38D8E88EA1EE}"/>
-          </ac:spMkLst>
-        </pc:spChg>
-      </pc:sldChg>
-      <pc:sldChg chg="modSp del mod">
-        <pc:chgData name="Bonner Jordan - Hartford-Remote-HSB" userId="e82d229e-6edb-4e20-9ecc-a487e5c63362" providerId="ADAL" clId="{28A72D4B-4855-4526-8442-D42DD59588DA}" dt="2023-03-01T04:45:05.497" v="266" actId="47"/>
-        <pc:sldMkLst>
-          <pc:docMk/>
-          <pc:sldMk cId="1481048253" sldId="284"/>
-        </pc:sldMkLst>
-        <pc:spChg chg="mod">
-          <ac:chgData name="Bonner Jordan - Hartford-Remote-HSB" userId="e82d229e-6edb-4e20-9ecc-a487e5c63362" providerId="ADAL" clId="{28A72D4B-4855-4526-8442-D42DD59588DA}" dt="2023-03-01T03:54:08.200" v="238" actId="20577"/>
-          <ac:spMkLst>
-            <pc:docMk/>
-            <pc:sldMk cId="1481048253" sldId="284"/>
-            <ac:spMk id="2" creationId="{18969BF5-0288-FD7C-1739-0C8672F3D7F8}"/>
-          </ac:spMkLst>
-        </pc:spChg>
-      </pc:sldChg>
-      <pc:sldChg chg="addSp delSp modSp mod">
-        <pc:chgData name="Bonner Jordan - Hartford-Remote-HSB" userId="e82d229e-6edb-4e20-9ecc-a487e5c63362" providerId="ADAL" clId="{28A72D4B-4855-4526-8442-D42DD59588DA}" dt="2023-03-01T12:57:12.337" v="345" actId="20577"/>
-        <pc:sldMkLst>
-          <pc:docMk/>
-          <pc:sldMk cId="3241427914" sldId="285"/>
-        </pc:sldMkLst>
-        <pc:spChg chg="mod">
-          <ac:chgData name="Bonner Jordan - Hartford-Remote-HSB" userId="e82d229e-6edb-4e20-9ecc-a487e5c63362" providerId="ADAL" clId="{28A72D4B-4855-4526-8442-D42DD59588DA}" dt="2023-03-01T03:48:04.301" v="142" actId="14100"/>
-          <ac:spMkLst>
-            <pc:docMk/>
-            <pc:sldMk cId="3241427914" sldId="285"/>
-            <ac:spMk id="2" creationId="{18969BF5-0288-FD7C-1739-0C8672F3D7F8}"/>
-          </ac:spMkLst>
-        </pc:spChg>
-        <pc:spChg chg="del">
-          <ac:chgData name="Bonner Jordan - Hartford-Remote-HSB" userId="e82d229e-6edb-4e20-9ecc-a487e5c63362" providerId="ADAL" clId="{28A72D4B-4855-4526-8442-D42DD59588DA}" dt="2023-03-01T03:48:08.235" v="143" actId="478"/>
-          <ac:spMkLst>
-            <pc:docMk/>
-            <pc:sldMk cId="3241427914" sldId="285"/>
-            <ac:spMk id="3" creationId="{39176E43-0115-E50B-D268-5E00760022A7}"/>
-          </ac:spMkLst>
-        </pc:spChg>
-        <pc:spChg chg="add mod">
-          <ac:chgData name="Bonner Jordan - Hartford-Remote-HSB" userId="e82d229e-6edb-4e20-9ecc-a487e5c63362" providerId="ADAL" clId="{28A72D4B-4855-4526-8442-D42DD59588DA}" dt="2023-03-01T12:57:12.337" v="345" actId="20577"/>
-          <ac:spMkLst>
-            <pc:docMk/>
-            <pc:sldMk cId="3241427914" sldId="285"/>
-            <ac:spMk id="3" creationId="{D90ECCA0-06AB-B8AB-4B22-AA383E47AE34}"/>
-          </ac:spMkLst>
-        </pc:spChg>
-        <pc:spChg chg="add mod">
-          <ac:chgData name="Bonner Jordan - Hartford-Remote-HSB" userId="e82d229e-6edb-4e20-9ecc-a487e5c63362" providerId="ADAL" clId="{28A72D4B-4855-4526-8442-D42DD59588DA}" dt="2023-03-01T03:49:48.792" v="203" actId="1076"/>
-          <ac:spMkLst>
-            <pc:docMk/>
-            <pc:sldMk cId="3241427914" sldId="285"/>
-            <ac:spMk id="5" creationId="{2CA6CE52-CDE9-6BD5-D02A-0B9CDE177F35}"/>
-          </ac:spMkLst>
-        </pc:spChg>
-        <pc:picChg chg="add mod">
-          <ac:chgData name="Bonner Jordan - Hartford-Remote-HSB" userId="e82d229e-6edb-4e20-9ecc-a487e5c63362" providerId="ADAL" clId="{28A72D4B-4855-4526-8442-D42DD59588DA}" dt="2023-03-01T12:49:46.711" v="289" actId="14826"/>
-          <ac:picMkLst>
-            <pc:docMk/>
-            <pc:sldMk cId="3241427914" sldId="285"/>
-            <ac:picMk id="4" creationId="{E725ABD2-C6D9-F502-2921-0DC1A1664FD0}"/>
-          </ac:picMkLst>
-        </pc:picChg>
-      </pc:sldChg>
-      <pc:sldChg chg="del">
-        <pc:chgData name="Bonner Jordan - Hartford-Remote-HSB" userId="e82d229e-6edb-4e20-9ecc-a487e5c63362" providerId="ADAL" clId="{28A72D4B-4855-4526-8442-D42DD59588DA}" dt="2023-03-01T12:51:30.435" v="302" actId="47"/>
-        <pc:sldMkLst>
-          <pc:docMk/>
-          <pc:sldMk cId="2002468093" sldId="286"/>
-        </pc:sldMkLst>
-      </pc:sldChg>
-      <pc:sldChg chg="addSp delSp modSp add mod">
-        <pc:chgData name="Bonner Jordan - Hartford-Remote-HSB" userId="e82d229e-6edb-4e20-9ecc-a487e5c63362" providerId="ADAL" clId="{28A72D4B-4855-4526-8442-D42DD59588DA}" dt="2023-03-01T02:49:17.425" v="52" actId="14826"/>
-        <pc:sldMkLst>
-          <pc:docMk/>
-          <pc:sldMk cId="913523918" sldId="287"/>
-        </pc:sldMkLst>
-        <pc:spChg chg="mod">
-          <ac:chgData name="Bonner Jordan - Hartford-Remote-HSB" userId="e82d229e-6edb-4e20-9ecc-a487e5c63362" providerId="ADAL" clId="{28A72D4B-4855-4526-8442-D42DD59588DA}" dt="2023-03-01T02:47:26.214" v="33" actId="20577"/>
-          <ac:spMkLst>
-            <pc:docMk/>
-            <pc:sldMk cId="913523918" sldId="287"/>
-            <ac:spMk id="2" creationId="{18969BF5-0288-FD7C-1739-0C8672F3D7F8}"/>
-          </ac:spMkLst>
-        </pc:spChg>
-        <pc:spChg chg="del mod">
-          <ac:chgData name="Bonner Jordan - Hartford-Remote-HSB" userId="e82d229e-6edb-4e20-9ecc-a487e5c63362" providerId="ADAL" clId="{28A72D4B-4855-4526-8442-D42DD59588DA}" dt="2023-03-01T02:47:33.434" v="35" actId="478"/>
-          <ac:spMkLst>
-            <pc:docMk/>
-            <pc:sldMk cId="913523918" sldId="287"/>
-            <ac:spMk id="3" creationId="{39176E43-0115-E50B-D268-5E00760022A7}"/>
-          </ac:spMkLst>
-        </pc:spChg>
-        <pc:picChg chg="add mod">
-          <ac:chgData name="Bonner Jordan - Hartford-Remote-HSB" userId="e82d229e-6edb-4e20-9ecc-a487e5c63362" providerId="ADAL" clId="{28A72D4B-4855-4526-8442-D42DD59588DA}" dt="2023-03-01T02:48:50.214" v="50" actId="14826"/>
-          <ac:picMkLst>
-            <pc:docMk/>
-            <pc:sldMk cId="913523918" sldId="287"/>
-            <ac:picMk id="4" creationId="{A2EC8706-13D3-34C0-88D2-7EFE786C048F}"/>
-          </ac:picMkLst>
-        </pc:picChg>
-        <pc:picChg chg="add mod">
-          <ac:chgData name="Bonner Jordan - Hartford-Remote-HSB" userId="e82d229e-6edb-4e20-9ecc-a487e5c63362" providerId="ADAL" clId="{28A72D4B-4855-4526-8442-D42DD59588DA}" dt="2023-03-01T02:49:17.425" v="52" actId="14826"/>
-          <ac:picMkLst>
-            <pc:docMk/>
-            <pc:sldMk cId="913523918" sldId="287"/>
-            <ac:picMk id="5" creationId="{0183E975-398D-49AA-4FFE-0DD7A11833F4}"/>
-          </ac:picMkLst>
-        </pc:picChg>
-      </pc:sldChg>
-      <pc:sldChg chg="addSp delSp modSp add mod">
-        <pc:chgData name="Bonner Jordan - Hartford-Remote-HSB" userId="e82d229e-6edb-4e20-9ecc-a487e5c63362" providerId="ADAL" clId="{28A72D4B-4855-4526-8442-D42DD59588DA}" dt="2023-03-01T02:50:04.593" v="62" actId="1036"/>
-        <pc:sldMkLst>
-          <pc:docMk/>
-          <pc:sldMk cId="2704861902" sldId="288"/>
-        </pc:sldMkLst>
-        <pc:picChg chg="add mod">
-          <ac:chgData name="Bonner Jordan - Hartford-Remote-HSB" userId="e82d229e-6edb-4e20-9ecc-a487e5c63362" providerId="ADAL" clId="{28A72D4B-4855-4526-8442-D42DD59588DA}" dt="2023-03-01T02:50:04.593" v="62" actId="1036"/>
-          <ac:picMkLst>
-            <pc:docMk/>
-            <pc:sldMk cId="2704861902" sldId="288"/>
-            <ac:picMk id="3" creationId="{A7EF95ED-D8F3-6D8A-77DF-8B91594C2B97}"/>
-          </ac:picMkLst>
-        </pc:picChg>
-        <pc:picChg chg="del">
-          <ac:chgData name="Bonner Jordan - Hartford-Remote-HSB" userId="e82d229e-6edb-4e20-9ecc-a487e5c63362" providerId="ADAL" clId="{28A72D4B-4855-4526-8442-D42DD59588DA}" dt="2023-03-01T02:49:25.719" v="54" actId="478"/>
-          <ac:picMkLst>
-            <pc:docMk/>
-            <pc:sldMk cId="2704861902" sldId="288"/>
-            <ac:picMk id="4" creationId="{A2EC8706-13D3-34C0-88D2-7EFE786C048F}"/>
-          </ac:picMkLst>
-        </pc:picChg>
-        <pc:picChg chg="del">
-          <ac:chgData name="Bonner Jordan - Hartford-Remote-HSB" userId="e82d229e-6edb-4e20-9ecc-a487e5c63362" providerId="ADAL" clId="{28A72D4B-4855-4526-8442-D42DD59588DA}" dt="2023-03-01T02:49:25.719" v="54" actId="478"/>
-          <ac:picMkLst>
-            <pc:docMk/>
-            <pc:sldMk cId="2704861902" sldId="288"/>
-            <ac:picMk id="5" creationId="{0183E975-398D-49AA-4FFE-0DD7A11833F4}"/>
-          </ac:picMkLst>
-        </pc:picChg>
-      </pc:sldChg>
-      <pc:sldChg chg="addSp delSp modSp add mod">
-        <pc:chgData name="Bonner Jordan - Hartford-Remote-HSB" userId="e82d229e-6edb-4e20-9ecc-a487e5c63362" providerId="ADAL" clId="{28A72D4B-4855-4526-8442-D42DD59588DA}" dt="2023-03-01T13:01:44.279" v="506" actId="20577"/>
-        <pc:sldMkLst>
-          <pc:docMk/>
-          <pc:sldMk cId="2442441093" sldId="289"/>
-        </pc:sldMkLst>
-        <pc:spChg chg="del">
-          <ac:chgData name="Bonner Jordan - Hartford-Remote-HSB" userId="e82d229e-6edb-4e20-9ecc-a487e5c63362" providerId="ADAL" clId="{28A72D4B-4855-4526-8442-D42DD59588DA}" dt="2023-03-01T04:44:06.255" v="246" actId="478"/>
-          <ac:spMkLst>
-            <pc:docMk/>
-            <pc:sldMk cId="2442441093" sldId="289"/>
-            <ac:spMk id="3" creationId="{39176E43-0115-E50B-D268-5E00760022A7}"/>
-          </ac:spMkLst>
-        </pc:spChg>
-        <pc:spChg chg="add mod">
-          <ac:chgData name="Bonner Jordan - Hartford-Remote-HSB" userId="e82d229e-6edb-4e20-9ecc-a487e5c63362" providerId="ADAL" clId="{28A72D4B-4855-4526-8442-D42DD59588DA}" dt="2023-03-01T12:58:45.789" v="373" actId="20577"/>
-          <ac:spMkLst>
-            <pc:docMk/>
-            <pc:sldMk cId="2442441093" sldId="289"/>
-            <ac:spMk id="3" creationId="{5CA26C35-36C9-ADDC-3107-CF1F9C4ABAD9}"/>
-          </ac:spMkLst>
-        </pc:spChg>
-        <pc:spChg chg="add mod">
-          <ac:chgData name="Bonner Jordan - Hartford-Remote-HSB" userId="e82d229e-6edb-4e20-9ecc-a487e5c63362" providerId="ADAL" clId="{28A72D4B-4855-4526-8442-D42DD59588DA}" dt="2023-03-01T13:01:44.279" v="506" actId="20577"/>
-          <ac:spMkLst>
-            <pc:docMk/>
-            <pc:sldMk cId="2442441093" sldId="289"/>
-            <ac:spMk id="5" creationId="{04AF6261-B4B1-D761-810B-AACA39E89170}"/>
-          </ac:spMkLst>
-        </pc:spChg>
-        <pc:picChg chg="add mod">
-          <ac:chgData name="Bonner Jordan - Hartford-Remote-HSB" userId="e82d229e-6edb-4e20-9ecc-a487e5c63362" providerId="ADAL" clId="{28A72D4B-4855-4526-8442-D42DD59588DA}" dt="2023-03-01T12:50:04.045" v="291" actId="14826"/>
-          <ac:picMkLst>
-            <pc:docMk/>
-            <pc:sldMk cId="2442441093" sldId="289"/>
-            <ac:picMk id="4" creationId="{4A0037C9-EB90-2900-D4EC-DF813BC908A7}"/>
-          </ac:picMkLst>
-        </pc:picChg>
-      </pc:sldChg>
-      <pc:sldChg chg="add del">
-        <pc:chgData name="Bonner Jordan - Hartford-Remote-HSB" userId="e82d229e-6edb-4e20-9ecc-a487e5c63362" providerId="ADAL" clId="{28A72D4B-4855-4526-8442-D42DD59588DA}" dt="2023-03-01T12:51:11.396" v="294" actId="47"/>
-        <pc:sldMkLst>
-          <pc:docMk/>
-          <pc:sldMk cId="1280462283" sldId="290"/>
-        </pc:sldMkLst>
-      </pc:sldChg>
-      <pc:sldChg chg="addSp delSp modSp add mod">
-        <pc:chgData name="Bonner Jordan - Hartford-Remote-HSB" userId="e82d229e-6edb-4e20-9ecc-a487e5c63362" providerId="ADAL" clId="{28A72D4B-4855-4526-8442-D42DD59588DA}" dt="2023-03-01T13:02:17.551" v="584" actId="1076"/>
-        <pc:sldMkLst>
-          <pc:docMk/>
-          <pc:sldMk cId="2236211018" sldId="291"/>
-        </pc:sldMkLst>
-        <pc:spChg chg="mod">
-          <ac:chgData name="Bonner Jordan - Hartford-Remote-HSB" userId="e82d229e-6edb-4e20-9ecc-a487e5c63362" providerId="ADAL" clId="{28A72D4B-4855-4526-8442-D42DD59588DA}" dt="2023-03-01T04:44:32.899" v="264" actId="20577"/>
-          <ac:spMkLst>
-            <pc:docMk/>
-            <pc:sldMk cId="2236211018" sldId="291"/>
-            <ac:spMk id="2" creationId="{18969BF5-0288-FD7C-1739-0C8672F3D7F8}"/>
-          </ac:spMkLst>
-        </pc:spChg>
-        <pc:spChg chg="add del mod">
-          <ac:chgData name="Bonner Jordan - Hartford-Remote-HSB" userId="e82d229e-6edb-4e20-9ecc-a487e5c63362" providerId="ADAL" clId="{28A72D4B-4855-4526-8442-D42DD59588DA}" dt="2023-03-01T12:58:30.106" v="360" actId="478"/>
-          <ac:spMkLst>
-            <pc:docMk/>
-            <pc:sldMk cId="2236211018" sldId="291"/>
-            <ac:spMk id="3" creationId="{43D5C90E-B532-652C-4B65-FBC34DD549F8}"/>
-          </ac:spMkLst>
-        </pc:spChg>
-        <pc:spChg chg="mod">
-          <ac:chgData name="Bonner Jordan - Hartford-Remote-HSB" userId="e82d229e-6edb-4e20-9ecc-a487e5c63362" providerId="ADAL" clId="{28A72D4B-4855-4526-8442-D42DD59588DA}" dt="2023-03-01T13:02:17.551" v="584" actId="1076"/>
-          <ac:spMkLst>
-            <pc:docMk/>
-            <pc:sldMk cId="2236211018" sldId="291"/>
-            <ac:spMk id="5" creationId="{04AF6261-B4B1-D761-810B-AACA39E89170}"/>
-          </ac:spMkLst>
-        </pc:spChg>
-        <pc:spChg chg="add mod ord">
-          <ac:chgData name="Bonner Jordan - Hartford-Remote-HSB" userId="e82d229e-6edb-4e20-9ecc-a487e5c63362" providerId="ADAL" clId="{28A72D4B-4855-4526-8442-D42DD59588DA}" dt="2023-03-01T12:58:54.562" v="378" actId="20577"/>
-          <ac:spMkLst>
-            <pc:docMk/>
-            <pc:sldMk cId="2236211018" sldId="291"/>
-            <ac:spMk id="6" creationId="{5B20AD6F-D343-29FB-9824-B7DD8F4A2DDB}"/>
-          </ac:spMkLst>
-        </pc:spChg>
-        <pc:picChg chg="mod">
-          <ac:chgData name="Bonner Jordan - Hartford-Remote-HSB" userId="e82d229e-6edb-4e20-9ecc-a487e5c63362" providerId="ADAL" clId="{28A72D4B-4855-4526-8442-D42DD59588DA}" dt="2023-03-01T12:50:15.343" v="292" actId="14826"/>
-          <ac:picMkLst>
-            <pc:docMk/>
-            <pc:sldMk cId="2236211018" sldId="291"/>
-            <ac:picMk id="4" creationId="{4A0037C9-EB90-2900-D4EC-DF813BC908A7}"/>
-          </ac:picMkLst>
-        </pc:picChg>
-      </pc:sldChg>
-      <pc:sldChg chg="addSp modSp add mod">
-        <pc:chgData name="Bonner Jordan - Hartford-Remote-HSB" userId="e82d229e-6edb-4e20-9ecc-a487e5c63362" providerId="ADAL" clId="{28A72D4B-4855-4526-8442-D42DD59588DA}" dt="2023-03-01T13:02:37.594" v="644" actId="1076"/>
-        <pc:sldMkLst>
-          <pc:docMk/>
-          <pc:sldMk cId="3053040336" sldId="292"/>
-        </pc:sldMkLst>
-        <pc:spChg chg="mod">
-          <ac:chgData name="Bonner Jordan - Hartford-Remote-HSB" userId="e82d229e-6edb-4e20-9ecc-a487e5c63362" providerId="ADAL" clId="{28A72D4B-4855-4526-8442-D42DD59588DA}" dt="2023-03-01T12:45:29.789" v="288" actId="20577"/>
-          <ac:spMkLst>
-            <pc:docMk/>
-            <pc:sldMk cId="3053040336" sldId="292"/>
-            <ac:spMk id="2" creationId="{18969BF5-0288-FD7C-1739-0C8672F3D7F8}"/>
-          </ac:spMkLst>
-        </pc:spChg>
-        <pc:spChg chg="add mod">
-          <ac:chgData name="Bonner Jordan - Hartford-Remote-HSB" userId="e82d229e-6edb-4e20-9ecc-a487e5c63362" providerId="ADAL" clId="{28A72D4B-4855-4526-8442-D42DD59588DA}" dt="2023-03-01T12:59:38.779" v="393" actId="20577"/>
-          <ac:spMkLst>
-            <pc:docMk/>
-            <pc:sldMk cId="3053040336" sldId="292"/>
-            <ac:spMk id="3" creationId="{6C6ADEAB-5768-68AB-60CA-2FE1BC43C7E3}"/>
-          </ac:spMkLst>
-        </pc:spChg>
-        <pc:spChg chg="mod">
-          <ac:chgData name="Bonner Jordan - Hartford-Remote-HSB" userId="e82d229e-6edb-4e20-9ecc-a487e5c63362" providerId="ADAL" clId="{28A72D4B-4855-4526-8442-D42DD59588DA}" dt="2023-03-01T13:02:37.594" v="644" actId="1076"/>
-          <ac:spMkLst>
-            <pc:docMk/>
-            <pc:sldMk cId="3053040336" sldId="292"/>
-            <ac:spMk id="5" creationId="{04AF6261-B4B1-D761-810B-AACA39E89170}"/>
-          </ac:spMkLst>
-        </pc:spChg>
-        <pc:picChg chg="mod">
-          <ac:chgData name="Bonner Jordan - Hartford-Remote-HSB" userId="e82d229e-6edb-4e20-9ecc-a487e5c63362" providerId="ADAL" clId="{28A72D4B-4855-4526-8442-D42DD59588DA}" dt="2023-03-01T12:50:34.730" v="293" actId="14826"/>
-          <ac:picMkLst>
-            <pc:docMk/>
-            <pc:sldMk cId="3053040336" sldId="292"/>
-            <ac:picMk id="4" creationId="{4A0037C9-EB90-2900-D4EC-DF813BC908A7}"/>
-          </ac:picMkLst>
-        </pc:picChg>
-      </pc:sldChg>
-      <pc:sldChg chg="addSp modSp add mod">
-        <pc:chgData name="Bonner Jordan - Hartford-Remote-HSB" userId="e82d229e-6edb-4e20-9ecc-a487e5c63362" providerId="ADAL" clId="{28A72D4B-4855-4526-8442-D42DD59588DA}" dt="2023-03-01T13:02:49.107" v="686" actId="20577"/>
-        <pc:sldMkLst>
-          <pc:docMk/>
-          <pc:sldMk cId="1956384913" sldId="293"/>
-        </pc:sldMkLst>
-        <pc:spChg chg="mod">
-          <ac:chgData name="Bonner Jordan - Hartford-Remote-HSB" userId="e82d229e-6edb-4e20-9ecc-a487e5c63362" providerId="ADAL" clId="{28A72D4B-4855-4526-8442-D42DD59588DA}" dt="2023-03-01T12:51:16.233" v="300" actId="20577"/>
-          <ac:spMkLst>
-            <pc:docMk/>
-            <pc:sldMk cId="1956384913" sldId="293"/>
-            <ac:spMk id="2" creationId="{18969BF5-0288-FD7C-1739-0C8672F3D7F8}"/>
-          </ac:spMkLst>
-        </pc:spChg>
-        <pc:spChg chg="add mod">
-          <ac:chgData name="Bonner Jordan - Hartford-Remote-HSB" userId="e82d229e-6edb-4e20-9ecc-a487e5c63362" providerId="ADAL" clId="{28A72D4B-4855-4526-8442-D42DD59588DA}" dt="2023-03-01T13:01:17.103" v="438" actId="20577"/>
-          <ac:spMkLst>
-            <pc:docMk/>
-            <pc:sldMk cId="1956384913" sldId="293"/>
-            <ac:spMk id="3" creationId="{4FD38AA8-E08D-AFDB-588A-1A0A6FD4205A}"/>
-          </ac:spMkLst>
-        </pc:spChg>
-        <pc:spChg chg="mod">
-          <ac:chgData name="Bonner Jordan - Hartford-Remote-HSB" userId="e82d229e-6edb-4e20-9ecc-a487e5c63362" providerId="ADAL" clId="{28A72D4B-4855-4526-8442-D42DD59588DA}" dt="2023-03-01T13:02:49.107" v="686" actId="20577"/>
-          <ac:spMkLst>
-            <pc:docMk/>
-            <pc:sldMk cId="1956384913" sldId="293"/>
-            <ac:spMk id="5" creationId="{04AF6261-B4B1-D761-810B-AACA39E89170}"/>
-          </ac:spMkLst>
-        </pc:spChg>
-        <pc:picChg chg="mod">
-          <ac:chgData name="Bonner Jordan - Hartford-Remote-HSB" userId="e82d229e-6edb-4e20-9ecc-a487e5c63362" providerId="ADAL" clId="{28A72D4B-4855-4526-8442-D42DD59588DA}" dt="2023-03-01T12:51:26.489" v="301" actId="14826"/>
-          <ac:picMkLst>
-            <pc:docMk/>
-            <pc:sldMk cId="1956384913" sldId="293"/>
-            <ac:picMk id="4" creationId="{4A0037C9-EB90-2900-D4EC-DF813BC908A7}"/>
-          </ac:picMkLst>
-        </pc:picChg>
-      </pc:sldChg>
-      <pc:sldChg chg="modSp add mod">
-        <pc:chgData name="Bonner Jordan - Hartford-Remote-HSB" userId="e82d229e-6edb-4e20-9ecc-a487e5c63362" providerId="ADAL" clId="{28A72D4B-4855-4526-8442-D42DD59588DA}" dt="2023-03-01T19:46:58.361" v="809" actId="404"/>
-        <pc:sldMkLst>
-          <pc:docMk/>
-          <pc:sldMk cId="1338125014" sldId="294"/>
-        </pc:sldMkLst>
-        <pc:spChg chg="mod">
-          <ac:chgData name="Bonner Jordan - Hartford-Remote-HSB" userId="e82d229e-6edb-4e20-9ecc-a487e5c63362" providerId="ADAL" clId="{28A72D4B-4855-4526-8442-D42DD59588DA}" dt="2023-03-01T19:45:52.833" v="693" actId="20577"/>
-          <ac:spMkLst>
-            <pc:docMk/>
-            <pc:sldMk cId="1338125014" sldId="294"/>
-            <ac:spMk id="2" creationId="{10B17ABD-BE88-D042-5997-22F660D5947A}"/>
-          </ac:spMkLst>
-        </pc:spChg>
-        <pc:spChg chg="mod">
-          <ac:chgData name="Bonner Jordan - Hartford-Remote-HSB" userId="e82d229e-6edb-4e20-9ecc-a487e5c63362" providerId="ADAL" clId="{28A72D4B-4855-4526-8442-D42DD59588DA}" dt="2023-03-01T19:46:58.361" v="809" actId="404"/>
-          <ac:spMkLst>
-            <pc:docMk/>
-            <pc:sldMk cId="1338125014" sldId="294"/>
-            <ac:spMk id="3" creationId="{F33662A3-4DD5-0500-C0E1-EA5CF57A5ABC}"/>
-          </ac:spMkLst>
-        </pc:spChg>
-      </pc:sldChg>
-      <pc:sldChg chg="add">
-        <pc:chgData name="Bonner Jordan - Hartford-Remote-HSB" userId="e82d229e-6edb-4e20-9ecc-a487e5c63362" providerId="ADAL" clId="{28A72D4B-4855-4526-8442-D42DD59588DA}" dt="2023-03-01T19:47:23.621" v="810"/>
-        <pc:sldMkLst>
-          <pc:docMk/>
-          <pc:sldMk cId="4002762296" sldId="295"/>
-        </pc:sldMkLst>
-      </pc:sldChg>
-      <pc:sldChg chg="add">
-        <pc:chgData name="Bonner Jordan - Hartford-Remote-HSB" userId="e82d229e-6edb-4e20-9ecc-a487e5c63362" providerId="ADAL" clId="{28A72D4B-4855-4526-8442-D42DD59588DA}" dt="2023-03-01T19:47:23.621" v="810"/>
-        <pc:sldMkLst>
-          <pc:docMk/>
-          <pc:sldMk cId="1608165928" sldId="296"/>
-        </pc:sldMkLst>
-      </pc:sldChg>
-      <pc:sldChg chg="add">
-        <pc:chgData name="Bonner Jordan - Hartford-Remote-HSB" userId="e82d229e-6edb-4e20-9ecc-a487e5c63362" providerId="ADAL" clId="{28A72D4B-4855-4526-8442-D42DD59588DA}" dt="2023-03-01T19:47:23.621" v="810"/>
-        <pc:sldMkLst>
-          <pc:docMk/>
-          <pc:sldMk cId="1443684485" sldId="297"/>
-        </pc:sldMkLst>
-      </pc:sldChg>
-      <pc:sldChg chg="add del ord">
-        <pc:chgData name="Bonner Jordan - Hartford-Remote-HSB" userId="e82d229e-6edb-4e20-9ecc-a487e5c63362" providerId="ADAL" clId="{28A72D4B-4855-4526-8442-D42DD59588DA}" dt="2023-03-01T19:47:31.540" v="814" actId="47"/>
-        <pc:sldMkLst>
-          <pc:docMk/>
-          <pc:sldMk cId="1702470165" sldId="298"/>
-        </pc:sldMkLst>
-      </pc:sldChg>
-      <pc:sldChg chg="addSp delSp modSp add mod">
-        <pc:chgData name="Bonner Jordan - Hartford-Remote-HSB" userId="e82d229e-6edb-4e20-9ecc-a487e5c63362" providerId="ADAL" clId="{28A72D4B-4855-4526-8442-D42DD59588DA}" dt="2023-03-01T19:52:39.395" v="873" actId="478"/>
-        <pc:sldMkLst>
-          <pc:docMk/>
-          <pc:sldMk cId="2934773690" sldId="298"/>
-        </pc:sldMkLst>
-        <pc:spChg chg="mod">
-          <ac:chgData name="Bonner Jordan - Hartford-Remote-HSB" userId="e82d229e-6edb-4e20-9ecc-a487e5c63362" providerId="ADAL" clId="{28A72D4B-4855-4526-8442-D42DD59588DA}" dt="2023-03-01T19:51:26.010" v="856" actId="20577"/>
-          <ac:spMkLst>
-            <pc:docMk/>
-            <pc:sldMk cId="2934773690" sldId="298"/>
-            <ac:spMk id="2" creationId="{18969BF5-0288-FD7C-1739-0C8672F3D7F8}"/>
-          </ac:spMkLst>
-        </pc:spChg>
-        <pc:spChg chg="del">
-          <ac:chgData name="Bonner Jordan - Hartford-Remote-HSB" userId="e82d229e-6edb-4e20-9ecc-a487e5c63362" providerId="ADAL" clId="{28A72D4B-4855-4526-8442-D42DD59588DA}" dt="2023-03-01T19:51:30.187" v="858" actId="478"/>
-          <ac:spMkLst>
-            <pc:docMk/>
-            <pc:sldMk cId="2934773690" sldId="298"/>
-            <ac:spMk id="3" creationId="{4FD38AA8-E08D-AFDB-588A-1A0A6FD4205A}"/>
-          </ac:spMkLst>
-        </pc:spChg>
-        <pc:spChg chg="del">
-          <ac:chgData name="Bonner Jordan - Hartford-Remote-HSB" userId="e82d229e-6edb-4e20-9ecc-a487e5c63362" providerId="ADAL" clId="{28A72D4B-4855-4526-8442-D42DD59588DA}" dt="2023-03-01T19:51:28.375" v="857" actId="478"/>
-          <ac:spMkLst>
-            <pc:docMk/>
-            <pc:sldMk cId="2934773690" sldId="298"/>
-            <ac:spMk id="5" creationId="{04AF6261-B4B1-D761-810B-AACA39E89170}"/>
-          </ac:spMkLst>
-        </pc:spChg>
-        <pc:picChg chg="mod">
-          <ac:chgData name="Bonner Jordan - Hartford-Remote-HSB" userId="e82d229e-6edb-4e20-9ecc-a487e5c63362" providerId="ADAL" clId="{28A72D4B-4855-4526-8442-D42DD59588DA}" dt="2023-03-01T19:52:35.863" v="871" actId="555"/>
-          <ac:picMkLst>
-            <pc:docMk/>
-            <pc:sldMk cId="2934773690" sldId="298"/>
-            <ac:picMk id="4" creationId="{4A0037C9-EB90-2900-D4EC-DF813BC908A7}"/>
-          </ac:picMkLst>
-        </pc:picChg>
-        <pc:picChg chg="add mod">
-          <ac:chgData name="Bonner Jordan - Hartford-Remote-HSB" userId="e82d229e-6edb-4e20-9ecc-a487e5c63362" providerId="ADAL" clId="{28A72D4B-4855-4526-8442-D42DD59588DA}" dt="2023-03-01T19:52:30.565" v="870" actId="555"/>
-          <ac:picMkLst>
-            <pc:docMk/>
-            <pc:sldMk cId="2934773690" sldId="298"/>
-            <ac:picMk id="6" creationId="{D8447591-D830-A3F2-DC0D-858B0C9B5E06}"/>
-          </ac:picMkLst>
-        </pc:picChg>
-        <pc:picChg chg="add del mod">
-          <ac:chgData name="Bonner Jordan - Hartford-Remote-HSB" userId="e82d229e-6edb-4e20-9ecc-a487e5c63362" providerId="ADAL" clId="{28A72D4B-4855-4526-8442-D42DD59588DA}" dt="2023-03-01T19:52:39.395" v="873" actId="478"/>
-          <ac:picMkLst>
-            <pc:docMk/>
-            <pc:sldMk cId="2934773690" sldId="298"/>
-            <ac:picMk id="7" creationId="{1BA4302A-0527-65BF-65A8-F122A0EFB3C6}"/>
-          </ac:picMkLst>
-        </pc:picChg>
-        <pc:picChg chg="add del mod">
-          <ac:chgData name="Bonner Jordan - Hartford-Remote-HSB" userId="e82d229e-6edb-4e20-9ecc-a487e5c63362" providerId="ADAL" clId="{28A72D4B-4855-4526-8442-D42DD59588DA}" dt="2023-03-01T19:52:39.395" v="873" actId="478"/>
-          <ac:picMkLst>
-            <pc:docMk/>
-            <pc:sldMk cId="2934773690" sldId="298"/>
-            <ac:picMk id="8" creationId="{28361197-4891-DE0D-3D52-E5B55D2D7BD8}"/>
-          </ac:picMkLst>
-        </pc:picChg>
-      </pc:sldChg>
-      <pc:sldChg chg="modSp add del mod">
-        <pc:chgData name="Bonner Jordan - Hartford-Remote-HSB" userId="e82d229e-6edb-4e20-9ecc-a487e5c63362" providerId="ADAL" clId="{28A72D4B-4855-4526-8442-D42DD59588DA}" dt="2023-03-01T19:52:50.233" v="874" actId="47"/>
-        <pc:sldMkLst>
-          <pc:docMk/>
-          <pc:sldMk cId="2514743276" sldId="299"/>
-        </pc:sldMkLst>
-        <pc:picChg chg="mod">
-          <ac:chgData name="Bonner Jordan - Hartford-Remote-HSB" userId="e82d229e-6edb-4e20-9ecc-a487e5c63362" providerId="ADAL" clId="{28A72D4B-4855-4526-8442-D42DD59588DA}" dt="2023-03-01T19:52:10.063" v="866" actId="1582"/>
-          <ac:picMkLst>
-            <pc:docMk/>
-            <pc:sldMk cId="2514743276" sldId="299"/>
-            <ac:picMk id="4" creationId="{A2EC8706-13D3-34C0-88D2-7EFE786C048F}"/>
-          </ac:picMkLst>
-        </pc:picChg>
-        <pc:picChg chg="mod">
-          <ac:chgData name="Bonner Jordan - Hartford-Remote-HSB" userId="e82d229e-6edb-4e20-9ecc-a487e5c63362" providerId="ADAL" clId="{28A72D4B-4855-4526-8442-D42DD59588DA}" dt="2023-03-01T19:52:10.063" v="866" actId="1582"/>
-          <ac:picMkLst>
-            <pc:docMk/>
-            <pc:sldMk cId="2514743276" sldId="299"/>
-            <ac:picMk id="5" creationId="{0183E975-398D-49AA-4FFE-0DD7A11833F4}"/>
-          </ac:picMkLst>
-        </pc:picChg>
-      </pc:sldChg>
-    </pc:docChg>
-  </pc:docChgLst>
-</pc:chgInfo>
 </file>
 
 <file path=ppt/notesMasters/notesMaster1.xml><?xml version="1.0" encoding="utf-8"?>
@@ -1174,6 +740,96 @@
       </p:grpSpPr>
       <p:sp>
         <p:nvSpPr>
+          <p:cNvPr id="2" name="Slide Image Placeholder 1"/>
+          <p:cNvSpPr>
+            <a:spLocks noGrp="1" noRot="1" noChangeAspect="1"/>
+          </p:cNvSpPr>
+          <p:nvPr>
+            <p:ph type="sldImg"/>
+          </p:nvPr>
+        </p:nvSpPr>
+        <p:spPr/>
+      </p:sp>
+      <p:sp>
+        <p:nvSpPr>
+          <p:cNvPr id="3" name="Notes Placeholder 2"/>
+          <p:cNvSpPr>
+            <a:spLocks noGrp="1"/>
+          </p:cNvSpPr>
+          <p:nvPr>
+            <p:ph type="body" idx="1"/>
+          </p:nvPr>
+        </p:nvSpPr>
+        <p:spPr/>
+        <p:txBody>
+          <a:bodyPr/>
+          <a:lstStyle/>
+          <a:p>
+            <a:endParaRPr lang="en-US" dirty="0"/>
+          </a:p>
+        </p:txBody>
+      </p:sp>
+      <p:sp>
+        <p:nvSpPr>
+          <p:cNvPr id="4" name="Slide Number Placeholder 3"/>
+          <p:cNvSpPr>
+            <a:spLocks noGrp="1"/>
+          </p:cNvSpPr>
+          <p:nvPr>
+            <p:ph type="sldNum" sz="quarter" idx="5"/>
+          </p:nvPr>
+        </p:nvSpPr>
+        <p:spPr/>
+        <p:txBody>
+          <a:bodyPr/>
+          <a:lstStyle/>
+          <a:p>
+            <a:pPr>
+              <a:defRPr/>
+            </a:pPr>
+            <a:fld id="{A1D775D4-8371-4D20-A3D5-2FC6977A2504}" type="slidenum">
+              <a:rPr lang="en-US" smtClean="0"/>
+              <a:pPr>
+                <a:defRPr/>
+              </a:pPr>
+              <a:t>2</a:t>
+            </a:fld>
+            <a:endParaRPr lang="en-US"/>
+          </a:p>
+        </p:txBody>
+      </p:sp>
+    </p:spTree>
+    <p:extLst>
+      <p:ext uri="{BB962C8B-B14F-4D97-AF65-F5344CB8AC3E}">
+        <p14:creationId xmlns:p14="http://schemas.microsoft.com/office/powerpoint/2010/main" val="4092498476"/>
+      </p:ext>
+    </p:extLst>
+  </p:cSld>
+  <p:clrMapOvr>
+    <a:masterClrMapping/>
+  </p:clrMapOvr>
+</p:notes>
+</file>
+
+<file path=ppt/notesSlides/notesSlide2.xml><?xml version="1.0" encoding="utf-8"?>
+<p:notes xmlns:a="http://schemas.openxmlformats.org/drawingml/2006/main" xmlns:r="http://schemas.openxmlformats.org/officeDocument/2006/relationships" xmlns:p="http://schemas.openxmlformats.org/presentationml/2006/main">
+  <p:cSld>
+    <p:spTree>
+      <p:nvGrpSpPr>
+        <p:cNvPr id="1" name=""/>
+        <p:cNvGrpSpPr/>
+        <p:nvPr/>
+      </p:nvGrpSpPr>
+      <p:grpSpPr>
+        <a:xfrm>
+          <a:off x="0" y="0"/>
+          <a:ext cx="0" cy="0"/>
+          <a:chOff x="0" y="0"/>
+          <a:chExt cx="0" cy="0"/>
+        </a:xfrm>
+      </p:grpSpPr>
+      <p:sp>
+        <p:nvSpPr>
           <p:cNvPr id="10242" name="Rectangle 7"/>
           <p:cNvSpPr>
             <a:spLocks noGrp="1" noChangeArrowheads="1"/>
@@ -1239,6 +895,96 @@
     <p:extLst>
       <p:ext uri="{BB962C8B-B14F-4D97-AF65-F5344CB8AC3E}">
         <p14:creationId xmlns:p14="http://schemas.microsoft.com/office/powerpoint/2010/main" val="1040376724"/>
+      </p:ext>
+    </p:extLst>
+  </p:cSld>
+  <p:clrMapOvr>
+    <a:masterClrMapping/>
+  </p:clrMapOvr>
+</p:notes>
+</file>
+
+<file path=ppt/notesSlides/notesSlide3.xml><?xml version="1.0" encoding="utf-8"?>
+<p:notes xmlns:a="http://schemas.openxmlformats.org/drawingml/2006/main" xmlns:r="http://schemas.openxmlformats.org/officeDocument/2006/relationships" xmlns:p="http://schemas.openxmlformats.org/presentationml/2006/main">
+  <p:cSld>
+    <p:spTree>
+      <p:nvGrpSpPr>
+        <p:cNvPr id="1" name=""/>
+        <p:cNvGrpSpPr/>
+        <p:nvPr/>
+      </p:nvGrpSpPr>
+      <p:grpSpPr>
+        <a:xfrm>
+          <a:off x="0" y="0"/>
+          <a:ext cx="0" cy="0"/>
+          <a:chOff x="0" y="0"/>
+          <a:chExt cx="0" cy="0"/>
+        </a:xfrm>
+      </p:grpSpPr>
+      <p:sp>
+        <p:nvSpPr>
+          <p:cNvPr id="2" name="Slide Image Placeholder 1"/>
+          <p:cNvSpPr>
+            <a:spLocks noGrp="1" noRot="1" noChangeAspect="1"/>
+          </p:cNvSpPr>
+          <p:nvPr>
+            <p:ph type="sldImg"/>
+          </p:nvPr>
+        </p:nvSpPr>
+        <p:spPr/>
+      </p:sp>
+      <p:sp>
+        <p:nvSpPr>
+          <p:cNvPr id="3" name="Notes Placeholder 2"/>
+          <p:cNvSpPr>
+            <a:spLocks noGrp="1"/>
+          </p:cNvSpPr>
+          <p:nvPr>
+            <p:ph type="body" idx="1"/>
+          </p:nvPr>
+        </p:nvSpPr>
+        <p:spPr/>
+        <p:txBody>
+          <a:bodyPr/>
+          <a:lstStyle/>
+          <a:p>
+            <a:endParaRPr lang="en-US" dirty="0"/>
+          </a:p>
+        </p:txBody>
+      </p:sp>
+      <p:sp>
+        <p:nvSpPr>
+          <p:cNvPr id="4" name="Slide Number Placeholder 3"/>
+          <p:cNvSpPr>
+            <a:spLocks noGrp="1"/>
+          </p:cNvSpPr>
+          <p:nvPr>
+            <p:ph type="sldNum" sz="quarter" idx="5"/>
+          </p:nvPr>
+        </p:nvSpPr>
+        <p:spPr/>
+        <p:txBody>
+          <a:bodyPr/>
+          <a:lstStyle/>
+          <a:p>
+            <a:pPr>
+              <a:defRPr/>
+            </a:pPr>
+            <a:fld id="{A1D775D4-8371-4D20-A3D5-2FC6977A2504}" type="slidenum">
+              <a:rPr lang="en-US" smtClean="0"/>
+              <a:pPr>
+                <a:defRPr/>
+              </a:pPr>
+              <a:t>5</a:t>
+            </a:fld>
+            <a:endParaRPr lang="en-US"/>
+          </a:p>
+        </p:txBody>
+      </p:sp>
+    </p:spTree>
+    <p:extLst>
+      <p:ext uri="{BB962C8B-B14F-4D97-AF65-F5344CB8AC3E}">
+        <p14:creationId xmlns:p14="http://schemas.microsoft.com/office/powerpoint/2010/main" val="1614680124"/>
       </p:ext>
     </p:extLst>
   </p:cSld>
@@ -2036,7 +1782,7 @@
               <a:pPr>
                 <a:defRPr/>
               </a:pPr>
-              <a:t>3/1/2023</a:t>
+              <a:t>3/7/2023</a:t>
             </a:fld>
             <a:endParaRPr lang="en-US"/>
           </a:p>
@@ -2235,7 +1981,7 @@
               <a:pPr>
                 <a:defRPr/>
               </a:pPr>
-              <a:t>3/1/2023</a:t>
+              <a:t>3/7/2023</a:t>
             </a:fld>
             <a:endParaRPr lang="en-US"/>
           </a:p>
@@ -2502,7 +2248,7 @@
               <a:pPr>
                 <a:defRPr/>
               </a:pPr>
-              <a:t>3/1/2023</a:t>
+              <a:t>3/7/2023</a:t>
             </a:fld>
             <a:endParaRPr lang="en-US"/>
           </a:p>
@@ -2809,7 +2555,7 @@
               <a:pPr>
                 <a:defRPr/>
               </a:pPr>
-              <a:t>3/1/2023</a:t>
+              <a:t>3/7/2023</a:t>
             </a:fld>
             <a:endParaRPr lang="en-US"/>
           </a:p>
@@ -3250,7 +2996,7 @@
               <a:pPr>
                 <a:defRPr/>
               </a:pPr>
-              <a:t>3/1/2023</a:t>
+              <a:t>3/7/2023</a:t>
             </a:fld>
             <a:endParaRPr lang="en-US"/>
           </a:p>
@@ -3389,7 +3135,7 @@
               <a:pPr>
                 <a:defRPr/>
               </a:pPr>
-              <a:t>3/1/2023</a:t>
+              <a:t>3/7/2023</a:t>
             </a:fld>
             <a:endParaRPr lang="en-US"/>
           </a:p>
@@ -3506,7 +3252,7 @@
               <a:pPr>
                 <a:defRPr/>
               </a:pPr>
-              <a:t>3/1/2023</a:t>
+              <a:t>3/7/2023</a:t>
             </a:fld>
             <a:endParaRPr lang="en-US"/>
           </a:p>
@@ -3803,7 +3549,7 @@
               <a:pPr>
                 <a:defRPr/>
               </a:pPr>
-              <a:t>3/1/2023</a:t>
+              <a:t>3/7/2023</a:t>
             </a:fld>
             <a:endParaRPr lang="en-US"/>
           </a:p>
@@ -4269,7 +4015,7 @@
               <a:pPr>
                 <a:defRPr/>
               </a:pPr>
-              <a:t>3/1/2023</a:t>
+              <a:t>3/7/2023</a:t>
             </a:fld>
             <a:endParaRPr lang="en-US"/>
           </a:p>
@@ -4459,7 +4205,7 @@
               <a:pPr>
                 <a:defRPr/>
               </a:pPr>
-              <a:t>3/1/2023</a:t>
+              <a:t>3/7/2023</a:t>
             </a:fld>
             <a:endParaRPr lang="en-US"/>
           </a:p>
@@ -4659,7 +4405,7 @@
               <a:pPr>
                 <a:defRPr/>
               </a:pPr>
-              <a:t>3/1/2023</a:t>
+              <a:t>3/7/2023</a:t>
             </a:fld>
             <a:endParaRPr lang="en-US"/>
           </a:p>
@@ -4921,7 +4667,7 @@
               <a:pPr>
                 <a:defRPr/>
               </a:pPr>
-              <a:t>3/1/2023</a:t>
+              <a:t>3/7/2023</a:t>
             </a:fld>
             <a:endParaRPr lang="en-US"/>
           </a:p>
@@ -5120,7 +4866,7 @@
               <a:pPr>
                 <a:defRPr/>
               </a:pPr>
-              <a:t>3/1/2023</a:t>
+              <a:t>3/7/2023</a:t>
             </a:fld>
             <a:endParaRPr lang="en-US"/>
           </a:p>
@@ -5387,7 +5133,7 @@
               <a:pPr>
                 <a:defRPr/>
               </a:pPr>
-              <a:t>3/1/2023</a:t>
+              <a:t>3/7/2023</a:t>
             </a:fld>
             <a:endParaRPr lang="en-US"/>
           </a:p>
@@ -5694,7 +5440,7 @@
               <a:pPr>
                 <a:defRPr/>
               </a:pPr>
-              <a:t>3/1/2023</a:t>
+              <a:t>3/7/2023</a:t>
             </a:fld>
             <a:endParaRPr lang="en-US"/>
           </a:p>
@@ -6135,7 +5881,7 @@
               <a:pPr>
                 <a:defRPr/>
               </a:pPr>
-              <a:t>3/1/2023</a:t>
+              <a:t>3/7/2023</a:t>
             </a:fld>
             <a:endParaRPr lang="en-US"/>
           </a:p>
@@ -6274,7 +6020,7 @@
               <a:pPr>
                 <a:defRPr/>
               </a:pPr>
-              <a:t>3/1/2023</a:t>
+              <a:t>3/7/2023</a:t>
             </a:fld>
             <a:endParaRPr lang="en-US"/>
           </a:p>
@@ -6391,7 +6137,7 @@
               <a:pPr>
                 <a:defRPr/>
               </a:pPr>
-              <a:t>3/1/2023</a:t>
+              <a:t>3/7/2023</a:t>
             </a:fld>
             <a:endParaRPr lang="en-US"/>
           </a:p>
@@ -6900,7 +6646,7 @@
               <a:pPr>
                 <a:defRPr/>
               </a:pPr>
-              <a:t>3/1/2023</a:t>
+              <a:t>3/7/2023</a:t>
             </a:fld>
             <a:endParaRPr lang="en-US"/>
           </a:p>
@@ -7177,7 +6923,7 @@
               <a:pPr>
                 <a:defRPr/>
               </a:pPr>
-              <a:t>3/1/2023</a:t>
+              <a:t>3/7/2023</a:t>
             </a:fld>
             <a:endParaRPr lang="en-US"/>
           </a:p>
@@ -7367,7 +7113,7 @@
               <a:pPr>
                 <a:defRPr/>
               </a:pPr>
-              <a:t>3/1/2023</a:t>
+              <a:t>3/7/2023</a:t>
             </a:fld>
             <a:endParaRPr lang="en-US"/>
           </a:p>
@@ -7567,7 +7313,7 @@
               <a:pPr>
                 <a:defRPr/>
               </a:pPr>
-              <a:t>3/1/2023</a:t>
+              <a:t>3/7/2023</a:t>
             </a:fld>
             <a:endParaRPr lang="en-US"/>
           </a:p>
@@ -7829,7 +7575,7 @@
               <a:pPr>
                 <a:defRPr/>
               </a:pPr>
-              <a:t>3/1/2023</a:t>
+              <a:t>3/7/2023</a:t>
             </a:fld>
             <a:endParaRPr lang="en-US"/>
           </a:p>
@@ -8019,7 +7765,7 @@
               <a:pPr>
                 <a:defRPr/>
               </a:pPr>
-              <a:t>3/1/2023</a:t>
+              <a:t>3/7/2023</a:t>
             </a:fld>
             <a:endParaRPr lang="en-US"/>
           </a:p>
@@ -8286,7 +8032,7 @@
               <a:pPr>
                 <a:defRPr/>
               </a:pPr>
-              <a:t>3/1/2023</a:t>
+              <a:t>3/7/2023</a:t>
             </a:fld>
             <a:endParaRPr lang="en-US"/>
           </a:p>
@@ -8593,7 +8339,7 @@
               <a:pPr>
                 <a:defRPr/>
               </a:pPr>
-              <a:t>3/1/2023</a:t>
+              <a:t>3/7/2023</a:t>
             </a:fld>
             <a:endParaRPr lang="en-US"/>
           </a:p>
@@ -9034,7 +8780,7 @@
               <a:pPr>
                 <a:defRPr/>
               </a:pPr>
-              <a:t>3/1/2023</a:t>
+              <a:t>3/7/2023</a:t>
             </a:fld>
             <a:endParaRPr lang="en-US"/>
           </a:p>
@@ -9173,7 +8919,7 @@
               <a:pPr>
                 <a:defRPr/>
               </a:pPr>
-              <a:t>3/1/2023</a:t>
+              <a:t>3/7/2023</a:t>
             </a:fld>
             <a:endParaRPr lang="en-US"/>
           </a:p>
@@ -9596,7 +9342,7 @@
               <a:pPr>
                 <a:defRPr/>
               </a:pPr>
-              <a:t>3/1/2023</a:t>
+              <a:t>3/7/2023</a:t>
             </a:fld>
             <a:endParaRPr lang="en-US"/>
           </a:p>
@@ -9893,7 +9639,7 @@
               <a:pPr>
                 <a:defRPr/>
               </a:pPr>
-              <a:t>3/1/2023</a:t>
+              <a:t>3/7/2023</a:t>
             </a:fld>
             <a:endParaRPr lang="en-US"/>
           </a:p>
@@ -10170,7 +9916,7 @@
               <a:pPr>
                 <a:defRPr/>
               </a:pPr>
-              <a:t>3/1/2023</a:t>
+              <a:t>3/7/2023</a:t>
             </a:fld>
             <a:endParaRPr lang="en-US"/>
           </a:p>
@@ -10360,7 +10106,7 @@
               <a:pPr>
                 <a:defRPr/>
               </a:pPr>
-              <a:t>3/1/2023</a:t>
+              <a:t>3/7/2023</a:t>
             </a:fld>
             <a:endParaRPr lang="en-US"/>
           </a:p>
@@ -10560,7 +10306,7 @@
               <a:pPr>
                 <a:defRPr/>
               </a:pPr>
-              <a:t>3/1/2023</a:t>
+              <a:t>3/7/2023</a:t>
             </a:fld>
             <a:endParaRPr lang="en-US"/>
           </a:p>
@@ -12764,7 +12510,7 @@
               <a:pPr>
                 <a:defRPr/>
               </a:pPr>
-              <a:t>3/1/2023</a:t>
+              <a:t>3/7/2023</a:t>
             </a:fld>
             <a:endParaRPr lang="en-US"/>
           </a:p>
@@ -13443,7 +13189,7 @@
               <a:pPr>
                 <a:defRPr/>
               </a:pPr>
-              <a:t>3/1/2023</a:t>
+              <a:t>3/7/2023</a:t>
             </a:fld>
             <a:endParaRPr lang="en-US"/>
           </a:p>
@@ -14129,7 +13875,7 @@
               <a:pPr>
                 <a:defRPr/>
               </a:pPr>
-              <a:t>3/1/2023</a:t>
+              <a:t>3/7/2023</a:t>
             </a:fld>
             <a:endParaRPr lang="en-US"/>
           </a:p>
@@ -15442,6 +15188,159 @@
       </p:grpSpPr>
       <p:sp>
         <p:nvSpPr>
+          <p:cNvPr id="6" name="TextBox 5">
+            <a:extLst>
+              <a:ext uri="{FF2B5EF4-FFF2-40B4-BE49-F238E27FC236}">
+                <a16:creationId xmlns:a16="http://schemas.microsoft.com/office/drawing/2014/main" id="{5B20AD6F-D343-29FB-9824-B7DD8F4A2DDB}"/>
+              </a:ext>
+            </a:extLst>
+          </p:cNvPr>
+          <p:cNvSpPr txBox="1"/>
+          <p:nvPr/>
+        </p:nvSpPr>
+        <p:spPr>
+          <a:xfrm>
+            <a:off x="260498" y="5181600"/>
+            <a:ext cx="7588101" cy="1015663"/>
+          </a:xfrm>
+          <a:prstGeom prst="rect">
+            <a:avLst/>
+          </a:prstGeom>
+          <a:noFill/>
+        </p:spPr>
+        <p:txBody>
+          <a:bodyPr wrap="square" rtlCol="0">
+            <a:spAutoFit/>
+          </a:bodyPr>
+          <a:lstStyle/>
+          <a:p>
+            <a:r>
+              <a:rPr lang="en-US" sz="1200" dirty="0">
+                <a:latin typeface="Consolas" panose="020B0609020204030204" pitchFamily="49" charset="0"/>
+              </a:rPr>
+              <a:t>p &lt;- p +</a:t>
+            </a:r>
+          </a:p>
+          <a:p>
+            <a:r>
+              <a:rPr lang="en-US" sz="1200" dirty="0">
+                <a:latin typeface="Consolas" panose="020B0609020204030204" pitchFamily="49" charset="0"/>
+              </a:rPr>
+              <a:t>  </a:t>
+            </a:r>
+            <a:r>
+              <a:rPr lang="en-US" sz="1200" dirty="0" err="1">
+                <a:latin typeface="Consolas" panose="020B0609020204030204" pitchFamily="49" charset="0"/>
+              </a:rPr>
+              <a:t>scale_x_continuous</a:t>
+            </a:r>
+            <a:r>
+              <a:rPr lang="en-US" sz="1200" dirty="0">
+                <a:latin typeface="Consolas" panose="020B0609020204030204" pitchFamily="49" charset="0"/>
+              </a:rPr>
+              <a:t>(labels = scales::comma) +</a:t>
+            </a:r>
+          </a:p>
+          <a:p>
+            <a:r>
+              <a:rPr lang="en-US" sz="1200" dirty="0">
+                <a:latin typeface="Consolas" panose="020B0609020204030204" pitchFamily="49" charset="0"/>
+              </a:rPr>
+              <a:t>  theme(</a:t>
+            </a:r>
+            <a:r>
+              <a:rPr lang="en-US" sz="1200" dirty="0" err="1">
+                <a:latin typeface="Consolas" panose="020B0609020204030204" pitchFamily="49" charset="0"/>
+              </a:rPr>
+              <a:t>axis.text.y</a:t>
+            </a:r>
+            <a:r>
+              <a:rPr lang="en-US" sz="1200" dirty="0">
+                <a:latin typeface="Consolas" panose="020B0609020204030204" pitchFamily="49" charset="0"/>
+              </a:rPr>
+              <a:t> = </a:t>
+            </a:r>
+            <a:r>
+              <a:rPr lang="en-US" sz="1200" dirty="0" err="1">
+                <a:latin typeface="Consolas" panose="020B0609020204030204" pitchFamily="49" charset="0"/>
+              </a:rPr>
+              <a:t>element_blank</a:t>
+            </a:r>
+            <a:r>
+              <a:rPr lang="en-US" sz="1200" dirty="0">
+                <a:latin typeface="Consolas" panose="020B0609020204030204" pitchFamily="49" charset="0"/>
+              </a:rPr>
+              <a:t>(),</a:t>
+            </a:r>
+          </a:p>
+          <a:p>
+            <a:r>
+              <a:rPr lang="en-US" sz="1200" dirty="0">
+                <a:latin typeface="Consolas" panose="020B0609020204030204" pitchFamily="49" charset="0"/>
+              </a:rPr>
+              <a:t>        </a:t>
+            </a:r>
+            <a:r>
+              <a:rPr lang="en-US" sz="1200" dirty="0" err="1">
+                <a:latin typeface="Consolas" panose="020B0609020204030204" pitchFamily="49" charset="0"/>
+              </a:rPr>
+              <a:t>axis.ticks.y</a:t>
+            </a:r>
+            <a:r>
+              <a:rPr lang="en-US" sz="1200" dirty="0">
+                <a:latin typeface="Consolas" panose="020B0609020204030204" pitchFamily="49" charset="0"/>
+              </a:rPr>
+              <a:t> = </a:t>
+            </a:r>
+            <a:r>
+              <a:rPr lang="en-US" sz="1200" dirty="0" err="1">
+                <a:latin typeface="Consolas" panose="020B0609020204030204" pitchFamily="49" charset="0"/>
+              </a:rPr>
+              <a:t>element_blank</a:t>
+            </a:r>
+            <a:r>
+              <a:rPr lang="en-US" sz="1200" dirty="0">
+                <a:latin typeface="Consolas" panose="020B0609020204030204" pitchFamily="49" charset="0"/>
+              </a:rPr>
+              <a:t>(),</a:t>
+            </a:r>
+          </a:p>
+          <a:p>
+            <a:r>
+              <a:rPr lang="en-US" sz="1200" dirty="0">
+                <a:latin typeface="Consolas" panose="020B0609020204030204" pitchFamily="49" charset="0"/>
+              </a:rPr>
+              <a:t>        </a:t>
+            </a:r>
+            <a:r>
+              <a:rPr lang="en-US" sz="1200" dirty="0" err="1">
+                <a:latin typeface="Consolas" panose="020B0609020204030204" pitchFamily="49" charset="0"/>
+              </a:rPr>
+              <a:t>axis.title.y</a:t>
+            </a:r>
+            <a:r>
+              <a:rPr lang="en-US" sz="1200" dirty="0">
+                <a:latin typeface="Consolas" panose="020B0609020204030204" pitchFamily="49" charset="0"/>
+              </a:rPr>
+              <a:t> = </a:t>
+            </a:r>
+            <a:r>
+              <a:rPr lang="en-US" sz="1200" dirty="0" err="1">
+                <a:latin typeface="Consolas" panose="020B0609020204030204" pitchFamily="49" charset="0"/>
+              </a:rPr>
+              <a:t>element_blank</a:t>
+            </a:r>
+            <a:r>
+              <a:rPr lang="en-US" sz="1200" dirty="0">
+                <a:latin typeface="Consolas" panose="020B0609020204030204" pitchFamily="49" charset="0"/>
+              </a:rPr>
+              <a:t>())</a:t>
+            </a:r>
+          </a:p>
+        </p:txBody>
+      </p:sp>
+      <p:sp>
+        <p:nvSpPr>
           <p:cNvPr id="2" name="Title 1">
             <a:extLst>
               <a:ext uri="{FF2B5EF4-FFF2-40B4-BE49-F238E27FC236}">
@@ -15463,40 +15362,91 @@
           <a:p>
             <a:r>
               <a:rPr lang="en-US" dirty="0"/>
-              <a:t>Loss Development Triangles</a:t>
-            </a:r>
-          </a:p>
-        </p:txBody>
-      </p:sp>
-      <p:sp>
-        <p:nvSpPr>
-          <p:cNvPr id="3" name="Content Placeholder 2">
+              <a:t>Cleaning Axes</a:t>
+            </a:r>
+          </a:p>
+        </p:txBody>
+      </p:sp>
+      <p:pic>
+        <p:nvPicPr>
+          <p:cNvPr id="4" name="Picture 3">
             <a:extLst>
               <a:ext uri="{FF2B5EF4-FFF2-40B4-BE49-F238E27FC236}">
-                <a16:creationId xmlns:a16="http://schemas.microsoft.com/office/drawing/2014/main" id="{39176E43-0115-E50B-D268-5E00760022A7}"/>
+                <a16:creationId xmlns:a16="http://schemas.microsoft.com/office/drawing/2014/main" id="{4A0037C9-EB90-2900-D4EC-DF813BC908A7}"/>
               </a:ext>
             </a:extLst>
           </p:cNvPr>
-          <p:cNvSpPr>
-            <a:spLocks noGrp="1"/>
-          </p:cNvSpPr>
-          <p:nvPr>
-            <p:ph idx="1"/>
-          </p:nvPr>
-        </p:nvSpPr>
-        <p:spPr/>
-        <p:txBody>
-          <a:bodyPr/>
+          <p:cNvPicPr>
+            <a:picLocks noChangeAspect="1"/>
+          </p:cNvPicPr>
+          <p:nvPr/>
+        </p:nvPicPr>
+        <p:blipFill>
+          <a:blip r:embed="rId2" r:link="rId3" cstate="print">
+            <a:extLst>
+              <a:ext uri="{28A0092B-C50C-407E-A947-70E740481C1C}">
+                <a14:useLocalDpi xmlns:a14="http://schemas.microsoft.com/office/drawing/2010/main" val="0"/>
+              </a:ext>
+            </a:extLst>
+          </a:blip>
+          <a:srcRect/>
+          <a:stretch>
+            <a:fillRect/>
+          </a:stretch>
+        </p:blipFill>
+        <p:spPr>
+          <a:xfrm>
+            <a:off x="2971801" y="1447801"/>
+            <a:ext cx="5943596" cy="3962397"/>
+          </a:xfrm>
+          <a:prstGeom prst="rect">
+            <a:avLst/>
+          </a:prstGeom>
+        </p:spPr>
+      </p:pic>
+      <p:sp>
+        <p:nvSpPr>
+          <p:cNvPr id="5" name="TextBox 4">
+            <a:extLst>
+              <a:ext uri="{FF2B5EF4-FFF2-40B4-BE49-F238E27FC236}">
+                <a16:creationId xmlns:a16="http://schemas.microsoft.com/office/drawing/2014/main" id="{04AF6261-B4B1-D761-810B-AACA39E89170}"/>
+              </a:ext>
+            </a:extLst>
+          </p:cNvPr>
+          <p:cNvSpPr txBox="1"/>
+          <p:nvPr/>
+        </p:nvSpPr>
+        <p:spPr>
+          <a:xfrm>
+            <a:off x="228601" y="2176234"/>
+            <a:ext cx="2431673" cy="2246769"/>
+          </a:xfrm>
+          <a:prstGeom prst="rect">
+            <a:avLst/>
+          </a:prstGeom>
+          <a:noFill/>
+        </p:spPr>
+        <p:txBody>
+          <a:bodyPr wrap="square" rtlCol="0">
+            <a:spAutoFit/>
+          </a:bodyPr>
           <a:lstStyle/>
           <a:p>
-            <a:endParaRPr lang="en-US" dirty="0"/>
+            <a:pPr algn="ctr"/>
+            <a:r>
+              <a:rPr lang="en-US" sz="2800" dirty="0">
+                <a:latin typeface="Arial" panose="020B0604020202020204" pitchFamily="34" charset="0"/>
+                <a:cs typeface="Arial" panose="020B0604020202020204" pitchFamily="34" charset="0"/>
+              </a:rPr>
+              <a:t>We can change the x-axis labels and remove the y-axis.</a:t>
+            </a:r>
           </a:p>
         </p:txBody>
       </p:sp>
     </p:spTree>
     <p:extLst>
       <p:ext uri="{BB962C8B-B14F-4D97-AF65-F5344CB8AC3E}">
-        <p14:creationId xmlns:p14="http://schemas.microsoft.com/office/powerpoint/2010/main" val="48610386"/>
+        <p14:creationId xmlns:p14="http://schemas.microsoft.com/office/powerpoint/2010/main" val="2638840873"/>
       </p:ext>
     </p:extLst>
   </p:cSld>
@@ -15546,40 +15496,340 @@
           <a:p>
             <a:r>
               <a:rPr lang="en-US" dirty="0"/>
-              <a:t>Loss Development Triangles</a:t>
-            </a:r>
-          </a:p>
-        </p:txBody>
-      </p:sp>
-      <p:sp>
-        <p:nvSpPr>
-          <p:cNvPr id="3" name="Content Placeholder 2">
+              <a:t>Text Size &amp; Theme</a:t>
+            </a:r>
+          </a:p>
+        </p:txBody>
+      </p:sp>
+      <p:pic>
+        <p:nvPicPr>
+          <p:cNvPr id="4" name="Picture 3">
             <a:extLst>
               <a:ext uri="{FF2B5EF4-FFF2-40B4-BE49-F238E27FC236}">
-                <a16:creationId xmlns:a16="http://schemas.microsoft.com/office/drawing/2014/main" id="{39176E43-0115-E50B-D268-5E00760022A7}"/>
+                <a16:creationId xmlns:a16="http://schemas.microsoft.com/office/drawing/2014/main" id="{4A0037C9-EB90-2900-D4EC-DF813BC908A7}"/>
               </a:ext>
             </a:extLst>
           </p:cNvPr>
-          <p:cNvSpPr>
-            <a:spLocks noGrp="1"/>
-          </p:cNvSpPr>
-          <p:nvPr>
-            <p:ph idx="1"/>
-          </p:nvPr>
-        </p:nvSpPr>
-        <p:spPr/>
-        <p:txBody>
-          <a:bodyPr/>
+          <p:cNvPicPr>
+            <a:picLocks noChangeAspect="1"/>
+          </p:cNvPicPr>
+          <p:nvPr/>
+        </p:nvPicPr>
+        <p:blipFill>
+          <a:blip r:embed="rId2" r:link="rId3" cstate="print">
+            <a:extLst>
+              <a:ext uri="{28A0092B-C50C-407E-A947-70E740481C1C}">
+                <a14:useLocalDpi xmlns:a14="http://schemas.microsoft.com/office/drawing/2010/main" val="0"/>
+              </a:ext>
+            </a:extLst>
+          </a:blip>
+          <a:srcRect/>
+          <a:stretch>
+            <a:fillRect/>
+          </a:stretch>
+        </p:blipFill>
+        <p:spPr>
+          <a:xfrm>
+            <a:off x="2971802" y="1447801"/>
+            <a:ext cx="5943594" cy="3962396"/>
+          </a:xfrm>
+          <a:prstGeom prst="rect">
+            <a:avLst/>
+          </a:prstGeom>
+        </p:spPr>
+      </p:pic>
+      <p:sp>
+        <p:nvSpPr>
+          <p:cNvPr id="5" name="TextBox 4">
+            <a:extLst>
+              <a:ext uri="{FF2B5EF4-FFF2-40B4-BE49-F238E27FC236}">
+                <a16:creationId xmlns:a16="http://schemas.microsoft.com/office/drawing/2014/main" id="{04AF6261-B4B1-D761-810B-AACA39E89170}"/>
+              </a:ext>
+            </a:extLst>
+          </p:cNvPr>
+          <p:cNvSpPr txBox="1"/>
+          <p:nvPr/>
+        </p:nvSpPr>
+        <p:spPr>
+          <a:xfrm>
+            <a:off x="228601" y="1975873"/>
+            <a:ext cx="2431673" cy="2677656"/>
+          </a:xfrm>
+          <a:prstGeom prst="rect">
+            <a:avLst/>
+          </a:prstGeom>
+          <a:noFill/>
+        </p:spPr>
+        <p:txBody>
+          <a:bodyPr wrap="square" rtlCol="0">
+            <a:spAutoFit/>
+          </a:bodyPr>
           <a:lstStyle/>
           <a:p>
-            <a:endParaRPr lang="en-US" dirty="0"/>
+            <a:pPr algn="ctr"/>
+            <a:r>
+              <a:rPr lang="en-US" sz="2800" dirty="0">
+                <a:latin typeface="Arial" panose="020B0604020202020204" pitchFamily="34" charset="0"/>
+                <a:cs typeface="Arial" panose="020B0604020202020204" pitchFamily="34" charset="0"/>
+              </a:rPr>
+              <a:t>We can increase text size and select a simpler theme.</a:t>
+            </a:r>
+          </a:p>
+        </p:txBody>
+      </p:sp>
+      <p:sp>
+        <p:nvSpPr>
+          <p:cNvPr id="3" name="TextBox 2">
+            <a:extLst>
+              <a:ext uri="{FF2B5EF4-FFF2-40B4-BE49-F238E27FC236}">
+                <a16:creationId xmlns:a16="http://schemas.microsoft.com/office/drawing/2014/main" id="{6C6ADEAB-5768-68AB-60CA-2FE1BC43C7E3}"/>
+              </a:ext>
+            </a:extLst>
+          </p:cNvPr>
+          <p:cNvSpPr txBox="1"/>
+          <p:nvPr/>
+        </p:nvSpPr>
+        <p:spPr>
+          <a:xfrm>
+            <a:off x="260498" y="5181600"/>
+            <a:ext cx="7588101" cy="1569660"/>
+          </a:xfrm>
+          <a:prstGeom prst="rect">
+            <a:avLst/>
+          </a:prstGeom>
+          <a:noFill/>
+        </p:spPr>
+        <p:txBody>
+          <a:bodyPr wrap="square" rtlCol="0">
+            <a:spAutoFit/>
+          </a:bodyPr>
+          <a:lstStyle/>
+          <a:p>
+            <a:r>
+              <a:rPr lang="en-US" sz="1200" dirty="0">
+                <a:latin typeface="Consolas" panose="020B0609020204030204" pitchFamily="49" charset="0"/>
+              </a:rPr>
+              <a:t>p &lt;- p +</a:t>
+            </a:r>
+          </a:p>
+          <a:p>
+            <a:r>
+              <a:rPr lang="en-US" sz="1200" dirty="0">
+                <a:latin typeface="Consolas" panose="020B0609020204030204" pitchFamily="49" charset="0"/>
+              </a:rPr>
+              <a:t>  </a:t>
+            </a:r>
+            <a:r>
+              <a:rPr lang="en-US" sz="1200" dirty="0" err="1">
+                <a:latin typeface="Consolas" panose="020B0609020204030204" pitchFamily="49" charset="0"/>
+              </a:rPr>
+              <a:t>theme_minimal</a:t>
+            </a:r>
+            <a:r>
+              <a:rPr lang="en-US" sz="1200" dirty="0">
+                <a:latin typeface="Consolas" panose="020B0609020204030204" pitchFamily="49" charset="0"/>
+              </a:rPr>
+              <a:t>(</a:t>
+            </a:r>
+            <a:r>
+              <a:rPr lang="en-US" sz="1200" dirty="0" err="1">
+                <a:latin typeface="Consolas" panose="020B0609020204030204" pitchFamily="49" charset="0"/>
+              </a:rPr>
+              <a:t>base_size</a:t>
+            </a:r>
+            <a:r>
+              <a:rPr lang="en-US" sz="1200" dirty="0">
+                <a:latin typeface="Consolas" panose="020B0609020204030204" pitchFamily="49" charset="0"/>
+              </a:rPr>
+              <a:t> = 20) +</a:t>
+            </a:r>
+          </a:p>
+          <a:p>
+            <a:r>
+              <a:rPr lang="en-US" sz="1200" dirty="0">
+                <a:latin typeface="Consolas" panose="020B0609020204030204" pitchFamily="49" charset="0"/>
+              </a:rPr>
+              <a:t>  theme(</a:t>
+            </a:r>
+            <a:r>
+              <a:rPr lang="en-US" sz="1200" dirty="0" err="1">
+                <a:latin typeface="Consolas" panose="020B0609020204030204" pitchFamily="49" charset="0"/>
+              </a:rPr>
+              <a:t>panel.grid.major</a:t>
+            </a:r>
+            <a:r>
+              <a:rPr lang="en-US" sz="1200" dirty="0">
+                <a:latin typeface="Consolas" panose="020B0609020204030204" pitchFamily="49" charset="0"/>
+              </a:rPr>
+              <a:t> = </a:t>
+            </a:r>
+            <a:r>
+              <a:rPr lang="en-US" sz="1200" dirty="0" err="1">
+                <a:latin typeface="Consolas" panose="020B0609020204030204" pitchFamily="49" charset="0"/>
+              </a:rPr>
+              <a:t>element_blank</a:t>
+            </a:r>
+            <a:r>
+              <a:rPr lang="en-US" sz="1200" dirty="0">
+                <a:latin typeface="Consolas" panose="020B0609020204030204" pitchFamily="49" charset="0"/>
+              </a:rPr>
+              <a:t>(),</a:t>
+            </a:r>
+          </a:p>
+          <a:p>
+            <a:r>
+              <a:rPr lang="en-US" sz="1200" dirty="0">
+                <a:latin typeface="Consolas" panose="020B0609020204030204" pitchFamily="49" charset="0"/>
+              </a:rPr>
+              <a:t>        </a:t>
+            </a:r>
+            <a:r>
+              <a:rPr lang="en-US" sz="1200" dirty="0" err="1">
+                <a:latin typeface="Consolas" panose="020B0609020204030204" pitchFamily="49" charset="0"/>
+              </a:rPr>
+              <a:t>panel.grid.minor</a:t>
+            </a:r>
+            <a:r>
+              <a:rPr lang="en-US" sz="1200" dirty="0">
+                <a:latin typeface="Consolas" panose="020B0609020204030204" pitchFamily="49" charset="0"/>
+              </a:rPr>
+              <a:t> = </a:t>
+            </a:r>
+            <a:r>
+              <a:rPr lang="en-US" sz="1200" dirty="0" err="1">
+                <a:latin typeface="Consolas" panose="020B0609020204030204" pitchFamily="49" charset="0"/>
+              </a:rPr>
+              <a:t>element_blank</a:t>
+            </a:r>
+            <a:r>
+              <a:rPr lang="en-US" sz="1200" dirty="0">
+                <a:latin typeface="Consolas" panose="020B0609020204030204" pitchFamily="49" charset="0"/>
+              </a:rPr>
+              <a:t>()) +</a:t>
+            </a:r>
+          </a:p>
+          <a:p>
+            <a:r>
+              <a:rPr lang="en-US" sz="1200" dirty="0">
+                <a:latin typeface="Consolas" panose="020B0609020204030204" pitchFamily="49" charset="0"/>
+              </a:rPr>
+              <a:t>  </a:t>
+            </a:r>
+            <a:r>
+              <a:rPr lang="en-US" sz="1200" dirty="0" err="1">
+                <a:latin typeface="Consolas" panose="020B0609020204030204" pitchFamily="49" charset="0"/>
+              </a:rPr>
+              <a:t>scale_x_continuous</a:t>
+            </a:r>
+            <a:r>
+              <a:rPr lang="en-US" sz="1200" dirty="0">
+                <a:latin typeface="Consolas" panose="020B0609020204030204" pitchFamily="49" charset="0"/>
+              </a:rPr>
+              <a:t>(labels = scales::comma) +</a:t>
+            </a:r>
+          </a:p>
+          <a:p>
+            <a:r>
+              <a:rPr lang="en-US" sz="1200" dirty="0">
+                <a:latin typeface="Consolas" panose="020B0609020204030204" pitchFamily="49" charset="0"/>
+              </a:rPr>
+              <a:t>  theme(</a:t>
+            </a:r>
+            <a:r>
+              <a:rPr lang="en-US" sz="1200" dirty="0" err="1">
+                <a:latin typeface="Consolas" panose="020B0609020204030204" pitchFamily="49" charset="0"/>
+              </a:rPr>
+              <a:t>axis.text.y</a:t>
+            </a:r>
+            <a:r>
+              <a:rPr lang="en-US" sz="1200" dirty="0">
+                <a:latin typeface="Consolas" panose="020B0609020204030204" pitchFamily="49" charset="0"/>
+              </a:rPr>
+              <a:t> = </a:t>
+            </a:r>
+            <a:r>
+              <a:rPr lang="en-US" sz="1200" dirty="0" err="1">
+                <a:latin typeface="Consolas" panose="020B0609020204030204" pitchFamily="49" charset="0"/>
+              </a:rPr>
+              <a:t>element_blank</a:t>
+            </a:r>
+            <a:r>
+              <a:rPr lang="en-US" sz="1200" dirty="0">
+                <a:latin typeface="Consolas" panose="020B0609020204030204" pitchFamily="49" charset="0"/>
+              </a:rPr>
+              <a:t>(),</a:t>
+            </a:r>
+          </a:p>
+          <a:p>
+            <a:r>
+              <a:rPr lang="en-US" sz="1200" dirty="0">
+                <a:latin typeface="Consolas" panose="020B0609020204030204" pitchFamily="49" charset="0"/>
+              </a:rPr>
+              <a:t>        </a:t>
+            </a:r>
+            <a:r>
+              <a:rPr lang="en-US" sz="1200" dirty="0" err="1">
+                <a:latin typeface="Consolas" panose="020B0609020204030204" pitchFamily="49" charset="0"/>
+              </a:rPr>
+              <a:t>axis.ticks.y</a:t>
+            </a:r>
+            <a:r>
+              <a:rPr lang="en-US" sz="1200" dirty="0">
+                <a:latin typeface="Consolas" panose="020B0609020204030204" pitchFamily="49" charset="0"/>
+              </a:rPr>
+              <a:t> = </a:t>
+            </a:r>
+            <a:r>
+              <a:rPr lang="en-US" sz="1200" dirty="0" err="1">
+                <a:latin typeface="Consolas" panose="020B0609020204030204" pitchFamily="49" charset="0"/>
+              </a:rPr>
+              <a:t>element_blank</a:t>
+            </a:r>
+            <a:r>
+              <a:rPr lang="en-US" sz="1200" dirty="0">
+                <a:latin typeface="Consolas" panose="020B0609020204030204" pitchFamily="49" charset="0"/>
+              </a:rPr>
+              <a:t>(),</a:t>
+            </a:r>
+          </a:p>
+          <a:p>
+            <a:r>
+              <a:rPr lang="en-US" sz="1200" dirty="0">
+                <a:latin typeface="Consolas" panose="020B0609020204030204" pitchFamily="49" charset="0"/>
+              </a:rPr>
+              <a:t>        </a:t>
+            </a:r>
+            <a:r>
+              <a:rPr lang="en-US" sz="1200" dirty="0" err="1">
+                <a:latin typeface="Consolas" panose="020B0609020204030204" pitchFamily="49" charset="0"/>
+              </a:rPr>
+              <a:t>axis.title.y</a:t>
+            </a:r>
+            <a:r>
+              <a:rPr lang="en-US" sz="1200" dirty="0">
+                <a:latin typeface="Consolas" panose="020B0609020204030204" pitchFamily="49" charset="0"/>
+              </a:rPr>
+              <a:t> = </a:t>
+            </a:r>
+            <a:r>
+              <a:rPr lang="en-US" sz="1200" dirty="0" err="1">
+                <a:latin typeface="Consolas" panose="020B0609020204030204" pitchFamily="49" charset="0"/>
+              </a:rPr>
+              <a:t>element_blank</a:t>
+            </a:r>
+            <a:r>
+              <a:rPr lang="en-US" sz="1200" dirty="0">
+                <a:latin typeface="Consolas" panose="020B0609020204030204" pitchFamily="49" charset="0"/>
+              </a:rPr>
+              <a:t>())</a:t>
+            </a:r>
           </a:p>
         </p:txBody>
       </p:sp>
     </p:spTree>
     <p:extLst>
       <p:ext uri="{BB962C8B-B14F-4D97-AF65-F5344CB8AC3E}">
-        <p14:creationId xmlns:p14="http://schemas.microsoft.com/office/powerpoint/2010/main" val="2988560573"/>
+        <p14:creationId xmlns:p14="http://schemas.microsoft.com/office/powerpoint/2010/main" val="2160455300"/>
       </p:ext>
     </p:extLst>
   </p:cSld>
@@ -15629,40 +15879,320 @@
           <a:p>
             <a:r>
               <a:rPr lang="en-US" dirty="0"/>
-              <a:t>Trend Selection</a:t>
-            </a:r>
-          </a:p>
-        </p:txBody>
-      </p:sp>
-      <p:sp>
-        <p:nvSpPr>
-          <p:cNvPr id="3" name="Content Placeholder 2">
+              <a:t>Color</a:t>
+            </a:r>
+          </a:p>
+        </p:txBody>
+      </p:sp>
+      <p:pic>
+        <p:nvPicPr>
+          <p:cNvPr id="4" name="Picture 3">
             <a:extLst>
               <a:ext uri="{FF2B5EF4-FFF2-40B4-BE49-F238E27FC236}">
-                <a16:creationId xmlns:a16="http://schemas.microsoft.com/office/drawing/2014/main" id="{39176E43-0115-E50B-D268-5E00760022A7}"/>
+                <a16:creationId xmlns:a16="http://schemas.microsoft.com/office/drawing/2014/main" id="{4A0037C9-EB90-2900-D4EC-DF813BC908A7}"/>
               </a:ext>
             </a:extLst>
           </p:cNvPr>
-          <p:cNvSpPr>
-            <a:spLocks noGrp="1"/>
-          </p:cNvSpPr>
-          <p:nvPr>
-            <p:ph idx="1"/>
-          </p:nvPr>
-        </p:nvSpPr>
-        <p:spPr/>
-        <p:txBody>
-          <a:bodyPr/>
+          <p:cNvPicPr>
+            <a:picLocks noChangeAspect="1"/>
+          </p:cNvPicPr>
+          <p:nvPr/>
+        </p:nvPicPr>
+        <p:blipFill>
+          <a:blip r:embed="rId2" r:link="rId3" cstate="print">
+            <a:extLst>
+              <a:ext uri="{28A0092B-C50C-407E-A947-70E740481C1C}">
+                <a14:useLocalDpi xmlns:a14="http://schemas.microsoft.com/office/drawing/2010/main" val="0"/>
+              </a:ext>
+            </a:extLst>
+          </a:blip>
+          <a:srcRect/>
+          <a:stretch>
+            <a:fillRect/>
+          </a:stretch>
+        </p:blipFill>
+        <p:spPr>
+          <a:xfrm>
+            <a:off x="2971802" y="1447801"/>
+            <a:ext cx="5943594" cy="3962395"/>
+          </a:xfrm>
+          <a:prstGeom prst="rect">
+            <a:avLst/>
+          </a:prstGeom>
+        </p:spPr>
+      </p:pic>
+      <p:sp>
+        <p:nvSpPr>
+          <p:cNvPr id="5" name="TextBox 4">
+            <a:extLst>
+              <a:ext uri="{FF2B5EF4-FFF2-40B4-BE49-F238E27FC236}">
+                <a16:creationId xmlns:a16="http://schemas.microsoft.com/office/drawing/2014/main" id="{04AF6261-B4B1-D761-810B-AACA39E89170}"/>
+              </a:ext>
+            </a:extLst>
+          </p:cNvPr>
+          <p:cNvSpPr txBox="1"/>
+          <p:nvPr/>
+        </p:nvSpPr>
+        <p:spPr>
+          <a:xfrm>
+            <a:off x="228601" y="2514600"/>
+            <a:ext cx="2431673" cy="1815882"/>
+          </a:xfrm>
+          <a:prstGeom prst="rect">
+            <a:avLst/>
+          </a:prstGeom>
+          <a:noFill/>
+        </p:spPr>
+        <p:txBody>
+          <a:bodyPr wrap="square" rtlCol="0">
+            <a:spAutoFit/>
+          </a:bodyPr>
           <a:lstStyle/>
           <a:p>
-            <a:endParaRPr lang="en-US" dirty="0"/>
+            <a:pPr algn="ctr"/>
+            <a:r>
+              <a:rPr lang="en-US" sz="2800" dirty="0">
+                <a:latin typeface="Arial" panose="020B0604020202020204" pitchFamily="34" charset="0"/>
+                <a:cs typeface="Arial" panose="020B0604020202020204" pitchFamily="34" charset="0"/>
+              </a:rPr>
+              <a:t>We can also update the color, if desired.</a:t>
+            </a:r>
+          </a:p>
+        </p:txBody>
+      </p:sp>
+      <p:sp>
+        <p:nvSpPr>
+          <p:cNvPr id="3" name="TextBox 2">
+            <a:extLst>
+              <a:ext uri="{FF2B5EF4-FFF2-40B4-BE49-F238E27FC236}">
+                <a16:creationId xmlns:a16="http://schemas.microsoft.com/office/drawing/2014/main" id="{4FD38AA8-E08D-AFDB-588A-1A0A6FD4205A}"/>
+              </a:ext>
+            </a:extLst>
+          </p:cNvPr>
+          <p:cNvSpPr txBox="1"/>
+          <p:nvPr/>
+        </p:nvSpPr>
+        <p:spPr>
+          <a:xfrm>
+            <a:off x="260498" y="5181600"/>
+            <a:ext cx="7588101" cy="1384995"/>
+          </a:xfrm>
+          <a:prstGeom prst="rect">
+            <a:avLst/>
+          </a:prstGeom>
+          <a:noFill/>
+        </p:spPr>
+        <p:txBody>
+          <a:bodyPr wrap="square" rtlCol="0">
+            <a:spAutoFit/>
+          </a:bodyPr>
+          <a:lstStyle/>
+          <a:p>
+            <a:r>
+              <a:rPr lang="en-US" sz="1200" dirty="0">
+                <a:latin typeface="Consolas" panose="020B0609020204030204" pitchFamily="49" charset="0"/>
+              </a:rPr>
+              <a:t>...</a:t>
+            </a:r>
+          </a:p>
+          <a:p>
+            <a:r>
+              <a:rPr lang="en-US" sz="1200" dirty="0">
+                <a:latin typeface="Consolas" panose="020B0609020204030204" pitchFamily="49" charset="0"/>
+              </a:rPr>
+              <a:t>  </a:t>
+            </a:r>
+            <a:r>
+              <a:rPr lang="en-US" sz="1200" dirty="0" err="1">
+                <a:latin typeface="Consolas" panose="020B0609020204030204" pitchFamily="49" charset="0"/>
+              </a:rPr>
+              <a:t>geom_histogram</a:t>
+            </a:r>
+            <a:r>
+              <a:rPr lang="en-US" sz="1200" dirty="0">
+                <a:latin typeface="Consolas" panose="020B0609020204030204" pitchFamily="49" charset="0"/>
+              </a:rPr>
+              <a:t>(</a:t>
+            </a:r>
+            <a:r>
+              <a:rPr lang="en-US" sz="1200" dirty="0" err="1">
+                <a:latin typeface="Consolas" panose="020B0609020204030204" pitchFamily="49" charset="0"/>
+              </a:rPr>
+              <a:t>aes</a:t>
+            </a:r>
+            <a:r>
+              <a:rPr lang="en-US" sz="1200" dirty="0">
+                <a:latin typeface="Consolas" panose="020B0609020204030204" pitchFamily="49" charset="0"/>
+              </a:rPr>
+              <a:t>(x = loss, </a:t>
+            </a:r>
+            <a:r>
+              <a:rPr lang="en-US" sz="1200" dirty="0" err="1">
+                <a:latin typeface="Consolas" panose="020B0609020204030204" pitchFamily="49" charset="0"/>
+              </a:rPr>
+              <a:t>after_stat</a:t>
+            </a:r>
+            <a:r>
+              <a:rPr lang="en-US" sz="1200" dirty="0">
+                <a:latin typeface="Consolas" panose="020B0609020204030204" pitchFamily="49" charset="0"/>
+              </a:rPr>
+              <a:t>(density)),</a:t>
+            </a:r>
+          </a:p>
+          <a:p>
+            <a:r>
+              <a:rPr lang="en-US" sz="1200" dirty="0">
+                <a:latin typeface="Consolas" panose="020B0609020204030204" pitchFamily="49" charset="0"/>
+              </a:rPr>
+              <a:t>                 fill = </a:t>
+            </a:r>
+            <a:r>
+              <a:rPr lang="en-US" sz="1200" dirty="0" err="1">
+                <a:latin typeface="Consolas" panose="020B0609020204030204" pitchFamily="49" charset="0"/>
+              </a:rPr>
+              <a:t>pal_CAS</a:t>
+            </a:r>
+            <a:r>
+              <a:rPr lang="en-US" sz="1200" dirty="0">
+                <a:latin typeface="Consolas" panose="020B0609020204030204" pitchFamily="49" charset="0"/>
+              </a:rPr>
+              <a:t>["</a:t>
+            </a:r>
+            <a:r>
+              <a:rPr lang="en-US" sz="1200" dirty="0" err="1">
+                <a:latin typeface="Consolas" panose="020B0609020204030204" pitchFamily="49" charset="0"/>
+              </a:rPr>
+              <a:t>light_blue</a:t>
+            </a:r>
+            <a:r>
+              <a:rPr lang="en-US" sz="1200" dirty="0">
+                <a:latin typeface="Consolas" panose="020B0609020204030204" pitchFamily="49" charset="0"/>
+              </a:rPr>
+              <a:t>"]) +</a:t>
+            </a:r>
+          </a:p>
+          <a:p>
+            <a:r>
+              <a:rPr lang="en-US" sz="1200" dirty="0">
+                <a:latin typeface="Consolas" panose="020B0609020204030204" pitchFamily="49" charset="0"/>
+              </a:rPr>
+              <a:t>  </a:t>
+            </a:r>
+            <a:r>
+              <a:rPr lang="en-US" sz="1200" dirty="0" err="1">
+                <a:latin typeface="Consolas" panose="020B0609020204030204" pitchFamily="49" charset="0"/>
+              </a:rPr>
+              <a:t>stat_function</a:t>
+            </a:r>
+            <a:r>
+              <a:rPr lang="en-US" sz="1200" dirty="0">
+                <a:latin typeface="Consolas" panose="020B0609020204030204" pitchFamily="49" charset="0"/>
+              </a:rPr>
+              <a:t>(fun = </a:t>
+            </a:r>
+            <a:r>
+              <a:rPr lang="en-US" sz="1200" dirty="0" err="1">
+                <a:latin typeface="Consolas" panose="020B0609020204030204" pitchFamily="49" charset="0"/>
+              </a:rPr>
+              <a:t>dlnorm</a:t>
+            </a:r>
+            <a:r>
+              <a:rPr lang="en-US" sz="1200" dirty="0">
+                <a:latin typeface="Consolas" panose="020B0609020204030204" pitchFamily="49" charset="0"/>
+              </a:rPr>
+              <a:t>,</a:t>
+            </a:r>
+          </a:p>
+          <a:p>
+            <a:r>
+              <a:rPr lang="en-US" sz="1200" dirty="0">
+                <a:latin typeface="Consolas" panose="020B0609020204030204" pitchFamily="49" charset="0"/>
+              </a:rPr>
+              <a:t>                </a:t>
+            </a:r>
+            <a:r>
+              <a:rPr lang="en-US" sz="1200" dirty="0" err="1">
+                <a:latin typeface="Consolas" panose="020B0609020204030204" pitchFamily="49" charset="0"/>
+              </a:rPr>
+              <a:t>args</a:t>
+            </a:r>
+            <a:r>
+              <a:rPr lang="en-US" sz="1200" dirty="0">
+                <a:latin typeface="Consolas" panose="020B0609020204030204" pitchFamily="49" charset="0"/>
+              </a:rPr>
+              <a:t> = list(</a:t>
+            </a:r>
+            <a:r>
+              <a:rPr lang="en-US" sz="1200" dirty="0" err="1">
+                <a:latin typeface="Consolas" panose="020B0609020204030204" pitchFamily="49" charset="0"/>
+              </a:rPr>
+              <a:t>meanlog</a:t>
+            </a:r>
+            <a:r>
+              <a:rPr lang="en-US" sz="1200" dirty="0">
+                <a:latin typeface="Consolas" panose="020B0609020204030204" pitchFamily="49" charset="0"/>
+              </a:rPr>
+              <a:t> = 10, </a:t>
+            </a:r>
+            <a:r>
+              <a:rPr lang="en-US" sz="1200" dirty="0" err="1">
+                <a:latin typeface="Consolas" panose="020B0609020204030204" pitchFamily="49" charset="0"/>
+              </a:rPr>
+              <a:t>sdlog</a:t>
+            </a:r>
+            <a:r>
+              <a:rPr lang="en-US" sz="1200" dirty="0">
+                <a:latin typeface="Consolas" panose="020B0609020204030204" pitchFamily="49" charset="0"/>
+              </a:rPr>
+              <a:t> = 1.0),</a:t>
+            </a:r>
+          </a:p>
+          <a:p>
+            <a:r>
+              <a:rPr lang="en-US" sz="1200" dirty="0">
+                <a:latin typeface="Consolas" panose="020B0609020204030204" pitchFamily="49" charset="0"/>
+              </a:rPr>
+              <a:t>                color = </a:t>
+            </a:r>
+            <a:r>
+              <a:rPr lang="en-US" sz="1200" dirty="0" err="1">
+                <a:latin typeface="Consolas" panose="020B0609020204030204" pitchFamily="49" charset="0"/>
+              </a:rPr>
+              <a:t>pal_CAS</a:t>
+            </a:r>
+            <a:r>
+              <a:rPr lang="en-US" sz="1200" dirty="0">
+                <a:latin typeface="Consolas" panose="020B0609020204030204" pitchFamily="49" charset="0"/>
+              </a:rPr>
+              <a:t>["</a:t>
+            </a:r>
+            <a:r>
+              <a:rPr lang="en-US" sz="1200" dirty="0" err="1">
+                <a:latin typeface="Consolas" panose="020B0609020204030204" pitchFamily="49" charset="0"/>
+              </a:rPr>
+              <a:t>dark_blue</a:t>
+            </a:r>
+            <a:r>
+              <a:rPr lang="en-US" sz="1200" dirty="0">
+                <a:latin typeface="Consolas" panose="020B0609020204030204" pitchFamily="49" charset="0"/>
+              </a:rPr>
+              <a:t>"]) +</a:t>
+            </a:r>
+          </a:p>
+          <a:p>
+            <a:r>
+              <a:rPr lang="en-US" sz="1200" dirty="0">
+                <a:latin typeface="Consolas" panose="020B0609020204030204" pitchFamily="49" charset="0"/>
+              </a:rPr>
+              <a:t>...</a:t>
+            </a:r>
           </a:p>
         </p:txBody>
       </p:sp>
     </p:spTree>
     <p:extLst>
       <p:ext uri="{BB962C8B-B14F-4D97-AF65-F5344CB8AC3E}">
-        <p14:creationId xmlns:p14="http://schemas.microsoft.com/office/powerpoint/2010/main" val="3996687486"/>
+        <p14:creationId xmlns:p14="http://schemas.microsoft.com/office/powerpoint/2010/main" val="1159549392"/>
       </p:ext>
     </p:extLst>
   </p:cSld>
@@ -15712,40 +16242,89 @@
           <a:p>
             <a:r>
               <a:rPr lang="en-US" dirty="0"/>
-              <a:t>Trend Selection</a:t>
-            </a:r>
-          </a:p>
-        </p:txBody>
-      </p:sp>
-      <p:sp>
-        <p:nvSpPr>
-          <p:cNvPr id="3" name="Content Placeholder 2">
+              <a:t>Comparison</a:t>
+            </a:r>
+          </a:p>
+        </p:txBody>
+      </p:sp>
+      <p:pic>
+        <p:nvPicPr>
+          <p:cNvPr id="4" name="Picture 3">
             <a:extLst>
               <a:ext uri="{FF2B5EF4-FFF2-40B4-BE49-F238E27FC236}">
-                <a16:creationId xmlns:a16="http://schemas.microsoft.com/office/drawing/2014/main" id="{39176E43-0115-E50B-D268-5E00760022A7}"/>
+                <a16:creationId xmlns:a16="http://schemas.microsoft.com/office/drawing/2014/main" id="{4A0037C9-EB90-2900-D4EC-DF813BC908A7}"/>
               </a:ext>
             </a:extLst>
           </p:cNvPr>
-          <p:cNvSpPr>
-            <a:spLocks noGrp="1"/>
-          </p:cNvSpPr>
-          <p:nvPr>
-            <p:ph idx="1"/>
-          </p:nvPr>
-        </p:nvSpPr>
-        <p:spPr/>
-        <p:txBody>
-          <a:bodyPr/>
-          <a:lstStyle/>
-          <a:p>
-            <a:endParaRPr lang="en-US" dirty="0"/>
-          </a:p>
-        </p:txBody>
-      </p:sp>
+          <p:cNvPicPr>
+            <a:picLocks noChangeAspect="1"/>
+          </p:cNvPicPr>
+          <p:nvPr/>
+        </p:nvPicPr>
+        <p:blipFill>
+          <a:blip r:embed="rId2" r:link="rId3" cstate="print">
+            <a:extLst>
+              <a:ext uri="{28A0092B-C50C-407E-A947-70E740481C1C}">
+                <a14:useLocalDpi xmlns:a14="http://schemas.microsoft.com/office/drawing/2010/main" val="0"/>
+              </a:ext>
+            </a:extLst>
+          </a:blip>
+          <a:srcRect/>
+          <a:stretch>
+            <a:fillRect/>
+          </a:stretch>
+        </p:blipFill>
+        <p:spPr>
+          <a:xfrm>
+            <a:off x="4571998" y="2209799"/>
+            <a:ext cx="4389121" cy="2926080"/>
+          </a:xfrm>
+          <a:prstGeom prst="rect">
+            <a:avLst/>
+          </a:prstGeom>
+        </p:spPr>
+      </p:pic>
+      <p:pic>
+        <p:nvPicPr>
+          <p:cNvPr id="6" name="Picture 5">
+            <a:extLst>
+              <a:ext uri="{FF2B5EF4-FFF2-40B4-BE49-F238E27FC236}">
+                <a16:creationId xmlns:a16="http://schemas.microsoft.com/office/drawing/2014/main" id="{D8447591-D830-A3F2-DC0D-858B0C9B5E06}"/>
+              </a:ext>
+            </a:extLst>
+          </p:cNvPr>
+          <p:cNvPicPr>
+            <a:picLocks noChangeAspect="1"/>
+          </p:cNvPicPr>
+          <p:nvPr/>
+        </p:nvPicPr>
+        <p:blipFill>
+          <a:blip r:embed="rId4" r:link="rId5" cstate="print">
+            <a:extLst>
+              <a:ext uri="{28A0092B-C50C-407E-A947-70E740481C1C}">
+                <a14:useLocalDpi xmlns:a14="http://schemas.microsoft.com/office/drawing/2010/main" val="0"/>
+              </a:ext>
+            </a:extLst>
+          </a:blip>
+          <a:srcRect/>
+          <a:stretch>
+            <a:fillRect/>
+          </a:stretch>
+        </p:blipFill>
+        <p:spPr>
+          <a:xfrm>
+            <a:off x="152401" y="2209799"/>
+            <a:ext cx="4389120" cy="2926080"/>
+          </a:xfrm>
+          <a:prstGeom prst="rect">
+            <a:avLst/>
+          </a:prstGeom>
+        </p:spPr>
+      </p:pic>
     </p:spTree>
     <p:extLst>
       <p:ext uri="{BB962C8B-B14F-4D97-AF65-F5344CB8AC3E}">
-        <p14:creationId xmlns:p14="http://schemas.microsoft.com/office/powerpoint/2010/main" val="2234546495"/>
+        <p14:creationId xmlns:p14="http://schemas.microsoft.com/office/powerpoint/2010/main" val="2628500775"/>
       </p:ext>
     </p:extLst>
   </p:cSld>
@@ -15795,623 +16374,6 @@
           <a:p>
             <a:r>
               <a:rPr lang="en-US" dirty="0"/>
-              <a:t>Rate Indications</a:t>
-            </a:r>
-          </a:p>
-        </p:txBody>
-      </p:sp>
-      <p:sp>
-        <p:nvSpPr>
-          <p:cNvPr id="3" name="Content Placeholder 2">
-            <a:extLst>
-              <a:ext uri="{FF2B5EF4-FFF2-40B4-BE49-F238E27FC236}">
-                <a16:creationId xmlns:a16="http://schemas.microsoft.com/office/drawing/2014/main" id="{39176E43-0115-E50B-D268-5E00760022A7}"/>
-              </a:ext>
-            </a:extLst>
-          </p:cNvPr>
-          <p:cNvSpPr>
-            <a:spLocks noGrp="1"/>
-          </p:cNvSpPr>
-          <p:nvPr>
-            <p:ph idx="1"/>
-          </p:nvPr>
-        </p:nvSpPr>
-        <p:spPr/>
-        <p:txBody>
-          <a:bodyPr/>
-          <a:lstStyle/>
-          <a:p>
-            <a:endParaRPr lang="en-US" dirty="0"/>
-          </a:p>
-        </p:txBody>
-      </p:sp>
-    </p:spTree>
-    <p:extLst>
-      <p:ext uri="{BB962C8B-B14F-4D97-AF65-F5344CB8AC3E}">
-        <p14:creationId xmlns:p14="http://schemas.microsoft.com/office/powerpoint/2010/main" val="3744326896"/>
-      </p:ext>
-    </p:extLst>
-  </p:cSld>
-  <p:clrMapOvr>
-    <a:masterClrMapping/>
-  </p:clrMapOvr>
-</p:sld>
-</file>
-
-<file path=ppt/slides/slide15.xml><?xml version="1.0" encoding="utf-8"?>
-<p:sld xmlns:a="http://schemas.openxmlformats.org/drawingml/2006/main" xmlns:r="http://schemas.openxmlformats.org/officeDocument/2006/relationships" xmlns:p="http://schemas.openxmlformats.org/presentationml/2006/main">
-  <p:cSld>
-    <p:spTree>
-      <p:nvGrpSpPr>
-        <p:cNvPr id="1" name=""/>
-        <p:cNvGrpSpPr/>
-        <p:nvPr/>
-      </p:nvGrpSpPr>
-      <p:grpSpPr>
-        <a:xfrm>
-          <a:off x="0" y="0"/>
-          <a:ext cx="0" cy="0"/>
-          <a:chOff x="0" y="0"/>
-          <a:chExt cx="0" cy="0"/>
-        </a:xfrm>
-      </p:grpSpPr>
-      <p:sp>
-        <p:nvSpPr>
-          <p:cNvPr id="2" name="Title 1">
-            <a:extLst>
-              <a:ext uri="{FF2B5EF4-FFF2-40B4-BE49-F238E27FC236}">
-                <a16:creationId xmlns:a16="http://schemas.microsoft.com/office/drawing/2014/main" id="{18969BF5-0288-FD7C-1739-0C8672F3D7F8}"/>
-              </a:ext>
-            </a:extLst>
-          </p:cNvPr>
-          <p:cNvSpPr>
-            <a:spLocks noGrp="1"/>
-          </p:cNvSpPr>
-          <p:nvPr>
-            <p:ph type="title"/>
-          </p:nvPr>
-        </p:nvSpPr>
-        <p:spPr/>
-        <p:txBody>
-          <a:bodyPr/>
-          <a:lstStyle/>
-          <a:p>
-            <a:r>
-              <a:rPr lang="en-US"/>
-              <a:t>Rate Indications</a:t>
-            </a:r>
-            <a:endParaRPr lang="en-US" dirty="0"/>
-          </a:p>
-        </p:txBody>
-      </p:sp>
-      <p:sp>
-        <p:nvSpPr>
-          <p:cNvPr id="3" name="Content Placeholder 2">
-            <a:extLst>
-              <a:ext uri="{FF2B5EF4-FFF2-40B4-BE49-F238E27FC236}">
-                <a16:creationId xmlns:a16="http://schemas.microsoft.com/office/drawing/2014/main" id="{39176E43-0115-E50B-D268-5E00760022A7}"/>
-              </a:ext>
-            </a:extLst>
-          </p:cNvPr>
-          <p:cNvSpPr>
-            <a:spLocks noGrp="1"/>
-          </p:cNvSpPr>
-          <p:nvPr>
-            <p:ph idx="1"/>
-          </p:nvPr>
-        </p:nvSpPr>
-        <p:spPr/>
-        <p:txBody>
-          <a:bodyPr/>
-          <a:lstStyle/>
-          <a:p>
-            <a:endParaRPr lang="en-US" dirty="0"/>
-          </a:p>
-        </p:txBody>
-      </p:sp>
-    </p:spTree>
-    <p:extLst>
-      <p:ext uri="{BB962C8B-B14F-4D97-AF65-F5344CB8AC3E}">
-        <p14:creationId xmlns:p14="http://schemas.microsoft.com/office/powerpoint/2010/main" val="2037117755"/>
-      </p:ext>
-    </p:extLst>
-  </p:cSld>
-  <p:clrMapOvr>
-    <a:masterClrMapping/>
-  </p:clrMapOvr>
-</p:sld>
-</file>
-
-<file path=ppt/slides/slide16.xml><?xml version="1.0" encoding="utf-8"?>
-<p:sld xmlns:a="http://schemas.openxmlformats.org/drawingml/2006/main" xmlns:r="http://schemas.openxmlformats.org/officeDocument/2006/relationships" xmlns:p="http://schemas.openxmlformats.org/presentationml/2006/main">
-  <p:cSld>
-    <p:spTree>
-      <p:nvGrpSpPr>
-        <p:cNvPr id="1" name=""/>
-        <p:cNvGrpSpPr/>
-        <p:nvPr/>
-      </p:nvGrpSpPr>
-      <p:grpSpPr>
-        <a:xfrm>
-          <a:off x="0" y="0"/>
-          <a:ext cx="0" cy="0"/>
-          <a:chOff x="0" y="0"/>
-          <a:chExt cx="0" cy="0"/>
-        </a:xfrm>
-      </p:grpSpPr>
-      <p:sp>
-        <p:nvSpPr>
-          <p:cNvPr id="2" name="Title 1">
-            <a:extLst>
-              <a:ext uri="{FF2B5EF4-FFF2-40B4-BE49-F238E27FC236}">
-                <a16:creationId xmlns:a16="http://schemas.microsoft.com/office/drawing/2014/main" id="{18969BF5-0288-FD7C-1739-0C8672F3D7F8}"/>
-              </a:ext>
-            </a:extLst>
-          </p:cNvPr>
-          <p:cNvSpPr>
-            <a:spLocks noGrp="1"/>
-          </p:cNvSpPr>
-          <p:nvPr>
-            <p:ph type="title"/>
-          </p:nvPr>
-        </p:nvSpPr>
-        <p:spPr/>
-        <p:txBody>
-          <a:bodyPr/>
-          <a:lstStyle/>
-          <a:p>
-            <a:r>
-              <a:rPr lang="en-US" dirty="0"/>
-              <a:t>Mix Shift</a:t>
-            </a:r>
-          </a:p>
-        </p:txBody>
-      </p:sp>
-      <p:sp>
-        <p:nvSpPr>
-          <p:cNvPr id="3" name="Content Placeholder 2">
-            <a:extLst>
-              <a:ext uri="{FF2B5EF4-FFF2-40B4-BE49-F238E27FC236}">
-                <a16:creationId xmlns:a16="http://schemas.microsoft.com/office/drawing/2014/main" id="{39176E43-0115-E50B-D268-5E00760022A7}"/>
-              </a:ext>
-            </a:extLst>
-          </p:cNvPr>
-          <p:cNvSpPr>
-            <a:spLocks noGrp="1"/>
-          </p:cNvSpPr>
-          <p:nvPr>
-            <p:ph idx="1"/>
-          </p:nvPr>
-        </p:nvSpPr>
-        <p:spPr/>
-        <p:txBody>
-          <a:bodyPr/>
-          <a:lstStyle/>
-          <a:p>
-            <a:endParaRPr lang="en-US" dirty="0"/>
-          </a:p>
-        </p:txBody>
-      </p:sp>
-    </p:spTree>
-    <p:extLst>
-      <p:ext uri="{BB962C8B-B14F-4D97-AF65-F5344CB8AC3E}">
-        <p14:creationId xmlns:p14="http://schemas.microsoft.com/office/powerpoint/2010/main" val="233457934"/>
-      </p:ext>
-    </p:extLst>
-  </p:cSld>
-  <p:clrMapOvr>
-    <a:masterClrMapping/>
-  </p:clrMapOvr>
-</p:sld>
-</file>
-
-<file path=ppt/slides/slide17.xml><?xml version="1.0" encoding="utf-8"?>
-<p:sld xmlns:a="http://schemas.openxmlformats.org/drawingml/2006/main" xmlns:r="http://schemas.openxmlformats.org/officeDocument/2006/relationships" xmlns:p="http://schemas.openxmlformats.org/presentationml/2006/main">
-  <p:cSld>
-    <p:spTree>
-      <p:nvGrpSpPr>
-        <p:cNvPr id="1" name=""/>
-        <p:cNvGrpSpPr/>
-        <p:nvPr/>
-      </p:nvGrpSpPr>
-      <p:grpSpPr>
-        <a:xfrm>
-          <a:off x="0" y="0"/>
-          <a:ext cx="0" cy="0"/>
-          <a:chOff x="0" y="0"/>
-          <a:chExt cx="0" cy="0"/>
-        </a:xfrm>
-      </p:grpSpPr>
-      <p:sp>
-        <p:nvSpPr>
-          <p:cNvPr id="2" name="Title 1">
-            <a:extLst>
-              <a:ext uri="{FF2B5EF4-FFF2-40B4-BE49-F238E27FC236}">
-                <a16:creationId xmlns:a16="http://schemas.microsoft.com/office/drawing/2014/main" id="{18969BF5-0288-FD7C-1739-0C8672F3D7F8}"/>
-              </a:ext>
-            </a:extLst>
-          </p:cNvPr>
-          <p:cNvSpPr>
-            <a:spLocks noGrp="1"/>
-          </p:cNvSpPr>
-          <p:nvPr>
-            <p:ph type="title"/>
-          </p:nvPr>
-        </p:nvSpPr>
-        <p:spPr/>
-        <p:txBody>
-          <a:bodyPr/>
-          <a:lstStyle/>
-          <a:p>
-            <a:r>
-              <a:rPr lang="en-US" dirty="0"/>
-              <a:t>Mix Shift</a:t>
-            </a:r>
-          </a:p>
-        </p:txBody>
-      </p:sp>
-      <p:sp>
-        <p:nvSpPr>
-          <p:cNvPr id="3" name="Content Placeholder 2">
-            <a:extLst>
-              <a:ext uri="{FF2B5EF4-FFF2-40B4-BE49-F238E27FC236}">
-                <a16:creationId xmlns:a16="http://schemas.microsoft.com/office/drawing/2014/main" id="{39176E43-0115-E50B-D268-5E00760022A7}"/>
-              </a:ext>
-            </a:extLst>
-          </p:cNvPr>
-          <p:cNvSpPr>
-            <a:spLocks noGrp="1"/>
-          </p:cNvSpPr>
-          <p:nvPr>
-            <p:ph idx="1"/>
-          </p:nvPr>
-        </p:nvSpPr>
-        <p:spPr/>
-        <p:txBody>
-          <a:bodyPr/>
-          <a:lstStyle/>
-          <a:p>
-            <a:endParaRPr lang="en-US" dirty="0"/>
-          </a:p>
-        </p:txBody>
-      </p:sp>
-    </p:spTree>
-    <p:extLst>
-      <p:ext uri="{BB962C8B-B14F-4D97-AF65-F5344CB8AC3E}">
-        <p14:creationId xmlns:p14="http://schemas.microsoft.com/office/powerpoint/2010/main" val="3695907033"/>
-      </p:ext>
-    </p:extLst>
-  </p:cSld>
-  <p:clrMapOvr>
-    <a:masterClrMapping/>
-  </p:clrMapOvr>
-</p:sld>
-</file>
-
-<file path=ppt/slides/slide18.xml><?xml version="1.0" encoding="utf-8"?>
-<p:sld xmlns:a="http://schemas.openxmlformats.org/drawingml/2006/main" xmlns:r="http://schemas.openxmlformats.org/officeDocument/2006/relationships" xmlns:p="http://schemas.openxmlformats.org/presentationml/2006/main">
-  <p:cSld>
-    <p:spTree>
-      <p:nvGrpSpPr>
-        <p:cNvPr id="1" name=""/>
-        <p:cNvGrpSpPr/>
-        <p:nvPr/>
-      </p:nvGrpSpPr>
-      <p:grpSpPr>
-        <a:xfrm>
-          <a:off x="0" y="0"/>
-          <a:ext cx="0" cy="0"/>
-          <a:chOff x="0" y="0"/>
-          <a:chExt cx="0" cy="0"/>
-        </a:xfrm>
-      </p:grpSpPr>
-      <p:sp>
-        <p:nvSpPr>
-          <p:cNvPr id="2" name="Title 1">
-            <a:extLst>
-              <a:ext uri="{FF2B5EF4-FFF2-40B4-BE49-F238E27FC236}">
-                <a16:creationId xmlns:a16="http://schemas.microsoft.com/office/drawing/2014/main" id="{18969BF5-0288-FD7C-1739-0C8672F3D7F8}"/>
-              </a:ext>
-            </a:extLst>
-          </p:cNvPr>
-          <p:cNvSpPr>
-            <a:spLocks noGrp="1"/>
-          </p:cNvSpPr>
-          <p:nvPr>
-            <p:ph type="title"/>
-          </p:nvPr>
-        </p:nvSpPr>
-        <p:spPr/>
-        <p:txBody>
-          <a:bodyPr/>
-          <a:lstStyle/>
-          <a:p>
-            <a:r>
-              <a:rPr lang="en-US" dirty="0"/>
-              <a:t>Model Diagnostics</a:t>
-            </a:r>
-          </a:p>
-        </p:txBody>
-      </p:sp>
-      <p:sp>
-        <p:nvSpPr>
-          <p:cNvPr id="3" name="Content Placeholder 2">
-            <a:extLst>
-              <a:ext uri="{FF2B5EF4-FFF2-40B4-BE49-F238E27FC236}">
-                <a16:creationId xmlns:a16="http://schemas.microsoft.com/office/drawing/2014/main" id="{39176E43-0115-E50B-D268-5E00760022A7}"/>
-              </a:ext>
-            </a:extLst>
-          </p:cNvPr>
-          <p:cNvSpPr>
-            <a:spLocks noGrp="1"/>
-          </p:cNvSpPr>
-          <p:nvPr>
-            <p:ph idx="1"/>
-          </p:nvPr>
-        </p:nvSpPr>
-        <p:spPr/>
-        <p:txBody>
-          <a:bodyPr/>
-          <a:lstStyle/>
-          <a:p>
-            <a:endParaRPr lang="en-US" dirty="0"/>
-          </a:p>
-        </p:txBody>
-      </p:sp>
-    </p:spTree>
-    <p:extLst>
-      <p:ext uri="{BB962C8B-B14F-4D97-AF65-F5344CB8AC3E}">
-        <p14:creationId xmlns:p14="http://schemas.microsoft.com/office/powerpoint/2010/main" val="3026868623"/>
-      </p:ext>
-    </p:extLst>
-  </p:cSld>
-  <p:clrMapOvr>
-    <a:masterClrMapping/>
-  </p:clrMapOvr>
-</p:sld>
-</file>
-
-<file path=ppt/slides/slide19.xml><?xml version="1.0" encoding="utf-8"?>
-<p:sld xmlns:a="http://schemas.openxmlformats.org/drawingml/2006/main" xmlns:r="http://schemas.openxmlformats.org/officeDocument/2006/relationships" xmlns:p="http://schemas.openxmlformats.org/presentationml/2006/main">
-  <p:cSld>
-    <p:spTree>
-      <p:nvGrpSpPr>
-        <p:cNvPr id="1" name=""/>
-        <p:cNvGrpSpPr/>
-        <p:nvPr/>
-      </p:nvGrpSpPr>
-      <p:grpSpPr>
-        <a:xfrm>
-          <a:off x="0" y="0"/>
-          <a:ext cx="0" cy="0"/>
-          <a:chOff x="0" y="0"/>
-          <a:chExt cx="0" cy="0"/>
-        </a:xfrm>
-      </p:grpSpPr>
-      <p:sp>
-        <p:nvSpPr>
-          <p:cNvPr id="2" name="Title 1">
-            <a:extLst>
-              <a:ext uri="{FF2B5EF4-FFF2-40B4-BE49-F238E27FC236}">
-                <a16:creationId xmlns:a16="http://schemas.microsoft.com/office/drawing/2014/main" id="{18969BF5-0288-FD7C-1739-0C8672F3D7F8}"/>
-              </a:ext>
-            </a:extLst>
-          </p:cNvPr>
-          <p:cNvSpPr>
-            <a:spLocks noGrp="1"/>
-          </p:cNvSpPr>
-          <p:nvPr>
-            <p:ph type="title"/>
-          </p:nvPr>
-        </p:nvSpPr>
-        <p:spPr/>
-        <p:txBody>
-          <a:bodyPr/>
-          <a:lstStyle/>
-          <a:p>
-            <a:r>
-              <a:rPr lang="en-US"/>
-              <a:t>Model Diagnostics</a:t>
-            </a:r>
-            <a:endParaRPr lang="en-US" dirty="0"/>
-          </a:p>
-        </p:txBody>
-      </p:sp>
-      <p:sp>
-        <p:nvSpPr>
-          <p:cNvPr id="3" name="Content Placeholder 2">
-            <a:extLst>
-              <a:ext uri="{FF2B5EF4-FFF2-40B4-BE49-F238E27FC236}">
-                <a16:creationId xmlns:a16="http://schemas.microsoft.com/office/drawing/2014/main" id="{39176E43-0115-E50B-D268-5E00760022A7}"/>
-              </a:ext>
-            </a:extLst>
-          </p:cNvPr>
-          <p:cNvSpPr>
-            <a:spLocks noGrp="1"/>
-          </p:cNvSpPr>
-          <p:nvPr>
-            <p:ph idx="1"/>
-          </p:nvPr>
-        </p:nvSpPr>
-        <p:spPr/>
-        <p:txBody>
-          <a:bodyPr/>
-          <a:lstStyle/>
-          <a:p>
-            <a:endParaRPr lang="en-US" dirty="0"/>
-          </a:p>
-        </p:txBody>
-      </p:sp>
-    </p:spTree>
-    <p:extLst>
-      <p:ext uri="{BB962C8B-B14F-4D97-AF65-F5344CB8AC3E}">
-        <p14:creationId xmlns:p14="http://schemas.microsoft.com/office/powerpoint/2010/main" val="1881759498"/>
-      </p:ext>
-    </p:extLst>
-  </p:cSld>
-  <p:clrMapOvr>
-    <a:masterClrMapping/>
-  </p:clrMapOvr>
-</p:sld>
-</file>
-
-<file path=ppt/slides/slide2.xml><?xml version="1.0" encoding="utf-8"?>
-<p:sld xmlns:a="http://schemas.openxmlformats.org/drawingml/2006/main" xmlns:r="http://schemas.openxmlformats.org/officeDocument/2006/relationships" xmlns:p="http://schemas.openxmlformats.org/presentationml/2006/main">
-  <p:cSld>
-    <p:spTree>
-      <p:nvGrpSpPr>
-        <p:cNvPr id="1" name=""/>
-        <p:cNvGrpSpPr/>
-        <p:nvPr/>
-      </p:nvGrpSpPr>
-      <p:grpSpPr>
-        <a:xfrm>
-          <a:off x="0" y="0"/>
-          <a:ext cx="0" cy="0"/>
-          <a:chOff x="0" y="0"/>
-          <a:chExt cx="0" cy="0"/>
-        </a:xfrm>
-      </p:grpSpPr>
-      <p:sp>
-        <p:nvSpPr>
-          <p:cNvPr id="2" name="Title 1">
-            <a:extLst>
-              <a:ext uri="{FF2B5EF4-FFF2-40B4-BE49-F238E27FC236}">
-                <a16:creationId xmlns:a16="http://schemas.microsoft.com/office/drawing/2014/main" id="{6442BFB3-50B7-CB64-9D6F-632F86BE2902}"/>
-              </a:ext>
-            </a:extLst>
-          </p:cNvPr>
-          <p:cNvSpPr>
-            <a:spLocks noGrp="1"/>
-          </p:cNvSpPr>
-          <p:nvPr>
-            <p:ph type="ctrTitle"/>
-          </p:nvPr>
-        </p:nvSpPr>
-        <p:spPr>
-          <a:xfrm>
-            <a:off x="1485900" y="2130425"/>
-            <a:ext cx="6172200" cy="1470025"/>
-          </a:xfrm>
-        </p:spPr>
-        <p:txBody>
-          <a:bodyPr/>
-          <a:lstStyle/>
-          <a:p>
-            <a:pPr algn="ctr"/>
-            <a:r>
-              <a:rPr lang="en-US" sz="5400" dirty="0"/>
-              <a:t>Effective</a:t>
-            </a:r>
-            <a:br>
-              <a:rPr lang="en-US" sz="5400" dirty="0"/>
-            </a:br>
-            <a:r>
-              <a:rPr lang="en-US" sz="5400" dirty="0"/>
-              <a:t>Data Visualization</a:t>
-            </a:r>
-            <a:br>
-              <a:rPr lang="en-US" sz="5400" dirty="0"/>
-            </a:br>
-            <a:r>
-              <a:rPr lang="en-US" sz="5400" dirty="0"/>
-              <a:t>for Actuaries</a:t>
-            </a:r>
-          </a:p>
-        </p:txBody>
-      </p:sp>
-      <p:sp>
-        <p:nvSpPr>
-          <p:cNvPr id="3" name="Subtitle 2">
-            <a:extLst>
-              <a:ext uri="{FF2B5EF4-FFF2-40B4-BE49-F238E27FC236}">
-                <a16:creationId xmlns:a16="http://schemas.microsoft.com/office/drawing/2014/main" id="{9AF04EAA-821F-B55D-E8F7-C5651E6F8F40}"/>
-              </a:ext>
-            </a:extLst>
-          </p:cNvPr>
-          <p:cNvSpPr>
-            <a:spLocks noGrp="1"/>
-          </p:cNvSpPr>
-          <p:nvPr>
-            <p:ph type="subTitle" idx="1"/>
-          </p:nvPr>
-        </p:nvSpPr>
-        <p:spPr>
-          <a:xfrm>
-            <a:off x="1371600" y="4495800"/>
-            <a:ext cx="6400800" cy="1752600"/>
-          </a:xfrm>
-        </p:spPr>
-        <p:txBody>
-          <a:bodyPr/>
-          <a:lstStyle/>
-          <a:p>
-            <a:r>
-              <a:rPr lang="en-US" dirty="0"/>
-              <a:t>Brian Fannin</a:t>
-            </a:r>
-          </a:p>
-          <a:p>
-            <a:r>
-              <a:rPr lang="en-US" dirty="0"/>
-              <a:t>Jordan Bonner</a:t>
-            </a:r>
-          </a:p>
-        </p:txBody>
-      </p:sp>
-    </p:spTree>
-    <p:extLst>
-      <p:ext uri="{BB962C8B-B14F-4D97-AF65-F5344CB8AC3E}">
-        <p14:creationId xmlns:p14="http://schemas.microsoft.com/office/powerpoint/2010/main" val="3575641883"/>
-      </p:ext>
-    </p:extLst>
-  </p:cSld>
-  <p:clrMapOvr>
-    <a:masterClrMapping/>
-  </p:clrMapOvr>
-</p:sld>
-</file>
-
-<file path=ppt/slides/slide20.xml><?xml version="1.0" encoding="utf-8"?>
-<p:sld xmlns:a="http://schemas.openxmlformats.org/drawingml/2006/main" xmlns:r="http://schemas.openxmlformats.org/officeDocument/2006/relationships" xmlns:p="http://schemas.openxmlformats.org/presentationml/2006/main">
-  <p:cSld>
-    <p:spTree>
-      <p:nvGrpSpPr>
-        <p:cNvPr id="1" name=""/>
-        <p:cNvGrpSpPr/>
-        <p:nvPr/>
-      </p:nvGrpSpPr>
-      <p:grpSpPr>
-        <a:xfrm>
-          <a:off x="0" y="0"/>
-          <a:ext cx="0" cy="0"/>
-          <a:chOff x="0" y="0"/>
-          <a:chExt cx="0" cy="0"/>
-        </a:xfrm>
-      </p:grpSpPr>
-      <p:sp>
-        <p:nvSpPr>
-          <p:cNvPr id="2" name="Title 1">
-            <a:extLst>
-              <a:ext uri="{FF2B5EF4-FFF2-40B4-BE49-F238E27FC236}">
-                <a16:creationId xmlns:a16="http://schemas.microsoft.com/office/drawing/2014/main" id="{18969BF5-0288-FD7C-1739-0C8672F3D7F8}"/>
-              </a:ext>
-            </a:extLst>
-          </p:cNvPr>
-          <p:cNvSpPr>
-            <a:spLocks noGrp="1"/>
-          </p:cNvSpPr>
-          <p:nvPr>
-            <p:ph type="title"/>
-          </p:nvPr>
-        </p:nvSpPr>
-        <p:spPr/>
-        <p:txBody>
-          <a:bodyPr/>
-          <a:lstStyle/>
-          <a:p>
-            <a:r>
-              <a:rPr lang="en-US" dirty="0"/>
               <a:t>Two Axes vs Two Charts</a:t>
             </a:r>
           </a:p>
@@ -16432,7 +16394,7 @@
           <p:nvPr/>
         </p:nvPicPr>
         <p:blipFill>
-          <a:blip r:embed="rId2" r:link="rId3">
+          <a:blip r:embed="rId2" r:link="rId3" cstate="print">
             <a:extLst>
               <a:ext uri="{28A0092B-C50C-407E-A947-70E740481C1C}">
                 <a14:useLocalDpi xmlns:a14="http://schemas.microsoft.com/office/drawing/2010/main" val="0"/>
@@ -16469,7 +16431,7 @@
           <p:nvPr/>
         </p:nvPicPr>
         <p:blipFill>
-          <a:blip r:embed="rId4" r:link="rId5">
+          <a:blip r:embed="rId4" r:link="rId5" cstate="print">
             <a:extLst>
               <a:ext uri="{28A0092B-C50C-407E-A947-70E740481C1C}">
                 <a14:useLocalDpi xmlns:a14="http://schemas.microsoft.com/office/drawing/2010/main" val="0"/>
@@ -16504,7 +16466,7 @@
 </p:sld>
 </file>
 
-<file path=ppt/slides/slide21.xml><?xml version="1.0" encoding="utf-8"?>
+<file path=ppt/slides/slide15.xml><?xml version="1.0" encoding="utf-8"?>
 <p:sld xmlns:a="http://schemas.openxmlformats.org/drawingml/2006/main" xmlns:r="http://schemas.openxmlformats.org/officeDocument/2006/relationships" xmlns:p="http://schemas.openxmlformats.org/presentationml/2006/main">
   <p:cSld>
     <p:spTree>
@@ -16564,7 +16526,7 @@
           <p:nvPr/>
         </p:nvPicPr>
         <p:blipFill>
-          <a:blip r:embed="rId2" r:link="rId3">
+          <a:blip r:embed="rId2" r:link="rId3" cstate="print">
             <a:extLst>
               <a:ext uri="{28A0092B-C50C-407E-A947-70E740481C1C}">
                 <a14:useLocalDpi xmlns:a14="http://schemas.microsoft.com/office/drawing/2010/main" val="0"/>
@@ -16599,6 +16561,654 @@
 </p:sld>
 </file>
 
+<file path=ppt/slides/slide16.xml><?xml version="1.0" encoding="utf-8"?>
+<p:sld xmlns:a="http://schemas.openxmlformats.org/drawingml/2006/main" xmlns:r="http://schemas.openxmlformats.org/officeDocument/2006/relationships" xmlns:p="http://schemas.openxmlformats.org/presentationml/2006/main">
+  <p:cSld>
+    <p:spTree>
+      <p:nvGrpSpPr>
+        <p:cNvPr id="1" name=""/>
+        <p:cNvGrpSpPr/>
+        <p:nvPr/>
+      </p:nvGrpSpPr>
+      <p:grpSpPr>
+        <a:xfrm>
+          <a:off x="0" y="0"/>
+          <a:ext cx="0" cy="0"/>
+          <a:chOff x="0" y="0"/>
+          <a:chExt cx="0" cy="0"/>
+        </a:xfrm>
+      </p:grpSpPr>
+      <p:sp>
+        <p:nvSpPr>
+          <p:cNvPr id="2" name="Title 1">
+            <a:extLst>
+              <a:ext uri="{FF2B5EF4-FFF2-40B4-BE49-F238E27FC236}">
+                <a16:creationId xmlns:a16="http://schemas.microsoft.com/office/drawing/2014/main" id="{FB164A08-7CBF-A761-E02D-33DAFF697330}"/>
+              </a:ext>
+            </a:extLst>
+          </p:cNvPr>
+          <p:cNvSpPr>
+            <a:spLocks noGrp="1"/>
+          </p:cNvSpPr>
+          <p:nvPr>
+            <p:ph type="title"/>
+          </p:nvPr>
+        </p:nvSpPr>
+        <p:spPr/>
+        <p:txBody>
+          <a:bodyPr/>
+          <a:lstStyle/>
+          <a:p>
+            <a:r>
+              <a:rPr lang="en-US" dirty="0"/>
+              <a:t>Actuarial visualization</a:t>
+            </a:r>
+          </a:p>
+        </p:txBody>
+      </p:sp>
+      <p:sp>
+        <p:nvSpPr>
+          <p:cNvPr id="3" name="Text Placeholder 2">
+            <a:extLst>
+              <a:ext uri="{FF2B5EF4-FFF2-40B4-BE49-F238E27FC236}">
+                <a16:creationId xmlns:a16="http://schemas.microsoft.com/office/drawing/2014/main" id="{4B1F8AE9-444E-BC75-AA22-A6E4BADDFFA8}"/>
+              </a:ext>
+            </a:extLst>
+          </p:cNvPr>
+          <p:cNvSpPr>
+            <a:spLocks noGrp="1"/>
+          </p:cNvSpPr>
+          <p:nvPr>
+            <p:ph type="body" idx="1"/>
+          </p:nvPr>
+        </p:nvSpPr>
+        <p:spPr/>
+        <p:txBody>
+          <a:bodyPr/>
+          <a:lstStyle/>
+          <a:p>
+            <a:endParaRPr lang="en-US"/>
+          </a:p>
+        </p:txBody>
+      </p:sp>
+    </p:spTree>
+    <p:extLst>
+      <p:ext uri="{BB962C8B-B14F-4D97-AF65-F5344CB8AC3E}">
+        <p14:creationId xmlns:p14="http://schemas.microsoft.com/office/powerpoint/2010/main" val="1394516605"/>
+      </p:ext>
+    </p:extLst>
+  </p:cSld>
+  <p:clrMapOvr>
+    <a:masterClrMapping/>
+  </p:clrMapOvr>
+</p:sld>
+</file>
+
+<file path=ppt/slides/slide17.xml><?xml version="1.0" encoding="utf-8"?>
+<p:sld xmlns:a="http://schemas.openxmlformats.org/drawingml/2006/main" xmlns:r="http://schemas.openxmlformats.org/officeDocument/2006/relationships" xmlns:p="http://schemas.openxmlformats.org/presentationml/2006/main">
+  <p:cSld>
+    <p:spTree>
+      <p:nvGrpSpPr>
+        <p:cNvPr id="1" name=""/>
+        <p:cNvGrpSpPr/>
+        <p:nvPr/>
+      </p:nvGrpSpPr>
+      <p:grpSpPr>
+        <a:xfrm>
+          <a:off x="0" y="0"/>
+          <a:ext cx="0" cy="0"/>
+          <a:chOff x="0" y="0"/>
+          <a:chExt cx="0" cy="0"/>
+        </a:xfrm>
+      </p:grpSpPr>
+      <p:sp>
+        <p:nvSpPr>
+          <p:cNvPr id="2" name="Title 1">
+            <a:extLst>
+              <a:ext uri="{FF2B5EF4-FFF2-40B4-BE49-F238E27FC236}">
+                <a16:creationId xmlns:a16="http://schemas.microsoft.com/office/drawing/2014/main" id="{18969BF5-0288-FD7C-1739-0C8672F3D7F8}"/>
+              </a:ext>
+            </a:extLst>
+          </p:cNvPr>
+          <p:cNvSpPr>
+            <a:spLocks noGrp="1"/>
+          </p:cNvSpPr>
+          <p:nvPr>
+            <p:ph type="title"/>
+          </p:nvPr>
+        </p:nvSpPr>
+        <p:spPr/>
+        <p:txBody>
+          <a:bodyPr/>
+          <a:lstStyle/>
+          <a:p>
+            <a:r>
+              <a:rPr lang="en-US" dirty="0"/>
+              <a:t>Common Actuarial Exhibits</a:t>
+            </a:r>
+          </a:p>
+        </p:txBody>
+      </p:sp>
+      <p:sp>
+        <p:nvSpPr>
+          <p:cNvPr id="3" name="Content Placeholder 2">
+            <a:extLst>
+              <a:ext uri="{FF2B5EF4-FFF2-40B4-BE49-F238E27FC236}">
+                <a16:creationId xmlns:a16="http://schemas.microsoft.com/office/drawing/2014/main" id="{39176E43-0115-E50B-D268-5E00760022A7}"/>
+              </a:ext>
+            </a:extLst>
+          </p:cNvPr>
+          <p:cNvSpPr>
+            <a:spLocks noGrp="1"/>
+          </p:cNvSpPr>
+          <p:nvPr>
+            <p:ph idx="1"/>
+          </p:nvPr>
+        </p:nvSpPr>
+        <p:spPr/>
+        <p:txBody>
+          <a:bodyPr/>
+          <a:lstStyle/>
+          <a:p>
+            <a:r>
+              <a:rPr lang="en-US" dirty="0"/>
+              <a:t>Loss Development Triangles</a:t>
+            </a:r>
+          </a:p>
+          <a:p>
+            <a:r>
+              <a:rPr lang="en-US" dirty="0"/>
+              <a:t>Trend Selection</a:t>
+            </a:r>
+          </a:p>
+          <a:p>
+            <a:r>
+              <a:rPr lang="en-US" dirty="0"/>
+              <a:t>Rate Indications</a:t>
+            </a:r>
+          </a:p>
+          <a:p>
+            <a:r>
+              <a:rPr lang="en-US" dirty="0"/>
+              <a:t>Mix Shift Exhibits</a:t>
+            </a:r>
+          </a:p>
+          <a:p>
+            <a:r>
+              <a:rPr lang="en-US" dirty="0"/>
+              <a:t>Model Diagnostics</a:t>
+            </a:r>
+          </a:p>
+        </p:txBody>
+      </p:sp>
+    </p:spTree>
+    <p:extLst>
+      <p:ext uri="{BB962C8B-B14F-4D97-AF65-F5344CB8AC3E}">
+        <p14:creationId xmlns:p14="http://schemas.microsoft.com/office/powerpoint/2010/main" val="1361387039"/>
+      </p:ext>
+    </p:extLst>
+  </p:cSld>
+  <p:clrMapOvr>
+    <a:masterClrMapping/>
+  </p:clrMapOvr>
+</p:sld>
+</file>
+
+<file path=ppt/slides/slide18.xml><?xml version="1.0" encoding="utf-8"?>
+<p:sld xmlns:a="http://schemas.openxmlformats.org/drawingml/2006/main" xmlns:r="http://schemas.openxmlformats.org/officeDocument/2006/relationships" xmlns:p="http://schemas.openxmlformats.org/presentationml/2006/main">
+  <p:cSld>
+    <p:spTree>
+      <p:nvGrpSpPr>
+        <p:cNvPr id="1" name=""/>
+        <p:cNvGrpSpPr/>
+        <p:nvPr/>
+      </p:nvGrpSpPr>
+      <p:grpSpPr>
+        <a:xfrm>
+          <a:off x="0" y="0"/>
+          <a:ext cx="0" cy="0"/>
+          <a:chOff x="0" y="0"/>
+          <a:chExt cx="0" cy="0"/>
+        </a:xfrm>
+      </p:grpSpPr>
+      <p:sp>
+        <p:nvSpPr>
+          <p:cNvPr id="2" name="Title 1">
+            <a:extLst>
+              <a:ext uri="{FF2B5EF4-FFF2-40B4-BE49-F238E27FC236}">
+                <a16:creationId xmlns:a16="http://schemas.microsoft.com/office/drawing/2014/main" id="{18969BF5-0288-FD7C-1739-0C8672F3D7F8}"/>
+              </a:ext>
+            </a:extLst>
+          </p:cNvPr>
+          <p:cNvSpPr>
+            <a:spLocks noGrp="1"/>
+          </p:cNvSpPr>
+          <p:nvPr>
+            <p:ph type="title"/>
+          </p:nvPr>
+        </p:nvSpPr>
+        <p:spPr/>
+        <p:txBody>
+          <a:bodyPr/>
+          <a:lstStyle/>
+          <a:p>
+            <a:r>
+              <a:rPr lang="en-US" dirty="0"/>
+              <a:t>Loss Development Triangles</a:t>
+            </a:r>
+          </a:p>
+        </p:txBody>
+      </p:sp>
+      <p:sp>
+        <p:nvSpPr>
+          <p:cNvPr id="3" name="Content Placeholder 2">
+            <a:extLst>
+              <a:ext uri="{FF2B5EF4-FFF2-40B4-BE49-F238E27FC236}">
+                <a16:creationId xmlns:a16="http://schemas.microsoft.com/office/drawing/2014/main" id="{39176E43-0115-E50B-D268-5E00760022A7}"/>
+              </a:ext>
+            </a:extLst>
+          </p:cNvPr>
+          <p:cNvSpPr>
+            <a:spLocks noGrp="1"/>
+          </p:cNvSpPr>
+          <p:nvPr>
+            <p:ph idx="1"/>
+          </p:nvPr>
+        </p:nvSpPr>
+        <p:spPr/>
+        <p:txBody>
+          <a:bodyPr/>
+          <a:lstStyle/>
+          <a:p>
+            <a:endParaRPr lang="en-US" dirty="0"/>
+          </a:p>
+        </p:txBody>
+      </p:sp>
+    </p:spTree>
+    <p:extLst>
+      <p:ext uri="{BB962C8B-B14F-4D97-AF65-F5344CB8AC3E}">
+        <p14:creationId xmlns:p14="http://schemas.microsoft.com/office/powerpoint/2010/main" val="1327768489"/>
+      </p:ext>
+    </p:extLst>
+  </p:cSld>
+  <p:clrMapOvr>
+    <a:masterClrMapping/>
+  </p:clrMapOvr>
+</p:sld>
+</file>
+
+<file path=ppt/slides/slide19.xml><?xml version="1.0" encoding="utf-8"?>
+<p:sld xmlns:a="http://schemas.openxmlformats.org/drawingml/2006/main" xmlns:r="http://schemas.openxmlformats.org/officeDocument/2006/relationships" xmlns:p="http://schemas.openxmlformats.org/presentationml/2006/main">
+  <p:cSld>
+    <p:spTree>
+      <p:nvGrpSpPr>
+        <p:cNvPr id="1" name=""/>
+        <p:cNvGrpSpPr/>
+        <p:nvPr/>
+      </p:nvGrpSpPr>
+      <p:grpSpPr>
+        <a:xfrm>
+          <a:off x="0" y="0"/>
+          <a:ext cx="0" cy="0"/>
+          <a:chOff x="0" y="0"/>
+          <a:chExt cx="0" cy="0"/>
+        </a:xfrm>
+      </p:grpSpPr>
+      <p:sp>
+        <p:nvSpPr>
+          <p:cNvPr id="2" name="Title 1">
+            <a:extLst>
+              <a:ext uri="{FF2B5EF4-FFF2-40B4-BE49-F238E27FC236}">
+                <a16:creationId xmlns:a16="http://schemas.microsoft.com/office/drawing/2014/main" id="{18969BF5-0288-FD7C-1739-0C8672F3D7F8}"/>
+              </a:ext>
+            </a:extLst>
+          </p:cNvPr>
+          <p:cNvSpPr>
+            <a:spLocks noGrp="1"/>
+          </p:cNvSpPr>
+          <p:nvPr>
+            <p:ph type="title"/>
+          </p:nvPr>
+        </p:nvSpPr>
+        <p:spPr/>
+        <p:txBody>
+          <a:bodyPr/>
+          <a:lstStyle/>
+          <a:p>
+            <a:r>
+              <a:rPr lang="en-US" dirty="0"/>
+              <a:t>Loss Development Triangles</a:t>
+            </a:r>
+          </a:p>
+        </p:txBody>
+      </p:sp>
+      <p:sp>
+        <p:nvSpPr>
+          <p:cNvPr id="3" name="Content Placeholder 2">
+            <a:extLst>
+              <a:ext uri="{FF2B5EF4-FFF2-40B4-BE49-F238E27FC236}">
+                <a16:creationId xmlns:a16="http://schemas.microsoft.com/office/drawing/2014/main" id="{39176E43-0115-E50B-D268-5E00760022A7}"/>
+              </a:ext>
+            </a:extLst>
+          </p:cNvPr>
+          <p:cNvSpPr>
+            <a:spLocks noGrp="1"/>
+          </p:cNvSpPr>
+          <p:nvPr>
+            <p:ph idx="1"/>
+          </p:nvPr>
+        </p:nvSpPr>
+        <p:spPr/>
+        <p:txBody>
+          <a:bodyPr/>
+          <a:lstStyle/>
+          <a:p>
+            <a:endParaRPr lang="en-US" dirty="0"/>
+          </a:p>
+        </p:txBody>
+      </p:sp>
+    </p:spTree>
+    <p:extLst>
+      <p:ext uri="{BB962C8B-B14F-4D97-AF65-F5344CB8AC3E}">
+        <p14:creationId xmlns:p14="http://schemas.microsoft.com/office/powerpoint/2010/main" val="3073307449"/>
+      </p:ext>
+    </p:extLst>
+  </p:cSld>
+  <p:clrMapOvr>
+    <a:masterClrMapping/>
+  </p:clrMapOvr>
+</p:sld>
+</file>
+
+<file path=ppt/slides/slide2.xml><?xml version="1.0" encoding="utf-8"?>
+<p:sld xmlns:a="http://schemas.openxmlformats.org/drawingml/2006/main" xmlns:r="http://schemas.openxmlformats.org/officeDocument/2006/relationships" xmlns:p="http://schemas.openxmlformats.org/presentationml/2006/main">
+  <p:cSld>
+    <p:spTree>
+      <p:nvGrpSpPr>
+        <p:cNvPr id="1" name=""/>
+        <p:cNvGrpSpPr/>
+        <p:nvPr/>
+      </p:nvGrpSpPr>
+      <p:grpSpPr>
+        <a:xfrm>
+          <a:off x="0" y="0"/>
+          <a:ext cx="0" cy="0"/>
+          <a:chOff x="0" y="0"/>
+          <a:chExt cx="0" cy="0"/>
+        </a:xfrm>
+      </p:grpSpPr>
+      <p:sp>
+        <p:nvSpPr>
+          <p:cNvPr id="2" name="Title 1">
+            <a:extLst>
+              <a:ext uri="{FF2B5EF4-FFF2-40B4-BE49-F238E27FC236}">
+                <a16:creationId xmlns:a16="http://schemas.microsoft.com/office/drawing/2014/main" id="{10B17ABD-BE88-D042-5997-22F660D5947A}"/>
+              </a:ext>
+            </a:extLst>
+          </p:cNvPr>
+          <p:cNvSpPr>
+            <a:spLocks noGrp="1"/>
+          </p:cNvSpPr>
+          <p:nvPr>
+            <p:ph type="title"/>
+          </p:nvPr>
+        </p:nvSpPr>
+        <p:spPr/>
+        <p:txBody>
+          <a:bodyPr/>
+          <a:lstStyle/>
+          <a:p>
+            <a:r>
+              <a:rPr lang="en-US" dirty="0"/>
+              <a:t>Ideas for Interactivity</a:t>
+            </a:r>
+          </a:p>
+        </p:txBody>
+      </p:sp>
+      <p:sp>
+        <p:nvSpPr>
+          <p:cNvPr id="3" name="Content Placeholder 2">
+            <a:extLst>
+              <a:ext uri="{FF2B5EF4-FFF2-40B4-BE49-F238E27FC236}">
+                <a16:creationId xmlns:a16="http://schemas.microsoft.com/office/drawing/2014/main" id="{F33662A3-4DD5-0500-C0E1-EA5CF57A5ABC}"/>
+              </a:ext>
+            </a:extLst>
+          </p:cNvPr>
+          <p:cNvSpPr>
+            <a:spLocks noGrp="1"/>
+          </p:cNvSpPr>
+          <p:nvPr>
+            <p:ph idx="1"/>
+          </p:nvPr>
+        </p:nvSpPr>
+        <p:spPr/>
+        <p:txBody>
+          <a:bodyPr/>
+          <a:lstStyle/>
+          <a:p>
+            <a:endParaRPr lang="en-US" sz="1600" b="1" dirty="0"/>
+          </a:p>
+          <a:p>
+            <a:r>
+              <a:rPr lang="en-US" sz="2000" b="1" dirty="0"/>
+              <a:t>Familiarity with R</a:t>
+            </a:r>
+          </a:p>
+          <a:p>
+            <a:r>
+              <a:rPr lang="en-US" sz="2000" b="1" dirty="0"/>
+              <a:t>“Which chart is easier to interpret”</a:t>
+            </a:r>
+          </a:p>
+          <a:p>
+            <a:r>
+              <a:rPr lang="en-US" sz="2000" b="1" dirty="0"/>
+              <a:t>Test Bar/Line bias (</a:t>
+            </a:r>
+            <a:r>
+              <a:rPr lang="en-US" sz="1800" u="sng" dirty="0">
+                <a:solidFill>
+                  <a:srgbClr val="0000FF"/>
+                </a:solidFill>
+                <a:effectLst/>
+                <a:latin typeface="Calibri" panose="020F0502020204030204" pitchFamily="34" charset="0"/>
+                <a:ea typeface="SimSun" panose="02010600030101010101" pitchFamily="2" charset="-122"/>
+                <a:hlinkClick r:id="rId3"/>
+              </a:rPr>
+              <a:t>https://bit.ly/3ymQ1eE</a:t>
+            </a:r>
+            <a:r>
+              <a:rPr lang="en-US" sz="2000" b="1" dirty="0"/>
+              <a:t>)</a:t>
+            </a:r>
+          </a:p>
+          <a:p>
+            <a:endParaRPr lang="en-US" sz="3600" b="1" dirty="0"/>
+          </a:p>
+          <a:p>
+            <a:endParaRPr lang="en-US" sz="3600" b="1" dirty="0"/>
+          </a:p>
+        </p:txBody>
+      </p:sp>
+    </p:spTree>
+    <p:extLst>
+      <p:ext uri="{BB962C8B-B14F-4D97-AF65-F5344CB8AC3E}">
+        <p14:creationId xmlns:p14="http://schemas.microsoft.com/office/powerpoint/2010/main" val="2113688764"/>
+      </p:ext>
+    </p:extLst>
+  </p:cSld>
+  <p:clrMapOvr>
+    <a:masterClrMapping/>
+  </p:clrMapOvr>
+</p:sld>
+</file>
+
+<file path=ppt/slides/slide20.xml><?xml version="1.0" encoding="utf-8"?>
+<p:sld xmlns:a="http://schemas.openxmlformats.org/drawingml/2006/main" xmlns:r="http://schemas.openxmlformats.org/officeDocument/2006/relationships" xmlns:p="http://schemas.openxmlformats.org/presentationml/2006/main">
+  <p:cSld>
+    <p:spTree>
+      <p:nvGrpSpPr>
+        <p:cNvPr id="1" name=""/>
+        <p:cNvGrpSpPr/>
+        <p:nvPr/>
+      </p:nvGrpSpPr>
+      <p:grpSpPr>
+        <a:xfrm>
+          <a:off x="0" y="0"/>
+          <a:ext cx="0" cy="0"/>
+          <a:chOff x="0" y="0"/>
+          <a:chExt cx="0" cy="0"/>
+        </a:xfrm>
+      </p:grpSpPr>
+      <p:sp>
+        <p:nvSpPr>
+          <p:cNvPr id="2" name="Title 1">
+            <a:extLst>
+              <a:ext uri="{FF2B5EF4-FFF2-40B4-BE49-F238E27FC236}">
+                <a16:creationId xmlns:a16="http://schemas.microsoft.com/office/drawing/2014/main" id="{18969BF5-0288-FD7C-1739-0C8672F3D7F8}"/>
+              </a:ext>
+            </a:extLst>
+          </p:cNvPr>
+          <p:cNvSpPr>
+            <a:spLocks noGrp="1"/>
+          </p:cNvSpPr>
+          <p:nvPr>
+            <p:ph type="title"/>
+          </p:nvPr>
+        </p:nvSpPr>
+        <p:spPr/>
+        <p:txBody>
+          <a:bodyPr/>
+          <a:lstStyle/>
+          <a:p>
+            <a:r>
+              <a:rPr lang="en-US" dirty="0"/>
+              <a:t>Trend Selection</a:t>
+            </a:r>
+          </a:p>
+        </p:txBody>
+      </p:sp>
+      <p:sp>
+        <p:nvSpPr>
+          <p:cNvPr id="3" name="Content Placeholder 2">
+            <a:extLst>
+              <a:ext uri="{FF2B5EF4-FFF2-40B4-BE49-F238E27FC236}">
+                <a16:creationId xmlns:a16="http://schemas.microsoft.com/office/drawing/2014/main" id="{39176E43-0115-E50B-D268-5E00760022A7}"/>
+              </a:ext>
+            </a:extLst>
+          </p:cNvPr>
+          <p:cNvSpPr>
+            <a:spLocks noGrp="1"/>
+          </p:cNvSpPr>
+          <p:nvPr>
+            <p:ph idx="1"/>
+          </p:nvPr>
+        </p:nvSpPr>
+        <p:spPr/>
+        <p:txBody>
+          <a:bodyPr/>
+          <a:lstStyle/>
+          <a:p>
+            <a:endParaRPr lang="en-US" dirty="0"/>
+          </a:p>
+        </p:txBody>
+      </p:sp>
+    </p:spTree>
+    <p:extLst>
+      <p:ext uri="{BB962C8B-B14F-4D97-AF65-F5344CB8AC3E}">
+        <p14:creationId xmlns:p14="http://schemas.microsoft.com/office/powerpoint/2010/main" val="3391634178"/>
+      </p:ext>
+    </p:extLst>
+  </p:cSld>
+  <p:clrMapOvr>
+    <a:masterClrMapping/>
+  </p:clrMapOvr>
+</p:sld>
+</file>
+
+<file path=ppt/slides/slide21.xml><?xml version="1.0" encoding="utf-8"?>
+<p:sld xmlns:a="http://schemas.openxmlformats.org/drawingml/2006/main" xmlns:r="http://schemas.openxmlformats.org/officeDocument/2006/relationships" xmlns:p="http://schemas.openxmlformats.org/presentationml/2006/main">
+  <p:cSld>
+    <p:spTree>
+      <p:nvGrpSpPr>
+        <p:cNvPr id="1" name=""/>
+        <p:cNvGrpSpPr/>
+        <p:nvPr/>
+      </p:nvGrpSpPr>
+      <p:grpSpPr>
+        <a:xfrm>
+          <a:off x="0" y="0"/>
+          <a:ext cx="0" cy="0"/>
+          <a:chOff x="0" y="0"/>
+          <a:chExt cx="0" cy="0"/>
+        </a:xfrm>
+      </p:grpSpPr>
+      <p:sp>
+        <p:nvSpPr>
+          <p:cNvPr id="2" name="Title 1">
+            <a:extLst>
+              <a:ext uri="{FF2B5EF4-FFF2-40B4-BE49-F238E27FC236}">
+                <a16:creationId xmlns:a16="http://schemas.microsoft.com/office/drawing/2014/main" id="{18969BF5-0288-FD7C-1739-0C8672F3D7F8}"/>
+              </a:ext>
+            </a:extLst>
+          </p:cNvPr>
+          <p:cNvSpPr>
+            <a:spLocks noGrp="1"/>
+          </p:cNvSpPr>
+          <p:nvPr>
+            <p:ph type="title"/>
+          </p:nvPr>
+        </p:nvSpPr>
+        <p:spPr/>
+        <p:txBody>
+          <a:bodyPr/>
+          <a:lstStyle/>
+          <a:p>
+            <a:r>
+              <a:rPr lang="en-US" dirty="0"/>
+              <a:t>Trend Selection</a:t>
+            </a:r>
+          </a:p>
+        </p:txBody>
+      </p:sp>
+      <p:sp>
+        <p:nvSpPr>
+          <p:cNvPr id="3" name="Content Placeholder 2">
+            <a:extLst>
+              <a:ext uri="{FF2B5EF4-FFF2-40B4-BE49-F238E27FC236}">
+                <a16:creationId xmlns:a16="http://schemas.microsoft.com/office/drawing/2014/main" id="{39176E43-0115-E50B-D268-5E00760022A7}"/>
+              </a:ext>
+            </a:extLst>
+          </p:cNvPr>
+          <p:cNvSpPr>
+            <a:spLocks noGrp="1"/>
+          </p:cNvSpPr>
+          <p:nvPr>
+            <p:ph idx="1"/>
+          </p:nvPr>
+        </p:nvSpPr>
+        <p:spPr/>
+        <p:txBody>
+          <a:bodyPr/>
+          <a:lstStyle/>
+          <a:p>
+            <a:endParaRPr lang="en-US" dirty="0"/>
+          </a:p>
+        </p:txBody>
+      </p:sp>
+    </p:spTree>
+    <p:extLst>
+      <p:ext uri="{BB962C8B-B14F-4D97-AF65-F5344CB8AC3E}">
+        <p14:creationId xmlns:p14="http://schemas.microsoft.com/office/powerpoint/2010/main" val="1725768834"/>
+      </p:ext>
+    </p:extLst>
+  </p:cSld>
+  <p:clrMapOvr>
+    <a:masterClrMapping/>
+  </p:clrMapOvr>
+</p:sld>
+</file>
+
 <file path=ppt/slides/slide22.xml><?xml version="1.0" encoding="utf-8"?>
 <p:sld xmlns:a="http://schemas.openxmlformats.org/drawingml/2006/main" xmlns:r="http://schemas.openxmlformats.org/officeDocument/2006/relationships" xmlns:p="http://schemas.openxmlformats.org/presentationml/2006/main">
   <p:cSld>
@@ -16621,7 +17231,7 @@
           <p:cNvPr id="2" name="Title 1">
             <a:extLst>
               <a:ext uri="{FF2B5EF4-FFF2-40B4-BE49-F238E27FC236}">
-                <a16:creationId xmlns:a16="http://schemas.microsoft.com/office/drawing/2014/main" id="{FABAA41A-77E6-2FBA-A297-38D8E88EA1EE}"/>
+                <a16:creationId xmlns:a16="http://schemas.microsoft.com/office/drawing/2014/main" id="{18969BF5-0288-FD7C-1739-0C8672F3D7F8}"/>
               </a:ext>
             </a:extLst>
           </p:cNvPr>
@@ -16639,24 +17249,17 @@
           <a:p>
             <a:r>
               <a:rPr lang="en-US" dirty="0"/>
-              <a:t>Automating</a:t>
-            </a:r>
-            <a:br>
-              <a:rPr lang="en-US" dirty="0"/>
-            </a:br>
-            <a:r>
-              <a:rPr lang="en-US" dirty="0"/>
-              <a:t>Actuarial Exhibits</a:t>
-            </a:r>
-          </a:p>
-        </p:txBody>
-      </p:sp>
-      <p:sp>
-        <p:nvSpPr>
-          <p:cNvPr id="3" name="Text Placeholder 2">
+              <a:t>Rate Indications</a:t>
+            </a:r>
+          </a:p>
+        </p:txBody>
+      </p:sp>
+      <p:sp>
+        <p:nvSpPr>
+          <p:cNvPr id="3" name="Content Placeholder 2">
             <a:extLst>
               <a:ext uri="{FF2B5EF4-FFF2-40B4-BE49-F238E27FC236}">
-                <a16:creationId xmlns:a16="http://schemas.microsoft.com/office/drawing/2014/main" id="{CC58DA01-D3BC-9504-0836-D49045D6C03A}"/>
+                <a16:creationId xmlns:a16="http://schemas.microsoft.com/office/drawing/2014/main" id="{39176E43-0115-E50B-D268-5E00760022A7}"/>
               </a:ext>
             </a:extLst>
           </p:cNvPr>
@@ -16664,7 +17267,7 @@
             <a:spLocks noGrp="1"/>
           </p:cNvSpPr>
           <p:nvPr>
-            <p:ph type="body" idx="1"/>
+            <p:ph idx="1"/>
           </p:nvPr>
         </p:nvSpPr>
         <p:spPr/>
@@ -16672,14 +17275,14 @@
           <a:bodyPr/>
           <a:lstStyle/>
           <a:p>
-            <a:endParaRPr lang="en-US"/>
+            <a:endParaRPr lang="en-US" dirty="0"/>
           </a:p>
         </p:txBody>
       </p:sp>
     </p:spTree>
     <p:extLst>
       <p:ext uri="{BB962C8B-B14F-4D97-AF65-F5344CB8AC3E}">
-        <p14:creationId xmlns:p14="http://schemas.microsoft.com/office/powerpoint/2010/main" val="177268762"/>
+        <p14:creationId xmlns:p14="http://schemas.microsoft.com/office/powerpoint/2010/main" val="3486625981"/>
       </p:ext>
     </p:extLst>
   </p:cSld>
@@ -16722,260 +17325,48 @@
             <p:ph type="title"/>
           </p:nvPr>
         </p:nvSpPr>
-        <p:spPr>
-          <a:xfrm>
-            <a:off x="1066800" y="274638"/>
-            <a:ext cx="7772400" cy="1143000"/>
-          </a:xfrm>
-        </p:spPr>
+        <p:spPr/>
         <p:txBody>
           <a:bodyPr/>
           <a:lstStyle/>
           <a:p>
             <a:r>
-              <a:rPr lang="en-US" dirty="0"/>
-              <a:t>Initial Example: Fitted Severity</a:t>
-            </a:r>
-          </a:p>
-        </p:txBody>
-      </p:sp>
-      <p:pic>
-        <p:nvPicPr>
-          <p:cNvPr id="4" name="Picture 3">
+              <a:rPr lang="en-US"/>
+              <a:t>Rate Indications</a:t>
+            </a:r>
+            <a:endParaRPr lang="en-US" dirty="0"/>
+          </a:p>
+        </p:txBody>
+      </p:sp>
+      <p:sp>
+        <p:nvSpPr>
+          <p:cNvPr id="3" name="Content Placeholder 2">
             <a:extLst>
               <a:ext uri="{FF2B5EF4-FFF2-40B4-BE49-F238E27FC236}">
-                <a16:creationId xmlns:a16="http://schemas.microsoft.com/office/drawing/2014/main" id="{E725ABD2-C6D9-F502-2921-0DC1A1664FD0}"/>
+                <a16:creationId xmlns:a16="http://schemas.microsoft.com/office/drawing/2014/main" id="{39176E43-0115-E50B-D268-5E00760022A7}"/>
               </a:ext>
             </a:extLst>
           </p:cNvPr>
-          <p:cNvPicPr>
-            <a:picLocks noChangeAspect="1"/>
-          </p:cNvPicPr>
-          <p:nvPr/>
-        </p:nvPicPr>
-        <p:blipFill>
-          <a:blip r:embed="rId2" r:link="rId3">
-            <a:extLst>
-              <a:ext uri="{28A0092B-C50C-407E-A947-70E740481C1C}">
-                <a14:useLocalDpi xmlns:a14="http://schemas.microsoft.com/office/drawing/2010/main" val="0"/>
-              </a:ext>
-            </a:extLst>
-          </a:blip>
-          <a:srcRect/>
-          <a:stretch>
-            <a:fillRect/>
-          </a:stretch>
-        </p:blipFill>
-        <p:spPr>
-          <a:xfrm>
-            <a:off x="2971801" y="1447801"/>
-            <a:ext cx="5943597" cy="3962398"/>
-          </a:xfrm>
-          <a:prstGeom prst="rect">
-            <a:avLst/>
-          </a:prstGeom>
-        </p:spPr>
-      </p:pic>
-      <p:sp>
-        <p:nvSpPr>
-          <p:cNvPr id="5" name="TextBox 4">
-            <a:extLst>
-              <a:ext uri="{FF2B5EF4-FFF2-40B4-BE49-F238E27FC236}">
-                <a16:creationId xmlns:a16="http://schemas.microsoft.com/office/drawing/2014/main" id="{2CA6CE52-CDE9-6BD5-D02A-0B9CDE177F35}"/>
-              </a:ext>
-            </a:extLst>
-          </p:cNvPr>
-          <p:cNvSpPr txBox="1"/>
-          <p:nvPr/>
-        </p:nvSpPr>
-        <p:spPr>
-          <a:xfrm>
-            <a:off x="228601" y="2514600"/>
-            <a:ext cx="2431673" cy="1384995"/>
-          </a:xfrm>
-          <a:prstGeom prst="rect">
-            <a:avLst/>
-          </a:prstGeom>
-          <a:noFill/>
-        </p:spPr>
-        <p:txBody>
-          <a:bodyPr wrap="square" rtlCol="0">
-            <a:spAutoFit/>
-          </a:bodyPr>
+          <p:cNvSpPr>
+            <a:spLocks noGrp="1"/>
+          </p:cNvSpPr>
+          <p:nvPr>
+            <p:ph idx="1"/>
+          </p:nvPr>
+        </p:nvSpPr>
+        <p:spPr/>
+        <p:txBody>
+          <a:bodyPr/>
           <a:lstStyle/>
           <a:p>
-            <a:pPr algn="ctr"/>
-            <a:r>
-              <a:rPr lang="en-US" sz="2800" dirty="0">
-                <a:latin typeface="Arial" panose="020B0604020202020204" pitchFamily="34" charset="0"/>
-                <a:cs typeface="Arial" panose="020B0604020202020204" pitchFamily="34" charset="0"/>
-              </a:rPr>
-              <a:t>How can we improve upon this chart?</a:t>
-            </a:r>
-          </a:p>
-        </p:txBody>
-      </p:sp>
-      <p:sp>
-        <p:nvSpPr>
-          <p:cNvPr id="3" name="TextBox 2">
-            <a:extLst>
-              <a:ext uri="{FF2B5EF4-FFF2-40B4-BE49-F238E27FC236}">
-                <a16:creationId xmlns:a16="http://schemas.microsoft.com/office/drawing/2014/main" id="{D90ECCA0-06AB-B8AB-4B22-AA383E47AE34}"/>
-              </a:ext>
-            </a:extLst>
-          </p:cNvPr>
-          <p:cNvSpPr txBox="1"/>
-          <p:nvPr/>
-        </p:nvSpPr>
-        <p:spPr>
-          <a:xfrm>
-            <a:off x="260498" y="5181600"/>
-            <a:ext cx="7588101" cy="830997"/>
-          </a:xfrm>
-          <a:prstGeom prst="rect">
-            <a:avLst/>
-          </a:prstGeom>
-          <a:noFill/>
-        </p:spPr>
-        <p:txBody>
-          <a:bodyPr wrap="square" rtlCol="0">
-            <a:spAutoFit/>
-          </a:bodyPr>
-          <a:lstStyle/>
-          <a:p>
-            <a:r>
-              <a:rPr lang="en-US" sz="1200" dirty="0">
-                <a:latin typeface="Consolas" panose="020B0609020204030204" pitchFamily="49" charset="0"/>
-              </a:rPr>
-              <a:t>P &lt;- data |&gt;</a:t>
-            </a:r>
-          </a:p>
-          <a:p>
-            <a:r>
-              <a:rPr lang="en-US" sz="1200" dirty="0">
-                <a:latin typeface="Consolas" panose="020B0609020204030204" pitchFamily="49" charset="0"/>
-              </a:rPr>
-              <a:t>  </a:t>
-            </a:r>
-            <a:r>
-              <a:rPr lang="en-US" sz="1200" dirty="0" err="1">
-                <a:latin typeface="Consolas" panose="020B0609020204030204" pitchFamily="49" charset="0"/>
-              </a:rPr>
-              <a:t>geom_histogram</a:t>
-            </a:r>
-            <a:r>
-              <a:rPr lang="en-US" sz="1200" dirty="0">
-                <a:latin typeface="Consolas" panose="020B0609020204030204" pitchFamily="49" charset="0"/>
-              </a:rPr>
-              <a:t>(</a:t>
-            </a:r>
-            <a:r>
-              <a:rPr lang="en-US" sz="1200" dirty="0" err="1">
-                <a:latin typeface="Consolas" panose="020B0609020204030204" pitchFamily="49" charset="0"/>
-              </a:rPr>
-              <a:t>aes</a:t>
-            </a:r>
-            <a:r>
-              <a:rPr lang="en-US" sz="1200" dirty="0">
-                <a:latin typeface="Consolas" panose="020B0609020204030204" pitchFamily="49" charset="0"/>
-              </a:rPr>
-              <a:t>(x = loss, </a:t>
-            </a:r>
-            <a:r>
-              <a:rPr lang="en-US" sz="1200" dirty="0" err="1">
-                <a:latin typeface="Consolas" panose="020B0609020204030204" pitchFamily="49" charset="0"/>
-              </a:rPr>
-              <a:t>after_stat</a:t>
-            </a:r>
-            <a:r>
-              <a:rPr lang="en-US" sz="1200" dirty="0">
-                <a:latin typeface="Consolas" panose="020B0609020204030204" pitchFamily="49" charset="0"/>
-              </a:rPr>
-              <a:t>(density)) +</a:t>
-            </a:r>
-          </a:p>
-          <a:p>
-            <a:r>
-              <a:rPr lang="en-US" sz="1200" dirty="0">
-                <a:latin typeface="Consolas" panose="020B0609020204030204" pitchFamily="49" charset="0"/>
-              </a:rPr>
-              <a:t>  </a:t>
-            </a:r>
-            <a:r>
-              <a:rPr lang="en-US" sz="1200" dirty="0" err="1">
-                <a:latin typeface="Consolas" panose="020B0609020204030204" pitchFamily="49" charset="0"/>
-              </a:rPr>
-              <a:t>stat_function</a:t>
-            </a:r>
-            <a:r>
-              <a:rPr lang="en-US" sz="1200" dirty="0">
-                <a:latin typeface="Consolas" panose="020B0609020204030204" pitchFamily="49" charset="0"/>
-              </a:rPr>
-              <a:t>(fun = </a:t>
-            </a:r>
-            <a:r>
-              <a:rPr lang="en-US" sz="1200" dirty="0" err="1">
-                <a:latin typeface="Consolas" panose="020B0609020204030204" pitchFamily="49" charset="0"/>
-              </a:rPr>
-              <a:t>dlnorm</a:t>
-            </a:r>
-            <a:r>
-              <a:rPr lang="en-US" sz="1200" dirty="0">
-                <a:latin typeface="Consolas" panose="020B0609020204030204" pitchFamily="49" charset="0"/>
-              </a:rPr>
-              <a:t>,</a:t>
-            </a:r>
-          </a:p>
-          <a:p>
-            <a:r>
-              <a:rPr lang="en-US" sz="1200" dirty="0">
-                <a:latin typeface="Consolas" panose="020B0609020204030204" pitchFamily="49" charset="0"/>
-              </a:rPr>
-              <a:t>                </a:t>
-            </a:r>
-            <a:r>
-              <a:rPr lang="en-US" sz="1200" dirty="0" err="1">
-                <a:latin typeface="Consolas" panose="020B0609020204030204" pitchFamily="49" charset="0"/>
-              </a:rPr>
-              <a:t>args</a:t>
-            </a:r>
-            <a:r>
-              <a:rPr lang="en-US" sz="1200" dirty="0">
-                <a:latin typeface="Consolas" panose="020B0609020204030204" pitchFamily="49" charset="0"/>
-              </a:rPr>
-              <a:t> = list(</a:t>
-            </a:r>
-            <a:r>
-              <a:rPr lang="en-US" sz="1200" dirty="0" err="1">
-                <a:latin typeface="Consolas" panose="020B0609020204030204" pitchFamily="49" charset="0"/>
-              </a:rPr>
-              <a:t>meanlog</a:t>
-            </a:r>
-            <a:r>
-              <a:rPr lang="en-US" sz="1200" dirty="0">
-                <a:latin typeface="Consolas" panose="020B0609020204030204" pitchFamily="49" charset="0"/>
-              </a:rPr>
-              <a:t> = 10, </a:t>
-            </a:r>
-            <a:r>
-              <a:rPr lang="en-US" sz="1200" dirty="0" err="1">
-                <a:latin typeface="Consolas" panose="020B0609020204030204" pitchFamily="49" charset="0"/>
-              </a:rPr>
-              <a:t>sdlog</a:t>
-            </a:r>
-            <a:r>
-              <a:rPr lang="en-US" sz="1200" dirty="0">
-                <a:latin typeface="Consolas" panose="020B0609020204030204" pitchFamily="49" charset="0"/>
-              </a:rPr>
-              <a:t> = 1.0))</a:t>
-            </a:r>
+            <a:endParaRPr lang="en-US" dirty="0"/>
           </a:p>
         </p:txBody>
       </p:sp>
     </p:spTree>
     <p:extLst>
       <p:ext uri="{BB962C8B-B14F-4D97-AF65-F5344CB8AC3E}">
-        <p14:creationId xmlns:p14="http://schemas.microsoft.com/office/powerpoint/2010/main" val="3241427914"/>
+        <p14:creationId xmlns:p14="http://schemas.microsoft.com/office/powerpoint/2010/main" val="3189205658"/>
       </p:ext>
     </p:extLst>
   </p:cSld>
@@ -17025,168 +17416,40 @@
           <a:p>
             <a:r>
               <a:rPr lang="en-US" dirty="0"/>
-              <a:t>Titles &amp; Renaming Variables</a:t>
-            </a:r>
-          </a:p>
-        </p:txBody>
-      </p:sp>
-      <p:pic>
-        <p:nvPicPr>
-          <p:cNvPr id="4" name="Picture 3">
+              <a:t>Mix Shift</a:t>
+            </a:r>
+          </a:p>
+        </p:txBody>
+      </p:sp>
+      <p:sp>
+        <p:nvSpPr>
+          <p:cNvPr id="3" name="Content Placeholder 2">
             <a:extLst>
               <a:ext uri="{FF2B5EF4-FFF2-40B4-BE49-F238E27FC236}">
-                <a16:creationId xmlns:a16="http://schemas.microsoft.com/office/drawing/2014/main" id="{4A0037C9-EB90-2900-D4EC-DF813BC908A7}"/>
+                <a16:creationId xmlns:a16="http://schemas.microsoft.com/office/drawing/2014/main" id="{39176E43-0115-E50B-D268-5E00760022A7}"/>
               </a:ext>
             </a:extLst>
           </p:cNvPr>
-          <p:cNvPicPr>
-            <a:picLocks noChangeAspect="1"/>
-          </p:cNvPicPr>
-          <p:nvPr/>
-        </p:nvPicPr>
-        <p:blipFill>
-          <a:blip r:embed="rId2" r:link="rId3">
-            <a:extLst>
-              <a:ext uri="{28A0092B-C50C-407E-A947-70E740481C1C}">
-                <a14:useLocalDpi xmlns:a14="http://schemas.microsoft.com/office/drawing/2010/main" val="0"/>
-              </a:ext>
-            </a:extLst>
-          </a:blip>
-          <a:srcRect/>
-          <a:stretch>
-            <a:fillRect/>
-          </a:stretch>
-        </p:blipFill>
-        <p:spPr>
-          <a:xfrm>
-            <a:off x="2971801" y="1447801"/>
-            <a:ext cx="5943597" cy="3962397"/>
-          </a:xfrm>
-          <a:prstGeom prst="rect">
-            <a:avLst/>
-          </a:prstGeom>
-        </p:spPr>
-      </p:pic>
-      <p:sp>
-        <p:nvSpPr>
-          <p:cNvPr id="5" name="TextBox 4">
-            <a:extLst>
-              <a:ext uri="{FF2B5EF4-FFF2-40B4-BE49-F238E27FC236}">
-                <a16:creationId xmlns:a16="http://schemas.microsoft.com/office/drawing/2014/main" id="{04AF6261-B4B1-D761-810B-AACA39E89170}"/>
-              </a:ext>
-            </a:extLst>
-          </p:cNvPr>
-          <p:cNvSpPr txBox="1"/>
-          <p:nvPr/>
-        </p:nvSpPr>
-        <p:spPr>
-          <a:xfrm>
-            <a:off x="228601" y="2514600"/>
-            <a:ext cx="2431673" cy="1815882"/>
-          </a:xfrm>
-          <a:prstGeom prst="rect">
-            <a:avLst/>
-          </a:prstGeom>
-          <a:noFill/>
-        </p:spPr>
-        <p:txBody>
-          <a:bodyPr wrap="square" rtlCol="0">
-            <a:spAutoFit/>
-          </a:bodyPr>
+          <p:cNvSpPr>
+            <a:spLocks noGrp="1"/>
+          </p:cNvSpPr>
+          <p:nvPr>
+            <p:ph idx="1"/>
+          </p:nvPr>
+        </p:nvSpPr>
+        <p:spPr/>
+        <p:txBody>
+          <a:bodyPr/>
           <a:lstStyle/>
           <a:p>
-            <a:pPr algn="ctr"/>
-            <a:r>
-              <a:rPr lang="en-US" sz="2800" dirty="0">
-                <a:latin typeface="Arial" panose="020B0604020202020204" pitchFamily="34" charset="0"/>
-                <a:cs typeface="Arial" panose="020B0604020202020204" pitchFamily="34" charset="0"/>
-              </a:rPr>
-              <a:t>Adding a title and variable names goes a long way.</a:t>
-            </a:r>
-          </a:p>
-        </p:txBody>
-      </p:sp>
-      <p:sp>
-        <p:nvSpPr>
-          <p:cNvPr id="3" name="TextBox 2">
-            <a:extLst>
-              <a:ext uri="{FF2B5EF4-FFF2-40B4-BE49-F238E27FC236}">
-                <a16:creationId xmlns:a16="http://schemas.microsoft.com/office/drawing/2014/main" id="{5CA26C35-36C9-ADDC-3107-CF1F9C4ABAD9}"/>
-              </a:ext>
-            </a:extLst>
-          </p:cNvPr>
-          <p:cNvSpPr txBox="1"/>
-          <p:nvPr/>
-        </p:nvSpPr>
-        <p:spPr>
-          <a:xfrm>
-            <a:off x="260498" y="5181600"/>
-            <a:ext cx="7588101" cy="1200329"/>
-          </a:xfrm>
-          <a:prstGeom prst="rect">
-            <a:avLst/>
-          </a:prstGeom>
-          <a:noFill/>
-        </p:spPr>
-        <p:txBody>
-          <a:bodyPr wrap="square" rtlCol="0">
-            <a:spAutoFit/>
-          </a:bodyPr>
-          <a:lstStyle/>
-          <a:p>
-            <a:r>
-              <a:rPr lang="en-US" sz="1200" dirty="0">
-                <a:latin typeface="Consolas" panose="020B0609020204030204" pitchFamily="49" charset="0"/>
-              </a:rPr>
-              <a:t>P &lt;- p +</a:t>
-            </a:r>
-          </a:p>
-          <a:p>
-            <a:r>
-              <a:rPr lang="en-US" sz="1200" dirty="0">
-                <a:latin typeface="Consolas" panose="020B0609020204030204" pitchFamily="49" charset="0"/>
-              </a:rPr>
-              <a:t> labs(</a:t>
-            </a:r>
-          </a:p>
-          <a:p>
-            <a:r>
-              <a:rPr lang="en-US" sz="1200" dirty="0">
-                <a:latin typeface="Consolas" panose="020B0609020204030204" pitchFamily="49" charset="0"/>
-              </a:rPr>
-              <a:t>    x = "Severity",</a:t>
-            </a:r>
-          </a:p>
-          <a:p>
-            <a:r>
-              <a:rPr lang="en-US" sz="1200" dirty="0">
-                <a:latin typeface="Consolas" panose="020B0609020204030204" pitchFamily="49" charset="0"/>
-              </a:rPr>
-              <a:t>    y = "Density",</a:t>
-            </a:r>
-          </a:p>
-          <a:p>
-            <a:r>
-              <a:rPr lang="en-US" sz="1200" dirty="0">
-                <a:latin typeface="Consolas" panose="020B0609020204030204" pitchFamily="49" charset="0"/>
-              </a:rPr>
-              <a:t>    title = "Fitted Severity Curve"</a:t>
-            </a:r>
-          </a:p>
-          <a:p>
-            <a:r>
-              <a:rPr lang="en-US" sz="1200" dirty="0">
-                <a:latin typeface="Consolas" panose="020B0609020204030204" pitchFamily="49" charset="0"/>
-              </a:rPr>
-              <a:t>  )</a:t>
-            </a:r>
+            <a:endParaRPr lang="en-US" dirty="0"/>
           </a:p>
         </p:txBody>
       </p:sp>
     </p:spTree>
     <p:extLst>
       <p:ext uri="{BB962C8B-B14F-4D97-AF65-F5344CB8AC3E}">
-        <p14:creationId xmlns:p14="http://schemas.microsoft.com/office/powerpoint/2010/main" val="2442441093"/>
+        <p14:creationId xmlns:p14="http://schemas.microsoft.com/office/powerpoint/2010/main" val="1261869704"/>
       </p:ext>
     </p:extLst>
   </p:cSld>
@@ -17215,159 +17478,6 @@
       </p:grpSpPr>
       <p:sp>
         <p:nvSpPr>
-          <p:cNvPr id="6" name="TextBox 5">
-            <a:extLst>
-              <a:ext uri="{FF2B5EF4-FFF2-40B4-BE49-F238E27FC236}">
-                <a16:creationId xmlns:a16="http://schemas.microsoft.com/office/drawing/2014/main" id="{5B20AD6F-D343-29FB-9824-B7DD8F4A2DDB}"/>
-              </a:ext>
-            </a:extLst>
-          </p:cNvPr>
-          <p:cNvSpPr txBox="1"/>
-          <p:nvPr/>
-        </p:nvSpPr>
-        <p:spPr>
-          <a:xfrm>
-            <a:off x="260498" y="5181600"/>
-            <a:ext cx="7588101" cy="1015663"/>
-          </a:xfrm>
-          <a:prstGeom prst="rect">
-            <a:avLst/>
-          </a:prstGeom>
-          <a:noFill/>
-        </p:spPr>
-        <p:txBody>
-          <a:bodyPr wrap="square" rtlCol="0">
-            <a:spAutoFit/>
-          </a:bodyPr>
-          <a:lstStyle/>
-          <a:p>
-            <a:r>
-              <a:rPr lang="en-US" sz="1200" dirty="0">
-                <a:latin typeface="Consolas" panose="020B0609020204030204" pitchFamily="49" charset="0"/>
-              </a:rPr>
-              <a:t>P &lt;- p +</a:t>
-            </a:r>
-          </a:p>
-          <a:p>
-            <a:r>
-              <a:rPr lang="en-US" sz="1200" dirty="0">
-                <a:latin typeface="Consolas" panose="020B0609020204030204" pitchFamily="49" charset="0"/>
-              </a:rPr>
-              <a:t>  </a:t>
-            </a:r>
-            <a:r>
-              <a:rPr lang="en-US" sz="1200" dirty="0" err="1">
-                <a:latin typeface="Consolas" panose="020B0609020204030204" pitchFamily="49" charset="0"/>
-              </a:rPr>
-              <a:t>scale_x_continuous</a:t>
-            </a:r>
-            <a:r>
-              <a:rPr lang="en-US" sz="1200" dirty="0">
-                <a:latin typeface="Consolas" panose="020B0609020204030204" pitchFamily="49" charset="0"/>
-              </a:rPr>
-              <a:t>(labels = scales::comma) +</a:t>
-            </a:r>
-          </a:p>
-          <a:p>
-            <a:r>
-              <a:rPr lang="en-US" sz="1200" dirty="0">
-                <a:latin typeface="Consolas" panose="020B0609020204030204" pitchFamily="49" charset="0"/>
-              </a:rPr>
-              <a:t>  theme(</a:t>
-            </a:r>
-            <a:r>
-              <a:rPr lang="en-US" sz="1200" dirty="0" err="1">
-                <a:latin typeface="Consolas" panose="020B0609020204030204" pitchFamily="49" charset="0"/>
-              </a:rPr>
-              <a:t>axis.text.y</a:t>
-            </a:r>
-            <a:r>
-              <a:rPr lang="en-US" sz="1200" dirty="0">
-                <a:latin typeface="Consolas" panose="020B0609020204030204" pitchFamily="49" charset="0"/>
-              </a:rPr>
-              <a:t> = </a:t>
-            </a:r>
-            <a:r>
-              <a:rPr lang="en-US" sz="1200" dirty="0" err="1">
-                <a:latin typeface="Consolas" panose="020B0609020204030204" pitchFamily="49" charset="0"/>
-              </a:rPr>
-              <a:t>element_blank</a:t>
-            </a:r>
-            <a:r>
-              <a:rPr lang="en-US" sz="1200" dirty="0">
-                <a:latin typeface="Consolas" panose="020B0609020204030204" pitchFamily="49" charset="0"/>
-              </a:rPr>
-              <a:t>(),</a:t>
-            </a:r>
-          </a:p>
-          <a:p>
-            <a:r>
-              <a:rPr lang="en-US" sz="1200" dirty="0">
-                <a:latin typeface="Consolas" panose="020B0609020204030204" pitchFamily="49" charset="0"/>
-              </a:rPr>
-              <a:t>        </a:t>
-            </a:r>
-            <a:r>
-              <a:rPr lang="en-US" sz="1200" dirty="0" err="1">
-                <a:latin typeface="Consolas" panose="020B0609020204030204" pitchFamily="49" charset="0"/>
-              </a:rPr>
-              <a:t>axis.ticks.y</a:t>
-            </a:r>
-            <a:r>
-              <a:rPr lang="en-US" sz="1200" dirty="0">
-                <a:latin typeface="Consolas" panose="020B0609020204030204" pitchFamily="49" charset="0"/>
-              </a:rPr>
-              <a:t> = </a:t>
-            </a:r>
-            <a:r>
-              <a:rPr lang="en-US" sz="1200" dirty="0" err="1">
-                <a:latin typeface="Consolas" panose="020B0609020204030204" pitchFamily="49" charset="0"/>
-              </a:rPr>
-              <a:t>element_blank</a:t>
-            </a:r>
-            <a:r>
-              <a:rPr lang="en-US" sz="1200" dirty="0">
-                <a:latin typeface="Consolas" panose="020B0609020204030204" pitchFamily="49" charset="0"/>
-              </a:rPr>
-              <a:t>(),</a:t>
-            </a:r>
-          </a:p>
-          <a:p>
-            <a:r>
-              <a:rPr lang="en-US" sz="1200" dirty="0">
-                <a:latin typeface="Consolas" panose="020B0609020204030204" pitchFamily="49" charset="0"/>
-              </a:rPr>
-              <a:t>        </a:t>
-            </a:r>
-            <a:r>
-              <a:rPr lang="en-US" sz="1200" dirty="0" err="1">
-                <a:latin typeface="Consolas" panose="020B0609020204030204" pitchFamily="49" charset="0"/>
-              </a:rPr>
-              <a:t>axis.title.y</a:t>
-            </a:r>
-            <a:r>
-              <a:rPr lang="en-US" sz="1200" dirty="0">
-                <a:latin typeface="Consolas" panose="020B0609020204030204" pitchFamily="49" charset="0"/>
-              </a:rPr>
-              <a:t> = </a:t>
-            </a:r>
-            <a:r>
-              <a:rPr lang="en-US" sz="1200" dirty="0" err="1">
-                <a:latin typeface="Consolas" panose="020B0609020204030204" pitchFamily="49" charset="0"/>
-              </a:rPr>
-              <a:t>element_blank</a:t>
-            </a:r>
-            <a:r>
-              <a:rPr lang="en-US" sz="1200" dirty="0">
-                <a:latin typeface="Consolas" panose="020B0609020204030204" pitchFamily="49" charset="0"/>
-              </a:rPr>
-              <a:t>())</a:t>
-            </a:r>
-          </a:p>
-        </p:txBody>
-      </p:sp>
-      <p:sp>
-        <p:nvSpPr>
           <p:cNvPr id="2" name="Title 1">
             <a:extLst>
               <a:ext uri="{FF2B5EF4-FFF2-40B4-BE49-F238E27FC236}">
@@ -17389,91 +17499,40 @@
           <a:p>
             <a:r>
               <a:rPr lang="en-US" dirty="0"/>
-              <a:t>Cleaning Axes</a:t>
-            </a:r>
-          </a:p>
-        </p:txBody>
-      </p:sp>
-      <p:pic>
-        <p:nvPicPr>
-          <p:cNvPr id="4" name="Picture 3">
+              <a:t>Mix Shift</a:t>
+            </a:r>
+          </a:p>
+        </p:txBody>
+      </p:sp>
+      <p:sp>
+        <p:nvSpPr>
+          <p:cNvPr id="3" name="Content Placeholder 2">
             <a:extLst>
               <a:ext uri="{FF2B5EF4-FFF2-40B4-BE49-F238E27FC236}">
-                <a16:creationId xmlns:a16="http://schemas.microsoft.com/office/drawing/2014/main" id="{4A0037C9-EB90-2900-D4EC-DF813BC908A7}"/>
+                <a16:creationId xmlns:a16="http://schemas.microsoft.com/office/drawing/2014/main" id="{39176E43-0115-E50B-D268-5E00760022A7}"/>
               </a:ext>
             </a:extLst>
           </p:cNvPr>
-          <p:cNvPicPr>
-            <a:picLocks noChangeAspect="1"/>
-          </p:cNvPicPr>
-          <p:nvPr/>
-        </p:nvPicPr>
-        <p:blipFill>
-          <a:blip r:embed="rId2" r:link="rId3">
-            <a:extLst>
-              <a:ext uri="{28A0092B-C50C-407E-A947-70E740481C1C}">
-                <a14:useLocalDpi xmlns:a14="http://schemas.microsoft.com/office/drawing/2010/main" val="0"/>
-              </a:ext>
-            </a:extLst>
-          </a:blip>
-          <a:srcRect/>
-          <a:stretch>
-            <a:fillRect/>
-          </a:stretch>
-        </p:blipFill>
-        <p:spPr>
-          <a:xfrm>
-            <a:off x="2971801" y="1447801"/>
-            <a:ext cx="5943596" cy="3962397"/>
-          </a:xfrm>
-          <a:prstGeom prst="rect">
-            <a:avLst/>
-          </a:prstGeom>
-        </p:spPr>
-      </p:pic>
-      <p:sp>
-        <p:nvSpPr>
-          <p:cNvPr id="5" name="TextBox 4">
-            <a:extLst>
-              <a:ext uri="{FF2B5EF4-FFF2-40B4-BE49-F238E27FC236}">
-                <a16:creationId xmlns:a16="http://schemas.microsoft.com/office/drawing/2014/main" id="{04AF6261-B4B1-D761-810B-AACA39E89170}"/>
-              </a:ext>
-            </a:extLst>
-          </p:cNvPr>
-          <p:cNvSpPr txBox="1"/>
-          <p:nvPr/>
-        </p:nvSpPr>
-        <p:spPr>
-          <a:xfrm>
-            <a:off x="228601" y="2176234"/>
-            <a:ext cx="2431673" cy="2246769"/>
-          </a:xfrm>
-          <a:prstGeom prst="rect">
-            <a:avLst/>
-          </a:prstGeom>
-          <a:noFill/>
-        </p:spPr>
-        <p:txBody>
-          <a:bodyPr wrap="square" rtlCol="0">
-            <a:spAutoFit/>
-          </a:bodyPr>
+          <p:cNvSpPr>
+            <a:spLocks noGrp="1"/>
+          </p:cNvSpPr>
+          <p:nvPr>
+            <p:ph idx="1"/>
+          </p:nvPr>
+        </p:nvSpPr>
+        <p:spPr/>
+        <p:txBody>
+          <a:bodyPr/>
           <a:lstStyle/>
           <a:p>
-            <a:pPr algn="ctr"/>
-            <a:r>
-              <a:rPr lang="en-US" sz="2800" dirty="0">
-                <a:latin typeface="Arial" panose="020B0604020202020204" pitchFamily="34" charset="0"/>
-                <a:cs typeface="Arial" panose="020B0604020202020204" pitchFamily="34" charset="0"/>
-              </a:rPr>
-              <a:t>We can change the x-axis labels and remove the y-axis.</a:t>
-            </a:r>
+            <a:endParaRPr lang="en-US" dirty="0"/>
           </a:p>
         </p:txBody>
       </p:sp>
     </p:spTree>
     <p:extLst>
       <p:ext uri="{BB962C8B-B14F-4D97-AF65-F5344CB8AC3E}">
-        <p14:creationId xmlns:p14="http://schemas.microsoft.com/office/powerpoint/2010/main" val="2236211018"/>
+        <p14:creationId xmlns:p14="http://schemas.microsoft.com/office/powerpoint/2010/main" val="556224051"/>
       </p:ext>
     </p:extLst>
   </p:cSld>
@@ -17523,340 +17582,40 @@
           <a:p>
             <a:r>
               <a:rPr lang="en-US" dirty="0"/>
-              <a:t>Text Size &amp; Theme</a:t>
-            </a:r>
-          </a:p>
-        </p:txBody>
-      </p:sp>
-      <p:pic>
-        <p:nvPicPr>
-          <p:cNvPr id="4" name="Picture 3">
+              <a:t>Model Diagnostics</a:t>
+            </a:r>
+          </a:p>
+        </p:txBody>
+      </p:sp>
+      <p:sp>
+        <p:nvSpPr>
+          <p:cNvPr id="3" name="Content Placeholder 2">
             <a:extLst>
               <a:ext uri="{FF2B5EF4-FFF2-40B4-BE49-F238E27FC236}">
-                <a16:creationId xmlns:a16="http://schemas.microsoft.com/office/drawing/2014/main" id="{4A0037C9-EB90-2900-D4EC-DF813BC908A7}"/>
+                <a16:creationId xmlns:a16="http://schemas.microsoft.com/office/drawing/2014/main" id="{39176E43-0115-E50B-D268-5E00760022A7}"/>
               </a:ext>
             </a:extLst>
           </p:cNvPr>
-          <p:cNvPicPr>
-            <a:picLocks noChangeAspect="1"/>
-          </p:cNvPicPr>
-          <p:nvPr/>
-        </p:nvPicPr>
-        <p:blipFill>
-          <a:blip r:embed="rId2" r:link="rId3">
-            <a:extLst>
-              <a:ext uri="{28A0092B-C50C-407E-A947-70E740481C1C}">
-                <a14:useLocalDpi xmlns:a14="http://schemas.microsoft.com/office/drawing/2010/main" val="0"/>
-              </a:ext>
-            </a:extLst>
-          </a:blip>
-          <a:srcRect/>
-          <a:stretch>
-            <a:fillRect/>
-          </a:stretch>
-        </p:blipFill>
-        <p:spPr>
-          <a:xfrm>
-            <a:off x="2971802" y="1447801"/>
-            <a:ext cx="5943594" cy="3962396"/>
-          </a:xfrm>
-          <a:prstGeom prst="rect">
-            <a:avLst/>
-          </a:prstGeom>
-        </p:spPr>
-      </p:pic>
-      <p:sp>
-        <p:nvSpPr>
-          <p:cNvPr id="5" name="TextBox 4">
-            <a:extLst>
-              <a:ext uri="{FF2B5EF4-FFF2-40B4-BE49-F238E27FC236}">
-                <a16:creationId xmlns:a16="http://schemas.microsoft.com/office/drawing/2014/main" id="{04AF6261-B4B1-D761-810B-AACA39E89170}"/>
-              </a:ext>
-            </a:extLst>
-          </p:cNvPr>
-          <p:cNvSpPr txBox="1"/>
-          <p:nvPr/>
-        </p:nvSpPr>
-        <p:spPr>
-          <a:xfrm>
-            <a:off x="228601" y="1975873"/>
-            <a:ext cx="2431673" cy="2677656"/>
-          </a:xfrm>
-          <a:prstGeom prst="rect">
-            <a:avLst/>
-          </a:prstGeom>
-          <a:noFill/>
-        </p:spPr>
-        <p:txBody>
-          <a:bodyPr wrap="square" rtlCol="0">
-            <a:spAutoFit/>
-          </a:bodyPr>
+          <p:cNvSpPr>
+            <a:spLocks noGrp="1"/>
+          </p:cNvSpPr>
+          <p:nvPr>
+            <p:ph idx="1"/>
+          </p:nvPr>
+        </p:nvSpPr>
+        <p:spPr/>
+        <p:txBody>
+          <a:bodyPr/>
           <a:lstStyle/>
           <a:p>
-            <a:pPr algn="ctr"/>
-            <a:r>
-              <a:rPr lang="en-US" sz="2800" dirty="0">
-                <a:latin typeface="Arial" panose="020B0604020202020204" pitchFamily="34" charset="0"/>
-                <a:cs typeface="Arial" panose="020B0604020202020204" pitchFamily="34" charset="0"/>
-              </a:rPr>
-              <a:t>We can increase text size and select a simpler theme.</a:t>
-            </a:r>
-          </a:p>
-        </p:txBody>
-      </p:sp>
-      <p:sp>
-        <p:nvSpPr>
-          <p:cNvPr id="3" name="TextBox 2">
-            <a:extLst>
-              <a:ext uri="{FF2B5EF4-FFF2-40B4-BE49-F238E27FC236}">
-                <a16:creationId xmlns:a16="http://schemas.microsoft.com/office/drawing/2014/main" id="{6C6ADEAB-5768-68AB-60CA-2FE1BC43C7E3}"/>
-              </a:ext>
-            </a:extLst>
-          </p:cNvPr>
-          <p:cNvSpPr txBox="1"/>
-          <p:nvPr/>
-        </p:nvSpPr>
-        <p:spPr>
-          <a:xfrm>
-            <a:off x="260498" y="5181600"/>
-            <a:ext cx="7588101" cy="1569660"/>
-          </a:xfrm>
-          <a:prstGeom prst="rect">
-            <a:avLst/>
-          </a:prstGeom>
-          <a:noFill/>
-        </p:spPr>
-        <p:txBody>
-          <a:bodyPr wrap="square" rtlCol="0">
-            <a:spAutoFit/>
-          </a:bodyPr>
-          <a:lstStyle/>
-          <a:p>
-            <a:r>
-              <a:rPr lang="en-US" sz="1200" dirty="0">
-                <a:latin typeface="Consolas" panose="020B0609020204030204" pitchFamily="49" charset="0"/>
-              </a:rPr>
-              <a:t>P &lt;- p +</a:t>
-            </a:r>
-          </a:p>
-          <a:p>
-            <a:r>
-              <a:rPr lang="en-US" sz="1200" dirty="0">
-                <a:latin typeface="Consolas" panose="020B0609020204030204" pitchFamily="49" charset="0"/>
-              </a:rPr>
-              <a:t>  </a:t>
-            </a:r>
-            <a:r>
-              <a:rPr lang="en-US" sz="1200" dirty="0" err="1">
-                <a:latin typeface="Consolas" panose="020B0609020204030204" pitchFamily="49" charset="0"/>
-              </a:rPr>
-              <a:t>theme_minimal</a:t>
-            </a:r>
-            <a:r>
-              <a:rPr lang="en-US" sz="1200" dirty="0">
-                <a:latin typeface="Consolas" panose="020B0609020204030204" pitchFamily="49" charset="0"/>
-              </a:rPr>
-              <a:t>(</a:t>
-            </a:r>
-            <a:r>
-              <a:rPr lang="en-US" sz="1200" dirty="0" err="1">
-                <a:latin typeface="Consolas" panose="020B0609020204030204" pitchFamily="49" charset="0"/>
-              </a:rPr>
-              <a:t>base_size</a:t>
-            </a:r>
-            <a:r>
-              <a:rPr lang="en-US" sz="1200" dirty="0">
-                <a:latin typeface="Consolas" panose="020B0609020204030204" pitchFamily="49" charset="0"/>
-              </a:rPr>
-              <a:t> = 20) +</a:t>
-            </a:r>
-          </a:p>
-          <a:p>
-            <a:r>
-              <a:rPr lang="en-US" sz="1200" dirty="0">
-                <a:latin typeface="Consolas" panose="020B0609020204030204" pitchFamily="49" charset="0"/>
-              </a:rPr>
-              <a:t>  theme(</a:t>
-            </a:r>
-            <a:r>
-              <a:rPr lang="en-US" sz="1200" dirty="0" err="1">
-                <a:latin typeface="Consolas" panose="020B0609020204030204" pitchFamily="49" charset="0"/>
-              </a:rPr>
-              <a:t>panel.grid.major</a:t>
-            </a:r>
-            <a:r>
-              <a:rPr lang="en-US" sz="1200" dirty="0">
-                <a:latin typeface="Consolas" panose="020B0609020204030204" pitchFamily="49" charset="0"/>
-              </a:rPr>
-              <a:t> = </a:t>
-            </a:r>
-            <a:r>
-              <a:rPr lang="en-US" sz="1200" dirty="0" err="1">
-                <a:latin typeface="Consolas" panose="020B0609020204030204" pitchFamily="49" charset="0"/>
-              </a:rPr>
-              <a:t>element_blank</a:t>
-            </a:r>
-            <a:r>
-              <a:rPr lang="en-US" sz="1200" dirty="0">
-                <a:latin typeface="Consolas" panose="020B0609020204030204" pitchFamily="49" charset="0"/>
-              </a:rPr>
-              <a:t>(),</a:t>
-            </a:r>
-          </a:p>
-          <a:p>
-            <a:r>
-              <a:rPr lang="en-US" sz="1200" dirty="0">
-                <a:latin typeface="Consolas" panose="020B0609020204030204" pitchFamily="49" charset="0"/>
-              </a:rPr>
-              <a:t>        </a:t>
-            </a:r>
-            <a:r>
-              <a:rPr lang="en-US" sz="1200" dirty="0" err="1">
-                <a:latin typeface="Consolas" panose="020B0609020204030204" pitchFamily="49" charset="0"/>
-              </a:rPr>
-              <a:t>panel.grid.minor</a:t>
-            </a:r>
-            <a:r>
-              <a:rPr lang="en-US" sz="1200" dirty="0">
-                <a:latin typeface="Consolas" panose="020B0609020204030204" pitchFamily="49" charset="0"/>
-              </a:rPr>
-              <a:t> = </a:t>
-            </a:r>
-            <a:r>
-              <a:rPr lang="en-US" sz="1200" dirty="0" err="1">
-                <a:latin typeface="Consolas" panose="020B0609020204030204" pitchFamily="49" charset="0"/>
-              </a:rPr>
-              <a:t>element_blank</a:t>
-            </a:r>
-            <a:r>
-              <a:rPr lang="en-US" sz="1200" dirty="0">
-                <a:latin typeface="Consolas" panose="020B0609020204030204" pitchFamily="49" charset="0"/>
-              </a:rPr>
-              <a:t>()) +</a:t>
-            </a:r>
-          </a:p>
-          <a:p>
-            <a:r>
-              <a:rPr lang="en-US" sz="1200" dirty="0">
-                <a:latin typeface="Consolas" panose="020B0609020204030204" pitchFamily="49" charset="0"/>
-              </a:rPr>
-              <a:t>  </a:t>
-            </a:r>
-            <a:r>
-              <a:rPr lang="en-US" sz="1200" dirty="0" err="1">
-                <a:latin typeface="Consolas" panose="020B0609020204030204" pitchFamily="49" charset="0"/>
-              </a:rPr>
-              <a:t>scale_x_continuous</a:t>
-            </a:r>
-            <a:r>
-              <a:rPr lang="en-US" sz="1200" dirty="0">
-                <a:latin typeface="Consolas" panose="020B0609020204030204" pitchFamily="49" charset="0"/>
-              </a:rPr>
-              <a:t>(labels = scales::comma) +</a:t>
-            </a:r>
-          </a:p>
-          <a:p>
-            <a:r>
-              <a:rPr lang="en-US" sz="1200" dirty="0">
-                <a:latin typeface="Consolas" panose="020B0609020204030204" pitchFamily="49" charset="0"/>
-              </a:rPr>
-              <a:t>  theme(</a:t>
-            </a:r>
-            <a:r>
-              <a:rPr lang="en-US" sz="1200" dirty="0" err="1">
-                <a:latin typeface="Consolas" panose="020B0609020204030204" pitchFamily="49" charset="0"/>
-              </a:rPr>
-              <a:t>axis.text.y</a:t>
-            </a:r>
-            <a:r>
-              <a:rPr lang="en-US" sz="1200" dirty="0">
-                <a:latin typeface="Consolas" panose="020B0609020204030204" pitchFamily="49" charset="0"/>
-              </a:rPr>
-              <a:t> = </a:t>
-            </a:r>
-            <a:r>
-              <a:rPr lang="en-US" sz="1200" dirty="0" err="1">
-                <a:latin typeface="Consolas" panose="020B0609020204030204" pitchFamily="49" charset="0"/>
-              </a:rPr>
-              <a:t>element_blank</a:t>
-            </a:r>
-            <a:r>
-              <a:rPr lang="en-US" sz="1200" dirty="0">
-                <a:latin typeface="Consolas" panose="020B0609020204030204" pitchFamily="49" charset="0"/>
-              </a:rPr>
-              <a:t>(),</a:t>
-            </a:r>
-          </a:p>
-          <a:p>
-            <a:r>
-              <a:rPr lang="en-US" sz="1200" dirty="0">
-                <a:latin typeface="Consolas" panose="020B0609020204030204" pitchFamily="49" charset="0"/>
-              </a:rPr>
-              <a:t>        </a:t>
-            </a:r>
-            <a:r>
-              <a:rPr lang="en-US" sz="1200" dirty="0" err="1">
-                <a:latin typeface="Consolas" panose="020B0609020204030204" pitchFamily="49" charset="0"/>
-              </a:rPr>
-              <a:t>axis.ticks.y</a:t>
-            </a:r>
-            <a:r>
-              <a:rPr lang="en-US" sz="1200" dirty="0">
-                <a:latin typeface="Consolas" panose="020B0609020204030204" pitchFamily="49" charset="0"/>
-              </a:rPr>
-              <a:t> = </a:t>
-            </a:r>
-            <a:r>
-              <a:rPr lang="en-US" sz="1200" dirty="0" err="1">
-                <a:latin typeface="Consolas" panose="020B0609020204030204" pitchFamily="49" charset="0"/>
-              </a:rPr>
-              <a:t>element_blank</a:t>
-            </a:r>
-            <a:r>
-              <a:rPr lang="en-US" sz="1200" dirty="0">
-                <a:latin typeface="Consolas" panose="020B0609020204030204" pitchFamily="49" charset="0"/>
-              </a:rPr>
-              <a:t>(),</a:t>
-            </a:r>
-          </a:p>
-          <a:p>
-            <a:r>
-              <a:rPr lang="en-US" sz="1200" dirty="0">
-                <a:latin typeface="Consolas" panose="020B0609020204030204" pitchFamily="49" charset="0"/>
-              </a:rPr>
-              <a:t>        </a:t>
-            </a:r>
-            <a:r>
-              <a:rPr lang="en-US" sz="1200" dirty="0" err="1">
-                <a:latin typeface="Consolas" panose="020B0609020204030204" pitchFamily="49" charset="0"/>
-              </a:rPr>
-              <a:t>axis.title.y</a:t>
-            </a:r>
-            <a:r>
-              <a:rPr lang="en-US" sz="1200" dirty="0">
-                <a:latin typeface="Consolas" panose="020B0609020204030204" pitchFamily="49" charset="0"/>
-              </a:rPr>
-              <a:t> = </a:t>
-            </a:r>
-            <a:r>
-              <a:rPr lang="en-US" sz="1200" dirty="0" err="1">
-                <a:latin typeface="Consolas" panose="020B0609020204030204" pitchFamily="49" charset="0"/>
-              </a:rPr>
-              <a:t>element_blank</a:t>
-            </a:r>
-            <a:r>
-              <a:rPr lang="en-US" sz="1200" dirty="0">
-                <a:latin typeface="Consolas" panose="020B0609020204030204" pitchFamily="49" charset="0"/>
-              </a:rPr>
-              <a:t>())</a:t>
-            </a:r>
+            <a:endParaRPr lang="en-US" dirty="0"/>
           </a:p>
         </p:txBody>
       </p:sp>
     </p:spTree>
     <p:extLst>
       <p:ext uri="{BB962C8B-B14F-4D97-AF65-F5344CB8AC3E}">
-        <p14:creationId xmlns:p14="http://schemas.microsoft.com/office/powerpoint/2010/main" val="3053040336"/>
+        <p14:creationId xmlns:p14="http://schemas.microsoft.com/office/powerpoint/2010/main" val="438820422"/>
       </p:ext>
     </p:extLst>
   </p:cSld>
@@ -17905,321 +17664,42 @@
           <a:lstStyle/>
           <a:p>
             <a:r>
-              <a:rPr lang="en-US" dirty="0"/>
-              <a:t>Color</a:t>
-            </a:r>
-          </a:p>
-        </p:txBody>
-      </p:sp>
-      <p:pic>
-        <p:nvPicPr>
-          <p:cNvPr id="4" name="Picture 3">
+              <a:rPr lang="en-US"/>
+              <a:t>Model Diagnostics</a:t>
+            </a:r>
+            <a:endParaRPr lang="en-US" dirty="0"/>
+          </a:p>
+        </p:txBody>
+      </p:sp>
+      <p:sp>
+        <p:nvSpPr>
+          <p:cNvPr id="3" name="Content Placeholder 2">
             <a:extLst>
               <a:ext uri="{FF2B5EF4-FFF2-40B4-BE49-F238E27FC236}">
-                <a16:creationId xmlns:a16="http://schemas.microsoft.com/office/drawing/2014/main" id="{4A0037C9-EB90-2900-D4EC-DF813BC908A7}"/>
+                <a16:creationId xmlns:a16="http://schemas.microsoft.com/office/drawing/2014/main" id="{39176E43-0115-E50B-D268-5E00760022A7}"/>
               </a:ext>
             </a:extLst>
           </p:cNvPr>
-          <p:cNvPicPr>
-            <a:picLocks noChangeAspect="1"/>
-          </p:cNvPicPr>
-          <p:nvPr/>
-        </p:nvPicPr>
-        <p:blipFill>
-          <a:blip r:embed="rId2" r:link="rId3">
-            <a:extLst>
-              <a:ext uri="{28A0092B-C50C-407E-A947-70E740481C1C}">
-                <a14:useLocalDpi xmlns:a14="http://schemas.microsoft.com/office/drawing/2010/main" val="0"/>
-              </a:ext>
-            </a:extLst>
-          </a:blip>
-          <a:srcRect/>
-          <a:stretch>
-            <a:fillRect/>
-          </a:stretch>
-        </p:blipFill>
-        <p:spPr>
-          <a:xfrm>
-            <a:off x="2971802" y="1447801"/>
-            <a:ext cx="5943594" cy="3962395"/>
-          </a:xfrm>
-          <a:prstGeom prst="rect">
-            <a:avLst/>
-          </a:prstGeom>
-        </p:spPr>
-      </p:pic>
-      <p:sp>
-        <p:nvSpPr>
-          <p:cNvPr id="5" name="TextBox 4">
-            <a:extLst>
-              <a:ext uri="{FF2B5EF4-FFF2-40B4-BE49-F238E27FC236}">
-                <a16:creationId xmlns:a16="http://schemas.microsoft.com/office/drawing/2014/main" id="{04AF6261-B4B1-D761-810B-AACA39E89170}"/>
-              </a:ext>
-            </a:extLst>
-          </p:cNvPr>
-          <p:cNvSpPr txBox="1"/>
-          <p:nvPr/>
-        </p:nvSpPr>
-        <p:spPr>
-          <a:xfrm>
-            <a:off x="228601" y="2514600"/>
-            <a:ext cx="2431673" cy="1815882"/>
-          </a:xfrm>
-          <a:prstGeom prst="rect">
-            <a:avLst/>
-          </a:prstGeom>
-          <a:noFill/>
-        </p:spPr>
-        <p:txBody>
-          <a:bodyPr wrap="square" rtlCol="0">
-            <a:spAutoFit/>
-          </a:bodyPr>
+          <p:cNvSpPr>
+            <a:spLocks noGrp="1"/>
+          </p:cNvSpPr>
+          <p:nvPr>
+            <p:ph idx="1"/>
+          </p:nvPr>
+        </p:nvSpPr>
+        <p:spPr/>
+        <p:txBody>
+          <a:bodyPr/>
           <a:lstStyle/>
           <a:p>
-            <a:pPr algn="ctr"/>
-            <a:r>
-              <a:rPr lang="en-US" sz="2800" dirty="0">
-                <a:latin typeface="Arial" panose="020B0604020202020204" pitchFamily="34" charset="0"/>
-                <a:cs typeface="Arial" panose="020B0604020202020204" pitchFamily="34" charset="0"/>
-              </a:rPr>
-              <a:t>We can also update the color, if desired.</a:t>
-            </a:r>
-          </a:p>
-        </p:txBody>
-      </p:sp>
-      <p:sp>
-        <p:nvSpPr>
-          <p:cNvPr id="3" name="TextBox 2">
-            <a:extLst>
-              <a:ext uri="{FF2B5EF4-FFF2-40B4-BE49-F238E27FC236}">
-                <a16:creationId xmlns:a16="http://schemas.microsoft.com/office/drawing/2014/main" id="{4FD38AA8-E08D-AFDB-588A-1A0A6FD4205A}"/>
-              </a:ext>
-            </a:extLst>
-          </p:cNvPr>
-          <p:cNvSpPr txBox="1"/>
-          <p:nvPr/>
-        </p:nvSpPr>
-        <p:spPr>
-          <a:xfrm>
-            <a:off x="260498" y="5181600"/>
-            <a:ext cx="7588101" cy="1384995"/>
-          </a:xfrm>
-          <a:prstGeom prst="rect">
-            <a:avLst/>
-          </a:prstGeom>
-          <a:noFill/>
-        </p:spPr>
-        <p:txBody>
-          <a:bodyPr wrap="square" rtlCol="0">
-            <a:spAutoFit/>
-          </a:bodyPr>
-          <a:lstStyle/>
-          <a:p>
-            <a:r>
-              <a:rPr lang="en-US" sz="1200" dirty="0">
-                <a:latin typeface="Consolas" panose="020B0609020204030204" pitchFamily="49" charset="0"/>
-              </a:rPr>
-              <a:t>...</a:t>
-            </a:r>
-          </a:p>
-          <a:p>
-            <a:r>
-              <a:rPr lang="en-US" sz="1200" dirty="0">
-                <a:latin typeface="Consolas" panose="020B0609020204030204" pitchFamily="49" charset="0"/>
-              </a:rPr>
-              <a:t>  </a:t>
-            </a:r>
-            <a:r>
-              <a:rPr lang="en-US" sz="1200" dirty="0" err="1">
-                <a:latin typeface="Consolas" panose="020B0609020204030204" pitchFamily="49" charset="0"/>
-              </a:rPr>
-              <a:t>geom_histogram</a:t>
-            </a:r>
-            <a:r>
-              <a:rPr lang="en-US" sz="1200" dirty="0">
-                <a:latin typeface="Consolas" panose="020B0609020204030204" pitchFamily="49" charset="0"/>
-              </a:rPr>
-              <a:t>(</a:t>
-            </a:r>
-            <a:r>
-              <a:rPr lang="en-US" sz="1200" dirty="0" err="1">
-                <a:latin typeface="Consolas" panose="020B0609020204030204" pitchFamily="49" charset="0"/>
-              </a:rPr>
-              <a:t>aes</a:t>
-            </a:r>
-            <a:r>
-              <a:rPr lang="en-US" sz="1200" dirty="0">
-                <a:latin typeface="Consolas" panose="020B0609020204030204" pitchFamily="49" charset="0"/>
-              </a:rPr>
-              <a:t>(x = loss, </a:t>
-            </a:r>
-            <a:r>
-              <a:rPr lang="en-US" sz="1200" dirty="0" err="1">
-                <a:latin typeface="Consolas" panose="020B0609020204030204" pitchFamily="49" charset="0"/>
-              </a:rPr>
-              <a:t>after_stat</a:t>
-            </a:r>
-            <a:r>
-              <a:rPr lang="en-US" sz="1200" dirty="0">
-                <a:latin typeface="Consolas" panose="020B0609020204030204" pitchFamily="49" charset="0"/>
-              </a:rPr>
-              <a:t>(density)),</a:t>
-            </a:r>
-          </a:p>
-          <a:p>
-            <a:r>
-              <a:rPr lang="en-US" sz="1200" dirty="0">
-                <a:latin typeface="Consolas" panose="020B0609020204030204" pitchFamily="49" charset="0"/>
-              </a:rPr>
-              <a:t>                 fill = </a:t>
-            </a:r>
-            <a:r>
-              <a:rPr lang="en-US" sz="1200" dirty="0" err="1">
-                <a:latin typeface="Consolas" panose="020B0609020204030204" pitchFamily="49" charset="0"/>
-              </a:rPr>
-              <a:t>pal_CAS</a:t>
-            </a:r>
-            <a:r>
-              <a:rPr lang="en-US" sz="1200" dirty="0">
-                <a:latin typeface="Consolas" panose="020B0609020204030204" pitchFamily="49" charset="0"/>
-              </a:rPr>
-              <a:t>["</a:t>
-            </a:r>
-            <a:r>
-              <a:rPr lang="en-US" sz="1200" dirty="0" err="1">
-                <a:latin typeface="Consolas" panose="020B0609020204030204" pitchFamily="49" charset="0"/>
-              </a:rPr>
-              <a:t>light_blue</a:t>
-            </a:r>
-            <a:r>
-              <a:rPr lang="en-US" sz="1200" dirty="0">
-                <a:latin typeface="Consolas" panose="020B0609020204030204" pitchFamily="49" charset="0"/>
-              </a:rPr>
-              <a:t>"]) +</a:t>
-            </a:r>
-          </a:p>
-          <a:p>
-            <a:r>
-              <a:rPr lang="en-US" sz="1200" dirty="0">
-                <a:latin typeface="Consolas" panose="020B0609020204030204" pitchFamily="49" charset="0"/>
-              </a:rPr>
-              <a:t>  </a:t>
-            </a:r>
-            <a:r>
-              <a:rPr lang="en-US" sz="1200" dirty="0" err="1">
-                <a:latin typeface="Consolas" panose="020B0609020204030204" pitchFamily="49" charset="0"/>
-              </a:rPr>
-              <a:t>stat_function</a:t>
-            </a:r>
-            <a:r>
-              <a:rPr lang="en-US" sz="1200" dirty="0">
-                <a:latin typeface="Consolas" panose="020B0609020204030204" pitchFamily="49" charset="0"/>
-              </a:rPr>
-              <a:t>(fun = </a:t>
-            </a:r>
-            <a:r>
-              <a:rPr lang="en-US" sz="1200" dirty="0" err="1">
-                <a:latin typeface="Consolas" panose="020B0609020204030204" pitchFamily="49" charset="0"/>
-              </a:rPr>
-              <a:t>dlnorm</a:t>
-            </a:r>
-            <a:r>
-              <a:rPr lang="en-US" sz="1200" dirty="0">
-                <a:latin typeface="Consolas" panose="020B0609020204030204" pitchFamily="49" charset="0"/>
-              </a:rPr>
-              <a:t>,</a:t>
-            </a:r>
-          </a:p>
-          <a:p>
-            <a:r>
-              <a:rPr lang="en-US" sz="1200" dirty="0">
-                <a:latin typeface="Consolas" panose="020B0609020204030204" pitchFamily="49" charset="0"/>
-              </a:rPr>
-              <a:t>                </a:t>
-            </a:r>
-            <a:r>
-              <a:rPr lang="en-US" sz="1200" dirty="0" err="1">
-                <a:latin typeface="Consolas" panose="020B0609020204030204" pitchFamily="49" charset="0"/>
-              </a:rPr>
-              <a:t>args</a:t>
-            </a:r>
-            <a:r>
-              <a:rPr lang="en-US" sz="1200" dirty="0">
-                <a:latin typeface="Consolas" panose="020B0609020204030204" pitchFamily="49" charset="0"/>
-              </a:rPr>
-              <a:t> = list(</a:t>
-            </a:r>
-            <a:r>
-              <a:rPr lang="en-US" sz="1200" dirty="0" err="1">
-                <a:latin typeface="Consolas" panose="020B0609020204030204" pitchFamily="49" charset="0"/>
-              </a:rPr>
-              <a:t>meanlog</a:t>
-            </a:r>
-            <a:r>
-              <a:rPr lang="en-US" sz="1200" dirty="0">
-                <a:latin typeface="Consolas" panose="020B0609020204030204" pitchFamily="49" charset="0"/>
-              </a:rPr>
-              <a:t> = 10, </a:t>
-            </a:r>
-            <a:r>
-              <a:rPr lang="en-US" sz="1200" dirty="0" err="1">
-                <a:latin typeface="Consolas" panose="020B0609020204030204" pitchFamily="49" charset="0"/>
-              </a:rPr>
-              <a:t>sdlog</a:t>
-            </a:r>
-            <a:r>
-              <a:rPr lang="en-US" sz="1200" dirty="0">
-                <a:latin typeface="Consolas" panose="020B0609020204030204" pitchFamily="49" charset="0"/>
-              </a:rPr>
-              <a:t> = 1.0),</a:t>
-            </a:r>
-          </a:p>
-          <a:p>
-            <a:r>
-              <a:rPr lang="en-US" sz="1200" dirty="0">
-                <a:latin typeface="Consolas" panose="020B0609020204030204" pitchFamily="49" charset="0"/>
-              </a:rPr>
-              <a:t>                color = </a:t>
-            </a:r>
-            <a:r>
-              <a:rPr lang="en-US" sz="1200" dirty="0" err="1">
-                <a:latin typeface="Consolas" panose="020B0609020204030204" pitchFamily="49" charset="0"/>
-              </a:rPr>
-              <a:t>pal_CAS</a:t>
-            </a:r>
-            <a:r>
-              <a:rPr lang="en-US" sz="1200" dirty="0">
-                <a:latin typeface="Consolas" panose="020B0609020204030204" pitchFamily="49" charset="0"/>
-              </a:rPr>
-              <a:t>["</a:t>
-            </a:r>
-            <a:r>
-              <a:rPr lang="en-US" sz="1200" dirty="0" err="1">
-                <a:latin typeface="Consolas" panose="020B0609020204030204" pitchFamily="49" charset="0"/>
-              </a:rPr>
-              <a:t>dark_blue</a:t>
-            </a:r>
-            <a:r>
-              <a:rPr lang="en-US" sz="1200" dirty="0">
-                <a:latin typeface="Consolas" panose="020B0609020204030204" pitchFamily="49" charset="0"/>
-              </a:rPr>
-              <a:t>"]) +</a:t>
-            </a:r>
-          </a:p>
-          <a:p>
-            <a:r>
-              <a:rPr lang="en-US" sz="1200" dirty="0">
-                <a:latin typeface="Consolas" panose="020B0609020204030204" pitchFamily="49" charset="0"/>
-              </a:rPr>
-              <a:t>...</a:t>
-            </a:r>
+            <a:endParaRPr lang="en-US" dirty="0"/>
           </a:p>
         </p:txBody>
       </p:sp>
     </p:spTree>
     <p:extLst>
       <p:ext uri="{BB962C8B-B14F-4D97-AF65-F5344CB8AC3E}">
-        <p14:creationId xmlns:p14="http://schemas.microsoft.com/office/powerpoint/2010/main" val="1956384913"/>
+        <p14:creationId xmlns:p14="http://schemas.microsoft.com/office/powerpoint/2010/main" val="2283096306"/>
       </p:ext>
     </p:extLst>
   </p:cSld>
@@ -18251,7 +17731,7 @@
           <p:cNvPr id="2" name="Title 1">
             <a:extLst>
               <a:ext uri="{FF2B5EF4-FFF2-40B4-BE49-F238E27FC236}">
-                <a16:creationId xmlns:a16="http://schemas.microsoft.com/office/drawing/2014/main" id="{18969BF5-0288-FD7C-1739-0C8672F3D7F8}"/>
+                <a16:creationId xmlns:a16="http://schemas.microsoft.com/office/drawing/2014/main" id="{FB164A08-7CBF-A761-E02D-33DAFF697330}"/>
               </a:ext>
             </a:extLst>
           </p:cNvPr>
@@ -18269,89 +17749,47 @@
           <a:p>
             <a:r>
               <a:rPr lang="en-US" dirty="0"/>
-              <a:t>Comparison</a:t>
-            </a:r>
-          </a:p>
-        </p:txBody>
-      </p:sp>
-      <p:pic>
-        <p:nvPicPr>
-          <p:cNvPr id="4" name="Picture 3">
+              <a:t>Automating</a:t>
+            </a:r>
+            <a:br>
+              <a:rPr lang="en-US" dirty="0"/>
+            </a:br>
+            <a:r>
+              <a:rPr lang="en-US" dirty="0"/>
+              <a:t>actuarial exhibits</a:t>
+            </a:r>
+          </a:p>
+        </p:txBody>
+      </p:sp>
+      <p:sp>
+        <p:nvSpPr>
+          <p:cNvPr id="3" name="Text Placeholder 2">
             <a:extLst>
               <a:ext uri="{FF2B5EF4-FFF2-40B4-BE49-F238E27FC236}">
-                <a16:creationId xmlns:a16="http://schemas.microsoft.com/office/drawing/2014/main" id="{4A0037C9-EB90-2900-D4EC-DF813BC908A7}"/>
+                <a16:creationId xmlns:a16="http://schemas.microsoft.com/office/drawing/2014/main" id="{4B1F8AE9-444E-BC75-AA22-A6E4BADDFFA8}"/>
               </a:ext>
             </a:extLst>
           </p:cNvPr>
-          <p:cNvPicPr>
-            <a:picLocks noChangeAspect="1"/>
-          </p:cNvPicPr>
-          <p:nvPr/>
-        </p:nvPicPr>
-        <p:blipFill>
-          <a:blip r:embed="rId2" r:link="rId3">
-            <a:extLst>
-              <a:ext uri="{28A0092B-C50C-407E-A947-70E740481C1C}">
-                <a14:useLocalDpi xmlns:a14="http://schemas.microsoft.com/office/drawing/2010/main" val="0"/>
-              </a:ext>
-            </a:extLst>
-          </a:blip>
-          <a:srcRect/>
-          <a:stretch>
-            <a:fillRect/>
-          </a:stretch>
-        </p:blipFill>
-        <p:spPr>
-          <a:xfrm>
-            <a:off x="4571998" y="2209799"/>
-            <a:ext cx="4389121" cy="2926080"/>
-          </a:xfrm>
-          <a:prstGeom prst="rect">
-            <a:avLst/>
-          </a:prstGeom>
-        </p:spPr>
-      </p:pic>
-      <p:pic>
-        <p:nvPicPr>
-          <p:cNvPr id="6" name="Picture 5">
-            <a:extLst>
-              <a:ext uri="{FF2B5EF4-FFF2-40B4-BE49-F238E27FC236}">
-                <a16:creationId xmlns:a16="http://schemas.microsoft.com/office/drawing/2014/main" id="{D8447591-D830-A3F2-DC0D-858B0C9B5E06}"/>
-              </a:ext>
-            </a:extLst>
-          </p:cNvPr>
-          <p:cNvPicPr>
-            <a:picLocks noChangeAspect="1"/>
-          </p:cNvPicPr>
-          <p:nvPr/>
-        </p:nvPicPr>
-        <p:blipFill>
-          <a:blip r:embed="rId4" r:link="rId5">
-            <a:extLst>
-              <a:ext uri="{28A0092B-C50C-407E-A947-70E740481C1C}">
-                <a14:useLocalDpi xmlns:a14="http://schemas.microsoft.com/office/drawing/2010/main" val="0"/>
-              </a:ext>
-            </a:extLst>
-          </a:blip>
-          <a:srcRect/>
-          <a:stretch>
-            <a:fillRect/>
-          </a:stretch>
-        </p:blipFill>
-        <p:spPr>
-          <a:xfrm>
-            <a:off x="152401" y="2209799"/>
-            <a:ext cx="4389120" cy="2926080"/>
-          </a:xfrm>
-          <a:prstGeom prst="rect">
-            <a:avLst/>
-          </a:prstGeom>
-        </p:spPr>
-      </p:pic>
+          <p:cNvSpPr>
+            <a:spLocks noGrp="1"/>
+          </p:cNvSpPr>
+          <p:nvPr>
+            <p:ph type="body" idx="1"/>
+          </p:nvPr>
+        </p:nvSpPr>
+        <p:spPr/>
+        <p:txBody>
+          <a:bodyPr/>
+          <a:lstStyle/>
+          <a:p>
+            <a:endParaRPr lang="en-US"/>
+          </a:p>
+        </p:txBody>
+      </p:sp>
     </p:spTree>
     <p:extLst>
       <p:ext uri="{BB962C8B-B14F-4D97-AF65-F5344CB8AC3E}">
-        <p14:creationId xmlns:p14="http://schemas.microsoft.com/office/powerpoint/2010/main" val="2934773690"/>
+        <p14:creationId xmlns:p14="http://schemas.microsoft.com/office/powerpoint/2010/main" val="2737078565"/>
       </p:ext>
     </p:extLst>
   </p:cSld>
@@ -18378,12 +17816,48 @@
           <a:chExt cx="0" cy="0"/>
         </a:xfrm>
       </p:grpSpPr>
+      <p:pic>
+        <p:nvPicPr>
+          <p:cNvPr id="121" name="Picture 120" descr="A picture containing text, clipart, sign, vector graphics&#10;&#10;Description automatically generated">
+            <a:extLst>
+              <a:ext uri="{FF2B5EF4-FFF2-40B4-BE49-F238E27FC236}">
+                <a16:creationId xmlns:a16="http://schemas.microsoft.com/office/drawing/2014/main" id="{01A2CF48-9BF8-6D38-E543-1482FDDB5ACB}"/>
+              </a:ext>
+            </a:extLst>
+          </p:cNvPr>
+          <p:cNvPicPr>
+            <a:picLocks noChangeAspect="1"/>
+          </p:cNvPicPr>
+          <p:nvPr/>
+        </p:nvPicPr>
+        <p:blipFill>
+          <a:blip r:embed="rId2">
+            <a:extLst>
+              <a:ext uri="{28A0092B-C50C-407E-A947-70E740481C1C}">
+                <a14:useLocalDpi xmlns:a14="http://schemas.microsoft.com/office/drawing/2010/main" val="0"/>
+              </a:ext>
+            </a:extLst>
+          </a:blip>
+          <a:stretch>
+            <a:fillRect/>
+          </a:stretch>
+        </p:blipFill>
+        <p:spPr>
+          <a:xfrm>
+            <a:off x="7192180" y="4074153"/>
+            <a:ext cx="950976" cy="950976"/>
+          </a:xfrm>
+          <a:prstGeom prst="rect">
+            <a:avLst/>
+          </a:prstGeom>
+        </p:spPr>
+      </p:pic>
       <p:sp>
         <p:nvSpPr>
           <p:cNvPr id="2" name="Title 1">
             <a:extLst>
               <a:ext uri="{FF2B5EF4-FFF2-40B4-BE49-F238E27FC236}">
-                <a16:creationId xmlns:a16="http://schemas.microsoft.com/office/drawing/2014/main" id="{FABAA41A-77E6-2FBA-A297-38D8E88EA1EE}"/>
+                <a16:creationId xmlns:a16="http://schemas.microsoft.com/office/drawing/2014/main" id="{18969BF5-0288-FD7C-1739-0C8672F3D7F8}"/>
               </a:ext>
             </a:extLst>
           </p:cNvPr>
@@ -18401,40 +17875,1674 @@
           <a:p>
             <a:r>
               <a:rPr lang="en-US" dirty="0"/>
-              <a:t>Practical formatting tricks</a:t>
-            </a:r>
-          </a:p>
-        </p:txBody>
-      </p:sp>
-      <p:sp>
-        <p:nvSpPr>
-          <p:cNvPr id="3" name="Text Placeholder 2">
+              <a:t>Typical Actuarial Analysis Pipeline</a:t>
+            </a:r>
+          </a:p>
+        </p:txBody>
+      </p:sp>
+      <p:pic>
+        <p:nvPicPr>
+          <p:cNvPr id="16" name="Picture 4" descr="Database icon">
             <a:extLst>
               <a:ext uri="{FF2B5EF4-FFF2-40B4-BE49-F238E27FC236}">
-                <a16:creationId xmlns:a16="http://schemas.microsoft.com/office/drawing/2014/main" id="{CC58DA01-D3BC-9504-0836-D49045D6C03A}"/>
+                <a16:creationId xmlns:a16="http://schemas.microsoft.com/office/drawing/2014/main" id="{B2D48FF6-3E93-4F70-5E09-97F3151D16A0}"/>
               </a:ext>
             </a:extLst>
           </p:cNvPr>
-          <p:cNvSpPr>
-            <a:spLocks noGrp="1"/>
-          </p:cNvSpPr>
-          <p:nvPr>
-            <p:ph type="body" idx="1"/>
-          </p:nvPr>
-        </p:nvSpPr>
-        <p:spPr/>
-        <p:txBody>
-          <a:bodyPr/>
+          <p:cNvPicPr>
+            <a:picLocks noChangeAspect="1" noChangeArrowheads="1"/>
+          </p:cNvPicPr>
+          <p:nvPr/>
+        </p:nvPicPr>
+        <p:blipFill>
+          <a:blip r:embed="rId3" cstate="print">
+            <a:duotone>
+              <a:schemeClr val="accent1">
+                <a:shade val="45000"/>
+                <a:satMod val="135000"/>
+              </a:schemeClr>
+              <a:prstClr val="white"/>
+            </a:duotone>
+            <a:extLst>
+              <a:ext uri="{28A0092B-C50C-407E-A947-70E740481C1C}">
+                <a14:useLocalDpi xmlns:a14="http://schemas.microsoft.com/office/drawing/2010/main" val="0"/>
+              </a:ext>
+            </a:extLst>
+          </a:blip>
+          <a:srcRect/>
+          <a:stretch>
+            <a:fillRect/>
+          </a:stretch>
+        </p:blipFill>
+        <p:spPr bwMode="auto">
+          <a:xfrm>
+            <a:off x="517918" y="1784537"/>
+            <a:ext cx="457200" cy="457200"/>
+          </a:xfrm>
+          <a:prstGeom prst="rect">
+            <a:avLst/>
+          </a:prstGeom>
+          <a:noFill/>
+          <a:extLst>
+            <a:ext uri="{909E8E84-426E-40DD-AFC4-6F175D3DCCD1}">
+              <a14:hiddenFill xmlns:a14="http://schemas.microsoft.com/office/drawing/2010/main">
+                <a:solidFill>
+                  <a:srgbClr val="FFFFFF"/>
+                </a:solidFill>
+              </a14:hiddenFill>
+            </a:ext>
+          </a:extLst>
+        </p:spPr>
+      </p:pic>
+      <p:sp>
+        <p:nvSpPr>
+          <p:cNvPr id="20" name="TextBox 19">
+            <a:extLst>
+              <a:ext uri="{FF2B5EF4-FFF2-40B4-BE49-F238E27FC236}">
+                <a16:creationId xmlns:a16="http://schemas.microsoft.com/office/drawing/2014/main" id="{4D3F9C2B-8B3E-D6BC-1856-92034B7EDC3C}"/>
+              </a:ext>
+            </a:extLst>
+          </p:cNvPr>
+          <p:cNvSpPr txBox="1"/>
+          <p:nvPr/>
+        </p:nvSpPr>
+        <p:spPr>
+          <a:xfrm>
+            <a:off x="289318" y="2353603"/>
+            <a:ext cx="914400" cy="230410"/>
+          </a:xfrm>
+          <a:prstGeom prst="rect">
+            <a:avLst/>
+          </a:prstGeom>
+          <a:noFill/>
+        </p:spPr>
+        <p:txBody>
+          <a:bodyPr wrap="none" lIns="0" tIns="0" rIns="0" bIns="0" rtlCol="0">
+            <a:noAutofit/>
+          </a:bodyPr>
           <a:lstStyle/>
           <a:p>
-            <a:endParaRPr lang="en-US"/>
+            <a:pPr algn="ctr">
+              <a:lnSpc>
+                <a:spcPct val="100000"/>
+              </a:lnSpc>
+              <a:spcBef>
+                <a:spcPts val="900"/>
+              </a:spcBef>
+              <a:buSzPct val="100000"/>
+            </a:pPr>
+            <a:r>
+              <a:rPr lang="en-US" sz="1400" dirty="0">
+                <a:solidFill>
+                  <a:schemeClr val="tx2"/>
+                </a:solidFill>
+                <a:latin typeface="Arial" panose="020B0604020202020204" pitchFamily="34" charset="0"/>
+                <a:cs typeface="Arial" panose="020B0604020202020204" pitchFamily="34" charset="0"/>
+              </a:rPr>
+              <a:t>Database</a:t>
+            </a:r>
+          </a:p>
+        </p:txBody>
+      </p:sp>
+      <p:pic>
+        <p:nvPicPr>
+          <p:cNvPr id="31" name="Picture 2">
+            <a:extLst>
+              <a:ext uri="{FF2B5EF4-FFF2-40B4-BE49-F238E27FC236}">
+                <a16:creationId xmlns:a16="http://schemas.microsoft.com/office/drawing/2014/main" id="{1F9D6341-B68C-BE97-CC70-1D5F0C04F23E}"/>
+              </a:ext>
+            </a:extLst>
+          </p:cNvPr>
+          <p:cNvPicPr>
+            <a:picLocks noChangeAspect="1" noChangeArrowheads="1"/>
+          </p:cNvPicPr>
+          <p:nvPr/>
+        </p:nvPicPr>
+        <p:blipFill>
+          <a:blip r:embed="rId4" cstate="print">
+            <a:extLst>
+              <a:ext uri="{28A0092B-C50C-407E-A947-70E740481C1C}">
+                <a14:useLocalDpi xmlns:a14="http://schemas.microsoft.com/office/drawing/2010/main" val="0"/>
+              </a:ext>
+            </a:extLst>
+          </a:blip>
+          <a:srcRect/>
+          <a:stretch>
+            <a:fillRect/>
+          </a:stretch>
+        </p:blipFill>
+        <p:spPr bwMode="auto">
+          <a:xfrm>
+            <a:off x="1622027" y="1784537"/>
+            <a:ext cx="465525" cy="457200"/>
+          </a:xfrm>
+          <a:prstGeom prst="rect">
+            <a:avLst/>
+          </a:prstGeom>
+          <a:noFill/>
+          <a:extLst>
+            <a:ext uri="{909E8E84-426E-40DD-AFC4-6F175D3DCCD1}">
+              <a14:hiddenFill xmlns:a14="http://schemas.microsoft.com/office/drawing/2010/main">
+                <a:solidFill>
+                  <a:srgbClr val="FFFFFF"/>
+                </a:solidFill>
+              </a14:hiddenFill>
+            </a:ext>
+          </a:extLst>
+        </p:spPr>
+      </p:pic>
+      <p:sp>
+        <p:nvSpPr>
+          <p:cNvPr id="32" name="TextBox 31">
+            <a:extLst>
+              <a:ext uri="{FF2B5EF4-FFF2-40B4-BE49-F238E27FC236}">
+                <a16:creationId xmlns:a16="http://schemas.microsoft.com/office/drawing/2014/main" id="{08D7C16B-8A52-985A-6C3A-270B2620A09C}"/>
+              </a:ext>
+            </a:extLst>
+          </p:cNvPr>
+          <p:cNvSpPr txBox="1"/>
+          <p:nvPr/>
+        </p:nvSpPr>
+        <p:spPr>
+          <a:xfrm>
+            <a:off x="1397589" y="2353603"/>
+            <a:ext cx="914400" cy="230410"/>
+          </a:xfrm>
+          <a:prstGeom prst="rect">
+            <a:avLst/>
+          </a:prstGeom>
+          <a:noFill/>
+        </p:spPr>
+        <p:txBody>
+          <a:bodyPr wrap="none" lIns="0" tIns="0" rIns="0" bIns="0" rtlCol="0">
+            <a:noAutofit/>
+          </a:bodyPr>
+          <a:lstStyle/>
+          <a:p>
+            <a:pPr algn="ctr">
+              <a:lnSpc>
+                <a:spcPct val="100000"/>
+              </a:lnSpc>
+              <a:spcBef>
+                <a:spcPts val="900"/>
+              </a:spcBef>
+              <a:buSzPct val="100000"/>
+            </a:pPr>
+            <a:r>
+              <a:rPr lang="en-US" sz="1400" dirty="0">
+                <a:solidFill>
+                  <a:schemeClr val="tx2"/>
+                </a:solidFill>
+                <a:latin typeface="Arial" panose="020B0604020202020204" pitchFamily="34" charset="0"/>
+                <a:cs typeface="Arial" panose="020B0604020202020204" pitchFamily="34" charset="0"/>
+              </a:rPr>
+              <a:t>Data Extract</a:t>
+            </a:r>
+          </a:p>
+        </p:txBody>
+      </p:sp>
+      <p:grpSp>
+        <p:nvGrpSpPr>
+          <p:cNvPr id="56" name="Group 55">
+            <a:extLst>
+              <a:ext uri="{FF2B5EF4-FFF2-40B4-BE49-F238E27FC236}">
+                <a16:creationId xmlns:a16="http://schemas.microsoft.com/office/drawing/2014/main" id="{5DDD2603-31D8-6785-4D8A-9A1A879E1FDB}"/>
+              </a:ext>
+            </a:extLst>
+          </p:cNvPr>
+          <p:cNvGrpSpPr>
+            <a:grpSpLocks noChangeAspect="1"/>
+          </p:cNvGrpSpPr>
+          <p:nvPr/>
+        </p:nvGrpSpPr>
+        <p:grpSpPr>
+          <a:xfrm>
+            <a:off x="2914958" y="1784537"/>
+            <a:ext cx="444700" cy="457200"/>
+            <a:chOff x="3146361" y="1180960"/>
+            <a:chExt cx="2523306" cy="2594242"/>
+          </a:xfrm>
+        </p:grpSpPr>
+        <p:pic>
+          <p:nvPicPr>
+            <p:cNvPr id="53" name="Picture 52" descr="Shape&#10;&#10;Description automatically generated with medium confidence">
+              <a:extLst>
+                <a:ext uri="{FF2B5EF4-FFF2-40B4-BE49-F238E27FC236}">
+                  <a16:creationId xmlns:a16="http://schemas.microsoft.com/office/drawing/2014/main" id="{FCA9B095-DB56-9F3C-1F9A-94E0A043290D}"/>
+                </a:ext>
+              </a:extLst>
+            </p:cNvPr>
+            <p:cNvPicPr>
+              <a:picLocks noChangeAspect="1"/>
+            </p:cNvPicPr>
+            <p:nvPr/>
+          </p:nvPicPr>
+          <p:blipFill>
+            <a:blip r:embed="rId5" cstate="print">
+              <a:extLst>
+                <a:ext uri="{28A0092B-C50C-407E-A947-70E740481C1C}">
+                  <a14:useLocalDpi xmlns:a14="http://schemas.microsoft.com/office/drawing/2010/main" val="0"/>
+                </a:ext>
+              </a:extLst>
+            </a:blip>
+            <a:stretch>
+              <a:fillRect/>
+            </a:stretch>
+          </p:blipFill>
+          <p:spPr>
+            <a:xfrm>
+              <a:off x="3146361" y="1180960"/>
+              <a:ext cx="2523306" cy="2594242"/>
+            </a:xfrm>
+            <a:prstGeom prst="rect">
+              <a:avLst/>
+            </a:prstGeom>
+          </p:spPr>
+        </p:pic>
+        <p:sp>
+          <p:nvSpPr>
+            <p:cNvPr id="55" name="Freeform: Shape 54">
+              <a:extLst>
+                <a:ext uri="{FF2B5EF4-FFF2-40B4-BE49-F238E27FC236}">
+                  <a16:creationId xmlns:a16="http://schemas.microsoft.com/office/drawing/2014/main" id="{7DD849F0-BF5F-2DD7-63D0-9B260E39AC0F}"/>
+                </a:ext>
+              </a:extLst>
+            </p:cNvPr>
+            <p:cNvSpPr/>
+            <p:nvPr/>
+          </p:nvSpPr>
+          <p:spPr>
+            <a:xfrm>
+              <a:off x="3876040" y="1747520"/>
+              <a:ext cx="1112520" cy="1346200"/>
+            </a:xfrm>
+            <a:custGeom>
+              <a:avLst/>
+              <a:gdLst>
+                <a:gd name="connsiteX0" fmla="*/ 20320 w 1112520"/>
+                <a:gd name="connsiteY0" fmla="*/ 86360 h 1346200"/>
+                <a:gd name="connsiteX1" fmla="*/ 0 w 1112520"/>
+                <a:gd name="connsiteY1" fmla="*/ 939800 h 1346200"/>
+                <a:gd name="connsiteX2" fmla="*/ 447040 w 1112520"/>
+                <a:gd name="connsiteY2" fmla="*/ 1346200 h 1346200"/>
+                <a:gd name="connsiteX3" fmla="*/ 1112520 w 1112520"/>
+                <a:gd name="connsiteY3" fmla="*/ 812800 h 1346200"/>
+                <a:gd name="connsiteX4" fmla="*/ 1041400 w 1112520"/>
+                <a:gd name="connsiteY4" fmla="*/ 86360 h 1346200"/>
+                <a:gd name="connsiteX5" fmla="*/ 508000 w 1112520"/>
+                <a:gd name="connsiteY5" fmla="*/ 0 h 1346200"/>
+                <a:gd name="connsiteX6" fmla="*/ 20320 w 1112520"/>
+                <a:gd name="connsiteY6" fmla="*/ 86360 h 1346200"/>
+              </a:gdLst>
+              <a:ahLst/>
+              <a:cxnLst>
+                <a:cxn ang="0">
+                  <a:pos x="connsiteX0" y="connsiteY0"/>
+                </a:cxn>
+                <a:cxn ang="0">
+                  <a:pos x="connsiteX1" y="connsiteY1"/>
+                </a:cxn>
+                <a:cxn ang="0">
+                  <a:pos x="connsiteX2" y="connsiteY2"/>
+                </a:cxn>
+                <a:cxn ang="0">
+                  <a:pos x="connsiteX3" y="connsiteY3"/>
+                </a:cxn>
+                <a:cxn ang="0">
+                  <a:pos x="connsiteX4" y="connsiteY4"/>
+                </a:cxn>
+                <a:cxn ang="0">
+                  <a:pos x="connsiteX5" y="connsiteY5"/>
+                </a:cxn>
+                <a:cxn ang="0">
+                  <a:pos x="connsiteX6" y="connsiteY6"/>
+                </a:cxn>
+              </a:cxnLst>
+              <a:rect l="l" t="t" r="r" b="b"/>
+              <a:pathLst>
+                <a:path w="1112520" h="1346200">
+                  <a:moveTo>
+                    <a:pt x="20320" y="86360"/>
+                  </a:moveTo>
+                  <a:lnTo>
+                    <a:pt x="0" y="939800"/>
+                  </a:lnTo>
+                  <a:lnTo>
+                    <a:pt x="447040" y="1346200"/>
+                  </a:lnTo>
+                  <a:lnTo>
+                    <a:pt x="1112520" y="812800"/>
+                  </a:lnTo>
+                  <a:lnTo>
+                    <a:pt x="1041400" y="86360"/>
+                  </a:lnTo>
+                  <a:lnTo>
+                    <a:pt x="508000" y="0"/>
+                  </a:lnTo>
+                  <a:lnTo>
+                    <a:pt x="20320" y="86360"/>
+                  </a:lnTo>
+                  <a:close/>
+                </a:path>
+              </a:pathLst>
+            </a:custGeom>
+            <a:solidFill>
+              <a:srgbClr val="FFFEFD"/>
+            </a:solidFill>
+            <a:ln>
+              <a:noFill/>
+            </a:ln>
+          </p:spPr>
+          <p:style>
+            <a:lnRef idx="2">
+              <a:schemeClr val="accent1">
+                <a:shade val="50000"/>
+              </a:schemeClr>
+            </a:lnRef>
+            <a:fillRef idx="1">
+              <a:schemeClr val="accent1"/>
+            </a:fillRef>
+            <a:effectRef idx="0">
+              <a:schemeClr val="accent1"/>
+            </a:effectRef>
+            <a:fontRef idx="minor">
+              <a:schemeClr val="lt1"/>
+            </a:fontRef>
+          </p:style>
+          <p:txBody>
+            <a:bodyPr rtlCol="0" anchor="ctr"/>
+            <a:lstStyle/>
+            <a:p>
+              <a:pPr algn="ctr"/>
+              <a:endParaRPr lang="en-US"/>
+            </a:p>
+          </p:txBody>
+        </p:sp>
+        <p:pic>
+          <p:nvPicPr>
+            <p:cNvPr id="54" name="Picture 2">
+              <a:extLst>
+                <a:ext uri="{FF2B5EF4-FFF2-40B4-BE49-F238E27FC236}">
+                  <a16:creationId xmlns:a16="http://schemas.microsoft.com/office/drawing/2014/main" id="{9BDA80E7-1C17-9358-77F3-12DA281DF380}"/>
+                </a:ext>
+              </a:extLst>
+            </p:cNvPr>
+            <p:cNvPicPr>
+              <a:picLocks noChangeAspect="1" noChangeArrowheads="1"/>
+            </p:cNvPicPr>
+            <p:nvPr/>
+          </p:nvPicPr>
+          <p:blipFill>
+            <a:blip r:embed="rId6" cstate="print">
+              <a:extLst>
+                <a:ext uri="{28A0092B-C50C-407E-A947-70E740481C1C}">
+                  <a14:useLocalDpi xmlns:a14="http://schemas.microsoft.com/office/drawing/2010/main" val="0"/>
+                </a:ext>
+              </a:extLst>
+            </a:blip>
+            <a:srcRect/>
+            <a:stretch>
+              <a:fillRect/>
+            </a:stretch>
+          </p:blipFill>
+          <p:spPr bwMode="auto">
+            <a:xfrm>
+              <a:off x="3975103" y="1887803"/>
+              <a:ext cx="865822" cy="850337"/>
+            </a:xfrm>
+            <a:prstGeom prst="rect">
+              <a:avLst/>
+            </a:prstGeom>
+            <a:noFill/>
+            <a:extLst>
+              <a:ext uri="{909E8E84-426E-40DD-AFC4-6F175D3DCCD1}">
+                <a14:hiddenFill xmlns:a14="http://schemas.microsoft.com/office/drawing/2010/main">
+                  <a:solidFill>
+                    <a:srgbClr val="FFFFFF"/>
+                  </a:solidFill>
+                </a14:hiddenFill>
+              </a:ext>
+            </a:extLst>
+          </p:spPr>
+        </p:pic>
+      </p:grpSp>
+      <p:sp>
+        <p:nvSpPr>
+          <p:cNvPr id="58" name="TextBox 57">
+            <a:extLst>
+              <a:ext uri="{FF2B5EF4-FFF2-40B4-BE49-F238E27FC236}">
+                <a16:creationId xmlns:a16="http://schemas.microsoft.com/office/drawing/2014/main" id="{60C2949F-21EC-8BA8-B878-568E8D099E24}"/>
+              </a:ext>
+            </a:extLst>
+          </p:cNvPr>
+          <p:cNvSpPr txBox="1"/>
+          <p:nvPr/>
+        </p:nvSpPr>
+        <p:spPr>
+          <a:xfrm>
+            <a:off x="2680108" y="2353603"/>
+            <a:ext cx="914400" cy="230410"/>
+          </a:xfrm>
+          <a:prstGeom prst="rect">
+            <a:avLst/>
+          </a:prstGeom>
+          <a:noFill/>
+        </p:spPr>
+        <p:txBody>
+          <a:bodyPr wrap="none" lIns="0" tIns="0" rIns="0" bIns="0" rtlCol="0">
+            <a:noAutofit/>
+          </a:bodyPr>
+          <a:lstStyle/>
+          <a:p>
+            <a:pPr algn="ctr">
+              <a:lnSpc>
+                <a:spcPct val="100000"/>
+              </a:lnSpc>
+              <a:spcBef>
+                <a:spcPts val="900"/>
+              </a:spcBef>
+              <a:buSzPct val="100000"/>
+            </a:pPr>
+            <a:r>
+              <a:rPr lang="en-US" sz="1400" dirty="0">
+                <a:solidFill>
+                  <a:schemeClr val="tx2"/>
+                </a:solidFill>
+                <a:latin typeface="Arial" panose="020B0604020202020204" pitchFamily="34" charset="0"/>
+                <a:cs typeface="Arial" panose="020B0604020202020204" pitchFamily="34" charset="0"/>
+              </a:rPr>
+              <a:t>Additional Data</a:t>
+            </a:r>
+            <a:br>
+              <a:rPr lang="en-US" sz="1400" dirty="0">
+                <a:solidFill>
+                  <a:schemeClr val="tx2"/>
+                </a:solidFill>
+                <a:latin typeface="Arial" panose="020B0604020202020204" pitchFamily="34" charset="0"/>
+                <a:cs typeface="Arial" panose="020B0604020202020204" pitchFamily="34" charset="0"/>
+              </a:rPr>
+            </a:br>
+            <a:r>
+              <a:rPr lang="en-US" sz="1400" dirty="0">
+                <a:solidFill>
+                  <a:schemeClr val="tx2"/>
+                </a:solidFill>
+                <a:latin typeface="Arial" panose="020B0604020202020204" pitchFamily="34" charset="0"/>
+                <a:cs typeface="Arial" panose="020B0604020202020204" pitchFamily="34" charset="0"/>
+              </a:rPr>
+              <a:t>from Email</a:t>
+            </a:r>
+          </a:p>
+        </p:txBody>
+      </p:sp>
+      <p:cxnSp>
+        <p:nvCxnSpPr>
+          <p:cNvPr id="59" name="Straight Arrow Connector 58">
+            <a:extLst>
+              <a:ext uri="{FF2B5EF4-FFF2-40B4-BE49-F238E27FC236}">
+                <a16:creationId xmlns:a16="http://schemas.microsoft.com/office/drawing/2014/main" id="{96FCF3A6-01E2-5F07-7780-3199D067AEAA}"/>
+              </a:ext>
+            </a:extLst>
+          </p:cNvPr>
+          <p:cNvCxnSpPr>
+            <a:cxnSpLocks/>
+          </p:cNvCxnSpPr>
+          <p:nvPr/>
+        </p:nvCxnSpPr>
+        <p:spPr>
+          <a:xfrm flipH="1" flipV="1">
+            <a:off x="859732" y="2714055"/>
+            <a:ext cx="664268" cy="1124553"/>
+          </a:xfrm>
+          <a:prstGeom prst="straightConnector1">
+            <a:avLst/>
+          </a:prstGeom>
+          <a:ln w="57150" cap="sq">
+            <a:solidFill>
+              <a:schemeClr val="bg1">
+                <a:lumMod val="50000"/>
+              </a:schemeClr>
+            </a:solidFill>
+            <a:headEnd type="triangle" w="med" len="med"/>
+            <a:tailEnd type="none" w="med" len="med"/>
+          </a:ln>
+        </p:spPr>
+        <p:style>
+          <a:lnRef idx="1">
+            <a:schemeClr val="accent1"/>
+          </a:lnRef>
+          <a:fillRef idx="0">
+            <a:schemeClr val="accent1"/>
+          </a:fillRef>
+          <a:effectRef idx="0">
+            <a:srgbClr val="000000"/>
+          </a:effectRef>
+          <a:fontRef idx="minor">
+            <a:schemeClr val="bg1"/>
+          </a:fontRef>
+        </p:style>
+      </p:cxnSp>
+      <p:pic>
+        <p:nvPicPr>
+          <p:cNvPr id="71" name="Picture 2">
+            <a:extLst>
+              <a:ext uri="{FF2B5EF4-FFF2-40B4-BE49-F238E27FC236}">
+                <a16:creationId xmlns:a16="http://schemas.microsoft.com/office/drawing/2014/main" id="{D2321DEB-7C26-1CFA-40D6-EA02A16A7E34}"/>
+              </a:ext>
+            </a:extLst>
+          </p:cNvPr>
+          <p:cNvPicPr>
+            <a:picLocks noChangeAspect="1" noChangeArrowheads="1"/>
+          </p:cNvPicPr>
+          <p:nvPr/>
+        </p:nvPicPr>
+        <p:blipFill>
+          <a:blip r:embed="rId7" cstate="print">
+            <a:extLst>
+              <a:ext uri="{28A0092B-C50C-407E-A947-70E740481C1C}">
+                <a14:useLocalDpi xmlns:a14="http://schemas.microsoft.com/office/drawing/2010/main" val="0"/>
+              </a:ext>
+            </a:extLst>
+          </a:blip>
+          <a:srcRect/>
+          <a:stretch>
+            <a:fillRect/>
+          </a:stretch>
+        </p:blipFill>
+        <p:spPr bwMode="auto">
+          <a:xfrm>
+            <a:off x="1842796" y="3528428"/>
+            <a:ext cx="966070" cy="948792"/>
+          </a:xfrm>
+          <a:prstGeom prst="rect">
+            <a:avLst/>
+          </a:prstGeom>
+          <a:noFill/>
+          <a:extLst>
+            <a:ext uri="{909E8E84-426E-40DD-AFC4-6F175D3DCCD1}">
+              <a14:hiddenFill xmlns:a14="http://schemas.microsoft.com/office/drawing/2010/main">
+                <a:solidFill>
+                  <a:srgbClr val="FFFFFF"/>
+                </a:solidFill>
+              </a14:hiddenFill>
+            </a:ext>
+          </a:extLst>
+        </p:spPr>
+      </p:pic>
+      <p:pic>
+        <p:nvPicPr>
+          <p:cNvPr id="61" name="Picture 2">
+            <a:extLst>
+              <a:ext uri="{FF2B5EF4-FFF2-40B4-BE49-F238E27FC236}">
+                <a16:creationId xmlns:a16="http://schemas.microsoft.com/office/drawing/2014/main" id="{6555B161-9492-4122-096E-9B539262DF3E}"/>
+              </a:ext>
+            </a:extLst>
+          </p:cNvPr>
+          <p:cNvPicPr>
+            <a:picLocks noChangeAspect="1" noChangeArrowheads="1"/>
+          </p:cNvPicPr>
+          <p:nvPr/>
+        </p:nvPicPr>
+        <p:blipFill>
+          <a:blip r:embed="rId7" cstate="print">
+            <a:extLst>
+              <a:ext uri="{28A0092B-C50C-407E-A947-70E740481C1C}">
+                <a14:useLocalDpi xmlns:a14="http://schemas.microsoft.com/office/drawing/2010/main" val="0"/>
+              </a:ext>
+            </a:extLst>
+          </a:blip>
+          <a:srcRect/>
+          <a:stretch>
+            <a:fillRect/>
+          </a:stretch>
+        </p:blipFill>
+        <p:spPr bwMode="auto">
+          <a:xfrm>
+            <a:off x="1702638" y="3668388"/>
+            <a:ext cx="966070" cy="948792"/>
+          </a:xfrm>
+          <a:prstGeom prst="rect">
+            <a:avLst/>
+          </a:prstGeom>
+          <a:noFill/>
+          <a:extLst>
+            <a:ext uri="{909E8E84-426E-40DD-AFC4-6F175D3DCCD1}">
+              <a14:hiddenFill xmlns:a14="http://schemas.microsoft.com/office/drawing/2010/main">
+                <a:solidFill>
+                  <a:srgbClr val="FFFFFF"/>
+                </a:solidFill>
+              </a14:hiddenFill>
+            </a:ext>
+          </a:extLst>
+        </p:spPr>
+      </p:pic>
+      <p:pic>
+        <p:nvPicPr>
+          <p:cNvPr id="72" name="Picture 2">
+            <a:extLst>
+              <a:ext uri="{FF2B5EF4-FFF2-40B4-BE49-F238E27FC236}">
+                <a16:creationId xmlns:a16="http://schemas.microsoft.com/office/drawing/2014/main" id="{959C0A9C-4B90-9E0E-F95F-57C7D9EC5F29}"/>
+              </a:ext>
+            </a:extLst>
+          </p:cNvPr>
+          <p:cNvPicPr>
+            <a:picLocks noChangeAspect="1" noChangeArrowheads="1"/>
+          </p:cNvPicPr>
+          <p:nvPr/>
+        </p:nvPicPr>
+        <p:blipFill>
+          <a:blip r:embed="rId7" cstate="print">
+            <a:extLst>
+              <a:ext uri="{28A0092B-C50C-407E-A947-70E740481C1C}">
+                <a14:useLocalDpi xmlns:a14="http://schemas.microsoft.com/office/drawing/2010/main" val="0"/>
+              </a:ext>
+            </a:extLst>
+          </a:blip>
+          <a:srcRect/>
+          <a:stretch>
+            <a:fillRect/>
+          </a:stretch>
+        </p:blipFill>
+        <p:spPr bwMode="auto">
+          <a:xfrm>
+            <a:off x="1566924" y="3814170"/>
+            <a:ext cx="966070" cy="948792"/>
+          </a:xfrm>
+          <a:prstGeom prst="rect">
+            <a:avLst/>
+          </a:prstGeom>
+          <a:noFill/>
+          <a:extLst>
+            <a:ext uri="{909E8E84-426E-40DD-AFC4-6F175D3DCCD1}">
+              <a14:hiddenFill xmlns:a14="http://schemas.microsoft.com/office/drawing/2010/main">
+                <a:solidFill>
+                  <a:srgbClr val="FFFFFF"/>
+                </a:solidFill>
+              </a14:hiddenFill>
+            </a:ext>
+          </a:extLst>
+        </p:spPr>
+      </p:pic>
+      <p:pic>
+        <p:nvPicPr>
+          <p:cNvPr id="73" name="Picture 2">
+            <a:extLst>
+              <a:ext uri="{FF2B5EF4-FFF2-40B4-BE49-F238E27FC236}">
+                <a16:creationId xmlns:a16="http://schemas.microsoft.com/office/drawing/2014/main" id="{2EED19D6-B9ED-AEF2-EAEE-D4F59DD6E925}"/>
+              </a:ext>
+            </a:extLst>
+          </p:cNvPr>
+          <p:cNvPicPr>
+            <a:picLocks noChangeAspect="1" noChangeArrowheads="1"/>
+          </p:cNvPicPr>
+          <p:nvPr/>
+        </p:nvPicPr>
+        <p:blipFill>
+          <a:blip r:embed="rId7" cstate="print">
+            <a:extLst>
+              <a:ext uri="{28A0092B-C50C-407E-A947-70E740481C1C}">
+                <a14:useLocalDpi xmlns:a14="http://schemas.microsoft.com/office/drawing/2010/main" val="0"/>
+              </a:ext>
+            </a:extLst>
+          </a:blip>
+          <a:srcRect/>
+          <a:stretch>
+            <a:fillRect/>
+          </a:stretch>
+        </p:blipFill>
+        <p:spPr bwMode="auto">
+          <a:xfrm>
+            <a:off x="1433412" y="3966570"/>
+            <a:ext cx="966070" cy="948792"/>
+          </a:xfrm>
+          <a:prstGeom prst="rect">
+            <a:avLst/>
+          </a:prstGeom>
+          <a:noFill/>
+          <a:extLst>
+            <a:ext uri="{909E8E84-426E-40DD-AFC4-6F175D3DCCD1}">
+              <a14:hiddenFill xmlns:a14="http://schemas.microsoft.com/office/drawing/2010/main">
+                <a:solidFill>
+                  <a:srgbClr val="FFFFFF"/>
+                </a:solidFill>
+              </a14:hiddenFill>
+            </a:ext>
+          </a:extLst>
+        </p:spPr>
+      </p:pic>
+      <p:pic>
+        <p:nvPicPr>
+          <p:cNvPr id="74" name="Picture 2">
+            <a:extLst>
+              <a:ext uri="{FF2B5EF4-FFF2-40B4-BE49-F238E27FC236}">
+                <a16:creationId xmlns:a16="http://schemas.microsoft.com/office/drawing/2014/main" id="{2FFEBB0F-7647-02EE-CA06-A2447D82E16F}"/>
+              </a:ext>
+            </a:extLst>
+          </p:cNvPr>
+          <p:cNvPicPr>
+            <a:picLocks noChangeAspect="1" noChangeArrowheads="1"/>
+          </p:cNvPicPr>
+          <p:nvPr/>
+        </p:nvPicPr>
+        <p:blipFill>
+          <a:blip r:embed="rId7" cstate="print">
+            <a:extLst>
+              <a:ext uri="{28A0092B-C50C-407E-A947-70E740481C1C}">
+                <a14:useLocalDpi xmlns:a14="http://schemas.microsoft.com/office/drawing/2010/main" val="0"/>
+              </a:ext>
+            </a:extLst>
+          </a:blip>
+          <a:srcRect/>
+          <a:stretch>
+            <a:fillRect/>
+          </a:stretch>
+        </p:blipFill>
+        <p:spPr bwMode="auto">
+          <a:xfrm>
+            <a:off x="1310421" y="4118970"/>
+            <a:ext cx="966070" cy="948792"/>
+          </a:xfrm>
+          <a:prstGeom prst="rect">
+            <a:avLst/>
+          </a:prstGeom>
+          <a:noFill/>
+          <a:extLst>
+            <a:ext uri="{909E8E84-426E-40DD-AFC4-6F175D3DCCD1}">
+              <a14:hiddenFill xmlns:a14="http://schemas.microsoft.com/office/drawing/2010/main">
+                <a:solidFill>
+                  <a:srgbClr val="FFFFFF"/>
+                </a:solidFill>
+              </a14:hiddenFill>
+            </a:ext>
+          </a:extLst>
+        </p:spPr>
+      </p:pic>
+      <p:pic>
+        <p:nvPicPr>
+          <p:cNvPr id="75" name="Picture 2">
+            <a:extLst>
+              <a:ext uri="{FF2B5EF4-FFF2-40B4-BE49-F238E27FC236}">
+                <a16:creationId xmlns:a16="http://schemas.microsoft.com/office/drawing/2014/main" id="{00F74020-76B4-9719-B707-F381639ED541}"/>
+              </a:ext>
+            </a:extLst>
+          </p:cNvPr>
+          <p:cNvPicPr>
+            <a:picLocks noChangeAspect="1" noChangeArrowheads="1"/>
+          </p:cNvPicPr>
+          <p:nvPr/>
+        </p:nvPicPr>
+        <p:blipFill>
+          <a:blip r:embed="rId7" cstate="print">
+            <a:extLst>
+              <a:ext uri="{28A0092B-C50C-407E-A947-70E740481C1C}">
+                <a14:useLocalDpi xmlns:a14="http://schemas.microsoft.com/office/drawing/2010/main" val="0"/>
+              </a:ext>
+            </a:extLst>
+          </a:blip>
+          <a:srcRect/>
+          <a:stretch>
+            <a:fillRect/>
+          </a:stretch>
+        </p:blipFill>
+        <p:spPr bwMode="auto">
+          <a:xfrm>
+            <a:off x="1184509" y="4271370"/>
+            <a:ext cx="966070" cy="948792"/>
+          </a:xfrm>
+          <a:prstGeom prst="rect">
+            <a:avLst/>
+          </a:prstGeom>
+          <a:noFill/>
+          <a:extLst>
+            <a:ext uri="{909E8E84-426E-40DD-AFC4-6F175D3DCCD1}">
+              <a14:hiddenFill xmlns:a14="http://schemas.microsoft.com/office/drawing/2010/main">
+                <a:solidFill>
+                  <a:srgbClr val="FFFFFF"/>
+                </a:solidFill>
+              </a14:hiddenFill>
+            </a:ext>
+          </a:extLst>
+        </p:spPr>
+      </p:pic>
+      <p:sp>
+        <p:nvSpPr>
+          <p:cNvPr id="76" name="TextBox 75">
+            <a:extLst>
+              <a:ext uri="{FF2B5EF4-FFF2-40B4-BE49-F238E27FC236}">
+                <a16:creationId xmlns:a16="http://schemas.microsoft.com/office/drawing/2014/main" id="{0BBE760C-6C5D-CABF-5DE7-821A05FB123B}"/>
+              </a:ext>
+            </a:extLst>
+          </p:cNvPr>
+          <p:cNvSpPr txBox="1"/>
+          <p:nvPr/>
+        </p:nvSpPr>
+        <p:spPr>
+          <a:xfrm>
+            <a:off x="1793456" y="5263327"/>
+            <a:ext cx="914400" cy="230410"/>
+          </a:xfrm>
+          <a:prstGeom prst="rect">
+            <a:avLst/>
+          </a:prstGeom>
+          <a:noFill/>
+        </p:spPr>
+        <p:txBody>
+          <a:bodyPr wrap="none" lIns="0" tIns="0" rIns="0" bIns="0" rtlCol="0">
+            <a:noAutofit/>
+          </a:bodyPr>
+          <a:lstStyle/>
+          <a:p>
+            <a:pPr algn="ctr">
+              <a:lnSpc>
+                <a:spcPct val="100000"/>
+              </a:lnSpc>
+              <a:spcBef>
+                <a:spcPts val="900"/>
+              </a:spcBef>
+              <a:buSzPct val="100000"/>
+            </a:pPr>
+            <a:r>
+              <a:rPr lang="en-US" sz="1400" dirty="0">
+                <a:solidFill>
+                  <a:schemeClr val="tx2"/>
+                </a:solidFill>
+                <a:latin typeface="Arial" panose="020B0604020202020204" pitchFamily="34" charset="0"/>
+                <a:cs typeface="Arial" panose="020B0604020202020204" pitchFamily="34" charset="0"/>
+              </a:rPr>
+              <a:t>Rate Indication</a:t>
+            </a:r>
+          </a:p>
+        </p:txBody>
+      </p:sp>
+      <p:pic>
+        <p:nvPicPr>
+          <p:cNvPr id="88" name="Picture 2">
+            <a:extLst>
+              <a:ext uri="{FF2B5EF4-FFF2-40B4-BE49-F238E27FC236}">
+                <a16:creationId xmlns:a16="http://schemas.microsoft.com/office/drawing/2014/main" id="{E1D527E0-4DB7-15C1-DE7F-8DF3E7262DD5}"/>
+              </a:ext>
+            </a:extLst>
+          </p:cNvPr>
+          <p:cNvPicPr>
+            <a:picLocks noChangeAspect="1" noChangeArrowheads="1"/>
+          </p:cNvPicPr>
+          <p:nvPr/>
+        </p:nvPicPr>
+        <p:blipFill>
+          <a:blip r:embed="rId7" cstate="print">
+            <a:extLst>
+              <a:ext uri="{28A0092B-C50C-407E-A947-70E740481C1C}">
+                <a14:useLocalDpi xmlns:a14="http://schemas.microsoft.com/office/drawing/2010/main" val="0"/>
+              </a:ext>
+            </a:extLst>
+          </a:blip>
+          <a:srcRect/>
+          <a:stretch>
+            <a:fillRect/>
+          </a:stretch>
+        </p:blipFill>
+        <p:spPr bwMode="auto">
+          <a:xfrm>
+            <a:off x="4259078" y="2628979"/>
+            <a:ext cx="966070" cy="948792"/>
+          </a:xfrm>
+          <a:prstGeom prst="rect">
+            <a:avLst/>
+          </a:prstGeom>
+          <a:noFill/>
+          <a:extLst>
+            <a:ext uri="{909E8E84-426E-40DD-AFC4-6F175D3DCCD1}">
+              <a14:hiddenFill xmlns:a14="http://schemas.microsoft.com/office/drawing/2010/main">
+                <a:solidFill>
+                  <a:srgbClr val="FFFFFF"/>
+                </a:solidFill>
+              </a14:hiddenFill>
+            </a:ext>
+          </a:extLst>
+        </p:spPr>
+      </p:pic>
+      <p:sp>
+        <p:nvSpPr>
+          <p:cNvPr id="89" name="TextBox 88">
+            <a:extLst>
+              <a:ext uri="{FF2B5EF4-FFF2-40B4-BE49-F238E27FC236}">
+                <a16:creationId xmlns:a16="http://schemas.microsoft.com/office/drawing/2014/main" id="{4D47D42C-E066-DDC5-A1BE-7A520DD8820D}"/>
+              </a:ext>
+            </a:extLst>
+          </p:cNvPr>
+          <p:cNvSpPr txBox="1"/>
+          <p:nvPr/>
+        </p:nvSpPr>
+        <p:spPr>
+          <a:xfrm>
+            <a:off x="4284913" y="3681081"/>
+            <a:ext cx="914400" cy="230410"/>
+          </a:xfrm>
+          <a:prstGeom prst="rect">
+            <a:avLst/>
+          </a:prstGeom>
+          <a:noFill/>
+        </p:spPr>
+        <p:txBody>
+          <a:bodyPr wrap="none" lIns="0" tIns="0" rIns="0" bIns="0" rtlCol="0">
+            <a:noAutofit/>
+          </a:bodyPr>
+          <a:lstStyle/>
+          <a:p>
+            <a:pPr algn="ctr">
+              <a:lnSpc>
+                <a:spcPct val="100000"/>
+              </a:lnSpc>
+              <a:spcBef>
+                <a:spcPts val="900"/>
+              </a:spcBef>
+              <a:buSzPct val="100000"/>
+            </a:pPr>
+            <a:r>
+              <a:rPr lang="en-US" sz="1400" dirty="0">
+                <a:solidFill>
+                  <a:schemeClr val="tx2"/>
+                </a:solidFill>
+                <a:latin typeface="Arial" panose="020B0604020202020204" pitchFamily="34" charset="0"/>
+                <a:cs typeface="Arial" panose="020B0604020202020204" pitchFamily="34" charset="0"/>
+              </a:rPr>
+              <a:t>Ad Hoc Analysis</a:t>
+            </a:r>
+          </a:p>
+        </p:txBody>
+      </p:sp>
+      <p:pic>
+        <p:nvPicPr>
+          <p:cNvPr id="90" name="Picture 2">
+            <a:extLst>
+              <a:ext uri="{FF2B5EF4-FFF2-40B4-BE49-F238E27FC236}">
+                <a16:creationId xmlns:a16="http://schemas.microsoft.com/office/drawing/2014/main" id="{BBB216A9-1423-CF5F-8128-E6C7B00A3251}"/>
+              </a:ext>
+            </a:extLst>
+          </p:cNvPr>
+          <p:cNvPicPr>
+            <a:picLocks noChangeAspect="1" noChangeArrowheads="1"/>
+          </p:cNvPicPr>
+          <p:nvPr/>
+        </p:nvPicPr>
+        <p:blipFill>
+          <a:blip r:embed="rId7" cstate="print">
+            <a:extLst>
+              <a:ext uri="{28A0092B-C50C-407E-A947-70E740481C1C}">
+                <a14:useLocalDpi xmlns:a14="http://schemas.microsoft.com/office/drawing/2010/main" val="0"/>
+              </a:ext>
+            </a:extLst>
+          </a:blip>
+          <a:srcRect/>
+          <a:stretch>
+            <a:fillRect/>
+          </a:stretch>
+        </p:blipFill>
+        <p:spPr bwMode="auto">
+          <a:xfrm>
+            <a:off x="5712482" y="3005022"/>
+            <a:ext cx="966070" cy="948792"/>
+          </a:xfrm>
+          <a:prstGeom prst="rect">
+            <a:avLst/>
+          </a:prstGeom>
+          <a:noFill/>
+          <a:extLst>
+            <a:ext uri="{909E8E84-426E-40DD-AFC4-6F175D3DCCD1}">
+              <a14:hiddenFill xmlns:a14="http://schemas.microsoft.com/office/drawing/2010/main">
+                <a:solidFill>
+                  <a:srgbClr val="FFFFFF"/>
+                </a:solidFill>
+              </a14:hiddenFill>
+            </a:ext>
+          </a:extLst>
+        </p:spPr>
+      </p:pic>
+      <p:sp>
+        <p:nvSpPr>
+          <p:cNvPr id="91" name="TextBox 90">
+            <a:extLst>
+              <a:ext uri="{FF2B5EF4-FFF2-40B4-BE49-F238E27FC236}">
+                <a16:creationId xmlns:a16="http://schemas.microsoft.com/office/drawing/2014/main" id="{67B6E925-C0A7-4F9F-53F6-E3E82C273E88}"/>
+              </a:ext>
+            </a:extLst>
+          </p:cNvPr>
+          <p:cNvSpPr txBox="1"/>
+          <p:nvPr/>
+        </p:nvSpPr>
+        <p:spPr>
+          <a:xfrm>
+            <a:off x="5738317" y="4057124"/>
+            <a:ext cx="914400" cy="230410"/>
+          </a:xfrm>
+          <a:prstGeom prst="rect">
+            <a:avLst/>
+          </a:prstGeom>
+          <a:noFill/>
+        </p:spPr>
+        <p:txBody>
+          <a:bodyPr wrap="none" lIns="0" tIns="0" rIns="0" bIns="0" rtlCol="0">
+            <a:noAutofit/>
+          </a:bodyPr>
+          <a:lstStyle/>
+          <a:p>
+            <a:pPr algn="ctr">
+              <a:lnSpc>
+                <a:spcPct val="100000"/>
+              </a:lnSpc>
+              <a:spcBef>
+                <a:spcPts val="900"/>
+              </a:spcBef>
+              <a:buSzPct val="100000"/>
+            </a:pPr>
+            <a:r>
+              <a:rPr lang="en-US" sz="1400" dirty="0">
+                <a:solidFill>
+                  <a:schemeClr val="tx2"/>
+                </a:solidFill>
+                <a:latin typeface="Arial" panose="020B0604020202020204" pitchFamily="34" charset="0"/>
+                <a:cs typeface="Arial" panose="020B0604020202020204" pitchFamily="34" charset="0"/>
+              </a:rPr>
+              <a:t>Ad Hoc Analysis</a:t>
+            </a:r>
+          </a:p>
+        </p:txBody>
+      </p:sp>
+      <p:cxnSp>
+        <p:nvCxnSpPr>
+          <p:cNvPr id="98" name="Straight Arrow Connector 97">
+            <a:extLst>
+              <a:ext uri="{FF2B5EF4-FFF2-40B4-BE49-F238E27FC236}">
+                <a16:creationId xmlns:a16="http://schemas.microsoft.com/office/drawing/2014/main" id="{BAAEF8CF-B7A4-2D3B-A57A-283FCCC62C79}"/>
+              </a:ext>
+            </a:extLst>
+          </p:cNvPr>
+          <p:cNvCxnSpPr>
+            <a:cxnSpLocks/>
+          </p:cNvCxnSpPr>
+          <p:nvPr/>
+        </p:nvCxnSpPr>
+        <p:spPr>
+          <a:xfrm flipH="1">
+            <a:off x="2842833" y="3041495"/>
+            <a:ext cx="964176" cy="326767"/>
+          </a:xfrm>
+          <a:prstGeom prst="straightConnector1">
+            <a:avLst/>
+          </a:prstGeom>
+          <a:ln w="57150" cap="sq">
+            <a:solidFill>
+              <a:schemeClr val="bg1">
+                <a:lumMod val="50000"/>
+              </a:schemeClr>
+            </a:solidFill>
+            <a:headEnd type="triangle" w="med" len="med"/>
+            <a:tailEnd type="none" w="med" len="med"/>
+          </a:ln>
+        </p:spPr>
+        <p:style>
+          <a:lnRef idx="1">
+            <a:schemeClr val="accent1"/>
+          </a:lnRef>
+          <a:fillRef idx="0">
+            <a:schemeClr val="accent1"/>
+          </a:fillRef>
+          <a:effectRef idx="0">
+            <a:srgbClr val="000000"/>
+          </a:effectRef>
+          <a:fontRef idx="minor">
+            <a:schemeClr val="bg1"/>
+          </a:fontRef>
+        </p:style>
+      </p:cxnSp>
+      <p:cxnSp>
+        <p:nvCxnSpPr>
+          <p:cNvPr id="99" name="Straight Arrow Connector 98">
+            <a:extLst>
+              <a:ext uri="{FF2B5EF4-FFF2-40B4-BE49-F238E27FC236}">
+                <a16:creationId xmlns:a16="http://schemas.microsoft.com/office/drawing/2014/main" id="{9F4FB1CE-004C-8A85-D63D-285F39F84EDE}"/>
+              </a:ext>
+            </a:extLst>
+          </p:cNvPr>
+          <p:cNvCxnSpPr>
+            <a:cxnSpLocks/>
+          </p:cNvCxnSpPr>
+          <p:nvPr/>
+        </p:nvCxnSpPr>
+        <p:spPr>
+          <a:xfrm flipH="1">
+            <a:off x="2942444" y="3233923"/>
+            <a:ext cx="964176" cy="326767"/>
+          </a:xfrm>
+          <a:prstGeom prst="straightConnector1">
+            <a:avLst/>
+          </a:prstGeom>
+          <a:ln w="57150" cap="sq">
+            <a:solidFill>
+              <a:schemeClr val="bg1">
+                <a:lumMod val="50000"/>
+              </a:schemeClr>
+            </a:solidFill>
+            <a:headEnd type="none" w="med" len="med"/>
+            <a:tailEnd type="triangle" w="med" len="med"/>
+          </a:ln>
+        </p:spPr>
+        <p:style>
+          <a:lnRef idx="1">
+            <a:schemeClr val="accent1"/>
+          </a:lnRef>
+          <a:fillRef idx="0">
+            <a:schemeClr val="accent1"/>
+          </a:fillRef>
+          <a:effectRef idx="0">
+            <a:srgbClr val="000000"/>
+          </a:effectRef>
+          <a:fontRef idx="minor">
+            <a:schemeClr val="bg1"/>
+          </a:fontRef>
+        </p:style>
+      </p:cxnSp>
+      <p:grpSp>
+        <p:nvGrpSpPr>
+          <p:cNvPr id="102" name="Group 101">
+            <a:extLst>
+              <a:ext uri="{FF2B5EF4-FFF2-40B4-BE49-F238E27FC236}">
+                <a16:creationId xmlns:a16="http://schemas.microsoft.com/office/drawing/2014/main" id="{7A70910A-D0F0-8AAE-DEF2-E4C78256B979}"/>
+              </a:ext>
+            </a:extLst>
+          </p:cNvPr>
+          <p:cNvGrpSpPr/>
+          <p:nvPr/>
+        </p:nvGrpSpPr>
+        <p:grpSpPr>
+          <a:xfrm>
+            <a:off x="3247307" y="4140700"/>
+            <a:ext cx="2200732" cy="556888"/>
+            <a:chOff x="3034603" y="4172619"/>
+            <a:chExt cx="964342" cy="556888"/>
+          </a:xfrm>
+        </p:grpSpPr>
+        <p:cxnSp>
+          <p:nvCxnSpPr>
+            <p:cNvPr id="100" name="Straight Arrow Connector 99">
+              <a:extLst>
+                <a:ext uri="{FF2B5EF4-FFF2-40B4-BE49-F238E27FC236}">
+                  <a16:creationId xmlns:a16="http://schemas.microsoft.com/office/drawing/2014/main" id="{68676D7D-F8B9-3060-2912-B3E3ADAC31B6}"/>
+                </a:ext>
+              </a:extLst>
+            </p:cNvPr>
+            <p:cNvCxnSpPr>
+              <a:cxnSpLocks/>
+            </p:cNvCxnSpPr>
+            <p:nvPr/>
+          </p:nvCxnSpPr>
+          <p:spPr>
+            <a:xfrm flipH="1">
+              <a:off x="3034769" y="4172619"/>
+              <a:ext cx="964176" cy="326767"/>
+            </a:xfrm>
+            <a:prstGeom prst="straightConnector1">
+              <a:avLst/>
+            </a:prstGeom>
+            <a:ln w="57150" cap="sq">
+              <a:solidFill>
+                <a:schemeClr val="bg1">
+                  <a:lumMod val="50000"/>
+                </a:schemeClr>
+              </a:solidFill>
+              <a:headEnd type="triangle" w="med" len="med"/>
+              <a:tailEnd type="none" w="med" len="med"/>
+            </a:ln>
+          </p:spPr>
+          <p:style>
+            <a:lnRef idx="1">
+              <a:schemeClr val="accent1"/>
+            </a:lnRef>
+            <a:fillRef idx="0">
+              <a:schemeClr val="accent1"/>
+            </a:fillRef>
+            <a:effectRef idx="0">
+              <a:srgbClr val="000000"/>
+            </a:effectRef>
+            <a:fontRef idx="minor">
+              <a:schemeClr val="bg1"/>
+            </a:fontRef>
+          </p:style>
+        </p:cxnSp>
+        <p:cxnSp>
+          <p:nvCxnSpPr>
+            <p:cNvPr id="101" name="Straight Arrow Connector 100">
+              <a:extLst>
+                <a:ext uri="{FF2B5EF4-FFF2-40B4-BE49-F238E27FC236}">
+                  <a16:creationId xmlns:a16="http://schemas.microsoft.com/office/drawing/2014/main" id="{BF768B59-0F0D-CED5-737E-218F6381643C}"/>
+                </a:ext>
+              </a:extLst>
+            </p:cNvPr>
+            <p:cNvCxnSpPr>
+              <a:cxnSpLocks/>
+            </p:cNvCxnSpPr>
+            <p:nvPr/>
+          </p:nvCxnSpPr>
+          <p:spPr>
+            <a:xfrm flipH="1">
+              <a:off x="3034603" y="4402740"/>
+              <a:ext cx="964176" cy="326767"/>
+            </a:xfrm>
+            <a:prstGeom prst="straightConnector1">
+              <a:avLst/>
+            </a:prstGeom>
+            <a:ln w="57150" cap="sq">
+              <a:solidFill>
+                <a:schemeClr val="bg1">
+                  <a:lumMod val="50000"/>
+                </a:schemeClr>
+              </a:solidFill>
+              <a:headEnd type="none" w="med" len="med"/>
+              <a:tailEnd type="triangle" w="med" len="med"/>
+            </a:ln>
+          </p:spPr>
+          <p:style>
+            <a:lnRef idx="1">
+              <a:schemeClr val="accent1"/>
+            </a:lnRef>
+            <a:fillRef idx="0">
+              <a:schemeClr val="accent1"/>
+            </a:fillRef>
+            <a:effectRef idx="0">
+              <a:srgbClr val="000000"/>
+            </a:effectRef>
+            <a:fontRef idx="minor">
+              <a:schemeClr val="bg1"/>
+            </a:fontRef>
+          </p:style>
+        </p:cxnSp>
+      </p:grpSp>
+      <p:pic>
+        <p:nvPicPr>
+          <p:cNvPr id="104" name="Picture 103" descr="Icon&#10;&#10;Description automatically generated">
+            <a:extLst>
+              <a:ext uri="{FF2B5EF4-FFF2-40B4-BE49-F238E27FC236}">
+                <a16:creationId xmlns:a16="http://schemas.microsoft.com/office/drawing/2014/main" id="{30FA29FF-86FE-2E51-B2F7-BF9DEBED0324}"/>
+              </a:ext>
+            </a:extLst>
+          </p:cNvPr>
+          <p:cNvPicPr>
+            <a:picLocks noChangeAspect="1"/>
+          </p:cNvPicPr>
+          <p:nvPr/>
+        </p:nvPicPr>
+        <p:blipFill>
+          <a:blip r:embed="rId8" cstate="print">
+            <a:extLst>
+              <a:ext uri="{28A0092B-C50C-407E-A947-70E740481C1C}">
+                <a14:useLocalDpi xmlns:a14="http://schemas.microsoft.com/office/drawing/2010/main" val="0"/>
+              </a:ext>
+            </a:extLst>
+          </a:blip>
+          <a:stretch>
+            <a:fillRect/>
+          </a:stretch>
+        </p:blipFill>
+        <p:spPr>
+          <a:xfrm>
+            <a:off x="5619946" y="5142124"/>
+            <a:ext cx="950976" cy="950976"/>
+          </a:xfrm>
+          <a:prstGeom prst="rect">
+            <a:avLst/>
+          </a:prstGeom>
+        </p:spPr>
+      </p:pic>
+      <p:cxnSp>
+        <p:nvCxnSpPr>
+          <p:cNvPr id="105" name="Straight Arrow Connector 104">
+            <a:extLst>
+              <a:ext uri="{FF2B5EF4-FFF2-40B4-BE49-F238E27FC236}">
+                <a16:creationId xmlns:a16="http://schemas.microsoft.com/office/drawing/2014/main" id="{BB6A5600-C8A2-E419-6802-EC29A2F68D17}"/>
+              </a:ext>
+            </a:extLst>
+          </p:cNvPr>
+          <p:cNvCxnSpPr>
+            <a:cxnSpLocks/>
+          </p:cNvCxnSpPr>
+          <p:nvPr/>
+        </p:nvCxnSpPr>
+        <p:spPr>
+          <a:xfrm flipH="1" flipV="1">
+            <a:off x="3158901" y="5103562"/>
+            <a:ext cx="2403699" cy="535238"/>
+          </a:xfrm>
+          <a:prstGeom prst="straightConnector1">
+            <a:avLst/>
+          </a:prstGeom>
+          <a:ln w="57150" cap="sq">
+            <a:solidFill>
+              <a:schemeClr val="bg1">
+                <a:lumMod val="50000"/>
+              </a:schemeClr>
+            </a:solidFill>
+            <a:headEnd type="triangle" w="med" len="med"/>
+            <a:tailEnd type="none" w="med" len="med"/>
+          </a:ln>
+        </p:spPr>
+        <p:style>
+          <a:lnRef idx="1">
+            <a:schemeClr val="accent1"/>
+          </a:lnRef>
+          <a:fillRef idx="0">
+            <a:schemeClr val="accent1"/>
+          </a:fillRef>
+          <a:effectRef idx="0">
+            <a:srgbClr val="000000"/>
+          </a:effectRef>
+          <a:fontRef idx="minor">
+            <a:schemeClr val="bg1"/>
+          </a:fontRef>
+        </p:style>
+      </p:cxnSp>
+      <p:sp>
+        <p:nvSpPr>
+          <p:cNvPr id="107" name="TextBox 106">
+            <a:extLst>
+              <a:ext uri="{FF2B5EF4-FFF2-40B4-BE49-F238E27FC236}">
+                <a16:creationId xmlns:a16="http://schemas.microsoft.com/office/drawing/2014/main" id="{D66D1B05-6F1F-3CDD-0F12-F0A1B740822E}"/>
+              </a:ext>
+            </a:extLst>
+          </p:cNvPr>
+          <p:cNvSpPr txBox="1"/>
+          <p:nvPr/>
+        </p:nvSpPr>
+        <p:spPr>
+          <a:xfrm>
+            <a:off x="5704528" y="6093100"/>
+            <a:ext cx="914400" cy="230410"/>
+          </a:xfrm>
+          <a:prstGeom prst="rect">
+            <a:avLst/>
+          </a:prstGeom>
+          <a:noFill/>
+        </p:spPr>
+        <p:txBody>
+          <a:bodyPr wrap="none" lIns="0" tIns="0" rIns="0" bIns="0" rtlCol="0">
+            <a:noAutofit/>
+          </a:bodyPr>
+          <a:lstStyle/>
+          <a:p>
+            <a:pPr algn="ctr">
+              <a:lnSpc>
+                <a:spcPct val="100000"/>
+              </a:lnSpc>
+              <a:spcBef>
+                <a:spcPts val="900"/>
+              </a:spcBef>
+              <a:buSzPct val="100000"/>
+            </a:pPr>
+            <a:r>
+              <a:rPr lang="en-US" sz="1400" dirty="0">
+                <a:solidFill>
+                  <a:schemeClr val="tx2"/>
+                </a:solidFill>
+                <a:latin typeface="Arial" panose="020B0604020202020204" pitchFamily="34" charset="0"/>
+                <a:cs typeface="Arial" panose="020B0604020202020204" pitchFamily="34" charset="0"/>
+              </a:rPr>
+              <a:t>Actuarial Memo</a:t>
+            </a:r>
+          </a:p>
+        </p:txBody>
+      </p:sp>
+      <p:cxnSp>
+        <p:nvCxnSpPr>
+          <p:cNvPr id="109" name="Straight Arrow Connector 108">
+            <a:extLst>
+              <a:ext uri="{FF2B5EF4-FFF2-40B4-BE49-F238E27FC236}">
+                <a16:creationId xmlns:a16="http://schemas.microsoft.com/office/drawing/2014/main" id="{A8C77A22-07A6-C49F-2A3D-EDA31151B562}"/>
+              </a:ext>
+            </a:extLst>
+          </p:cNvPr>
+          <p:cNvCxnSpPr>
+            <a:cxnSpLocks/>
+          </p:cNvCxnSpPr>
+          <p:nvPr/>
+        </p:nvCxnSpPr>
+        <p:spPr>
+          <a:xfrm flipH="1" flipV="1">
+            <a:off x="3050923" y="5253731"/>
+            <a:ext cx="107978" cy="385069"/>
+          </a:xfrm>
+          <a:prstGeom prst="straightConnector1">
+            <a:avLst/>
+          </a:prstGeom>
+          <a:ln w="57150" cap="sq">
+            <a:solidFill>
+              <a:schemeClr val="bg1">
+                <a:lumMod val="50000"/>
+              </a:schemeClr>
+            </a:solidFill>
+            <a:headEnd type="triangle" w="med" len="med"/>
+            <a:tailEnd type="none" w="med" len="med"/>
+          </a:ln>
+        </p:spPr>
+        <p:style>
+          <a:lnRef idx="1">
+            <a:schemeClr val="accent1"/>
+          </a:lnRef>
+          <a:fillRef idx="0">
+            <a:schemeClr val="accent1"/>
+          </a:fillRef>
+          <a:effectRef idx="0">
+            <a:srgbClr val="000000"/>
+          </a:effectRef>
+          <a:fontRef idx="minor">
+            <a:schemeClr val="bg1"/>
+          </a:fontRef>
+        </p:style>
+      </p:cxnSp>
+      <p:pic>
+        <p:nvPicPr>
+          <p:cNvPr id="113" name="Picture 112" descr="Icon&#10;&#10;Description automatically generated">
+            <a:extLst>
+              <a:ext uri="{FF2B5EF4-FFF2-40B4-BE49-F238E27FC236}">
+                <a16:creationId xmlns:a16="http://schemas.microsoft.com/office/drawing/2014/main" id="{49FEC3D4-5603-55EF-DB18-2D5ACEBF47D5}"/>
+              </a:ext>
+            </a:extLst>
+          </p:cNvPr>
+          <p:cNvPicPr>
+            <a:picLocks noChangeAspect="1"/>
+          </p:cNvPicPr>
+          <p:nvPr/>
+        </p:nvPicPr>
+        <p:blipFill>
+          <a:blip r:embed="rId8" cstate="print">
+            <a:extLst>
+              <a:ext uri="{28A0092B-C50C-407E-A947-70E740481C1C}">
+                <a14:useLocalDpi xmlns:a14="http://schemas.microsoft.com/office/drawing/2010/main" val="0"/>
+              </a:ext>
+            </a:extLst>
+          </a:blip>
+          <a:stretch>
+            <a:fillRect/>
+          </a:stretch>
+        </p:blipFill>
+        <p:spPr>
+          <a:xfrm>
+            <a:off x="2963985" y="5615836"/>
+            <a:ext cx="950976" cy="950976"/>
+          </a:xfrm>
+          <a:prstGeom prst="rect">
+            <a:avLst/>
+          </a:prstGeom>
+        </p:spPr>
+      </p:pic>
+      <p:sp>
+        <p:nvSpPr>
+          <p:cNvPr id="114" name="TextBox 113">
+            <a:extLst>
+              <a:ext uri="{FF2B5EF4-FFF2-40B4-BE49-F238E27FC236}">
+                <a16:creationId xmlns:a16="http://schemas.microsoft.com/office/drawing/2014/main" id="{C08BDB97-2FCD-2176-8F3B-019E77CC5820}"/>
+              </a:ext>
+            </a:extLst>
+          </p:cNvPr>
+          <p:cNvSpPr txBox="1"/>
+          <p:nvPr/>
+        </p:nvSpPr>
+        <p:spPr>
+          <a:xfrm>
+            <a:off x="3048567" y="6566812"/>
+            <a:ext cx="914400" cy="230410"/>
+          </a:xfrm>
+          <a:prstGeom prst="rect">
+            <a:avLst/>
+          </a:prstGeom>
+          <a:noFill/>
+        </p:spPr>
+        <p:txBody>
+          <a:bodyPr wrap="none" lIns="0" tIns="0" rIns="0" bIns="0" rtlCol="0">
+            <a:noAutofit/>
+          </a:bodyPr>
+          <a:lstStyle/>
+          <a:p>
+            <a:pPr algn="ctr">
+              <a:lnSpc>
+                <a:spcPct val="100000"/>
+              </a:lnSpc>
+              <a:spcBef>
+                <a:spcPts val="900"/>
+              </a:spcBef>
+              <a:buSzPct val="100000"/>
+            </a:pPr>
+            <a:r>
+              <a:rPr lang="en-US" sz="1400" dirty="0">
+                <a:solidFill>
+                  <a:schemeClr val="tx2"/>
+                </a:solidFill>
+                <a:latin typeface="Arial" panose="020B0604020202020204" pitchFamily="34" charset="0"/>
+                <a:cs typeface="Arial" panose="020B0604020202020204" pitchFamily="34" charset="0"/>
+              </a:rPr>
+              <a:t>Documentation</a:t>
+            </a:r>
+          </a:p>
+        </p:txBody>
+      </p:sp>
+      <p:cxnSp>
+        <p:nvCxnSpPr>
+          <p:cNvPr id="116" name="Straight Arrow Connector 115">
+            <a:extLst>
+              <a:ext uri="{FF2B5EF4-FFF2-40B4-BE49-F238E27FC236}">
+                <a16:creationId xmlns:a16="http://schemas.microsoft.com/office/drawing/2014/main" id="{2559DF71-58D5-8836-A1C6-0DCD5E86A3C8}"/>
+              </a:ext>
+            </a:extLst>
+          </p:cNvPr>
+          <p:cNvCxnSpPr>
+            <a:cxnSpLocks/>
+          </p:cNvCxnSpPr>
+          <p:nvPr/>
+        </p:nvCxnSpPr>
+        <p:spPr>
+          <a:xfrm flipH="1">
+            <a:off x="3335783" y="4848106"/>
+            <a:ext cx="3712570" cy="56684"/>
+          </a:xfrm>
+          <a:prstGeom prst="straightConnector1">
+            <a:avLst/>
+          </a:prstGeom>
+          <a:ln w="57150" cap="sq">
+            <a:solidFill>
+              <a:schemeClr val="bg1">
+                <a:lumMod val="50000"/>
+              </a:schemeClr>
+            </a:solidFill>
+            <a:headEnd type="triangle" w="med" len="med"/>
+            <a:tailEnd type="none" w="med" len="med"/>
+          </a:ln>
+        </p:spPr>
+        <p:style>
+          <a:lnRef idx="1">
+            <a:schemeClr val="accent1"/>
+          </a:lnRef>
+          <a:fillRef idx="0">
+            <a:schemeClr val="accent1"/>
+          </a:fillRef>
+          <a:effectRef idx="0">
+            <a:srgbClr val="000000"/>
+          </a:effectRef>
+          <a:fontRef idx="minor">
+            <a:schemeClr val="bg1"/>
+          </a:fontRef>
+        </p:style>
+      </p:cxnSp>
+      <p:sp>
+        <p:nvSpPr>
+          <p:cNvPr id="119" name="TextBox 118">
+            <a:extLst>
+              <a:ext uri="{FF2B5EF4-FFF2-40B4-BE49-F238E27FC236}">
+                <a16:creationId xmlns:a16="http://schemas.microsoft.com/office/drawing/2014/main" id="{C6C23D2F-655D-848F-7DC8-2851D1870E14}"/>
+              </a:ext>
+            </a:extLst>
+          </p:cNvPr>
+          <p:cNvSpPr txBox="1"/>
+          <p:nvPr/>
+        </p:nvSpPr>
+        <p:spPr>
+          <a:xfrm>
+            <a:off x="7210468" y="5008100"/>
+            <a:ext cx="914400" cy="230410"/>
+          </a:xfrm>
+          <a:prstGeom prst="rect">
+            <a:avLst/>
+          </a:prstGeom>
+          <a:noFill/>
+        </p:spPr>
+        <p:txBody>
+          <a:bodyPr wrap="none" lIns="0" tIns="0" rIns="0" bIns="0" rtlCol="0">
+            <a:noAutofit/>
+          </a:bodyPr>
+          <a:lstStyle/>
+          <a:p>
+            <a:pPr algn="ctr">
+              <a:lnSpc>
+                <a:spcPct val="100000"/>
+              </a:lnSpc>
+              <a:spcBef>
+                <a:spcPts val="900"/>
+              </a:spcBef>
+              <a:buSzPct val="100000"/>
+            </a:pPr>
+            <a:r>
+              <a:rPr lang="en-US" sz="1400" dirty="0">
+                <a:solidFill>
+                  <a:schemeClr val="tx2"/>
+                </a:solidFill>
+                <a:latin typeface="Arial" panose="020B0604020202020204" pitchFamily="34" charset="0"/>
+                <a:cs typeface="Arial" panose="020B0604020202020204" pitchFamily="34" charset="0"/>
+              </a:rPr>
+              <a:t>Stakeholder</a:t>
+            </a:r>
+            <a:br>
+              <a:rPr lang="en-US" sz="1400" dirty="0">
+                <a:solidFill>
+                  <a:schemeClr val="tx2"/>
+                </a:solidFill>
+                <a:latin typeface="Arial" panose="020B0604020202020204" pitchFamily="34" charset="0"/>
+                <a:cs typeface="Arial" panose="020B0604020202020204" pitchFamily="34" charset="0"/>
+              </a:rPr>
+            </a:br>
+            <a:r>
+              <a:rPr lang="en-US" sz="1400" dirty="0">
+                <a:solidFill>
+                  <a:schemeClr val="tx2"/>
+                </a:solidFill>
+                <a:latin typeface="Arial" panose="020B0604020202020204" pitchFamily="34" charset="0"/>
+                <a:cs typeface="Arial" panose="020B0604020202020204" pitchFamily="34" charset="0"/>
+              </a:rPr>
+              <a:t>Presentation</a:t>
+            </a:r>
           </a:p>
         </p:txBody>
       </p:sp>
     </p:spTree>
     <p:extLst>
       <p:ext uri="{BB962C8B-B14F-4D97-AF65-F5344CB8AC3E}">
-        <p14:creationId xmlns:p14="http://schemas.microsoft.com/office/powerpoint/2010/main" val="4002762296"/>
+        <p14:creationId xmlns:p14="http://schemas.microsoft.com/office/powerpoint/2010/main" val="1063751267"/>
       </p:ext>
     </p:extLst>
   </p:cSld>
@@ -18583,29 +19691,682 @@
             <p:ph type="title"/>
           </p:nvPr>
         </p:nvSpPr>
+        <p:spPr/>
+        <p:txBody>
+          <a:bodyPr/>
+          <a:lstStyle/>
+          <a:p>
+            <a:r>
+              <a:rPr lang="en-US" dirty="0"/>
+              <a:t>Simplified Actuarial Analysis Pipeline</a:t>
+            </a:r>
+          </a:p>
+        </p:txBody>
+      </p:sp>
+      <p:pic>
+        <p:nvPicPr>
+          <p:cNvPr id="15" name="Picture 8" descr="RStudio Icon | Button UI - Requests #5 Iconset | BlackVariant">
+            <a:extLst>
+              <a:ext uri="{FF2B5EF4-FFF2-40B4-BE49-F238E27FC236}">
+                <a16:creationId xmlns:a16="http://schemas.microsoft.com/office/drawing/2014/main" id="{ADE4B3F4-F18C-275E-1BF0-C6B814D83D1B}"/>
+              </a:ext>
+            </a:extLst>
+          </p:cNvPr>
+          <p:cNvPicPr>
+            <a:picLocks noChangeAspect="1" noChangeArrowheads="1"/>
+          </p:cNvPicPr>
+          <p:nvPr/>
+        </p:nvPicPr>
+        <p:blipFill rotWithShape="1">
+          <a:blip r:embed="rId2" cstate="print">
+            <a:extLst>
+              <a:ext uri="{BEBA8EAE-BF5A-486C-A8C5-ECC9F3942E4B}">
+                <a14:imgProps xmlns:a14="http://schemas.microsoft.com/office/drawing/2010/main">
+                  <a14:imgLayer r:embed="rId3">
+                    <a14:imgEffect>
+                      <a14:backgroundRemoval t="8889" b="92000" l="9778" r="92000">
+                        <a14:foregroundMark x1="15556" y1="46667" x2="28000" y2="51556"/>
+                        <a14:foregroundMark x1="16444" y1="27111" x2="15556" y2="27111"/>
+                        <a14:foregroundMark x1="43111" y1="29333" x2="64000" y2="58222"/>
+                        <a14:foregroundMark x1="42667" y1="28444" x2="53333" y2="64000"/>
+                        <a14:foregroundMark x1="60889" y1="34667" x2="67556" y2="72444"/>
+                        <a14:foregroundMark x1="68444" y1="71556" x2="39556" y2="68000"/>
+                        <a14:foregroundMark x1="15556" y1="45778" x2="49333" y2="70667"/>
+                        <a14:foregroundMark x1="46667" y1="42222" x2="53778" y2="79556"/>
+                        <a14:foregroundMark x1="78222" y1="56444" x2="43556" y2="68889"/>
+                        <a14:foregroundMark x1="42667" y1="40889" x2="43556" y2="70222"/>
+                        <a14:foregroundMark x1="44444" y1="35556" x2="40444" y2="65333"/>
+                        <a14:foregroundMark x1="38667" y1="38222" x2="41333" y2="68889"/>
+                        <a14:foregroundMark x1="38222" y1="40444" x2="42222" y2="68000"/>
+                        <a14:foregroundMark x1="31556" y1="30667" x2="54667" y2="42222"/>
+                        <a14:foregroundMark x1="47556" y1="31111" x2="59111" y2="34667"/>
+                        <a14:foregroundMark x1="32000" y1="72000" x2="32000" y2="72000"/>
+                        <a14:foregroundMark x1="34222" y1="87111" x2="34222" y2="87111"/>
+                        <a14:foregroundMark x1="38667" y1="91111" x2="38667" y2="91111"/>
+                        <a14:foregroundMark x1="48889" y1="91111" x2="49778" y2="91111"/>
+                        <a14:foregroundMark x1="88444" y1="60000" x2="88444" y2="60000"/>
+                        <a14:foregroundMark x1="91111" y1="47111" x2="91111" y2="47111"/>
+                        <a14:foregroundMark x1="54667" y1="8889" x2="54667" y2="8889"/>
+                        <a14:foregroundMark x1="10667" y1="40000" x2="10667" y2="40000"/>
+                        <a14:foregroundMark x1="48000" y1="92000" x2="48000" y2="92000"/>
+                        <a14:foregroundMark x1="92000" y1="46667" x2="92000" y2="46667"/>
+                      </a14:backgroundRemoval>
+                    </a14:imgEffect>
+                  </a14:imgLayer>
+                </a14:imgProps>
+              </a:ext>
+              <a:ext uri="{28A0092B-C50C-407E-A947-70E740481C1C}">
+                <a14:useLocalDpi xmlns:a14="http://schemas.microsoft.com/office/drawing/2010/main" val="0"/>
+              </a:ext>
+            </a:extLst>
+          </a:blip>
+          <a:srcRect t="2313"/>
+          <a:stretch/>
+        </p:blipFill>
+        <p:spPr bwMode="auto">
+          <a:xfrm>
+            <a:off x="411566" y="3596705"/>
+            <a:ext cx="655234" cy="640080"/>
+          </a:xfrm>
+          <a:prstGeom prst="rect">
+            <a:avLst/>
+          </a:prstGeom>
+          <a:noFill/>
+          <a:extLst>
+            <a:ext uri="{909E8E84-426E-40DD-AFC4-6F175D3DCCD1}">
+              <a14:hiddenFill xmlns:a14="http://schemas.microsoft.com/office/drawing/2010/main">
+                <a:solidFill>
+                  <a:srgbClr val="FFFFFF"/>
+                </a:solidFill>
+              </a14:hiddenFill>
+            </a:ext>
+          </a:extLst>
+        </p:spPr>
+      </p:pic>
+      <p:graphicFrame>
+        <p:nvGraphicFramePr>
+          <p:cNvPr id="3" name="Table 51">
+            <a:extLst>
+              <a:ext uri="{FF2B5EF4-FFF2-40B4-BE49-F238E27FC236}">
+                <a16:creationId xmlns:a16="http://schemas.microsoft.com/office/drawing/2014/main" id="{7FDBAFBF-FADC-440D-5733-FCA2E1F87181}"/>
+              </a:ext>
+            </a:extLst>
+          </p:cNvPr>
+          <p:cNvGraphicFramePr>
+            <a:graphicFrameLocks noGrp="1"/>
+          </p:cNvGraphicFramePr>
+          <p:nvPr>
+            <p:extLst>
+              <p:ext uri="{D42A27DB-BD31-4B8C-83A1-F6EECF244321}">
+                <p14:modId xmlns:p14="http://schemas.microsoft.com/office/powerpoint/2010/main" val="1299567609"/>
+              </p:ext>
+            </p:extLst>
+          </p:nvPr>
+        </p:nvGraphicFramePr>
+        <p:xfrm>
+          <a:off x="1400222" y="2829260"/>
+          <a:ext cx="3840480" cy="2494280"/>
+        </p:xfrm>
+        <a:graphic>
+          <a:graphicData uri="http://schemas.openxmlformats.org/drawingml/2006/table">
+            <a:tbl>
+              <a:tblPr>
+                <a:tableStyleId>{5C22544A-7EE6-4342-B048-85BDC9FD1C3A}</a:tableStyleId>
+              </a:tblPr>
+              <a:tblGrid>
+                <a:gridCol w="3840480">
+                  <a:extLst>
+                    <a:ext uri="{9D8B030D-6E8A-4147-A177-3AD203B41FA5}">
+                      <a16:colId xmlns:a16="http://schemas.microsoft.com/office/drawing/2014/main" val="2815170345"/>
+                    </a:ext>
+                  </a:extLst>
+                </a:gridCol>
+              </a:tblGrid>
+              <a:tr h="370840">
+                <a:tc>
+                  <a:txBody>
+                    <a:bodyPr/>
+                    <a:lstStyle/>
+                    <a:p>
+                      <a:pPr algn="ctr"/>
+                      <a:r>
+                        <a:rPr lang="en-US" dirty="0">
+                          <a:latin typeface="Arial" panose="020B0604020202020204" pitchFamily="34" charset="0"/>
+                          <a:cs typeface="Arial" panose="020B0604020202020204" pitchFamily="34" charset="0"/>
+                        </a:rPr>
+                        <a:t>Read in data directly from source</a:t>
+                      </a:r>
+                    </a:p>
+                  </a:txBody>
+                  <a:tcPr>
+                    <a:lnL w="28575" cap="flat" cmpd="sng" algn="ctr">
+                      <a:solidFill>
+                        <a:schemeClr val="tx1"/>
+                      </a:solidFill>
+                      <a:prstDash val="solid"/>
+                      <a:round/>
+                      <a:headEnd type="none" w="med" len="med"/>
+                      <a:tailEnd type="none" w="med" len="med"/>
+                    </a:lnL>
+                    <a:lnR w="28575" cap="flat" cmpd="sng" algn="ctr">
+                      <a:solidFill>
+                        <a:schemeClr val="tx1"/>
+                      </a:solidFill>
+                      <a:prstDash val="solid"/>
+                      <a:round/>
+                      <a:headEnd type="none" w="med" len="med"/>
+                      <a:tailEnd type="none" w="med" len="med"/>
+                    </a:lnR>
+                    <a:lnT w="28575" cap="flat" cmpd="sng" algn="ctr">
+                      <a:solidFill>
+                        <a:schemeClr val="tx1"/>
+                      </a:solidFill>
+                      <a:prstDash val="solid"/>
+                      <a:round/>
+                      <a:headEnd type="none" w="med" len="med"/>
+                      <a:tailEnd type="none" w="med" len="med"/>
+                    </a:lnT>
+                    <a:lnB w="12700" cap="flat" cmpd="sng" algn="ctr">
+                      <a:solidFill>
+                        <a:schemeClr val="tx1"/>
+                      </a:solidFill>
+                      <a:prstDash val="solid"/>
+                      <a:round/>
+                      <a:headEnd type="none" w="med" len="med"/>
+                      <a:tailEnd type="none" w="med" len="med"/>
+                    </a:lnB>
+                    <a:solidFill>
+                      <a:schemeClr val="bg1"/>
+                    </a:solidFill>
+                  </a:tcPr>
+                </a:tc>
+                <a:extLst>
+                  <a:ext uri="{0D108BD9-81ED-4DB2-BD59-A6C34878D82A}">
+                    <a16:rowId xmlns:a16="http://schemas.microsoft.com/office/drawing/2014/main" val="2585973670"/>
+                  </a:ext>
+                </a:extLst>
+              </a:tr>
+              <a:tr h="370840">
+                <a:tc>
+                  <a:txBody>
+                    <a:bodyPr/>
+                    <a:lstStyle/>
+                    <a:p>
+                      <a:pPr algn="ctr"/>
+                      <a:r>
+                        <a:rPr lang="en-US" dirty="0">
+                          <a:latin typeface="Arial" panose="020B0604020202020204" pitchFamily="34" charset="0"/>
+                          <a:cs typeface="Arial" panose="020B0604020202020204" pitchFamily="34" charset="0"/>
+                        </a:rPr>
+                        <a:t>Separate “chunks” for each analysis</a:t>
+                      </a:r>
+                    </a:p>
+                  </a:txBody>
+                  <a:tcPr>
+                    <a:lnL w="28575" cap="flat" cmpd="sng" algn="ctr">
+                      <a:solidFill>
+                        <a:schemeClr val="tx1"/>
+                      </a:solidFill>
+                      <a:prstDash val="solid"/>
+                      <a:round/>
+                      <a:headEnd type="none" w="med" len="med"/>
+                      <a:tailEnd type="none" w="med" len="med"/>
+                    </a:lnL>
+                    <a:lnR w="28575" cap="flat" cmpd="sng" algn="ctr">
+                      <a:solidFill>
+                        <a:schemeClr val="tx1"/>
+                      </a:solidFill>
+                      <a:prstDash val="solid"/>
+                      <a:round/>
+                      <a:headEnd type="none" w="med" len="med"/>
+                      <a:tailEnd type="none" w="med" len="med"/>
+                    </a:lnR>
+                    <a:lnT w="12700" cap="flat" cmpd="sng" algn="ctr">
+                      <a:solidFill>
+                        <a:schemeClr val="tx1"/>
+                      </a:solidFill>
+                      <a:prstDash val="solid"/>
+                      <a:round/>
+                      <a:headEnd type="none" w="med" len="med"/>
+                      <a:tailEnd type="none" w="med" len="med"/>
+                    </a:lnT>
+                    <a:lnB w="12700" cap="flat" cmpd="sng" algn="ctr">
+                      <a:solidFill>
+                        <a:schemeClr val="tx1"/>
+                      </a:solidFill>
+                      <a:prstDash val="solid"/>
+                      <a:round/>
+                      <a:headEnd type="none" w="med" len="med"/>
+                      <a:tailEnd type="none" w="med" len="med"/>
+                    </a:lnB>
+                    <a:solidFill>
+                      <a:schemeClr val="bg1"/>
+                    </a:solidFill>
+                  </a:tcPr>
+                </a:tc>
+                <a:extLst>
+                  <a:ext uri="{0D108BD9-81ED-4DB2-BD59-A6C34878D82A}">
+                    <a16:rowId xmlns:a16="http://schemas.microsoft.com/office/drawing/2014/main" val="4153810044"/>
+                  </a:ext>
+                </a:extLst>
+              </a:tr>
+              <a:tr h="370840">
+                <a:tc>
+                  <a:txBody>
+                    <a:bodyPr/>
+                    <a:lstStyle/>
+                    <a:p>
+                      <a:pPr algn="ctr"/>
+                      <a:r>
+                        <a:rPr lang="en-US" dirty="0">
+                          <a:latin typeface="Arial" panose="020B0604020202020204" pitchFamily="34" charset="0"/>
+                          <a:cs typeface="Arial" panose="020B0604020202020204" pitchFamily="34" charset="0"/>
+                        </a:rPr>
+                        <a:t>Self-documents</a:t>
+                      </a:r>
+                    </a:p>
+                  </a:txBody>
+                  <a:tcPr>
+                    <a:lnL w="28575" cap="flat" cmpd="sng" algn="ctr">
+                      <a:solidFill>
+                        <a:schemeClr val="tx1"/>
+                      </a:solidFill>
+                      <a:prstDash val="solid"/>
+                      <a:round/>
+                      <a:headEnd type="none" w="med" len="med"/>
+                      <a:tailEnd type="none" w="med" len="med"/>
+                    </a:lnL>
+                    <a:lnR w="28575" cap="flat" cmpd="sng" algn="ctr">
+                      <a:solidFill>
+                        <a:schemeClr val="tx1"/>
+                      </a:solidFill>
+                      <a:prstDash val="solid"/>
+                      <a:round/>
+                      <a:headEnd type="none" w="med" len="med"/>
+                      <a:tailEnd type="none" w="med" len="med"/>
+                    </a:lnR>
+                    <a:lnT w="12700" cap="flat" cmpd="sng" algn="ctr">
+                      <a:solidFill>
+                        <a:schemeClr val="tx1"/>
+                      </a:solidFill>
+                      <a:prstDash val="solid"/>
+                      <a:round/>
+                      <a:headEnd type="none" w="med" len="med"/>
+                      <a:tailEnd type="none" w="med" len="med"/>
+                    </a:lnT>
+                    <a:lnB w="12700" cap="flat" cmpd="sng" algn="ctr">
+                      <a:solidFill>
+                        <a:schemeClr val="tx1"/>
+                      </a:solidFill>
+                      <a:prstDash val="solid"/>
+                      <a:round/>
+                      <a:headEnd type="none" w="med" len="med"/>
+                      <a:tailEnd type="none" w="med" len="med"/>
+                    </a:lnB>
+                    <a:solidFill>
+                      <a:schemeClr val="bg1"/>
+                    </a:solidFill>
+                  </a:tcPr>
+                </a:tc>
+                <a:extLst>
+                  <a:ext uri="{0D108BD9-81ED-4DB2-BD59-A6C34878D82A}">
+                    <a16:rowId xmlns:a16="http://schemas.microsoft.com/office/drawing/2014/main" val="3661985905"/>
+                  </a:ext>
+                </a:extLst>
+              </a:tr>
+              <a:tr h="370840">
+                <a:tc>
+                  <a:txBody>
+                    <a:bodyPr/>
+                    <a:lstStyle/>
+                    <a:p>
+                      <a:pPr algn="ctr"/>
+                      <a:r>
+                        <a:rPr lang="en-US" dirty="0">
+                          <a:latin typeface="Arial" panose="020B0604020202020204" pitchFamily="34" charset="0"/>
+                          <a:cs typeface="Arial" panose="020B0604020202020204" pitchFamily="34" charset="0"/>
+                        </a:rPr>
+                        <a:t>New data can flow through</a:t>
+                      </a:r>
+                    </a:p>
+                  </a:txBody>
+                  <a:tcPr>
+                    <a:lnL w="28575" cap="flat" cmpd="sng" algn="ctr">
+                      <a:solidFill>
+                        <a:schemeClr val="tx1"/>
+                      </a:solidFill>
+                      <a:prstDash val="solid"/>
+                      <a:round/>
+                      <a:headEnd type="none" w="med" len="med"/>
+                      <a:tailEnd type="none" w="med" len="med"/>
+                    </a:lnL>
+                    <a:lnR w="28575" cap="flat" cmpd="sng" algn="ctr">
+                      <a:solidFill>
+                        <a:schemeClr val="tx1"/>
+                      </a:solidFill>
+                      <a:prstDash val="solid"/>
+                      <a:round/>
+                      <a:headEnd type="none" w="med" len="med"/>
+                      <a:tailEnd type="none" w="med" len="med"/>
+                    </a:lnR>
+                    <a:lnT w="12700" cap="flat" cmpd="sng" algn="ctr">
+                      <a:solidFill>
+                        <a:schemeClr val="tx1"/>
+                      </a:solidFill>
+                      <a:prstDash val="solid"/>
+                      <a:round/>
+                      <a:headEnd type="none" w="med" len="med"/>
+                      <a:tailEnd type="none" w="med" len="med"/>
+                    </a:lnT>
+                    <a:lnB w="12700" cap="flat" cmpd="sng" algn="ctr">
+                      <a:solidFill>
+                        <a:schemeClr val="tx1"/>
+                      </a:solidFill>
+                      <a:prstDash val="solid"/>
+                      <a:round/>
+                      <a:headEnd type="none" w="med" len="med"/>
+                      <a:tailEnd type="none" w="med" len="med"/>
+                    </a:lnB>
+                    <a:solidFill>
+                      <a:schemeClr val="bg1"/>
+                    </a:solidFill>
+                  </a:tcPr>
+                </a:tc>
+                <a:extLst>
+                  <a:ext uri="{0D108BD9-81ED-4DB2-BD59-A6C34878D82A}">
+                    <a16:rowId xmlns:a16="http://schemas.microsoft.com/office/drawing/2014/main" val="1697638389"/>
+                  </a:ext>
+                </a:extLst>
+              </a:tr>
+              <a:tr h="370840">
+                <a:tc>
+                  <a:txBody>
+                    <a:bodyPr/>
+                    <a:lstStyle/>
+                    <a:p>
+                      <a:pPr algn="ctr"/>
+                      <a:r>
+                        <a:rPr lang="en-US" dirty="0">
+                          <a:latin typeface="Arial" panose="020B0604020202020204" pitchFamily="34" charset="0"/>
+                          <a:cs typeface="Arial" panose="020B0604020202020204" pitchFamily="34" charset="0"/>
+                        </a:rPr>
+                        <a:t>Can also be used to create dynamic slides for presentations</a:t>
+                      </a:r>
+                    </a:p>
+                  </a:txBody>
+                  <a:tcPr>
+                    <a:lnL w="28575" cap="flat" cmpd="sng" algn="ctr">
+                      <a:solidFill>
+                        <a:schemeClr val="tx1"/>
+                      </a:solidFill>
+                      <a:prstDash val="solid"/>
+                      <a:round/>
+                      <a:headEnd type="none" w="med" len="med"/>
+                      <a:tailEnd type="none" w="med" len="med"/>
+                    </a:lnL>
+                    <a:lnR w="28575" cap="flat" cmpd="sng" algn="ctr">
+                      <a:solidFill>
+                        <a:schemeClr val="tx1"/>
+                      </a:solidFill>
+                      <a:prstDash val="solid"/>
+                      <a:round/>
+                      <a:headEnd type="none" w="med" len="med"/>
+                      <a:tailEnd type="none" w="med" len="med"/>
+                    </a:lnR>
+                    <a:lnT w="12700" cap="flat" cmpd="sng" algn="ctr">
+                      <a:solidFill>
+                        <a:schemeClr val="tx1"/>
+                      </a:solidFill>
+                      <a:prstDash val="solid"/>
+                      <a:round/>
+                      <a:headEnd type="none" w="med" len="med"/>
+                      <a:tailEnd type="none" w="med" len="med"/>
+                    </a:lnT>
+                    <a:lnB w="12700" cap="flat" cmpd="sng" algn="ctr">
+                      <a:solidFill>
+                        <a:schemeClr val="tx1"/>
+                      </a:solidFill>
+                      <a:prstDash val="solid"/>
+                      <a:round/>
+                      <a:headEnd type="none" w="med" len="med"/>
+                      <a:tailEnd type="none" w="med" len="med"/>
+                    </a:lnB>
+                    <a:solidFill>
+                      <a:schemeClr val="bg1"/>
+                    </a:solidFill>
+                  </a:tcPr>
+                </a:tc>
+                <a:extLst>
+                  <a:ext uri="{0D108BD9-81ED-4DB2-BD59-A6C34878D82A}">
+                    <a16:rowId xmlns:a16="http://schemas.microsoft.com/office/drawing/2014/main" val="3719624885"/>
+                  </a:ext>
+                </a:extLst>
+              </a:tr>
+              <a:tr h="370840">
+                <a:tc>
+                  <a:txBody>
+                    <a:bodyPr/>
+                    <a:lstStyle/>
+                    <a:p>
+                      <a:pPr algn="ctr"/>
+                      <a:r>
+                        <a:rPr lang="en-US" dirty="0">
+                          <a:latin typeface="Arial" panose="020B0604020202020204" pitchFamily="34" charset="0"/>
+                          <a:cs typeface="Arial" panose="020B0604020202020204" pitchFamily="34" charset="0"/>
+                        </a:rPr>
+                        <a:t>All analysis kept in one place</a:t>
+                      </a:r>
+                    </a:p>
+                  </a:txBody>
+                  <a:tcPr>
+                    <a:lnL w="28575" cap="flat" cmpd="sng" algn="ctr">
+                      <a:solidFill>
+                        <a:schemeClr val="tx1"/>
+                      </a:solidFill>
+                      <a:prstDash val="solid"/>
+                      <a:round/>
+                      <a:headEnd type="none" w="med" len="med"/>
+                      <a:tailEnd type="none" w="med" len="med"/>
+                    </a:lnL>
+                    <a:lnR w="28575" cap="flat" cmpd="sng" algn="ctr">
+                      <a:solidFill>
+                        <a:schemeClr val="tx1"/>
+                      </a:solidFill>
+                      <a:prstDash val="solid"/>
+                      <a:round/>
+                      <a:headEnd type="none" w="med" len="med"/>
+                      <a:tailEnd type="none" w="med" len="med"/>
+                    </a:lnR>
+                    <a:lnT w="12700" cap="flat" cmpd="sng" algn="ctr">
+                      <a:solidFill>
+                        <a:schemeClr val="tx1"/>
+                      </a:solidFill>
+                      <a:prstDash val="solid"/>
+                      <a:round/>
+                      <a:headEnd type="none" w="med" len="med"/>
+                      <a:tailEnd type="none" w="med" len="med"/>
+                    </a:lnT>
+                    <a:lnB w="28575" cap="flat" cmpd="sng" algn="ctr">
+                      <a:solidFill>
+                        <a:schemeClr val="tx1"/>
+                      </a:solidFill>
+                      <a:prstDash val="solid"/>
+                      <a:round/>
+                      <a:headEnd type="none" w="med" len="med"/>
+                      <a:tailEnd type="none" w="med" len="med"/>
+                    </a:lnB>
+                    <a:solidFill>
+                      <a:schemeClr val="bg1"/>
+                    </a:solidFill>
+                  </a:tcPr>
+                </a:tc>
+                <a:extLst>
+                  <a:ext uri="{0D108BD9-81ED-4DB2-BD59-A6C34878D82A}">
+                    <a16:rowId xmlns:a16="http://schemas.microsoft.com/office/drawing/2014/main" val="3427842638"/>
+                  </a:ext>
+                </a:extLst>
+              </a:tr>
+            </a:tbl>
+          </a:graphicData>
+        </a:graphic>
+      </p:graphicFrame>
+      <p:pic>
+        <p:nvPicPr>
+          <p:cNvPr id="52" name="Picture 4" descr="Database icon">
+            <a:extLst>
+              <a:ext uri="{FF2B5EF4-FFF2-40B4-BE49-F238E27FC236}">
+                <a16:creationId xmlns:a16="http://schemas.microsoft.com/office/drawing/2014/main" id="{2EA3A0BD-D957-1179-40E8-1201EA8BCFA3}"/>
+              </a:ext>
+            </a:extLst>
+          </p:cNvPr>
+          <p:cNvPicPr>
+            <a:picLocks noChangeAspect="1" noChangeArrowheads="1"/>
+          </p:cNvPicPr>
+          <p:nvPr/>
+        </p:nvPicPr>
+        <p:blipFill>
+          <a:blip r:embed="rId4" cstate="print">
+            <a:duotone>
+              <a:schemeClr val="accent1">
+                <a:shade val="45000"/>
+                <a:satMod val="135000"/>
+              </a:schemeClr>
+              <a:prstClr val="white"/>
+            </a:duotone>
+            <a:extLst>
+              <a:ext uri="{28A0092B-C50C-407E-A947-70E740481C1C}">
+                <a14:useLocalDpi xmlns:a14="http://schemas.microsoft.com/office/drawing/2010/main" val="0"/>
+              </a:ext>
+            </a:extLst>
+          </a:blip>
+          <a:srcRect/>
+          <a:stretch>
+            <a:fillRect/>
+          </a:stretch>
+        </p:blipFill>
+        <p:spPr bwMode="auto">
+          <a:xfrm>
+            <a:off x="7351713" y="1390225"/>
+            <a:ext cx="457200" cy="457200"/>
+          </a:xfrm>
+          <a:prstGeom prst="rect">
+            <a:avLst/>
+          </a:prstGeom>
+          <a:noFill/>
+          <a:extLst>
+            <a:ext uri="{909E8E84-426E-40DD-AFC4-6F175D3DCCD1}">
+              <a14:hiddenFill xmlns:a14="http://schemas.microsoft.com/office/drawing/2010/main">
+                <a:solidFill>
+                  <a:srgbClr val="FFFFFF"/>
+                </a:solidFill>
+              </a14:hiddenFill>
+            </a:ext>
+          </a:extLst>
+        </p:spPr>
+      </p:pic>
+      <p:sp>
+        <p:nvSpPr>
+          <p:cNvPr id="57" name="TextBox 56">
+            <a:extLst>
+              <a:ext uri="{FF2B5EF4-FFF2-40B4-BE49-F238E27FC236}">
+                <a16:creationId xmlns:a16="http://schemas.microsoft.com/office/drawing/2014/main" id="{A5878FF3-35C8-0EC6-5DDD-997B8A0F8A60}"/>
+              </a:ext>
+            </a:extLst>
+          </p:cNvPr>
+          <p:cNvSpPr txBox="1"/>
+          <p:nvPr/>
+        </p:nvSpPr>
         <p:spPr>
           <a:xfrm>
-            <a:off x="1066800" y="274638"/>
-            <a:ext cx="7772400" cy="1143000"/>
+            <a:off x="7123113" y="1959291"/>
+            <a:ext cx="914400" cy="230410"/>
           </a:xfrm>
+          <a:prstGeom prst="rect">
+            <a:avLst/>
+          </a:prstGeom>
+          <a:noFill/>
         </p:spPr>
         <p:txBody>
-          <a:bodyPr/>
+          <a:bodyPr wrap="none" lIns="0" tIns="0" rIns="0" bIns="0" rtlCol="0">
+            <a:noAutofit/>
+          </a:bodyPr>
           <a:lstStyle/>
           <a:p>
-            <a:r>
-              <a:rPr lang="en-US" dirty="0"/>
-              <a:t>Initial Example: Fitted Severity</a:t>
-            </a:r>
-          </a:p>
-        </p:txBody>
-      </p:sp>
+            <a:pPr algn="ctr">
+              <a:lnSpc>
+                <a:spcPct val="100000"/>
+              </a:lnSpc>
+              <a:spcBef>
+                <a:spcPts val="900"/>
+              </a:spcBef>
+              <a:buSzPct val="100000"/>
+            </a:pPr>
+            <a:r>
+              <a:rPr lang="en-US" sz="1400" dirty="0">
+                <a:solidFill>
+                  <a:schemeClr val="tx2"/>
+                </a:solidFill>
+                <a:latin typeface="Arial" panose="020B0604020202020204" pitchFamily="34" charset="0"/>
+                <a:cs typeface="Arial" panose="020B0604020202020204" pitchFamily="34" charset="0"/>
+              </a:rPr>
+              <a:t>Database</a:t>
+            </a:r>
+          </a:p>
+        </p:txBody>
+      </p:sp>
+      <p:cxnSp>
+        <p:nvCxnSpPr>
+          <p:cNvPr id="60" name="Straight Arrow Connector 59">
+            <a:extLst>
+              <a:ext uri="{FF2B5EF4-FFF2-40B4-BE49-F238E27FC236}">
+                <a16:creationId xmlns:a16="http://schemas.microsoft.com/office/drawing/2014/main" id="{AF018737-0108-F558-6CC4-FF6B1D3AC6A0}"/>
+              </a:ext>
+            </a:extLst>
+          </p:cNvPr>
+          <p:cNvCxnSpPr>
+            <a:cxnSpLocks/>
+          </p:cNvCxnSpPr>
+          <p:nvPr/>
+        </p:nvCxnSpPr>
+        <p:spPr>
+          <a:xfrm flipV="1">
+            <a:off x="5388657" y="2096711"/>
+            <a:ext cx="1594060" cy="732549"/>
+          </a:xfrm>
+          <a:prstGeom prst="straightConnector1">
+            <a:avLst/>
+          </a:prstGeom>
+          <a:ln w="57150" cap="sq">
+            <a:solidFill>
+              <a:schemeClr val="bg1">
+                <a:lumMod val="50000"/>
+              </a:schemeClr>
+            </a:solidFill>
+            <a:headEnd type="triangle" w="med" len="med"/>
+            <a:tailEnd type="none" w="med" len="med"/>
+          </a:ln>
+        </p:spPr>
+        <p:style>
+          <a:lnRef idx="1">
+            <a:schemeClr val="accent1"/>
+          </a:lnRef>
+          <a:fillRef idx="0">
+            <a:schemeClr val="accent1"/>
+          </a:fillRef>
+          <a:effectRef idx="0">
+            <a:srgbClr val="000000"/>
+          </a:effectRef>
+          <a:fontRef idx="minor">
+            <a:schemeClr val="bg1"/>
+          </a:fontRef>
+        </p:style>
+      </p:cxnSp>
       <p:pic>
         <p:nvPicPr>
-          <p:cNvPr id="4" name="Picture 3">
+          <p:cNvPr id="65" name="Picture 64">
             <a:extLst>
               <a:ext uri="{FF2B5EF4-FFF2-40B4-BE49-F238E27FC236}">
-                <a16:creationId xmlns:a16="http://schemas.microsoft.com/office/drawing/2014/main" id="{E725ABD2-C6D9-F502-2921-0DC1A1664FD0}"/>
+                <a16:creationId xmlns:a16="http://schemas.microsoft.com/office/drawing/2014/main" id="{C22A1A4A-A630-2C12-DA71-630BCBD22587}"/>
               </a:ext>
             </a:extLst>
           </p:cNvPr>
@@ -18615,7 +20376,7 @@
           <p:nvPr/>
         </p:nvPicPr>
         <p:blipFill>
-          <a:blip r:embed="rId2" r:link="rId3">
+          <a:blip r:embed="rId5" r:link="rId6" cstate="print">
             <a:extLst>
               <a:ext uri="{28A0092B-C50C-407E-A947-70E740481C1C}">
                 <a14:useLocalDpi xmlns:a14="http://schemas.microsoft.com/office/drawing/2010/main" val="0"/>
@@ -18629,20 +20390,67 @@
         </p:blipFill>
         <p:spPr>
           <a:xfrm>
-            <a:off x="2971801" y="1447801"/>
-            <a:ext cx="5943597" cy="3962398"/>
+            <a:off x="7029929" y="2639723"/>
+            <a:ext cx="1798327" cy="1198885"/>
           </a:xfrm>
           <a:prstGeom prst="rect">
             <a:avLst/>
           </a:prstGeom>
         </p:spPr>
       </p:pic>
-      <p:sp>
-        <p:nvSpPr>
-          <p:cNvPr id="5" name="TextBox 4">
+      <p:cxnSp>
+        <p:nvCxnSpPr>
+          <p:cNvPr id="66" name="Straight Arrow Connector 65">
             <a:extLst>
               <a:ext uri="{FF2B5EF4-FFF2-40B4-BE49-F238E27FC236}">
-                <a16:creationId xmlns:a16="http://schemas.microsoft.com/office/drawing/2014/main" id="{2CA6CE52-CDE9-6BD5-D02A-0B9CDE177F35}"/>
+                <a16:creationId xmlns:a16="http://schemas.microsoft.com/office/drawing/2014/main" id="{16FC1A09-4388-FD69-6DED-7DDBA4DAD230}"/>
+              </a:ext>
+            </a:extLst>
+          </p:cNvPr>
+          <p:cNvCxnSpPr>
+            <a:cxnSpLocks/>
+          </p:cNvCxnSpPr>
+          <p:nvPr/>
+        </p:nvCxnSpPr>
+        <p:spPr>
+          <a:xfrm flipH="1">
+            <a:off x="5441056" y="3171057"/>
+            <a:ext cx="1485444" cy="143998"/>
+          </a:xfrm>
+          <a:prstGeom prst="straightConnector1">
+            <a:avLst/>
+          </a:prstGeom>
+          <a:ln w="57150" cap="sq">
+            <a:solidFill>
+              <a:schemeClr val="bg1">
+                <a:lumMod val="50000"/>
+              </a:schemeClr>
+            </a:solidFill>
+            <a:headEnd type="triangle" w="med" len="med"/>
+            <a:tailEnd type="none" w="med" len="med"/>
+          </a:ln>
+        </p:spPr>
+        <p:style>
+          <a:lnRef idx="1">
+            <a:schemeClr val="accent1"/>
+          </a:lnRef>
+          <a:fillRef idx="0">
+            <a:schemeClr val="accent1"/>
+          </a:fillRef>
+          <a:effectRef idx="0">
+            <a:srgbClr val="000000"/>
+          </a:effectRef>
+          <a:fontRef idx="minor">
+            <a:schemeClr val="bg1"/>
+          </a:fontRef>
+        </p:style>
+      </p:cxnSp>
+      <p:sp>
+        <p:nvSpPr>
+          <p:cNvPr id="69" name="TextBox 68">
+            <a:extLst>
+              <a:ext uri="{FF2B5EF4-FFF2-40B4-BE49-F238E27FC236}">
+                <a16:creationId xmlns:a16="http://schemas.microsoft.com/office/drawing/2014/main" id="{2B9862A0-C7A0-FAA2-59C5-5748AA6B6464}"/>
               </a:ext>
             </a:extLst>
           </p:cNvPr>
@@ -18651,8 +20459,8 @@
         </p:nvSpPr>
         <p:spPr>
           <a:xfrm>
-            <a:off x="228601" y="2514600"/>
-            <a:ext cx="2431673" cy="1384995"/>
+            <a:off x="2286589" y="2373649"/>
+            <a:ext cx="2067746" cy="369332"/>
           </a:xfrm>
           <a:prstGeom prst="rect">
             <a:avLst/>
@@ -18660,183 +20468,211 @@
           <a:noFill/>
         </p:spPr>
         <p:txBody>
-          <a:bodyPr wrap="square" rtlCol="0">
+          <a:bodyPr wrap="none" rtlCol="0">
             <a:spAutoFit/>
           </a:bodyPr>
           <a:lstStyle/>
           <a:p>
-            <a:pPr algn="ctr"/>
-            <a:r>
-              <a:rPr lang="en-US" sz="2800" dirty="0">
+            <a:r>
+              <a:rPr lang="en-US" b="1" dirty="0">
                 <a:latin typeface="Arial" panose="020B0604020202020204" pitchFamily="34" charset="0"/>
                 <a:cs typeface="Arial" panose="020B0604020202020204" pitchFamily="34" charset="0"/>
               </a:rPr>
-              <a:t>How can we improve upon this chart?</a:t>
-            </a:r>
-          </a:p>
-        </p:txBody>
-      </p:sp>
-      <p:sp>
-        <p:nvSpPr>
-          <p:cNvPr id="3" name="TextBox 2">
+              <a:t>With </a:t>
+            </a:r>
+            <a:r>
+              <a:rPr lang="en-US" b="1" dirty="0" err="1">
+                <a:latin typeface="Arial" panose="020B0604020202020204" pitchFamily="34" charset="0"/>
+                <a:cs typeface="Arial" panose="020B0604020202020204" pitchFamily="34" charset="0"/>
+              </a:rPr>
+              <a:t>rmarkdown</a:t>
+            </a:r>
+            <a:r>
+              <a:rPr lang="en-US" b="1" dirty="0">
+                <a:latin typeface="Arial" panose="020B0604020202020204" pitchFamily="34" charset="0"/>
+                <a:cs typeface="Arial" panose="020B0604020202020204" pitchFamily="34" charset="0"/>
+              </a:rPr>
+              <a:t>:</a:t>
+            </a:r>
+          </a:p>
+        </p:txBody>
+      </p:sp>
+      <p:cxnSp>
+        <p:nvCxnSpPr>
+          <p:cNvPr id="78" name="Straight Arrow Connector 77">
             <a:extLst>
               <a:ext uri="{FF2B5EF4-FFF2-40B4-BE49-F238E27FC236}">
-                <a16:creationId xmlns:a16="http://schemas.microsoft.com/office/drawing/2014/main" id="{D90ECCA0-06AB-B8AB-4B22-AA383E47AE34}"/>
+                <a16:creationId xmlns:a16="http://schemas.microsoft.com/office/drawing/2014/main" id="{ED2E6509-81ED-BA33-CA09-617333A7315E}"/>
               </a:ext>
             </a:extLst>
           </p:cNvPr>
-          <p:cNvSpPr txBox="1"/>
+          <p:cNvCxnSpPr>
+            <a:cxnSpLocks/>
+          </p:cNvCxnSpPr>
           <p:nvPr/>
-        </p:nvSpPr>
+        </p:nvCxnSpPr>
         <p:spPr>
-          <a:xfrm>
-            <a:off x="260498" y="5181600"/>
-            <a:ext cx="7588101" cy="830997"/>
+          <a:xfrm flipH="1">
+            <a:off x="5413017" y="4411411"/>
+            <a:ext cx="1705757" cy="122794"/>
           </a:xfrm>
-          <a:prstGeom prst="rect">
+          <a:prstGeom prst="straightConnector1">
             <a:avLst/>
           </a:prstGeom>
-          <a:noFill/>
+          <a:ln w="57150" cap="sq">
+            <a:solidFill>
+              <a:schemeClr val="bg1">
+                <a:lumMod val="50000"/>
+              </a:schemeClr>
+            </a:solidFill>
+            <a:headEnd type="triangle" w="med" len="med"/>
+            <a:tailEnd type="none" w="med" len="med"/>
+          </a:ln>
         </p:spPr>
-        <p:txBody>
-          <a:bodyPr wrap="square" rtlCol="0">
-            <a:spAutoFit/>
-          </a:bodyPr>
-          <a:lstStyle/>
-          <a:p>
-            <a:r>
-              <a:rPr lang="en-US" sz="1200" dirty="0">
-                <a:latin typeface="Consolas" panose="020B0609020204030204" pitchFamily="49" charset="0"/>
-              </a:rPr>
-              <a:t>P &lt;- data |&gt;</a:t>
-            </a:r>
-          </a:p>
-          <a:p>
-            <a:r>
-              <a:rPr lang="en-US" sz="1200" dirty="0">
-                <a:latin typeface="Consolas" panose="020B0609020204030204" pitchFamily="49" charset="0"/>
-              </a:rPr>
-              <a:t>  </a:t>
-            </a:r>
-            <a:r>
-              <a:rPr lang="en-US" sz="1200" dirty="0" err="1">
-                <a:latin typeface="Consolas" panose="020B0609020204030204" pitchFamily="49" charset="0"/>
-              </a:rPr>
-              <a:t>geom_histogram</a:t>
-            </a:r>
-            <a:r>
-              <a:rPr lang="en-US" sz="1200" dirty="0">
-                <a:latin typeface="Consolas" panose="020B0609020204030204" pitchFamily="49" charset="0"/>
-              </a:rPr>
-              <a:t>(</a:t>
-            </a:r>
-            <a:r>
-              <a:rPr lang="en-US" sz="1200" dirty="0" err="1">
-                <a:latin typeface="Consolas" panose="020B0609020204030204" pitchFamily="49" charset="0"/>
-              </a:rPr>
-              <a:t>aes</a:t>
-            </a:r>
-            <a:r>
-              <a:rPr lang="en-US" sz="1200" dirty="0">
-                <a:latin typeface="Consolas" panose="020B0609020204030204" pitchFamily="49" charset="0"/>
-              </a:rPr>
-              <a:t>(x = loss, </a:t>
-            </a:r>
-            <a:r>
-              <a:rPr lang="en-US" sz="1200" dirty="0" err="1">
-                <a:latin typeface="Consolas" panose="020B0609020204030204" pitchFamily="49" charset="0"/>
-              </a:rPr>
-              <a:t>after_stat</a:t>
-            </a:r>
-            <a:r>
-              <a:rPr lang="en-US" sz="1200" dirty="0">
-                <a:latin typeface="Consolas" panose="020B0609020204030204" pitchFamily="49" charset="0"/>
-              </a:rPr>
-              <a:t>(density)) +</a:t>
-            </a:r>
-          </a:p>
-          <a:p>
-            <a:r>
-              <a:rPr lang="en-US" sz="1200" dirty="0">
-                <a:latin typeface="Consolas" panose="020B0609020204030204" pitchFamily="49" charset="0"/>
-              </a:rPr>
-              <a:t>  </a:t>
-            </a:r>
-            <a:r>
-              <a:rPr lang="en-US" sz="1200" dirty="0" err="1">
-                <a:latin typeface="Consolas" panose="020B0609020204030204" pitchFamily="49" charset="0"/>
-              </a:rPr>
-              <a:t>stat_function</a:t>
-            </a:r>
-            <a:r>
-              <a:rPr lang="en-US" sz="1200" dirty="0">
-                <a:latin typeface="Consolas" panose="020B0609020204030204" pitchFamily="49" charset="0"/>
-              </a:rPr>
-              <a:t>(fun = </a:t>
-            </a:r>
-            <a:r>
-              <a:rPr lang="en-US" sz="1200" dirty="0" err="1">
-                <a:latin typeface="Consolas" panose="020B0609020204030204" pitchFamily="49" charset="0"/>
-              </a:rPr>
-              <a:t>dlnorm</a:t>
-            </a:r>
-            <a:r>
-              <a:rPr lang="en-US" sz="1200" dirty="0">
-                <a:latin typeface="Consolas" panose="020B0609020204030204" pitchFamily="49" charset="0"/>
-              </a:rPr>
-              <a:t>,</a:t>
-            </a:r>
-          </a:p>
-          <a:p>
-            <a:r>
-              <a:rPr lang="en-US" sz="1200" dirty="0">
-                <a:latin typeface="Consolas" panose="020B0609020204030204" pitchFamily="49" charset="0"/>
-              </a:rPr>
-              <a:t>                </a:t>
-            </a:r>
-            <a:r>
-              <a:rPr lang="en-US" sz="1200" dirty="0" err="1">
-                <a:latin typeface="Consolas" panose="020B0609020204030204" pitchFamily="49" charset="0"/>
-              </a:rPr>
-              <a:t>args</a:t>
-            </a:r>
-            <a:r>
-              <a:rPr lang="en-US" sz="1200" dirty="0">
-                <a:latin typeface="Consolas" panose="020B0609020204030204" pitchFamily="49" charset="0"/>
-              </a:rPr>
-              <a:t> = list(</a:t>
-            </a:r>
-            <a:r>
-              <a:rPr lang="en-US" sz="1200" dirty="0" err="1">
-                <a:latin typeface="Consolas" panose="020B0609020204030204" pitchFamily="49" charset="0"/>
-              </a:rPr>
-              <a:t>meanlog</a:t>
-            </a:r>
-            <a:r>
-              <a:rPr lang="en-US" sz="1200" dirty="0">
-                <a:latin typeface="Consolas" panose="020B0609020204030204" pitchFamily="49" charset="0"/>
-              </a:rPr>
-              <a:t> = 10, </a:t>
-            </a:r>
-            <a:r>
-              <a:rPr lang="en-US" sz="1200" dirty="0" err="1">
-                <a:latin typeface="Consolas" panose="020B0609020204030204" pitchFamily="49" charset="0"/>
-              </a:rPr>
-              <a:t>sdlog</a:t>
-            </a:r>
-            <a:r>
-              <a:rPr lang="en-US" sz="1200" dirty="0">
-                <a:latin typeface="Consolas" panose="020B0609020204030204" pitchFamily="49" charset="0"/>
-              </a:rPr>
-              <a:t> = 1.0))</a:t>
-            </a:r>
-          </a:p>
-        </p:txBody>
-      </p:sp>
+        <p:style>
+          <a:lnRef idx="1">
+            <a:schemeClr val="accent1"/>
+          </a:lnRef>
+          <a:fillRef idx="0">
+            <a:schemeClr val="accent1"/>
+          </a:fillRef>
+          <a:effectRef idx="0">
+            <a:srgbClr val="000000"/>
+          </a:effectRef>
+          <a:fontRef idx="minor">
+            <a:schemeClr val="bg1"/>
+          </a:fontRef>
+        </p:style>
+      </p:cxnSp>
+      <p:grpSp>
+        <p:nvGrpSpPr>
+          <p:cNvPr id="80" name="Group 79">
+            <a:extLst>
+              <a:ext uri="{FF2B5EF4-FFF2-40B4-BE49-F238E27FC236}">
+                <a16:creationId xmlns:a16="http://schemas.microsoft.com/office/drawing/2014/main" id="{D33FB1EC-E80E-CE6B-20E3-9AA3BA26BAB2}"/>
+              </a:ext>
+            </a:extLst>
+          </p:cNvPr>
+          <p:cNvGrpSpPr/>
+          <p:nvPr/>
+        </p:nvGrpSpPr>
+        <p:grpSpPr>
+          <a:xfrm>
+            <a:off x="7244686" y="4074153"/>
+            <a:ext cx="1368811" cy="1268499"/>
+            <a:chOff x="2794819" y="1780733"/>
+            <a:chExt cx="1758055" cy="1629217"/>
+          </a:xfrm>
+        </p:grpSpPr>
+        <p:pic>
+          <p:nvPicPr>
+            <p:cNvPr id="81" name="Picture 2" descr="Image result for computer report clip art">
+              <a:extLst>
+                <a:ext uri="{FF2B5EF4-FFF2-40B4-BE49-F238E27FC236}">
+                  <a16:creationId xmlns:a16="http://schemas.microsoft.com/office/drawing/2014/main" id="{7702085C-8BC3-003E-BA62-D38D845D83D7}"/>
+                </a:ext>
+              </a:extLst>
+            </p:cNvPr>
+            <p:cNvPicPr>
+              <a:picLocks noChangeAspect="1" noChangeArrowheads="1"/>
+            </p:cNvPicPr>
+            <p:nvPr/>
+          </p:nvPicPr>
+          <p:blipFill rotWithShape="1">
+            <a:blip r:embed="rId7" cstate="print">
+              <a:duotone>
+                <a:schemeClr val="bg2">
+                  <a:shade val="45000"/>
+                  <a:satMod val="135000"/>
+                </a:schemeClr>
+                <a:prstClr val="white"/>
+              </a:duotone>
+              <a:extLst>
+                <a:ext uri="{28A0092B-C50C-407E-A947-70E740481C1C}">
+                  <a14:useLocalDpi xmlns:a14="http://schemas.microsoft.com/office/drawing/2010/main" val="0"/>
+                </a:ext>
+              </a:extLst>
+            </a:blip>
+            <a:srcRect l="1" r="38332" b="6270"/>
+            <a:stretch/>
+          </p:blipFill>
+          <p:spPr bwMode="auto">
+            <a:xfrm>
+              <a:off x="2794819" y="1780733"/>
+              <a:ext cx="1524769" cy="1629217"/>
+            </a:xfrm>
+            <a:prstGeom prst="rect">
+              <a:avLst/>
+            </a:prstGeom>
+            <a:noFill/>
+            <a:extLst>
+              <a:ext uri="{909E8E84-426E-40DD-AFC4-6F175D3DCCD1}">
+                <a14:hiddenFill xmlns:a14="http://schemas.microsoft.com/office/drawing/2010/main">
+                  <a:solidFill>
+                    <a:srgbClr val="FFFFFF"/>
+                  </a:solidFill>
+                </a14:hiddenFill>
+              </a:ext>
+            </a:extLst>
+          </p:spPr>
+        </p:pic>
+        <p:pic>
+          <p:nvPicPr>
+            <p:cNvPr id="82" name="Picture 2" descr="Image result for computer report clip art">
+              <a:extLst>
+                <a:ext uri="{FF2B5EF4-FFF2-40B4-BE49-F238E27FC236}">
+                  <a16:creationId xmlns:a16="http://schemas.microsoft.com/office/drawing/2014/main" id="{95813C69-CD4C-6641-6326-FE7B48F2E851}"/>
+                </a:ext>
+              </a:extLst>
+            </p:cNvPr>
+            <p:cNvPicPr>
+              <a:picLocks noChangeAspect="1" noChangeArrowheads="1"/>
+            </p:cNvPicPr>
+            <p:nvPr/>
+          </p:nvPicPr>
+          <p:blipFill rotWithShape="1">
+            <a:blip r:embed="rId7" cstate="print">
+              <a:duotone>
+                <a:schemeClr val="bg2">
+                  <a:shade val="45000"/>
+                  <a:satMod val="135000"/>
+                </a:schemeClr>
+                <a:prstClr val="white"/>
+              </a:duotone>
+              <a:extLst>
+                <a:ext uri="{28A0092B-C50C-407E-A947-70E740481C1C}">
+                  <a14:useLocalDpi xmlns:a14="http://schemas.microsoft.com/office/drawing/2010/main" val="0"/>
+                </a:ext>
+              </a:extLst>
+            </a:blip>
+            <a:srcRect r="90462" b="22664"/>
+            <a:stretch/>
+          </p:blipFill>
+          <p:spPr bwMode="auto">
+            <a:xfrm flipH="1">
+              <a:off x="4317055" y="1782332"/>
+              <a:ext cx="235819" cy="1344253"/>
+            </a:xfrm>
+            <a:prstGeom prst="rect">
+              <a:avLst/>
+            </a:prstGeom>
+            <a:noFill/>
+            <a:extLst>
+              <a:ext uri="{909E8E84-426E-40DD-AFC4-6F175D3DCCD1}">
+                <a14:hiddenFill xmlns:a14="http://schemas.microsoft.com/office/drawing/2010/main">
+                  <a:solidFill>
+                    <a:srgbClr val="FFFFFF"/>
+                  </a:solidFill>
+                </a14:hiddenFill>
+              </a:ext>
+            </a:extLst>
+          </p:spPr>
+        </p:pic>
+      </p:grpSp>
     </p:spTree>
     <p:extLst>
       <p:ext uri="{BB962C8B-B14F-4D97-AF65-F5344CB8AC3E}">
-        <p14:creationId xmlns:p14="http://schemas.microsoft.com/office/powerpoint/2010/main" val="1608165928"/>
+        <p14:creationId xmlns:p14="http://schemas.microsoft.com/office/powerpoint/2010/main" val="752149674"/>
       </p:ext>
     </p:extLst>
   </p:cSld>
@@ -18868,217 +20704,6 @@
           <p:cNvPr id="2" name="Title 1">
             <a:extLst>
               <a:ext uri="{FF2B5EF4-FFF2-40B4-BE49-F238E27FC236}">
-                <a16:creationId xmlns:a16="http://schemas.microsoft.com/office/drawing/2014/main" id="{18969BF5-0288-FD7C-1739-0C8672F3D7F8}"/>
-              </a:ext>
-            </a:extLst>
-          </p:cNvPr>
-          <p:cNvSpPr>
-            <a:spLocks noGrp="1"/>
-          </p:cNvSpPr>
-          <p:nvPr>
-            <p:ph type="title"/>
-          </p:nvPr>
-        </p:nvSpPr>
-        <p:spPr/>
-        <p:txBody>
-          <a:bodyPr/>
-          <a:lstStyle/>
-          <a:p>
-            <a:r>
-              <a:rPr lang="en-US" dirty="0"/>
-              <a:t>Titles &amp; Renaming Variables</a:t>
-            </a:r>
-          </a:p>
-        </p:txBody>
-      </p:sp>
-      <p:pic>
-        <p:nvPicPr>
-          <p:cNvPr id="4" name="Picture 3">
-            <a:extLst>
-              <a:ext uri="{FF2B5EF4-FFF2-40B4-BE49-F238E27FC236}">
-                <a16:creationId xmlns:a16="http://schemas.microsoft.com/office/drawing/2014/main" id="{4A0037C9-EB90-2900-D4EC-DF813BC908A7}"/>
-              </a:ext>
-            </a:extLst>
-          </p:cNvPr>
-          <p:cNvPicPr>
-            <a:picLocks noChangeAspect="1"/>
-          </p:cNvPicPr>
-          <p:nvPr/>
-        </p:nvPicPr>
-        <p:blipFill>
-          <a:blip r:embed="rId2" r:link="rId3">
-            <a:extLst>
-              <a:ext uri="{28A0092B-C50C-407E-A947-70E740481C1C}">
-                <a14:useLocalDpi xmlns:a14="http://schemas.microsoft.com/office/drawing/2010/main" val="0"/>
-              </a:ext>
-            </a:extLst>
-          </a:blip>
-          <a:srcRect/>
-          <a:stretch>
-            <a:fillRect/>
-          </a:stretch>
-        </p:blipFill>
-        <p:spPr>
-          <a:xfrm>
-            <a:off x="2971801" y="1447801"/>
-            <a:ext cx="5943597" cy="3962397"/>
-          </a:xfrm>
-          <a:prstGeom prst="rect">
-            <a:avLst/>
-          </a:prstGeom>
-        </p:spPr>
-      </p:pic>
-      <p:sp>
-        <p:nvSpPr>
-          <p:cNvPr id="5" name="TextBox 4">
-            <a:extLst>
-              <a:ext uri="{FF2B5EF4-FFF2-40B4-BE49-F238E27FC236}">
-                <a16:creationId xmlns:a16="http://schemas.microsoft.com/office/drawing/2014/main" id="{04AF6261-B4B1-D761-810B-AACA39E89170}"/>
-              </a:ext>
-            </a:extLst>
-          </p:cNvPr>
-          <p:cNvSpPr txBox="1"/>
-          <p:nvPr/>
-        </p:nvSpPr>
-        <p:spPr>
-          <a:xfrm>
-            <a:off x="228601" y="2514600"/>
-            <a:ext cx="2431673" cy="1815882"/>
-          </a:xfrm>
-          <a:prstGeom prst="rect">
-            <a:avLst/>
-          </a:prstGeom>
-          <a:noFill/>
-        </p:spPr>
-        <p:txBody>
-          <a:bodyPr wrap="square" rtlCol="0">
-            <a:spAutoFit/>
-          </a:bodyPr>
-          <a:lstStyle/>
-          <a:p>
-            <a:pPr algn="ctr"/>
-            <a:r>
-              <a:rPr lang="en-US" sz="2800" dirty="0">
-                <a:latin typeface="Arial" panose="020B0604020202020204" pitchFamily="34" charset="0"/>
-                <a:cs typeface="Arial" panose="020B0604020202020204" pitchFamily="34" charset="0"/>
-              </a:rPr>
-              <a:t>Adding a title and variable names goes a long way.</a:t>
-            </a:r>
-          </a:p>
-        </p:txBody>
-      </p:sp>
-      <p:sp>
-        <p:nvSpPr>
-          <p:cNvPr id="3" name="TextBox 2">
-            <a:extLst>
-              <a:ext uri="{FF2B5EF4-FFF2-40B4-BE49-F238E27FC236}">
-                <a16:creationId xmlns:a16="http://schemas.microsoft.com/office/drawing/2014/main" id="{5CA26C35-36C9-ADDC-3107-CF1F9C4ABAD9}"/>
-              </a:ext>
-            </a:extLst>
-          </p:cNvPr>
-          <p:cNvSpPr txBox="1"/>
-          <p:nvPr/>
-        </p:nvSpPr>
-        <p:spPr>
-          <a:xfrm>
-            <a:off x="260498" y="5181600"/>
-            <a:ext cx="7588101" cy="1200329"/>
-          </a:xfrm>
-          <a:prstGeom prst="rect">
-            <a:avLst/>
-          </a:prstGeom>
-          <a:noFill/>
-        </p:spPr>
-        <p:txBody>
-          <a:bodyPr wrap="square" rtlCol="0">
-            <a:spAutoFit/>
-          </a:bodyPr>
-          <a:lstStyle/>
-          <a:p>
-            <a:r>
-              <a:rPr lang="en-US" sz="1200" dirty="0">
-                <a:latin typeface="Consolas" panose="020B0609020204030204" pitchFamily="49" charset="0"/>
-              </a:rPr>
-              <a:t>P &lt;- p +</a:t>
-            </a:r>
-          </a:p>
-          <a:p>
-            <a:r>
-              <a:rPr lang="en-US" sz="1200" dirty="0">
-                <a:latin typeface="Consolas" panose="020B0609020204030204" pitchFamily="49" charset="0"/>
-              </a:rPr>
-              <a:t> labs(</a:t>
-            </a:r>
-          </a:p>
-          <a:p>
-            <a:r>
-              <a:rPr lang="en-US" sz="1200" dirty="0">
-                <a:latin typeface="Consolas" panose="020B0609020204030204" pitchFamily="49" charset="0"/>
-              </a:rPr>
-              <a:t>    x = "Severity",</a:t>
-            </a:r>
-          </a:p>
-          <a:p>
-            <a:r>
-              <a:rPr lang="en-US" sz="1200" dirty="0">
-                <a:latin typeface="Consolas" panose="020B0609020204030204" pitchFamily="49" charset="0"/>
-              </a:rPr>
-              <a:t>    y = "Density",</a:t>
-            </a:r>
-          </a:p>
-          <a:p>
-            <a:r>
-              <a:rPr lang="en-US" sz="1200" dirty="0">
-                <a:latin typeface="Consolas" panose="020B0609020204030204" pitchFamily="49" charset="0"/>
-              </a:rPr>
-              <a:t>    title = "Fitted Severity Curve"</a:t>
-            </a:r>
-          </a:p>
-          <a:p>
-            <a:r>
-              <a:rPr lang="en-US" sz="1200" dirty="0">
-                <a:latin typeface="Consolas" panose="020B0609020204030204" pitchFamily="49" charset="0"/>
-              </a:rPr>
-              <a:t>  )</a:t>
-            </a:r>
-          </a:p>
-        </p:txBody>
-      </p:sp>
-    </p:spTree>
-    <p:extLst>
-      <p:ext uri="{BB962C8B-B14F-4D97-AF65-F5344CB8AC3E}">
-        <p14:creationId xmlns:p14="http://schemas.microsoft.com/office/powerpoint/2010/main" val="1443684485"/>
-      </p:ext>
-    </p:extLst>
-  </p:cSld>
-  <p:clrMapOvr>
-    <a:masterClrMapping/>
-  </p:clrMapOvr>
-</p:sld>
-</file>
-
-<file path=ppt/slides/slide32.xml><?xml version="1.0" encoding="utf-8"?>
-<p:sld xmlns:a="http://schemas.openxmlformats.org/drawingml/2006/main" xmlns:r="http://schemas.openxmlformats.org/officeDocument/2006/relationships" xmlns:p="http://schemas.openxmlformats.org/presentationml/2006/main">
-  <p:cSld>
-    <p:spTree>
-      <p:nvGrpSpPr>
-        <p:cNvPr id="1" name=""/>
-        <p:cNvGrpSpPr/>
-        <p:nvPr/>
-      </p:nvGrpSpPr>
-      <p:grpSpPr>
-        <a:xfrm>
-          <a:off x="0" y="0"/>
-          <a:ext cx="0" cy="0"/>
-          <a:chOff x="0" y="0"/>
-          <a:chExt cx="0" cy="0"/>
-        </a:xfrm>
-      </p:grpSpPr>
-      <p:sp>
-        <p:nvSpPr>
-          <p:cNvPr id="2" name="Title 1">
-            <a:extLst>
-              <a:ext uri="{FF2B5EF4-FFF2-40B4-BE49-F238E27FC236}">
                 <a16:creationId xmlns:a16="http://schemas.microsoft.com/office/drawing/2014/main" id="{6AA0D46C-160A-13B4-DED2-2C2A2470264C}"/>
               </a:ext>
             </a:extLst>
@@ -19140,7 +20765,7 @@
 </p:sld>
 </file>
 
-<file path=ppt/slides/slide33.xml><?xml version="1.0" encoding="utf-8"?>
+<file path=ppt/slides/slide32.xml><?xml version="1.0" encoding="utf-8"?>
 <p:sld xmlns:a="http://schemas.openxmlformats.org/drawingml/2006/main" xmlns:r="http://schemas.openxmlformats.org/officeDocument/2006/relationships" xmlns:p="http://schemas.openxmlformats.org/presentationml/2006/main">
   <p:cSld>
     <p:spTree>
@@ -19235,7 +20860,7 @@
 </p:sld>
 </file>
 
-<file path=ppt/slides/slide34.xml><?xml version="1.0" encoding="utf-8"?>
+<file path=ppt/slides/slide33.xml><?xml version="1.0" encoding="utf-8"?>
 <p:sld xmlns:a="http://schemas.openxmlformats.org/drawingml/2006/main" xmlns:r="http://schemas.openxmlformats.org/officeDocument/2006/relationships" xmlns:p="http://schemas.openxmlformats.org/presentationml/2006/main">
   <p:cSld>
     <p:spTree>
@@ -19330,7 +20955,7 @@
 </p:sld>
 </file>
 
-<file path=ppt/slides/slide35.xml><?xml version="1.0" encoding="utf-8"?>
+<file path=ppt/slides/slide34.xml><?xml version="1.0" encoding="utf-8"?>
 <p:sld xmlns:a="http://schemas.openxmlformats.org/drawingml/2006/main" xmlns:r="http://schemas.openxmlformats.org/officeDocument/2006/relationships" xmlns:p="http://schemas.openxmlformats.org/presentationml/2006/main">
   <p:cSld>
     <p:spTree>
@@ -19595,7 +21220,7 @@
           <a:p>
             <a:r>
               <a:rPr lang="en-US" dirty="0"/>
-              <a:t>Visualizations should:</a:t>
+              <a:t>Agenda</a:t>
             </a:r>
           </a:p>
         </p:txBody>
@@ -19621,32 +21246,41 @@
           <a:bodyPr/>
           <a:lstStyle/>
           <a:p>
-            <a:pPr marL="0" indent="0">
-              <a:buNone/>
-            </a:pPr>
-            <a:endParaRPr lang="en-US" sz="4000" dirty="0"/>
-          </a:p>
-          <a:p>
-            <a:r>
-              <a:rPr lang="en-US" sz="4000" b="1" dirty="0"/>
-              <a:t>Be Easily Interpreted</a:t>
-            </a:r>
-          </a:p>
-          <a:p>
-            <a:endParaRPr lang="en-US" sz="2400" b="1" dirty="0"/>
-          </a:p>
-          <a:p>
-            <a:r>
-              <a:rPr lang="en-US" sz="4000" b="1" dirty="0"/>
-              <a:t>Tell a Story</a:t>
-            </a:r>
+            <a:endParaRPr lang="en-US" sz="1600" b="1" dirty="0"/>
+          </a:p>
+          <a:p>
+            <a:r>
+              <a:rPr lang="en-US" sz="3600" b="1" dirty="0"/>
+              <a:t>Data Storytelling</a:t>
+            </a:r>
+          </a:p>
+          <a:p>
+            <a:endParaRPr lang="en-US" sz="2800" b="1" dirty="0"/>
+          </a:p>
+          <a:p>
+            <a:r>
+              <a:rPr lang="en-US" sz="3600" b="1" dirty="0"/>
+              <a:t>Actuarial Visualization</a:t>
+            </a:r>
+          </a:p>
+          <a:p>
+            <a:endParaRPr lang="en-US" sz="2800" b="1" dirty="0"/>
+          </a:p>
+          <a:p>
+            <a:r>
+              <a:rPr lang="en-US" sz="3600" b="1" dirty="0"/>
+              <a:t>Automating Actuarial Exhibits</a:t>
+            </a:r>
+          </a:p>
+          <a:p>
+            <a:endParaRPr lang="en-US" sz="3600" b="1" dirty="0"/>
           </a:p>
         </p:txBody>
       </p:sp>
     </p:spTree>
     <p:extLst>
       <p:ext uri="{BB962C8B-B14F-4D97-AF65-F5344CB8AC3E}">
-        <p14:creationId xmlns:p14="http://schemas.microsoft.com/office/powerpoint/2010/main" val="2741569399"/>
+        <p14:creationId xmlns:p14="http://schemas.microsoft.com/office/powerpoint/2010/main" val="1338125014"/>
       </p:ext>
     </p:extLst>
   </p:cSld>
@@ -19678,7 +21312,7 @@
           <p:cNvPr id="2" name="Title 1">
             <a:extLst>
               <a:ext uri="{FF2B5EF4-FFF2-40B4-BE49-F238E27FC236}">
-                <a16:creationId xmlns:a16="http://schemas.microsoft.com/office/drawing/2014/main" id="{10B17ABD-BE88-D042-5997-22F660D5947A}"/>
+                <a16:creationId xmlns:a16="http://schemas.microsoft.com/office/drawing/2014/main" id="{FB164A08-7CBF-A761-E02D-33DAFF697330}"/>
               </a:ext>
             </a:extLst>
           </p:cNvPr>
@@ -19696,17 +21330,17 @@
           <a:p>
             <a:r>
               <a:rPr lang="en-US" dirty="0"/>
-              <a:t>Agenda</a:t>
-            </a:r>
-          </a:p>
-        </p:txBody>
-      </p:sp>
-      <p:sp>
-        <p:nvSpPr>
-          <p:cNvPr id="3" name="Content Placeholder 2">
+              <a:t>Data storytelling</a:t>
+            </a:r>
+          </a:p>
+        </p:txBody>
+      </p:sp>
+      <p:sp>
+        <p:nvSpPr>
+          <p:cNvPr id="3" name="Text Placeholder 2">
             <a:extLst>
               <a:ext uri="{FF2B5EF4-FFF2-40B4-BE49-F238E27FC236}">
-                <a16:creationId xmlns:a16="http://schemas.microsoft.com/office/drawing/2014/main" id="{F33662A3-4DD5-0500-C0E1-EA5CF57A5ABC}"/>
+                <a16:creationId xmlns:a16="http://schemas.microsoft.com/office/drawing/2014/main" id="{4B1F8AE9-444E-BC75-AA22-A6E4BADDFFA8}"/>
               </a:ext>
             </a:extLst>
           </p:cNvPr>
@@ -19714,7 +21348,7 @@
             <a:spLocks noGrp="1"/>
           </p:cNvSpPr>
           <p:nvPr>
-            <p:ph idx="1"/>
+            <p:ph type="body" idx="1"/>
           </p:nvPr>
         </p:nvSpPr>
         <p:spPr/>
@@ -19722,41 +21356,14 @@
           <a:bodyPr/>
           <a:lstStyle/>
           <a:p>
-            <a:endParaRPr lang="en-US" sz="1600" b="1" dirty="0"/>
-          </a:p>
-          <a:p>
-            <a:r>
-              <a:rPr lang="en-US" sz="3600" b="1" dirty="0"/>
-              <a:t>Data Storytelling</a:t>
-            </a:r>
-          </a:p>
-          <a:p>
-            <a:endParaRPr lang="en-US" sz="2800" b="1" dirty="0"/>
-          </a:p>
-          <a:p>
-            <a:r>
-              <a:rPr lang="en-US" sz="3600" b="1" dirty="0"/>
-              <a:t>Actuarial Visualization</a:t>
-            </a:r>
-          </a:p>
-          <a:p>
-            <a:endParaRPr lang="en-US" sz="2800" b="1" dirty="0"/>
-          </a:p>
-          <a:p>
-            <a:r>
-              <a:rPr lang="en-US" sz="3600" b="1" dirty="0"/>
-              <a:t>Automating Actuarial Exhibits</a:t>
-            </a:r>
-          </a:p>
-          <a:p>
-            <a:endParaRPr lang="en-US" sz="3600" b="1" dirty="0"/>
+            <a:endParaRPr lang="en-US"/>
           </a:p>
         </p:txBody>
       </p:sp>
     </p:spTree>
     <p:extLst>
       <p:ext uri="{BB962C8B-B14F-4D97-AF65-F5344CB8AC3E}">
-        <p14:creationId xmlns:p14="http://schemas.microsoft.com/office/powerpoint/2010/main" val="1338125014"/>
+        <p14:creationId xmlns:p14="http://schemas.microsoft.com/office/powerpoint/2010/main" val="1730640791"/>
       </p:ext>
     </p:extLst>
   </p:cSld>
@@ -19806,7 +21413,7 @@
           <a:p>
             <a:r>
               <a:rPr lang="en-US" dirty="0"/>
-              <a:t>Icebreaker Examples</a:t>
+              <a:t>Visualizations should:</a:t>
             </a:r>
           </a:p>
         </p:txBody>
@@ -19835,9 +21442,21 @@
             <a:pPr marL="0" indent="0">
               <a:buNone/>
             </a:pPr>
-            <a:r>
-              <a:rPr lang="en-US" dirty="0"/>
-              <a:t>A slide or two that are difficult to interpret, then a slide or two that are easy to interpret?</a:t>
+            <a:endParaRPr lang="en-US" sz="4000" dirty="0"/>
+          </a:p>
+          <a:p>
+            <a:r>
+              <a:rPr lang="en-US" sz="4000" b="1" dirty="0"/>
+              <a:t>Be Easily Interpreted</a:t>
+            </a:r>
+          </a:p>
+          <a:p>
+            <a:endParaRPr lang="en-US" sz="2400" b="1" dirty="0"/>
+          </a:p>
+          <a:p>
+            <a:r>
+              <a:rPr lang="en-US" sz="4000" b="1" dirty="0"/>
+              <a:t>Tell a Story</a:t>
             </a:r>
           </a:p>
         </p:txBody>
@@ -19845,7 +21464,7 @@
     </p:spTree>
     <p:extLst>
       <p:ext uri="{BB962C8B-B14F-4D97-AF65-F5344CB8AC3E}">
-        <p14:creationId xmlns:p14="http://schemas.microsoft.com/office/powerpoint/2010/main" val="330312104"/>
+        <p14:creationId xmlns:p14="http://schemas.microsoft.com/office/powerpoint/2010/main" val="2741569399"/>
       </p:ext>
     </p:extLst>
   </p:cSld>
@@ -19877,7 +21496,7 @@
           <p:cNvPr id="2" name="Title 1">
             <a:extLst>
               <a:ext uri="{FF2B5EF4-FFF2-40B4-BE49-F238E27FC236}">
-                <a16:creationId xmlns:a16="http://schemas.microsoft.com/office/drawing/2014/main" id="{FB164A08-7CBF-A761-E02D-33DAFF697330}"/>
+                <a16:creationId xmlns:a16="http://schemas.microsoft.com/office/drawing/2014/main" id="{18969BF5-0288-FD7C-1739-0C8672F3D7F8}"/>
               </a:ext>
             </a:extLst>
           </p:cNvPr>
@@ -19888,47 +21507,260 @@
             <p:ph type="title"/>
           </p:nvPr>
         </p:nvSpPr>
-        <p:spPr/>
+        <p:spPr>
+          <a:xfrm>
+            <a:off x="1066800" y="274638"/>
+            <a:ext cx="7772400" cy="1143000"/>
+          </a:xfrm>
+        </p:spPr>
         <p:txBody>
           <a:bodyPr/>
           <a:lstStyle/>
           <a:p>
             <a:r>
               <a:rPr lang="en-US" dirty="0"/>
-              <a:t>Revisiting common Actuarial Exhibits</a:t>
-            </a:r>
-          </a:p>
-        </p:txBody>
-      </p:sp>
-      <p:sp>
-        <p:nvSpPr>
-          <p:cNvPr id="3" name="Text Placeholder 2">
+              <a:t>Initial Example: Fitted Severity</a:t>
+            </a:r>
+          </a:p>
+        </p:txBody>
+      </p:sp>
+      <p:pic>
+        <p:nvPicPr>
+          <p:cNvPr id="4" name="Picture 3">
             <a:extLst>
               <a:ext uri="{FF2B5EF4-FFF2-40B4-BE49-F238E27FC236}">
-                <a16:creationId xmlns:a16="http://schemas.microsoft.com/office/drawing/2014/main" id="{4B1F8AE9-444E-BC75-AA22-A6E4BADDFFA8}"/>
+                <a16:creationId xmlns:a16="http://schemas.microsoft.com/office/drawing/2014/main" id="{E725ABD2-C6D9-F502-2921-0DC1A1664FD0}"/>
               </a:ext>
             </a:extLst>
           </p:cNvPr>
-          <p:cNvSpPr>
-            <a:spLocks noGrp="1"/>
-          </p:cNvSpPr>
-          <p:nvPr>
-            <p:ph type="body" idx="1"/>
-          </p:nvPr>
-        </p:nvSpPr>
-        <p:spPr/>
-        <p:txBody>
-          <a:bodyPr/>
+          <p:cNvPicPr>
+            <a:picLocks noChangeAspect="1"/>
+          </p:cNvPicPr>
+          <p:nvPr/>
+        </p:nvPicPr>
+        <p:blipFill>
+          <a:blip r:embed="rId2" r:link="rId3" cstate="print">
+            <a:extLst>
+              <a:ext uri="{28A0092B-C50C-407E-A947-70E740481C1C}">
+                <a14:useLocalDpi xmlns:a14="http://schemas.microsoft.com/office/drawing/2010/main" val="0"/>
+              </a:ext>
+            </a:extLst>
+          </a:blip>
+          <a:srcRect/>
+          <a:stretch>
+            <a:fillRect/>
+          </a:stretch>
+        </p:blipFill>
+        <p:spPr>
+          <a:xfrm>
+            <a:off x="2971801" y="1447801"/>
+            <a:ext cx="5943597" cy="3962398"/>
+          </a:xfrm>
+          <a:prstGeom prst="rect">
+            <a:avLst/>
+          </a:prstGeom>
+        </p:spPr>
+      </p:pic>
+      <p:sp>
+        <p:nvSpPr>
+          <p:cNvPr id="5" name="TextBox 4">
+            <a:extLst>
+              <a:ext uri="{FF2B5EF4-FFF2-40B4-BE49-F238E27FC236}">
+                <a16:creationId xmlns:a16="http://schemas.microsoft.com/office/drawing/2014/main" id="{2CA6CE52-CDE9-6BD5-D02A-0B9CDE177F35}"/>
+              </a:ext>
+            </a:extLst>
+          </p:cNvPr>
+          <p:cNvSpPr txBox="1"/>
+          <p:nvPr/>
+        </p:nvSpPr>
+        <p:spPr>
+          <a:xfrm>
+            <a:off x="228601" y="2514600"/>
+            <a:ext cx="2431673" cy="1384995"/>
+          </a:xfrm>
+          <a:prstGeom prst="rect">
+            <a:avLst/>
+          </a:prstGeom>
+          <a:noFill/>
+        </p:spPr>
+        <p:txBody>
+          <a:bodyPr wrap="square" rtlCol="0">
+            <a:spAutoFit/>
+          </a:bodyPr>
           <a:lstStyle/>
           <a:p>
-            <a:endParaRPr lang="en-US"/>
+            <a:pPr algn="ctr"/>
+            <a:r>
+              <a:rPr lang="en-US" sz="2800" dirty="0">
+                <a:latin typeface="Arial" panose="020B0604020202020204" pitchFamily="34" charset="0"/>
+                <a:cs typeface="Arial" panose="020B0604020202020204" pitchFamily="34" charset="0"/>
+              </a:rPr>
+              <a:t>How can we improve upon this chart?</a:t>
+            </a:r>
+          </a:p>
+        </p:txBody>
+      </p:sp>
+      <p:sp>
+        <p:nvSpPr>
+          <p:cNvPr id="3" name="TextBox 2">
+            <a:extLst>
+              <a:ext uri="{FF2B5EF4-FFF2-40B4-BE49-F238E27FC236}">
+                <a16:creationId xmlns:a16="http://schemas.microsoft.com/office/drawing/2014/main" id="{D90ECCA0-06AB-B8AB-4B22-AA383E47AE34}"/>
+              </a:ext>
+            </a:extLst>
+          </p:cNvPr>
+          <p:cNvSpPr txBox="1"/>
+          <p:nvPr/>
+        </p:nvSpPr>
+        <p:spPr>
+          <a:xfrm>
+            <a:off x="260498" y="5181600"/>
+            <a:ext cx="7588101" cy="830997"/>
+          </a:xfrm>
+          <a:prstGeom prst="rect">
+            <a:avLst/>
+          </a:prstGeom>
+          <a:noFill/>
+        </p:spPr>
+        <p:txBody>
+          <a:bodyPr wrap="square" rtlCol="0">
+            <a:spAutoFit/>
+          </a:bodyPr>
+          <a:lstStyle/>
+          <a:p>
+            <a:r>
+              <a:rPr lang="en-US" sz="1200" dirty="0">
+                <a:latin typeface="Consolas" panose="020B0609020204030204" pitchFamily="49" charset="0"/>
+              </a:rPr>
+              <a:t>p &lt;- data |&gt;</a:t>
+            </a:r>
+          </a:p>
+          <a:p>
+            <a:r>
+              <a:rPr lang="en-US" sz="1200" dirty="0">
+                <a:latin typeface="Consolas" panose="020B0609020204030204" pitchFamily="49" charset="0"/>
+              </a:rPr>
+              <a:t>  </a:t>
+            </a:r>
+            <a:r>
+              <a:rPr lang="en-US" sz="1200" dirty="0" err="1">
+                <a:latin typeface="Consolas" panose="020B0609020204030204" pitchFamily="49" charset="0"/>
+              </a:rPr>
+              <a:t>geom_histogram</a:t>
+            </a:r>
+            <a:r>
+              <a:rPr lang="en-US" sz="1200" dirty="0">
+                <a:latin typeface="Consolas" panose="020B0609020204030204" pitchFamily="49" charset="0"/>
+              </a:rPr>
+              <a:t>(</a:t>
+            </a:r>
+            <a:r>
+              <a:rPr lang="en-US" sz="1200" dirty="0" err="1">
+                <a:latin typeface="Consolas" panose="020B0609020204030204" pitchFamily="49" charset="0"/>
+              </a:rPr>
+              <a:t>aes</a:t>
+            </a:r>
+            <a:r>
+              <a:rPr lang="en-US" sz="1200" dirty="0">
+                <a:latin typeface="Consolas" panose="020B0609020204030204" pitchFamily="49" charset="0"/>
+              </a:rPr>
+              <a:t>(x = loss, </a:t>
+            </a:r>
+            <a:r>
+              <a:rPr lang="en-US" sz="1200" dirty="0" err="1">
+                <a:latin typeface="Consolas" panose="020B0609020204030204" pitchFamily="49" charset="0"/>
+              </a:rPr>
+              <a:t>after_stat</a:t>
+            </a:r>
+            <a:r>
+              <a:rPr lang="en-US" sz="1200" dirty="0">
+                <a:latin typeface="Consolas" panose="020B0609020204030204" pitchFamily="49" charset="0"/>
+              </a:rPr>
+              <a:t>(density)) +</a:t>
+            </a:r>
+          </a:p>
+          <a:p>
+            <a:r>
+              <a:rPr lang="en-US" sz="1200" dirty="0">
+                <a:latin typeface="Consolas" panose="020B0609020204030204" pitchFamily="49" charset="0"/>
+              </a:rPr>
+              <a:t>  </a:t>
+            </a:r>
+            <a:r>
+              <a:rPr lang="en-US" sz="1200" dirty="0" err="1">
+                <a:latin typeface="Consolas" panose="020B0609020204030204" pitchFamily="49" charset="0"/>
+              </a:rPr>
+              <a:t>stat_function</a:t>
+            </a:r>
+            <a:r>
+              <a:rPr lang="en-US" sz="1200" dirty="0">
+                <a:latin typeface="Consolas" panose="020B0609020204030204" pitchFamily="49" charset="0"/>
+              </a:rPr>
+              <a:t>(fun = </a:t>
+            </a:r>
+            <a:r>
+              <a:rPr lang="en-US" sz="1200" dirty="0" err="1">
+                <a:latin typeface="Consolas" panose="020B0609020204030204" pitchFamily="49" charset="0"/>
+              </a:rPr>
+              <a:t>dlnorm</a:t>
+            </a:r>
+            <a:r>
+              <a:rPr lang="en-US" sz="1200" dirty="0">
+                <a:latin typeface="Consolas" panose="020B0609020204030204" pitchFamily="49" charset="0"/>
+              </a:rPr>
+              <a:t>,</a:t>
+            </a:r>
+          </a:p>
+          <a:p>
+            <a:r>
+              <a:rPr lang="en-US" sz="1200" dirty="0">
+                <a:latin typeface="Consolas" panose="020B0609020204030204" pitchFamily="49" charset="0"/>
+              </a:rPr>
+              <a:t>                </a:t>
+            </a:r>
+            <a:r>
+              <a:rPr lang="en-US" sz="1200" dirty="0" err="1">
+                <a:latin typeface="Consolas" panose="020B0609020204030204" pitchFamily="49" charset="0"/>
+              </a:rPr>
+              <a:t>args</a:t>
+            </a:r>
+            <a:r>
+              <a:rPr lang="en-US" sz="1200" dirty="0">
+                <a:latin typeface="Consolas" panose="020B0609020204030204" pitchFamily="49" charset="0"/>
+              </a:rPr>
+              <a:t> = list(</a:t>
+            </a:r>
+            <a:r>
+              <a:rPr lang="en-US" sz="1200" dirty="0" err="1">
+                <a:latin typeface="Consolas" panose="020B0609020204030204" pitchFamily="49" charset="0"/>
+              </a:rPr>
+              <a:t>meanlog</a:t>
+            </a:r>
+            <a:r>
+              <a:rPr lang="en-US" sz="1200" dirty="0">
+                <a:latin typeface="Consolas" panose="020B0609020204030204" pitchFamily="49" charset="0"/>
+              </a:rPr>
+              <a:t> = 10, </a:t>
+            </a:r>
+            <a:r>
+              <a:rPr lang="en-US" sz="1200" dirty="0" err="1">
+                <a:latin typeface="Consolas" panose="020B0609020204030204" pitchFamily="49" charset="0"/>
+              </a:rPr>
+              <a:t>sdlog</a:t>
+            </a:r>
+            <a:r>
+              <a:rPr lang="en-US" sz="1200" dirty="0">
+                <a:latin typeface="Consolas" panose="020B0609020204030204" pitchFamily="49" charset="0"/>
+              </a:rPr>
+              <a:t> = 1.0))</a:t>
+            </a:r>
           </a:p>
         </p:txBody>
       </p:sp>
     </p:spTree>
     <p:extLst>
       <p:ext uri="{BB962C8B-B14F-4D97-AF65-F5344CB8AC3E}">
-        <p14:creationId xmlns:p14="http://schemas.microsoft.com/office/powerpoint/2010/main" val="755335451"/>
+        <p14:creationId xmlns:p14="http://schemas.microsoft.com/office/powerpoint/2010/main" val="2647909989"/>
       </p:ext>
     </p:extLst>
   </p:cSld>
@@ -19978,59 +21810,160 @@
           <a:p>
             <a:r>
               <a:rPr lang="en-US" dirty="0"/>
-              <a:t>Common Actuarial Exhibits</a:t>
-            </a:r>
-          </a:p>
-        </p:txBody>
-      </p:sp>
-      <p:sp>
-        <p:nvSpPr>
-          <p:cNvPr id="3" name="Content Placeholder 2">
+              <a:t>Titles &amp; Renaming Variables</a:t>
+            </a:r>
+          </a:p>
+        </p:txBody>
+      </p:sp>
+      <p:pic>
+        <p:nvPicPr>
+          <p:cNvPr id="4" name="Picture 3">
             <a:extLst>
               <a:ext uri="{FF2B5EF4-FFF2-40B4-BE49-F238E27FC236}">
-                <a16:creationId xmlns:a16="http://schemas.microsoft.com/office/drawing/2014/main" id="{39176E43-0115-E50B-D268-5E00760022A7}"/>
+                <a16:creationId xmlns:a16="http://schemas.microsoft.com/office/drawing/2014/main" id="{4A0037C9-EB90-2900-D4EC-DF813BC908A7}"/>
               </a:ext>
             </a:extLst>
           </p:cNvPr>
-          <p:cNvSpPr>
-            <a:spLocks noGrp="1"/>
-          </p:cNvSpPr>
-          <p:nvPr>
-            <p:ph idx="1"/>
-          </p:nvPr>
-        </p:nvSpPr>
-        <p:spPr/>
-        <p:txBody>
-          <a:bodyPr/>
+          <p:cNvPicPr>
+            <a:picLocks noChangeAspect="1"/>
+          </p:cNvPicPr>
+          <p:nvPr/>
+        </p:nvPicPr>
+        <p:blipFill>
+          <a:blip r:embed="rId2" r:link="rId3" cstate="print">
+            <a:extLst>
+              <a:ext uri="{28A0092B-C50C-407E-A947-70E740481C1C}">
+                <a14:useLocalDpi xmlns:a14="http://schemas.microsoft.com/office/drawing/2010/main" val="0"/>
+              </a:ext>
+            </a:extLst>
+          </a:blip>
+          <a:srcRect/>
+          <a:stretch>
+            <a:fillRect/>
+          </a:stretch>
+        </p:blipFill>
+        <p:spPr>
+          <a:xfrm>
+            <a:off x="2971801" y="1447801"/>
+            <a:ext cx="5943597" cy="3962397"/>
+          </a:xfrm>
+          <a:prstGeom prst="rect">
+            <a:avLst/>
+          </a:prstGeom>
+        </p:spPr>
+      </p:pic>
+      <p:sp>
+        <p:nvSpPr>
+          <p:cNvPr id="5" name="TextBox 4">
+            <a:extLst>
+              <a:ext uri="{FF2B5EF4-FFF2-40B4-BE49-F238E27FC236}">
+                <a16:creationId xmlns:a16="http://schemas.microsoft.com/office/drawing/2014/main" id="{04AF6261-B4B1-D761-810B-AACA39E89170}"/>
+              </a:ext>
+            </a:extLst>
+          </p:cNvPr>
+          <p:cNvSpPr txBox="1"/>
+          <p:nvPr/>
+        </p:nvSpPr>
+        <p:spPr>
+          <a:xfrm>
+            <a:off x="228601" y="2514600"/>
+            <a:ext cx="2431673" cy="1815882"/>
+          </a:xfrm>
+          <a:prstGeom prst="rect">
+            <a:avLst/>
+          </a:prstGeom>
+          <a:noFill/>
+        </p:spPr>
+        <p:txBody>
+          <a:bodyPr wrap="square" rtlCol="0">
+            <a:spAutoFit/>
+          </a:bodyPr>
           <a:lstStyle/>
           <a:p>
-            <a:r>
-              <a:rPr lang="en-US" dirty="0"/>
-              <a:t>Loss Development Triangles</a:t>
-            </a:r>
-          </a:p>
-          <a:p>
-            <a:r>
-              <a:rPr lang="en-US" dirty="0"/>
-              <a:t>Trend Selection</a:t>
-            </a:r>
-          </a:p>
-          <a:p>
-            <a:r>
-              <a:rPr lang="en-US" dirty="0"/>
-              <a:t>Rate Indications</a:t>
-            </a:r>
-          </a:p>
-          <a:p>
-            <a:r>
-              <a:rPr lang="en-US" dirty="0"/>
-              <a:t>Mix Shift Exhibits</a:t>
-            </a:r>
-          </a:p>
-          <a:p>
-            <a:r>
-              <a:rPr lang="en-US" dirty="0"/>
-              <a:t>Model Diagnostics</a:t>
+            <a:pPr algn="ctr"/>
+            <a:r>
+              <a:rPr lang="en-US" sz="2800" dirty="0">
+                <a:latin typeface="Arial" panose="020B0604020202020204" pitchFamily="34" charset="0"/>
+                <a:cs typeface="Arial" panose="020B0604020202020204" pitchFamily="34" charset="0"/>
+              </a:rPr>
+              <a:t>Adding a title and variable names goes a long way.</a:t>
+            </a:r>
+          </a:p>
+        </p:txBody>
+      </p:sp>
+      <p:sp>
+        <p:nvSpPr>
+          <p:cNvPr id="3" name="TextBox 2">
+            <a:extLst>
+              <a:ext uri="{FF2B5EF4-FFF2-40B4-BE49-F238E27FC236}">
+                <a16:creationId xmlns:a16="http://schemas.microsoft.com/office/drawing/2014/main" id="{5CA26C35-36C9-ADDC-3107-CF1F9C4ABAD9}"/>
+              </a:ext>
+            </a:extLst>
+          </p:cNvPr>
+          <p:cNvSpPr txBox="1"/>
+          <p:nvPr/>
+        </p:nvSpPr>
+        <p:spPr>
+          <a:xfrm>
+            <a:off x="260498" y="5181600"/>
+            <a:ext cx="7588101" cy="1200329"/>
+          </a:xfrm>
+          <a:prstGeom prst="rect">
+            <a:avLst/>
+          </a:prstGeom>
+          <a:noFill/>
+        </p:spPr>
+        <p:txBody>
+          <a:bodyPr wrap="square" rtlCol="0">
+            <a:spAutoFit/>
+          </a:bodyPr>
+          <a:lstStyle/>
+          <a:p>
+            <a:r>
+              <a:rPr lang="en-US" sz="1200" dirty="0">
+                <a:latin typeface="Consolas" panose="020B0609020204030204" pitchFamily="49" charset="0"/>
+              </a:rPr>
+              <a:t>p &lt;- p +</a:t>
+            </a:r>
+          </a:p>
+          <a:p>
+            <a:r>
+              <a:rPr lang="en-US" sz="1200" dirty="0">
+                <a:latin typeface="Consolas" panose="020B0609020204030204" pitchFamily="49" charset="0"/>
+              </a:rPr>
+              <a:t> labs(</a:t>
+            </a:r>
+          </a:p>
+          <a:p>
+            <a:r>
+              <a:rPr lang="en-US" sz="1200" dirty="0">
+                <a:latin typeface="Consolas" panose="020B0609020204030204" pitchFamily="49" charset="0"/>
+              </a:rPr>
+              <a:t>    x = "Severity",</a:t>
+            </a:r>
+          </a:p>
+          <a:p>
+            <a:r>
+              <a:rPr lang="en-US" sz="1200" dirty="0">
+                <a:latin typeface="Consolas" panose="020B0609020204030204" pitchFamily="49" charset="0"/>
+              </a:rPr>
+              <a:t>    y = "Density",</a:t>
+            </a:r>
+          </a:p>
+          <a:p>
+            <a:r>
+              <a:rPr lang="en-US" sz="1200" dirty="0">
+                <a:latin typeface="Consolas" panose="020B0609020204030204" pitchFamily="49" charset="0"/>
+              </a:rPr>
+              <a:t>    title = "Fitted Severity Curve"</a:t>
+            </a:r>
+          </a:p>
+          <a:p>
+            <a:r>
+              <a:rPr lang="en-US" sz="1200" dirty="0">
+                <a:latin typeface="Consolas" panose="020B0609020204030204" pitchFamily="49" charset="0"/>
+              </a:rPr>
+              <a:t>  )</a:t>
             </a:r>
           </a:p>
         </p:txBody>
@@ -20038,7 +21971,7 @@
     </p:spTree>
     <p:extLst>
       <p:ext uri="{BB962C8B-B14F-4D97-AF65-F5344CB8AC3E}">
-        <p14:creationId xmlns:p14="http://schemas.microsoft.com/office/powerpoint/2010/main" val="1365436568"/>
+        <p14:creationId xmlns:p14="http://schemas.microsoft.com/office/powerpoint/2010/main" val="988489605"/>
       </p:ext>
     </p:extLst>
   </p:cSld>

--- a/Presentation Slides/Effective Data Visualization for Actuaries.pptx
+++ b/Presentation Slides/Effective Data Visualization for Actuaries.pptx
@@ -8,43 +8,35 @@
     <p:sldMasterId id="2147483701" r:id="rId4"/>
   </p:sldMasterIdLst>
   <p:notesMasterIdLst>
-    <p:notesMasterId r:id="rId39"/>
+    <p:notesMasterId r:id="rId31"/>
   </p:notesMasterIdLst>
   <p:sldIdLst>
     <p:sldId id="262" r:id="rId5"/>
     <p:sldId id="302" r:id="rId6"/>
     <p:sldId id="268" r:id="rId7"/>
     <p:sldId id="256" r:id="rId8"/>
-    <p:sldId id="294" r:id="rId9"/>
+    <p:sldId id="312" r:id="rId9"/>
     <p:sldId id="305" r:id="rId10"/>
-    <p:sldId id="265" r:id="rId11"/>
-    <p:sldId id="285" r:id="rId12"/>
-    <p:sldId id="289" r:id="rId13"/>
-    <p:sldId id="291" r:id="rId14"/>
-    <p:sldId id="292" r:id="rId15"/>
-    <p:sldId id="293" r:id="rId16"/>
-    <p:sldId id="298" r:id="rId17"/>
-    <p:sldId id="287" r:id="rId18"/>
-    <p:sldId id="288" r:id="rId19"/>
-    <p:sldId id="306" r:id="rId20"/>
-    <p:sldId id="270" r:id="rId21"/>
-    <p:sldId id="271" r:id="rId22"/>
-    <p:sldId id="272" r:id="rId23"/>
-    <p:sldId id="273" r:id="rId24"/>
-    <p:sldId id="274" r:id="rId25"/>
-    <p:sldId id="275" r:id="rId26"/>
-    <p:sldId id="276" r:id="rId27"/>
-    <p:sldId id="277" r:id="rId28"/>
-    <p:sldId id="278" r:id="rId29"/>
-    <p:sldId id="279" r:id="rId30"/>
-    <p:sldId id="280" r:id="rId31"/>
-    <p:sldId id="307" r:id="rId32"/>
-    <p:sldId id="308" r:id="rId33"/>
-    <p:sldId id="309" r:id="rId34"/>
-    <p:sldId id="267" r:id="rId35"/>
-    <p:sldId id="259" r:id="rId36"/>
-    <p:sldId id="260" r:id="rId37"/>
-    <p:sldId id="261" r:id="rId38"/>
+    <p:sldId id="311" r:id="rId11"/>
+    <p:sldId id="313" r:id="rId12"/>
+    <p:sldId id="310" r:id="rId13"/>
+    <p:sldId id="265" r:id="rId14"/>
+    <p:sldId id="306" r:id="rId15"/>
+    <p:sldId id="270" r:id="rId16"/>
+    <p:sldId id="307" r:id="rId17"/>
+    <p:sldId id="315" r:id="rId18"/>
+    <p:sldId id="285" r:id="rId19"/>
+    <p:sldId id="289" r:id="rId20"/>
+    <p:sldId id="291" r:id="rId21"/>
+    <p:sldId id="292" r:id="rId22"/>
+    <p:sldId id="293" r:id="rId23"/>
+    <p:sldId id="298" r:id="rId24"/>
+    <p:sldId id="267" r:id="rId25"/>
+    <p:sldId id="287" r:id="rId26"/>
+    <p:sldId id="288" r:id="rId27"/>
+    <p:sldId id="259" r:id="rId28"/>
+    <p:sldId id="260" r:id="rId29"/>
+    <p:sldId id="261" r:id="rId30"/>
   </p:sldIdLst>
   <p:sldSz cx="9144000" cy="6858000" type="screen4x3"/>
   <p:notesSz cx="6858000" cy="9144000"/>
@@ -182,49 +174,41 @@
             <p14:sldId id="302"/>
             <p14:sldId id="268"/>
             <p14:sldId id="256"/>
-            <p14:sldId id="294"/>
+            <p14:sldId id="312"/>
           </p14:sldIdLst>
         </p14:section>
-        <p14:section name="Data Storytelling" id="{9E53BF7F-F3E0-472D-848E-A2A63FC39D8E}">
+        <p14:section name="Seeing is Believing" id="{9E53BF7F-F3E0-472D-848E-A2A63FC39D8E}">
           <p14:sldIdLst>
             <p14:sldId id="305"/>
+            <p14:sldId id="311"/>
+            <p14:sldId id="313"/>
+            <p14:sldId id="310"/>
             <p14:sldId id="265"/>
+          </p14:sldIdLst>
+        </p14:section>
+        <p14:section name="Actuarial Visualization" id="{1D1F7FD0-8F51-4D65-9C43-759341125BBE}">
+          <p14:sldIdLst>
+            <p14:sldId id="306"/>
+            <p14:sldId id="270"/>
+          </p14:sldIdLst>
+        </p14:section>
+        <p14:section name="Automating Actuarial Exhibits" id="{A6484AB9-E4A8-43FF-974E-1A637A486DBD}">
+          <p14:sldIdLst>
+            <p14:sldId id="307"/>
+            <p14:sldId id="315"/>
             <p14:sldId id="285"/>
             <p14:sldId id="289"/>
             <p14:sldId id="291"/>
             <p14:sldId id="292"/>
             <p14:sldId id="293"/>
             <p14:sldId id="298"/>
-            <p14:sldId id="287"/>
-            <p14:sldId id="288"/>
-          </p14:sldIdLst>
-        </p14:section>
-        <p14:section name="Actuarial Visualization" id="{1D1F7FD0-8F51-4D65-9C43-759341125BBE}">
-          <p14:sldIdLst>
-            <p14:sldId id="306"/>
-            <p14:sldId id="270"/>
-            <p14:sldId id="271"/>
-            <p14:sldId id="272"/>
-            <p14:sldId id="273"/>
-            <p14:sldId id="274"/>
-            <p14:sldId id="275"/>
-            <p14:sldId id="276"/>
-            <p14:sldId id="277"/>
-            <p14:sldId id="278"/>
-            <p14:sldId id="279"/>
-            <p14:sldId id="280"/>
-          </p14:sldIdLst>
-        </p14:section>
-        <p14:section name="Automating Actuarial Exhibits" id="{A6484AB9-E4A8-43FF-974E-1A637A486DBD}">
-          <p14:sldIdLst>
-            <p14:sldId id="307"/>
-            <p14:sldId id="308"/>
-            <p14:sldId id="309"/>
           </p14:sldIdLst>
         </p14:section>
         <p14:section name="Appendix / Holding Area" id="{45D031BD-B1A8-440B-8629-295B7060D2C6}">
           <p14:sldIdLst>
             <p14:sldId id="267"/>
+            <p14:sldId id="287"/>
+            <p14:sldId id="288"/>
             <p14:sldId id="259"/>
             <p14:sldId id="260"/>
             <p14:sldId id="261"/>
@@ -262,6 +246,698 @@
     </p:ext>
   </p:extLst>
 </p:presentation>
+</file>
+
+<file path=ppt/changesInfos/changesInfo1.xml><?xml version="1.0" encoding="utf-8"?>
+<pc:chgInfo xmlns:a="http://schemas.openxmlformats.org/drawingml/2006/main" xmlns:r="http://schemas.openxmlformats.org/officeDocument/2006/relationships" xmlns:ac="http://schemas.microsoft.com/office/drawing/2013/main/command" xmlns:pc="http://schemas.microsoft.com/office/powerpoint/2013/main/command">
+  <pc:docChgLst>
+    <pc:chgData name="Bonner Jordan - Hartford-Remote-HSB" userId="e82d229e-6edb-4e20-9ecc-a487e5c63362" providerId="ADAL" clId="{76C91056-D0C8-422A-ADD5-0DC98A576341}"/>
+    <pc:docChg chg="undo custSel addSld delSld modSld sldOrd modSection">
+      <pc:chgData name="Bonner Jordan - Hartford-Remote-HSB" userId="e82d229e-6edb-4e20-9ecc-a487e5c63362" providerId="ADAL" clId="{76C91056-D0C8-422A-ADD5-0DC98A576341}" dt="2023-03-21T03:40:25.782" v="1785" actId="6549"/>
+      <pc:docMkLst>
+        <pc:docMk/>
+      </pc:docMkLst>
+      <pc:sldChg chg="ord">
+        <pc:chgData name="Bonner Jordan - Hartford-Remote-HSB" userId="e82d229e-6edb-4e20-9ecc-a487e5c63362" providerId="ADAL" clId="{76C91056-D0C8-422A-ADD5-0DC98A576341}" dt="2023-03-21T03:33:43.337" v="1295"/>
+        <pc:sldMkLst>
+          <pc:docMk/>
+          <pc:sldMk cId="265096747" sldId="259"/>
+        </pc:sldMkLst>
+      </pc:sldChg>
+      <pc:sldChg chg="modSp mod">
+        <pc:chgData name="Bonner Jordan - Hartford-Remote-HSB" userId="e82d229e-6edb-4e20-9ecc-a487e5c63362" providerId="ADAL" clId="{76C91056-D0C8-422A-ADD5-0DC98A576341}" dt="2023-03-21T02:46:40.245" v="536" actId="20578"/>
+        <pc:sldMkLst>
+          <pc:docMk/>
+          <pc:sldMk cId="2821091003" sldId="262"/>
+        </pc:sldMkLst>
+        <pc:spChg chg="mod">
+          <ac:chgData name="Bonner Jordan - Hartford-Remote-HSB" userId="e82d229e-6edb-4e20-9ecc-a487e5c63362" providerId="ADAL" clId="{76C91056-D0C8-422A-ADD5-0DC98A576341}" dt="2023-03-21T02:44:23.852" v="497" actId="6549"/>
+          <ac:spMkLst>
+            <pc:docMk/>
+            <pc:sldMk cId="2821091003" sldId="262"/>
+            <ac:spMk id="2" creationId="{E5277F28-4700-7326-7DE7-E6683E4893F1}"/>
+          </ac:spMkLst>
+        </pc:spChg>
+        <pc:spChg chg="mod">
+          <ac:chgData name="Bonner Jordan - Hartford-Remote-HSB" userId="e82d229e-6edb-4e20-9ecc-a487e5c63362" providerId="ADAL" clId="{76C91056-D0C8-422A-ADD5-0DC98A576341}" dt="2023-03-21T02:46:40.245" v="536" actId="20578"/>
+          <ac:spMkLst>
+            <pc:docMk/>
+            <pc:sldMk cId="2821091003" sldId="262"/>
+            <ac:spMk id="3" creationId="{AEA73732-7C01-D2DF-814F-02669711A8AF}"/>
+          </ac:spMkLst>
+        </pc:spChg>
+      </pc:sldChg>
+      <pc:sldChg chg="addSp delSp modSp mod ord">
+        <pc:chgData name="Bonner Jordan - Hartford-Remote-HSB" userId="e82d229e-6edb-4e20-9ecc-a487e5c63362" providerId="ADAL" clId="{76C91056-D0C8-422A-ADD5-0DC98A576341}" dt="2023-03-21T03:37:16.078" v="1664" actId="6549"/>
+        <pc:sldMkLst>
+          <pc:docMk/>
+          <pc:sldMk cId="2741569399" sldId="265"/>
+        </pc:sldMkLst>
+        <pc:spChg chg="mod">
+          <ac:chgData name="Bonner Jordan - Hartford-Remote-HSB" userId="e82d229e-6edb-4e20-9ecc-a487e5c63362" providerId="ADAL" clId="{76C91056-D0C8-422A-ADD5-0DC98A576341}" dt="2023-03-21T03:36:29.315" v="1534" actId="6549"/>
+          <ac:spMkLst>
+            <pc:docMk/>
+            <pc:sldMk cId="2741569399" sldId="265"/>
+            <ac:spMk id="2" creationId="{10B17ABD-BE88-D042-5997-22F660D5947A}"/>
+          </ac:spMkLst>
+        </pc:spChg>
+        <pc:spChg chg="mod">
+          <ac:chgData name="Bonner Jordan - Hartford-Remote-HSB" userId="e82d229e-6edb-4e20-9ecc-a487e5c63362" providerId="ADAL" clId="{76C91056-D0C8-422A-ADD5-0DC98A576341}" dt="2023-03-21T03:37:16.078" v="1664" actId="6549"/>
+          <ac:spMkLst>
+            <pc:docMk/>
+            <pc:sldMk cId="2741569399" sldId="265"/>
+            <ac:spMk id="3" creationId="{F33662A3-4DD5-0500-C0E1-EA5CF57A5ABC}"/>
+          </ac:spMkLst>
+        </pc:spChg>
+        <pc:spChg chg="add del mod">
+          <ac:chgData name="Bonner Jordan - Hartford-Remote-HSB" userId="e82d229e-6edb-4e20-9ecc-a487e5c63362" providerId="ADAL" clId="{76C91056-D0C8-422A-ADD5-0DC98A576341}" dt="2023-03-21T03:31:52.768" v="1256"/>
+          <ac:spMkLst>
+            <pc:docMk/>
+            <pc:sldMk cId="2741569399" sldId="265"/>
+            <ac:spMk id="4" creationId="{0AE70E3B-D7B7-4BDC-1C74-FBD33015CBD6}"/>
+          </ac:spMkLst>
+        </pc:spChg>
+      </pc:sldChg>
+      <pc:sldChg chg="modSp mod">
+        <pc:chgData name="Bonner Jordan - Hartford-Remote-HSB" userId="e82d229e-6edb-4e20-9ecc-a487e5c63362" providerId="ADAL" clId="{76C91056-D0C8-422A-ADD5-0DC98A576341}" dt="2023-03-21T03:35:20.235" v="1507" actId="20577"/>
+        <pc:sldMkLst>
+          <pc:docMk/>
+          <pc:sldMk cId="1361387039" sldId="270"/>
+        </pc:sldMkLst>
+        <pc:spChg chg="mod">
+          <ac:chgData name="Bonner Jordan - Hartford-Remote-HSB" userId="e82d229e-6edb-4e20-9ecc-a487e5c63362" providerId="ADAL" clId="{76C91056-D0C8-422A-ADD5-0DC98A576341}" dt="2023-03-21T03:34:53.134" v="1395" actId="20577"/>
+          <ac:spMkLst>
+            <pc:docMk/>
+            <pc:sldMk cId="1361387039" sldId="270"/>
+            <ac:spMk id="2" creationId="{18969BF5-0288-FD7C-1739-0C8672F3D7F8}"/>
+          </ac:spMkLst>
+        </pc:spChg>
+        <pc:spChg chg="mod">
+          <ac:chgData name="Bonner Jordan - Hartford-Remote-HSB" userId="e82d229e-6edb-4e20-9ecc-a487e5c63362" providerId="ADAL" clId="{76C91056-D0C8-422A-ADD5-0DC98A576341}" dt="2023-03-21T03:35:20.235" v="1507" actId="20577"/>
+          <ac:spMkLst>
+            <pc:docMk/>
+            <pc:sldMk cId="1361387039" sldId="270"/>
+            <ac:spMk id="3" creationId="{39176E43-0115-E50B-D268-5E00760022A7}"/>
+          </ac:spMkLst>
+        </pc:spChg>
+      </pc:sldChg>
+      <pc:sldChg chg="del">
+        <pc:chgData name="Bonner Jordan - Hartford-Remote-HSB" userId="e82d229e-6edb-4e20-9ecc-a487e5c63362" providerId="ADAL" clId="{76C91056-D0C8-422A-ADD5-0DC98A576341}" dt="2023-03-21T03:33:30.337" v="1289" actId="47"/>
+        <pc:sldMkLst>
+          <pc:docMk/>
+          <pc:sldMk cId="1327768489" sldId="271"/>
+        </pc:sldMkLst>
+      </pc:sldChg>
+      <pc:sldChg chg="del">
+        <pc:chgData name="Bonner Jordan - Hartford-Remote-HSB" userId="e82d229e-6edb-4e20-9ecc-a487e5c63362" providerId="ADAL" clId="{76C91056-D0C8-422A-ADD5-0DC98A576341}" dt="2023-03-21T03:33:30.337" v="1289" actId="47"/>
+        <pc:sldMkLst>
+          <pc:docMk/>
+          <pc:sldMk cId="3073307449" sldId="272"/>
+        </pc:sldMkLst>
+      </pc:sldChg>
+      <pc:sldChg chg="del">
+        <pc:chgData name="Bonner Jordan - Hartford-Remote-HSB" userId="e82d229e-6edb-4e20-9ecc-a487e5c63362" providerId="ADAL" clId="{76C91056-D0C8-422A-ADD5-0DC98A576341}" dt="2023-03-21T03:33:30.337" v="1289" actId="47"/>
+        <pc:sldMkLst>
+          <pc:docMk/>
+          <pc:sldMk cId="3391634178" sldId="273"/>
+        </pc:sldMkLst>
+      </pc:sldChg>
+      <pc:sldChg chg="del">
+        <pc:chgData name="Bonner Jordan - Hartford-Remote-HSB" userId="e82d229e-6edb-4e20-9ecc-a487e5c63362" providerId="ADAL" clId="{76C91056-D0C8-422A-ADD5-0DC98A576341}" dt="2023-03-21T03:33:30.337" v="1289" actId="47"/>
+        <pc:sldMkLst>
+          <pc:docMk/>
+          <pc:sldMk cId="1725768834" sldId="274"/>
+        </pc:sldMkLst>
+      </pc:sldChg>
+      <pc:sldChg chg="del">
+        <pc:chgData name="Bonner Jordan - Hartford-Remote-HSB" userId="e82d229e-6edb-4e20-9ecc-a487e5c63362" providerId="ADAL" clId="{76C91056-D0C8-422A-ADD5-0DC98A576341}" dt="2023-03-21T03:33:30.337" v="1289" actId="47"/>
+        <pc:sldMkLst>
+          <pc:docMk/>
+          <pc:sldMk cId="3486625981" sldId="275"/>
+        </pc:sldMkLst>
+      </pc:sldChg>
+      <pc:sldChg chg="del">
+        <pc:chgData name="Bonner Jordan - Hartford-Remote-HSB" userId="e82d229e-6edb-4e20-9ecc-a487e5c63362" providerId="ADAL" clId="{76C91056-D0C8-422A-ADD5-0DC98A576341}" dt="2023-03-21T03:33:30.337" v="1289" actId="47"/>
+        <pc:sldMkLst>
+          <pc:docMk/>
+          <pc:sldMk cId="3189205658" sldId="276"/>
+        </pc:sldMkLst>
+      </pc:sldChg>
+      <pc:sldChg chg="del">
+        <pc:chgData name="Bonner Jordan - Hartford-Remote-HSB" userId="e82d229e-6edb-4e20-9ecc-a487e5c63362" providerId="ADAL" clId="{76C91056-D0C8-422A-ADD5-0DC98A576341}" dt="2023-03-21T03:33:30.337" v="1289" actId="47"/>
+        <pc:sldMkLst>
+          <pc:docMk/>
+          <pc:sldMk cId="1261869704" sldId="277"/>
+        </pc:sldMkLst>
+      </pc:sldChg>
+      <pc:sldChg chg="del">
+        <pc:chgData name="Bonner Jordan - Hartford-Remote-HSB" userId="e82d229e-6edb-4e20-9ecc-a487e5c63362" providerId="ADAL" clId="{76C91056-D0C8-422A-ADD5-0DC98A576341}" dt="2023-03-21T03:33:30.337" v="1289" actId="47"/>
+        <pc:sldMkLst>
+          <pc:docMk/>
+          <pc:sldMk cId="556224051" sldId="278"/>
+        </pc:sldMkLst>
+      </pc:sldChg>
+      <pc:sldChg chg="del">
+        <pc:chgData name="Bonner Jordan - Hartford-Remote-HSB" userId="e82d229e-6edb-4e20-9ecc-a487e5c63362" providerId="ADAL" clId="{76C91056-D0C8-422A-ADD5-0DC98A576341}" dt="2023-03-21T03:33:30.337" v="1289" actId="47"/>
+        <pc:sldMkLst>
+          <pc:docMk/>
+          <pc:sldMk cId="438820422" sldId="279"/>
+        </pc:sldMkLst>
+      </pc:sldChg>
+      <pc:sldChg chg="del">
+        <pc:chgData name="Bonner Jordan - Hartford-Remote-HSB" userId="e82d229e-6edb-4e20-9ecc-a487e5c63362" providerId="ADAL" clId="{76C91056-D0C8-422A-ADD5-0DC98A576341}" dt="2023-03-21T03:35:22.021" v="1508" actId="47"/>
+        <pc:sldMkLst>
+          <pc:docMk/>
+          <pc:sldMk cId="2283096306" sldId="280"/>
+        </pc:sldMkLst>
+      </pc:sldChg>
+      <pc:sldChg chg="add">
+        <pc:chgData name="Bonner Jordan - Hartford-Remote-HSB" userId="e82d229e-6edb-4e20-9ecc-a487e5c63362" providerId="ADAL" clId="{76C91056-D0C8-422A-ADD5-0DC98A576341}" dt="2023-03-21T03:34:27.973" v="1349"/>
+        <pc:sldMkLst>
+          <pc:docMk/>
+          <pc:sldMk cId="242713576" sldId="285"/>
+        </pc:sldMkLst>
+      </pc:sldChg>
+      <pc:sldChg chg="add del">
+        <pc:chgData name="Bonner Jordan - Hartford-Remote-HSB" userId="e82d229e-6edb-4e20-9ecc-a487e5c63362" providerId="ADAL" clId="{76C91056-D0C8-422A-ADD5-0DC98A576341}" dt="2023-03-21T03:34:26.249" v="1348" actId="2696"/>
+        <pc:sldMkLst>
+          <pc:docMk/>
+          <pc:sldMk cId="2012322428" sldId="285"/>
+        </pc:sldMkLst>
+      </pc:sldChg>
+      <pc:sldChg chg="add del">
+        <pc:chgData name="Bonner Jordan - Hartford-Remote-HSB" userId="e82d229e-6edb-4e20-9ecc-a487e5c63362" providerId="ADAL" clId="{76C91056-D0C8-422A-ADD5-0DC98A576341}" dt="2023-03-21T03:33:38.378" v="1292"/>
+        <pc:sldMkLst>
+          <pc:docMk/>
+          <pc:sldMk cId="2426362170" sldId="285"/>
+        </pc:sldMkLst>
+      </pc:sldChg>
+      <pc:sldChg chg="del">
+        <pc:chgData name="Bonner Jordan - Hartford-Remote-HSB" userId="e82d229e-6edb-4e20-9ecc-a487e5c63362" providerId="ADAL" clId="{76C91056-D0C8-422A-ADD5-0DC98A576341}" dt="2023-03-21T03:33:35.806" v="1290" actId="2696"/>
+        <pc:sldMkLst>
+          <pc:docMk/>
+          <pc:sldMk cId="2647909989" sldId="285"/>
+        </pc:sldMkLst>
+      </pc:sldChg>
+      <pc:sldChg chg="add del">
+        <pc:chgData name="Bonner Jordan - Hartford-Remote-HSB" userId="e82d229e-6edb-4e20-9ecc-a487e5c63362" providerId="ADAL" clId="{76C91056-D0C8-422A-ADD5-0DC98A576341}" dt="2023-03-21T03:33:38.378" v="1292"/>
+        <pc:sldMkLst>
+          <pc:docMk/>
+          <pc:sldMk cId="454636137" sldId="287"/>
+        </pc:sldMkLst>
+      </pc:sldChg>
+      <pc:sldChg chg="del">
+        <pc:chgData name="Bonner Jordan - Hartford-Remote-HSB" userId="e82d229e-6edb-4e20-9ecc-a487e5c63362" providerId="ADAL" clId="{76C91056-D0C8-422A-ADD5-0DC98A576341}" dt="2023-03-21T03:33:35.806" v="1290" actId="2696"/>
+        <pc:sldMkLst>
+          <pc:docMk/>
+          <pc:sldMk cId="913523918" sldId="287"/>
+        </pc:sldMkLst>
+      </pc:sldChg>
+      <pc:sldChg chg="add">
+        <pc:chgData name="Bonner Jordan - Hartford-Remote-HSB" userId="e82d229e-6edb-4e20-9ecc-a487e5c63362" providerId="ADAL" clId="{76C91056-D0C8-422A-ADD5-0DC98A576341}" dt="2023-03-21T03:33:39.494" v="1293"/>
+        <pc:sldMkLst>
+          <pc:docMk/>
+          <pc:sldMk cId="2213372705" sldId="287"/>
+        </pc:sldMkLst>
+      </pc:sldChg>
+      <pc:sldChg chg="add del">
+        <pc:chgData name="Bonner Jordan - Hartford-Remote-HSB" userId="e82d229e-6edb-4e20-9ecc-a487e5c63362" providerId="ADAL" clId="{76C91056-D0C8-422A-ADD5-0DC98A576341}" dt="2023-03-21T03:33:38.378" v="1292"/>
+        <pc:sldMkLst>
+          <pc:docMk/>
+          <pc:sldMk cId="1794281243" sldId="288"/>
+        </pc:sldMkLst>
+      </pc:sldChg>
+      <pc:sldChg chg="del">
+        <pc:chgData name="Bonner Jordan - Hartford-Remote-HSB" userId="e82d229e-6edb-4e20-9ecc-a487e5c63362" providerId="ADAL" clId="{76C91056-D0C8-422A-ADD5-0DC98A576341}" dt="2023-03-21T03:33:35.806" v="1290" actId="2696"/>
+        <pc:sldMkLst>
+          <pc:docMk/>
+          <pc:sldMk cId="2704861902" sldId="288"/>
+        </pc:sldMkLst>
+      </pc:sldChg>
+      <pc:sldChg chg="add">
+        <pc:chgData name="Bonner Jordan - Hartford-Remote-HSB" userId="e82d229e-6edb-4e20-9ecc-a487e5c63362" providerId="ADAL" clId="{76C91056-D0C8-422A-ADD5-0DC98A576341}" dt="2023-03-21T03:33:39.494" v="1293"/>
+        <pc:sldMkLst>
+          <pc:docMk/>
+          <pc:sldMk cId="3281653546" sldId="288"/>
+        </pc:sldMkLst>
+      </pc:sldChg>
+      <pc:sldChg chg="add del">
+        <pc:chgData name="Bonner Jordan - Hartford-Remote-HSB" userId="e82d229e-6edb-4e20-9ecc-a487e5c63362" providerId="ADAL" clId="{76C91056-D0C8-422A-ADD5-0DC98A576341}" dt="2023-03-21T03:33:38.378" v="1292"/>
+        <pc:sldMkLst>
+          <pc:docMk/>
+          <pc:sldMk cId="263049790" sldId="289"/>
+        </pc:sldMkLst>
+      </pc:sldChg>
+      <pc:sldChg chg="add del">
+        <pc:chgData name="Bonner Jordan - Hartford-Remote-HSB" userId="e82d229e-6edb-4e20-9ecc-a487e5c63362" providerId="ADAL" clId="{76C91056-D0C8-422A-ADD5-0DC98A576341}" dt="2023-03-21T03:34:26.249" v="1348" actId="2696"/>
+        <pc:sldMkLst>
+          <pc:docMk/>
+          <pc:sldMk cId="658999671" sldId="289"/>
+        </pc:sldMkLst>
+      </pc:sldChg>
+      <pc:sldChg chg="del">
+        <pc:chgData name="Bonner Jordan - Hartford-Remote-HSB" userId="e82d229e-6edb-4e20-9ecc-a487e5c63362" providerId="ADAL" clId="{76C91056-D0C8-422A-ADD5-0DC98A576341}" dt="2023-03-21T03:33:35.806" v="1290" actId="2696"/>
+        <pc:sldMkLst>
+          <pc:docMk/>
+          <pc:sldMk cId="988489605" sldId="289"/>
+        </pc:sldMkLst>
+      </pc:sldChg>
+      <pc:sldChg chg="add">
+        <pc:chgData name="Bonner Jordan - Hartford-Remote-HSB" userId="e82d229e-6edb-4e20-9ecc-a487e5c63362" providerId="ADAL" clId="{76C91056-D0C8-422A-ADD5-0DC98A576341}" dt="2023-03-21T03:34:27.973" v="1349"/>
+        <pc:sldMkLst>
+          <pc:docMk/>
+          <pc:sldMk cId="3062277275" sldId="289"/>
+        </pc:sldMkLst>
+      </pc:sldChg>
+      <pc:sldChg chg="add del">
+        <pc:chgData name="Bonner Jordan - Hartford-Remote-HSB" userId="e82d229e-6edb-4e20-9ecc-a487e5c63362" providerId="ADAL" clId="{76C91056-D0C8-422A-ADD5-0DC98A576341}" dt="2023-03-21T03:33:38.378" v="1292"/>
+        <pc:sldMkLst>
+          <pc:docMk/>
+          <pc:sldMk cId="299977470" sldId="291"/>
+        </pc:sldMkLst>
+      </pc:sldChg>
+      <pc:sldChg chg="del">
+        <pc:chgData name="Bonner Jordan - Hartford-Remote-HSB" userId="e82d229e-6edb-4e20-9ecc-a487e5c63362" providerId="ADAL" clId="{76C91056-D0C8-422A-ADD5-0DC98A576341}" dt="2023-03-21T03:33:35.806" v="1290" actId="2696"/>
+        <pc:sldMkLst>
+          <pc:docMk/>
+          <pc:sldMk cId="2638840873" sldId="291"/>
+        </pc:sldMkLst>
+      </pc:sldChg>
+      <pc:sldChg chg="add">
+        <pc:chgData name="Bonner Jordan - Hartford-Remote-HSB" userId="e82d229e-6edb-4e20-9ecc-a487e5c63362" providerId="ADAL" clId="{76C91056-D0C8-422A-ADD5-0DC98A576341}" dt="2023-03-21T03:34:27.973" v="1349"/>
+        <pc:sldMkLst>
+          <pc:docMk/>
+          <pc:sldMk cId="3691874486" sldId="291"/>
+        </pc:sldMkLst>
+      </pc:sldChg>
+      <pc:sldChg chg="add del">
+        <pc:chgData name="Bonner Jordan - Hartford-Remote-HSB" userId="e82d229e-6edb-4e20-9ecc-a487e5c63362" providerId="ADAL" clId="{76C91056-D0C8-422A-ADD5-0DC98A576341}" dt="2023-03-21T03:34:26.249" v="1348" actId="2696"/>
+        <pc:sldMkLst>
+          <pc:docMk/>
+          <pc:sldMk cId="4239971112" sldId="291"/>
+        </pc:sldMkLst>
+      </pc:sldChg>
+      <pc:sldChg chg="add">
+        <pc:chgData name="Bonner Jordan - Hartford-Remote-HSB" userId="e82d229e-6edb-4e20-9ecc-a487e5c63362" providerId="ADAL" clId="{76C91056-D0C8-422A-ADD5-0DC98A576341}" dt="2023-03-21T03:34:27.973" v="1349"/>
+        <pc:sldMkLst>
+          <pc:docMk/>
+          <pc:sldMk cId="461692928" sldId="292"/>
+        </pc:sldMkLst>
+      </pc:sldChg>
+      <pc:sldChg chg="del">
+        <pc:chgData name="Bonner Jordan - Hartford-Remote-HSB" userId="e82d229e-6edb-4e20-9ecc-a487e5c63362" providerId="ADAL" clId="{76C91056-D0C8-422A-ADD5-0DC98A576341}" dt="2023-03-21T03:33:35.806" v="1290" actId="2696"/>
+        <pc:sldMkLst>
+          <pc:docMk/>
+          <pc:sldMk cId="2160455300" sldId="292"/>
+        </pc:sldMkLst>
+      </pc:sldChg>
+      <pc:sldChg chg="add del">
+        <pc:chgData name="Bonner Jordan - Hartford-Remote-HSB" userId="e82d229e-6edb-4e20-9ecc-a487e5c63362" providerId="ADAL" clId="{76C91056-D0C8-422A-ADD5-0DC98A576341}" dt="2023-03-21T03:34:26.249" v="1348" actId="2696"/>
+        <pc:sldMkLst>
+          <pc:docMk/>
+          <pc:sldMk cId="2519191088" sldId="292"/>
+        </pc:sldMkLst>
+      </pc:sldChg>
+      <pc:sldChg chg="add del">
+        <pc:chgData name="Bonner Jordan - Hartford-Remote-HSB" userId="e82d229e-6edb-4e20-9ecc-a487e5c63362" providerId="ADAL" clId="{76C91056-D0C8-422A-ADD5-0DC98A576341}" dt="2023-03-21T03:33:38.378" v="1292"/>
+        <pc:sldMkLst>
+          <pc:docMk/>
+          <pc:sldMk cId="2588068781" sldId="292"/>
+        </pc:sldMkLst>
+      </pc:sldChg>
+      <pc:sldChg chg="add">
+        <pc:chgData name="Bonner Jordan - Hartford-Remote-HSB" userId="e82d229e-6edb-4e20-9ecc-a487e5c63362" providerId="ADAL" clId="{76C91056-D0C8-422A-ADD5-0DC98A576341}" dt="2023-03-21T03:34:27.973" v="1349"/>
+        <pc:sldMkLst>
+          <pc:docMk/>
+          <pc:sldMk cId="2201045" sldId="293"/>
+        </pc:sldMkLst>
+      </pc:sldChg>
+      <pc:sldChg chg="del">
+        <pc:chgData name="Bonner Jordan - Hartford-Remote-HSB" userId="e82d229e-6edb-4e20-9ecc-a487e5c63362" providerId="ADAL" clId="{76C91056-D0C8-422A-ADD5-0DC98A576341}" dt="2023-03-21T03:33:35.806" v="1290" actId="2696"/>
+        <pc:sldMkLst>
+          <pc:docMk/>
+          <pc:sldMk cId="1159549392" sldId="293"/>
+        </pc:sldMkLst>
+      </pc:sldChg>
+      <pc:sldChg chg="add del">
+        <pc:chgData name="Bonner Jordan - Hartford-Remote-HSB" userId="e82d229e-6edb-4e20-9ecc-a487e5c63362" providerId="ADAL" clId="{76C91056-D0C8-422A-ADD5-0DC98A576341}" dt="2023-03-21T03:33:38.378" v="1292"/>
+        <pc:sldMkLst>
+          <pc:docMk/>
+          <pc:sldMk cId="3112197241" sldId="293"/>
+        </pc:sldMkLst>
+      </pc:sldChg>
+      <pc:sldChg chg="add del">
+        <pc:chgData name="Bonner Jordan - Hartford-Remote-HSB" userId="e82d229e-6edb-4e20-9ecc-a487e5c63362" providerId="ADAL" clId="{76C91056-D0C8-422A-ADD5-0DC98A576341}" dt="2023-03-21T03:34:26.249" v="1348" actId="2696"/>
+        <pc:sldMkLst>
+          <pc:docMk/>
+          <pc:sldMk cId="3991368765" sldId="293"/>
+        </pc:sldMkLst>
+      </pc:sldChg>
+      <pc:sldChg chg="addSp modSp del mod">
+        <pc:chgData name="Bonner Jordan - Hartford-Remote-HSB" userId="e82d229e-6edb-4e20-9ecc-a487e5c63362" providerId="ADAL" clId="{76C91056-D0C8-422A-ADD5-0DC98A576341}" dt="2023-03-21T03:22:32.953" v="787" actId="47"/>
+        <pc:sldMkLst>
+          <pc:docMk/>
+          <pc:sldMk cId="1338125014" sldId="294"/>
+        </pc:sldMkLst>
+        <pc:spChg chg="mod">
+          <ac:chgData name="Bonner Jordan - Hartford-Remote-HSB" userId="e82d229e-6edb-4e20-9ecc-a487e5c63362" providerId="ADAL" clId="{76C91056-D0C8-422A-ADD5-0DC98A576341}" dt="2023-03-21T02:59:17.102" v="564" actId="20577"/>
+          <ac:spMkLst>
+            <pc:docMk/>
+            <pc:sldMk cId="1338125014" sldId="294"/>
+            <ac:spMk id="2" creationId="{10B17ABD-BE88-D042-5997-22F660D5947A}"/>
+          </ac:spMkLst>
+        </pc:spChg>
+        <pc:spChg chg="mod">
+          <ac:chgData name="Bonner Jordan - Hartford-Remote-HSB" userId="e82d229e-6edb-4e20-9ecc-a487e5c63362" providerId="ADAL" clId="{76C91056-D0C8-422A-ADD5-0DC98A576341}" dt="2023-03-21T03:06:51.591" v="682" actId="6549"/>
+          <ac:spMkLst>
+            <pc:docMk/>
+            <pc:sldMk cId="1338125014" sldId="294"/>
+            <ac:spMk id="3" creationId="{F33662A3-4DD5-0500-C0E1-EA5CF57A5ABC}"/>
+          </ac:spMkLst>
+        </pc:spChg>
+        <pc:spChg chg="add mod">
+          <ac:chgData name="Bonner Jordan - Hartford-Remote-HSB" userId="e82d229e-6edb-4e20-9ecc-a487e5c63362" providerId="ADAL" clId="{76C91056-D0C8-422A-ADD5-0DC98A576341}" dt="2023-03-21T02:59:11.027" v="538"/>
+          <ac:spMkLst>
+            <pc:docMk/>
+            <pc:sldMk cId="1338125014" sldId="294"/>
+            <ac:spMk id="4" creationId="{02CCBA00-1209-953A-A397-68C60808AC83}"/>
+          </ac:spMkLst>
+        </pc:spChg>
+      </pc:sldChg>
+      <pc:sldChg chg="add del">
+        <pc:chgData name="Bonner Jordan - Hartford-Remote-HSB" userId="e82d229e-6edb-4e20-9ecc-a487e5c63362" providerId="ADAL" clId="{76C91056-D0C8-422A-ADD5-0DC98A576341}" dt="2023-03-21T03:33:38.378" v="1292"/>
+        <pc:sldMkLst>
+          <pc:docMk/>
+          <pc:sldMk cId="603536438" sldId="298"/>
+        </pc:sldMkLst>
+      </pc:sldChg>
+      <pc:sldChg chg="add">
+        <pc:chgData name="Bonner Jordan - Hartford-Remote-HSB" userId="e82d229e-6edb-4e20-9ecc-a487e5c63362" providerId="ADAL" clId="{76C91056-D0C8-422A-ADD5-0DC98A576341}" dt="2023-03-21T03:34:27.973" v="1349"/>
+        <pc:sldMkLst>
+          <pc:docMk/>
+          <pc:sldMk cId="1486282927" sldId="298"/>
+        </pc:sldMkLst>
+      </pc:sldChg>
+      <pc:sldChg chg="add del">
+        <pc:chgData name="Bonner Jordan - Hartford-Remote-HSB" userId="e82d229e-6edb-4e20-9ecc-a487e5c63362" providerId="ADAL" clId="{76C91056-D0C8-422A-ADD5-0DC98A576341}" dt="2023-03-21T03:34:26.249" v="1348" actId="2696"/>
+        <pc:sldMkLst>
+          <pc:docMk/>
+          <pc:sldMk cId="2094685718" sldId="298"/>
+        </pc:sldMkLst>
+      </pc:sldChg>
+      <pc:sldChg chg="del">
+        <pc:chgData name="Bonner Jordan - Hartford-Remote-HSB" userId="e82d229e-6edb-4e20-9ecc-a487e5c63362" providerId="ADAL" clId="{76C91056-D0C8-422A-ADD5-0DC98A576341}" dt="2023-03-21T03:33:35.806" v="1290" actId="2696"/>
+        <pc:sldMkLst>
+          <pc:docMk/>
+          <pc:sldMk cId="2628500775" sldId="298"/>
+        </pc:sldMkLst>
+      </pc:sldChg>
+      <pc:sldChg chg="modSp mod">
+        <pc:chgData name="Bonner Jordan - Hartford-Remote-HSB" userId="e82d229e-6edb-4e20-9ecc-a487e5c63362" providerId="ADAL" clId="{76C91056-D0C8-422A-ADD5-0DC98A576341}" dt="2023-03-21T03:25:59.583" v="837" actId="20577"/>
+        <pc:sldMkLst>
+          <pc:docMk/>
+          <pc:sldMk cId="1730640791" sldId="305"/>
+        </pc:sldMkLst>
+        <pc:spChg chg="mod">
+          <ac:chgData name="Bonner Jordan - Hartford-Remote-HSB" userId="e82d229e-6edb-4e20-9ecc-a487e5c63362" providerId="ADAL" clId="{76C91056-D0C8-422A-ADD5-0DC98A576341}" dt="2023-03-21T03:25:59.583" v="837" actId="20577"/>
+          <ac:spMkLst>
+            <pc:docMk/>
+            <pc:sldMk cId="1730640791" sldId="305"/>
+            <ac:spMk id="2" creationId="{FB164A08-7CBF-A761-E02D-33DAFF697330}"/>
+          </ac:spMkLst>
+        </pc:spChg>
+      </pc:sldChg>
+      <pc:sldChg chg="modSp mod">
+        <pc:chgData name="Bonner Jordan - Hartford-Remote-HSB" userId="e82d229e-6edb-4e20-9ecc-a487e5c63362" providerId="ADAL" clId="{76C91056-D0C8-422A-ADD5-0DC98A576341}" dt="2023-03-21T03:33:56.901" v="1314" actId="20577"/>
+        <pc:sldMkLst>
+          <pc:docMk/>
+          <pc:sldMk cId="1394516605" sldId="306"/>
+        </pc:sldMkLst>
+        <pc:spChg chg="mod">
+          <ac:chgData name="Bonner Jordan - Hartford-Remote-HSB" userId="e82d229e-6edb-4e20-9ecc-a487e5c63362" providerId="ADAL" clId="{76C91056-D0C8-422A-ADD5-0DC98A576341}" dt="2023-03-21T03:33:56.901" v="1314" actId="20577"/>
+          <ac:spMkLst>
+            <pc:docMk/>
+            <pc:sldMk cId="1394516605" sldId="306"/>
+            <ac:spMk id="2" creationId="{FB164A08-7CBF-A761-E02D-33DAFF697330}"/>
+          </ac:spMkLst>
+        </pc:spChg>
+      </pc:sldChg>
+      <pc:sldChg chg="modSp add del mod">
+        <pc:chgData name="Bonner Jordan - Hartford-Remote-HSB" userId="e82d229e-6edb-4e20-9ecc-a487e5c63362" providerId="ADAL" clId="{76C91056-D0C8-422A-ADD5-0DC98A576341}" dt="2023-03-21T03:34:08.701" v="1344" actId="20577"/>
+        <pc:sldMkLst>
+          <pc:docMk/>
+          <pc:sldMk cId="2737078565" sldId="307"/>
+        </pc:sldMkLst>
+        <pc:spChg chg="mod">
+          <ac:chgData name="Bonner Jordan - Hartford-Remote-HSB" userId="e82d229e-6edb-4e20-9ecc-a487e5c63362" providerId="ADAL" clId="{76C91056-D0C8-422A-ADD5-0DC98A576341}" dt="2023-03-21T03:34:08.701" v="1344" actId="20577"/>
+          <ac:spMkLst>
+            <pc:docMk/>
+            <pc:sldMk cId="2737078565" sldId="307"/>
+            <ac:spMk id="2" creationId="{FB164A08-7CBF-A761-E02D-33DAFF697330}"/>
+          </ac:spMkLst>
+        </pc:spChg>
+      </pc:sldChg>
+      <pc:sldChg chg="add del">
+        <pc:chgData name="Bonner Jordan - Hartford-Remote-HSB" userId="e82d229e-6edb-4e20-9ecc-a487e5c63362" providerId="ADAL" clId="{76C91056-D0C8-422A-ADD5-0DC98A576341}" dt="2023-03-21T03:34:10.392" v="1345" actId="47"/>
+        <pc:sldMkLst>
+          <pc:docMk/>
+          <pc:sldMk cId="1063751267" sldId="308"/>
+        </pc:sldMkLst>
+      </pc:sldChg>
+      <pc:sldChg chg="add del">
+        <pc:chgData name="Bonner Jordan - Hartford-Remote-HSB" userId="e82d229e-6edb-4e20-9ecc-a487e5c63362" providerId="ADAL" clId="{76C91056-D0C8-422A-ADD5-0DC98A576341}" dt="2023-03-21T03:34:13.752" v="1347" actId="47"/>
+        <pc:sldMkLst>
+          <pc:docMk/>
+          <pc:sldMk cId="752149674" sldId="309"/>
+        </pc:sldMkLst>
+      </pc:sldChg>
+      <pc:sldChg chg="addSp delSp modSp add del mod">
+        <pc:chgData name="Bonner Jordan - Hartford-Remote-HSB" userId="e82d229e-6edb-4e20-9ecc-a487e5c63362" providerId="ADAL" clId="{76C91056-D0C8-422A-ADD5-0DC98A576341}" dt="2023-03-21T03:26:10.462" v="838" actId="2696"/>
+        <pc:sldMkLst>
+          <pc:docMk/>
+          <pc:sldMk cId="1489063399" sldId="310"/>
+        </pc:sldMkLst>
+        <pc:spChg chg="mod">
+          <ac:chgData name="Bonner Jordan - Hartford-Remote-HSB" userId="e82d229e-6edb-4e20-9ecc-a487e5c63362" providerId="ADAL" clId="{76C91056-D0C8-422A-ADD5-0DC98A576341}" dt="2023-03-21T02:07:20.749" v="20" actId="20577"/>
+          <ac:spMkLst>
+            <pc:docMk/>
+            <pc:sldMk cId="1489063399" sldId="310"/>
+            <ac:spMk id="2" creationId="{18969BF5-0288-FD7C-1739-0C8672F3D7F8}"/>
+          </ac:spMkLst>
+        </pc:spChg>
+        <pc:picChg chg="del mod ord modCrop">
+          <ac:chgData name="Bonner Jordan - Hartford-Remote-HSB" userId="e82d229e-6edb-4e20-9ecc-a487e5c63362" providerId="ADAL" clId="{76C91056-D0C8-422A-ADD5-0DC98A576341}" dt="2023-03-21T02:12:03.691" v="40" actId="478"/>
+          <ac:picMkLst>
+            <pc:docMk/>
+            <pc:sldMk cId="1489063399" sldId="310"/>
+            <ac:picMk id="3" creationId="{A7EF95ED-D8F3-6D8A-77DF-8B91594C2B97}"/>
+          </ac:picMkLst>
+        </pc:picChg>
+        <pc:picChg chg="add del">
+          <ac:chgData name="Bonner Jordan - Hartford-Remote-HSB" userId="e82d229e-6edb-4e20-9ecc-a487e5c63362" providerId="ADAL" clId="{76C91056-D0C8-422A-ADD5-0DC98A576341}" dt="2023-03-21T02:12:02.954" v="39" actId="478"/>
+          <ac:picMkLst>
+            <pc:docMk/>
+            <pc:sldMk cId="1489063399" sldId="310"/>
+            <ac:picMk id="4" creationId="{35A15A2C-7BB7-79EE-7A3D-CE3027FF7297}"/>
+          </ac:picMkLst>
+        </pc:picChg>
+        <pc:picChg chg="add mod">
+          <ac:chgData name="Bonner Jordan - Hartford-Remote-HSB" userId="e82d229e-6edb-4e20-9ecc-a487e5c63362" providerId="ADAL" clId="{76C91056-D0C8-422A-ADD5-0DC98A576341}" dt="2023-03-21T02:14:55.229" v="67" actId="1076"/>
+          <ac:picMkLst>
+            <pc:docMk/>
+            <pc:sldMk cId="1489063399" sldId="310"/>
+            <ac:picMk id="5" creationId="{A1D04C52-BC0A-838E-54F5-E8696FD6985E}"/>
+          </ac:picMkLst>
+        </pc:picChg>
+        <pc:picChg chg="add mod">
+          <ac:chgData name="Bonner Jordan - Hartford-Remote-HSB" userId="e82d229e-6edb-4e20-9ecc-a487e5c63362" providerId="ADAL" clId="{76C91056-D0C8-422A-ADD5-0DC98A576341}" dt="2023-03-21T02:15:26.913" v="73" actId="1076"/>
+          <ac:picMkLst>
+            <pc:docMk/>
+            <pc:sldMk cId="1489063399" sldId="310"/>
+            <ac:picMk id="6" creationId="{CE698ADA-9C8C-7B61-3790-8F932AD3F29C}"/>
+          </ac:picMkLst>
+        </pc:picChg>
+      </pc:sldChg>
+      <pc:sldChg chg="addSp modSp add mod">
+        <pc:chgData name="Bonner Jordan - Hartford-Remote-HSB" userId="e82d229e-6edb-4e20-9ecc-a487e5c63362" providerId="ADAL" clId="{76C91056-D0C8-422A-ADD5-0DC98A576341}" dt="2023-03-21T03:32:49.829" v="1286" actId="20577"/>
+        <pc:sldMkLst>
+          <pc:docMk/>
+          <pc:sldMk cId="2130879661" sldId="310"/>
+        </pc:sldMkLst>
+        <pc:spChg chg="mod">
+          <ac:chgData name="Bonner Jordan - Hartford-Remote-HSB" userId="e82d229e-6edb-4e20-9ecc-a487e5c63362" providerId="ADAL" clId="{76C91056-D0C8-422A-ADD5-0DC98A576341}" dt="2023-03-21T03:32:49.829" v="1286" actId="20577"/>
+          <ac:spMkLst>
+            <pc:docMk/>
+            <pc:sldMk cId="2130879661" sldId="310"/>
+            <ac:spMk id="2" creationId="{18969BF5-0288-FD7C-1739-0C8672F3D7F8}"/>
+          </ac:spMkLst>
+        </pc:spChg>
+        <pc:spChg chg="add mod">
+          <ac:chgData name="Bonner Jordan - Hartford-Remote-HSB" userId="e82d229e-6edb-4e20-9ecc-a487e5c63362" providerId="ADAL" clId="{76C91056-D0C8-422A-ADD5-0DC98A576341}" dt="2023-03-21T03:32:15.478" v="1264" actId="1076"/>
+          <ac:spMkLst>
+            <pc:docMk/>
+            <pc:sldMk cId="2130879661" sldId="310"/>
+            <ac:spMk id="3" creationId="{3BD48443-35CC-D91F-4F82-55F6715FFF7C}"/>
+          </ac:spMkLst>
+        </pc:spChg>
+        <pc:picChg chg="mod">
+          <ac:chgData name="Bonner Jordan - Hartford-Remote-HSB" userId="e82d229e-6edb-4e20-9ecc-a487e5c63362" providerId="ADAL" clId="{76C91056-D0C8-422A-ADD5-0DC98A576341}" dt="2023-03-21T03:31:55.193" v="1258" actId="1076"/>
+          <ac:picMkLst>
+            <pc:docMk/>
+            <pc:sldMk cId="2130879661" sldId="310"/>
+            <ac:picMk id="6" creationId="{CE698ADA-9C8C-7B61-3790-8F932AD3F29C}"/>
+          </ac:picMkLst>
+        </pc:picChg>
+      </pc:sldChg>
+      <pc:sldChg chg="delSp modSp add mod">
+        <pc:chgData name="Bonner Jordan - Hartford-Remote-HSB" userId="e82d229e-6edb-4e20-9ecc-a487e5c63362" providerId="ADAL" clId="{76C91056-D0C8-422A-ADD5-0DC98A576341}" dt="2023-03-21T03:35:28.692" v="1509" actId="113"/>
+        <pc:sldMkLst>
+          <pc:docMk/>
+          <pc:sldMk cId="205080381" sldId="311"/>
+        </pc:sldMkLst>
+        <pc:spChg chg="mod">
+          <ac:chgData name="Bonner Jordan - Hartford-Remote-HSB" userId="e82d229e-6edb-4e20-9ecc-a487e5c63362" providerId="ADAL" clId="{76C91056-D0C8-422A-ADD5-0DC98A576341}" dt="2023-03-21T03:31:28.870" v="1254" actId="20577"/>
+          <ac:spMkLst>
+            <pc:docMk/>
+            <pc:sldMk cId="205080381" sldId="311"/>
+            <ac:spMk id="2" creationId="{18969BF5-0288-FD7C-1739-0C8672F3D7F8}"/>
+          </ac:spMkLst>
+        </pc:spChg>
+        <pc:spChg chg="mod">
+          <ac:chgData name="Bonner Jordan - Hartford-Remote-HSB" userId="e82d229e-6edb-4e20-9ecc-a487e5c63362" providerId="ADAL" clId="{76C91056-D0C8-422A-ADD5-0DC98A576341}" dt="2023-03-21T03:35:28.692" v="1509" actId="113"/>
+          <ac:spMkLst>
+            <pc:docMk/>
+            <pc:sldMk cId="205080381" sldId="311"/>
+            <ac:spMk id="7" creationId="{C6BCF7F9-C050-C1EC-CD19-FD4AB58ABEA3}"/>
+          </ac:spMkLst>
+        </pc:spChg>
+        <pc:picChg chg="del">
+          <ac:chgData name="Bonner Jordan - Hartford-Remote-HSB" userId="e82d229e-6edb-4e20-9ecc-a487e5c63362" providerId="ADAL" clId="{76C91056-D0C8-422A-ADD5-0DC98A576341}" dt="2023-03-21T03:27:13.664" v="843" actId="478"/>
+          <ac:picMkLst>
+            <pc:docMk/>
+            <pc:sldMk cId="205080381" sldId="311"/>
+            <ac:picMk id="3" creationId="{A7EF95ED-D8F3-6D8A-77DF-8B91594C2B97}"/>
+          </ac:picMkLst>
+        </pc:picChg>
+      </pc:sldChg>
+      <pc:sldChg chg="addSp delSp modSp add del mod">
+        <pc:chgData name="Bonner Jordan - Hartford-Remote-HSB" userId="e82d229e-6edb-4e20-9ecc-a487e5c63362" providerId="ADAL" clId="{76C91056-D0C8-422A-ADD5-0DC98A576341}" dt="2023-03-21T03:26:10.462" v="838" actId="2696"/>
+        <pc:sldMkLst>
+          <pc:docMk/>
+          <pc:sldMk cId="2822468810" sldId="311"/>
+        </pc:sldMkLst>
+        <pc:spChg chg="mod">
+          <ac:chgData name="Bonner Jordan - Hartford-Remote-HSB" userId="e82d229e-6edb-4e20-9ecc-a487e5c63362" providerId="ADAL" clId="{76C91056-D0C8-422A-ADD5-0DC98A576341}" dt="2023-03-21T02:32:13.913" v="102" actId="20577"/>
+          <ac:spMkLst>
+            <pc:docMk/>
+            <pc:sldMk cId="2822468810" sldId="311"/>
+            <ac:spMk id="2" creationId="{18969BF5-0288-FD7C-1739-0C8672F3D7F8}"/>
+          </ac:spMkLst>
+        </pc:spChg>
+        <pc:spChg chg="add del mod">
+          <ac:chgData name="Bonner Jordan - Hartford-Remote-HSB" userId="e82d229e-6edb-4e20-9ecc-a487e5c63362" providerId="ADAL" clId="{76C91056-D0C8-422A-ADD5-0DC98A576341}" dt="2023-03-21T02:42:07.394" v="444" actId="478"/>
+          <ac:spMkLst>
+            <pc:docMk/>
+            <pc:sldMk cId="2822468810" sldId="311"/>
+            <ac:spMk id="4" creationId="{AAD28883-E9F1-F54E-CF4D-0C26464BA64A}"/>
+          </ac:spMkLst>
+        </pc:spChg>
+        <pc:spChg chg="add del mod">
+          <ac:chgData name="Bonner Jordan - Hartford-Remote-HSB" userId="e82d229e-6edb-4e20-9ecc-a487e5c63362" providerId="ADAL" clId="{76C91056-D0C8-422A-ADD5-0DC98A576341}" dt="2023-03-21T02:40:36.384" v="419" actId="478"/>
+          <ac:spMkLst>
+            <pc:docMk/>
+            <pc:sldMk cId="2822468810" sldId="311"/>
+            <ac:spMk id="6" creationId="{4974A1B0-913E-FF60-1C3E-AF4B98CFF2ED}"/>
+          </ac:spMkLst>
+        </pc:spChg>
+        <pc:spChg chg="add mod">
+          <ac:chgData name="Bonner Jordan - Hartford-Remote-HSB" userId="e82d229e-6edb-4e20-9ecc-a487e5c63362" providerId="ADAL" clId="{76C91056-D0C8-422A-ADD5-0DC98A576341}" dt="2023-03-21T02:43:22.207" v="496" actId="403"/>
+          <ac:spMkLst>
+            <pc:docMk/>
+            <pc:sldMk cId="2822468810" sldId="311"/>
+            <ac:spMk id="7" creationId="{C6BCF7F9-C050-C1EC-CD19-FD4AB58ABEA3}"/>
+          </ac:spMkLst>
+        </pc:spChg>
+        <pc:graphicFrameChg chg="add del mod modGraphic">
+          <ac:chgData name="Bonner Jordan - Hartford-Remote-HSB" userId="e82d229e-6edb-4e20-9ecc-a487e5c63362" providerId="ADAL" clId="{76C91056-D0C8-422A-ADD5-0DC98A576341}" dt="2023-03-21T02:40:43.654" v="421" actId="478"/>
+          <ac:graphicFrameMkLst>
+            <pc:docMk/>
+            <pc:sldMk cId="2822468810" sldId="311"/>
+            <ac:graphicFrameMk id="5" creationId="{37431977-339F-8C5C-B7A0-55F9D45DC9F6}"/>
+          </ac:graphicFrameMkLst>
+        </pc:graphicFrameChg>
+        <pc:picChg chg="mod">
+          <ac:chgData name="Bonner Jordan - Hartford-Remote-HSB" userId="e82d229e-6edb-4e20-9ecc-a487e5c63362" providerId="ADAL" clId="{76C91056-D0C8-422A-ADD5-0DC98A576341}" dt="2023-03-21T02:43:05.032" v="492" actId="14100"/>
+          <ac:picMkLst>
+            <pc:docMk/>
+            <pc:sldMk cId="2822468810" sldId="311"/>
+            <ac:picMk id="3" creationId="{A7EF95ED-D8F3-6D8A-77DF-8B91594C2B97}"/>
+          </ac:picMkLst>
+        </pc:picChg>
+      </pc:sldChg>
+      <pc:sldChg chg="modSp add mod">
+        <pc:chgData name="Bonner Jordan - Hartford-Remote-HSB" userId="e82d229e-6edb-4e20-9ecc-a487e5c63362" providerId="ADAL" clId="{76C91056-D0C8-422A-ADD5-0DC98A576341}" dt="2023-03-21T03:25:24.866" v="817" actId="6549"/>
+        <pc:sldMkLst>
+          <pc:docMk/>
+          <pc:sldMk cId="2495535419" sldId="312"/>
+        </pc:sldMkLst>
+        <pc:spChg chg="mod">
+          <ac:chgData name="Bonner Jordan - Hartford-Remote-HSB" userId="e82d229e-6edb-4e20-9ecc-a487e5c63362" providerId="ADAL" clId="{76C91056-D0C8-422A-ADD5-0DC98A576341}" dt="2023-03-21T03:25:24.866" v="817" actId="6549"/>
+          <ac:spMkLst>
+            <pc:docMk/>
+            <pc:sldMk cId="2495535419" sldId="312"/>
+            <ac:spMk id="3" creationId="{F33662A3-4DD5-0500-C0E1-EA5CF57A5ABC}"/>
+          </ac:spMkLst>
+        </pc:spChg>
+      </pc:sldChg>
+      <pc:sldChg chg="add">
+        <pc:chgData name="Bonner Jordan - Hartford-Remote-HSB" userId="e82d229e-6edb-4e20-9ecc-a487e5c63362" providerId="ADAL" clId="{76C91056-D0C8-422A-ADD5-0DC98A576341}" dt="2023-03-21T03:27:11.107" v="842"/>
+        <pc:sldMkLst>
+          <pc:docMk/>
+          <pc:sldMk cId="1276715374" sldId="313"/>
+        </pc:sldMkLst>
+      </pc:sldChg>
+      <pc:sldChg chg="modSp add del mod">
+        <pc:chgData name="Bonner Jordan - Hartford-Remote-HSB" userId="e82d229e-6edb-4e20-9ecc-a487e5c63362" providerId="ADAL" clId="{76C91056-D0C8-422A-ADD5-0DC98A576341}" dt="2023-03-21T03:39:39.572" v="1689" actId="47"/>
+        <pc:sldMkLst>
+          <pc:docMk/>
+          <pc:sldMk cId="2399671440" sldId="314"/>
+        </pc:sldMkLst>
+        <pc:spChg chg="mod">
+          <ac:chgData name="Bonner Jordan - Hartford-Remote-HSB" userId="e82d229e-6edb-4e20-9ecc-a487e5c63362" providerId="ADAL" clId="{76C91056-D0C8-422A-ADD5-0DC98A576341}" dt="2023-03-21T03:34:33.795" v="1376" actId="20577"/>
+          <ac:spMkLst>
+            <pc:docMk/>
+            <pc:sldMk cId="2399671440" sldId="314"/>
+            <ac:spMk id="2" creationId="{18969BF5-0288-FD7C-1739-0C8672F3D7F8}"/>
+          </ac:spMkLst>
+        </pc:spChg>
+      </pc:sldChg>
+      <pc:sldChg chg="modSp add mod">
+        <pc:chgData name="Bonner Jordan - Hartford-Remote-HSB" userId="e82d229e-6edb-4e20-9ecc-a487e5c63362" providerId="ADAL" clId="{76C91056-D0C8-422A-ADD5-0DC98A576341}" dt="2023-03-21T03:40:25.782" v="1785" actId="6549"/>
+        <pc:sldMkLst>
+          <pc:docMk/>
+          <pc:sldMk cId="3614181392" sldId="315"/>
+        </pc:sldMkLst>
+        <pc:spChg chg="mod">
+          <ac:chgData name="Bonner Jordan - Hartford-Remote-HSB" userId="e82d229e-6edb-4e20-9ecc-a487e5c63362" providerId="ADAL" clId="{76C91056-D0C8-422A-ADD5-0DC98A576341}" dt="2023-03-21T03:39:37.360" v="1688" actId="20577"/>
+          <ac:spMkLst>
+            <pc:docMk/>
+            <pc:sldMk cId="3614181392" sldId="315"/>
+            <ac:spMk id="2" creationId="{18969BF5-0288-FD7C-1739-0C8672F3D7F8}"/>
+          </ac:spMkLst>
+        </pc:spChg>
+        <pc:spChg chg="mod">
+          <ac:chgData name="Bonner Jordan - Hartford-Remote-HSB" userId="e82d229e-6edb-4e20-9ecc-a487e5c63362" providerId="ADAL" clId="{76C91056-D0C8-422A-ADD5-0DC98A576341}" dt="2023-03-21T03:40:25.782" v="1785" actId="6549"/>
+          <ac:spMkLst>
+            <pc:docMk/>
+            <pc:sldMk cId="3614181392" sldId="315"/>
+            <ac:spMk id="3" creationId="{39176E43-0115-E50B-D268-5E00760022A7}"/>
+          </ac:spMkLst>
+        </pc:spChg>
+      </pc:sldChg>
+    </pc:docChg>
+  </pc:docChgLst>
+</pc:chgInfo>
 </file>
 
 <file path=ppt/notesMasters/notesMaster1.xml><?xml version="1.0" encoding="utf-8"?>
@@ -984,7 +1660,7 @@
     </p:spTree>
     <p:extLst>
       <p:ext uri="{BB962C8B-B14F-4D97-AF65-F5344CB8AC3E}">
-        <p14:creationId xmlns:p14="http://schemas.microsoft.com/office/powerpoint/2010/main" val="1614680124"/>
+        <p14:creationId xmlns:p14="http://schemas.microsoft.com/office/powerpoint/2010/main" val="843354269"/>
       </p:ext>
     </p:extLst>
   </p:cSld>
@@ -1782,7 +2458,7 @@
               <a:pPr>
                 <a:defRPr/>
               </a:pPr>
-              <a:t>3/7/2023</a:t>
+              <a:t>3/20/2023</a:t>
             </a:fld>
             <a:endParaRPr lang="en-US"/>
           </a:p>
@@ -1920,35 +2596,35 @@
           <a:p>
             <a:pPr lvl="0"/>
             <a:r>
-              <a:rPr lang="en-US"/>
+              <a:rPr lang="en-US" dirty="0"/>
               <a:t>Click to edit Master text styles</a:t>
             </a:r>
           </a:p>
           <a:p>
             <a:pPr lvl="1"/>
             <a:r>
-              <a:rPr lang="en-US"/>
+              <a:rPr lang="en-US" dirty="0"/>
               <a:t>Second level</a:t>
             </a:r>
           </a:p>
           <a:p>
             <a:pPr lvl="2"/>
             <a:r>
-              <a:rPr lang="en-US"/>
+              <a:rPr lang="en-US" dirty="0"/>
               <a:t>Third level</a:t>
             </a:r>
           </a:p>
           <a:p>
             <a:pPr lvl="3"/>
             <a:r>
-              <a:rPr lang="en-US"/>
+              <a:rPr lang="en-US" dirty="0"/>
               <a:t>Fourth level</a:t>
             </a:r>
           </a:p>
           <a:p>
             <a:pPr lvl="4"/>
             <a:r>
-              <a:rPr lang="en-US"/>
+              <a:rPr lang="en-US" dirty="0"/>
               <a:t>Fifth level</a:t>
             </a:r>
           </a:p>
@@ -1981,7 +2657,7 @@
               <a:pPr>
                 <a:defRPr/>
               </a:pPr>
-              <a:t>3/7/2023</a:t>
+              <a:t>3/20/2023</a:t>
             </a:fld>
             <a:endParaRPr lang="en-US"/>
           </a:p>
@@ -2042,7 +2718,7 @@
               </a:pPr>
               <a:t>‹#›</a:t>
             </a:fld>
-            <a:endParaRPr lang="en-US"/>
+            <a:endParaRPr lang="en-US" dirty="0"/>
           </a:p>
         </p:txBody>
       </p:sp>
@@ -2248,7 +2924,7 @@
               <a:pPr>
                 <a:defRPr/>
               </a:pPr>
-              <a:t>3/7/2023</a:t>
+              <a:t>3/20/2023</a:t>
             </a:fld>
             <a:endParaRPr lang="en-US"/>
           </a:p>
@@ -2555,7 +3231,7 @@
               <a:pPr>
                 <a:defRPr/>
               </a:pPr>
-              <a:t>3/7/2023</a:t>
+              <a:t>3/20/2023</a:t>
             </a:fld>
             <a:endParaRPr lang="en-US"/>
           </a:p>
@@ -2996,7 +3672,7 @@
               <a:pPr>
                 <a:defRPr/>
               </a:pPr>
-              <a:t>3/7/2023</a:t>
+              <a:t>3/20/2023</a:t>
             </a:fld>
             <a:endParaRPr lang="en-US"/>
           </a:p>
@@ -3135,7 +3811,7 @@
               <a:pPr>
                 <a:defRPr/>
               </a:pPr>
-              <a:t>3/7/2023</a:t>
+              <a:t>3/20/2023</a:t>
             </a:fld>
             <a:endParaRPr lang="en-US"/>
           </a:p>
@@ -3252,7 +3928,7 @@
               <a:pPr>
                 <a:defRPr/>
               </a:pPr>
-              <a:t>3/7/2023</a:t>
+              <a:t>3/20/2023</a:t>
             </a:fld>
             <a:endParaRPr lang="en-US"/>
           </a:p>
@@ -3549,7 +4225,7 @@
               <a:pPr>
                 <a:defRPr/>
               </a:pPr>
-              <a:t>3/7/2023</a:t>
+              <a:t>3/20/2023</a:t>
             </a:fld>
             <a:endParaRPr lang="en-US"/>
           </a:p>
@@ -4015,7 +4691,7 @@
               <a:pPr>
                 <a:defRPr/>
               </a:pPr>
-              <a:t>3/7/2023</a:t>
+              <a:t>3/20/2023</a:t>
             </a:fld>
             <a:endParaRPr lang="en-US"/>
           </a:p>
@@ -4205,7 +4881,7 @@
               <a:pPr>
                 <a:defRPr/>
               </a:pPr>
-              <a:t>3/7/2023</a:t>
+              <a:t>3/20/2023</a:t>
             </a:fld>
             <a:endParaRPr lang="en-US"/>
           </a:p>
@@ -4405,7 +5081,7 @@
               <a:pPr>
                 <a:defRPr/>
               </a:pPr>
-              <a:t>3/7/2023</a:t>
+              <a:t>3/20/2023</a:t>
             </a:fld>
             <a:endParaRPr lang="en-US"/>
           </a:p>
@@ -4667,7 +5343,7 @@
               <a:pPr>
                 <a:defRPr/>
               </a:pPr>
-              <a:t>3/7/2023</a:t>
+              <a:t>3/20/2023</a:t>
             </a:fld>
             <a:endParaRPr lang="en-US"/>
           </a:p>
@@ -4866,7 +5542,7 @@
               <a:pPr>
                 <a:defRPr/>
               </a:pPr>
-              <a:t>3/7/2023</a:t>
+              <a:t>3/20/2023</a:t>
             </a:fld>
             <a:endParaRPr lang="en-US"/>
           </a:p>
@@ -5133,7 +5809,7 @@
               <a:pPr>
                 <a:defRPr/>
               </a:pPr>
-              <a:t>3/7/2023</a:t>
+              <a:t>3/20/2023</a:t>
             </a:fld>
             <a:endParaRPr lang="en-US"/>
           </a:p>
@@ -5440,7 +6116,7 @@
               <a:pPr>
                 <a:defRPr/>
               </a:pPr>
-              <a:t>3/7/2023</a:t>
+              <a:t>3/20/2023</a:t>
             </a:fld>
             <a:endParaRPr lang="en-US"/>
           </a:p>
@@ -5881,7 +6557,7 @@
               <a:pPr>
                 <a:defRPr/>
               </a:pPr>
-              <a:t>3/7/2023</a:t>
+              <a:t>3/20/2023</a:t>
             </a:fld>
             <a:endParaRPr lang="en-US"/>
           </a:p>
@@ -6020,7 +6696,7 @@
               <a:pPr>
                 <a:defRPr/>
               </a:pPr>
-              <a:t>3/7/2023</a:t>
+              <a:t>3/20/2023</a:t>
             </a:fld>
             <a:endParaRPr lang="en-US"/>
           </a:p>
@@ -6137,7 +6813,7 @@
               <a:pPr>
                 <a:defRPr/>
               </a:pPr>
-              <a:t>3/7/2023</a:t>
+              <a:t>3/20/2023</a:t>
             </a:fld>
             <a:endParaRPr lang="en-US"/>
           </a:p>
@@ -6646,7 +7322,7 @@
               <a:pPr>
                 <a:defRPr/>
               </a:pPr>
-              <a:t>3/7/2023</a:t>
+              <a:t>3/20/2023</a:t>
             </a:fld>
             <a:endParaRPr lang="en-US"/>
           </a:p>
@@ -6923,7 +7599,7 @@
               <a:pPr>
                 <a:defRPr/>
               </a:pPr>
-              <a:t>3/7/2023</a:t>
+              <a:t>3/20/2023</a:t>
             </a:fld>
             <a:endParaRPr lang="en-US"/>
           </a:p>
@@ -7113,7 +7789,7 @@
               <a:pPr>
                 <a:defRPr/>
               </a:pPr>
-              <a:t>3/7/2023</a:t>
+              <a:t>3/20/2023</a:t>
             </a:fld>
             <a:endParaRPr lang="en-US"/>
           </a:p>
@@ -7313,7 +7989,7 @@
               <a:pPr>
                 <a:defRPr/>
               </a:pPr>
-              <a:t>3/7/2023</a:t>
+              <a:t>3/20/2023</a:t>
             </a:fld>
             <a:endParaRPr lang="en-US"/>
           </a:p>
@@ -7575,7 +8251,7 @@
               <a:pPr>
                 <a:defRPr/>
               </a:pPr>
-              <a:t>3/7/2023</a:t>
+              <a:t>3/20/2023</a:t>
             </a:fld>
             <a:endParaRPr lang="en-US"/>
           </a:p>
@@ -7765,7 +8441,7 @@
               <a:pPr>
                 <a:defRPr/>
               </a:pPr>
-              <a:t>3/7/2023</a:t>
+              <a:t>3/20/2023</a:t>
             </a:fld>
             <a:endParaRPr lang="en-US"/>
           </a:p>
@@ -8032,7 +8708,7 @@
               <a:pPr>
                 <a:defRPr/>
               </a:pPr>
-              <a:t>3/7/2023</a:t>
+              <a:t>3/20/2023</a:t>
             </a:fld>
             <a:endParaRPr lang="en-US"/>
           </a:p>
@@ -8339,7 +9015,7 @@
               <a:pPr>
                 <a:defRPr/>
               </a:pPr>
-              <a:t>3/7/2023</a:t>
+              <a:t>3/20/2023</a:t>
             </a:fld>
             <a:endParaRPr lang="en-US"/>
           </a:p>
@@ -8780,7 +9456,7 @@
               <a:pPr>
                 <a:defRPr/>
               </a:pPr>
-              <a:t>3/7/2023</a:t>
+              <a:t>3/20/2023</a:t>
             </a:fld>
             <a:endParaRPr lang="en-US"/>
           </a:p>
@@ -8919,7 +9595,7 @@
               <a:pPr>
                 <a:defRPr/>
               </a:pPr>
-              <a:t>3/7/2023</a:t>
+              <a:t>3/20/2023</a:t>
             </a:fld>
             <a:endParaRPr lang="en-US"/>
           </a:p>
@@ -9342,7 +10018,7 @@
               <a:pPr>
                 <a:defRPr/>
               </a:pPr>
-              <a:t>3/7/2023</a:t>
+              <a:t>3/20/2023</a:t>
             </a:fld>
             <a:endParaRPr lang="en-US"/>
           </a:p>
@@ -9639,7 +10315,7 @@
               <a:pPr>
                 <a:defRPr/>
               </a:pPr>
-              <a:t>3/7/2023</a:t>
+              <a:t>3/20/2023</a:t>
             </a:fld>
             <a:endParaRPr lang="en-US"/>
           </a:p>
@@ -9916,7 +10592,7 @@
               <a:pPr>
                 <a:defRPr/>
               </a:pPr>
-              <a:t>3/7/2023</a:t>
+              <a:t>3/20/2023</a:t>
             </a:fld>
             <a:endParaRPr lang="en-US"/>
           </a:p>
@@ -10106,7 +10782,7 @@
               <a:pPr>
                 <a:defRPr/>
               </a:pPr>
-              <a:t>3/7/2023</a:t>
+              <a:t>3/20/2023</a:t>
             </a:fld>
             <a:endParaRPr lang="en-US"/>
           </a:p>
@@ -10306,7 +10982,7 @@
               <a:pPr>
                 <a:defRPr/>
               </a:pPr>
-              <a:t>3/7/2023</a:t>
+              <a:t>3/20/2023</a:t>
             </a:fld>
             <a:endParaRPr lang="en-US"/>
           </a:p>
@@ -12435,35 +13111,35 @@
           <a:p>
             <a:pPr lvl="0"/>
             <a:r>
-              <a:rPr lang="en-US"/>
+              <a:rPr lang="en-US" dirty="0"/>
               <a:t>Click to edit Master text styles</a:t>
             </a:r>
           </a:p>
           <a:p>
             <a:pPr lvl="1"/>
             <a:r>
-              <a:rPr lang="en-US"/>
+              <a:rPr lang="en-US" dirty="0"/>
               <a:t>Second level</a:t>
             </a:r>
           </a:p>
           <a:p>
             <a:pPr lvl="2"/>
             <a:r>
-              <a:rPr lang="en-US"/>
+              <a:rPr lang="en-US" dirty="0"/>
               <a:t>Third level</a:t>
             </a:r>
           </a:p>
           <a:p>
             <a:pPr lvl="3"/>
             <a:r>
-              <a:rPr lang="en-US"/>
+              <a:rPr lang="en-US" dirty="0"/>
               <a:t>Fourth level</a:t>
             </a:r>
           </a:p>
           <a:p>
             <a:pPr lvl="4"/>
             <a:r>
-              <a:rPr lang="en-US"/>
+              <a:rPr lang="en-US" dirty="0"/>
               <a:t>Fifth level</a:t>
             </a:r>
           </a:p>
@@ -12510,7 +13186,7 @@
               <a:pPr>
                 <a:defRPr/>
               </a:pPr>
-              <a:t>3/7/2023</a:t>
+              <a:t>3/20/2023</a:t>
             </a:fld>
             <a:endParaRPr lang="en-US"/>
           </a:p>
@@ -13189,7 +13865,7 @@
               <a:pPr>
                 <a:defRPr/>
               </a:pPr>
-              <a:t>3/7/2023</a:t>
+              <a:t>3/20/2023</a:t>
             </a:fld>
             <a:endParaRPr lang="en-US"/>
           </a:p>
@@ -13875,7 +14551,7 @@
               <a:pPr>
                 <a:defRPr/>
               </a:pPr>
-              <a:t>3/7/2023</a:t>
+              <a:t>3/20/2023</a:t>
             </a:fld>
             <a:endParaRPr lang="en-US"/>
           </a:p>
@@ -14412,7 +15088,7 @@
           <a:p>
             <a:r>
               <a:rPr lang="en-US" dirty="0"/>
-              <a:t>Original Proposed Content</a:t>
+              <a:t>Proposed Content</a:t>
             </a:r>
           </a:p>
         </p:txBody>
@@ -14456,7 +15132,7 @@
               <a:buNone/>
             </a:pPr>
             <a:r>
-              <a:rPr lang="en-US" sz="1050" b="1" dirty="0">
+              <a:rPr lang="en-US" sz="1200" b="1" dirty="0">
                 <a:solidFill>
                   <a:srgbClr val="00589A"/>
                 </a:solidFill>
@@ -14467,7 +15143,7 @@
               <a:t>Title</a:t>
             </a:r>
             <a:r>
-              <a:rPr lang="en-US" sz="1050" dirty="0">
+              <a:rPr lang="en-US" sz="1200" dirty="0">
                 <a:solidFill>
                   <a:srgbClr val="00589A"/>
                 </a:solidFill>
@@ -14477,7 +15153,7 @@
               </a:rPr>
               <a:t>: Effective Data Visualization for Actuaries</a:t>
             </a:r>
-            <a:endParaRPr lang="en-US" sz="1050" dirty="0">
+            <a:endParaRPr lang="en-US" sz="1200" dirty="0">
               <a:effectLst/>
               <a:latin typeface="Arial" panose="020B0604020202020204" pitchFamily="34" charset="0"/>
               <a:ea typeface="SimSun" panose="02010600030101010101" pitchFamily="2" charset="-122"/>
@@ -14497,7 +15173,7 @@
               <a:buNone/>
             </a:pPr>
             <a:r>
-              <a:rPr lang="en-US" sz="1050" b="1" dirty="0">
+              <a:rPr lang="en-US" sz="1200" b="1" dirty="0">
                 <a:solidFill>
                   <a:srgbClr val="00589A"/>
                 </a:solidFill>
@@ -14507,7 +15183,7 @@
               </a:rPr>
               <a:t>Session Description: </a:t>
             </a:r>
-            <a:endParaRPr lang="en-US" sz="1050" dirty="0">
+            <a:endParaRPr lang="en-US" sz="1200" dirty="0">
               <a:solidFill>
                 <a:srgbClr val="00589A"/>
               </a:solidFill>
@@ -14530,7 +15206,7 @@
               <a:buNone/>
             </a:pPr>
             <a:r>
-              <a:rPr lang="en-US" sz="1050" dirty="0">
+              <a:rPr lang="en-US" sz="1200" dirty="0">
                 <a:solidFill>
                   <a:srgbClr val="00589A"/>
                 </a:solidFill>
@@ -14538,11 +15214,20 @@
                 <a:latin typeface="Arial" panose="020B0604020202020204" pitchFamily="34" charset="0"/>
                 <a:ea typeface="SimSun" panose="02010600030101010101" pitchFamily="2" charset="-122"/>
               </a:rPr>
-              <a:t>Actuaries often need to regularly communicate trends, diagnostics, and findings to stakeholders (other actuaries, their business partners, or clients).</a:t>
-            </a:r>
-            <a:endParaRPr lang="en-US" sz="1050" dirty="0">
+              <a:t>As actuaries, we are expected to understand the structure and rationale behind complex statistical models. Beyond that, we need to evaluate</a:t>
+            </a:r>
+            <a:r>
+              <a:rPr lang="en-US" sz="1200" dirty="0">
+                <a:solidFill>
+                  <a:srgbClr val="00589A"/>
+                </a:solidFill>
+                <a:ea typeface="SimSun" panose="02010600030101010101" pitchFamily="2" charset="-122"/>
+              </a:rPr>
+              <a:t>. whether one model is preferred over another in a well-defined business context. Finally, these conclusions must be shared with stakeholders who are then expected to digest and support the actuary's conclusions. Although data visualization is often touted as having maximal benefit for the last step of the process, we contend that it provides value throughout</a:t>
+            </a:r>
+            <a:endParaRPr lang="en-US" sz="1200" dirty="0">
               <a:solidFill>
-                <a:srgbClr val="0072BC"/>
+                <a:srgbClr val="00589A"/>
               </a:solidFill>
               <a:effectLst/>
               <a:latin typeface="Arial" panose="020B0604020202020204" pitchFamily="34" charset="0"/>
@@ -14562,10 +15247,12 @@
               </a:spcAft>
               <a:buNone/>
             </a:pPr>
-            <a:endParaRPr lang="en-US" sz="400" dirty="0">
+            <a:endParaRPr lang="en-US" sz="1200" dirty="0">
               <a:solidFill>
-                <a:srgbClr val="0072BC"/>
+                <a:srgbClr val="00589A"/>
               </a:solidFill>
+              <a:effectLst/>
+              <a:latin typeface="Arial" panose="020B0604020202020204" pitchFamily="34" charset="0"/>
               <a:ea typeface="SimSun" panose="02010600030101010101" pitchFamily="2" charset="-122"/>
             </a:endParaRPr>
           </a:p>
@@ -14583,7 +15270,7 @@
               <a:buNone/>
             </a:pPr>
             <a:r>
-              <a:rPr lang="en-US" sz="1050" dirty="0">
+              <a:rPr lang="en-US" sz="1200" dirty="0">
                 <a:solidFill>
                   <a:srgbClr val="00589A"/>
                 </a:solidFill>
@@ -14591,23 +15278,10 @@
                 <a:latin typeface="Arial" panose="020B0604020202020204" pitchFamily="34" charset="0"/>
                 <a:ea typeface="SimSun" panose="02010600030101010101" pitchFamily="2" charset="-122"/>
               </a:rPr>
-              <a:t>Two questions arise:</a:t>
-            </a:r>
-          </a:p>
-          <a:p>
-            <a:pPr marL="685800" lvl="1" indent="-171450">
-              <a:lnSpc>
-                <a:spcPct val="110000"/>
-              </a:lnSpc>
-              <a:spcBef>
-                <a:spcPts val="0"/>
-              </a:spcBef>
-              <a:spcAft>
-                <a:spcPts val="0"/>
-              </a:spcAft>
-            </a:pPr>
-            <a:r>
-              <a:rPr lang="en-US" sz="1050" dirty="0">
+              <a:t>In this session, Brian Fannin and Jordan Bonner will highlight key actuarial concepts and exhibits that can be better understood through data visualization. R’s `ggplot2` package will be used to create exhibits that allow for a deeper level of understanding and intuition. By growing comfortable with the value and mechanics of visualization at all stages of the analytics cycle, actuaries will become more facile in communicating with any stakeholder at any stage. </a:t>
+            </a:r>
+            <a:br>
+              <a:rPr lang="en-US" sz="1200" dirty="0">
                 <a:solidFill>
                   <a:srgbClr val="00589A"/>
                 </a:solidFill>
@@ -14615,139 +15289,8 @@
                 <a:latin typeface="Arial" panose="020B0604020202020204" pitchFamily="34" charset="0"/>
                 <a:ea typeface="SimSun" panose="02010600030101010101" pitchFamily="2" charset="-122"/>
               </a:rPr>
-              <a:t>How do we create visualizations that let actuaries focus on interpreting rather than doing?</a:t>
-            </a:r>
-          </a:p>
-          <a:p>
-            <a:pPr marL="685800" lvl="1" indent="-171450">
-              <a:lnSpc>
-                <a:spcPct val="110000"/>
-              </a:lnSpc>
-              <a:spcBef>
-                <a:spcPts val="0"/>
-              </a:spcBef>
-              <a:spcAft>
-                <a:spcPts val="0"/>
-              </a:spcAft>
-            </a:pPr>
-            <a:r>
-              <a:rPr lang="en-US" sz="1050" dirty="0">
-                <a:solidFill>
-                  <a:srgbClr val="00589A"/>
-                </a:solidFill>
-                <a:effectLst/>
-                <a:latin typeface="Arial" panose="020B0604020202020204" pitchFamily="34" charset="0"/>
-                <a:ea typeface="SimSun" panose="02010600030101010101" pitchFamily="2" charset="-122"/>
-              </a:rPr>
-              <a:t>How do we re-structure these visualizations to tell a better story?</a:t>
-            </a:r>
-            <a:endParaRPr lang="en-US" sz="1050" dirty="0">
-              <a:solidFill>
-                <a:srgbClr val="0072BC"/>
-              </a:solidFill>
-              <a:ea typeface="SimSun" panose="02010600030101010101" pitchFamily="2" charset="-122"/>
-            </a:endParaRPr>
-          </a:p>
-          <a:p>
-            <a:pPr marL="685800" lvl="1" indent="-171450">
-              <a:lnSpc>
-                <a:spcPct val="110000"/>
-              </a:lnSpc>
-              <a:spcBef>
-                <a:spcPts val="0"/>
-              </a:spcBef>
-              <a:spcAft>
-                <a:spcPts val="0"/>
-              </a:spcAft>
-            </a:pPr>
-            <a:endParaRPr lang="en-US" sz="400" dirty="0">
-              <a:solidFill>
-                <a:srgbClr val="0072BC"/>
-              </a:solidFill>
-              <a:effectLst/>
-              <a:latin typeface="Arial" panose="020B0604020202020204" pitchFamily="34" charset="0"/>
-              <a:ea typeface="SimSun" panose="02010600030101010101" pitchFamily="2" charset="-122"/>
-            </a:endParaRPr>
-          </a:p>
-          <a:p>
-            <a:pPr marL="514350" lvl="1" indent="0">
-              <a:lnSpc>
-                <a:spcPct val="110000"/>
-              </a:lnSpc>
-              <a:spcBef>
-                <a:spcPts val="0"/>
-              </a:spcBef>
-              <a:spcAft>
-                <a:spcPts val="0"/>
-              </a:spcAft>
-              <a:buNone/>
-            </a:pPr>
-            <a:r>
-              <a:rPr lang="en-US" sz="1050" dirty="0">
-                <a:solidFill>
-                  <a:srgbClr val="00589A"/>
-                </a:solidFill>
-                <a:effectLst/>
-                <a:latin typeface="Arial" panose="020B0604020202020204" pitchFamily="34" charset="0"/>
-                <a:ea typeface="SimSun" panose="02010600030101010101" pitchFamily="2" charset="-122"/>
-              </a:rPr>
-              <a:t>In this session Brian and I will examine some common actuarial analysis problems (e.g. loss development, trend/inflation, mix shift exhibits, and model diagnostics) through the lens of visualization. Using R’s </a:t>
-            </a:r>
-            <a:r>
-              <a:rPr lang="en-US" sz="1050" dirty="0">
-                <a:effectLst/>
-                <a:latin typeface="Arial" panose="020B0604020202020204" pitchFamily="34" charset="0"/>
-                <a:ea typeface="SimSun" panose="02010600030101010101" pitchFamily="2" charset="-122"/>
-              </a:rPr>
-              <a:t>`ggplot2` </a:t>
-            </a:r>
-            <a:r>
-              <a:rPr lang="en-US" sz="1050" dirty="0">
-                <a:solidFill>
-                  <a:srgbClr val="00589A"/>
-                </a:solidFill>
-                <a:effectLst/>
-                <a:latin typeface="Arial" panose="020B0604020202020204" pitchFamily="34" charset="0"/>
-                <a:ea typeface="SimSun" panose="02010600030101010101" pitchFamily="2" charset="-122"/>
-              </a:rPr>
-              <a:t>package, we’ll show how these visualizations can be improved to better communicate the story. For example, reserve loss development can be manipulated with</a:t>
-            </a:r>
-            <a:r>
-              <a:rPr lang="en-US" sz="1050" dirty="0">
-                <a:effectLst/>
-                <a:latin typeface="Arial" panose="020B0604020202020204" pitchFamily="34" charset="0"/>
-                <a:ea typeface="SimSun" panose="02010600030101010101" pitchFamily="2" charset="-122"/>
-              </a:rPr>
-              <a:t> `</a:t>
-            </a:r>
-            <a:r>
-              <a:rPr lang="en-US" sz="1050" dirty="0" err="1">
-                <a:effectLst/>
-                <a:latin typeface="Arial" panose="020B0604020202020204" pitchFamily="34" charset="0"/>
-                <a:ea typeface="SimSun" panose="02010600030101010101" pitchFamily="2" charset="-122"/>
-              </a:rPr>
-              <a:t>dplyr</a:t>
-            </a:r>
-            <a:r>
-              <a:rPr lang="en-US" sz="1050" dirty="0">
-                <a:effectLst/>
-                <a:latin typeface="Arial" panose="020B0604020202020204" pitchFamily="34" charset="0"/>
-                <a:ea typeface="SimSun" panose="02010600030101010101" pitchFamily="2" charset="-122"/>
-              </a:rPr>
-              <a:t>`</a:t>
-            </a:r>
-            <a:r>
-              <a:rPr lang="en-US" sz="1050" dirty="0">
-                <a:solidFill>
-                  <a:srgbClr val="00589A"/>
-                </a:solidFill>
-                <a:effectLst/>
-                <a:latin typeface="Arial" panose="020B0604020202020204" pitchFamily="34" charset="0"/>
-                <a:ea typeface="SimSun" panose="02010600030101010101" pitchFamily="2" charset="-122"/>
-              </a:rPr>
-              <a:t> to show cumulative losses on the x-axis and incremental amounts on the y-axis to better highlight the loss development factor. After demoing a few visualization examples, we’ll show how some formatting tricks can be used to make your visualizations look polished.</a:t>
-            </a:r>
-            <a:endParaRPr lang="en-US" sz="1050" dirty="0">
+            </a:br>
+            <a:endParaRPr lang="en-US" sz="1200" dirty="0">
               <a:solidFill>
                 <a:srgbClr val="0072BC"/>
               </a:solidFill>
@@ -14768,7 +15311,7 @@
               <a:buNone/>
             </a:pPr>
             <a:r>
-              <a:rPr lang="en-US" sz="1050" b="1" dirty="0">
+              <a:rPr lang="en-US" sz="1200" b="1" dirty="0">
                 <a:solidFill>
                   <a:srgbClr val="00589A"/>
                 </a:solidFill>
@@ -14778,7 +15321,7 @@
               </a:rPr>
               <a:t>Learning Objectives:</a:t>
             </a:r>
-            <a:endParaRPr lang="en-US" sz="1050" b="1" dirty="0">
+            <a:endParaRPr lang="en-US" sz="1200" b="1" dirty="0">
               <a:ea typeface="SimSun" panose="02010600030101010101" pitchFamily="2" charset="-122"/>
             </a:endParaRPr>
           </a:p>
@@ -14793,23 +15336,19 @@
               <a:spcAft>
                 <a:spcPts val="0"/>
               </a:spcAft>
+              <a:buSzPct val="100000"/>
               <a:buFont typeface="+mj-lt"/>
               <a:buAutoNum type="arabicPeriod"/>
             </a:pPr>
             <a:r>
-              <a:rPr lang="en-US" sz="1050" dirty="0">
+              <a:rPr lang="en-US" sz="1200" dirty="0">
                 <a:solidFill>
                   <a:srgbClr val="00589A"/>
                 </a:solidFill>
-                <a:effectLst/>
-                <a:latin typeface="Arial" panose="020B0604020202020204" pitchFamily="34" charset="0"/>
                 <a:ea typeface="SimSun" panose="02010600030101010101" pitchFamily="2" charset="-122"/>
               </a:rPr>
-              <a:t>Demonstrate when alternative representations of common actuarial visualizations are helpful</a:t>
-            </a:r>
-            <a:endParaRPr lang="en-US" sz="1050" dirty="0">
-              <a:ea typeface="SimSun" panose="02010600030101010101" pitchFamily="2" charset="-122"/>
-            </a:endParaRPr>
+              <a:t>Unlock a deeper understanding of complicated concepts through data visualization</a:t>
+            </a:r>
           </a:p>
           <a:p>
             <a:pPr indent="-228600">
@@ -14822,42 +15361,19 @@
               <a:spcAft>
                 <a:spcPts val="0"/>
               </a:spcAft>
+              <a:buSzPct val="100000"/>
               <a:buFont typeface="+mj-lt"/>
               <a:buAutoNum type="arabicPeriod"/>
             </a:pPr>
             <a:r>
-              <a:rPr lang="en-US" sz="1050" dirty="0">
+              <a:rPr lang="en-US" sz="1200" dirty="0">
                 <a:solidFill>
                   <a:srgbClr val="00589A"/>
                 </a:solidFill>
-                <a:effectLst/>
-                <a:latin typeface="Arial" panose="020B0604020202020204" pitchFamily="34" charset="0"/>
                 <a:ea typeface="SimSun" panose="02010600030101010101" pitchFamily="2" charset="-122"/>
               </a:rPr>
-              <a:t>Basic use of the </a:t>
-            </a:r>
-            <a:r>
-              <a:rPr lang="en-US" sz="1050" dirty="0">
-                <a:effectLst/>
-                <a:latin typeface="Arial" panose="020B0604020202020204" pitchFamily="34" charset="0"/>
-                <a:ea typeface="SimSun" panose="02010600030101010101" pitchFamily="2" charset="-122"/>
-              </a:rPr>
-              <a:t>`ggplot2`</a:t>
-            </a:r>
-            <a:r>
-              <a:rPr lang="en-US" sz="1050" dirty="0">
-                <a:solidFill>
-                  <a:srgbClr val="00589A"/>
-                </a:solidFill>
-                <a:effectLst/>
-                <a:latin typeface="Arial" panose="020B0604020202020204" pitchFamily="34" charset="0"/>
-                <a:ea typeface="SimSun" panose="02010600030101010101" pitchFamily="2" charset="-122"/>
-              </a:rPr>
-              <a:t> package</a:t>
-            </a:r>
-            <a:endParaRPr lang="en-US" sz="1050" dirty="0">
-              <a:ea typeface="SimSun" panose="02010600030101010101" pitchFamily="2" charset="-122"/>
-            </a:endParaRPr>
+              <a:t>Leverage R’s `ggplot2` package to create compelling actuarial exhibits</a:t>
+            </a:r>
           </a:p>
           <a:p>
             <a:pPr indent="-228600">
@@ -14870,25 +15386,19 @@
               <a:spcAft>
                 <a:spcPts val="0"/>
               </a:spcAft>
+              <a:buSzPct val="100000"/>
               <a:buFont typeface="+mj-lt"/>
               <a:buAutoNum type="arabicPeriod"/>
             </a:pPr>
             <a:r>
-              <a:rPr lang="en-US" sz="1050" dirty="0">
+              <a:rPr lang="en-US" sz="1200" dirty="0">
                 <a:solidFill>
                   <a:srgbClr val="00589A"/>
                 </a:solidFill>
-                <a:effectLst/>
-                <a:latin typeface="Arial" panose="020B0604020202020204" pitchFamily="34" charset="0"/>
                 <a:ea typeface="SimSun" panose="02010600030101010101" pitchFamily="2" charset="-122"/>
               </a:rPr>
-              <a:t>When and how to use non-data formatting to customize a visualization for your audience</a:t>
-            </a:r>
-            <a:endParaRPr lang="en-US" sz="1050" dirty="0">
-              <a:effectLst/>
-              <a:latin typeface="Arial" panose="020B0604020202020204" pitchFamily="34" charset="0"/>
-              <a:ea typeface="SimSun" panose="02010600030101010101" pitchFamily="2" charset="-122"/>
-            </a:endParaRPr>
+              <a:t>Restructure data visualizations to tell the right story for your audience</a:t>
+            </a:r>
           </a:p>
           <a:p>
             <a:pPr marL="114300" marR="0" indent="0">
@@ -14903,200 +15413,20 @@
               </a:spcAft>
               <a:buNone/>
             </a:pPr>
-            <a:r>
-              <a:rPr lang="en-US" sz="1050" b="1" dirty="0">
-                <a:solidFill>
-                  <a:srgbClr val="00589A"/>
-                </a:solidFill>
-                <a:effectLst/>
-                <a:latin typeface="Arial" panose="020B0604020202020204" pitchFamily="34" charset="0"/>
-                <a:ea typeface="SimSun" panose="02010600030101010101" pitchFamily="2" charset="-122"/>
-              </a:rPr>
-              <a:t>Session Format</a:t>
-            </a:r>
-            <a:r>
-              <a:rPr lang="en-US" sz="1050" dirty="0">
-                <a:solidFill>
-                  <a:srgbClr val="00589A"/>
-                </a:solidFill>
-                <a:effectLst/>
-                <a:latin typeface="Arial" panose="020B0604020202020204" pitchFamily="34" charset="0"/>
-                <a:ea typeface="SimSun" panose="02010600030101010101" pitchFamily="2" charset="-122"/>
-              </a:rPr>
-              <a:t>: Concurrent Session, 50-60 minutes</a:t>
-            </a:r>
-            <a:endParaRPr lang="en-US" sz="1050" dirty="0">
+            <a:endParaRPr lang="en-US" sz="1200" b="1" dirty="0">
+              <a:solidFill>
+                <a:srgbClr val="00589A"/>
+              </a:solidFill>
               <a:effectLst/>
               <a:latin typeface="Arial" panose="020B0604020202020204" pitchFamily="34" charset="0"/>
               <a:ea typeface="SimSun" panose="02010600030101010101" pitchFamily="2" charset="-122"/>
             </a:endParaRPr>
           </a:p>
           <a:p>
-            <a:pPr marL="114300" marR="0" indent="0">
-              <a:lnSpc>
-                <a:spcPct val="110000"/>
-              </a:lnSpc>
-              <a:spcBef>
-                <a:spcPts val="0"/>
-              </a:spcBef>
-              <a:spcAft>
-                <a:spcPts val="0"/>
-              </a:spcAft>
+            <a:pPr marL="0" indent="0">
               <a:buNone/>
             </a:pPr>
-            <a:r>
-              <a:rPr lang="en-US" sz="1050" b="1" dirty="0">
-                <a:solidFill>
-                  <a:srgbClr val="00589A"/>
-                </a:solidFill>
-                <a:effectLst/>
-                <a:latin typeface="Arial" panose="020B0604020202020204" pitchFamily="34" charset="0"/>
-                <a:ea typeface="SimSun" panose="02010600030101010101" pitchFamily="2" charset="-122"/>
-              </a:rPr>
-              <a:t>Theme</a:t>
-            </a:r>
-            <a:r>
-              <a:rPr lang="en-US" sz="1050" dirty="0">
-                <a:solidFill>
-                  <a:srgbClr val="00589A"/>
-                </a:solidFill>
-                <a:effectLst/>
-                <a:latin typeface="Arial" panose="020B0604020202020204" pitchFamily="34" charset="0"/>
-                <a:ea typeface="SimSun" panose="02010600030101010101" pitchFamily="2" charset="-122"/>
-              </a:rPr>
-              <a:t>: Navigate</a:t>
-            </a:r>
-            <a:endParaRPr lang="en-US" sz="1050" dirty="0">
-              <a:effectLst/>
-              <a:latin typeface="Arial" panose="020B0604020202020204" pitchFamily="34" charset="0"/>
-              <a:ea typeface="SimSun" panose="02010600030101010101" pitchFamily="2" charset="-122"/>
-            </a:endParaRPr>
-          </a:p>
-          <a:p>
-            <a:pPr marL="114300" marR="0" indent="0">
-              <a:lnSpc>
-                <a:spcPct val="110000"/>
-              </a:lnSpc>
-              <a:spcBef>
-                <a:spcPts val="0"/>
-              </a:spcBef>
-              <a:spcAft>
-                <a:spcPts val="0"/>
-              </a:spcAft>
-              <a:buNone/>
-            </a:pPr>
-            <a:r>
-              <a:rPr lang="en-US" sz="1050" b="1" dirty="0">
-                <a:solidFill>
-                  <a:srgbClr val="00589A"/>
-                </a:solidFill>
-                <a:effectLst/>
-                <a:latin typeface="Arial" panose="020B0604020202020204" pitchFamily="34" charset="0"/>
-                <a:ea typeface="SimSun" panose="02010600030101010101" pitchFamily="2" charset="-122"/>
-              </a:rPr>
-              <a:t>Applicable Areas</a:t>
-            </a:r>
-            <a:r>
-              <a:rPr lang="en-US" sz="1050" dirty="0">
-                <a:solidFill>
-                  <a:srgbClr val="00589A"/>
-                </a:solidFill>
-                <a:effectLst/>
-                <a:latin typeface="Arial" panose="020B0604020202020204" pitchFamily="34" charset="0"/>
-                <a:ea typeface="SimSun" panose="02010600030101010101" pitchFamily="2" charset="-122"/>
-              </a:rPr>
-              <a:t>: Actuarial Toolkit: Programming Software, Data Manipulation Tools, and Data Visualization Tools</a:t>
-            </a:r>
-            <a:endParaRPr lang="en-US" sz="1050" dirty="0">
-              <a:effectLst/>
-              <a:latin typeface="Arial" panose="020B0604020202020204" pitchFamily="34" charset="0"/>
-              <a:ea typeface="SimSun" panose="02010600030101010101" pitchFamily="2" charset="-122"/>
-            </a:endParaRPr>
-          </a:p>
-          <a:p>
-            <a:pPr marL="114300" marR="0" indent="0">
-              <a:lnSpc>
-                <a:spcPct val="110000"/>
-              </a:lnSpc>
-              <a:spcBef>
-                <a:spcPts val="0"/>
-              </a:spcBef>
-              <a:spcAft>
-                <a:spcPts val="0"/>
-              </a:spcAft>
-              <a:buNone/>
-            </a:pPr>
-            <a:r>
-              <a:rPr lang="en-US" sz="1050" b="1" dirty="0">
-                <a:solidFill>
-                  <a:srgbClr val="00589A"/>
-                </a:solidFill>
-                <a:effectLst/>
-                <a:latin typeface="Arial" panose="020B0604020202020204" pitchFamily="34" charset="0"/>
-                <a:ea typeface="SimSun" panose="02010600030101010101" pitchFamily="2" charset="-122"/>
-              </a:rPr>
-              <a:t>Knowledge Level</a:t>
-            </a:r>
-            <a:r>
-              <a:rPr lang="en-US" sz="1050" dirty="0">
-                <a:solidFill>
-                  <a:srgbClr val="00589A"/>
-                </a:solidFill>
-                <a:effectLst/>
-                <a:latin typeface="Arial" panose="020B0604020202020204" pitchFamily="34" charset="0"/>
-                <a:ea typeface="SimSun" panose="02010600030101010101" pitchFamily="2" charset="-122"/>
-              </a:rPr>
-              <a:t>: Level 2: General Knowledge of the Subject (6-9 years)</a:t>
-            </a:r>
-            <a:endParaRPr lang="en-US" sz="1050" dirty="0">
-              <a:effectLst/>
-              <a:latin typeface="Arial" panose="020B0604020202020204" pitchFamily="34" charset="0"/>
-              <a:ea typeface="SimSun" panose="02010600030101010101" pitchFamily="2" charset="-122"/>
-            </a:endParaRPr>
-          </a:p>
-          <a:p>
-            <a:pPr marL="114300" marR="0" indent="0">
-              <a:lnSpc>
-                <a:spcPct val="110000"/>
-              </a:lnSpc>
-              <a:spcBef>
-                <a:spcPts val="0"/>
-              </a:spcBef>
-              <a:spcAft>
-                <a:spcPts val="0"/>
-              </a:spcAft>
-              <a:buNone/>
-            </a:pPr>
-            <a:r>
-              <a:rPr lang="en-US" sz="1050" b="1" dirty="0">
-                <a:solidFill>
-                  <a:srgbClr val="00589A"/>
-                </a:solidFill>
-                <a:effectLst/>
-                <a:latin typeface="Arial" panose="020B0604020202020204" pitchFamily="34" charset="0"/>
-                <a:ea typeface="SimSun" panose="02010600030101010101" pitchFamily="2" charset="-122"/>
-              </a:rPr>
-              <a:t>Interactive Elements</a:t>
-            </a:r>
-            <a:r>
-              <a:rPr lang="en-US" sz="1050" dirty="0">
-                <a:solidFill>
-                  <a:srgbClr val="00589A"/>
-                </a:solidFill>
-                <a:effectLst/>
-                <a:latin typeface="Arial" panose="020B0604020202020204" pitchFamily="34" charset="0"/>
-                <a:ea typeface="SimSun" panose="02010600030101010101" pitchFamily="2" charset="-122"/>
-              </a:rPr>
-              <a:t>: There will be one or two discussion prompts, as well live voting to compare different means of visualizing data analysis</a:t>
-            </a:r>
-            <a:endParaRPr lang="en-US" sz="1050" dirty="0">
-              <a:effectLst/>
-              <a:latin typeface="Arial" panose="020B0604020202020204" pitchFamily="34" charset="0"/>
-              <a:ea typeface="SimSun" panose="02010600030101010101" pitchFamily="2" charset="-122"/>
-            </a:endParaRPr>
-          </a:p>
-          <a:p>
-            <a:endParaRPr lang="en-US" sz="1050" dirty="0"/>
+            <a:endParaRPr lang="en-US" sz="1200" dirty="0"/>
           </a:p>
         </p:txBody>
       </p:sp>
@@ -15170,6 +15500,1004 @@
 </file>
 
 <file path=ppt/slides/slide10.xml><?xml version="1.0" encoding="utf-8"?>
+<p:sld xmlns:a="http://schemas.openxmlformats.org/drawingml/2006/main" xmlns:r="http://schemas.openxmlformats.org/officeDocument/2006/relationships" xmlns:p="http://schemas.openxmlformats.org/presentationml/2006/main">
+  <p:cSld>
+    <p:spTree>
+      <p:nvGrpSpPr>
+        <p:cNvPr id="1" name=""/>
+        <p:cNvGrpSpPr/>
+        <p:nvPr/>
+      </p:nvGrpSpPr>
+      <p:grpSpPr>
+        <a:xfrm>
+          <a:off x="0" y="0"/>
+          <a:ext cx="0" cy="0"/>
+          <a:chOff x="0" y="0"/>
+          <a:chExt cx="0" cy="0"/>
+        </a:xfrm>
+      </p:grpSpPr>
+      <p:sp>
+        <p:nvSpPr>
+          <p:cNvPr id="2" name="Title 1">
+            <a:extLst>
+              <a:ext uri="{FF2B5EF4-FFF2-40B4-BE49-F238E27FC236}">
+                <a16:creationId xmlns:a16="http://schemas.microsoft.com/office/drawing/2014/main" id="{10B17ABD-BE88-D042-5997-22F660D5947A}"/>
+              </a:ext>
+            </a:extLst>
+          </p:cNvPr>
+          <p:cNvSpPr>
+            <a:spLocks noGrp="1"/>
+          </p:cNvSpPr>
+          <p:nvPr>
+            <p:ph type="title"/>
+          </p:nvPr>
+        </p:nvSpPr>
+        <p:spPr/>
+        <p:txBody>
+          <a:bodyPr/>
+          <a:lstStyle/>
+          <a:p>
+            <a:r>
+              <a:rPr lang="en-US" dirty="0"/>
+              <a:t>Why Seeing is Believing:</a:t>
+            </a:r>
+          </a:p>
+        </p:txBody>
+      </p:sp>
+      <p:sp>
+        <p:nvSpPr>
+          <p:cNvPr id="3" name="Content Placeholder 2">
+            <a:extLst>
+              <a:ext uri="{FF2B5EF4-FFF2-40B4-BE49-F238E27FC236}">
+                <a16:creationId xmlns:a16="http://schemas.microsoft.com/office/drawing/2014/main" id="{F33662A3-4DD5-0500-C0E1-EA5CF57A5ABC}"/>
+              </a:ext>
+            </a:extLst>
+          </p:cNvPr>
+          <p:cNvSpPr>
+            <a:spLocks noGrp="1"/>
+          </p:cNvSpPr>
+          <p:nvPr>
+            <p:ph idx="1"/>
+          </p:nvPr>
+        </p:nvSpPr>
+        <p:spPr/>
+        <p:txBody>
+          <a:bodyPr/>
+          <a:lstStyle/>
+          <a:p>
+            <a:pPr marL="0" indent="0">
+              <a:buNone/>
+            </a:pPr>
+            <a:endParaRPr lang="en-US" dirty="0"/>
+          </a:p>
+          <a:p>
+            <a:r>
+              <a:rPr lang="en-US" b="1" dirty="0"/>
+              <a:t>Better Pattern Identification</a:t>
+            </a:r>
+          </a:p>
+          <a:p>
+            <a:r>
+              <a:rPr lang="en-US" b="1" dirty="0"/>
+              <a:t>“Big Picture”</a:t>
+            </a:r>
+          </a:p>
+          <a:p>
+            <a:r>
+              <a:rPr lang="en-US" b="1" dirty="0"/>
+              <a:t>Identifying Outliers</a:t>
+            </a:r>
+          </a:p>
+          <a:p>
+            <a:r>
+              <a:rPr lang="en-US" b="1" dirty="0"/>
+              <a:t>Easily Interpreted</a:t>
+            </a:r>
+          </a:p>
+          <a:p>
+            <a:r>
+              <a:rPr lang="en-US" b="1" dirty="0"/>
+              <a:t>Memory Retention</a:t>
+            </a:r>
+          </a:p>
+        </p:txBody>
+      </p:sp>
+    </p:spTree>
+    <p:extLst>
+      <p:ext uri="{BB962C8B-B14F-4D97-AF65-F5344CB8AC3E}">
+        <p14:creationId xmlns:p14="http://schemas.microsoft.com/office/powerpoint/2010/main" val="2741569399"/>
+      </p:ext>
+    </p:extLst>
+  </p:cSld>
+  <p:clrMapOvr>
+    <a:masterClrMapping/>
+  </p:clrMapOvr>
+</p:sld>
+</file>
+
+<file path=ppt/slides/slide11.xml><?xml version="1.0" encoding="utf-8"?>
+<p:sld xmlns:a="http://schemas.openxmlformats.org/drawingml/2006/main" xmlns:r="http://schemas.openxmlformats.org/officeDocument/2006/relationships" xmlns:p="http://schemas.openxmlformats.org/presentationml/2006/main">
+  <p:cSld>
+    <p:spTree>
+      <p:nvGrpSpPr>
+        <p:cNvPr id="1" name=""/>
+        <p:cNvGrpSpPr/>
+        <p:nvPr/>
+      </p:nvGrpSpPr>
+      <p:grpSpPr>
+        <a:xfrm>
+          <a:off x="0" y="0"/>
+          <a:ext cx="0" cy="0"/>
+          <a:chOff x="0" y="0"/>
+          <a:chExt cx="0" cy="0"/>
+        </a:xfrm>
+      </p:grpSpPr>
+      <p:sp>
+        <p:nvSpPr>
+          <p:cNvPr id="2" name="Title 1">
+            <a:extLst>
+              <a:ext uri="{FF2B5EF4-FFF2-40B4-BE49-F238E27FC236}">
+                <a16:creationId xmlns:a16="http://schemas.microsoft.com/office/drawing/2014/main" id="{FB164A08-7CBF-A761-E02D-33DAFF697330}"/>
+              </a:ext>
+            </a:extLst>
+          </p:cNvPr>
+          <p:cNvSpPr>
+            <a:spLocks noGrp="1"/>
+          </p:cNvSpPr>
+          <p:nvPr>
+            <p:ph type="title"/>
+          </p:nvPr>
+        </p:nvSpPr>
+        <p:spPr/>
+        <p:txBody>
+          <a:bodyPr/>
+          <a:lstStyle/>
+          <a:p>
+            <a:r>
+              <a:rPr lang="en-US" dirty="0"/>
+              <a:t>Decoding Complexity</a:t>
+            </a:r>
+          </a:p>
+        </p:txBody>
+      </p:sp>
+      <p:sp>
+        <p:nvSpPr>
+          <p:cNvPr id="3" name="Text Placeholder 2">
+            <a:extLst>
+              <a:ext uri="{FF2B5EF4-FFF2-40B4-BE49-F238E27FC236}">
+                <a16:creationId xmlns:a16="http://schemas.microsoft.com/office/drawing/2014/main" id="{4B1F8AE9-444E-BC75-AA22-A6E4BADDFFA8}"/>
+              </a:ext>
+            </a:extLst>
+          </p:cNvPr>
+          <p:cNvSpPr>
+            <a:spLocks noGrp="1"/>
+          </p:cNvSpPr>
+          <p:nvPr>
+            <p:ph type="body" idx="1"/>
+          </p:nvPr>
+        </p:nvSpPr>
+        <p:spPr/>
+        <p:txBody>
+          <a:bodyPr/>
+          <a:lstStyle/>
+          <a:p>
+            <a:endParaRPr lang="en-US"/>
+          </a:p>
+        </p:txBody>
+      </p:sp>
+    </p:spTree>
+    <p:extLst>
+      <p:ext uri="{BB962C8B-B14F-4D97-AF65-F5344CB8AC3E}">
+        <p14:creationId xmlns:p14="http://schemas.microsoft.com/office/powerpoint/2010/main" val="1394516605"/>
+      </p:ext>
+    </p:extLst>
+  </p:cSld>
+  <p:clrMapOvr>
+    <a:masterClrMapping/>
+  </p:clrMapOvr>
+</p:sld>
+</file>
+
+<file path=ppt/slides/slide12.xml><?xml version="1.0" encoding="utf-8"?>
+<p:sld xmlns:a="http://schemas.openxmlformats.org/drawingml/2006/main" xmlns:r="http://schemas.openxmlformats.org/officeDocument/2006/relationships" xmlns:p="http://schemas.openxmlformats.org/presentationml/2006/main">
+  <p:cSld>
+    <p:spTree>
+      <p:nvGrpSpPr>
+        <p:cNvPr id="1" name=""/>
+        <p:cNvGrpSpPr/>
+        <p:nvPr/>
+      </p:nvGrpSpPr>
+      <p:grpSpPr>
+        <a:xfrm>
+          <a:off x="0" y="0"/>
+          <a:ext cx="0" cy="0"/>
+          <a:chOff x="0" y="0"/>
+          <a:chExt cx="0" cy="0"/>
+        </a:xfrm>
+      </p:grpSpPr>
+      <p:sp>
+        <p:nvSpPr>
+          <p:cNvPr id="2" name="Title 1">
+            <a:extLst>
+              <a:ext uri="{FF2B5EF4-FFF2-40B4-BE49-F238E27FC236}">
+                <a16:creationId xmlns:a16="http://schemas.microsoft.com/office/drawing/2014/main" id="{18969BF5-0288-FD7C-1739-0C8672F3D7F8}"/>
+              </a:ext>
+            </a:extLst>
+          </p:cNvPr>
+          <p:cNvSpPr>
+            <a:spLocks noGrp="1"/>
+          </p:cNvSpPr>
+          <p:nvPr>
+            <p:ph type="title"/>
+          </p:nvPr>
+        </p:nvSpPr>
+        <p:spPr/>
+        <p:txBody>
+          <a:bodyPr/>
+          <a:lstStyle/>
+          <a:p>
+            <a:r>
+              <a:rPr lang="en-US" dirty="0"/>
+              <a:t>Decoding Complexity</a:t>
+            </a:r>
+          </a:p>
+        </p:txBody>
+      </p:sp>
+      <p:sp>
+        <p:nvSpPr>
+          <p:cNvPr id="3" name="Content Placeholder 2">
+            <a:extLst>
+              <a:ext uri="{FF2B5EF4-FFF2-40B4-BE49-F238E27FC236}">
+                <a16:creationId xmlns:a16="http://schemas.microsoft.com/office/drawing/2014/main" id="{39176E43-0115-E50B-D268-5E00760022A7}"/>
+              </a:ext>
+            </a:extLst>
+          </p:cNvPr>
+          <p:cNvSpPr>
+            <a:spLocks noGrp="1"/>
+          </p:cNvSpPr>
+          <p:nvPr>
+            <p:ph idx="1"/>
+          </p:nvPr>
+        </p:nvSpPr>
+        <p:spPr/>
+        <p:txBody>
+          <a:bodyPr/>
+          <a:lstStyle/>
+          <a:p>
+            <a:r>
+              <a:rPr lang="en-US" dirty="0"/>
+              <a:t>Univariate Linear Regression</a:t>
+            </a:r>
+          </a:p>
+          <a:p>
+            <a:r>
+              <a:rPr lang="en-US" dirty="0"/>
+              <a:t>Principal Components Analysis</a:t>
+            </a:r>
+          </a:p>
+          <a:p>
+            <a:r>
+              <a:rPr lang="en-US" dirty="0"/>
+              <a:t>Decision Trees</a:t>
+            </a:r>
+          </a:p>
+          <a:p>
+            <a:r>
+              <a:rPr lang="en-US" dirty="0"/>
+              <a:t>Correlation &amp; Tail Correlation</a:t>
+            </a:r>
+          </a:p>
+        </p:txBody>
+      </p:sp>
+    </p:spTree>
+    <p:extLst>
+      <p:ext uri="{BB962C8B-B14F-4D97-AF65-F5344CB8AC3E}">
+        <p14:creationId xmlns:p14="http://schemas.microsoft.com/office/powerpoint/2010/main" val="1361387039"/>
+      </p:ext>
+    </p:extLst>
+  </p:cSld>
+  <p:clrMapOvr>
+    <a:masterClrMapping/>
+  </p:clrMapOvr>
+</p:sld>
+</file>
+
+<file path=ppt/slides/slide13.xml><?xml version="1.0" encoding="utf-8"?>
+<p:sld xmlns:a="http://schemas.openxmlformats.org/drawingml/2006/main" xmlns:r="http://schemas.openxmlformats.org/officeDocument/2006/relationships" xmlns:p="http://schemas.openxmlformats.org/presentationml/2006/main">
+  <p:cSld>
+    <p:spTree>
+      <p:nvGrpSpPr>
+        <p:cNvPr id="1" name=""/>
+        <p:cNvGrpSpPr/>
+        <p:nvPr/>
+      </p:nvGrpSpPr>
+      <p:grpSpPr>
+        <a:xfrm>
+          <a:off x="0" y="0"/>
+          <a:ext cx="0" cy="0"/>
+          <a:chOff x="0" y="0"/>
+          <a:chExt cx="0" cy="0"/>
+        </a:xfrm>
+      </p:grpSpPr>
+      <p:sp>
+        <p:nvSpPr>
+          <p:cNvPr id="2" name="Title 1">
+            <a:extLst>
+              <a:ext uri="{FF2B5EF4-FFF2-40B4-BE49-F238E27FC236}">
+                <a16:creationId xmlns:a16="http://schemas.microsoft.com/office/drawing/2014/main" id="{FB164A08-7CBF-A761-E02D-33DAFF697330}"/>
+              </a:ext>
+            </a:extLst>
+          </p:cNvPr>
+          <p:cNvSpPr>
+            <a:spLocks noGrp="1"/>
+          </p:cNvSpPr>
+          <p:nvPr>
+            <p:ph type="title"/>
+          </p:nvPr>
+        </p:nvSpPr>
+        <p:spPr/>
+        <p:txBody>
+          <a:bodyPr/>
+          <a:lstStyle/>
+          <a:p>
+            <a:r>
+              <a:rPr lang="en-US" dirty="0"/>
+              <a:t>The power of persuasion</a:t>
+            </a:r>
+          </a:p>
+        </p:txBody>
+      </p:sp>
+      <p:sp>
+        <p:nvSpPr>
+          <p:cNvPr id="3" name="Text Placeholder 2">
+            <a:extLst>
+              <a:ext uri="{FF2B5EF4-FFF2-40B4-BE49-F238E27FC236}">
+                <a16:creationId xmlns:a16="http://schemas.microsoft.com/office/drawing/2014/main" id="{4B1F8AE9-444E-BC75-AA22-A6E4BADDFFA8}"/>
+              </a:ext>
+            </a:extLst>
+          </p:cNvPr>
+          <p:cNvSpPr>
+            <a:spLocks noGrp="1"/>
+          </p:cNvSpPr>
+          <p:nvPr>
+            <p:ph type="body" idx="1"/>
+          </p:nvPr>
+        </p:nvSpPr>
+        <p:spPr/>
+        <p:txBody>
+          <a:bodyPr/>
+          <a:lstStyle/>
+          <a:p>
+            <a:endParaRPr lang="en-US"/>
+          </a:p>
+        </p:txBody>
+      </p:sp>
+    </p:spTree>
+    <p:extLst>
+      <p:ext uri="{BB962C8B-B14F-4D97-AF65-F5344CB8AC3E}">
+        <p14:creationId xmlns:p14="http://schemas.microsoft.com/office/powerpoint/2010/main" val="2737078565"/>
+      </p:ext>
+    </p:extLst>
+  </p:cSld>
+  <p:clrMapOvr>
+    <a:masterClrMapping/>
+  </p:clrMapOvr>
+</p:sld>
+</file>
+
+<file path=ppt/slides/slide14.xml><?xml version="1.0" encoding="utf-8"?>
+<p:sld xmlns:a="http://schemas.openxmlformats.org/drawingml/2006/main" xmlns:r="http://schemas.openxmlformats.org/officeDocument/2006/relationships" xmlns:p="http://schemas.openxmlformats.org/presentationml/2006/main">
+  <p:cSld>
+    <p:spTree>
+      <p:nvGrpSpPr>
+        <p:cNvPr id="1" name=""/>
+        <p:cNvGrpSpPr/>
+        <p:nvPr/>
+      </p:nvGrpSpPr>
+      <p:grpSpPr>
+        <a:xfrm>
+          <a:off x="0" y="0"/>
+          <a:ext cx="0" cy="0"/>
+          <a:chOff x="0" y="0"/>
+          <a:chExt cx="0" cy="0"/>
+        </a:xfrm>
+      </p:grpSpPr>
+      <p:sp>
+        <p:nvSpPr>
+          <p:cNvPr id="2" name="Title 1">
+            <a:extLst>
+              <a:ext uri="{FF2B5EF4-FFF2-40B4-BE49-F238E27FC236}">
+                <a16:creationId xmlns:a16="http://schemas.microsoft.com/office/drawing/2014/main" id="{18969BF5-0288-FD7C-1739-0C8672F3D7F8}"/>
+              </a:ext>
+            </a:extLst>
+          </p:cNvPr>
+          <p:cNvSpPr>
+            <a:spLocks noGrp="1"/>
+          </p:cNvSpPr>
+          <p:nvPr>
+            <p:ph type="title"/>
+          </p:nvPr>
+        </p:nvSpPr>
+        <p:spPr/>
+        <p:txBody>
+          <a:bodyPr/>
+          <a:lstStyle/>
+          <a:p>
+            <a:r>
+              <a:rPr lang="en-US" dirty="0"/>
+              <a:t>The Power of Persuasion</a:t>
+            </a:r>
+          </a:p>
+        </p:txBody>
+      </p:sp>
+      <p:sp>
+        <p:nvSpPr>
+          <p:cNvPr id="3" name="Content Placeholder 2">
+            <a:extLst>
+              <a:ext uri="{FF2B5EF4-FFF2-40B4-BE49-F238E27FC236}">
+                <a16:creationId xmlns:a16="http://schemas.microsoft.com/office/drawing/2014/main" id="{39176E43-0115-E50B-D268-5E00760022A7}"/>
+              </a:ext>
+            </a:extLst>
+          </p:cNvPr>
+          <p:cNvSpPr>
+            <a:spLocks noGrp="1"/>
+          </p:cNvSpPr>
+          <p:nvPr>
+            <p:ph idx="1"/>
+          </p:nvPr>
+        </p:nvSpPr>
+        <p:spPr/>
+        <p:txBody>
+          <a:bodyPr/>
+          <a:lstStyle/>
+          <a:p>
+            <a:r>
+              <a:rPr lang="en-US" dirty="0"/>
+              <a:t>Highlighting Key Insights</a:t>
+            </a:r>
+          </a:p>
+          <a:p>
+            <a:r>
+              <a:rPr lang="en-US" dirty="0"/>
+              <a:t>Telling a Story</a:t>
+            </a:r>
+          </a:p>
+          <a:p>
+            <a:r>
+              <a:rPr lang="en-US" dirty="0"/>
+              <a:t>Providing Context</a:t>
+            </a:r>
+          </a:p>
+          <a:p>
+            <a:r>
+              <a:rPr lang="en-US"/>
+              <a:t>Show Comparisons</a:t>
+            </a:r>
+            <a:endParaRPr lang="en-US" dirty="0"/>
+          </a:p>
+        </p:txBody>
+      </p:sp>
+    </p:spTree>
+    <p:extLst>
+      <p:ext uri="{BB962C8B-B14F-4D97-AF65-F5344CB8AC3E}">
+        <p14:creationId xmlns:p14="http://schemas.microsoft.com/office/powerpoint/2010/main" val="3614181392"/>
+      </p:ext>
+    </p:extLst>
+  </p:cSld>
+  <p:clrMapOvr>
+    <a:masterClrMapping/>
+  </p:clrMapOvr>
+</p:sld>
+</file>
+
+<file path=ppt/slides/slide15.xml><?xml version="1.0" encoding="utf-8"?>
+<p:sld xmlns:a="http://schemas.openxmlformats.org/drawingml/2006/main" xmlns:r="http://schemas.openxmlformats.org/officeDocument/2006/relationships" xmlns:p="http://schemas.openxmlformats.org/presentationml/2006/main">
+  <p:cSld>
+    <p:spTree>
+      <p:nvGrpSpPr>
+        <p:cNvPr id="1" name=""/>
+        <p:cNvGrpSpPr/>
+        <p:nvPr/>
+      </p:nvGrpSpPr>
+      <p:grpSpPr>
+        <a:xfrm>
+          <a:off x="0" y="0"/>
+          <a:ext cx="0" cy="0"/>
+          <a:chOff x="0" y="0"/>
+          <a:chExt cx="0" cy="0"/>
+        </a:xfrm>
+      </p:grpSpPr>
+      <p:sp>
+        <p:nvSpPr>
+          <p:cNvPr id="2" name="Title 1">
+            <a:extLst>
+              <a:ext uri="{FF2B5EF4-FFF2-40B4-BE49-F238E27FC236}">
+                <a16:creationId xmlns:a16="http://schemas.microsoft.com/office/drawing/2014/main" id="{18969BF5-0288-FD7C-1739-0C8672F3D7F8}"/>
+              </a:ext>
+            </a:extLst>
+          </p:cNvPr>
+          <p:cNvSpPr>
+            <a:spLocks noGrp="1"/>
+          </p:cNvSpPr>
+          <p:nvPr>
+            <p:ph type="title"/>
+          </p:nvPr>
+        </p:nvSpPr>
+        <p:spPr>
+          <a:xfrm>
+            <a:off x="1066800" y="274638"/>
+            <a:ext cx="7772400" cy="1143000"/>
+          </a:xfrm>
+        </p:spPr>
+        <p:txBody>
+          <a:bodyPr/>
+          <a:lstStyle/>
+          <a:p>
+            <a:r>
+              <a:rPr lang="en-US" dirty="0"/>
+              <a:t>Initial Example: Fitted Severity</a:t>
+            </a:r>
+          </a:p>
+        </p:txBody>
+      </p:sp>
+      <p:pic>
+        <p:nvPicPr>
+          <p:cNvPr id="4" name="Picture 3">
+            <a:extLst>
+              <a:ext uri="{FF2B5EF4-FFF2-40B4-BE49-F238E27FC236}">
+                <a16:creationId xmlns:a16="http://schemas.microsoft.com/office/drawing/2014/main" id="{E725ABD2-C6D9-F502-2921-0DC1A1664FD0}"/>
+              </a:ext>
+            </a:extLst>
+          </p:cNvPr>
+          <p:cNvPicPr>
+            <a:picLocks noChangeAspect="1"/>
+          </p:cNvPicPr>
+          <p:nvPr/>
+        </p:nvPicPr>
+        <p:blipFill>
+          <a:blip r:embed="rId2" r:link="rId3" cstate="print">
+            <a:extLst>
+              <a:ext uri="{28A0092B-C50C-407E-A947-70E740481C1C}">
+                <a14:useLocalDpi xmlns:a14="http://schemas.microsoft.com/office/drawing/2010/main" val="0"/>
+              </a:ext>
+            </a:extLst>
+          </a:blip>
+          <a:srcRect/>
+          <a:stretch>
+            <a:fillRect/>
+          </a:stretch>
+        </p:blipFill>
+        <p:spPr>
+          <a:xfrm>
+            <a:off x="2971801" y="1447801"/>
+            <a:ext cx="5943597" cy="3962398"/>
+          </a:xfrm>
+          <a:prstGeom prst="rect">
+            <a:avLst/>
+          </a:prstGeom>
+        </p:spPr>
+      </p:pic>
+      <p:sp>
+        <p:nvSpPr>
+          <p:cNvPr id="5" name="TextBox 4">
+            <a:extLst>
+              <a:ext uri="{FF2B5EF4-FFF2-40B4-BE49-F238E27FC236}">
+                <a16:creationId xmlns:a16="http://schemas.microsoft.com/office/drawing/2014/main" id="{2CA6CE52-CDE9-6BD5-D02A-0B9CDE177F35}"/>
+              </a:ext>
+            </a:extLst>
+          </p:cNvPr>
+          <p:cNvSpPr txBox="1"/>
+          <p:nvPr/>
+        </p:nvSpPr>
+        <p:spPr>
+          <a:xfrm>
+            <a:off x="228601" y="2514600"/>
+            <a:ext cx="2431673" cy="1384995"/>
+          </a:xfrm>
+          <a:prstGeom prst="rect">
+            <a:avLst/>
+          </a:prstGeom>
+          <a:noFill/>
+        </p:spPr>
+        <p:txBody>
+          <a:bodyPr wrap="square" rtlCol="0">
+            <a:spAutoFit/>
+          </a:bodyPr>
+          <a:lstStyle/>
+          <a:p>
+            <a:pPr algn="ctr"/>
+            <a:r>
+              <a:rPr lang="en-US" sz="2800" dirty="0">
+                <a:latin typeface="Arial" panose="020B0604020202020204" pitchFamily="34" charset="0"/>
+                <a:cs typeface="Arial" panose="020B0604020202020204" pitchFamily="34" charset="0"/>
+              </a:rPr>
+              <a:t>How can we improve upon this chart?</a:t>
+            </a:r>
+          </a:p>
+        </p:txBody>
+      </p:sp>
+      <p:sp>
+        <p:nvSpPr>
+          <p:cNvPr id="3" name="TextBox 2">
+            <a:extLst>
+              <a:ext uri="{FF2B5EF4-FFF2-40B4-BE49-F238E27FC236}">
+                <a16:creationId xmlns:a16="http://schemas.microsoft.com/office/drawing/2014/main" id="{D90ECCA0-06AB-B8AB-4B22-AA383E47AE34}"/>
+              </a:ext>
+            </a:extLst>
+          </p:cNvPr>
+          <p:cNvSpPr txBox="1"/>
+          <p:nvPr/>
+        </p:nvSpPr>
+        <p:spPr>
+          <a:xfrm>
+            <a:off x="260498" y="5181600"/>
+            <a:ext cx="7588101" cy="830997"/>
+          </a:xfrm>
+          <a:prstGeom prst="rect">
+            <a:avLst/>
+          </a:prstGeom>
+          <a:noFill/>
+        </p:spPr>
+        <p:txBody>
+          <a:bodyPr wrap="square" rtlCol="0">
+            <a:spAutoFit/>
+          </a:bodyPr>
+          <a:lstStyle/>
+          <a:p>
+            <a:r>
+              <a:rPr lang="en-US" sz="1200" dirty="0">
+                <a:latin typeface="Consolas" panose="020B0609020204030204" pitchFamily="49" charset="0"/>
+              </a:rPr>
+              <a:t>p &lt;- data |&gt;</a:t>
+            </a:r>
+          </a:p>
+          <a:p>
+            <a:r>
+              <a:rPr lang="en-US" sz="1200" dirty="0">
+                <a:latin typeface="Consolas" panose="020B0609020204030204" pitchFamily="49" charset="0"/>
+              </a:rPr>
+              <a:t>  </a:t>
+            </a:r>
+            <a:r>
+              <a:rPr lang="en-US" sz="1200" dirty="0" err="1">
+                <a:latin typeface="Consolas" panose="020B0609020204030204" pitchFamily="49" charset="0"/>
+              </a:rPr>
+              <a:t>geom_histogram</a:t>
+            </a:r>
+            <a:r>
+              <a:rPr lang="en-US" sz="1200" dirty="0">
+                <a:latin typeface="Consolas" panose="020B0609020204030204" pitchFamily="49" charset="0"/>
+              </a:rPr>
+              <a:t>(</a:t>
+            </a:r>
+            <a:r>
+              <a:rPr lang="en-US" sz="1200" dirty="0" err="1">
+                <a:latin typeface="Consolas" panose="020B0609020204030204" pitchFamily="49" charset="0"/>
+              </a:rPr>
+              <a:t>aes</a:t>
+            </a:r>
+            <a:r>
+              <a:rPr lang="en-US" sz="1200" dirty="0">
+                <a:latin typeface="Consolas" panose="020B0609020204030204" pitchFamily="49" charset="0"/>
+              </a:rPr>
+              <a:t>(x = loss, </a:t>
+            </a:r>
+            <a:r>
+              <a:rPr lang="en-US" sz="1200" dirty="0" err="1">
+                <a:latin typeface="Consolas" panose="020B0609020204030204" pitchFamily="49" charset="0"/>
+              </a:rPr>
+              <a:t>after_stat</a:t>
+            </a:r>
+            <a:r>
+              <a:rPr lang="en-US" sz="1200" dirty="0">
+                <a:latin typeface="Consolas" panose="020B0609020204030204" pitchFamily="49" charset="0"/>
+              </a:rPr>
+              <a:t>(density)) +</a:t>
+            </a:r>
+          </a:p>
+          <a:p>
+            <a:r>
+              <a:rPr lang="en-US" sz="1200" dirty="0">
+                <a:latin typeface="Consolas" panose="020B0609020204030204" pitchFamily="49" charset="0"/>
+              </a:rPr>
+              <a:t>  </a:t>
+            </a:r>
+            <a:r>
+              <a:rPr lang="en-US" sz="1200" dirty="0" err="1">
+                <a:latin typeface="Consolas" panose="020B0609020204030204" pitchFamily="49" charset="0"/>
+              </a:rPr>
+              <a:t>stat_function</a:t>
+            </a:r>
+            <a:r>
+              <a:rPr lang="en-US" sz="1200" dirty="0">
+                <a:latin typeface="Consolas" panose="020B0609020204030204" pitchFamily="49" charset="0"/>
+              </a:rPr>
+              <a:t>(fun = </a:t>
+            </a:r>
+            <a:r>
+              <a:rPr lang="en-US" sz="1200" dirty="0" err="1">
+                <a:latin typeface="Consolas" panose="020B0609020204030204" pitchFamily="49" charset="0"/>
+              </a:rPr>
+              <a:t>dlnorm</a:t>
+            </a:r>
+            <a:r>
+              <a:rPr lang="en-US" sz="1200" dirty="0">
+                <a:latin typeface="Consolas" panose="020B0609020204030204" pitchFamily="49" charset="0"/>
+              </a:rPr>
+              <a:t>,</a:t>
+            </a:r>
+          </a:p>
+          <a:p>
+            <a:r>
+              <a:rPr lang="en-US" sz="1200" dirty="0">
+                <a:latin typeface="Consolas" panose="020B0609020204030204" pitchFamily="49" charset="0"/>
+              </a:rPr>
+              <a:t>                </a:t>
+            </a:r>
+            <a:r>
+              <a:rPr lang="en-US" sz="1200" dirty="0" err="1">
+                <a:latin typeface="Consolas" panose="020B0609020204030204" pitchFamily="49" charset="0"/>
+              </a:rPr>
+              <a:t>args</a:t>
+            </a:r>
+            <a:r>
+              <a:rPr lang="en-US" sz="1200" dirty="0">
+                <a:latin typeface="Consolas" panose="020B0609020204030204" pitchFamily="49" charset="0"/>
+              </a:rPr>
+              <a:t> = list(</a:t>
+            </a:r>
+            <a:r>
+              <a:rPr lang="en-US" sz="1200" dirty="0" err="1">
+                <a:latin typeface="Consolas" panose="020B0609020204030204" pitchFamily="49" charset="0"/>
+              </a:rPr>
+              <a:t>meanlog</a:t>
+            </a:r>
+            <a:r>
+              <a:rPr lang="en-US" sz="1200" dirty="0">
+                <a:latin typeface="Consolas" panose="020B0609020204030204" pitchFamily="49" charset="0"/>
+              </a:rPr>
+              <a:t> = 10, </a:t>
+            </a:r>
+            <a:r>
+              <a:rPr lang="en-US" sz="1200" dirty="0" err="1">
+                <a:latin typeface="Consolas" panose="020B0609020204030204" pitchFamily="49" charset="0"/>
+              </a:rPr>
+              <a:t>sdlog</a:t>
+            </a:r>
+            <a:r>
+              <a:rPr lang="en-US" sz="1200" dirty="0">
+                <a:latin typeface="Consolas" panose="020B0609020204030204" pitchFamily="49" charset="0"/>
+              </a:rPr>
+              <a:t> = 1.0))</a:t>
+            </a:r>
+          </a:p>
+        </p:txBody>
+      </p:sp>
+    </p:spTree>
+    <p:extLst>
+      <p:ext uri="{BB962C8B-B14F-4D97-AF65-F5344CB8AC3E}">
+        <p14:creationId xmlns:p14="http://schemas.microsoft.com/office/powerpoint/2010/main" val="242713576"/>
+      </p:ext>
+    </p:extLst>
+  </p:cSld>
+  <p:clrMapOvr>
+    <a:masterClrMapping/>
+  </p:clrMapOvr>
+</p:sld>
+</file>
+
+<file path=ppt/slides/slide16.xml><?xml version="1.0" encoding="utf-8"?>
+<p:sld xmlns:a="http://schemas.openxmlformats.org/drawingml/2006/main" xmlns:r="http://schemas.openxmlformats.org/officeDocument/2006/relationships" xmlns:p="http://schemas.openxmlformats.org/presentationml/2006/main">
+  <p:cSld>
+    <p:spTree>
+      <p:nvGrpSpPr>
+        <p:cNvPr id="1" name=""/>
+        <p:cNvGrpSpPr/>
+        <p:nvPr/>
+      </p:nvGrpSpPr>
+      <p:grpSpPr>
+        <a:xfrm>
+          <a:off x="0" y="0"/>
+          <a:ext cx="0" cy="0"/>
+          <a:chOff x="0" y="0"/>
+          <a:chExt cx="0" cy="0"/>
+        </a:xfrm>
+      </p:grpSpPr>
+      <p:sp>
+        <p:nvSpPr>
+          <p:cNvPr id="2" name="Title 1">
+            <a:extLst>
+              <a:ext uri="{FF2B5EF4-FFF2-40B4-BE49-F238E27FC236}">
+                <a16:creationId xmlns:a16="http://schemas.microsoft.com/office/drawing/2014/main" id="{18969BF5-0288-FD7C-1739-0C8672F3D7F8}"/>
+              </a:ext>
+            </a:extLst>
+          </p:cNvPr>
+          <p:cNvSpPr>
+            <a:spLocks noGrp="1"/>
+          </p:cNvSpPr>
+          <p:nvPr>
+            <p:ph type="title"/>
+          </p:nvPr>
+        </p:nvSpPr>
+        <p:spPr/>
+        <p:txBody>
+          <a:bodyPr/>
+          <a:lstStyle/>
+          <a:p>
+            <a:r>
+              <a:rPr lang="en-US" dirty="0"/>
+              <a:t>Titles &amp; Renaming Variables</a:t>
+            </a:r>
+          </a:p>
+        </p:txBody>
+      </p:sp>
+      <p:pic>
+        <p:nvPicPr>
+          <p:cNvPr id="4" name="Picture 3">
+            <a:extLst>
+              <a:ext uri="{FF2B5EF4-FFF2-40B4-BE49-F238E27FC236}">
+                <a16:creationId xmlns:a16="http://schemas.microsoft.com/office/drawing/2014/main" id="{4A0037C9-EB90-2900-D4EC-DF813BC908A7}"/>
+              </a:ext>
+            </a:extLst>
+          </p:cNvPr>
+          <p:cNvPicPr>
+            <a:picLocks noChangeAspect="1"/>
+          </p:cNvPicPr>
+          <p:nvPr/>
+        </p:nvPicPr>
+        <p:blipFill>
+          <a:blip r:embed="rId2" r:link="rId3" cstate="print">
+            <a:extLst>
+              <a:ext uri="{28A0092B-C50C-407E-A947-70E740481C1C}">
+                <a14:useLocalDpi xmlns:a14="http://schemas.microsoft.com/office/drawing/2010/main" val="0"/>
+              </a:ext>
+            </a:extLst>
+          </a:blip>
+          <a:srcRect/>
+          <a:stretch>
+            <a:fillRect/>
+          </a:stretch>
+        </p:blipFill>
+        <p:spPr>
+          <a:xfrm>
+            <a:off x="2971801" y="1447801"/>
+            <a:ext cx="5943597" cy="3962397"/>
+          </a:xfrm>
+          <a:prstGeom prst="rect">
+            <a:avLst/>
+          </a:prstGeom>
+        </p:spPr>
+      </p:pic>
+      <p:sp>
+        <p:nvSpPr>
+          <p:cNvPr id="5" name="TextBox 4">
+            <a:extLst>
+              <a:ext uri="{FF2B5EF4-FFF2-40B4-BE49-F238E27FC236}">
+                <a16:creationId xmlns:a16="http://schemas.microsoft.com/office/drawing/2014/main" id="{04AF6261-B4B1-D761-810B-AACA39E89170}"/>
+              </a:ext>
+            </a:extLst>
+          </p:cNvPr>
+          <p:cNvSpPr txBox="1"/>
+          <p:nvPr/>
+        </p:nvSpPr>
+        <p:spPr>
+          <a:xfrm>
+            <a:off x="228601" y="2514600"/>
+            <a:ext cx="2431673" cy="1815882"/>
+          </a:xfrm>
+          <a:prstGeom prst="rect">
+            <a:avLst/>
+          </a:prstGeom>
+          <a:noFill/>
+        </p:spPr>
+        <p:txBody>
+          <a:bodyPr wrap="square" rtlCol="0">
+            <a:spAutoFit/>
+          </a:bodyPr>
+          <a:lstStyle/>
+          <a:p>
+            <a:pPr algn="ctr"/>
+            <a:r>
+              <a:rPr lang="en-US" sz="2800" dirty="0">
+                <a:latin typeface="Arial" panose="020B0604020202020204" pitchFamily="34" charset="0"/>
+                <a:cs typeface="Arial" panose="020B0604020202020204" pitchFamily="34" charset="0"/>
+              </a:rPr>
+              <a:t>Adding a title and variable names goes a long way.</a:t>
+            </a:r>
+          </a:p>
+        </p:txBody>
+      </p:sp>
+      <p:sp>
+        <p:nvSpPr>
+          <p:cNvPr id="3" name="TextBox 2">
+            <a:extLst>
+              <a:ext uri="{FF2B5EF4-FFF2-40B4-BE49-F238E27FC236}">
+                <a16:creationId xmlns:a16="http://schemas.microsoft.com/office/drawing/2014/main" id="{5CA26C35-36C9-ADDC-3107-CF1F9C4ABAD9}"/>
+              </a:ext>
+            </a:extLst>
+          </p:cNvPr>
+          <p:cNvSpPr txBox="1"/>
+          <p:nvPr/>
+        </p:nvSpPr>
+        <p:spPr>
+          <a:xfrm>
+            <a:off x="260498" y="5181600"/>
+            <a:ext cx="7588101" cy="1200329"/>
+          </a:xfrm>
+          <a:prstGeom prst="rect">
+            <a:avLst/>
+          </a:prstGeom>
+          <a:noFill/>
+        </p:spPr>
+        <p:txBody>
+          <a:bodyPr wrap="square" rtlCol="0">
+            <a:spAutoFit/>
+          </a:bodyPr>
+          <a:lstStyle/>
+          <a:p>
+            <a:r>
+              <a:rPr lang="en-US" sz="1200" dirty="0">
+                <a:latin typeface="Consolas" panose="020B0609020204030204" pitchFamily="49" charset="0"/>
+              </a:rPr>
+              <a:t>p &lt;- p +</a:t>
+            </a:r>
+          </a:p>
+          <a:p>
+            <a:r>
+              <a:rPr lang="en-US" sz="1200" dirty="0">
+                <a:latin typeface="Consolas" panose="020B0609020204030204" pitchFamily="49" charset="0"/>
+              </a:rPr>
+              <a:t> labs(</a:t>
+            </a:r>
+          </a:p>
+          <a:p>
+            <a:r>
+              <a:rPr lang="en-US" sz="1200" dirty="0">
+                <a:latin typeface="Consolas" panose="020B0609020204030204" pitchFamily="49" charset="0"/>
+              </a:rPr>
+              <a:t>    x = "Severity",</a:t>
+            </a:r>
+          </a:p>
+          <a:p>
+            <a:r>
+              <a:rPr lang="en-US" sz="1200" dirty="0">
+                <a:latin typeface="Consolas" panose="020B0609020204030204" pitchFamily="49" charset="0"/>
+              </a:rPr>
+              <a:t>    y = "Density",</a:t>
+            </a:r>
+          </a:p>
+          <a:p>
+            <a:r>
+              <a:rPr lang="en-US" sz="1200" dirty="0">
+                <a:latin typeface="Consolas" panose="020B0609020204030204" pitchFamily="49" charset="0"/>
+              </a:rPr>
+              <a:t>    title = "Fitted Severity Curve"</a:t>
+            </a:r>
+          </a:p>
+          <a:p>
+            <a:r>
+              <a:rPr lang="en-US" sz="1200" dirty="0">
+                <a:latin typeface="Consolas" panose="020B0609020204030204" pitchFamily="49" charset="0"/>
+              </a:rPr>
+              <a:t>  )</a:t>
+            </a:r>
+          </a:p>
+        </p:txBody>
+      </p:sp>
+    </p:spTree>
+    <p:extLst>
+      <p:ext uri="{BB962C8B-B14F-4D97-AF65-F5344CB8AC3E}">
+        <p14:creationId xmlns:p14="http://schemas.microsoft.com/office/powerpoint/2010/main" val="3062277275"/>
+      </p:ext>
+    </p:extLst>
+  </p:cSld>
+  <p:clrMapOvr>
+    <a:masterClrMapping/>
+  </p:clrMapOvr>
+</p:sld>
+</file>
+
+<file path=ppt/slides/slide17.xml><?xml version="1.0" encoding="utf-8"?>
 <p:sld xmlns:a="http://schemas.openxmlformats.org/drawingml/2006/main" xmlns:r="http://schemas.openxmlformats.org/officeDocument/2006/relationships" xmlns:p="http://schemas.openxmlformats.org/presentationml/2006/main">
   <p:cSld>
     <p:spTree>
@@ -15446,7 +16774,7 @@
     </p:spTree>
     <p:extLst>
       <p:ext uri="{BB962C8B-B14F-4D97-AF65-F5344CB8AC3E}">
-        <p14:creationId xmlns:p14="http://schemas.microsoft.com/office/powerpoint/2010/main" val="2638840873"/>
+        <p14:creationId xmlns:p14="http://schemas.microsoft.com/office/powerpoint/2010/main" val="3691874486"/>
       </p:ext>
     </p:extLst>
   </p:cSld>
@@ -15456,7 +16784,7 @@
 </p:sld>
 </file>
 
-<file path=ppt/slides/slide11.xml><?xml version="1.0" encoding="utf-8"?>
+<file path=ppt/slides/slide18.xml><?xml version="1.0" encoding="utf-8"?>
 <p:sld xmlns:a="http://schemas.openxmlformats.org/drawingml/2006/main" xmlns:r="http://schemas.openxmlformats.org/officeDocument/2006/relationships" xmlns:p="http://schemas.openxmlformats.org/presentationml/2006/main">
   <p:cSld>
     <p:spTree>
@@ -15829,7 +17157,7 @@
     </p:spTree>
     <p:extLst>
       <p:ext uri="{BB962C8B-B14F-4D97-AF65-F5344CB8AC3E}">
-        <p14:creationId xmlns:p14="http://schemas.microsoft.com/office/powerpoint/2010/main" val="2160455300"/>
+        <p14:creationId xmlns:p14="http://schemas.microsoft.com/office/powerpoint/2010/main" val="461692928"/>
       </p:ext>
     </p:extLst>
   </p:cSld>
@@ -15839,7 +17167,7 @@
 </p:sld>
 </file>
 
-<file path=ppt/slides/slide12.xml><?xml version="1.0" encoding="utf-8"?>
+<file path=ppt/slides/slide19.xml><?xml version="1.0" encoding="utf-8"?>
 <p:sld xmlns:a="http://schemas.openxmlformats.org/drawingml/2006/main" xmlns:r="http://schemas.openxmlformats.org/officeDocument/2006/relationships" xmlns:p="http://schemas.openxmlformats.org/presentationml/2006/main">
   <p:cSld>
     <p:spTree>
@@ -16192,7 +17520,7 @@
     </p:spTree>
     <p:extLst>
       <p:ext uri="{BB962C8B-B14F-4D97-AF65-F5344CB8AC3E}">
-        <p14:creationId xmlns:p14="http://schemas.microsoft.com/office/powerpoint/2010/main" val="1159549392"/>
+        <p14:creationId xmlns:p14="http://schemas.microsoft.com/office/powerpoint/2010/main" val="2201045"/>
       </p:ext>
     </p:extLst>
   </p:cSld>
@@ -16202,7 +17530,130 @@
 </p:sld>
 </file>
 
-<file path=ppt/slides/slide13.xml><?xml version="1.0" encoding="utf-8"?>
+<file path=ppt/slides/slide2.xml><?xml version="1.0" encoding="utf-8"?>
+<p:sld xmlns:a="http://schemas.openxmlformats.org/drawingml/2006/main" xmlns:r="http://schemas.openxmlformats.org/officeDocument/2006/relationships" xmlns:p="http://schemas.openxmlformats.org/presentationml/2006/main">
+  <p:cSld>
+    <p:spTree>
+      <p:nvGrpSpPr>
+        <p:cNvPr id="1" name=""/>
+        <p:cNvGrpSpPr/>
+        <p:nvPr/>
+      </p:nvGrpSpPr>
+      <p:grpSpPr>
+        <a:xfrm>
+          <a:off x="0" y="0"/>
+          <a:ext cx="0" cy="0"/>
+          <a:chOff x="0" y="0"/>
+          <a:chExt cx="0" cy="0"/>
+        </a:xfrm>
+      </p:grpSpPr>
+      <p:sp>
+        <p:nvSpPr>
+          <p:cNvPr id="2" name="Title 1">
+            <a:extLst>
+              <a:ext uri="{FF2B5EF4-FFF2-40B4-BE49-F238E27FC236}">
+                <a16:creationId xmlns:a16="http://schemas.microsoft.com/office/drawing/2014/main" id="{10B17ABD-BE88-D042-5997-22F660D5947A}"/>
+              </a:ext>
+            </a:extLst>
+          </p:cNvPr>
+          <p:cNvSpPr>
+            <a:spLocks noGrp="1"/>
+          </p:cNvSpPr>
+          <p:nvPr>
+            <p:ph type="title"/>
+          </p:nvPr>
+        </p:nvSpPr>
+        <p:spPr/>
+        <p:txBody>
+          <a:bodyPr/>
+          <a:lstStyle/>
+          <a:p>
+            <a:r>
+              <a:rPr lang="en-US" dirty="0"/>
+              <a:t>Ideas for Interactivity</a:t>
+            </a:r>
+          </a:p>
+        </p:txBody>
+      </p:sp>
+      <p:sp>
+        <p:nvSpPr>
+          <p:cNvPr id="3" name="Content Placeholder 2">
+            <a:extLst>
+              <a:ext uri="{FF2B5EF4-FFF2-40B4-BE49-F238E27FC236}">
+                <a16:creationId xmlns:a16="http://schemas.microsoft.com/office/drawing/2014/main" id="{F33662A3-4DD5-0500-C0E1-EA5CF57A5ABC}"/>
+              </a:ext>
+            </a:extLst>
+          </p:cNvPr>
+          <p:cNvSpPr>
+            <a:spLocks noGrp="1"/>
+          </p:cNvSpPr>
+          <p:nvPr>
+            <p:ph idx="1"/>
+          </p:nvPr>
+        </p:nvSpPr>
+        <p:spPr/>
+        <p:txBody>
+          <a:bodyPr/>
+          <a:lstStyle/>
+          <a:p>
+            <a:endParaRPr lang="en-US" sz="1600" b="1" dirty="0"/>
+          </a:p>
+          <a:p>
+            <a:r>
+              <a:rPr lang="en-US" sz="2000" b="1" dirty="0"/>
+              <a:t>Familiarity with R</a:t>
+            </a:r>
+          </a:p>
+          <a:p>
+            <a:r>
+              <a:rPr lang="en-US" sz="2000" b="1" dirty="0"/>
+              <a:t>“Which chart is easier to interpret”</a:t>
+            </a:r>
+          </a:p>
+          <a:p>
+            <a:r>
+              <a:rPr lang="en-US" sz="2000" b="1" dirty="0"/>
+              <a:t>Test Bar/Line bias (</a:t>
+            </a:r>
+            <a:r>
+              <a:rPr lang="en-US" sz="1800" u="sng" dirty="0">
+                <a:solidFill>
+                  <a:srgbClr val="0000FF"/>
+                </a:solidFill>
+                <a:effectLst/>
+                <a:latin typeface="Calibri" panose="020F0502020204030204" pitchFamily="34" charset="0"/>
+                <a:ea typeface="SimSun" panose="02010600030101010101" pitchFamily="2" charset="-122"/>
+                <a:hlinkClick r:id="rId3"/>
+              </a:rPr>
+              <a:t>https://bit.ly/3ymQ1eE</a:t>
+            </a:r>
+            <a:r>
+              <a:rPr lang="en-US" sz="2000" b="1" dirty="0"/>
+              <a:t>)</a:t>
+            </a:r>
+          </a:p>
+          <a:p>
+            <a:endParaRPr lang="en-US" sz="3600" b="1" dirty="0"/>
+          </a:p>
+          <a:p>
+            <a:endParaRPr lang="en-US" sz="3600" b="1" dirty="0"/>
+          </a:p>
+        </p:txBody>
+      </p:sp>
+    </p:spTree>
+    <p:extLst>
+      <p:ext uri="{BB962C8B-B14F-4D97-AF65-F5344CB8AC3E}">
+        <p14:creationId xmlns:p14="http://schemas.microsoft.com/office/powerpoint/2010/main" val="2113688764"/>
+      </p:ext>
+    </p:extLst>
+  </p:cSld>
+  <p:clrMapOvr>
+    <a:masterClrMapping/>
+  </p:clrMapOvr>
+</p:sld>
+</file>
+
+<file path=ppt/slides/slide20.xml><?xml version="1.0" encoding="utf-8"?>
 <p:sld xmlns:a="http://schemas.openxmlformats.org/drawingml/2006/main" xmlns:r="http://schemas.openxmlformats.org/officeDocument/2006/relationships" xmlns:p="http://schemas.openxmlformats.org/presentationml/2006/main">
   <p:cSld>
     <p:spTree>
@@ -16324,7 +17775,7 @@
     </p:spTree>
     <p:extLst>
       <p:ext uri="{BB962C8B-B14F-4D97-AF65-F5344CB8AC3E}">
-        <p14:creationId xmlns:p14="http://schemas.microsoft.com/office/powerpoint/2010/main" val="2628500775"/>
+        <p14:creationId xmlns:p14="http://schemas.microsoft.com/office/powerpoint/2010/main" val="1486282927"/>
       </p:ext>
     </p:extLst>
   </p:cSld>
@@ -16334,7 +17785,90 @@
 </p:sld>
 </file>
 
-<file path=ppt/slides/slide14.xml><?xml version="1.0" encoding="utf-8"?>
+<file path=ppt/slides/slide21.xml><?xml version="1.0" encoding="utf-8"?>
+<p:sld xmlns:a="http://schemas.openxmlformats.org/drawingml/2006/main" xmlns:r="http://schemas.openxmlformats.org/officeDocument/2006/relationships" xmlns:p="http://schemas.openxmlformats.org/presentationml/2006/main">
+  <p:cSld>
+    <p:spTree>
+      <p:nvGrpSpPr>
+        <p:cNvPr id="1" name=""/>
+        <p:cNvGrpSpPr/>
+        <p:nvPr/>
+      </p:nvGrpSpPr>
+      <p:grpSpPr>
+        <a:xfrm>
+          <a:off x="0" y="0"/>
+          <a:ext cx="0" cy="0"/>
+          <a:chOff x="0" y="0"/>
+          <a:chExt cx="0" cy="0"/>
+        </a:xfrm>
+      </p:grpSpPr>
+      <p:sp>
+        <p:nvSpPr>
+          <p:cNvPr id="2" name="Title 1">
+            <a:extLst>
+              <a:ext uri="{FF2B5EF4-FFF2-40B4-BE49-F238E27FC236}">
+                <a16:creationId xmlns:a16="http://schemas.microsoft.com/office/drawing/2014/main" id="{6AA0D46C-160A-13B4-DED2-2C2A2470264C}"/>
+              </a:ext>
+            </a:extLst>
+          </p:cNvPr>
+          <p:cNvSpPr>
+            <a:spLocks noGrp="1"/>
+          </p:cNvSpPr>
+          <p:nvPr>
+            <p:ph type="title"/>
+          </p:nvPr>
+        </p:nvSpPr>
+        <p:spPr/>
+        <p:txBody>
+          <a:bodyPr/>
+          <a:lstStyle/>
+          <a:p>
+            <a:r>
+              <a:rPr lang="en-US" dirty="0"/>
+              <a:t>Appendix</a:t>
+            </a:r>
+          </a:p>
+        </p:txBody>
+      </p:sp>
+      <p:sp>
+        <p:nvSpPr>
+          <p:cNvPr id="3" name="Text Placeholder 2">
+            <a:extLst>
+              <a:ext uri="{FF2B5EF4-FFF2-40B4-BE49-F238E27FC236}">
+                <a16:creationId xmlns:a16="http://schemas.microsoft.com/office/drawing/2014/main" id="{0E763E03-4660-8CF9-6C32-6D09D78F6FDE}"/>
+              </a:ext>
+            </a:extLst>
+          </p:cNvPr>
+          <p:cNvSpPr>
+            <a:spLocks noGrp="1"/>
+          </p:cNvSpPr>
+          <p:nvPr>
+            <p:ph type="body" idx="1"/>
+          </p:nvPr>
+        </p:nvSpPr>
+        <p:spPr/>
+        <p:txBody>
+          <a:bodyPr/>
+          <a:lstStyle/>
+          <a:p>
+            <a:endParaRPr lang="en-US" dirty="0"/>
+          </a:p>
+        </p:txBody>
+      </p:sp>
+    </p:spTree>
+    <p:extLst>
+      <p:ext uri="{BB962C8B-B14F-4D97-AF65-F5344CB8AC3E}">
+        <p14:creationId xmlns:p14="http://schemas.microsoft.com/office/powerpoint/2010/main" val="2128084239"/>
+      </p:ext>
+    </p:extLst>
+  </p:cSld>
+  <p:clrMapOvr>
+    <a:masterClrMapping/>
+  </p:clrMapOvr>
+</p:sld>
+</file>
+
+<file path=ppt/slides/slide22.xml><?xml version="1.0" encoding="utf-8"?>
 <p:sld xmlns:a="http://schemas.openxmlformats.org/drawingml/2006/main" xmlns:r="http://schemas.openxmlformats.org/officeDocument/2006/relationships" xmlns:p="http://schemas.openxmlformats.org/presentationml/2006/main">
   <p:cSld>
     <p:spTree>
@@ -16456,7 +17990,7 @@
     </p:spTree>
     <p:extLst>
       <p:ext uri="{BB962C8B-B14F-4D97-AF65-F5344CB8AC3E}">
-        <p14:creationId xmlns:p14="http://schemas.microsoft.com/office/powerpoint/2010/main" val="913523918"/>
+        <p14:creationId xmlns:p14="http://schemas.microsoft.com/office/powerpoint/2010/main" val="2213372705"/>
       </p:ext>
     </p:extLst>
   </p:cSld>
@@ -16466,7 +18000,7 @@
 </p:sld>
 </file>
 
-<file path=ppt/slides/slide15.xml><?xml version="1.0" encoding="utf-8"?>
+<file path=ppt/slides/slide23.xml><?xml version="1.0" encoding="utf-8"?>
 <p:sld xmlns:a="http://schemas.openxmlformats.org/drawingml/2006/main" xmlns:r="http://schemas.openxmlformats.org/officeDocument/2006/relationships" xmlns:p="http://schemas.openxmlformats.org/presentationml/2006/main">
   <p:cSld>
     <p:spTree>
@@ -16551,822 +18085,7 @@
     </p:spTree>
     <p:extLst>
       <p:ext uri="{BB962C8B-B14F-4D97-AF65-F5344CB8AC3E}">
-        <p14:creationId xmlns:p14="http://schemas.microsoft.com/office/powerpoint/2010/main" val="2704861902"/>
-      </p:ext>
-    </p:extLst>
-  </p:cSld>
-  <p:clrMapOvr>
-    <a:masterClrMapping/>
-  </p:clrMapOvr>
-</p:sld>
-</file>
-
-<file path=ppt/slides/slide16.xml><?xml version="1.0" encoding="utf-8"?>
-<p:sld xmlns:a="http://schemas.openxmlformats.org/drawingml/2006/main" xmlns:r="http://schemas.openxmlformats.org/officeDocument/2006/relationships" xmlns:p="http://schemas.openxmlformats.org/presentationml/2006/main">
-  <p:cSld>
-    <p:spTree>
-      <p:nvGrpSpPr>
-        <p:cNvPr id="1" name=""/>
-        <p:cNvGrpSpPr/>
-        <p:nvPr/>
-      </p:nvGrpSpPr>
-      <p:grpSpPr>
-        <a:xfrm>
-          <a:off x="0" y="0"/>
-          <a:ext cx="0" cy="0"/>
-          <a:chOff x="0" y="0"/>
-          <a:chExt cx="0" cy="0"/>
-        </a:xfrm>
-      </p:grpSpPr>
-      <p:sp>
-        <p:nvSpPr>
-          <p:cNvPr id="2" name="Title 1">
-            <a:extLst>
-              <a:ext uri="{FF2B5EF4-FFF2-40B4-BE49-F238E27FC236}">
-                <a16:creationId xmlns:a16="http://schemas.microsoft.com/office/drawing/2014/main" id="{FB164A08-7CBF-A761-E02D-33DAFF697330}"/>
-              </a:ext>
-            </a:extLst>
-          </p:cNvPr>
-          <p:cNvSpPr>
-            <a:spLocks noGrp="1"/>
-          </p:cNvSpPr>
-          <p:nvPr>
-            <p:ph type="title"/>
-          </p:nvPr>
-        </p:nvSpPr>
-        <p:spPr/>
-        <p:txBody>
-          <a:bodyPr/>
-          <a:lstStyle/>
-          <a:p>
-            <a:r>
-              <a:rPr lang="en-US" dirty="0"/>
-              <a:t>Actuarial visualization</a:t>
-            </a:r>
-          </a:p>
-        </p:txBody>
-      </p:sp>
-      <p:sp>
-        <p:nvSpPr>
-          <p:cNvPr id="3" name="Text Placeholder 2">
-            <a:extLst>
-              <a:ext uri="{FF2B5EF4-FFF2-40B4-BE49-F238E27FC236}">
-                <a16:creationId xmlns:a16="http://schemas.microsoft.com/office/drawing/2014/main" id="{4B1F8AE9-444E-BC75-AA22-A6E4BADDFFA8}"/>
-              </a:ext>
-            </a:extLst>
-          </p:cNvPr>
-          <p:cNvSpPr>
-            <a:spLocks noGrp="1"/>
-          </p:cNvSpPr>
-          <p:nvPr>
-            <p:ph type="body" idx="1"/>
-          </p:nvPr>
-        </p:nvSpPr>
-        <p:spPr/>
-        <p:txBody>
-          <a:bodyPr/>
-          <a:lstStyle/>
-          <a:p>
-            <a:endParaRPr lang="en-US"/>
-          </a:p>
-        </p:txBody>
-      </p:sp>
-    </p:spTree>
-    <p:extLst>
-      <p:ext uri="{BB962C8B-B14F-4D97-AF65-F5344CB8AC3E}">
-        <p14:creationId xmlns:p14="http://schemas.microsoft.com/office/powerpoint/2010/main" val="1394516605"/>
-      </p:ext>
-    </p:extLst>
-  </p:cSld>
-  <p:clrMapOvr>
-    <a:masterClrMapping/>
-  </p:clrMapOvr>
-</p:sld>
-</file>
-
-<file path=ppt/slides/slide17.xml><?xml version="1.0" encoding="utf-8"?>
-<p:sld xmlns:a="http://schemas.openxmlformats.org/drawingml/2006/main" xmlns:r="http://schemas.openxmlformats.org/officeDocument/2006/relationships" xmlns:p="http://schemas.openxmlformats.org/presentationml/2006/main">
-  <p:cSld>
-    <p:spTree>
-      <p:nvGrpSpPr>
-        <p:cNvPr id="1" name=""/>
-        <p:cNvGrpSpPr/>
-        <p:nvPr/>
-      </p:nvGrpSpPr>
-      <p:grpSpPr>
-        <a:xfrm>
-          <a:off x="0" y="0"/>
-          <a:ext cx="0" cy="0"/>
-          <a:chOff x="0" y="0"/>
-          <a:chExt cx="0" cy="0"/>
-        </a:xfrm>
-      </p:grpSpPr>
-      <p:sp>
-        <p:nvSpPr>
-          <p:cNvPr id="2" name="Title 1">
-            <a:extLst>
-              <a:ext uri="{FF2B5EF4-FFF2-40B4-BE49-F238E27FC236}">
-                <a16:creationId xmlns:a16="http://schemas.microsoft.com/office/drawing/2014/main" id="{18969BF5-0288-FD7C-1739-0C8672F3D7F8}"/>
-              </a:ext>
-            </a:extLst>
-          </p:cNvPr>
-          <p:cNvSpPr>
-            <a:spLocks noGrp="1"/>
-          </p:cNvSpPr>
-          <p:nvPr>
-            <p:ph type="title"/>
-          </p:nvPr>
-        </p:nvSpPr>
-        <p:spPr/>
-        <p:txBody>
-          <a:bodyPr/>
-          <a:lstStyle/>
-          <a:p>
-            <a:r>
-              <a:rPr lang="en-US" dirty="0"/>
-              <a:t>Common Actuarial Exhibits</a:t>
-            </a:r>
-          </a:p>
-        </p:txBody>
-      </p:sp>
-      <p:sp>
-        <p:nvSpPr>
-          <p:cNvPr id="3" name="Content Placeholder 2">
-            <a:extLst>
-              <a:ext uri="{FF2B5EF4-FFF2-40B4-BE49-F238E27FC236}">
-                <a16:creationId xmlns:a16="http://schemas.microsoft.com/office/drawing/2014/main" id="{39176E43-0115-E50B-D268-5E00760022A7}"/>
-              </a:ext>
-            </a:extLst>
-          </p:cNvPr>
-          <p:cNvSpPr>
-            <a:spLocks noGrp="1"/>
-          </p:cNvSpPr>
-          <p:nvPr>
-            <p:ph idx="1"/>
-          </p:nvPr>
-        </p:nvSpPr>
-        <p:spPr/>
-        <p:txBody>
-          <a:bodyPr/>
-          <a:lstStyle/>
-          <a:p>
-            <a:r>
-              <a:rPr lang="en-US" dirty="0"/>
-              <a:t>Loss Development Triangles</a:t>
-            </a:r>
-          </a:p>
-          <a:p>
-            <a:r>
-              <a:rPr lang="en-US" dirty="0"/>
-              <a:t>Trend Selection</a:t>
-            </a:r>
-          </a:p>
-          <a:p>
-            <a:r>
-              <a:rPr lang="en-US" dirty="0"/>
-              <a:t>Rate Indications</a:t>
-            </a:r>
-          </a:p>
-          <a:p>
-            <a:r>
-              <a:rPr lang="en-US" dirty="0"/>
-              <a:t>Mix Shift Exhibits</a:t>
-            </a:r>
-          </a:p>
-          <a:p>
-            <a:r>
-              <a:rPr lang="en-US" dirty="0"/>
-              <a:t>Model Diagnostics</a:t>
-            </a:r>
-          </a:p>
-        </p:txBody>
-      </p:sp>
-    </p:spTree>
-    <p:extLst>
-      <p:ext uri="{BB962C8B-B14F-4D97-AF65-F5344CB8AC3E}">
-        <p14:creationId xmlns:p14="http://schemas.microsoft.com/office/powerpoint/2010/main" val="1361387039"/>
-      </p:ext>
-    </p:extLst>
-  </p:cSld>
-  <p:clrMapOvr>
-    <a:masterClrMapping/>
-  </p:clrMapOvr>
-</p:sld>
-</file>
-
-<file path=ppt/slides/slide18.xml><?xml version="1.0" encoding="utf-8"?>
-<p:sld xmlns:a="http://schemas.openxmlformats.org/drawingml/2006/main" xmlns:r="http://schemas.openxmlformats.org/officeDocument/2006/relationships" xmlns:p="http://schemas.openxmlformats.org/presentationml/2006/main">
-  <p:cSld>
-    <p:spTree>
-      <p:nvGrpSpPr>
-        <p:cNvPr id="1" name=""/>
-        <p:cNvGrpSpPr/>
-        <p:nvPr/>
-      </p:nvGrpSpPr>
-      <p:grpSpPr>
-        <a:xfrm>
-          <a:off x="0" y="0"/>
-          <a:ext cx="0" cy="0"/>
-          <a:chOff x="0" y="0"/>
-          <a:chExt cx="0" cy="0"/>
-        </a:xfrm>
-      </p:grpSpPr>
-      <p:sp>
-        <p:nvSpPr>
-          <p:cNvPr id="2" name="Title 1">
-            <a:extLst>
-              <a:ext uri="{FF2B5EF4-FFF2-40B4-BE49-F238E27FC236}">
-                <a16:creationId xmlns:a16="http://schemas.microsoft.com/office/drawing/2014/main" id="{18969BF5-0288-FD7C-1739-0C8672F3D7F8}"/>
-              </a:ext>
-            </a:extLst>
-          </p:cNvPr>
-          <p:cNvSpPr>
-            <a:spLocks noGrp="1"/>
-          </p:cNvSpPr>
-          <p:nvPr>
-            <p:ph type="title"/>
-          </p:nvPr>
-        </p:nvSpPr>
-        <p:spPr/>
-        <p:txBody>
-          <a:bodyPr/>
-          <a:lstStyle/>
-          <a:p>
-            <a:r>
-              <a:rPr lang="en-US" dirty="0"/>
-              <a:t>Loss Development Triangles</a:t>
-            </a:r>
-          </a:p>
-        </p:txBody>
-      </p:sp>
-      <p:sp>
-        <p:nvSpPr>
-          <p:cNvPr id="3" name="Content Placeholder 2">
-            <a:extLst>
-              <a:ext uri="{FF2B5EF4-FFF2-40B4-BE49-F238E27FC236}">
-                <a16:creationId xmlns:a16="http://schemas.microsoft.com/office/drawing/2014/main" id="{39176E43-0115-E50B-D268-5E00760022A7}"/>
-              </a:ext>
-            </a:extLst>
-          </p:cNvPr>
-          <p:cNvSpPr>
-            <a:spLocks noGrp="1"/>
-          </p:cNvSpPr>
-          <p:nvPr>
-            <p:ph idx="1"/>
-          </p:nvPr>
-        </p:nvSpPr>
-        <p:spPr/>
-        <p:txBody>
-          <a:bodyPr/>
-          <a:lstStyle/>
-          <a:p>
-            <a:endParaRPr lang="en-US" dirty="0"/>
-          </a:p>
-        </p:txBody>
-      </p:sp>
-    </p:spTree>
-    <p:extLst>
-      <p:ext uri="{BB962C8B-B14F-4D97-AF65-F5344CB8AC3E}">
-        <p14:creationId xmlns:p14="http://schemas.microsoft.com/office/powerpoint/2010/main" val="1327768489"/>
-      </p:ext>
-    </p:extLst>
-  </p:cSld>
-  <p:clrMapOvr>
-    <a:masterClrMapping/>
-  </p:clrMapOvr>
-</p:sld>
-</file>
-
-<file path=ppt/slides/slide19.xml><?xml version="1.0" encoding="utf-8"?>
-<p:sld xmlns:a="http://schemas.openxmlformats.org/drawingml/2006/main" xmlns:r="http://schemas.openxmlformats.org/officeDocument/2006/relationships" xmlns:p="http://schemas.openxmlformats.org/presentationml/2006/main">
-  <p:cSld>
-    <p:spTree>
-      <p:nvGrpSpPr>
-        <p:cNvPr id="1" name=""/>
-        <p:cNvGrpSpPr/>
-        <p:nvPr/>
-      </p:nvGrpSpPr>
-      <p:grpSpPr>
-        <a:xfrm>
-          <a:off x="0" y="0"/>
-          <a:ext cx="0" cy="0"/>
-          <a:chOff x="0" y="0"/>
-          <a:chExt cx="0" cy="0"/>
-        </a:xfrm>
-      </p:grpSpPr>
-      <p:sp>
-        <p:nvSpPr>
-          <p:cNvPr id="2" name="Title 1">
-            <a:extLst>
-              <a:ext uri="{FF2B5EF4-FFF2-40B4-BE49-F238E27FC236}">
-                <a16:creationId xmlns:a16="http://schemas.microsoft.com/office/drawing/2014/main" id="{18969BF5-0288-FD7C-1739-0C8672F3D7F8}"/>
-              </a:ext>
-            </a:extLst>
-          </p:cNvPr>
-          <p:cNvSpPr>
-            <a:spLocks noGrp="1"/>
-          </p:cNvSpPr>
-          <p:nvPr>
-            <p:ph type="title"/>
-          </p:nvPr>
-        </p:nvSpPr>
-        <p:spPr/>
-        <p:txBody>
-          <a:bodyPr/>
-          <a:lstStyle/>
-          <a:p>
-            <a:r>
-              <a:rPr lang="en-US" dirty="0"/>
-              <a:t>Loss Development Triangles</a:t>
-            </a:r>
-          </a:p>
-        </p:txBody>
-      </p:sp>
-      <p:sp>
-        <p:nvSpPr>
-          <p:cNvPr id="3" name="Content Placeholder 2">
-            <a:extLst>
-              <a:ext uri="{FF2B5EF4-FFF2-40B4-BE49-F238E27FC236}">
-                <a16:creationId xmlns:a16="http://schemas.microsoft.com/office/drawing/2014/main" id="{39176E43-0115-E50B-D268-5E00760022A7}"/>
-              </a:ext>
-            </a:extLst>
-          </p:cNvPr>
-          <p:cNvSpPr>
-            <a:spLocks noGrp="1"/>
-          </p:cNvSpPr>
-          <p:nvPr>
-            <p:ph idx="1"/>
-          </p:nvPr>
-        </p:nvSpPr>
-        <p:spPr/>
-        <p:txBody>
-          <a:bodyPr/>
-          <a:lstStyle/>
-          <a:p>
-            <a:endParaRPr lang="en-US" dirty="0"/>
-          </a:p>
-        </p:txBody>
-      </p:sp>
-    </p:spTree>
-    <p:extLst>
-      <p:ext uri="{BB962C8B-B14F-4D97-AF65-F5344CB8AC3E}">
-        <p14:creationId xmlns:p14="http://schemas.microsoft.com/office/powerpoint/2010/main" val="3073307449"/>
-      </p:ext>
-    </p:extLst>
-  </p:cSld>
-  <p:clrMapOvr>
-    <a:masterClrMapping/>
-  </p:clrMapOvr>
-</p:sld>
-</file>
-
-<file path=ppt/slides/slide2.xml><?xml version="1.0" encoding="utf-8"?>
-<p:sld xmlns:a="http://schemas.openxmlformats.org/drawingml/2006/main" xmlns:r="http://schemas.openxmlformats.org/officeDocument/2006/relationships" xmlns:p="http://schemas.openxmlformats.org/presentationml/2006/main">
-  <p:cSld>
-    <p:spTree>
-      <p:nvGrpSpPr>
-        <p:cNvPr id="1" name=""/>
-        <p:cNvGrpSpPr/>
-        <p:nvPr/>
-      </p:nvGrpSpPr>
-      <p:grpSpPr>
-        <a:xfrm>
-          <a:off x="0" y="0"/>
-          <a:ext cx="0" cy="0"/>
-          <a:chOff x="0" y="0"/>
-          <a:chExt cx="0" cy="0"/>
-        </a:xfrm>
-      </p:grpSpPr>
-      <p:sp>
-        <p:nvSpPr>
-          <p:cNvPr id="2" name="Title 1">
-            <a:extLst>
-              <a:ext uri="{FF2B5EF4-FFF2-40B4-BE49-F238E27FC236}">
-                <a16:creationId xmlns:a16="http://schemas.microsoft.com/office/drawing/2014/main" id="{10B17ABD-BE88-D042-5997-22F660D5947A}"/>
-              </a:ext>
-            </a:extLst>
-          </p:cNvPr>
-          <p:cNvSpPr>
-            <a:spLocks noGrp="1"/>
-          </p:cNvSpPr>
-          <p:nvPr>
-            <p:ph type="title"/>
-          </p:nvPr>
-        </p:nvSpPr>
-        <p:spPr/>
-        <p:txBody>
-          <a:bodyPr/>
-          <a:lstStyle/>
-          <a:p>
-            <a:r>
-              <a:rPr lang="en-US" dirty="0"/>
-              <a:t>Ideas for Interactivity</a:t>
-            </a:r>
-          </a:p>
-        </p:txBody>
-      </p:sp>
-      <p:sp>
-        <p:nvSpPr>
-          <p:cNvPr id="3" name="Content Placeholder 2">
-            <a:extLst>
-              <a:ext uri="{FF2B5EF4-FFF2-40B4-BE49-F238E27FC236}">
-                <a16:creationId xmlns:a16="http://schemas.microsoft.com/office/drawing/2014/main" id="{F33662A3-4DD5-0500-C0E1-EA5CF57A5ABC}"/>
-              </a:ext>
-            </a:extLst>
-          </p:cNvPr>
-          <p:cNvSpPr>
-            <a:spLocks noGrp="1"/>
-          </p:cNvSpPr>
-          <p:nvPr>
-            <p:ph idx="1"/>
-          </p:nvPr>
-        </p:nvSpPr>
-        <p:spPr/>
-        <p:txBody>
-          <a:bodyPr/>
-          <a:lstStyle/>
-          <a:p>
-            <a:endParaRPr lang="en-US" sz="1600" b="1" dirty="0"/>
-          </a:p>
-          <a:p>
-            <a:r>
-              <a:rPr lang="en-US" sz="2000" b="1" dirty="0"/>
-              <a:t>Familiarity with R</a:t>
-            </a:r>
-          </a:p>
-          <a:p>
-            <a:r>
-              <a:rPr lang="en-US" sz="2000" b="1" dirty="0"/>
-              <a:t>“Which chart is easier to interpret”</a:t>
-            </a:r>
-          </a:p>
-          <a:p>
-            <a:r>
-              <a:rPr lang="en-US" sz="2000" b="1" dirty="0"/>
-              <a:t>Test Bar/Line bias (</a:t>
-            </a:r>
-            <a:r>
-              <a:rPr lang="en-US" sz="1800" u="sng" dirty="0">
-                <a:solidFill>
-                  <a:srgbClr val="0000FF"/>
-                </a:solidFill>
-                <a:effectLst/>
-                <a:latin typeface="Calibri" panose="020F0502020204030204" pitchFamily="34" charset="0"/>
-                <a:ea typeface="SimSun" panose="02010600030101010101" pitchFamily="2" charset="-122"/>
-                <a:hlinkClick r:id="rId3"/>
-              </a:rPr>
-              <a:t>https://bit.ly/3ymQ1eE</a:t>
-            </a:r>
-            <a:r>
-              <a:rPr lang="en-US" sz="2000" b="1" dirty="0"/>
-              <a:t>)</a:t>
-            </a:r>
-          </a:p>
-          <a:p>
-            <a:endParaRPr lang="en-US" sz="3600" b="1" dirty="0"/>
-          </a:p>
-          <a:p>
-            <a:endParaRPr lang="en-US" sz="3600" b="1" dirty="0"/>
-          </a:p>
-        </p:txBody>
-      </p:sp>
-    </p:spTree>
-    <p:extLst>
-      <p:ext uri="{BB962C8B-B14F-4D97-AF65-F5344CB8AC3E}">
-        <p14:creationId xmlns:p14="http://schemas.microsoft.com/office/powerpoint/2010/main" val="2113688764"/>
-      </p:ext>
-    </p:extLst>
-  </p:cSld>
-  <p:clrMapOvr>
-    <a:masterClrMapping/>
-  </p:clrMapOvr>
-</p:sld>
-</file>
-
-<file path=ppt/slides/slide20.xml><?xml version="1.0" encoding="utf-8"?>
-<p:sld xmlns:a="http://schemas.openxmlformats.org/drawingml/2006/main" xmlns:r="http://schemas.openxmlformats.org/officeDocument/2006/relationships" xmlns:p="http://schemas.openxmlformats.org/presentationml/2006/main">
-  <p:cSld>
-    <p:spTree>
-      <p:nvGrpSpPr>
-        <p:cNvPr id="1" name=""/>
-        <p:cNvGrpSpPr/>
-        <p:nvPr/>
-      </p:nvGrpSpPr>
-      <p:grpSpPr>
-        <a:xfrm>
-          <a:off x="0" y="0"/>
-          <a:ext cx="0" cy="0"/>
-          <a:chOff x="0" y="0"/>
-          <a:chExt cx="0" cy="0"/>
-        </a:xfrm>
-      </p:grpSpPr>
-      <p:sp>
-        <p:nvSpPr>
-          <p:cNvPr id="2" name="Title 1">
-            <a:extLst>
-              <a:ext uri="{FF2B5EF4-FFF2-40B4-BE49-F238E27FC236}">
-                <a16:creationId xmlns:a16="http://schemas.microsoft.com/office/drawing/2014/main" id="{18969BF5-0288-FD7C-1739-0C8672F3D7F8}"/>
-              </a:ext>
-            </a:extLst>
-          </p:cNvPr>
-          <p:cNvSpPr>
-            <a:spLocks noGrp="1"/>
-          </p:cNvSpPr>
-          <p:nvPr>
-            <p:ph type="title"/>
-          </p:nvPr>
-        </p:nvSpPr>
-        <p:spPr/>
-        <p:txBody>
-          <a:bodyPr/>
-          <a:lstStyle/>
-          <a:p>
-            <a:r>
-              <a:rPr lang="en-US" dirty="0"/>
-              <a:t>Trend Selection</a:t>
-            </a:r>
-          </a:p>
-        </p:txBody>
-      </p:sp>
-      <p:sp>
-        <p:nvSpPr>
-          <p:cNvPr id="3" name="Content Placeholder 2">
-            <a:extLst>
-              <a:ext uri="{FF2B5EF4-FFF2-40B4-BE49-F238E27FC236}">
-                <a16:creationId xmlns:a16="http://schemas.microsoft.com/office/drawing/2014/main" id="{39176E43-0115-E50B-D268-5E00760022A7}"/>
-              </a:ext>
-            </a:extLst>
-          </p:cNvPr>
-          <p:cNvSpPr>
-            <a:spLocks noGrp="1"/>
-          </p:cNvSpPr>
-          <p:nvPr>
-            <p:ph idx="1"/>
-          </p:nvPr>
-        </p:nvSpPr>
-        <p:spPr/>
-        <p:txBody>
-          <a:bodyPr/>
-          <a:lstStyle/>
-          <a:p>
-            <a:endParaRPr lang="en-US" dirty="0"/>
-          </a:p>
-        </p:txBody>
-      </p:sp>
-    </p:spTree>
-    <p:extLst>
-      <p:ext uri="{BB962C8B-B14F-4D97-AF65-F5344CB8AC3E}">
-        <p14:creationId xmlns:p14="http://schemas.microsoft.com/office/powerpoint/2010/main" val="3391634178"/>
-      </p:ext>
-    </p:extLst>
-  </p:cSld>
-  <p:clrMapOvr>
-    <a:masterClrMapping/>
-  </p:clrMapOvr>
-</p:sld>
-</file>
-
-<file path=ppt/slides/slide21.xml><?xml version="1.0" encoding="utf-8"?>
-<p:sld xmlns:a="http://schemas.openxmlformats.org/drawingml/2006/main" xmlns:r="http://schemas.openxmlformats.org/officeDocument/2006/relationships" xmlns:p="http://schemas.openxmlformats.org/presentationml/2006/main">
-  <p:cSld>
-    <p:spTree>
-      <p:nvGrpSpPr>
-        <p:cNvPr id="1" name=""/>
-        <p:cNvGrpSpPr/>
-        <p:nvPr/>
-      </p:nvGrpSpPr>
-      <p:grpSpPr>
-        <a:xfrm>
-          <a:off x="0" y="0"/>
-          <a:ext cx="0" cy="0"/>
-          <a:chOff x="0" y="0"/>
-          <a:chExt cx="0" cy="0"/>
-        </a:xfrm>
-      </p:grpSpPr>
-      <p:sp>
-        <p:nvSpPr>
-          <p:cNvPr id="2" name="Title 1">
-            <a:extLst>
-              <a:ext uri="{FF2B5EF4-FFF2-40B4-BE49-F238E27FC236}">
-                <a16:creationId xmlns:a16="http://schemas.microsoft.com/office/drawing/2014/main" id="{18969BF5-0288-FD7C-1739-0C8672F3D7F8}"/>
-              </a:ext>
-            </a:extLst>
-          </p:cNvPr>
-          <p:cNvSpPr>
-            <a:spLocks noGrp="1"/>
-          </p:cNvSpPr>
-          <p:nvPr>
-            <p:ph type="title"/>
-          </p:nvPr>
-        </p:nvSpPr>
-        <p:spPr/>
-        <p:txBody>
-          <a:bodyPr/>
-          <a:lstStyle/>
-          <a:p>
-            <a:r>
-              <a:rPr lang="en-US" dirty="0"/>
-              <a:t>Trend Selection</a:t>
-            </a:r>
-          </a:p>
-        </p:txBody>
-      </p:sp>
-      <p:sp>
-        <p:nvSpPr>
-          <p:cNvPr id="3" name="Content Placeholder 2">
-            <a:extLst>
-              <a:ext uri="{FF2B5EF4-FFF2-40B4-BE49-F238E27FC236}">
-                <a16:creationId xmlns:a16="http://schemas.microsoft.com/office/drawing/2014/main" id="{39176E43-0115-E50B-D268-5E00760022A7}"/>
-              </a:ext>
-            </a:extLst>
-          </p:cNvPr>
-          <p:cNvSpPr>
-            <a:spLocks noGrp="1"/>
-          </p:cNvSpPr>
-          <p:nvPr>
-            <p:ph idx="1"/>
-          </p:nvPr>
-        </p:nvSpPr>
-        <p:spPr/>
-        <p:txBody>
-          <a:bodyPr/>
-          <a:lstStyle/>
-          <a:p>
-            <a:endParaRPr lang="en-US" dirty="0"/>
-          </a:p>
-        </p:txBody>
-      </p:sp>
-    </p:spTree>
-    <p:extLst>
-      <p:ext uri="{BB962C8B-B14F-4D97-AF65-F5344CB8AC3E}">
-        <p14:creationId xmlns:p14="http://schemas.microsoft.com/office/powerpoint/2010/main" val="1725768834"/>
-      </p:ext>
-    </p:extLst>
-  </p:cSld>
-  <p:clrMapOvr>
-    <a:masterClrMapping/>
-  </p:clrMapOvr>
-</p:sld>
-</file>
-
-<file path=ppt/slides/slide22.xml><?xml version="1.0" encoding="utf-8"?>
-<p:sld xmlns:a="http://schemas.openxmlformats.org/drawingml/2006/main" xmlns:r="http://schemas.openxmlformats.org/officeDocument/2006/relationships" xmlns:p="http://schemas.openxmlformats.org/presentationml/2006/main">
-  <p:cSld>
-    <p:spTree>
-      <p:nvGrpSpPr>
-        <p:cNvPr id="1" name=""/>
-        <p:cNvGrpSpPr/>
-        <p:nvPr/>
-      </p:nvGrpSpPr>
-      <p:grpSpPr>
-        <a:xfrm>
-          <a:off x="0" y="0"/>
-          <a:ext cx="0" cy="0"/>
-          <a:chOff x="0" y="0"/>
-          <a:chExt cx="0" cy="0"/>
-        </a:xfrm>
-      </p:grpSpPr>
-      <p:sp>
-        <p:nvSpPr>
-          <p:cNvPr id="2" name="Title 1">
-            <a:extLst>
-              <a:ext uri="{FF2B5EF4-FFF2-40B4-BE49-F238E27FC236}">
-                <a16:creationId xmlns:a16="http://schemas.microsoft.com/office/drawing/2014/main" id="{18969BF5-0288-FD7C-1739-0C8672F3D7F8}"/>
-              </a:ext>
-            </a:extLst>
-          </p:cNvPr>
-          <p:cNvSpPr>
-            <a:spLocks noGrp="1"/>
-          </p:cNvSpPr>
-          <p:nvPr>
-            <p:ph type="title"/>
-          </p:nvPr>
-        </p:nvSpPr>
-        <p:spPr/>
-        <p:txBody>
-          <a:bodyPr/>
-          <a:lstStyle/>
-          <a:p>
-            <a:r>
-              <a:rPr lang="en-US" dirty="0"/>
-              <a:t>Rate Indications</a:t>
-            </a:r>
-          </a:p>
-        </p:txBody>
-      </p:sp>
-      <p:sp>
-        <p:nvSpPr>
-          <p:cNvPr id="3" name="Content Placeholder 2">
-            <a:extLst>
-              <a:ext uri="{FF2B5EF4-FFF2-40B4-BE49-F238E27FC236}">
-                <a16:creationId xmlns:a16="http://schemas.microsoft.com/office/drawing/2014/main" id="{39176E43-0115-E50B-D268-5E00760022A7}"/>
-              </a:ext>
-            </a:extLst>
-          </p:cNvPr>
-          <p:cNvSpPr>
-            <a:spLocks noGrp="1"/>
-          </p:cNvSpPr>
-          <p:nvPr>
-            <p:ph idx="1"/>
-          </p:nvPr>
-        </p:nvSpPr>
-        <p:spPr/>
-        <p:txBody>
-          <a:bodyPr/>
-          <a:lstStyle/>
-          <a:p>
-            <a:endParaRPr lang="en-US" dirty="0"/>
-          </a:p>
-        </p:txBody>
-      </p:sp>
-    </p:spTree>
-    <p:extLst>
-      <p:ext uri="{BB962C8B-B14F-4D97-AF65-F5344CB8AC3E}">
-        <p14:creationId xmlns:p14="http://schemas.microsoft.com/office/powerpoint/2010/main" val="3486625981"/>
-      </p:ext>
-    </p:extLst>
-  </p:cSld>
-  <p:clrMapOvr>
-    <a:masterClrMapping/>
-  </p:clrMapOvr>
-</p:sld>
-</file>
-
-<file path=ppt/slides/slide23.xml><?xml version="1.0" encoding="utf-8"?>
-<p:sld xmlns:a="http://schemas.openxmlformats.org/drawingml/2006/main" xmlns:r="http://schemas.openxmlformats.org/officeDocument/2006/relationships" xmlns:p="http://schemas.openxmlformats.org/presentationml/2006/main">
-  <p:cSld>
-    <p:spTree>
-      <p:nvGrpSpPr>
-        <p:cNvPr id="1" name=""/>
-        <p:cNvGrpSpPr/>
-        <p:nvPr/>
-      </p:nvGrpSpPr>
-      <p:grpSpPr>
-        <a:xfrm>
-          <a:off x="0" y="0"/>
-          <a:ext cx="0" cy="0"/>
-          <a:chOff x="0" y="0"/>
-          <a:chExt cx="0" cy="0"/>
-        </a:xfrm>
-      </p:grpSpPr>
-      <p:sp>
-        <p:nvSpPr>
-          <p:cNvPr id="2" name="Title 1">
-            <a:extLst>
-              <a:ext uri="{FF2B5EF4-FFF2-40B4-BE49-F238E27FC236}">
-                <a16:creationId xmlns:a16="http://schemas.microsoft.com/office/drawing/2014/main" id="{18969BF5-0288-FD7C-1739-0C8672F3D7F8}"/>
-              </a:ext>
-            </a:extLst>
-          </p:cNvPr>
-          <p:cNvSpPr>
-            <a:spLocks noGrp="1"/>
-          </p:cNvSpPr>
-          <p:nvPr>
-            <p:ph type="title"/>
-          </p:nvPr>
-        </p:nvSpPr>
-        <p:spPr/>
-        <p:txBody>
-          <a:bodyPr/>
-          <a:lstStyle/>
-          <a:p>
-            <a:r>
-              <a:rPr lang="en-US"/>
-              <a:t>Rate Indications</a:t>
-            </a:r>
-            <a:endParaRPr lang="en-US" dirty="0"/>
-          </a:p>
-        </p:txBody>
-      </p:sp>
-      <p:sp>
-        <p:nvSpPr>
-          <p:cNvPr id="3" name="Content Placeholder 2">
-            <a:extLst>
-              <a:ext uri="{FF2B5EF4-FFF2-40B4-BE49-F238E27FC236}">
-                <a16:creationId xmlns:a16="http://schemas.microsoft.com/office/drawing/2014/main" id="{39176E43-0115-E50B-D268-5E00760022A7}"/>
-              </a:ext>
-            </a:extLst>
-          </p:cNvPr>
-          <p:cNvSpPr>
-            <a:spLocks noGrp="1"/>
-          </p:cNvSpPr>
-          <p:nvPr>
-            <p:ph idx="1"/>
-          </p:nvPr>
-        </p:nvSpPr>
-        <p:spPr/>
-        <p:txBody>
-          <a:bodyPr/>
-          <a:lstStyle/>
-          <a:p>
-            <a:endParaRPr lang="en-US" dirty="0"/>
-          </a:p>
-        </p:txBody>
-      </p:sp>
-    </p:spTree>
-    <p:extLst>
-      <p:ext uri="{BB962C8B-B14F-4D97-AF65-F5344CB8AC3E}">
-        <p14:creationId xmlns:p14="http://schemas.microsoft.com/office/powerpoint/2010/main" val="3189205658"/>
+        <p14:creationId xmlns:p14="http://schemas.microsoft.com/office/powerpoint/2010/main" val="3281653546"/>
       </p:ext>
     </p:extLst>
   </p:cSld>
@@ -17377,3395 +18096,6 @@
 </file>
 
 <file path=ppt/slides/slide24.xml><?xml version="1.0" encoding="utf-8"?>
-<p:sld xmlns:a="http://schemas.openxmlformats.org/drawingml/2006/main" xmlns:r="http://schemas.openxmlformats.org/officeDocument/2006/relationships" xmlns:p="http://schemas.openxmlformats.org/presentationml/2006/main">
-  <p:cSld>
-    <p:spTree>
-      <p:nvGrpSpPr>
-        <p:cNvPr id="1" name=""/>
-        <p:cNvGrpSpPr/>
-        <p:nvPr/>
-      </p:nvGrpSpPr>
-      <p:grpSpPr>
-        <a:xfrm>
-          <a:off x="0" y="0"/>
-          <a:ext cx="0" cy="0"/>
-          <a:chOff x="0" y="0"/>
-          <a:chExt cx="0" cy="0"/>
-        </a:xfrm>
-      </p:grpSpPr>
-      <p:sp>
-        <p:nvSpPr>
-          <p:cNvPr id="2" name="Title 1">
-            <a:extLst>
-              <a:ext uri="{FF2B5EF4-FFF2-40B4-BE49-F238E27FC236}">
-                <a16:creationId xmlns:a16="http://schemas.microsoft.com/office/drawing/2014/main" id="{18969BF5-0288-FD7C-1739-0C8672F3D7F8}"/>
-              </a:ext>
-            </a:extLst>
-          </p:cNvPr>
-          <p:cNvSpPr>
-            <a:spLocks noGrp="1"/>
-          </p:cNvSpPr>
-          <p:nvPr>
-            <p:ph type="title"/>
-          </p:nvPr>
-        </p:nvSpPr>
-        <p:spPr/>
-        <p:txBody>
-          <a:bodyPr/>
-          <a:lstStyle/>
-          <a:p>
-            <a:r>
-              <a:rPr lang="en-US" dirty="0"/>
-              <a:t>Mix Shift</a:t>
-            </a:r>
-          </a:p>
-        </p:txBody>
-      </p:sp>
-      <p:sp>
-        <p:nvSpPr>
-          <p:cNvPr id="3" name="Content Placeholder 2">
-            <a:extLst>
-              <a:ext uri="{FF2B5EF4-FFF2-40B4-BE49-F238E27FC236}">
-                <a16:creationId xmlns:a16="http://schemas.microsoft.com/office/drawing/2014/main" id="{39176E43-0115-E50B-D268-5E00760022A7}"/>
-              </a:ext>
-            </a:extLst>
-          </p:cNvPr>
-          <p:cNvSpPr>
-            <a:spLocks noGrp="1"/>
-          </p:cNvSpPr>
-          <p:nvPr>
-            <p:ph idx="1"/>
-          </p:nvPr>
-        </p:nvSpPr>
-        <p:spPr/>
-        <p:txBody>
-          <a:bodyPr/>
-          <a:lstStyle/>
-          <a:p>
-            <a:endParaRPr lang="en-US" dirty="0"/>
-          </a:p>
-        </p:txBody>
-      </p:sp>
-    </p:spTree>
-    <p:extLst>
-      <p:ext uri="{BB962C8B-B14F-4D97-AF65-F5344CB8AC3E}">
-        <p14:creationId xmlns:p14="http://schemas.microsoft.com/office/powerpoint/2010/main" val="1261869704"/>
-      </p:ext>
-    </p:extLst>
-  </p:cSld>
-  <p:clrMapOvr>
-    <a:masterClrMapping/>
-  </p:clrMapOvr>
-</p:sld>
-</file>
-
-<file path=ppt/slides/slide25.xml><?xml version="1.0" encoding="utf-8"?>
-<p:sld xmlns:a="http://schemas.openxmlformats.org/drawingml/2006/main" xmlns:r="http://schemas.openxmlformats.org/officeDocument/2006/relationships" xmlns:p="http://schemas.openxmlformats.org/presentationml/2006/main">
-  <p:cSld>
-    <p:spTree>
-      <p:nvGrpSpPr>
-        <p:cNvPr id="1" name=""/>
-        <p:cNvGrpSpPr/>
-        <p:nvPr/>
-      </p:nvGrpSpPr>
-      <p:grpSpPr>
-        <a:xfrm>
-          <a:off x="0" y="0"/>
-          <a:ext cx="0" cy="0"/>
-          <a:chOff x="0" y="0"/>
-          <a:chExt cx="0" cy="0"/>
-        </a:xfrm>
-      </p:grpSpPr>
-      <p:sp>
-        <p:nvSpPr>
-          <p:cNvPr id="2" name="Title 1">
-            <a:extLst>
-              <a:ext uri="{FF2B5EF4-FFF2-40B4-BE49-F238E27FC236}">
-                <a16:creationId xmlns:a16="http://schemas.microsoft.com/office/drawing/2014/main" id="{18969BF5-0288-FD7C-1739-0C8672F3D7F8}"/>
-              </a:ext>
-            </a:extLst>
-          </p:cNvPr>
-          <p:cNvSpPr>
-            <a:spLocks noGrp="1"/>
-          </p:cNvSpPr>
-          <p:nvPr>
-            <p:ph type="title"/>
-          </p:nvPr>
-        </p:nvSpPr>
-        <p:spPr/>
-        <p:txBody>
-          <a:bodyPr/>
-          <a:lstStyle/>
-          <a:p>
-            <a:r>
-              <a:rPr lang="en-US" dirty="0"/>
-              <a:t>Mix Shift</a:t>
-            </a:r>
-          </a:p>
-        </p:txBody>
-      </p:sp>
-      <p:sp>
-        <p:nvSpPr>
-          <p:cNvPr id="3" name="Content Placeholder 2">
-            <a:extLst>
-              <a:ext uri="{FF2B5EF4-FFF2-40B4-BE49-F238E27FC236}">
-                <a16:creationId xmlns:a16="http://schemas.microsoft.com/office/drawing/2014/main" id="{39176E43-0115-E50B-D268-5E00760022A7}"/>
-              </a:ext>
-            </a:extLst>
-          </p:cNvPr>
-          <p:cNvSpPr>
-            <a:spLocks noGrp="1"/>
-          </p:cNvSpPr>
-          <p:nvPr>
-            <p:ph idx="1"/>
-          </p:nvPr>
-        </p:nvSpPr>
-        <p:spPr/>
-        <p:txBody>
-          <a:bodyPr/>
-          <a:lstStyle/>
-          <a:p>
-            <a:endParaRPr lang="en-US" dirty="0"/>
-          </a:p>
-        </p:txBody>
-      </p:sp>
-    </p:spTree>
-    <p:extLst>
-      <p:ext uri="{BB962C8B-B14F-4D97-AF65-F5344CB8AC3E}">
-        <p14:creationId xmlns:p14="http://schemas.microsoft.com/office/powerpoint/2010/main" val="556224051"/>
-      </p:ext>
-    </p:extLst>
-  </p:cSld>
-  <p:clrMapOvr>
-    <a:masterClrMapping/>
-  </p:clrMapOvr>
-</p:sld>
-</file>
-
-<file path=ppt/slides/slide26.xml><?xml version="1.0" encoding="utf-8"?>
-<p:sld xmlns:a="http://schemas.openxmlformats.org/drawingml/2006/main" xmlns:r="http://schemas.openxmlformats.org/officeDocument/2006/relationships" xmlns:p="http://schemas.openxmlformats.org/presentationml/2006/main">
-  <p:cSld>
-    <p:spTree>
-      <p:nvGrpSpPr>
-        <p:cNvPr id="1" name=""/>
-        <p:cNvGrpSpPr/>
-        <p:nvPr/>
-      </p:nvGrpSpPr>
-      <p:grpSpPr>
-        <a:xfrm>
-          <a:off x="0" y="0"/>
-          <a:ext cx="0" cy="0"/>
-          <a:chOff x="0" y="0"/>
-          <a:chExt cx="0" cy="0"/>
-        </a:xfrm>
-      </p:grpSpPr>
-      <p:sp>
-        <p:nvSpPr>
-          <p:cNvPr id="2" name="Title 1">
-            <a:extLst>
-              <a:ext uri="{FF2B5EF4-FFF2-40B4-BE49-F238E27FC236}">
-                <a16:creationId xmlns:a16="http://schemas.microsoft.com/office/drawing/2014/main" id="{18969BF5-0288-FD7C-1739-0C8672F3D7F8}"/>
-              </a:ext>
-            </a:extLst>
-          </p:cNvPr>
-          <p:cNvSpPr>
-            <a:spLocks noGrp="1"/>
-          </p:cNvSpPr>
-          <p:nvPr>
-            <p:ph type="title"/>
-          </p:nvPr>
-        </p:nvSpPr>
-        <p:spPr/>
-        <p:txBody>
-          <a:bodyPr/>
-          <a:lstStyle/>
-          <a:p>
-            <a:r>
-              <a:rPr lang="en-US" dirty="0"/>
-              <a:t>Model Diagnostics</a:t>
-            </a:r>
-          </a:p>
-        </p:txBody>
-      </p:sp>
-      <p:sp>
-        <p:nvSpPr>
-          <p:cNvPr id="3" name="Content Placeholder 2">
-            <a:extLst>
-              <a:ext uri="{FF2B5EF4-FFF2-40B4-BE49-F238E27FC236}">
-                <a16:creationId xmlns:a16="http://schemas.microsoft.com/office/drawing/2014/main" id="{39176E43-0115-E50B-D268-5E00760022A7}"/>
-              </a:ext>
-            </a:extLst>
-          </p:cNvPr>
-          <p:cNvSpPr>
-            <a:spLocks noGrp="1"/>
-          </p:cNvSpPr>
-          <p:nvPr>
-            <p:ph idx="1"/>
-          </p:nvPr>
-        </p:nvSpPr>
-        <p:spPr/>
-        <p:txBody>
-          <a:bodyPr/>
-          <a:lstStyle/>
-          <a:p>
-            <a:endParaRPr lang="en-US" dirty="0"/>
-          </a:p>
-        </p:txBody>
-      </p:sp>
-    </p:spTree>
-    <p:extLst>
-      <p:ext uri="{BB962C8B-B14F-4D97-AF65-F5344CB8AC3E}">
-        <p14:creationId xmlns:p14="http://schemas.microsoft.com/office/powerpoint/2010/main" val="438820422"/>
-      </p:ext>
-    </p:extLst>
-  </p:cSld>
-  <p:clrMapOvr>
-    <a:masterClrMapping/>
-  </p:clrMapOvr>
-</p:sld>
-</file>
-
-<file path=ppt/slides/slide27.xml><?xml version="1.0" encoding="utf-8"?>
-<p:sld xmlns:a="http://schemas.openxmlformats.org/drawingml/2006/main" xmlns:r="http://schemas.openxmlformats.org/officeDocument/2006/relationships" xmlns:p="http://schemas.openxmlformats.org/presentationml/2006/main">
-  <p:cSld>
-    <p:spTree>
-      <p:nvGrpSpPr>
-        <p:cNvPr id="1" name=""/>
-        <p:cNvGrpSpPr/>
-        <p:nvPr/>
-      </p:nvGrpSpPr>
-      <p:grpSpPr>
-        <a:xfrm>
-          <a:off x="0" y="0"/>
-          <a:ext cx="0" cy="0"/>
-          <a:chOff x="0" y="0"/>
-          <a:chExt cx="0" cy="0"/>
-        </a:xfrm>
-      </p:grpSpPr>
-      <p:sp>
-        <p:nvSpPr>
-          <p:cNvPr id="2" name="Title 1">
-            <a:extLst>
-              <a:ext uri="{FF2B5EF4-FFF2-40B4-BE49-F238E27FC236}">
-                <a16:creationId xmlns:a16="http://schemas.microsoft.com/office/drawing/2014/main" id="{18969BF5-0288-FD7C-1739-0C8672F3D7F8}"/>
-              </a:ext>
-            </a:extLst>
-          </p:cNvPr>
-          <p:cNvSpPr>
-            <a:spLocks noGrp="1"/>
-          </p:cNvSpPr>
-          <p:nvPr>
-            <p:ph type="title"/>
-          </p:nvPr>
-        </p:nvSpPr>
-        <p:spPr/>
-        <p:txBody>
-          <a:bodyPr/>
-          <a:lstStyle/>
-          <a:p>
-            <a:r>
-              <a:rPr lang="en-US"/>
-              <a:t>Model Diagnostics</a:t>
-            </a:r>
-            <a:endParaRPr lang="en-US" dirty="0"/>
-          </a:p>
-        </p:txBody>
-      </p:sp>
-      <p:sp>
-        <p:nvSpPr>
-          <p:cNvPr id="3" name="Content Placeholder 2">
-            <a:extLst>
-              <a:ext uri="{FF2B5EF4-FFF2-40B4-BE49-F238E27FC236}">
-                <a16:creationId xmlns:a16="http://schemas.microsoft.com/office/drawing/2014/main" id="{39176E43-0115-E50B-D268-5E00760022A7}"/>
-              </a:ext>
-            </a:extLst>
-          </p:cNvPr>
-          <p:cNvSpPr>
-            <a:spLocks noGrp="1"/>
-          </p:cNvSpPr>
-          <p:nvPr>
-            <p:ph idx="1"/>
-          </p:nvPr>
-        </p:nvSpPr>
-        <p:spPr/>
-        <p:txBody>
-          <a:bodyPr/>
-          <a:lstStyle/>
-          <a:p>
-            <a:endParaRPr lang="en-US" dirty="0"/>
-          </a:p>
-        </p:txBody>
-      </p:sp>
-    </p:spTree>
-    <p:extLst>
-      <p:ext uri="{BB962C8B-B14F-4D97-AF65-F5344CB8AC3E}">
-        <p14:creationId xmlns:p14="http://schemas.microsoft.com/office/powerpoint/2010/main" val="2283096306"/>
-      </p:ext>
-    </p:extLst>
-  </p:cSld>
-  <p:clrMapOvr>
-    <a:masterClrMapping/>
-  </p:clrMapOvr>
-</p:sld>
-</file>
-
-<file path=ppt/slides/slide28.xml><?xml version="1.0" encoding="utf-8"?>
-<p:sld xmlns:a="http://schemas.openxmlformats.org/drawingml/2006/main" xmlns:r="http://schemas.openxmlformats.org/officeDocument/2006/relationships" xmlns:p="http://schemas.openxmlformats.org/presentationml/2006/main">
-  <p:cSld>
-    <p:spTree>
-      <p:nvGrpSpPr>
-        <p:cNvPr id="1" name=""/>
-        <p:cNvGrpSpPr/>
-        <p:nvPr/>
-      </p:nvGrpSpPr>
-      <p:grpSpPr>
-        <a:xfrm>
-          <a:off x="0" y="0"/>
-          <a:ext cx="0" cy="0"/>
-          <a:chOff x="0" y="0"/>
-          <a:chExt cx="0" cy="0"/>
-        </a:xfrm>
-      </p:grpSpPr>
-      <p:sp>
-        <p:nvSpPr>
-          <p:cNvPr id="2" name="Title 1">
-            <a:extLst>
-              <a:ext uri="{FF2B5EF4-FFF2-40B4-BE49-F238E27FC236}">
-                <a16:creationId xmlns:a16="http://schemas.microsoft.com/office/drawing/2014/main" id="{FB164A08-7CBF-A761-E02D-33DAFF697330}"/>
-              </a:ext>
-            </a:extLst>
-          </p:cNvPr>
-          <p:cNvSpPr>
-            <a:spLocks noGrp="1"/>
-          </p:cNvSpPr>
-          <p:nvPr>
-            <p:ph type="title"/>
-          </p:nvPr>
-        </p:nvSpPr>
-        <p:spPr/>
-        <p:txBody>
-          <a:bodyPr/>
-          <a:lstStyle/>
-          <a:p>
-            <a:r>
-              <a:rPr lang="en-US" dirty="0"/>
-              <a:t>Automating</a:t>
-            </a:r>
-            <a:br>
-              <a:rPr lang="en-US" dirty="0"/>
-            </a:br>
-            <a:r>
-              <a:rPr lang="en-US" dirty="0"/>
-              <a:t>actuarial exhibits</a:t>
-            </a:r>
-          </a:p>
-        </p:txBody>
-      </p:sp>
-      <p:sp>
-        <p:nvSpPr>
-          <p:cNvPr id="3" name="Text Placeholder 2">
-            <a:extLst>
-              <a:ext uri="{FF2B5EF4-FFF2-40B4-BE49-F238E27FC236}">
-                <a16:creationId xmlns:a16="http://schemas.microsoft.com/office/drawing/2014/main" id="{4B1F8AE9-444E-BC75-AA22-A6E4BADDFFA8}"/>
-              </a:ext>
-            </a:extLst>
-          </p:cNvPr>
-          <p:cNvSpPr>
-            <a:spLocks noGrp="1"/>
-          </p:cNvSpPr>
-          <p:nvPr>
-            <p:ph type="body" idx="1"/>
-          </p:nvPr>
-        </p:nvSpPr>
-        <p:spPr/>
-        <p:txBody>
-          <a:bodyPr/>
-          <a:lstStyle/>
-          <a:p>
-            <a:endParaRPr lang="en-US"/>
-          </a:p>
-        </p:txBody>
-      </p:sp>
-    </p:spTree>
-    <p:extLst>
-      <p:ext uri="{BB962C8B-B14F-4D97-AF65-F5344CB8AC3E}">
-        <p14:creationId xmlns:p14="http://schemas.microsoft.com/office/powerpoint/2010/main" val="2737078565"/>
-      </p:ext>
-    </p:extLst>
-  </p:cSld>
-  <p:clrMapOvr>
-    <a:masterClrMapping/>
-  </p:clrMapOvr>
-</p:sld>
-</file>
-
-<file path=ppt/slides/slide29.xml><?xml version="1.0" encoding="utf-8"?>
-<p:sld xmlns:a="http://schemas.openxmlformats.org/drawingml/2006/main" xmlns:r="http://schemas.openxmlformats.org/officeDocument/2006/relationships" xmlns:p="http://schemas.openxmlformats.org/presentationml/2006/main">
-  <p:cSld>
-    <p:spTree>
-      <p:nvGrpSpPr>
-        <p:cNvPr id="1" name=""/>
-        <p:cNvGrpSpPr/>
-        <p:nvPr/>
-      </p:nvGrpSpPr>
-      <p:grpSpPr>
-        <a:xfrm>
-          <a:off x="0" y="0"/>
-          <a:ext cx="0" cy="0"/>
-          <a:chOff x="0" y="0"/>
-          <a:chExt cx="0" cy="0"/>
-        </a:xfrm>
-      </p:grpSpPr>
-      <p:pic>
-        <p:nvPicPr>
-          <p:cNvPr id="121" name="Picture 120" descr="A picture containing text, clipart, sign, vector graphics&#10;&#10;Description automatically generated">
-            <a:extLst>
-              <a:ext uri="{FF2B5EF4-FFF2-40B4-BE49-F238E27FC236}">
-                <a16:creationId xmlns:a16="http://schemas.microsoft.com/office/drawing/2014/main" id="{01A2CF48-9BF8-6D38-E543-1482FDDB5ACB}"/>
-              </a:ext>
-            </a:extLst>
-          </p:cNvPr>
-          <p:cNvPicPr>
-            <a:picLocks noChangeAspect="1"/>
-          </p:cNvPicPr>
-          <p:nvPr/>
-        </p:nvPicPr>
-        <p:blipFill>
-          <a:blip r:embed="rId2">
-            <a:extLst>
-              <a:ext uri="{28A0092B-C50C-407E-A947-70E740481C1C}">
-                <a14:useLocalDpi xmlns:a14="http://schemas.microsoft.com/office/drawing/2010/main" val="0"/>
-              </a:ext>
-            </a:extLst>
-          </a:blip>
-          <a:stretch>
-            <a:fillRect/>
-          </a:stretch>
-        </p:blipFill>
-        <p:spPr>
-          <a:xfrm>
-            <a:off x="7192180" y="4074153"/>
-            <a:ext cx="950976" cy="950976"/>
-          </a:xfrm>
-          <a:prstGeom prst="rect">
-            <a:avLst/>
-          </a:prstGeom>
-        </p:spPr>
-      </p:pic>
-      <p:sp>
-        <p:nvSpPr>
-          <p:cNvPr id="2" name="Title 1">
-            <a:extLst>
-              <a:ext uri="{FF2B5EF4-FFF2-40B4-BE49-F238E27FC236}">
-                <a16:creationId xmlns:a16="http://schemas.microsoft.com/office/drawing/2014/main" id="{18969BF5-0288-FD7C-1739-0C8672F3D7F8}"/>
-              </a:ext>
-            </a:extLst>
-          </p:cNvPr>
-          <p:cNvSpPr>
-            <a:spLocks noGrp="1"/>
-          </p:cNvSpPr>
-          <p:nvPr>
-            <p:ph type="title"/>
-          </p:nvPr>
-        </p:nvSpPr>
-        <p:spPr/>
-        <p:txBody>
-          <a:bodyPr/>
-          <a:lstStyle/>
-          <a:p>
-            <a:r>
-              <a:rPr lang="en-US" dirty="0"/>
-              <a:t>Typical Actuarial Analysis Pipeline</a:t>
-            </a:r>
-          </a:p>
-        </p:txBody>
-      </p:sp>
-      <p:pic>
-        <p:nvPicPr>
-          <p:cNvPr id="16" name="Picture 4" descr="Database icon">
-            <a:extLst>
-              <a:ext uri="{FF2B5EF4-FFF2-40B4-BE49-F238E27FC236}">
-                <a16:creationId xmlns:a16="http://schemas.microsoft.com/office/drawing/2014/main" id="{B2D48FF6-3E93-4F70-5E09-97F3151D16A0}"/>
-              </a:ext>
-            </a:extLst>
-          </p:cNvPr>
-          <p:cNvPicPr>
-            <a:picLocks noChangeAspect="1" noChangeArrowheads="1"/>
-          </p:cNvPicPr>
-          <p:nvPr/>
-        </p:nvPicPr>
-        <p:blipFill>
-          <a:blip r:embed="rId3" cstate="print">
-            <a:duotone>
-              <a:schemeClr val="accent1">
-                <a:shade val="45000"/>
-                <a:satMod val="135000"/>
-              </a:schemeClr>
-              <a:prstClr val="white"/>
-            </a:duotone>
-            <a:extLst>
-              <a:ext uri="{28A0092B-C50C-407E-A947-70E740481C1C}">
-                <a14:useLocalDpi xmlns:a14="http://schemas.microsoft.com/office/drawing/2010/main" val="0"/>
-              </a:ext>
-            </a:extLst>
-          </a:blip>
-          <a:srcRect/>
-          <a:stretch>
-            <a:fillRect/>
-          </a:stretch>
-        </p:blipFill>
-        <p:spPr bwMode="auto">
-          <a:xfrm>
-            <a:off x="517918" y="1784537"/>
-            <a:ext cx="457200" cy="457200"/>
-          </a:xfrm>
-          <a:prstGeom prst="rect">
-            <a:avLst/>
-          </a:prstGeom>
-          <a:noFill/>
-          <a:extLst>
-            <a:ext uri="{909E8E84-426E-40DD-AFC4-6F175D3DCCD1}">
-              <a14:hiddenFill xmlns:a14="http://schemas.microsoft.com/office/drawing/2010/main">
-                <a:solidFill>
-                  <a:srgbClr val="FFFFFF"/>
-                </a:solidFill>
-              </a14:hiddenFill>
-            </a:ext>
-          </a:extLst>
-        </p:spPr>
-      </p:pic>
-      <p:sp>
-        <p:nvSpPr>
-          <p:cNvPr id="20" name="TextBox 19">
-            <a:extLst>
-              <a:ext uri="{FF2B5EF4-FFF2-40B4-BE49-F238E27FC236}">
-                <a16:creationId xmlns:a16="http://schemas.microsoft.com/office/drawing/2014/main" id="{4D3F9C2B-8B3E-D6BC-1856-92034B7EDC3C}"/>
-              </a:ext>
-            </a:extLst>
-          </p:cNvPr>
-          <p:cNvSpPr txBox="1"/>
-          <p:nvPr/>
-        </p:nvSpPr>
-        <p:spPr>
-          <a:xfrm>
-            <a:off x="289318" y="2353603"/>
-            <a:ext cx="914400" cy="230410"/>
-          </a:xfrm>
-          <a:prstGeom prst="rect">
-            <a:avLst/>
-          </a:prstGeom>
-          <a:noFill/>
-        </p:spPr>
-        <p:txBody>
-          <a:bodyPr wrap="none" lIns="0" tIns="0" rIns="0" bIns="0" rtlCol="0">
-            <a:noAutofit/>
-          </a:bodyPr>
-          <a:lstStyle/>
-          <a:p>
-            <a:pPr algn="ctr">
-              <a:lnSpc>
-                <a:spcPct val="100000"/>
-              </a:lnSpc>
-              <a:spcBef>
-                <a:spcPts val="900"/>
-              </a:spcBef>
-              <a:buSzPct val="100000"/>
-            </a:pPr>
-            <a:r>
-              <a:rPr lang="en-US" sz="1400" dirty="0">
-                <a:solidFill>
-                  <a:schemeClr val="tx2"/>
-                </a:solidFill>
-                <a:latin typeface="Arial" panose="020B0604020202020204" pitchFamily="34" charset="0"/>
-                <a:cs typeface="Arial" panose="020B0604020202020204" pitchFamily="34" charset="0"/>
-              </a:rPr>
-              <a:t>Database</a:t>
-            </a:r>
-          </a:p>
-        </p:txBody>
-      </p:sp>
-      <p:pic>
-        <p:nvPicPr>
-          <p:cNvPr id="31" name="Picture 2">
-            <a:extLst>
-              <a:ext uri="{FF2B5EF4-FFF2-40B4-BE49-F238E27FC236}">
-                <a16:creationId xmlns:a16="http://schemas.microsoft.com/office/drawing/2014/main" id="{1F9D6341-B68C-BE97-CC70-1D5F0C04F23E}"/>
-              </a:ext>
-            </a:extLst>
-          </p:cNvPr>
-          <p:cNvPicPr>
-            <a:picLocks noChangeAspect="1" noChangeArrowheads="1"/>
-          </p:cNvPicPr>
-          <p:nvPr/>
-        </p:nvPicPr>
-        <p:blipFill>
-          <a:blip r:embed="rId4" cstate="print">
-            <a:extLst>
-              <a:ext uri="{28A0092B-C50C-407E-A947-70E740481C1C}">
-                <a14:useLocalDpi xmlns:a14="http://schemas.microsoft.com/office/drawing/2010/main" val="0"/>
-              </a:ext>
-            </a:extLst>
-          </a:blip>
-          <a:srcRect/>
-          <a:stretch>
-            <a:fillRect/>
-          </a:stretch>
-        </p:blipFill>
-        <p:spPr bwMode="auto">
-          <a:xfrm>
-            <a:off x="1622027" y="1784537"/>
-            <a:ext cx="465525" cy="457200"/>
-          </a:xfrm>
-          <a:prstGeom prst="rect">
-            <a:avLst/>
-          </a:prstGeom>
-          <a:noFill/>
-          <a:extLst>
-            <a:ext uri="{909E8E84-426E-40DD-AFC4-6F175D3DCCD1}">
-              <a14:hiddenFill xmlns:a14="http://schemas.microsoft.com/office/drawing/2010/main">
-                <a:solidFill>
-                  <a:srgbClr val="FFFFFF"/>
-                </a:solidFill>
-              </a14:hiddenFill>
-            </a:ext>
-          </a:extLst>
-        </p:spPr>
-      </p:pic>
-      <p:sp>
-        <p:nvSpPr>
-          <p:cNvPr id="32" name="TextBox 31">
-            <a:extLst>
-              <a:ext uri="{FF2B5EF4-FFF2-40B4-BE49-F238E27FC236}">
-                <a16:creationId xmlns:a16="http://schemas.microsoft.com/office/drawing/2014/main" id="{08D7C16B-8A52-985A-6C3A-270B2620A09C}"/>
-              </a:ext>
-            </a:extLst>
-          </p:cNvPr>
-          <p:cNvSpPr txBox="1"/>
-          <p:nvPr/>
-        </p:nvSpPr>
-        <p:spPr>
-          <a:xfrm>
-            <a:off x="1397589" y="2353603"/>
-            <a:ext cx="914400" cy="230410"/>
-          </a:xfrm>
-          <a:prstGeom prst="rect">
-            <a:avLst/>
-          </a:prstGeom>
-          <a:noFill/>
-        </p:spPr>
-        <p:txBody>
-          <a:bodyPr wrap="none" lIns="0" tIns="0" rIns="0" bIns="0" rtlCol="0">
-            <a:noAutofit/>
-          </a:bodyPr>
-          <a:lstStyle/>
-          <a:p>
-            <a:pPr algn="ctr">
-              <a:lnSpc>
-                <a:spcPct val="100000"/>
-              </a:lnSpc>
-              <a:spcBef>
-                <a:spcPts val="900"/>
-              </a:spcBef>
-              <a:buSzPct val="100000"/>
-            </a:pPr>
-            <a:r>
-              <a:rPr lang="en-US" sz="1400" dirty="0">
-                <a:solidFill>
-                  <a:schemeClr val="tx2"/>
-                </a:solidFill>
-                <a:latin typeface="Arial" panose="020B0604020202020204" pitchFamily="34" charset="0"/>
-                <a:cs typeface="Arial" panose="020B0604020202020204" pitchFamily="34" charset="0"/>
-              </a:rPr>
-              <a:t>Data Extract</a:t>
-            </a:r>
-          </a:p>
-        </p:txBody>
-      </p:sp>
-      <p:grpSp>
-        <p:nvGrpSpPr>
-          <p:cNvPr id="56" name="Group 55">
-            <a:extLst>
-              <a:ext uri="{FF2B5EF4-FFF2-40B4-BE49-F238E27FC236}">
-                <a16:creationId xmlns:a16="http://schemas.microsoft.com/office/drawing/2014/main" id="{5DDD2603-31D8-6785-4D8A-9A1A879E1FDB}"/>
-              </a:ext>
-            </a:extLst>
-          </p:cNvPr>
-          <p:cNvGrpSpPr>
-            <a:grpSpLocks noChangeAspect="1"/>
-          </p:cNvGrpSpPr>
-          <p:nvPr/>
-        </p:nvGrpSpPr>
-        <p:grpSpPr>
-          <a:xfrm>
-            <a:off x="2914958" y="1784537"/>
-            <a:ext cx="444700" cy="457200"/>
-            <a:chOff x="3146361" y="1180960"/>
-            <a:chExt cx="2523306" cy="2594242"/>
-          </a:xfrm>
-        </p:grpSpPr>
-        <p:pic>
-          <p:nvPicPr>
-            <p:cNvPr id="53" name="Picture 52" descr="Shape&#10;&#10;Description automatically generated with medium confidence">
-              <a:extLst>
-                <a:ext uri="{FF2B5EF4-FFF2-40B4-BE49-F238E27FC236}">
-                  <a16:creationId xmlns:a16="http://schemas.microsoft.com/office/drawing/2014/main" id="{FCA9B095-DB56-9F3C-1F9A-94E0A043290D}"/>
-                </a:ext>
-              </a:extLst>
-            </p:cNvPr>
-            <p:cNvPicPr>
-              <a:picLocks noChangeAspect="1"/>
-            </p:cNvPicPr>
-            <p:nvPr/>
-          </p:nvPicPr>
-          <p:blipFill>
-            <a:blip r:embed="rId5" cstate="print">
-              <a:extLst>
-                <a:ext uri="{28A0092B-C50C-407E-A947-70E740481C1C}">
-                  <a14:useLocalDpi xmlns:a14="http://schemas.microsoft.com/office/drawing/2010/main" val="0"/>
-                </a:ext>
-              </a:extLst>
-            </a:blip>
-            <a:stretch>
-              <a:fillRect/>
-            </a:stretch>
-          </p:blipFill>
-          <p:spPr>
-            <a:xfrm>
-              <a:off x="3146361" y="1180960"/>
-              <a:ext cx="2523306" cy="2594242"/>
-            </a:xfrm>
-            <a:prstGeom prst="rect">
-              <a:avLst/>
-            </a:prstGeom>
-          </p:spPr>
-        </p:pic>
-        <p:sp>
-          <p:nvSpPr>
-            <p:cNvPr id="55" name="Freeform: Shape 54">
-              <a:extLst>
-                <a:ext uri="{FF2B5EF4-FFF2-40B4-BE49-F238E27FC236}">
-                  <a16:creationId xmlns:a16="http://schemas.microsoft.com/office/drawing/2014/main" id="{7DD849F0-BF5F-2DD7-63D0-9B260E39AC0F}"/>
-                </a:ext>
-              </a:extLst>
-            </p:cNvPr>
-            <p:cNvSpPr/>
-            <p:nvPr/>
-          </p:nvSpPr>
-          <p:spPr>
-            <a:xfrm>
-              <a:off x="3876040" y="1747520"/>
-              <a:ext cx="1112520" cy="1346200"/>
-            </a:xfrm>
-            <a:custGeom>
-              <a:avLst/>
-              <a:gdLst>
-                <a:gd name="connsiteX0" fmla="*/ 20320 w 1112520"/>
-                <a:gd name="connsiteY0" fmla="*/ 86360 h 1346200"/>
-                <a:gd name="connsiteX1" fmla="*/ 0 w 1112520"/>
-                <a:gd name="connsiteY1" fmla="*/ 939800 h 1346200"/>
-                <a:gd name="connsiteX2" fmla="*/ 447040 w 1112520"/>
-                <a:gd name="connsiteY2" fmla="*/ 1346200 h 1346200"/>
-                <a:gd name="connsiteX3" fmla="*/ 1112520 w 1112520"/>
-                <a:gd name="connsiteY3" fmla="*/ 812800 h 1346200"/>
-                <a:gd name="connsiteX4" fmla="*/ 1041400 w 1112520"/>
-                <a:gd name="connsiteY4" fmla="*/ 86360 h 1346200"/>
-                <a:gd name="connsiteX5" fmla="*/ 508000 w 1112520"/>
-                <a:gd name="connsiteY5" fmla="*/ 0 h 1346200"/>
-                <a:gd name="connsiteX6" fmla="*/ 20320 w 1112520"/>
-                <a:gd name="connsiteY6" fmla="*/ 86360 h 1346200"/>
-              </a:gdLst>
-              <a:ahLst/>
-              <a:cxnLst>
-                <a:cxn ang="0">
-                  <a:pos x="connsiteX0" y="connsiteY0"/>
-                </a:cxn>
-                <a:cxn ang="0">
-                  <a:pos x="connsiteX1" y="connsiteY1"/>
-                </a:cxn>
-                <a:cxn ang="0">
-                  <a:pos x="connsiteX2" y="connsiteY2"/>
-                </a:cxn>
-                <a:cxn ang="0">
-                  <a:pos x="connsiteX3" y="connsiteY3"/>
-                </a:cxn>
-                <a:cxn ang="0">
-                  <a:pos x="connsiteX4" y="connsiteY4"/>
-                </a:cxn>
-                <a:cxn ang="0">
-                  <a:pos x="connsiteX5" y="connsiteY5"/>
-                </a:cxn>
-                <a:cxn ang="0">
-                  <a:pos x="connsiteX6" y="connsiteY6"/>
-                </a:cxn>
-              </a:cxnLst>
-              <a:rect l="l" t="t" r="r" b="b"/>
-              <a:pathLst>
-                <a:path w="1112520" h="1346200">
-                  <a:moveTo>
-                    <a:pt x="20320" y="86360"/>
-                  </a:moveTo>
-                  <a:lnTo>
-                    <a:pt x="0" y="939800"/>
-                  </a:lnTo>
-                  <a:lnTo>
-                    <a:pt x="447040" y="1346200"/>
-                  </a:lnTo>
-                  <a:lnTo>
-                    <a:pt x="1112520" y="812800"/>
-                  </a:lnTo>
-                  <a:lnTo>
-                    <a:pt x="1041400" y="86360"/>
-                  </a:lnTo>
-                  <a:lnTo>
-                    <a:pt x="508000" y="0"/>
-                  </a:lnTo>
-                  <a:lnTo>
-                    <a:pt x="20320" y="86360"/>
-                  </a:lnTo>
-                  <a:close/>
-                </a:path>
-              </a:pathLst>
-            </a:custGeom>
-            <a:solidFill>
-              <a:srgbClr val="FFFEFD"/>
-            </a:solidFill>
-            <a:ln>
-              <a:noFill/>
-            </a:ln>
-          </p:spPr>
-          <p:style>
-            <a:lnRef idx="2">
-              <a:schemeClr val="accent1">
-                <a:shade val="50000"/>
-              </a:schemeClr>
-            </a:lnRef>
-            <a:fillRef idx="1">
-              <a:schemeClr val="accent1"/>
-            </a:fillRef>
-            <a:effectRef idx="0">
-              <a:schemeClr val="accent1"/>
-            </a:effectRef>
-            <a:fontRef idx="minor">
-              <a:schemeClr val="lt1"/>
-            </a:fontRef>
-          </p:style>
-          <p:txBody>
-            <a:bodyPr rtlCol="0" anchor="ctr"/>
-            <a:lstStyle/>
-            <a:p>
-              <a:pPr algn="ctr"/>
-              <a:endParaRPr lang="en-US"/>
-            </a:p>
-          </p:txBody>
-        </p:sp>
-        <p:pic>
-          <p:nvPicPr>
-            <p:cNvPr id="54" name="Picture 2">
-              <a:extLst>
-                <a:ext uri="{FF2B5EF4-FFF2-40B4-BE49-F238E27FC236}">
-                  <a16:creationId xmlns:a16="http://schemas.microsoft.com/office/drawing/2014/main" id="{9BDA80E7-1C17-9358-77F3-12DA281DF380}"/>
-                </a:ext>
-              </a:extLst>
-            </p:cNvPr>
-            <p:cNvPicPr>
-              <a:picLocks noChangeAspect="1" noChangeArrowheads="1"/>
-            </p:cNvPicPr>
-            <p:nvPr/>
-          </p:nvPicPr>
-          <p:blipFill>
-            <a:blip r:embed="rId6" cstate="print">
-              <a:extLst>
-                <a:ext uri="{28A0092B-C50C-407E-A947-70E740481C1C}">
-                  <a14:useLocalDpi xmlns:a14="http://schemas.microsoft.com/office/drawing/2010/main" val="0"/>
-                </a:ext>
-              </a:extLst>
-            </a:blip>
-            <a:srcRect/>
-            <a:stretch>
-              <a:fillRect/>
-            </a:stretch>
-          </p:blipFill>
-          <p:spPr bwMode="auto">
-            <a:xfrm>
-              <a:off x="3975103" y="1887803"/>
-              <a:ext cx="865822" cy="850337"/>
-            </a:xfrm>
-            <a:prstGeom prst="rect">
-              <a:avLst/>
-            </a:prstGeom>
-            <a:noFill/>
-            <a:extLst>
-              <a:ext uri="{909E8E84-426E-40DD-AFC4-6F175D3DCCD1}">
-                <a14:hiddenFill xmlns:a14="http://schemas.microsoft.com/office/drawing/2010/main">
-                  <a:solidFill>
-                    <a:srgbClr val="FFFFFF"/>
-                  </a:solidFill>
-                </a14:hiddenFill>
-              </a:ext>
-            </a:extLst>
-          </p:spPr>
-        </p:pic>
-      </p:grpSp>
-      <p:sp>
-        <p:nvSpPr>
-          <p:cNvPr id="58" name="TextBox 57">
-            <a:extLst>
-              <a:ext uri="{FF2B5EF4-FFF2-40B4-BE49-F238E27FC236}">
-                <a16:creationId xmlns:a16="http://schemas.microsoft.com/office/drawing/2014/main" id="{60C2949F-21EC-8BA8-B878-568E8D099E24}"/>
-              </a:ext>
-            </a:extLst>
-          </p:cNvPr>
-          <p:cNvSpPr txBox="1"/>
-          <p:nvPr/>
-        </p:nvSpPr>
-        <p:spPr>
-          <a:xfrm>
-            <a:off x="2680108" y="2353603"/>
-            <a:ext cx="914400" cy="230410"/>
-          </a:xfrm>
-          <a:prstGeom prst="rect">
-            <a:avLst/>
-          </a:prstGeom>
-          <a:noFill/>
-        </p:spPr>
-        <p:txBody>
-          <a:bodyPr wrap="none" lIns="0" tIns="0" rIns="0" bIns="0" rtlCol="0">
-            <a:noAutofit/>
-          </a:bodyPr>
-          <a:lstStyle/>
-          <a:p>
-            <a:pPr algn="ctr">
-              <a:lnSpc>
-                <a:spcPct val="100000"/>
-              </a:lnSpc>
-              <a:spcBef>
-                <a:spcPts val="900"/>
-              </a:spcBef>
-              <a:buSzPct val="100000"/>
-            </a:pPr>
-            <a:r>
-              <a:rPr lang="en-US" sz="1400" dirty="0">
-                <a:solidFill>
-                  <a:schemeClr val="tx2"/>
-                </a:solidFill>
-                <a:latin typeface="Arial" panose="020B0604020202020204" pitchFamily="34" charset="0"/>
-                <a:cs typeface="Arial" panose="020B0604020202020204" pitchFamily="34" charset="0"/>
-              </a:rPr>
-              <a:t>Additional Data</a:t>
-            </a:r>
-            <a:br>
-              <a:rPr lang="en-US" sz="1400" dirty="0">
-                <a:solidFill>
-                  <a:schemeClr val="tx2"/>
-                </a:solidFill>
-                <a:latin typeface="Arial" panose="020B0604020202020204" pitchFamily="34" charset="0"/>
-                <a:cs typeface="Arial" panose="020B0604020202020204" pitchFamily="34" charset="0"/>
-              </a:rPr>
-            </a:br>
-            <a:r>
-              <a:rPr lang="en-US" sz="1400" dirty="0">
-                <a:solidFill>
-                  <a:schemeClr val="tx2"/>
-                </a:solidFill>
-                <a:latin typeface="Arial" panose="020B0604020202020204" pitchFamily="34" charset="0"/>
-                <a:cs typeface="Arial" panose="020B0604020202020204" pitchFamily="34" charset="0"/>
-              </a:rPr>
-              <a:t>from Email</a:t>
-            </a:r>
-          </a:p>
-        </p:txBody>
-      </p:sp>
-      <p:cxnSp>
-        <p:nvCxnSpPr>
-          <p:cNvPr id="59" name="Straight Arrow Connector 58">
-            <a:extLst>
-              <a:ext uri="{FF2B5EF4-FFF2-40B4-BE49-F238E27FC236}">
-                <a16:creationId xmlns:a16="http://schemas.microsoft.com/office/drawing/2014/main" id="{96FCF3A6-01E2-5F07-7780-3199D067AEAA}"/>
-              </a:ext>
-            </a:extLst>
-          </p:cNvPr>
-          <p:cNvCxnSpPr>
-            <a:cxnSpLocks/>
-          </p:cNvCxnSpPr>
-          <p:nvPr/>
-        </p:nvCxnSpPr>
-        <p:spPr>
-          <a:xfrm flipH="1" flipV="1">
-            <a:off x="859732" y="2714055"/>
-            <a:ext cx="664268" cy="1124553"/>
-          </a:xfrm>
-          <a:prstGeom prst="straightConnector1">
-            <a:avLst/>
-          </a:prstGeom>
-          <a:ln w="57150" cap="sq">
-            <a:solidFill>
-              <a:schemeClr val="bg1">
-                <a:lumMod val="50000"/>
-              </a:schemeClr>
-            </a:solidFill>
-            <a:headEnd type="triangle" w="med" len="med"/>
-            <a:tailEnd type="none" w="med" len="med"/>
-          </a:ln>
-        </p:spPr>
-        <p:style>
-          <a:lnRef idx="1">
-            <a:schemeClr val="accent1"/>
-          </a:lnRef>
-          <a:fillRef idx="0">
-            <a:schemeClr val="accent1"/>
-          </a:fillRef>
-          <a:effectRef idx="0">
-            <a:srgbClr val="000000"/>
-          </a:effectRef>
-          <a:fontRef idx="minor">
-            <a:schemeClr val="bg1"/>
-          </a:fontRef>
-        </p:style>
-      </p:cxnSp>
-      <p:pic>
-        <p:nvPicPr>
-          <p:cNvPr id="71" name="Picture 2">
-            <a:extLst>
-              <a:ext uri="{FF2B5EF4-FFF2-40B4-BE49-F238E27FC236}">
-                <a16:creationId xmlns:a16="http://schemas.microsoft.com/office/drawing/2014/main" id="{D2321DEB-7C26-1CFA-40D6-EA02A16A7E34}"/>
-              </a:ext>
-            </a:extLst>
-          </p:cNvPr>
-          <p:cNvPicPr>
-            <a:picLocks noChangeAspect="1" noChangeArrowheads="1"/>
-          </p:cNvPicPr>
-          <p:nvPr/>
-        </p:nvPicPr>
-        <p:blipFill>
-          <a:blip r:embed="rId7" cstate="print">
-            <a:extLst>
-              <a:ext uri="{28A0092B-C50C-407E-A947-70E740481C1C}">
-                <a14:useLocalDpi xmlns:a14="http://schemas.microsoft.com/office/drawing/2010/main" val="0"/>
-              </a:ext>
-            </a:extLst>
-          </a:blip>
-          <a:srcRect/>
-          <a:stretch>
-            <a:fillRect/>
-          </a:stretch>
-        </p:blipFill>
-        <p:spPr bwMode="auto">
-          <a:xfrm>
-            <a:off x="1842796" y="3528428"/>
-            <a:ext cx="966070" cy="948792"/>
-          </a:xfrm>
-          <a:prstGeom prst="rect">
-            <a:avLst/>
-          </a:prstGeom>
-          <a:noFill/>
-          <a:extLst>
-            <a:ext uri="{909E8E84-426E-40DD-AFC4-6F175D3DCCD1}">
-              <a14:hiddenFill xmlns:a14="http://schemas.microsoft.com/office/drawing/2010/main">
-                <a:solidFill>
-                  <a:srgbClr val="FFFFFF"/>
-                </a:solidFill>
-              </a14:hiddenFill>
-            </a:ext>
-          </a:extLst>
-        </p:spPr>
-      </p:pic>
-      <p:pic>
-        <p:nvPicPr>
-          <p:cNvPr id="61" name="Picture 2">
-            <a:extLst>
-              <a:ext uri="{FF2B5EF4-FFF2-40B4-BE49-F238E27FC236}">
-                <a16:creationId xmlns:a16="http://schemas.microsoft.com/office/drawing/2014/main" id="{6555B161-9492-4122-096E-9B539262DF3E}"/>
-              </a:ext>
-            </a:extLst>
-          </p:cNvPr>
-          <p:cNvPicPr>
-            <a:picLocks noChangeAspect="1" noChangeArrowheads="1"/>
-          </p:cNvPicPr>
-          <p:nvPr/>
-        </p:nvPicPr>
-        <p:blipFill>
-          <a:blip r:embed="rId7" cstate="print">
-            <a:extLst>
-              <a:ext uri="{28A0092B-C50C-407E-A947-70E740481C1C}">
-                <a14:useLocalDpi xmlns:a14="http://schemas.microsoft.com/office/drawing/2010/main" val="0"/>
-              </a:ext>
-            </a:extLst>
-          </a:blip>
-          <a:srcRect/>
-          <a:stretch>
-            <a:fillRect/>
-          </a:stretch>
-        </p:blipFill>
-        <p:spPr bwMode="auto">
-          <a:xfrm>
-            <a:off x="1702638" y="3668388"/>
-            <a:ext cx="966070" cy="948792"/>
-          </a:xfrm>
-          <a:prstGeom prst="rect">
-            <a:avLst/>
-          </a:prstGeom>
-          <a:noFill/>
-          <a:extLst>
-            <a:ext uri="{909E8E84-426E-40DD-AFC4-6F175D3DCCD1}">
-              <a14:hiddenFill xmlns:a14="http://schemas.microsoft.com/office/drawing/2010/main">
-                <a:solidFill>
-                  <a:srgbClr val="FFFFFF"/>
-                </a:solidFill>
-              </a14:hiddenFill>
-            </a:ext>
-          </a:extLst>
-        </p:spPr>
-      </p:pic>
-      <p:pic>
-        <p:nvPicPr>
-          <p:cNvPr id="72" name="Picture 2">
-            <a:extLst>
-              <a:ext uri="{FF2B5EF4-FFF2-40B4-BE49-F238E27FC236}">
-                <a16:creationId xmlns:a16="http://schemas.microsoft.com/office/drawing/2014/main" id="{959C0A9C-4B90-9E0E-F95F-57C7D9EC5F29}"/>
-              </a:ext>
-            </a:extLst>
-          </p:cNvPr>
-          <p:cNvPicPr>
-            <a:picLocks noChangeAspect="1" noChangeArrowheads="1"/>
-          </p:cNvPicPr>
-          <p:nvPr/>
-        </p:nvPicPr>
-        <p:blipFill>
-          <a:blip r:embed="rId7" cstate="print">
-            <a:extLst>
-              <a:ext uri="{28A0092B-C50C-407E-A947-70E740481C1C}">
-                <a14:useLocalDpi xmlns:a14="http://schemas.microsoft.com/office/drawing/2010/main" val="0"/>
-              </a:ext>
-            </a:extLst>
-          </a:blip>
-          <a:srcRect/>
-          <a:stretch>
-            <a:fillRect/>
-          </a:stretch>
-        </p:blipFill>
-        <p:spPr bwMode="auto">
-          <a:xfrm>
-            <a:off x="1566924" y="3814170"/>
-            <a:ext cx="966070" cy="948792"/>
-          </a:xfrm>
-          <a:prstGeom prst="rect">
-            <a:avLst/>
-          </a:prstGeom>
-          <a:noFill/>
-          <a:extLst>
-            <a:ext uri="{909E8E84-426E-40DD-AFC4-6F175D3DCCD1}">
-              <a14:hiddenFill xmlns:a14="http://schemas.microsoft.com/office/drawing/2010/main">
-                <a:solidFill>
-                  <a:srgbClr val="FFFFFF"/>
-                </a:solidFill>
-              </a14:hiddenFill>
-            </a:ext>
-          </a:extLst>
-        </p:spPr>
-      </p:pic>
-      <p:pic>
-        <p:nvPicPr>
-          <p:cNvPr id="73" name="Picture 2">
-            <a:extLst>
-              <a:ext uri="{FF2B5EF4-FFF2-40B4-BE49-F238E27FC236}">
-                <a16:creationId xmlns:a16="http://schemas.microsoft.com/office/drawing/2014/main" id="{2EED19D6-B9ED-AEF2-EAEE-D4F59DD6E925}"/>
-              </a:ext>
-            </a:extLst>
-          </p:cNvPr>
-          <p:cNvPicPr>
-            <a:picLocks noChangeAspect="1" noChangeArrowheads="1"/>
-          </p:cNvPicPr>
-          <p:nvPr/>
-        </p:nvPicPr>
-        <p:blipFill>
-          <a:blip r:embed="rId7" cstate="print">
-            <a:extLst>
-              <a:ext uri="{28A0092B-C50C-407E-A947-70E740481C1C}">
-                <a14:useLocalDpi xmlns:a14="http://schemas.microsoft.com/office/drawing/2010/main" val="0"/>
-              </a:ext>
-            </a:extLst>
-          </a:blip>
-          <a:srcRect/>
-          <a:stretch>
-            <a:fillRect/>
-          </a:stretch>
-        </p:blipFill>
-        <p:spPr bwMode="auto">
-          <a:xfrm>
-            <a:off x="1433412" y="3966570"/>
-            <a:ext cx="966070" cy="948792"/>
-          </a:xfrm>
-          <a:prstGeom prst="rect">
-            <a:avLst/>
-          </a:prstGeom>
-          <a:noFill/>
-          <a:extLst>
-            <a:ext uri="{909E8E84-426E-40DD-AFC4-6F175D3DCCD1}">
-              <a14:hiddenFill xmlns:a14="http://schemas.microsoft.com/office/drawing/2010/main">
-                <a:solidFill>
-                  <a:srgbClr val="FFFFFF"/>
-                </a:solidFill>
-              </a14:hiddenFill>
-            </a:ext>
-          </a:extLst>
-        </p:spPr>
-      </p:pic>
-      <p:pic>
-        <p:nvPicPr>
-          <p:cNvPr id="74" name="Picture 2">
-            <a:extLst>
-              <a:ext uri="{FF2B5EF4-FFF2-40B4-BE49-F238E27FC236}">
-                <a16:creationId xmlns:a16="http://schemas.microsoft.com/office/drawing/2014/main" id="{2FFEBB0F-7647-02EE-CA06-A2447D82E16F}"/>
-              </a:ext>
-            </a:extLst>
-          </p:cNvPr>
-          <p:cNvPicPr>
-            <a:picLocks noChangeAspect="1" noChangeArrowheads="1"/>
-          </p:cNvPicPr>
-          <p:nvPr/>
-        </p:nvPicPr>
-        <p:blipFill>
-          <a:blip r:embed="rId7" cstate="print">
-            <a:extLst>
-              <a:ext uri="{28A0092B-C50C-407E-A947-70E740481C1C}">
-                <a14:useLocalDpi xmlns:a14="http://schemas.microsoft.com/office/drawing/2010/main" val="0"/>
-              </a:ext>
-            </a:extLst>
-          </a:blip>
-          <a:srcRect/>
-          <a:stretch>
-            <a:fillRect/>
-          </a:stretch>
-        </p:blipFill>
-        <p:spPr bwMode="auto">
-          <a:xfrm>
-            <a:off x="1310421" y="4118970"/>
-            <a:ext cx="966070" cy="948792"/>
-          </a:xfrm>
-          <a:prstGeom prst="rect">
-            <a:avLst/>
-          </a:prstGeom>
-          <a:noFill/>
-          <a:extLst>
-            <a:ext uri="{909E8E84-426E-40DD-AFC4-6F175D3DCCD1}">
-              <a14:hiddenFill xmlns:a14="http://schemas.microsoft.com/office/drawing/2010/main">
-                <a:solidFill>
-                  <a:srgbClr val="FFFFFF"/>
-                </a:solidFill>
-              </a14:hiddenFill>
-            </a:ext>
-          </a:extLst>
-        </p:spPr>
-      </p:pic>
-      <p:pic>
-        <p:nvPicPr>
-          <p:cNvPr id="75" name="Picture 2">
-            <a:extLst>
-              <a:ext uri="{FF2B5EF4-FFF2-40B4-BE49-F238E27FC236}">
-                <a16:creationId xmlns:a16="http://schemas.microsoft.com/office/drawing/2014/main" id="{00F74020-76B4-9719-B707-F381639ED541}"/>
-              </a:ext>
-            </a:extLst>
-          </p:cNvPr>
-          <p:cNvPicPr>
-            <a:picLocks noChangeAspect="1" noChangeArrowheads="1"/>
-          </p:cNvPicPr>
-          <p:nvPr/>
-        </p:nvPicPr>
-        <p:blipFill>
-          <a:blip r:embed="rId7" cstate="print">
-            <a:extLst>
-              <a:ext uri="{28A0092B-C50C-407E-A947-70E740481C1C}">
-                <a14:useLocalDpi xmlns:a14="http://schemas.microsoft.com/office/drawing/2010/main" val="0"/>
-              </a:ext>
-            </a:extLst>
-          </a:blip>
-          <a:srcRect/>
-          <a:stretch>
-            <a:fillRect/>
-          </a:stretch>
-        </p:blipFill>
-        <p:spPr bwMode="auto">
-          <a:xfrm>
-            <a:off x="1184509" y="4271370"/>
-            <a:ext cx="966070" cy="948792"/>
-          </a:xfrm>
-          <a:prstGeom prst="rect">
-            <a:avLst/>
-          </a:prstGeom>
-          <a:noFill/>
-          <a:extLst>
-            <a:ext uri="{909E8E84-426E-40DD-AFC4-6F175D3DCCD1}">
-              <a14:hiddenFill xmlns:a14="http://schemas.microsoft.com/office/drawing/2010/main">
-                <a:solidFill>
-                  <a:srgbClr val="FFFFFF"/>
-                </a:solidFill>
-              </a14:hiddenFill>
-            </a:ext>
-          </a:extLst>
-        </p:spPr>
-      </p:pic>
-      <p:sp>
-        <p:nvSpPr>
-          <p:cNvPr id="76" name="TextBox 75">
-            <a:extLst>
-              <a:ext uri="{FF2B5EF4-FFF2-40B4-BE49-F238E27FC236}">
-                <a16:creationId xmlns:a16="http://schemas.microsoft.com/office/drawing/2014/main" id="{0BBE760C-6C5D-CABF-5DE7-821A05FB123B}"/>
-              </a:ext>
-            </a:extLst>
-          </p:cNvPr>
-          <p:cNvSpPr txBox="1"/>
-          <p:nvPr/>
-        </p:nvSpPr>
-        <p:spPr>
-          <a:xfrm>
-            <a:off x="1793456" y="5263327"/>
-            <a:ext cx="914400" cy="230410"/>
-          </a:xfrm>
-          <a:prstGeom prst="rect">
-            <a:avLst/>
-          </a:prstGeom>
-          <a:noFill/>
-        </p:spPr>
-        <p:txBody>
-          <a:bodyPr wrap="none" lIns="0" tIns="0" rIns="0" bIns="0" rtlCol="0">
-            <a:noAutofit/>
-          </a:bodyPr>
-          <a:lstStyle/>
-          <a:p>
-            <a:pPr algn="ctr">
-              <a:lnSpc>
-                <a:spcPct val="100000"/>
-              </a:lnSpc>
-              <a:spcBef>
-                <a:spcPts val="900"/>
-              </a:spcBef>
-              <a:buSzPct val="100000"/>
-            </a:pPr>
-            <a:r>
-              <a:rPr lang="en-US" sz="1400" dirty="0">
-                <a:solidFill>
-                  <a:schemeClr val="tx2"/>
-                </a:solidFill>
-                <a:latin typeface="Arial" panose="020B0604020202020204" pitchFamily="34" charset="0"/>
-                <a:cs typeface="Arial" panose="020B0604020202020204" pitchFamily="34" charset="0"/>
-              </a:rPr>
-              <a:t>Rate Indication</a:t>
-            </a:r>
-          </a:p>
-        </p:txBody>
-      </p:sp>
-      <p:pic>
-        <p:nvPicPr>
-          <p:cNvPr id="88" name="Picture 2">
-            <a:extLst>
-              <a:ext uri="{FF2B5EF4-FFF2-40B4-BE49-F238E27FC236}">
-                <a16:creationId xmlns:a16="http://schemas.microsoft.com/office/drawing/2014/main" id="{E1D527E0-4DB7-15C1-DE7F-8DF3E7262DD5}"/>
-              </a:ext>
-            </a:extLst>
-          </p:cNvPr>
-          <p:cNvPicPr>
-            <a:picLocks noChangeAspect="1" noChangeArrowheads="1"/>
-          </p:cNvPicPr>
-          <p:nvPr/>
-        </p:nvPicPr>
-        <p:blipFill>
-          <a:blip r:embed="rId7" cstate="print">
-            <a:extLst>
-              <a:ext uri="{28A0092B-C50C-407E-A947-70E740481C1C}">
-                <a14:useLocalDpi xmlns:a14="http://schemas.microsoft.com/office/drawing/2010/main" val="0"/>
-              </a:ext>
-            </a:extLst>
-          </a:blip>
-          <a:srcRect/>
-          <a:stretch>
-            <a:fillRect/>
-          </a:stretch>
-        </p:blipFill>
-        <p:spPr bwMode="auto">
-          <a:xfrm>
-            <a:off x="4259078" y="2628979"/>
-            <a:ext cx="966070" cy="948792"/>
-          </a:xfrm>
-          <a:prstGeom prst="rect">
-            <a:avLst/>
-          </a:prstGeom>
-          <a:noFill/>
-          <a:extLst>
-            <a:ext uri="{909E8E84-426E-40DD-AFC4-6F175D3DCCD1}">
-              <a14:hiddenFill xmlns:a14="http://schemas.microsoft.com/office/drawing/2010/main">
-                <a:solidFill>
-                  <a:srgbClr val="FFFFFF"/>
-                </a:solidFill>
-              </a14:hiddenFill>
-            </a:ext>
-          </a:extLst>
-        </p:spPr>
-      </p:pic>
-      <p:sp>
-        <p:nvSpPr>
-          <p:cNvPr id="89" name="TextBox 88">
-            <a:extLst>
-              <a:ext uri="{FF2B5EF4-FFF2-40B4-BE49-F238E27FC236}">
-                <a16:creationId xmlns:a16="http://schemas.microsoft.com/office/drawing/2014/main" id="{4D47D42C-E066-DDC5-A1BE-7A520DD8820D}"/>
-              </a:ext>
-            </a:extLst>
-          </p:cNvPr>
-          <p:cNvSpPr txBox="1"/>
-          <p:nvPr/>
-        </p:nvSpPr>
-        <p:spPr>
-          <a:xfrm>
-            <a:off x="4284913" y="3681081"/>
-            <a:ext cx="914400" cy="230410"/>
-          </a:xfrm>
-          <a:prstGeom prst="rect">
-            <a:avLst/>
-          </a:prstGeom>
-          <a:noFill/>
-        </p:spPr>
-        <p:txBody>
-          <a:bodyPr wrap="none" lIns="0" tIns="0" rIns="0" bIns="0" rtlCol="0">
-            <a:noAutofit/>
-          </a:bodyPr>
-          <a:lstStyle/>
-          <a:p>
-            <a:pPr algn="ctr">
-              <a:lnSpc>
-                <a:spcPct val="100000"/>
-              </a:lnSpc>
-              <a:spcBef>
-                <a:spcPts val="900"/>
-              </a:spcBef>
-              <a:buSzPct val="100000"/>
-            </a:pPr>
-            <a:r>
-              <a:rPr lang="en-US" sz="1400" dirty="0">
-                <a:solidFill>
-                  <a:schemeClr val="tx2"/>
-                </a:solidFill>
-                <a:latin typeface="Arial" panose="020B0604020202020204" pitchFamily="34" charset="0"/>
-                <a:cs typeface="Arial" panose="020B0604020202020204" pitchFamily="34" charset="0"/>
-              </a:rPr>
-              <a:t>Ad Hoc Analysis</a:t>
-            </a:r>
-          </a:p>
-        </p:txBody>
-      </p:sp>
-      <p:pic>
-        <p:nvPicPr>
-          <p:cNvPr id="90" name="Picture 2">
-            <a:extLst>
-              <a:ext uri="{FF2B5EF4-FFF2-40B4-BE49-F238E27FC236}">
-                <a16:creationId xmlns:a16="http://schemas.microsoft.com/office/drawing/2014/main" id="{BBB216A9-1423-CF5F-8128-E6C7B00A3251}"/>
-              </a:ext>
-            </a:extLst>
-          </p:cNvPr>
-          <p:cNvPicPr>
-            <a:picLocks noChangeAspect="1" noChangeArrowheads="1"/>
-          </p:cNvPicPr>
-          <p:nvPr/>
-        </p:nvPicPr>
-        <p:blipFill>
-          <a:blip r:embed="rId7" cstate="print">
-            <a:extLst>
-              <a:ext uri="{28A0092B-C50C-407E-A947-70E740481C1C}">
-                <a14:useLocalDpi xmlns:a14="http://schemas.microsoft.com/office/drawing/2010/main" val="0"/>
-              </a:ext>
-            </a:extLst>
-          </a:blip>
-          <a:srcRect/>
-          <a:stretch>
-            <a:fillRect/>
-          </a:stretch>
-        </p:blipFill>
-        <p:spPr bwMode="auto">
-          <a:xfrm>
-            <a:off x="5712482" y="3005022"/>
-            <a:ext cx="966070" cy="948792"/>
-          </a:xfrm>
-          <a:prstGeom prst="rect">
-            <a:avLst/>
-          </a:prstGeom>
-          <a:noFill/>
-          <a:extLst>
-            <a:ext uri="{909E8E84-426E-40DD-AFC4-6F175D3DCCD1}">
-              <a14:hiddenFill xmlns:a14="http://schemas.microsoft.com/office/drawing/2010/main">
-                <a:solidFill>
-                  <a:srgbClr val="FFFFFF"/>
-                </a:solidFill>
-              </a14:hiddenFill>
-            </a:ext>
-          </a:extLst>
-        </p:spPr>
-      </p:pic>
-      <p:sp>
-        <p:nvSpPr>
-          <p:cNvPr id="91" name="TextBox 90">
-            <a:extLst>
-              <a:ext uri="{FF2B5EF4-FFF2-40B4-BE49-F238E27FC236}">
-                <a16:creationId xmlns:a16="http://schemas.microsoft.com/office/drawing/2014/main" id="{67B6E925-C0A7-4F9F-53F6-E3E82C273E88}"/>
-              </a:ext>
-            </a:extLst>
-          </p:cNvPr>
-          <p:cNvSpPr txBox="1"/>
-          <p:nvPr/>
-        </p:nvSpPr>
-        <p:spPr>
-          <a:xfrm>
-            <a:off x="5738317" y="4057124"/>
-            <a:ext cx="914400" cy="230410"/>
-          </a:xfrm>
-          <a:prstGeom prst="rect">
-            <a:avLst/>
-          </a:prstGeom>
-          <a:noFill/>
-        </p:spPr>
-        <p:txBody>
-          <a:bodyPr wrap="none" lIns="0" tIns="0" rIns="0" bIns="0" rtlCol="0">
-            <a:noAutofit/>
-          </a:bodyPr>
-          <a:lstStyle/>
-          <a:p>
-            <a:pPr algn="ctr">
-              <a:lnSpc>
-                <a:spcPct val="100000"/>
-              </a:lnSpc>
-              <a:spcBef>
-                <a:spcPts val="900"/>
-              </a:spcBef>
-              <a:buSzPct val="100000"/>
-            </a:pPr>
-            <a:r>
-              <a:rPr lang="en-US" sz="1400" dirty="0">
-                <a:solidFill>
-                  <a:schemeClr val="tx2"/>
-                </a:solidFill>
-                <a:latin typeface="Arial" panose="020B0604020202020204" pitchFamily="34" charset="0"/>
-                <a:cs typeface="Arial" panose="020B0604020202020204" pitchFamily="34" charset="0"/>
-              </a:rPr>
-              <a:t>Ad Hoc Analysis</a:t>
-            </a:r>
-          </a:p>
-        </p:txBody>
-      </p:sp>
-      <p:cxnSp>
-        <p:nvCxnSpPr>
-          <p:cNvPr id="98" name="Straight Arrow Connector 97">
-            <a:extLst>
-              <a:ext uri="{FF2B5EF4-FFF2-40B4-BE49-F238E27FC236}">
-                <a16:creationId xmlns:a16="http://schemas.microsoft.com/office/drawing/2014/main" id="{BAAEF8CF-B7A4-2D3B-A57A-283FCCC62C79}"/>
-              </a:ext>
-            </a:extLst>
-          </p:cNvPr>
-          <p:cNvCxnSpPr>
-            <a:cxnSpLocks/>
-          </p:cNvCxnSpPr>
-          <p:nvPr/>
-        </p:nvCxnSpPr>
-        <p:spPr>
-          <a:xfrm flipH="1">
-            <a:off x="2842833" y="3041495"/>
-            <a:ext cx="964176" cy="326767"/>
-          </a:xfrm>
-          <a:prstGeom prst="straightConnector1">
-            <a:avLst/>
-          </a:prstGeom>
-          <a:ln w="57150" cap="sq">
-            <a:solidFill>
-              <a:schemeClr val="bg1">
-                <a:lumMod val="50000"/>
-              </a:schemeClr>
-            </a:solidFill>
-            <a:headEnd type="triangle" w="med" len="med"/>
-            <a:tailEnd type="none" w="med" len="med"/>
-          </a:ln>
-        </p:spPr>
-        <p:style>
-          <a:lnRef idx="1">
-            <a:schemeClr val="accent1"/>
-          </a:lnRef>
-          <a:fillRef idx="0">
-            <a:schemeClr val="accent1"/>
-          </a:fillRef>
-          <a:effectRef idx="0">
-            <a:srgbClr val="000000"/>
-          </a:effectRef>
-          <a:fontRef idx="minor">
-            <a:schemeClr val="bg1"/>
-          </a:fontRef>
-        </p:style>
-      </p:cxnSp>
-      <p:cxnSp>
-        <p:nvCxnSpPr>
-          <p:cNvPr id="99" name="Straight Arrow Connector 98">
-            <a:extLst>
-              <a:ext uri="{FF2B5EF4-FFF2-40B4-BE49-F238E27FC236}">
-                <a16:creationId xmlns:a16="http://schemas.microsoft.com/office/drawing/2014/main" id="{9F4FB1CE-004C-8A85-D63D-285F39F84EDE}"/>
-              </a:ext>
-            </a:extLst>
-          </p:cNvPr>
-          <p:cNvCxnSpPr>
-            <a:cxnSpLocks/>
-          </p:cNvCxnSpPr>
-          <p:nvPr/>
-        </p:nvCxnSpPr>
-        <p:spPr>
-          <a:xfrm flipH="1">
-            <a:off x="2942444" y="3233923"/>
-            <a:ext cx="964176" cy="326767"/>
-          </a:xfrm>
-          <a:prstGeom prst="straightConnector1">
-            <a:avLst/>
-          </a:prstGeom>
-          <a:ln w="57150" cap="sq">
-            <a:solidFill>
-              <a:schemeClr val="bg1">
-                <a:lumMod val="50000"/>
-              </a:schemeClr>
-            </a:solidFill>
-            <a:headEnd type="none" w="med" len="med"/>
-            <a:tailEnd type="triangle" w="med" len="med"/>
-          </a:ln>
-        </p:spPr>
-        <p:style>
-          <a:lnRef idx="1">
-            <a:schemeClr val="accent1"/>
-          </a:lnRef>
-          <a:fillRef idx="0">
-            <a:schemeClr val="accent1"/>
-          </a:fillRef>
-          <a:effectRef idx="0">
-            <a:srgbClr val="000000"/>
-          </a:effectRef>
-          <a:fontRef idx="minor">
-            <a:schemeClr val="bg1"/>
-          </a:fontRef>
-        </p:style>
-      </p:cxnSp>
-      <p:grpSp>
-        <p:nvGrpSpPr>
-          <p:cNvPr id="102" name="Group 101">
-            <a:extLst>
-              <a:ext uri="{FF2B5EF4-FFF2-40B4-BE49-F238E27FC236}">
-                <a16:creationId xmlns:a16="http://schemas.microsoft.com/office/drawing/2014/main" id="{7A70910A-D0F0-8AAE-DEF2-E4C78256B979}"/>
-              </a:ext>
-            </a:extLst>
-          </p:cNvPr>
-          <p:cNvGrpSpPr/>
-          <p:nvPr/>
-        </p:nvGrpSpPr>
-        <p:grpSpPr>
-          <a:xfrm>
-            <a:off x="3247307" y="4140700"/>
-            <a:ext cx="2200732" cy="556888"/>
-            <a:chOff x="3034603" y="4172619"/>
-            <a:chExt cx="964342" cy="556888"/>
-          </a:xfrm>
-        </p:grpSpPr>
-        <p:cxnSp>
-          <p:nvCxnSpPr>
-            <p:cNvPr id="100" name="Straight Arrow Connector 99">
-              <a:extLst>
-                <a:ext uri="{FF2B5EF4-FFF2-40B4-BE49-F238E27FC236}">
-                  <a16:creationId xmlns:a16="http://schemas.microsoft.com/office/drawing/2014/main" id="{68676D7D-F8B9-3060-2912-B3E3ADAC31B6}"/>
-                </a:ext>
-              </a:extLst>
-            </p:cNvPr>
-            <p:cNvCxnSpPr>
-              <a:cxnSpLocks/>
-            </p:cNvCxnSpPr>
-            <p:nvPr/>
-          </p:nvCxnSpPr>
-          <p:spPr>
-            <a:xfrm flipH="1">
-              <a:off x="3034769" y="4172619"/>
-              <a:ext cx="964176" cy="326767"/>
-            </a:xfrm>
-            <a:prstGeom prst="straightConnector1">
-              <a:avLst/>
-            </a:prstGeom>
-            <a:ln w="57150" cap="sq">
-              <a:solidFill>
-                <a:schemeClr val="bg1">
-                  <a:lumMod val="50000"/>
-                </a:schemeClr>
-              </a:solidFill>
-              <a:headEnd type="triangle" w="med" len="med"/>
-              <a:tailEnd type="none" w="med" len="med"/>
-            </a:ln>
-          </p:spPr>
-          <p:style>
-            <a:lnRef idx="1">
-              <a:schemeClr val="accent1"/>
-            </a:lnRef>
-            <a:fillRef idx="0">
-              <a:schemeClr val="accent1"/>
-            </a:fillRef>
-            <a:effectRef idx="0">
-              <a:srgbClr val="000000"/>
-            </a:effectRef>
-            <a:fontRef idx="minor">
-              <a:schemeClr val="bg1"/>
-            </a:fontRef>
-          </p:style>
-        </p:cxnSp>
-        <p:cxnSp>
-          <p:nvCxnSpPr>
-            <p:cNvPr id="101" name="Straight Arrow Connector 100">
-              <a:extLst>
-                <a:ext uri="{FF2B5EF4-FFF2-40B4-BE49-F238E27FC236}">
-                  <a16:creationId xmlns:a16="http://schemas.microsoft.com/office/drawing/2014/main" id="{BF768B59-0F0D-CED5-737E-218F6381643C}"/>
-                </a:ext>
-              </a:extLst>
-            </p:cNvPr>
-            <p:cNvCxnSpPr>
-              <a:cxnSpLocks/>
-            </p:cNvCxnSpPr>
-            <p:nvPr/>
-          </p:nvCxnSpPr>
-          <p:spPr>
-            <a:xfrm flipH="1">
-              <a:off x="3034603" y="4402740"/>
-              <a:ext cx="964176" cy="326767"/>
-            </a:xfrm>
-            <a:prstGeom prst="straightConnector1">
-              <a:avLst/>
-            </a:prstGeom>
-            <a:ln w="57150" cap="sq">
-              <a:solidFill>
-                <a:schemeClr val="bg1">
-                  <a:lumMod val="50000"/>
-                </a:schemeClr>
-              </a:solidFill>
-              <a:headEnd type="none" w="med" len="med"/>
-              <a:tailEnd type="triangle" w="med" len="med"/>
-            </a:ln>
-          </p:spPr>
-          <p:style>
-            <a:lnRef idx="1">
-              <a:schemeClr val="accent1"/>
-            </a:lnRef>
-            <a:fillRef idx="0">
-              <a:schemeClr val="accent1"/>
-            </a:fillRef>
-            <a:effectRef idx="0">
-              <a:srgbClr val="000000"/>
-            </a:effectRef>
-            <a:fontRef idx="minor">
-              <a:schemeClr val="bg1"/>
-            </a:fontRef>
-          </p:style>
-        </p:cxnSp>
-      </p:grpSp>
-      <p:pic>
-        <p:nvPicPr>
-          <p:cNvPr id="104" name="Picture 103" descr="Icon&#10;&#10;Description automatically generated">
-            <a:extLst>
-              <a:ext uri="{FF2B5EF4-FFF2-40B4-BE49-F238E27FC236}">
-                <a16:creationId xmlns:a16="http://schemas.microsoft.com/office/drawing/2014/main" id="{30FA29FF-86FE-2E51-B2F7-BF9DEBED0324}"/>
-              </a:ext>
-            </a:extLst>
-          </p:cNvPr>
-          <p:cNvPicPr>
-            <a:picLocks noChangeAspect="1"/>
-          </p:cNvPicPr>
-          <p:nvPr/>
-        </p:nvPicPr>
-        <p:blipFill>
-          <a:blip r:embed="rId8" cstate="print">
-            <a:extLst>
-              <a:ext uri="{28A0092B-C50C-407E-A947-70E740481C1C}">
-                <a14:useLocalDpi xmlns:a14="http://schemas.microsoft.com/office/drawing/2010/main" val="0"/>
-              </a:ext>
-            </a:extLst>
-          </a:blip>
-          <a:stretch>
-            <a:fillRect/>
-          </a:stretch>
-        </p:blipFill>
-        <p:spPr>
-          <a:xfrm>
-            <a:off x="5619946" y="5142124"/>
-            <a:ext cx="950976" cy="950976"/>
-          </a:xfrm>
-          <a:prstGeom prst="rect">
-            <a:avLst/>
-          </a:prstGeom>
-        </p:spPr>
-      </p:pic>
-      <p:cxnSp>
-        <p:nvCxnSpPr>
-          <p:cNvPr id="105" name="Straight Arrow Connector 104">
-            <a:extLst>
-              <a:ext uri="{FF2B5EF4-FFF2-40B4-BE49-F238E27FC236}">
-                <a16:creationId xmlns:a16="http://schemas.microsoft.com/office/drawing/2014/main" id="{BB6A5600-C8A2-E419-6802-EC29A2F68D17}"/>
-              </a:ext>
-            </a:extLst>
-          </p:cNvPr>
-          <p:cNvCxnSpPr>
-            <a:cxnSpLocks/>
-          </p:cNvCxnSpPr>
-          <p:nvPr/>
-        </p:nvCxnSpPr>
-        <p:spPr>
-          <a:xfrm flipH="1" flipV="1">
-            <a:off x="3158901" y="5103562"/>
-            <a:ext cx="2403699" cy="535238"/>
-          </a:xfrm>
-          <a:prstGeom prst="straightConnector1">
-            <a:avLst/>
-          </a:prstGeom>
-          <a:ln w="57150" cap="sq">
-            <a:solidFill>
-              <a:schemeClr val="bg1">
-                <a:lumMod val="50000"/>
-              </a:schemeClr>
-            </a:solidFill>
-            <a:headEnd type="triangle" w="med" len="med"/>
-            <a:tailEnd type="none" w="med" len="med"/>
-          </a:ln>
-        </p:spPr>
-        <p:style>
-          <a:lnRef idx="1">
-            <a:schemeClr val="accent1"/>
-          </a:lnRef>
-          <a:fillRef idx="0">
-            <a:schemeClr val="accent1"/>
-          </a:fillRef>
-          <a:effectRef idx="0">
-            <a:srgbClr val="000000"/>
-          </a:effectRef>
-          <a:fontRef idx="minor">
-            <a:schemeClr val="bg1"/>
-          </a:fontRef>
-        </p:style>
-      </p:cxnSp>
-      <p:sp>
-        <p:nvSpPr>
-          <p:cNvPr id="107" name="TextBox 106">
-            <a:extLst>
-              <a:ext uri="{FF2B5EF4-FFF2-40B4-BE49-F238E27FC236}">
-                <a16:creationId xmlns:a16="http://schemas.microsoft.com/office/drawing/2014/main" id="{D66D1B05-6F1F-3CDD-0F12-F0A1B740822E}"/>
-              </a:ext>
-            </a:extLst>
-          </p:cNvPr>
-          <p:cNvSpPr txBox="1"/>
-          <p:nvPr/>
-        </p:nvSpPr>
-        <p:spPr>
-          <a:xfrm>
-            <a:off x="5704528" y="6093100"/>
-            <a:ext cx="914400" cy="230410"/>
-          </a:xfrm>
-          <a:prstGeom prst="rect">
-            <a:avLst/>
-          </a:prstGeom>
-          <a:noFill/>
-        </p:spPr>
-        <p:txBody>
-          <a:bodyPr wrap="none" lIns="0" tIns="0" rIns="0" bIns="0" rtlCol="0">
-            <a:noAutofit/>
-          </a:bodyPr>
-          <a:lstStyle/>
-          <a:p>
-            <a:pPr algn="ctr">
-              <a:lnSpc>
-                <a:spcPct val="100000"/>
-              </a:lnSpc>
-              <a:spcBef>
-                <a:spcPts val="900"/>
-              </a:spcBef>
-              <a:buSzPct val="100000"/>
-            </a:pPr>
-            <a:r>
-              <a:rPr lang="en-US" sz="1400" dirty="0">
-                <a:solidFill>
-                  <a:schemeClr val="tx2"/>
-                </a:solidFill>
-                <a:latin typeface="Arial" panose="020B0604020202020204" pitchFamily="34" charset="0"/>
-                <a:cs typeface="Arial" panose="020B0604020202020204" pitchFamily="34" charset="0"/>
-              </a:rPr>
-              <a:t>Actuarial Memo</a:t>
-            </a:r>
-          </a:p>
-        </p:txBody>
-      </p:sp>
-      <p:cxnSp>
-        <p:nvCxnSpPr>
-          <p:cNvPr id="109" name="Straight Arrow Connector 108">
-            <a:extLst>
-              <a:ext uri="{FF2B5EF4-FFF2-40B4-BE49-F238E27FC236}">
-                <a16:creationId xmlns:a16="http://schemas.microsoft.com/office/drawing/2014/main" id="{A8C77A22-07A6-C49F-2A3D-EDA31151B562}"/>
-              </a:ext>
-            </a:extLst>
-          </p:cNvPr>
-          <p:cNvCxnSpPr>
-            <a:cxnSpLocks/>
-          </p:cNvCxnSpPr>
-          <p:nvPr/>
-        </p:nvCxnSpPr>
-        <p:spPr>
-          <a:xfrm flipH="1" flipV="1">
-            <a:off x="3050923" y="5253731"/>
-            <a:ext cx="107978" cy="385069"/>
-          </a:xfrm>
-          <a:prstGeom prst="straightConnector1">
-            <a:avLst/>
-          </a:prstGeom>
-          <a:ln w="57150" cap="sq">
-            <a:solidFill>
-              <a:schemeClr val="bg1">
-                <a:lumMod val="50000"/>
-              </a:schemeClr>
-            </a:solidFill>
-            <a:headEnd type="triangle" w="med" len="med"/>
-            <a:tailEnd type="none" w="med" len="med"/>
-          </a:ln>
-        </p:spPr>
-        <p:style>
-          <a:lnRef idx="1">
-            <a:schemeClr val="accent1"/>
-          </a:lnRef>
-          <a:fillRef idx="0">
-            <a:schemeClr val="accent1"/>
-          </a:fillRef>
-          <a:effectRef idx="0">
-            <a:srgbClr val="000000"/>
-          </a:effectRef>
-          <a:fontRef idx="minor">
-            <a:schemeClr val="bg1"/>
-          </a:fontRef>
-        </p:style>
-      </p:cxnSp>
-      <p:pic>
-        <p:nvPicPr>
-          <p:cNvPr id="113" name="Picture 112" descr="Icon&#10;&#10;Description automatically generated">
-            <a:extLst>
-              <a:ext uri="{FF2B5EF4-FFF2-40B4-BE49-F238E27FC236}">
-                <a16:creationId xmlns:a16="http://schemas.microsoft.com/office/drawing/2014/main" id="{49FEC3D4-5603-55EF-DB18-2D5ACEBF47D5}"/>
-              </a:ext>
-            </a:extLst>
-          </p:cNvPr>
-          <p:cNvPicPr>
-            <a:picLocks noChangeAspect="1"/>
-          </p:cNvPicPr>
-          <p:nvPr/>
-        </p:nvPicPr>
-        <p:blipFill>
-          <a:blip r:embed="rId8" cstate="print">
-            <a:extLst>
-              <a:ext uri="{28A0092B-C50C-407E-A947-70E740481C1C}">
-                <a14:useLocalDpi xmlns:a14="http://schemas.microsoft.com/office/drawing/2010/main" val="0"/>
-              </a:ext>
-            </a:extLst>
-          </a:blip>
-          <a:stretch>
-            <a:fillRect/>
-          </a:stretch>
-        </p:blipFill>
-        <p:spPr>
-          <a:xfrm>
-            <a:off x="2963985" y="5615836"/>
-            <a:ext cx="950976" cy="950976"/>
-          </a:xfrm>
-          <a:prstGeom prst="rect">
-            <a:avLst/>
-          </a:prstGeom>
-        </p:spPr>
-      </p:pic>
-      <p:sp>
-        <p:nvSpPr>
-          <p:cNvPr id="114" name="TextBox 113">
-            <a:extLst>
-              <a:ext uri="{FF2B5EF4-FFF2-40B4-BE49-F238E27FC236}">
-                <a16:creationId xmlns:a16="http://schemas.microsoft.com/office/drawing/2014/main" id="{C08BDB97-2FCD-2176-8F3B-019E77CC5820}"/>
-              </a:ext>
-            </a:extLst>
-          </p:cNvPr>
-          <p:cNvSpPr txBox="1"/>
-          <p:nvPr/>
-        </p:nvSpPr>
-        <p:spPr>
-          <a:xfrm>
-            <a:off x="3048567" y="6566812"/>
-            <a:ext cx="914400" cy="230410"/>
-          </a:xfrm>
-          <a:prstGeom prst="rect">
-            <a:avLst/>
-          </a:prstGeom>
-          <a:noFill/>
-        </p:spPr>
-        <p:txBody>
-          <a:bodyPr wrap="none" lIns="0" tIns="0" rIns="0" bIns="0" rtlCol="0">
-            <a:noAutofit/>
-          </a:bodyPr>
-          <a:lstStyle/>
-          <a:p>
-            <a:pPr algn="ctr">
-              <a:lnSpc>
-                <a:spcPct val="100000"/>
-              </a:lnSpc>
-              <a:spcBef>
-                <a:spcPts val="900"/>
-              </a:spcBef>
-              <a:buSzPct val="100000"/>
-            </a:pPr>
-            <a:r>
-              <a:rPr lang="en-US" sz="1400" dirty="0">
-                <a:solidFill>
-                  <a:schemeClr val="tx2"/>
-                </a:solidFill>
-                <a:latin typeface="Arial" panose="020B0604020202020204" pitchFamily="34" charset="0"/>
-                <a:cs typeface="Arial" panose="020B0604020202020204" pitchFamily="34" charset="0"/>
-              </a:rPr>
-              <a:t>Documentation</a:t>
-            </a:r>
-          </a:p>
-        </p:txBody>
-      </p:sp>
-      <p:cxnSp>
-        <p:nvCxnSpPr>
-          <p:cNvPr id="116" name="Straight Arrow Connector 115">
-            <a:extLst>
-              <a:ext uri="{FF2B5EF4-FFF2-40B4-BE49-F238E27FC236}">
-                <a16:creationId xmlns:a16="http://schemas.microsoft.com/office/drawing/2014/main" id="{2559DF71-58D5-8836-A1C6-0DCD5E86A3C8}"/>
-              </a:ext>
-            </a:extLst>
-          </p:cNvPr>
-          <p:cNvCxnSpPr>
-            <a:cxnSpLocks/>
-          </p:cNvCxnSpPr>
-          <p:nvPr/>
-        </p:nvCxnSpPr>
-        <p:spPr>
-          <a:xfrm flipH="1">
-            <a:off x="3335783" y="4848106"/>
-            <a:ext cx="3712570" cy="56684"/>
-          </a:xfrm>
-          <a:prstGeom prst="straightConnector1">
-            <a:avLst/>
-          </a:prstGeom>
-          <a:ln w="57150" cap="sq">
-            <a:solidFill>
-              <a:schemeClr val="bg1">
-                <a:lumMod val="50000"/>
-              </a:schemeClr>
-            </a:solidFill>
-            <a:headEnd type="triangle" w="med" len="med"/>
-            <a:tailEnd type="none" w="med" len="med"/>
-          </a:ln>
-        </p:spPr>
-        <p:style>
-          <a:lnRef idx="1">
-            <a:schemeClr val="accent1"/>
-          </a:lnRef>
-          <a:fillRef idx="0">
-            <a:schemeClr val="accent1"/>
-          </a:fillRef>
-          <a:effectRef idx="0">
-            <a:srgbClr val="000000"/>
-          </a:effectRef>
-          <a:fontRef idx="minor">
-            <a:schemeClr val="bg1"/>
-          </a:fontRef>
-        </p:style>
-      </p:cxnSp>
-      <p:sp>
-        <p:nvSpPr>
-          <p:cNvPr id="119" name="TextBox 118">
-            <a:extLst>
-              <a:ext uri="{FF2B5EF4-FFF2-40B4-BE49-F238E27FC236}">
-                <a16:creationId xmlns:a16="http://schemas.microsoft.com/office/drawing/2014/main" id="{C6C23D2F-655D-848F-7DC8-2851D1870E14}"/>
-              </a:ext>
-            </a:extLst>
-          </p:cNvPr>
-          <p:cNvSpPr txBox="1"/>
-          <p:nvPr/>
-        </p:nvSpPr>
-        <p:spPr>
-          <a:xfrm>
-            <a:off x="7210468" y="5008100"/>
-            <a:ext cx="914400" cy="230410"/>
-          </a:xfrm>
-          <a:prstGeom prst="rect">
-            <a:avLst/>
-          </a:prstGeom>
-          <a:noFill/>
-        </p:spPr>
-        <p:txBody>
-          <a:bodyPr wrap="none" lIns="0" tIns="0" rIns="0" bIns="0" rtlCol="0">
-            <a:noAutofit/>
-          </a:bodyPr>
-          <a:lstStyle/>
-          <a:p>
-            <a:pPr algn="ctr">
-              <a:lnSpc>
-                <a:spcPct val="100000"/>
-              </a:lnSpc>
-              <a:spcBef>
-                <a:spcPts val="900"/>
-              </a:spcBef>
-              <a:buSzPct val="100000"/>
-            </a:pPr>
-            <a:r>
-              <a:rPr lang="en-US" sz="1400" dirty="0">
-                <a:solidFill>
-                  <a:schemeClr val="tx2"/>
-                </a:solidFill>
-                <a:latin typeface="Arial" panose="020B0604020202020204" pitchFamily="34" charset="0"/>
-                <a:cs typeface="Arial" panose="020B0604020202020204" pitchFamily="34" charset="0"/>
-              </a:rPr>
-              <a:t>Stakeholder</a:t>
-            </a:r>
-            <a:br>
-              <a:rPr lang="en-US" sz="1400" dirty="0">
-                <a:solidFill>
-                  <a:schemeClr val="tx2"/>
-                </a:solidFill>
-                <a:latin typeface="Arial" panose="020B0604020202020204" pitchFamily="34" charset="0"/>
-                <a:cs typeface="Arial" panose="020B0604020202020204" pitchFamily="34" charset="0"/>
-              </a:rPr>
-            </a:br>
-            <a:r>
-              <a:rPr lang="en-US" sz="1400" dirty="0">
-                <a:solidFill>
-                  <a:schemeClr val="tx2"/>
-                </a:solidFill>
-                <a:latin typeface="Arial" panose="020B0604020202020204" pitchFamily="34" charset="0"/>
-                <a:cs typeface="Arial" panose="020B0604020202020204" pitchFamily="34" charset="0"/>
-              </a:rPr>
-              <a:t>Presentation</a:t>
-            </a:r>
-          </a:p>
-        </p:txBody>
-      </p:sp>
-    </p:spTree>
-    <p:extLst>
-      <p:ext uri="{BB962C8B-B14F-4D97-AF65-F5344CB8AC3E}">
-        <p14:creationId xmlns:p14="http://schemas.microsoft.com/office/powerpoint/2010/main" val="1063751267"/>
-      </p:ext>
-    </p:extLst>
-  </p:cSld>
-  <p:clrMapOvr>
-    <a:masterClrMapping/>
-  </p:clrMapOvr>
-</p:sld>
-</file>
-
-<file path=ppt/slides/slide3.xml><?xml version="1.0" encoding="utf-8"?>
-<p:sld xmlns:a="http://schemas.openxmlformats.org/drawingml/2006/main" xmlns:r="http://schemas.openxmlformats.org/officeDocument/2006/relationships" xmlns:p="http://schemas.openxmlformats.org/presentationml/2006/main">
-  <p:cSld>
-    <p:spTree>
-      <p:nvGrpSpPr>
-        <p:cNvPr id="1" name=""/>
-        <p:cNvGrpSpPr/>
-        <p:nvPr/>
-      </p:nvGrpSpPr>
-      <p:grpSpPr>
-        <a:xfrm>
-          <a:off x="0" y="0"/>
-          <a:ext cx="0" cy="0"/>
-          <a:chOff x="0" y="0"/>
-          <a:chExt cx="0" cy="0"/>
-        </a:xfrm>
-      </p:grpSpPr>
-      <p:sp>
-        <p:nvSpPr>
-          <p:cNvPr id="2" name="Title 1">
-            <a:extLst>
-              <a:ext uri="{FF2B5EF4-FFF2-40B4-BE49-F238E27FC236}">
-                <a16:creationId xmlns:a16="http://schemas.microsoft.com/office/drawing/2014/main" id="{74710D85-8C9D-388F-E1FC-561F624F73D8}"/>
-              </a:ext>
-            </a:extLst>
-          </p:cNvPr>
-          <p:cNvSpPr>
-            <a:spLocks noGrp="1"/>
-          </p:cNvSpPr>
-          <p:nvPr>
-            <p:ph type="ctrTitle"/>
-          </p:nvPr>
-        </p:nvSpPr>
-        <p:spPr/>
-        <p:txBody>
-          <a:bodyPr/>
-          <a:lstStyle/>
-          <a:p>
-            <a:r>
-              <a:rPr lang="en-US" dirty="0"/>
-              <a:t>Effective</a:t>
-            </a:r>
-            <a:br>
-              <a:rPr lang="en-US" dirty="0"/>
-            </a:br>
-            <a:r>
-              <a:rPr lang="en-US" dirty="0"/>
-              <a:t>Data Visualization</a:t>
-            </a:r>
-            <a:br>
-              <a:rPr lang="en-US" dirty="0"/>
-            </a:br>
-            <a:r>
-              <a:rPr lang="en-US" dirty="0"/>
-              <a:t>for Actuaries</a:t>
-            </a:r>
-          </a:p>
-        </p:txBody>
-      </p:sp>
-      <p:sp>
-        <p:nvSpPr>
-          <p:cNvPr id="3" name="Subtitle 2">
-            <a:extLst>
-              <a:ext uri="{FF2B5EF4-FFF2-40B4-BE49-F238E27FC236}">
-                <a16:creationId xmlns:a16="http://schemas.microsoft.com/office/drawing/2014/main" id="{4053B939-82C6-7883-3378-EEEF2C23A74B}"/>
-              </a:ext>
-            </a:extLst>
-          </p:cNvPr>
-          <p:cNvSpPr>
-            <a:spLocks noGrp="1"/>
-          </p:cNvSpPr>
-          <p:nvPr>
-            <p:ph type="subTitle" idx="1"/>
-          </p:nvPr>
-        </p:nvSpPr>
-        <p:spPr/>
-        <p:txBody>
-          <a:bodyPr/>
-          <a:lstStyle/>
-          <a:p>
-            <a:r>
-              <a:rPr lang="en-US" dirty="0"/>
-              <a:t>Brian Fannin</a:t>
-            </a:r>
-          </a:p>
-          <a:p>
-            <a:r>
-              <a:rPr lang="en-US" dirty="0"/>
-              <a:t>Jordan Bonner</a:t>
-            </a:r>
-          </a:p>
-        </p:txBody>
-      </p:sp>
-    </p:spTree>
-    <p:extLst>
-      <p:ext uri="{BB962C8B-B14F-4D97-AF65-F5344CB8AC3E}">
-        <p14:creationId xmlns:p14="http://schemas.microsoft.com/office/powerpoint/2010/main" val="3925388622"/>
-      </p:ext>
-    </p:extLst>
-  </p:cSld>
-  <p:clrMapOvr>
-    <a:masterClrMapping/>
-  </p:clrMapOvr>
-</p:sld>
-</file>
-
-<file path=ppt/slides/slide30.xml><?xml version="1.0" encoding="utf-8"?>
-<p:sld xmlns:a="http://schemas.openxmlformats.org/drawingml/2006/main" xmlns:r="http://schemas.openxmlformats.org/officeDocument/2006/relationships" xmlns:p="http://schemas.openxmlformats.org/presentationml/2006/main">
-  <p:cSld>
-    <p:spTree>
-      <p:nvGrpSpPr>
-        <p:cNvPr id="1" name=""/>
-        <p:cNvGrpSpPr/>
-        <p:nvPr/>
-      </p:nvGrpSpPr>
-      <p:grpSpPr>
-        <a:xfrm>
-          <a:off x="0" y="0"/>
-          <a:ext cx="0" cy="0"/>
-          <a:chOff x="0" y="0"/>
-          <a:chExt cx="0" cy="0"/>
-        </a:xfrm>
-      </p:grpSpPr>
-      <p:sp>
-        <p:nvSpPr>
-          <p:cNvPr id="2" name="Title 1">
-            <a:extLst>
-              <a:ext uri="{FF2B5EF4-FFF2-40B4-BE49-F238E27FC236}">
-                <a16:creationId xmlns:a16="http://schemas.microsoft.com/office/drawing/2014/main" id="{18969BF5-0288-FD7C-1739-0C8672F3D7F8}"/>
-              </a:ext>
-            </a:extLst>
-          </p:cNvPr>
-          <p:cNvSpPr>
-            <a:spLocks noGrp="1"/>
-          </p:cNvSpPr>
-          <p:nvPr>
-            <p:ph type="title"/>
-          </p:nvPr>
-        </p:nvSpPr>
-        <p:spPr/>
-        <p:txBody>
-          <a:bodyPr/>
-          <a:lstStyle/>
-          <a:p>
-            <a:r>
-              <a:rPr lang="en-US" dirty="0"/>
-              <a:t>Simplified Actuarial Analysis Pipeline</a:t>
-            </a:r>
-          </a:p>
-        </p:txBody>
-      </p:sp>
-      <p:pic>
-        <p:nvPicPr>
-          <p:cNvPr id="15" name="Picture 8" descr="RStudio Icon | Button UI - Requests #5 Iconset | BlackVariant">
-            <a:extLst>
-              <a:ext uri="{FF2B5EF4-FFF2-40B4-BE49-F238E27FC236}">
-                <a16:creationId xmlns:a16="http://schemas.microsoft.com/office/drawing/2014/main" id="{ADE4B3F4-F18C-275E-1BF0-C6B814D83D1B}"/>
-              </a:ext>
-            </a:extLst>
-          </p:cNvPr>
-          <p:cNvPicPr>
-            <a:picLocks noChangeAspect="1" noChangeArrowheads="1"/>
-          </p:cNvPicPr>
-          <p:nvPr/>
-        </p:nvPicPr>
-        <p:blipFill rotWithShape="1">
-          <a:blip r:embed="rId2" cstate="print">
-            <a:extLst>
-              <a:ext uri="{BEBA8EAE-BF5A-486C-A8C5-ECC9F3942E4B}">
-                <a14:imgProps xmlns:a14="http://schemas.microsoft.com/office/drawing/2010/main">
-                  <a14:imgLayer r:embed="rId3">
-                    <a14:imgEffect>
-                      <a14:backgroundRemoval t="8889" b="92000" l="9778" r="92000">
-                        <a14:foregroundMark x1="15556" y1="46667" x2="28000" y2="51556"/>
-                        <a14:foregroundMark x1="16444" y1="27111" x2="15556" y2="27111"/>
-                        <a14:foregroundMark x1="43111" y1="29333" x2="64000" y2="58222"/>
-                        <a14:foregroundMark x1="42667" y1="28444" x2="53333" y2="64000"/>
-                        <a14:foregroundMark x1="60889" y1="34667" x2="67556" y2="72444"/>
-                        <a14:foregroundMark x1="68444" y1="71556" x2="39556" y2="68000"/>
-                        <a14:foregroundMark x1="15556" y1="45778" x2="49333" y2="70667"/>
-                        <a14:foregroundMark x1="46667" y1="42222" x2="53778" y2="79556"/>
-                        <a14:foregroundMark x1="78222" y1="56444" x2="43556" y2="68889"/>
-                        <a14:foregroundMark x1="42667" y1="40889" x2="43556" y2="70222"/>
-                        <a14:foregroundMark x1="44444" y1="35556" x2="40444" y2="65333"/>
-                        <a14:foregroundMark x1="38667" y1="38222" x2="41333" y2="68889"/>
-                        <a14:foregroundMark x1="38222" y1="40444" x2="42222" y2="68000"/>
-                        <a14:foregroundMark x1="31556" y1="30667" x2="54667" y2="42222"/>
-                        <a14:foregroundMark x1="47556" y1="31111" x2="59111" y2="34667"/>
-                        <a14:foregroundMark x1="32000" y1="72000" x2="32000" y2="72000"/>
-                        <a14:foregroundMark x1="34222" y1="87111" x2="34222" y2="87111"/>
-                        <a14:foregroundMark x1="38667" y1="91111" x2="38667" y2="91111"/>
-                        <a14:foregroundMark x1="48889" y1="91111" x2="49778" y2="91111"/>
-                        <a14:foregroundMark x1="88444" y1="60000" x2="88444" y2="60000"/>
-                        <a14:foregroundMark x1="91111" y1="47111" x2="91111" y2="47111"/>
-                        <a14:foregroundMark x1="54667" y1="8889" x2="54667" y2="8889"/>
-                        <a14:foregroundMark x1="10667" y1="40000" x2="10667" y2="40000"/>
-                        <a14:foregroundMark x1="48000" y1="92000" x2="48000" y2="92000"/>
-                        <a14:foregroundMark x1="92000" y1="46667" x2="92000" y2="46667"/>
-                      </a14:backgroundRemoval>
-                    </a14:imgEffect>
-                  </a14:imgLayer>
-                </a14:imgProps>
-              </a:ext>
-              <a:ext uri="{28A0092B-C50C-407E-A947-70E740481C1C}">
-                <a14:useLocalDpi xmlns:a14="http://schemas.microsoft.com/office/drawing/2010/main" val="0"/>
-              </a:ext>
-            </a:extLst>
-          </a:blip>
-          <a:srcRect t="2313"/>
-          <a:stretch/>
-        </p:blipFill>
-        <p:spPr bwMode="auto">
-          <a:xfrm>
-            <a:off x="411566" y="3596705"/>
-            <a:ext cx="655234" cy="640080"/>
-          </a:xfrm>
-          <a:prstGeom prst="rect">
-            <a:avLst/>
-          </a:prstGeom>
-          <a:noFill/>
-          <a:extLst>
-            <a:ext uri="{909E8E84-426E-40DD-AFC4-6F175D3DCCD1}">
-              <a14:hiddenFill xmlns:a14="http://schemas.microsoft.com/office/drawing/2010/main">
-                <a:solidFill>
-                  <a:srgbClr val="FFFFFF"/>
-                </a:solidFill>
-              </a14:hiddenFill>
-            </a:ext>
-          </a:extLst>
-        </p:spPr>
-      </p:pic>
-      <p:graphicFrame>
-        <p:nvGraphicFramePr>
-          <p:cNvPr id="3" name="Table 51">
-            <a:extLst>
-              <a:ext uri="{FF2B5EF4-FFF2-40B4-BE49-F238E27FC236}">
-                <a16:creationId xmlns:a16="http://schemas.microsoft.com/office/drawing/2014/main" id="{7FDBAFBF-FADC-440D-5733-FCA2E1F87181}"/>
-              </a:ext>
-            </a:extLst>
-          </p:cNvPr>
-          <p:cNvGraphicFramePr>
-            <a:graphicFrameLocks noGrp="1"/>
-          </p:cNvGraphicFramePr>
-          <p:nvPr>
-            <p:extLst>
-              <p:ext uri="{D42A27DB-BD31-4B8C-83A1-F6EECF244321}">
-                <p14:modId xmlns:p14="http://schemas.microsoft.com/office/powerpoint/2010/main" val="1299567609"/>
-              </p:ext>
-            </p:extLst>
-          </p:nvPr>
-        </p:nvGraphicFramePr>
-        <p:xfrm>
-          <a:off x="1400222" y="2829260"/>
-          <a:ext cx="3840480" cy="2494280"/>
-        </p:xfrm>
-        <a:graphic>
-          <a:graphicData uri="http://schemas.openxmlformats.org/drawingml/2006/table">
-            <a:tbl>
-              <a:tblPr>
-                <a:tableStyleId>{5C22544A-7EE6-4342-B048-85BDC9FD1C3A}</a:tableStyleId>
-              </a:tblPr>
-              <a:tblGrid>
-                <a:gridCol w="3840480">
-                  <a:extLst>
-                    <a:ext uri="{9D8B030D-6E8A-4147-A177-3AD203B41FA5}">
-                      <a16:colId xmlns:a16="http://schemas.microsoft.com/office/drawing/2014/main" val="2815170345"/>
-                    </a:ext>
-                  </a:extLst>
-                </a:gridCol>
-              </a:tblGrid>
-              <a:tr h="370840">
-                <a:tc>
-                  <a:txBody>
-                    <a:bodyPr/>
-                    <a:lstStyle/>
-                    <a:p>
-                      <a:pPr algn="ctr"/>
-                      <a:r>
-                        <a:rPr lang="en-US" dirty="0">
-                          <a:latin typeface="Arial" panose="020B0604020202020204" pitchFamily="34" charset="0"/>
-                          <a:cs typeface="Arial" panose="020B0604020202020204" pitchFamily="34" charset="0"/>
-                        </a:rPr>
-                        <a:t>Read in data directly from source</a:t>
-                      </a:r>
-                    </a:p>
-                  </a:txBody>
-                  <a:tcPr>
-                    <a:lnL w="28575" cap="flat" cmpd="sng" algn="ctr">
-                      <a:solidFill>
-                        <a:schemeClr val="tx1"/>
-                      </a:solidFill>
-                      <a:prstDash val="solid"/>
-                      <a:round/>
-                      <a:headEnd type="none" w="med" len="med"/>
-                      <a:tailEnd type="none" w="med" len="med"/>
-                    </a:lnL>
-                    <a:lnR w="28575" cap="flat" cmpd="sng" algn="ctr">
-                      <a:solidFill>
-                        <a:schemeClr val="tx1"/>
-                      </a:solidFill>
-                      <a:prstDash val="solid"/>
-                      <a:round/>
-                      <a:headEnd type="none" w="med" len="med"/>
-                      <a:tailEnd type="none" w="med" len="med"/>
-                    </a:lnR>
-                    <a:lnT w="28575" cap="flat" cmpd="sng" algn="ctr">
-                      <a:solidFill>
-                        <a:schemeClr val="tx1"/>
-                      </a:solidFill>
-                      <a:prstDash val="solid"/>
-                      <a:round/>
-                      <a:headEnd type="none" w="med" len="med"/>
-                      <a:tailEnd type="none" w="med" len="med"/>
-                    </a:lnT>
-                    <a:lnB w="12700" cap="flat" cmpd="sng" algn="ctr">
-                      <a:solidFill>
-                        <a:schemeClr val="tx1"/>
-                      </a:solidFill>
-                      <a:prstDash val="solid"/>
-                      <a:round/>
-                      <a:headEnd type="none" w="med" len="med"/>
-                      <a:tailEnd type="none" w="med" len="med"/>
-                    </a:lnB>
-                    <a:solidFill>
-                      <a:schemeClr val="bg1"/>
-                    </a:solidFill>
-                  </a:tcPr>
-                </a:tc>
-                <a:extLst>
-                  <a:ext uri="{0D108BD9-81ED-4DB2-BD59-A6C34878D82A}">
-                    <a16:rowId xmlns:a16="http://schemas.microsoft.com/office/drawing/2014/main" val="2585973670"/>
-                  </a:ext>
-                </a:extLst>
-              </a:tr>
-              <a:tr h="370840">
-                <a:tc>
-                  <a:txBody>
-                    <a:bodyPr/>
-                    <a:lstStyle/>
-                    <a:p>
-                      <a:pPr algn="ctr"/>
-                      <a:r>
-                        <a:rPr lang="en-US" dirty="0">
-                          <a:latin typeface="Arial" panose="020B0604020202020204" pitchFamily="34" charset="0"/>
-                          <a:cs typeface="Arial" panose="020B0604020202020204" pitchFamily="34" charset="0"/>
-                        </a:rPr>
-                        <a:t>Separate “chunks” for each analysis</a:t>
-                      </a:r>
-                    </a:p>
-                  </a:txBody>
-                  <a:tcPr>
-                    <a:lnL w="28575" cap="flat" cmpd="sng" algn="ctr">
-                      <a:solidFill>
-                        <a:schemeClr val="tx1"/>
-                      </a:solidFill>
-                      <a:prstDash val="solid"/>
-                      <a:round/>
-                      <a:headEnd type="none" w="med" len="med"/>
-                      <a:tailEnd type="none" w="med" len="med"/>
-                    </a:lnL>
-                    <a:lnR w="28575" cap="flat" cmpd="sng" algn="ctr">
-                      <a:solidFill>
-                        <a:schemeClr val="tx1"/>
-                      </a:solidFill>
-                      <a:prstDash val="solid"/>
-                      <a:round/>
-                      <a:headEnd type="none" w="med" len="med"/>
-                      <a:tailEnd type="none" w="med" len="med"/>
-                    </a:lnR>
-                    <a:lnT w="12700" cap="flat" cmpd="sng" algn="ctr">
-                      <a:solidFill>
-                        <a:schemeClr val="tx1"/>
-                      </a:solidFill>
-                      <a:prstDash val="solid"/>
-                      <a:round/>
-                      <a:headEnd type="none" w="med" len="med"/>
-                      <a:tailEnd type="none" w="med" len="med"/>
-                    </a:lnT>
-                    <a:lnB w="12700" cap="flat" cmpd="sng" algn="ctr">
-                      <a:solidFill>
-                        <a:schemeClr val="tx1"/>
-                      </a:solidFill>
-                      <a:prstDash val="solid"/>
-                      <a:round/>
-                      <a:headEnd type="none" w="med" len="med"/>
-                      <a:tailEnd type="none" w="med" len="med"/>
-                    </a:lnB>
-                    <a:solidFill>
-                      <a:schemeClr val="bg1"/>
-                    </a:solidFill>
-                  </a:tcPr>
-                </a:tc>
-                <a:extLst>
-                  <a:ext uri="{0D108BD9-81ED-4DB2-BD59-A6C34878D82A}">
-                    <a16:rowId xmlns:a16="http://schemas.microsoft.com/office/drawing/2014/main" val="4153810044"/>
-                  </a:ext>
-                </a:extLst>
-              </a:tr>
-              <a:tr h="370840">
-                <a:tc>
-                  <a:txBody>
-                    <a:bodyPr/>
-                    <a:lstStyle/>
-                    <a:p>
-                      <a:pPr algn="ctr"/>
-                      <a:r>
-                        <a:rPr lang="en-US" dirty="0">
-                          <a:latin typeface="Arial" panose="020B0604020202020204" pitchFamily="34" charset="0"/>
-                          <a:cs typeface="Arial" panose="020B0604020202020204" pitchFamily="34" charset="0"/>
-                        </a:rPr>
-                        <a:t>Self-documents</a:t>
-                      </a:r>
-                    </a:p>
-                  </a:txBody>
-                  <a:tcPr>
-                    <a:lnL w="28575" cap="flat" cmpd="sng" algn="ctr">
-                      <a:solidFill>
-                        <a:schemeClr val="tx1"/>
-                      </a:solidFill>
-                      <a:prstDash val="solid"/>
-                      <a:round/>
-                      <a:headEnd type="none" w="med" len="med"/>
-                      <a:tailEnd type="none" w="med" len="med"/>
-                    </a:lnL>
-                    <a:lnR w="28575" cap="flat" cmpd="sng" algn="ctr">
-                      <a:solidFill>
-                        <a:schemeClr val="tx1"/>
-                      </a:solidFill>
-                      <a:prstDash val="solid"/>
-                      <a:round/>
-                      <a:headEnd type="none" w="med" len="med"/>
-                      <a:tailEnd type="none" w="med" len="med"/>
-                    </a:lnR>
-                    <a:lnT w="12700" cap="flat" cmpd="sng" algn="ctr">
-                      <a:solidFill>
-                        <a:schemeClr val="tx1"/>
-                      </a:solidFill>
-                      <a:prstDash val="solid"/>
-                      <a:round/>
-                      <a:headEnd type="none" w="med" len="med"/>
-                      <a:tailEnd type="none" w="med" len="med"/>
-                    </a:lnT>
-                    <a:lnB w="12700" cap="flat" cmpd="sng" algn="ctr">
-                      <a:solidFill>
-                        <a:schemeClr val="tx1"/>
-                      </a:solidFill>
-                      <a:prstDash val="solid"/>
-                      <a:round/>
-                      <a:headEnd type="none" w="med" len="med"/>
-                      <a:tailEnd type="none" w="med" len="med"/>
-                    </a:lnB>
-                    <a:solidFill>
-                      <a:schemeClr val="bg1"/>
-                    </a:solidFill>
-                  </a:tcPr>
-                </a:tc>
-                <a:extLst>
-                  <a:ext uri="{0D108BD9-81ED-4DB2-BD59-A6C34878D82A}">
-                    <a16:rowId xmlns:a16="http://schemas.microsoft.com/office/drawing/2014/main" val="3661985905"/>
-                  </a:ext>
-                </a:extLst>
-              </a:tr>
-              <a:tr h="370840">
-                <a:tc>
-                  <a:txBody>
-                    <a:bodyPr/>
-                    <a:lstStyle/>
-                    <a:p>
-                      <a:pPr algn="ctr"/>
-                      <a:r>
-                        <a:rPr lang="en-US" dirty="0">
-                          <a:latin typeface="Arial" panose="020B0604020202020204" pitchFamily="34" charset="0"/>
-                          <a:cs typeface="Arial" panose="020B0604020202020204" pitchFamily="34" charset="0"/>
-                        </a:rPr>
-                        <a:t>New data can flow through</a:t>
-                      </a:r>
-                    </a:p>
-                  </a:txBody>
-                  <a:tcPr>
-                    <a:lnL w="28575" cap="flat" cmpd="sng" algn="ctr">
-                      <a:solidFill>
-                        <a:schemeClr val="tx1"/>
-                      </a:solidFill>
-                      <a:prstDash val="solid"/>
-                      <a:round/>
-                      <a:headEnd type="none" w="med" len="med"/>
-                      <a:tailEnd type="none" w="med" len="med"/>
-                    </a:lnL>
-                    <a:lnR w="28575" cap="flat" cmpd="sng" algn="ctr">
-                      <a:solidFill>
-                        <a:schemeClr val="tx1"/>
-                      </a:solidFill>
-                      <a:prstDash val="solid"/>
-                      <a:round/>
-                      <a:headEnd type="none" w="med" len="med"/>
-                      <a:tailEnd type="none" w="med" len="med"/>
-                    </a:lnR>
-                    <a:lnT w="12700" cap="flat" cmpd="sng" algn="ctr">
-                      <a:solidFill>
-                        <a:schemeClr val="tx1"/>
-                      </a:solidFill>
-                      <a:prstDash val="solid"/>
-                      <a:round/>
-                      <a:headEnd type="none" w="med" len="med"/>
-                      <a:tailEnd type="none" w="med" len="med"/>
-                    </a:lnT>
-                    <a:lnB w="12700" cap="flat" cmpd="sng" algn="ctr">
-                      <a:solidFill>
-                        <a:schemeClr val="tx1"/>
-                      </a:solidFill>
-                      <a:prstDash val="solid"/>
-                      <a:round/>
-                      <a:headEnd type="none" w="med" len="med"/>
-                      <a:tailEnd type="none" w="med" len="med"/>
-                    </a:lnB>
-                    <a:solidFill>
-                      <a:schemeClr val="bg1"/>
-                    </a:solidFill>
-                  </a:tcPr>
-                </a:tc>
-                <a:extLst>
-                  <a:ext uri="{0D108BD9-81ED-4DB2-BD59-A6C34878D82A}">
-                    <a16:rowId xmlns:a16="http://schemas.microsoft.com/office/drawing/2014/main" val="1697638389"/>
-                  </a:ext>
-                </a:extLst>
-              </a:tr>
-              <a:tr h="370840">
-                <a:tc>
-                  <a:txBody>
-                    <a:bodyPr/>
-                    <a:lstStyle/>
-                    <a:p>
-                      <a:pPr algn="ctr"/>
-                      <a:r>
-                        <a:rPr lang="en-US" dirty="0">
-                          <a:latin typeface="Arial" panose="020B0604020202020204" pitchFamily="34" charset="0"/>
-                          <a:cs typeface="Arial" panose="020B0604020202020204" pitchFamily="34" charset="0"/>
-                        </a:rPr>
-                        <a:t>Can also be used to create dynamic slides for presentations</a:t>
-                      </a:r>
-                    </a:p>
-                  </a:txBody>
-                  <a:tcPr>
-                    <a:lnL w="28575" cap="flat" cmpd="sng" algn="ctr">
-                      <a:solidFill>
-                        <a:schemeClr val="tx1"/>
-                      </a:solidFill>
-                      <a:prstDash val="solid"/>
-                      <a:round/>
-                      <a:headEnd type="none" w="med" len="med"/>
-                      <a:tailEnd type="none" w="med" len="med"/>
-                    </a:lnL>
-                    <a:lnR w="28575" cap="flat" cmpd="sng" algn="ctr">
-                      <a:solidFill>
-                        <a:schemeClr val="tx1"/>
-                      </a:solidFill>
-                      <a:prstDash val="solid"/>
-                      <a:round/>
-                      <a:headEnd type="none" w="med" len="med"/>
-                      <a:tailEnd type="none" w="med" len="med"/>
-                    </a:lnR>
-                    <a:lnT w="12700" cap="flat" cmpd="sng" algn="ctr">
-                      <a:solidFill>
-                        <a:schemeClr val="tx1"/>
-                      </a:solidFill>
-                      <a:prstDash val="solid"/>
-                      <a:round/>
-                      <a:headEnd type="none" w="med" len="med"/>
-                      <a:tailEnd type="none" w="med" len="med"/>
-                    </a:lnT>
-                    <a:lnB w="12700" cap="flat" cmpd="sng" algn="ctr">
-                      <a:solidFill>
-                        <a:schemeClr val="tx1"/>
-                      </a:solidFill>
-                      <a:prstDash val="solid"/>
-                      <a:round/>
-                      <a:headEnd type="none" w="med" len="med"/>
-                      <a:tailEnd type="none" w="med" len="med"/>
-                    </a:lnB>
-                    <a:solidFill>
-                      <a:schemeClr val="bg1"/>
-                    </a:solidFill>
-                  </a:tcPr>
-                </a:tc>
-                <a:extLst>
-                  <a:ext uri="{0D108BD9-81ED-4DB2-BD59-A6C34878D82A}">
-                    <a16:rowId xmlns:a16="http://schemas.microsoft.com/office/drawing/2014/main" val="3719624885"/>
-                  </a:ext>
-                </a:extLst>
-              </a:tr>
-              <a:tr h="370840">
-                <a:tc>
-                  <a:txBody>
-                    <a:bodyPr/>
-                    <a:lstStyle/>
-                    <a:p>
-                      <a:pPr algn="ctr"/>
-                      <a:r>
-                        <a:rPr lang="en-US" dirty="0">
-                          <a:latin typeface="Arial" panose="020B0604020202020204" pitchFamily="34" charset="0"/>
-                          <a:cs typeface="Arial" panose="020B0604020202020204" pitchFamily="34" charset="0"/>
-                        </a:rPr>
-                        <a:t>All analysis kept in one place</a:t>
-                      </a:r>
-                    </a:p>
-                  </a:txBody>
-                  <a:tcPr>
-                    <a:lnL w="28575" cap="flat" cmpd="sng" algn="ctr">
-                      <a:solidFill>
-                        <a:schemeClr val="tx1"/>
-                      </a:solidFill>
-                      <a:prstDash val="solid"/>
-                      <a:round/>
-                      <a:headEnd type="none" w="med" len="med"/>
-                      <a:tailEnd type="none" w="med" len="med"/>
-                    </a:lnL>
-                    <a:lnR w="28575" cap="flat" cmpd="sng" algn="ctr">
-                      <a:solidFill>
-                        <a:schemeClr val="tx1"/>
-                      </a:solidFill>
-                      <a:prstDash val="solid"/>
-                      <a:round/>
-                      <a:headEnd type="none" w="med" len="med"/>
-                      <a:tailEnd type="none" w="med" len="med"/>
-                    </a:lnR>
-                    <a:lnT w="12700" cap="flat" cmpd="sng" algn="ctr">
-                      <a:solidFill>
-                        <a:schemeClr val="tx1"/>
-                      </a:solidFill>
-                      <a:prstDash val="solid"/>
-                      <a:round/>
-                      <a:headEnd type="none" w="med" len="med"/>
-                      <a:tailEnd type="none" w="med" len="med"/>
-                    </a:lnT>
-                    <a:lnB w="28575" cap="flat" cmpd="sng" algn="ctr">
-                      <a:solidFill>
-                        <a:schemeClr val="tx1"/>
-                      </a:solidFill>
-                      <a:prstDash val="solid"/>
-                      <a:round/>
-                      <a:headEnd type="none" w="med" len="med"/>
-                      <a:tailEnd type="none" w="med" len="med"/>
-                    </a:lnB>
-                    <a:solidFill>
-                      <a:schemeClr val="bg1"/>
-                    </a:solidFill>
-                  </a:tcPr>
-                </a:tc>
-                <a:extLst>
-                  <a:ext uri="{0D108BD9-81ED-4DB2-BD59-A6C34878D82A}">
-                    <a16:rowId xmlns:a16="http://schemas.microsoft.com/office/drawing/2014/main" val="3427842638"/>
-                  </a:ext>
-                </a:extLst>
-              </a:tr>
-            </a:tbl>
-          </a:graphicData>
-        </a:graphic>
-      </p:graphicFrame>
-      <p:pic>
-        <p:nvPicPr>
-          <p:cNvPr id="52" name="Picture 4" descr="Database icon">
-            <a:extLst>
-              <a:ext uri="{FF2B5EF4-FFF2-40B4-BE49-F238E27FC236}">
-                <a16:creationId xmlns:a16="http://schemas.microsoft.com/office/drawing/2014/main" id="{2EA3A0BD-D957-1179-40E8-1201EA8BCFA3}"/>
-              </a:ext>
-            </a:extLst>
-          </p:cNvPr>
-          <p:cNvPicPr>
-            <a:picLocks noChangeAspect="1" noChangeArrowheads="1"/>
-          </p:cNvPicPr>
-          <p:nvPr/>
-        </p:nvPicPr>
-        <p:blipFill>
-          <a:blip r:embed="rId4" cstate="print">
-            <a:duotone>
-              <a:schemeClr val="accent1">
-                <a:shade val="45000"/>
-                <a:satMod val="135000"/>
-              </a:schemeClr>
-              <a:prstClr val="white"/>
-            </a:duotone>
-            <a:extLst>
-              <a:ext uri="{28A0092B-C50C-407E-A947-70E740481C1C}">
-                <a14:useLocalDpi xmlns:a14="http://schemas.microsoft.com/office/drawing/2010/main" val="0"/>
-              </a:ext>
-            </a:extLst>
-          </a:blip>
-          <a:srcRect/>
-          <a:stretch>
-            <a:fillRect/>
-          </a:stretch>
-        </p:blipFill>
-        <p:spPr bwMode="auto">
-          <a:xfrm>
-            <a:off x="7351713" y="1390225"/>
-            <a:ext cx="457200" cy="457200"/>
-          </a:xfrm>
-          <a:prstGeom prst="rect">
-            <a:avLst/>
-          </a:prstGeom>
-          <a:noFill/>
-          <a:extLst>
-            <a:ext uri="{909E8E84-426E-40DD-AFC4-6F175D3DCCD1}">
-              <a14:hiddenFill xmlns:a14="http://schemas.microsoft.com/office/drawing/2010/main">
-                <a:solidFill>
-                  <a:srgbClr val="FFFFFF"/>
-                </a:solidFill>
-              </a14:hiddenFill>
-            </a:ext>
-          </a:extLst>
-        </p:spPr>
-      </p:pic>
-      <p:sp>
-        <p:nvSpPr>
-          <p:cNvPr id="57" name="TextBox 56">
-            <a:extLst>
-              <a:ext uri="{FF2B5EF4-FFF2-40B4-BE49-F238E27FC236}">
-                <a16:creationId xmlns:a16="http://schemas.microsoft.com/office/drawing/2014/main" id="{A5878FF3-35C8-0EC6-5DDD-997B8A0F8A60}"/>
-              </a:ext>
-            </a:extLst>
-          </p:cNvPr>
-          <p:cNvSpPr txBox="1"/>
-          <p:nvPr/>
-        </p:nvSpPr>
-        <p:spPr>
-          <a:xfrm>
-            <a:off x="7123113" y="1959291"/>
-            <a:ext cx="914400" cy="230410"/>
-          </a:xfrm>
-          <a:prstGeom prst="rect">
-            <a:avLst/>
-          </a:prstGeom>
-          <a:noFill/>
-        </p:spPr>
-        <p:txBody>
-          <a:bodyPr wrap="none" lIns="0" tIns="0" rIns="0" bIns="0" rtlCol="0">
-            <a:noAutofit/>
-          </a:bodyPr>
-          <a:lstStyle/>
-          <a:p>
-            <a:pPr algn="ctr">
-              <a:lnSpc>
-                <a:spcPct val="100000"/>
-              </a:lnSpc>
-              <a:spcBef>
-                <a:spcPts val="900"/>
-              </a:spcBef>
-              <a:buSzPct val="100000"/>
-            </a:pPr>
-            <a:r>
-              <a:rPr lang="en-US" sz="1400" dirty="0">
-                <a:solidFill>
-                  <a:schemeClr val="tx2"/>
-                </a:solidFill>
-                <a:latin typeface="Arial" panose="020B0604020202020204" pitchFamily="34" charset="0"/>
-                <a:cs typeface="Arial" panose="020B0604020202020204" pitchFamily="34" charset="0"/>
-              </a:rPr>
-              <a:t>Database</a:t>
-            </a:r>
-          </a:p>
-        </p:txBody>
-      </p:sp>
-      <p:cxnSp>
-        <p:nvCxnSpPr>
-          <p:cNvPr id="60" name="Straight Arrow Connector 59">
-            <a:extLst>
-              <a:ext uri="{FF2B5EF4-FFF2-40B4-BE49-F238E27FC236}">
-                <a16:creationId xmlns:a16="http://schemas.microsoft.com/office/drawing/2014/main" id="{AF018737-0108-F558-6CC4-FF6B1D3AC6A0}"/>
-              </a:ext>
-            </a:extLst>
-          </p:cNvPr>
-          <p:cNvCxnSpPr>
-            <a:cxnSpLocks/>
-          </p:cNvCxnSpPr>
-          <p:nvPr/>
-        </p:nvCxnSpPr>
-        <p:spPr>
-          <a:xfrm flipV="1">
-            <a:off x="5388657" y="2096711"/>
-            <a:ext cx="1594060" cy="732549"/>
-          </a:xfrm>
-          <a:prstGeom prst="straightConnector1">
-            <a:avLst/>
-          </a:prstGeom>
-          <a:ln w="57150" cap="sq">
-            <a:solidFill>
-              <a:schemeClr val="bg1">
-                <a:lumMod val="50000"/>
-              </a:schemeClr>
-            </a:solidFill>
-            <a:headEnd type="triangle" w="med" len="med"/>
-            <a:tailEnd type="none" w="med" len="med"/>
-          </a:ln>
-        </p:spPr>
-        <p:style>
-          <a:lnRef idx="1">
-            <a:schemeClr val="accent1"/>
-          </a:lnRef>
-          <a:fillRef idx="0">
-            <a:schemeClr val="accent1"/>
-          </a:fillRef>
-          <a:effectRef idx="0">
-            <a:srgbClr val="000000"/>
-          </a:effectRef>
-          <a:fontRef idx="minor">
-            <a:schemeClr val="bg1"/>
-          </a:fontRef>
-        </p:style>
-      </p:cxnSp>
-      <p:pic>
-        <p:nvPicPr>
-          <p:cNvPr id="65" name="Picture 64">
-            <a:extLst>
-              <a:ext uri="{FF2B5EF4-FFF2-40B4-BE49-F238E27FC236}">
-                <a16:creationId xmlns:a16="http://schemas.microsoft.com/office/drawing/2014/main" id="{C22A1A4A-A630-2C12-DA71-630BCBD22587}"/>
-              </a:ext>
-            </a:extLst>
-          </p:cNvPr>
-          <p:cNvPicPr>
-            <a:picLocks noChangeAspect="1"/>
-          </p:cNvPicPr>
-          <p:nvPr/>
-        </p:nvPicPr>
-        <p:blipFill>
-          <a:blip r:embed="rId5" r:link="rId6" cstate="print">
-            <a:extLst>
-              <a:ext uri="{28A0092B-C50C-407E-A947-70E740481C1C}">
-                <a14:useLocalDpi xmlns:a14="http://schemas.microsoft.com/office/drawing/2010/main" val="0"/>
-              </a:ext>
-            </a:extLst>
-          </a:blip>
-          <a:srcRect/>
-          <a:stretch>
-            <a:fillRect/>
-          </a:stretch>
-        </p:blipFill>
-        <p:spPr>
-          <a:xfrm>
-            <a:off x="7029929" y="2639723"/>
-            <a:ext cx="1798327" cy="1198885"/>
-          </a:xfrm>
-          <a:prstGeom prst="rect">
-            <a:avLst/>
-          </a:prstGeom>
-        </p:spPr>
-      </p:pic>
-      <p:cxnSp>
-        <p:nvCxnSpPr>
-          <p:cNvPr id="66" name="Straight Arrow Connector 65">
-            <a:extLst>
-              <a:ext uri="{FF2B5EF4-FFF2-40B4-BE49-F238E27FC236}">
-                <a16:creationId xmlns:a16="http://schemas.microsoft.com/office/drawing/2014/main" id="{16FC1A09-4388-FD69-6DED-7DDBA4DAD230}"/>
-              </a:ext>
-            </a:extLst>
-          </p:cNvPr>
-          <p:cNvCxnSpPr>
-            <a:cxnSpLocks/>
-          </p:cNvCxnSpPr>
-          <p:nvPr/>
-        </p:nvCxnSpPr>
-        <p:spPr>
-          <a:xfrm flipH="1">
-            <a:off x="5441056" y="3171057"/>
-            <a:ext cx="1485444" cy="143998"/>
-          </a:xfrm>
-          <a:prstGeom prst="straightConnector1">
-            <a:avLst/>
-          </a:prstGeom>
-          <a:ln w="57150" cap="sq">
-            <a:solidFill>
-              <a:schemeClr val="bg1">
-                <a:lumMod val="50000"/>
-              </a:schemeClr>
-            </a:solidFill>
-            <a:headEnd type="triangle" w="med" len="med"/>
-            <a:tailEnd type="none" w="med" len="med"/>
-          </a:ln>
-        </p:spPr>
-        <p:style>
-          <a:lnRef idx="1">
-            <a:schemeClr val="accent1"/>
-          </a:lnRef>
-          <a:fillRef idx="0">
-            <a:schemeClr val="accent1"/>
-          </a:fillRef>
-          <a:effectRef idx="0">
-            <a:srgbClr val="000000"/>
-          </a:effectRef>
-          <a:fontRef idx="minor">
-            <a:schemeClr val="bg1"/>
-          </a:fontRef>
-        </p:style>
-      </p:cxnSp>
-      <p:sp>
-        <p:nvSpPr>
-          <p:cNvPr id="69" name="TextBox 68">
-            <a:extLst>
-              <a:ext uri="{FF2B5EF4-FFF2-40B4-BE49-F238E27FC236}">
-                <a16:creationId xmlns:a16="http://schemas.microsoft.com/office/drawing/2014/main" id="{2B9862A0-C7A0-FAA2-59C5-5748AA6B6464}"/>
-              </a:ext>
-            </a:extLst>
-          </p:cNvPr>
-          <p:cNvSpPr txBox="1"/>
-          <p:nvPr/>
-        </p:nvSpPr>
-        <p:spPr>
-          <a:xfrm>
-            <a:off x="2286589" y="2373649"/>
-            <a:ext cx="2067746" cy="369332"/>
-          </a:xfrm>
-          <a:prstGeom prst="rect">
-            <a:avLst/>
-          </a:prstGeom>
-          <a:noFill/>
-        </p:spPr>
-        <p:txBody>
-          <a:bodyPr wrap="none" rtlCol="0">
-            <a:spAutoFit/>
-          </a:bodyPr>
-          <a:lstStyle/>
-          <a:p>
-            <a:r>
-              <a:rPr lang="en-US" b="1" dirty="0">
-                <a:latin typeface="Arial" panose="020B0604020202020204" pitchFamily="34" charset="0"/>
-                <a:cs typeface="Arial" panose="020B0604020202020204" pitchFamily="34" charset="0"/>
-              </a:rPr>
-              <a:t>With </a:t>
-            </a:r>
-            <a:r>
-              <a:rPr lang="en-US" b="1" dirty="0" err="1">
-                <a:latin typeface="Arial" panose="020B0604020202020204" pitchFamily="34" charset="0"/>
-                <a:cs typeface="Arial" panose="020B0604020202020204" pitchFamily="34" charset="0"/>
-              </a:rPr>
-              <a:t>rmarkdown</a:t>
-            </a:r>
-            <a:r>
-              <a:rPr lang="en-US" b="1" dirty="0">
-                <a:latin typeface="Arial" panose="020B0604020202020204" pitchFamily="34" charset="0"/>
-                <a:cs typeface="Arial" panose="020B0604020202020204" pitchFamily="34" charset="0"/>
-              </a:rPr>
-              <a:t>:</a:t>
-            </a:r>
-          </a:p>
-        </p:txBody>
-      </p:sp>
-      <p:cxnSp>
-        <p:nvCxnSpPr>
-          <p:cNvPr id="78" name="Straight Arrow Connector 77">
-            <a:extLst>
-              <a:ext uri="{FF2B5EF4-FFF2-40B4-BE49-F238E27FC236}">
-                <a16:creationId xmlns:a16="http://schemas.microsoft.com/office/drawing/2014/main" id="{ED2E6509-81ED-BA33-CA09-617333A7315E}"/>
-              </a:ext>
-            </a:extLst>
-          </p:cNvPr>
-          <p:cNvCxnSpPr>
-            <a:cxnSpLocks/>
-          </p:cNvCxnSpPr>
-          <p:nvPr/>
-        </p:nvCxnSpPr>
-        <p:spPr>
-          <a:xfrm flipH="1">
-            <a:off x="5413017" y="4411411"/>
-            <a:ext cx="1705757" cy="122794"/>
-          </a:xfrm>
-          <a:prstGeom prst="straightConnector1">
-            <a:avLst/>
-          </a:prstGeom>
-          <a:ln w="57150" cap="sq">
-            <a:solidFill>
-              <a:schemeClr val="bg1">
-                <a:lumMod val="50000"/>
-              </a:schemeClr>
-            </a:solidFill>
-            <a:headEnd type="triangle" w="med" len="med"/>
-            <a:tailEnd type="none" w="med" len="med"/>
-          </a:ln>
-        </p:spPr>
-        <p:style>
-          <a:lnRef idx="1">
-            <a:schemeClr val="accent1"/>
-          </a:lnRef>
-          <a:fillRef idx="0">
-            <a:schemeClr val="accent1"/>
-          </a:fillRef>
-          <a:effectRef idx="0">
-            <a:srgbClr val="000000"/>
-          </a:effectRef>
-          <a:fontRef idx="minor">
-            <a:schemeClr val="bg1"/>
-          </a:fontRef>
-        </p:style>
-      </p:cxnSp>
-      <p:grpSp>
-        <p:nvGrpSpPr>
-          <p:cNvPr id="80" name="Group 79">
-            <a:extLst>
-              <a:ext uri="{FF2B5EF4-FFF2-40B4-BE49-F238E27FC236}">
-                <a16:creationId xmlns:a16="http://schemas.microsoft.com/office/drawing/2014/main" id="{D33FB1EC-E80E-CE6B-20E3-9AA3BA26BAB2}"/>
-              </a:ext>
-            </a:extLst>
-          </p:cNvPr>
-          <p:cNvGrpSpPr/>
-          <p:nvPr/>
-        </p:nvGrpSpPr>
-        <p:grpSpPr>
-          <a:xfrm>
-            <a:off x="7244686" y="4074153"/>
-            <a:ext cx="1368811" cy="1268499"/>
-            <a:chOff x="2794819" y="1780733"/>
-            <a:chExt cx="1758055" cy="1629217"/>
-          </a:xfrm>
-        </p:grpSpPr>
-        <p:pic>
-          <p:nvPicPr>
-            <p:cNvPr id="81" name="Picture 2" descr="Image result for computer report clip art">
-              <a:extLst>
-                <a:ext uri="{FF2B5EF4-FFF2-40B4-BE49-F238E27FC236}">
-                  <a16:creationId xmlns:a16="http://schemas.microsoft.com/office/drawing/2014/main" id="{7702085C-8BC3-003E-BA62-D38D845D83D7}"/>
-                </a:ext>
-              </a:extLst>
-            </p:cNvPr>
-            <p:cNvPicPr>
-              <a:picLocks noChangeAspect="1" noChangeArrowheads="1"/>
-            </p:cNvPicPr>
-            <p:nvPr/>
-          </p:nvPicPr>
-          <p:blipFill rotWithShape="1">
-            <a:blip r:embed="rId7" cstate="print">
-              <a:duotone>
-                <a:schemeClr val="bg2">
-                  <a:shade val="45000"/>
-                  <a:satMod val="135000"/>
-                </a:schemeClr>
-                <a:prstClr val="white"/>
-              </a:duotone>
-              <a:extLst>
-                <a:ext uri="{28A0092B-C50C-407E-A947-70E740481C1C}">
-                  <a14:useLocalDpi xmlns:a14="http://schemas.microsoft.com/office/drawing/2010/main" val="0"/>
-                </a:ext>
-              </a:extLst>
-            </a:blip>
-            <a:srcRect l="1" r="38332" b="6270"/>
-            <a:stretch/>
-          </p:blipFill>
-          <p:spPr bwMode="auto">
-            <a:xfrm>
-              <a:off x="2794819" y="1780733"/>
-              <a:ext cx="1524769" cy="1629217"/>
-            </a:xfrm>
-            <a:prstGeom prst="rect">
-              <a:avLst/>
-            </a:prstGeom>
-            <a:noFill/>
-            <a:extLst>
-              <a:ext uri="{909E8E84-426E-40DD-AFC4-6F175D3DCCD1}">
-                <a14:hiddenFill xmlns:a14="http://schemas.microsoft.com/office/drawing/2010/main">
-                  <a:solidFill>
-                    <a:srgbClr val="FFFFFF"/>
-                  </a:solidFill>
-                </a14:hiddenFill>
-              </a:ext>
-            </a:extLst>
-          </p:spPr>
-        </p:pic>
-        <p:pic>
-          <p:nvPicPr>
-            <p:cNvPr id="82" name="Picture 2" descr="Image result for computer report clip art">
-              <a:extLst>
-                <a:ext uri="{FF2B5EF4-FFF2-40B4-BE49-F238E27FC236}">
-                  <a16:creationId xmlns:a16="http://schemas.microsoft.com/office/drawing/2014/main" id="{95813C69-CD4C-6641-6326-FE7B48F2E851}"/>
-                </a:ext>
-              </a:extLst>
-            </p:cNvPr>
-            <p:cNvPicPr>
-              <a:picLocks noChangeAspect="1" noChangeArrowheads="1"/>
-            </p:cNvPicPr>
-            <p:nvPr/>
-          </p:nvPicPr>
-          <p:blipFill rotWithShape="1">
-            <a:blip r:embed="rId7" cstate="print">
-              <a:duotone>
-                <a:schemeClr val="bg2">
-                  <a:shade val="45000"/>
-                  <a:satMod val="135000"/>
-                </a:schemeClr>
-                <a:prstClr val="white"/>
-              </a:duotone>
-              <a:extLst>
-                <a:ext uri="{28A0092B-C50C-407E-A947-70E740481C1C}">
-                  <a14:useLocalDpi xmlns:a14="http://schemas.microsoft.com/office/drawing/2010/main" val="0"/>
-                </a:ext>
-              </a:extLst>
-            </a:blip>
-            <a:srcRect r="90462" b="22664"/>
-            <a:stretch/>
-          </p:blipFill>
-          <p:spPr bwMode="auto">
-            <a:xfrm flipH="1">
-              <a:off x="4317055" y="1782332"/>
-              <a:ext cx="235819" cy="1344253"/>
-            </a:xfrm>
-            <a:prstGeom prst="rect">
-              <a:avLst/>
-            </a:prstGeom>
-            <a:noFill/>
-            <a:extLst>
-              <a:ext uri="{909E8E84-426E-40DD-AFC4-6F175D3DCCD1}">
-                <a14:hiddenFill xmlns:a14="http://schemas.microsoft.com/office/drawing/2010/main">
-                  <a:solidFill>
-                    <a:srgbClr val="FFFFFF"/>
-                  </a:solidFill>
-                </a14:hiddenFill>
-              </a:ext>
-            </a:extLst>
-          </p:spPr>
-        </p:pic>
-      </p:grpSp>
-    </p:spTree>
-    <p:extLst>
-      <p:ext uri="{BB962C8B-B14F-4D97-AF65-F5344CB8AC3E}">
-        <p14:creationId xmlns:p14="http://schemas.microsoft.com/office/powerpoint/2010/main" val="752149674"/>
-      </p:ext>
-    </p:extLst>
-  </p:cSld>
-  <p:clrMapOvr>
-    <a:masterClrMapping/>
-  </p:clrMapOvr>
-</p:sld>
-</file>
-
-<file path=ppt/slides/slide31.xml><?xml version="1.0" encoding="utf-8"?>
-<p:sld xmlns:a="http://schemas.openxmlformats.org/drawingml/2006/main" xmlns:r="http://schemas.openxmlformats.org/officeDocument/2006/relationships" xmlns:p="http://schemas.openxmlformats.org/presentationml/2006/main">
-  <p:cSld>
-    <p:spTree>
-      <p:nvGrpSpPr>
-        <p:cNvPr id="1" name=""/>
-        <p:cNvGrpSpPr/>
-        <p:nvPr/>
-      </p:nvGrpSpPr>
-      <p:grpSpPr>
-        <a:xfrm>
-          <a:off x="0" y="0"/>
-          <a:ext cx="0" cy="0"/>
-          <a:chOff x="0" y="0"/>
-          <a:chExt cx="0" cy="0"/>
-        </a:xfrm>
-      </p:grpSpPr>
-      <p:sp>
-        <p:nvSpPr>
-          <p:cNvPr id="2" name="Title 1">
-            <a:extLst>
-              <a:ext uri="{FF2B5EF4-FFF2-40B4-BE49-F238E27FC236}">
-                <a16:creationId xmlns:a16="http://schemas.microsoft.com/office/drawing/2014/main" id="{6AA0D46C-160A-13B4-DED2-2C2A2470264C}"/>
-              </a:ext>
-            </a:extLst>
-          </p:cNvPr>
-          <p:cNvSpPr>
-            <a:spLocks noGrp="1"/>
-          </p:cNvSpPr>
-          <p:nvPr>
-            <p:ph type="title"/>
-          </p:nvPr>
-        </p:nvSpPr>
-        <p:spPr/>
-        <p:txBody>
-          <a:bodyPr/>
-          <a:lstStyle/>
-          <a:p>
-            <a:r>
-              <a:rPr lang="en-US" dirty="0"/>
-              <a:t>Appendix</a:t>
-            </a:r>
-          </a:p>
-        </p:txBody>
-      </p:sp>
-      <p:sp>
-        <p:nvSpPr>
-          <p:cNvPr id="3" name="Text Placeholder 2">
-            <a:extLst>
-              <a:ext uri="{FF2B5EF4-FFF2-40B4-BE49-F238E27FC236}">
-                <a16:creationId xmlns:a16="http://schemas.microsoft.com/office/drawing/2014/main" id="{0E763E03-4660-8CF9-6C32-6D09D78F6FDE}"/>
-              </a:ext>
-            </a:extLst>
-          </p:cNvPr>
-          <p:cNvSpPr>
-            <a:spLocks noGrp="1"/>
-          </p:cNvSpPr>
-          <p:nvPr>
-            <p:ph type="body" idx="1"/>
-          </p:nvPr>
-        </p:nvSpPr>
-        <p:spPr/>
-        <p:txBody>
-          <a:bodyPr/>
-          <a:lstStyle/>
-          <a:p>
-            <a:endParaRPr lang="en-US" dirty="0"/>
-          </a:p>
-        </p:txBody>
-      </p:sp>
-    </p:spTree>
-    <p:extLst>
-      <p:ext uri="{BB962C8B-B14F-4D97-AF65-F5344CB8AC3E}">
-        <p14:creationId xmlns:p14="http://schemas.microsoft.com/office/powerpoint/2010/main" val="2128084239"/>
-      </p:ext>
-    </p:extLst>
-  </p:cSld>
-  <p:clrMapOvr>
-    <a:masterClrMapping/>
-  </p:clrMapOvr>
-</p:sld>
-</file>
-
-<file path=ppt/slides/slide32.xml><?xml version="1.0" encoding="utf-8"?>
 <p:sld xmlns:a="http://schemas.openxmlformats.org/drawingml/2006/main" xmlns:r="http://schemas.openxmlformats.org/officeDocument/2006/relationships" xmlns:p="http://schemas.openxmlformats.org/presentationml/2006/main">
   <p:cSld>
     <p:spTree>
@@ -20860,7 +18190,7 @@
 </p:sld>
 </file>
 
-<file path=ppt/slides/slide33.xml><?xml version="1.0" encoding="utf-8"?>
+<file path=ppt/slides/slide25.xml><?xml version="1.0" encoding="utf-8"?>
 <p:sld xmlns:a="http://schemas.openxmlformats.org/drawingml/2006/main" xmlns:r="http://schemas.openxmlformats.org/officeDocument/2006/relationships" xmlns:p="http://schemas.openxmlformats.org/presentationml/2006/main">
   <p:cSld>
     <p:spTree>
@@ -20955,7 +18285,7 @@
 </p:sld>
 </file>
 
-<file path=ppt/slides/slide34.xml><?xml version="1.0" encoding="utf-8"?>
+<file path=ppt/slides/slide26.xml><?xml version="1.0" encoding="utf-8"?>
 <p:sld xmlns:a="http://schemas.openxmlformats.org/drawingml/2006/main" xmlns:r="http://schemas.openxmlformats.org/officeDocument/2006/relationships" xmlns:p="http://schemas.openxmlformats.org/presentationml/2006/main">
   <p:cSld>
     <p:spTree>
@@ -21050,6 +18380,112 @@
 </p:sld>
 </file>
 
+<file path=ppt/slides/slide3.xml><?xml version="1.0" encoding="utf-8"?>
+<p:sld xmlns:a="http://schemas.openxmlformats.org/drawingml/2006/main" xmlns:r="http://schemas.openxmlformats.org/officeDocument/2006/relationships" xmlns:p="http://schemas.openxmlformats.org/presentationml/2006/main">
+  <p:cSld>
+    <p:spTree>
+      <p:nvGrpSpPr>
+        <p:cNvPr id="1" name=""/>
+        <p:cNvGrpSpPr/>
+        <p:nvPr/>
+      </p:nvGrpSpPr>
+      <p:grpSpPr>
+        <a:xfrm>
+          <a:off x="0" y="0"/>
+          <a:ext cx="0" cy="0"/>
+          <a:chOff x="0" y="0"/>
+          <a:chExt cx="0" cy="0"/>
+        </a:xfrm>
+      </p:grpSpPr>
+      <p:sp>
+        <p:nvSpPr>
+          <p:cNvPr id="2" name="Title 1">
+            <a:extLst>
+              <a:ext uri="{FF2B5EF4-FFF2-40B4-BE49-F238E27FC236}">
+                <a16:creationId xmlns:a16="http://schemas.microsoft.com/office/drawing/2014/main" id="{74710D85-8C9D-388F-E1FC-561F624F73D8}"/>
+              </a:ext>
+            </a:extLst>
+          </p:cNvPr>
+          <p:cNvSpPr>
+            <a:spLocks noGrp="1"/>
+          </p:cNvSpPr>
+          <p:nvPr>
+            <p:ph type="ctrTitle"/>
+          </p:nvPr>
+        </p:nvSpPr>
+        <p:spPr/>
+        <p:txBody>
+          <a:bodyPr/>
+          <a:lstStyle/>
+          <a:p>
+            <a:r>
+              <a:rPr lang="en-US" dirty="0"/>
+              <a:t>Effective</a:t>
+            </a:r>
+            <a:br>
+              <a:rPr lang="en-US" dirty="0"/>
+            </a:br>
+            <a:r>
+              <a:rPr lang="en-US" dirty="0"/>
+              <a:t>Data Visualization</a:t>
+            </a:r>
+            <a:br>
+              <a:rPr lang="en-US" dirty="0"/>
+            </a:br>
+            <a:r>
+              <a:rPr lang="en-US" dirty="0"/>
+              <a:t>for Actuaries</a:t>
+            </a:r>
+          </a:p>
+        </p:txBody>
+      </p:sp>
+      <p:sp>
+        <p:nvSpPr>
+          <p:cNvPr id="3" name="Subtitle 2">
+            <a:extLst>
+              <a:ext uri="{FF2B5EF4-FFF2-40B4-BE49-F238E27FC236}">
+                <a16:creationId xmlns:a16="http://schemas.microsoft.com/office/drawing/2014/main" id="{4053B939-82C6-7883-3378-EEEF2C23A74B}"/>
+              </a:ext>
+            </a:extLst>
+          </p:cNvPr>
+          <p:cNvSpPr>
+            <a:spLocks noGrp="1"/>
+          </p:cNvSpPr>
+          <p:nvPr>
+            <p:ph type="subTitle" idx="1"/>
+          </p:nvPr>
+        </p:nvSpPr>
+        <p:spPr/>
+        <p:txBody>
+          <a:bodyPr/>
+          <a:lstStyle/>
+          <a:p>
+            <a:r>
+              <a:rPr lang="en-US" dirty="0"/>
+              <a:t>Brian Fannin</a:t>
+            </a:r>
+          </a:p>
+          <a:p>
+            <a:r>
+              <a:rPr lang="en-US" dirty="0"/>
+              <a:t>Jordan Bonner</a:t>
+            </a:r>
+          </a:p>
+        </p:txBody>
+      </p:sp>
+    </p:spTree>
+    <p:extLst>
+      <p:ext uri="{BB962C8B-B14F-4D97-AF65-F5344CB8AC3E}">
+        <p14:creationId xmlns:p14="http://schemas.microsoft.com/office/powerpoint/2010/main" val="3925388622"/>
+      </p:ext>
+    </p:extLst>
+  </p:cSld>
+  <p:clrMapOvr>
+    <a:masterClrMapping/>
+  </p:clrMapOvr>
+</p:sld>
+</file>
+
 <file path=ppt/slides/slide4.xml><?xml version="1.0" encoding="utf-8"?>
 <p:sld xmlns:a="http://schemas.openxmlformats.org/drawingml/2006/main" xmlns:r="http://schemas.openxmlformats.org/officeDocument/2006/relationships" xmlns:p="http://schemas.openxmlformats.org/presentationml/2006/main">
   <p:cSld>
@@ -21251,7 +18687,7 @@
           <a:p>
             <a:r>
               <a:rPr lang="en-US" sz="3600" b="1" dirty="0"/>
-              <a:t>Data Storytelling</a:t>
+              <a:t>Seeing is Believing</a:t>
             </a:r>
           </a:p>
           <a:p>
@@ -21260,7 +18696,7 @@
           <a:p>
             <a:r>
               <a:rPr lang="en-US" sz="3600" b="1" dirty="0"/>
-              <a:t>Actuarial Visualization</a:t>
+              <a:t>Decoding Complexity</a:t>
             </a:r>
           </a:p>
           <a:p>
@@ -21269,7 +18705,7 @@
           <a:p>
             <a:r>
               <a:rPr lang="en-US" sz="3600" b="1" dirty="0"/>
-              <a:t>Automating Actuarial Exhibits</a:t>
+              <a:t>The Power of Persuasion</a:t>
             </a:r>
           </a:p>
           <a:p>
@@ -21280,7 +18716,7 @@
     </p:spTree>
     <p:extLst>
       <p:ext uri="{BB962C8B-B14F-4D97-AF65-F5344CB8AC3E}">
-        <p14:creationId xmlns:p14="http://schemas.microsoft.com/office/powerpoint/2010/main" val="1338125014"/>
+        <p14:creationId xmlns:p14="http://schemas.microsoft.com/office/powerpoint/2010/main" val="2495535419"/>
       </p:ext>
     </p:extLst>
   </p:cSld>
@@ -21330,7 +18766,7 @@
           <a:p>
             <a:r>
               <a:rPr lang="en-US" dirty="0"/>
-              <a:t>Data storytelling</a:t>
+              <a:t>Seeing is believing</a:t>
             </a:r>
           </a:p>
         </p:txBody>
@@ -21395,7 +18831,7 @@
           <p:cNvPr id="2" name="Title 1">
             <a:extLst>
               <a:ext uri="{FF2B5EF4-FFF2-40B4-BE49-F238E27FC236}">
-                <a16:creationId xmlns:a16="http://schemas.microsoft.com/office/drawing/2014/main" id="{10B17ABD-BE88-D042-5997-22F660D5947A}"/>
+                <a16:creationId xmlns:a16="http://schemas.microsoft.com/office/drawing/2014/main" id="{18969BF5-0288-FD7C-1739-0C8672F3D7F8}"/>
               </a:ext>
             </a:extLst>
           </p:cNvPr>
@@ -21413,58 +18849,521 @@
           <a:p>
             <a:r>
               <a:rPr lang="en-US" dirty="0"/>
-              <a:t>Visualizations should:</a:t>
-            </a:r>
-          </a:p>
-        </p:txBody>
-      </p:sp>
-      <p:sp>
-        <p:nvSpPr>
-          <p:cNvPr id="3" name="Content Placeholder 2">
-            <a:extLst>
-              <a:ext uri="{FF2B5EF4-FFF2-40B4-BE49-F238E27FC236}">
-                <a16:creationId xmlns:a16="http://schemas.microsoft.com/office/drawing/2014/main" id="{F33662A3-4DD5-0500-C0E1-EA5CF57A5ABC}"/>
-              </a:ext>
-            </a:extLst>
-          </p:cNvPr>
-          <p:cNvSpPr>
-            <a:spLocks noGrp="1"/>
-          </p:cNvSpPr>
-          <p:nvPr>
-            <p:ph idx="1"/>
-          </p:nvPr>
-        </p:nvSpPr>
-        <p:spPr/>
-        <p:txBody>
-          <a:bodyPr/>
-          <a:lstStyle/>
-          <a:p>
-            <a:pPr marL="0" indent="0">
-              <a:buNone/>
-            </a:pPr>
-            <a:endParaRPr lang="en-US" sz="4000" dirty="0"/>
-          </a:p>
-          <a:p>
-            <a:r>
-              <a:rPr lang="en-US" sz="4000" b="1" dirty="0"/>
-              <a:t>Be Easily Interpreted</a:t>
-            </a:r>
-          </a:p>
-          <a:p>
-            <a:endParaRPr lang="en-US" sz="2400" b="1" dirty="0"/>
-          </a:p>
-          <a:p>
-            <a:r>
-              <a:rPr lang="en-US" sz="4000" b="1" dirty="0"/>
-              <a:t>Tell a Story</a:t>
-            </a:r>
-          </a:p>
-        </p:txBody>
-      </p:sp>
+              <a:t>Seeing is Believing</a:t>
+            </a:r>
+          </a:p>
+        </p:txBody>
+      </p:sp>
+      <mc:AlternateContent xmlns:mc="http://schemas.openxmlformats.org/markup-compatibility/2006">
+        <mc:Choice xmlns:a14="http://schemas.microsoft.com/office/drawing/2010/main" Requires="a14">
+          <p:sp>
+            <p:nvSpPr>
+              <p:cNvPr id="7" name="Rectangle 6">
+                <a:extLst>
+                  <a:ext uri="{FF2B5EF4-FFF2-40B4-BE49-F238E27FC236}">
+                    <a16:creationId xmlns:a16="http://schemas.microsoft.com/office/drawing/2014/main" id="{C6BCF7F9-C050-C1EC-CD19-FD4AB58ABEA3}"/>
+                  </a:ext>
+                </a:extLst>
+              </p:cNvPr>
+              <p:cNvSpPr/>
+              <p:nvPr/>
+            </p:nvSpPr>
+            <p:spPr>
+              <a:xfrm>
+                <a:off x="1981200" y="2590800"/>
+                <a:ext cx="5259421" cy="2667000"/>
+              </a:xfrm>
+              <a:prstGeom prst="rect">
+                <a:avLst/>
+              </a:prstGeom>
+              <a:noFill/>
+              <a:ln>
+                <a:noFill/>
+              </a:ln>
+            </p:spPr>
+            <p:style>
+              <a:lnRef idx="2">
+                <a:schemeClr val="accent1">
+                  <a:shade val="50000"/>
+                </a:schemeClr>
+              </a:lnRef>
+              <a:fillRef idx="1">
+                <a:schemeClr val="accent1"/>
+              </a:fillRef>
+              <a:effectRef idx="0">
+                <a:schemeClr val="accent1"/>
+              </a:effectRef>
+              <a:fontRef idx="minor">
+                <a:schemeClr val="lt1"/>
+              </a:fontRef>
+            </p:style>
+            <p:txBody>
+              <a:bodyPr rtlCol="0" anchor="ctr"/>
+              <a:lstStyle/>
+              <a:p>
+                <a:pPr algn="ctr"/>
+                <a:r>
+                  <a:rPr lang="en-US" sz="2400" b="1" dirty="0">
+                    <a:solidFill>
+                      <a:schemeClr val="tx1"/>
+                    </a:solidFill>
+                    <a:latin typeface="Arial" panose="020B0604020202020204" pitchFamily="34" charset="0"/>
+                    <a:cs typeface="Arial" panose="020B0604020202020204" pitchFamily="34" charset="0"/>
+                  </a:rPr>
+                  <a:t>Imagine you have two sets of points with similar:</a:t>
+                </a:r>
+              </a:p>
+              <a:p>
+                <a:pPr marL="342900" indent="-342900">
+                  <a:buFont typeface="Arial" panose="020B0604020202020204" pitchFamily="34" charset="0"/>
+                  <a:buChar char="•"/>
+                </a:pPr>
+                <a:r>
+                  <a:rPr lang="en-US" sz="2400" dirty="0">
+                    <a:solidFill>
+                      <a:schemeClr val="tx1"/>
+                    </a:solidFill>
+                    <a:latin typeface="Arial" panose="020B0604020202020204" pitchFamily="34" charset="0"/>
+                    <a:cs typeface="Arial" panose="020B0604020202020204" pitchFamily="34" charset="0"/>
+                  </a:rPr>
+                  <a:t>means (</a:t>
+                </a:r>
+                <a14:m>
+                  <m:oMath xmlns:m="http://schemas.openxmlformats.org/officeDocument/2006/math">
+                    <m:acc>
+                      <m:accPr>
+                        <m:chr m:val="̅"/>
+                        <m:ctrlPr>
+                          <a:rPr lang="en-US" sz="2400" i="1" dirty="0">
+                            <a:solidFill>
+                              <a:schemeClr val="tx1"/>
+                            </a:solidFill>
+                            <a:latin typeface="Cambria Math" panose="02040503050406030204" pitchFamily="18" charset="0"/>
+                          </a:rPr>
+                        </m:ctrlPr>
+                      </m:accPr>
+                      <m:e>
+                        <m:r>
+                          <a:rPr lang="en-US" sz="2400" b="0" i="1" dirty="0">
+                            <a:solidFill>
+                              <a:schemeClr val="tx1"/>
+                            </a:solidFill>
+                            <a:latin typeface="Cambria Math" panose="02040503050406030204" pitchFamily="18" charset="0"/>
+                          </a:rPr>
+                          <m:t>𝑥</m:t>
+                        </m:r>
+                      </m:e>
+                    </m:acc>
+                  </m:oMath>
+                </a14:m>
+                <a:r>
+                  <a:rPr lang="en-US" sz="2400" dirty="0">
+                    <a:solidFill>
+                      <a:schemeClr val="tx1"/>
+                    </a:solidFill>
+                  </a:rPr>
+                  <a:t>, </a:t>
+                </a:r>
+                <a14:m>
+                  <m:oMath xmlns:m="http://schemas.openxmlformats.org/officeDocument/2006/math">
+                    <m:acc>
+                      <m:accPr>
+                        <m:chr m:val="̅"/>
+                        <m:ctrlPr>
+                          <a:rPr lang="en-US" sz="2400" i="1" dirty="0">
+                            <a:solidFill>
+                              <a:schemeClr val="tx1"/>
+                            </a:solidFill>
+                            <a:latin typeface="Cambria Math" panose="02040503050406030204" pitchFamily="18" charset="0"/>
+                          </a:rPr>
+                        </m:ctrlPr>
+                      </m:accPr>
+                      <m:e>
+                        <m:r>
+                          <a:rPr lang="en-US" sz="2400" b="0" i="1" dirty="0">
+                            <a:solidFill>
+                              <a:schemeClr val="tx1"/>
+                            </a:solidFill>
+                            <a:latin typeface="Cambria Math" panose="02040503050406030204" pitchFamily="18" charset="0"/>
+                          </a:rPr>
+                          <m:t>𝑦</m:t>
+                        </m:r>
+                      </m:e>
+                    </m:acc>
+                  </m:oMath>
+                </a14:m>
+                <a:r>
+                  <a:rPr lang="en-US" sz="2400" dirty="0">
+                    <a:solidFill>
+                      <a:schemeClr val="tx1"/>
+                    </a:solidFill>
+                    <a:latin typeface="Arial" panose="020B0604020202020204" pitchFamily="34" charset="0"/>
+                    <a:cs typeface="Arial" panose="020B0604020202020204" pitchFamily="34" charset="0"/>
+                  </a:rPr>
+                  <a:t>)</a:t>
+                </a:r>
+              </a:p>
+              <a:p>
+                <a:pPr marL="342900" indent="-342900">
+                  <a:buFont typeface="Arial" panose="020B0604020202020204" pitchFamily="34" charset="0"/>
+                  <a:buChar char="•"/>
+                </a:pPr>
+                <a:r>
+                  <a:rPr lang="en-US" sz="2400" dirty="0">
+                    <a:solidFill>
+                      <a:schemeClr val="tx1"/>
+                    </a:solidFill>
+                    <a:latin typeface="Arial" panose="020B0604020202020204" pitchFamily="34" charset="0"/>
+                    <a:cs typeface="Arial" panose="020B0604020202020204" pitchFamily="34" charset="0"/>
+                  </a:rPr>
+                  <a:t>sample variances (</a:t>
+                </a:r>
+                <a14:m>
+                  <m:oMath xmlns:m="http://schemas.openxmlformats.org/officeDocument/2006/math">
+                    <m:sSubSup>
+                      <m:sSubSupPr>
+                        <m:ctrlPr>
+                          <a:rPr lang="en-US" sz="2400" i="1" dirty="0">
+                            <a:solidFill>
+                              <a:schemeClr val="tx1"/>
+                            </a:solidFill>
+                            <a:latin typeface="Cambria Math" panose="02040503050406030204" pitchFamily="18" charset="0"/>
+                          </a:rPr>
+                        </m:ctrlPr>
+                      </m:sSubSupPr>
+                      <m:e>
+                        <m:r>
+                          <a:rPr lang="en-US" sz="2400" b="0" i="1" dirty="0">
+                            <a:solidFill>
+                              <a:schemeClr val="tx1"/>
+                            </a:solidFill>
+                            <a:latin typeface="Cambria Math" panose="02040503050406030204" pitchFamily="18" charset="0"/>
+                          </a:rPr>
+                          <m:t>𝑠</m:t>
+                        </m:r>
+                      </m:e>
+                      <m:sub>
+                        <m:r>
+                          <a:rPr lang="en-US" sz="2400" b="0" i="1" dirty="0">
+                            <a:solidFill>
+                              <a:schemeClr val="tx1"/>
+                            </a:solidFill>
+                            <a:latin typeface="Cambria Math" panose="02040503050406030204" pitchFamily="18" charset="0"/>
+                          </a:rPr>
+                          <m:t>𝑥</m:t>
+                        </m:r>
+                      </m:sub>
+                      <m:sup>
+                        <m:r>
+                          <a:rPr lang="en-US" sz="2400" b="0" i="1" dirty="0">
+                            <a:solidFill>
+                              <a:schemeClr val="tx1"/>
+                            </a:solidFill>
+                            <a:latin typeface="Cambria Math" panose="02040503050406030204" pitchFamily="18" charset="0"/>
+                          </a:rPr>
+                          <m:t>2</m:t>
+                        </m:r>
+                      </m:sup>
+                    </m:sSubSup>
+                  </m:oMath>
+                </a14:m>
+                <a:r>
+                  <a:rPr lang="en-US" sz="2400" dirty="0">
+                    <a:solidFill>
+                      <a:schemeClr val="tx1"/>
+                    </a:solidFill>
+                  </a:rPr>
+                  <a:t>, </a:t>
+                </a:r>
+                <a14:m>
+                  <m:oMath xmlns:m="http://schemas.openxmlformats.org/officeDocument/2006/math">
+                    <m:sSubSup>
+                      <m:sSubSupPr>
+                        <m:ctrlPr>
+                          <a:rPr lang="en-US" sz="2400" i="1" dirty="0">
+                            <a:solidFill>
+                              <a:schemeClr val="tx1"/>
+                            </a:solidFill>
+                            <a:latin typeface="Cambria Math" panose="02040503050406030204" pitchFamily="18" charset="0"/>
+                          </a:rPr>
+                        </m:ctrlPr>
+                      </m:sSubSupPr>
+                      <m:e>
+                        <m:r>
+                          <a:rPr lang="en-US" sz="2400" b="0" i="1" dirty="0">
+                            <a:solidFill>
+                              <a:schemeClr val="tx1"/>
+                            </a:solidFill>
+                            <a:latin typeface="Cambria Math" panose="02040503050406030204" pitchFamily="18" charset="0"/>
+                          </a:rPr>
+                          <m:t>𝑠</m:t>
+                        </m:r>
+                      </m:e>
+                      <m:sub>
+                        <m:r>
+                          <a:rPr lang="en-US" sz="2400" b="0" i="1" dirty="0">
+                            <a:solidFill>
+                              <a:schemeClr val="tx1"/>
+                            </a:solidFill>
+                            <a:latin typeface="Cambria Math" panose="02040503050406030204" pitchFamily="18" charset="0"/>
+                          </a:rPr>
+                          <m:t>𝑦</m:t>
+                        </m:r>
+                      </m:sub>
+                      <m:sup>
+                        <m:r>
+                          <a:rPr lang="en-US" sz="2400" b="0" i="1" dirty="0">
+                            <a:solidFill>
+                              <a:schemeClr val="tx1"/>
+                            </a:solidFill>
+                            <a:latin typeface="Cambria Math" panose="02040503050406030204" pitchFamily="18" charset="0"/>
+                          </a:rPr>
+                          <m:t>2</m:t>
+                        </m:r>
+                      </m:sup>
+                    </m:sSubSup>
+                  </m:oMath>
+                </a14:m>
+                <a:r>
+                  <a:rPr lang="en-US" sz="2400" dirty="0">
+                    <a:solidFill>
+                      <a:schemeClr val="tx1"/>
+                    </a:solidFill>
+                    <a:latin typeface="Arial" panose="020B0604020202020204" pitchFamily="34" charset="0"/>
+                    <a:cs typeface="Arial" panose="020B0604020202020204" pitchFamily="34" charset="0"/>
+                  </a:rPr>
+                  <a:t>)</a:t>
+                </a:r>
+              </a:p>
+              <a:p>
+                <a:pPr marL="342900" indent="-342900">
+                  <a:buFont typeface="Arial" panose="020B0604020202020204" pitchFamily="34" charset="0"/>
+                  <a:buChar char="•"/>
+                </a:pPr>
+                <a:r>
+                  <a:rPr lang="en-US" sz="2400" dirty="0">
+                    <a:solidFill>
+                      <a:schemeClr val="tx1"/>
+                    </a:solidFill>
+                    <a:latin typeface="Arial" panose="020B0604020202020204" pitchFamily="34" charset="0"/>
+                    <a:cs typeface="Arial" panose="020B0604020202020204" pitchFamily="34" charset="0"/>
+                  </a:rPr>
+                  <a:t>correlation (</a:t>
+                </a:r>
+                <a14:m>
+                  <m:oMath xmlns:m="http://schemas.openxmlformats.org/officeDocument/2006/math">
+                    <m:sSub>
+                      <m:sSubPr>
+                        <m:ctrlPr>
+                          <a:rPr lang="en-US" sz="2400" i="1" dirty="0" smtClean="0">
+                            <a:solidFill>
+                              <a:schemeClr val="tx1"/>
+                            </a:solidFill>
+                            <a:latin typeface="Cambria Math" panose="02040503050406030204" pitchFamily="18" charset="0"/>
+                          </a:rPr>
+                        </m:ctrlPr>
+                      </m:sSubPr>
+                      <m:e>
+                        <m:r>
+                          <a:rPr lang="en-US" sz="2400" b="0" i="1" dirty="0" smtClean="0">
+                            <a:solidFill>
+                              <a:schemeClr val="tx1"/>
+                            </a:solidFill>
+                            <a:latin typeface="Cambria Math" panose="02040503050406030204" pitchFamily="18" charset="0"/>
+                            <a:ea typeface="Cambria Math" panose="02040503050406030204" pitchFamily="18" charset="0"/>
+                          </a:rPr>
+                          <m:t>𝜌</m:t>
+                        </m:r>
+                      </m:e>
+                      <m:sub>
+                        <m:r>
+                          <a:rPr lang="en-US" sz="2400" b="0" i="1" dirty="0" smtClean="0">
+                            <a:solidFill>
+                              <a:schemeClr val="tx1"/>
+                            </a:solidFill>
+                            <a:latin typeface="Cambria Math" panose="02040503050406030204" pitchFamily="18" charset="0"/>
+                          </a:rPr>
+                          <m:t>𝑥𝑦</m:t>
+                        </m:r>
+                      </m:sub>
+                    </m:sSub>
+                  </m:oMath>
+                </a14:m>
+                <a:r>
+                  <a:rPr lang="en-US" sz="2400" dirty="0">
+                    <a:solidFill>
+                      <a:schemeClr val="tx1"/>
+                    </a:solidFill>
+                    <a:latin typeface="Arial" panose="020B0604020202020204" pitchFamily="34" charset="0"/>
+                    <a:cs typeface="Arial" panose="020B0604020202020204" pitchFamily="34" charset="0"/>
+                  </a:rPr>
+                  <a:t>),</a:t>
+                </a:r>
+              </a:p>
+              <a:p>
+                <a:pPr marL="342900" indent="-342900">
+                  <a:buFont typeface="Arial" panose="020B0604020202020204" pitchFamily="34" charset="0"/>
+                  <a:buChar char="•"/>
+                </a:pPr>
+                <a:r>
+                  <a:rPr lang="en-US" sz="2400" dirty="0">
+                    <a:solidFill>
+                      <a:schemeClr val="tx1"/>
+                    </a:solidFill>
+                    <a:latin typeface="Arial" panose="020B0604020202020204" pitchFamily="34" charset="0"/>
+                    <a:cs typeface="Arial" panose="020B0604020202020204" pitchFamily="34" charset="0"/>
+                  </a:rPr>
+                  <a:t>coefficient of determination (</a:t>
+                </a:r>
+                <a14:m>
+                  <m:oMath xmlns:m="http://schemas.openxmlformats.org/officeDocument/2006/math">
+                    <m:sSup>
+                      <m:sSupPr>
+                        <m:ctrlPr>
+                          <a:rPr lang="en-US" sz="2400" i="1" dirty="0">
+                            <a:solidFill>
+                              <a:schemeClr val="tx1"/>
+                            </a:solidFill>
+                            <a:latin typeface="Cambria Math" panose="02040503050406030204" pitchFamily="18" charset="0"/>
+                          </a:rPr>
+                        </m:ctrlPr>
+                      </m:sSupPr>
+                      <m:e>
+                        <m:r>
+                          <a:rPr lang="en-US" sz="2400" b="0" i="1" dirty="0">
+                            <a:solidFill>
+                              <a:schemeClr val="tx1"/>
+                            </a:solidFill>
+                            <a:latin typeface="Cambria Math" panose="02040503050406030204" pitchFamily="18" charset="0"/>
+                          </a:rPr>
+                          <m:t>𝑅</m:t>
+                        </m:r>
+                      </m:e>
+                      <m:sup>
+                        <m:r>
+                          <a:rPr lang="en-US" sz="2400" b="0" i="1" dirty="0">
+                            <a:solidFill>
+                              <a:schemeClr val="tx1"/>
+                            </a:solidFill>
+                            <a:latin typeface="Cambria Math" panose="02040503050406030204" pitchFamily="18" charset="0"/>
+                          </a:rPr>
+                          <m:t>2</m:t>
+                        </m:r>
+                      </m:sup>
+                    </m:sSup>
+                  </m:oMath>
+                </a14:m>
+                <a:r>
+                  <a:rPr lang="en-US" sz="2400" dirty="0">
+                    <a:solidFill>
+                      <a:schemeClr val="tx1"/>
+                    </a:solidFill>
+                    <a:latin typeface="Arial" panose="020B0604020202020204" pitchFamily="34" charset="0"/>
+                    <a:cs typeface="Arial" panose="020B0604020202020204" pitchFamily="34" charset="0"/>
+                  </a:rPr>
+                  <a:t>)</a:t>
+                </a:r>
+              </a:p>
+              <a:p>
+                <a:pPr marL="342900" indent="-342900">
+                  <a:buFont typeface="Arial" panose="020B0604020202020204" pitchFamily="34" charset="0"/>
+                  <a:buChar char="•"/>
+                </a:pPr>
+                <a:r>
+                  <a:rPr lang="en-US" sz="2400" dirty="0">
+                    <a:solidFill>
+                      <a:schemeClr val="tx1"/>
+                    </a:solidFill>
+                    <a:latin typeface="Arial" panose="020B0604020202020204" pitchFamily="34" charset="0"/>
+                    <a:cs typeface="Arial" panose="020B0604020202020204" pitchFamily="34" charset="0"/>
+                  </a:rPr>
+                  <a:t>regression line</a:t>
+                </a:r>
+              </a:p>
+              <a:p>
+                <a:pPr algn="ctr"/>
+                <a:br>
+                  <a:rPr lang="en-US" sz="2400" b="1" dirty="0">
+                    <a:solidFill>
+                      <a:schemeClr val="tx1"/>
+                    </a:solidFill>
+                    <a:latin typeface="Arial" panose="020B0604020202020204" pitchFamily="34" charset="0"/>
+                    <a:cs typeface="Arial" panose="020B0604020202020204" pitchFamily="34" charset="0"/>
+                  </a:rPr>
+                </a:br>
+                <a:r>
+                  <a:rPr lang="en-US" sz="2400" b="1" dirty="0">
+                    <a:solidFill>
+                      <a:schemeClr val="tx1"/>
+                    </a:solidFill>
+                    <a:latin typeface="Arial" panose="020B0604020202020204" pitchFamily="34" charset="0"/>
+                    <a:cs typeface="Arial" panose="020B0604020202020204" pitchFamily="34" charset="0"/>
+                  </a:rPr>
+                  <a:t>How similar might these datasets be?</a:t>
+                </a:r>
+                <a:endParaRPr lang="en-US" sz="2400" dirty="0">
+                  <a:solidFill>
+                    <a:schemeClr val="tx1"/>
+                  </a:solidFill>
+                  <a:latin typeface="Arial" panose="020B0604020202020204" pitchFamily="34" charset="0"/>
+                  <a:cs typeface="Arial" panose="020B0604020202020204" pitchFamily="34" charset="0"/>
+                </a:endParaRPr>
+              </a:p>
+            </p:txBody>
+          </p:sp>
+        </mc:Choice>
+        <mc:Fallback>
+          <p:sp>
+            <p:nvSpPr>
+              <p:cNvPr id="7" name="Rectangle 6">
+                <a:extLst>
+                  <a:ext uri="{FF2B5EF4-FFF2-40B4-BE49-F238E27FC236}">
+                    <a16:creationId xmlns:a16="http://schemas.microsoft.com/office/drawing/2014/main" id="{C6BCF7F9-C050-C1EC-CD19-FD4AB58ABEA3}"/>
+                  </a:ext>
+                </a:extLst>
+              </p:cNvPr>
+              <p:cNvSpPr>
+                <a:spLocks noRot="1" noChangeAspect="1" noMove="1" noResize="1" noEditPoints="1" noAdjustHandles="1" noChangeArrowheads="1" noChangeShapeType="1" noTextEdit="1"/>
+              </p:cNvSpPr>
+              <p:nvPr/>
+            </p:nvSpPr>
+            <p:spPr>
+              <a:xfrm>
+                <a:off x="1981200" y="2590800"/>
+                <a:ext cx="5259421" cy="2667000"/>
+              </a:xfrm>
+              <a:prstGeom prst="rect">
+                <a:avLst/>
+              </a:prstGeom>
+              <a:blipFill>
+                <a:blip r:embed="rId2"/>
+                <a:stretch>
+                  <a:fillRect l="-1506" t="-23059" b="-26712"/>
+                </a:stretch>
+              </a:blipFill>
+              <a:ln>
+                <a:noFill/>
+              </a:ln>
+            </p:spPr>
+            <p:txBody>
+              <a:bodyPr/>
+              <a:lstStyle/>
+              <a:p>
+                <a:r>
+                  <a:rPr lang="en-US">
+                    <a:noFill/>
+                  </a:rPr>
+                  <a:t> </a:t>
+                </a:r>
+              </a:p>
+            </p:txBody>
+          </p:sp>
+        </mc:Fallback>
+      </mc:AlternateContent>
     </p:spTree>
     <p:extLst>
       <p:ext uri="{BB962C8B-B14F-4D97-AF65-F5344CB8AC3E}">
-        <p14:creationId xmlns:p14="http://schemas.microsoft.com/office/powerpoint/2010/main" val="2741569399"/>
+        <p14:creationId xmlns:p14="http://schemas.microsoft.com/office/powerpoint/2010/main" val="205080381"/>
       </p:ext>
     </p:extLst>
   </p:cSld>
@@ -21507,29 +19406,24 @@
             <p:ph type="title"/>
           </p:nvPr>
         </p:nvSpPr>
-        <p:spPr>
-          <a:xfrm>
-            <a:off x="1066800" y="274638"/>
-            <a:ext cx="7772400" cy="1143000"/>
-          </a:xfrm>
-        </p:spPr>
+        <p:spPr/>
         <p:txBody>
           <a:bodyPr/>
           <a:lstStyle/>
           <a:p>
             <a:r>
               <a:rPr lang="en-US" dirty="0"/>
-              <a:t>Initial Example: Fitted Severity</a:t>
+              <a:t>Anscombe’s Quartet</a:t>
             </a:r>
           </a:p>
         </p:txBody>
       </p:sp>
       <p:pic>
         <p:nvPicPr>
-          <p:cNvPr id="4" name="Picture 3">
+          <p:cNvPr id="3" name="Picture 2">
             <a:extLst>
               <a:ext uri="{FF2B5EF4-FFF2-40B4-BE49-F238E27FC236}">
-                <a16:creationId xmlns:a16="http://schemas.microsoft.com/office/drawing/2014/main" id="{E725ABD2-C6D9-F502-2921-0DC1A1664FD0}"/>
+                <a16:creationId xmlns:a16="http://schemas.microsoft.com/office/drawing/2014/main" id="{A7EF95ED-D8F3-6D8A-77DF-8B91594C2B97}"/>
               </a:ext>
             </a:extLst>
           </p:cNvPr>
@@ -21539,7 +19433,7 @@
           <p:nvPr/>
         </p:nvPicPr>
         <p:blipFill>
-          <a:blip r:embed="rId2" r:link="rId3" cstate="print">
+          <a:blip r:embed="rId2" r:link="rId3">
             <a:extLst>
               <a:ext uri="{28A0092B-C50C-407E-A947-70E740481C1C}">
                 <a14:useLocalDpi xmlns:a14="http://schemas.microsoft.com/office/drawing/2010/main" val="0"/>
@@ -21553,214 +19447,559 @@
         </p:blipFill>
         <p:spPr>
           <a:xfrm>
-            <a:off x="2971801" y="1447801"/>
-            <a:ext cx="5943597" cy="3962398"/>
+            <a:off x="264268" y="2133600"/>
+            <a:ext cx="6674643" cy="4449762"/>
           </a:xfrm>
           <a:prstGeom prst="rect">
             <a:avLst/>
           </a:prstGeom>
         </p:spPr>
       </p:pic>
-      <p:sp>
-        <p:nvSpPr>
-          <p:cNvPr id="5" name="TextBox 4">
-            <a:extLst>
-              <a:ext uri="{FF2B5EF4-FFF2-40B4-BE49-F238E27FC236}">
-                <a16:creationId xmlns:a16="http://schemas.microsoft.com/office/drawing/2014/main" id="{2CA6CE52-CDE9-6BD5-D02A-0B9CDE177F35}"/>
-              </a:ext>
-            </a:extLst>
-          </p:cNvPr>
-          <p:cNvSpPr txBox="1"/>
-          <p:nvPr/>
-        </p:nvSpPr>
-        <p:spPr>
-          <a:xfrm>
-            <a:off x="228601" y="2514600"/>
-            <a:ext cx="2431673" cy="1384995"/>
-          </a:xfrm>
-          <a:prstGeom prst="rect">
-            <a:avLst/>
-          </a:prstGeom>
-          <a:noFill/>
-        </p:spPr>
-        <p:txBody>
-          <a:bodyPr wrap="square" rtlCol="0">
-            <a:spAutoFit/>
-          </a:bodyPr>
-          <a:lstStyle/>
-          <a:p>
-            <a:pPr algn="ctr"/>
-            <a:r>
-              <a:rPr lang="en-US" sz="2800" dirty="0">
-                <a:latin typeface="Arial" panose="020B0604020202020204" pitchFamily="34" charset="0"/>
-                <a:cs typeface="Arial" panose="020B0604020202020204" pitchFamily="34" charset="0"/>
-              </a:rPr>
-              <a:t>How can we improve upon this chart?</a:t>
-            </a:r>
-          </a:p>
-        </p:txBody>
-      </p:sp>
-      <p:sp>
-        <p:nvSpPr>
-          <p:cNvPr id="3" name="TextBox 2">
-            <a:extLst>
-              <a:ext uri="{FF2B5EF4-FFF2-40B4-BE49-F238E27FC236}">
-                <a16:creationId xmlns:a16="http://schemas.microsoft.com/office/drawing/2014/main" id="{D90ECCA0-06AB-B8AB-4B22-AA383E47AE34}"/>
-              </a:ext>
-            </a:extLst>
-          </p:cNvPr>
-          <p:cNvSpPr txBox="1"/>
-          <p:nvPr/>
-        </p:nvSpPr>
-        <p:spPr>
-          <a:xfrm>
-            <a:off x="260498" y="5181600"/>
-            <a:ext cx="7588101" cy="830997"/>
-          </a:xfrm>
-          <a:prstGeom prst="rect">
-            <a:avLst/>
-          </a:prstGeom>
-          <a:noFill/>
-        </p:spPr>
-        <p:txBody>
-          <a:bodyPr wrap="square" rtlCol="0">
-            <a:spAutoFit/>
-          </a:bodyPr>
-          <a:lstStyle/>
-          <a:p>
-            <a:r>
-              <a:rPr lang="en-US" sz="1200" dirty="0">
-                <a:latin typeface="Consolas" panose="020B0609020204030204" pitchFamily="49" charset="0"/>
-              </a:rPr>
-              <a:t>p &lt;- data |&gt;</a:t>
-            </a:r>
-          </a:p>
-          <a:p>
-            <a:r>
-              <a:rPr lang="en-US" sz="1200" dirty="0">
-                <a:latin typeface="Consolas" panose="020B0609020204030204" pitchFamily="49" charset="0"/>
-              </a:rPr>
-              <a:t>  </a:t>
-            </a:r>
-            <a:r>
-              <a:rPr lang="en-US" sz="1200" dirty="0" err="1">
-                <a:latin typeface="Consolas" panose="020B0609020204030204" pitchFamily="49" charset="0"/>
-              </a:rPr>
-              <a:t>geom_histogram</a:t>
-            </a:r>
-            <a:r>
-              <a:rPr lang="en-US" sz="1200" dirty="0">
-                <a:latin typeface="Consolas" panose="020B0609020204030204" pitchFamily="49" charset="0"/>
-              </a:rPr>
-              <a:t>(</a:t>
-            </a:r>
-            <a:r>
-              <a:rPr lang="en-US" sz="1200" dirty="0" err="1">
-                <a:latin typeface="Consolas" panose="020B0609020204030204" pitchFamily="49" charset="0"/>
-              </a:rPr>
-              <a:t>aes</a:t>
-            </a:r>
-            <a:r>
-              <a:rPr lang="en-US" sz="1200" dirty="0">
-                <a:latin typeface="Consolas" panose="020B0609020204030204" pitchFamily="49" charset="0"/>
-              </a:rPr>
-              <a:t>(x = loss, </a:t>
-            </a:r>
-            <a:r>
-              <a:rPr lang="en-US" sz="1200" dirty="0" err="1">
-                <a:latin typeface="Consolas" panose="020B0609020204030204" pitchFamily="49" charset="0"/>
-              </a:rPr>
-              <a:t>after_stat</a:t>
-            </a:r>
-            <a:r>
-              <a:rPr lang="en-US" sz="1200" dirty="0">
-                <a:latin typeface="Consolas" panose="020B0609020204030204" pitchFamily="49" charset="0"/>
-              </a:rPr>
-              <a:t>(density)) +</a:t>
-            </a:r>
-          </a:p>
-          <a:p>
-            <a:r>
-              <a:rPr lang="en-US" sz="1200" dirty="0">
-                <a:latin typeface="Consolas" panose="020B0609020204030204" pitchFamily="49" charset="0"/>
-              </a:rPr>
-              <a:t>  </a:t>
-            </a:r>
-            <a:r>
-              <a:rPr lang="en-US" sz="1200" dirty="0" err="1">
-                <a:latin typeface="Consolas" panose="020B0609020204030204" pitchFamily="49" charset="0"/>
-              </a:rPr>
-              <a:t>stat_function</a:t>
-            </a:r>
-            <a:r>
-              <a:rPr lang="en-US" sz="1200" dirty="0">
-                <a:latin typeface="Consolas" panose="020B0609020204030204" pitchFamily="49" charset="0"/>
-              </a:rPr>
-              <a:t>(fun = </a:t>
-            </a:r>
-            <a:r>
-              <a:rPr lang="en-US" sz="1200" dirty="0" err="1">
-                <a:latin typeface="Consolas" panose="020B0609020204030204" pitchFamily="49" charset="0"/>
-              </a:rPr>
-              <a:t>dlnorm</a:t>
-            </a:r>
-            <a:r>
-              <a:rPr lang="en-US" sz="1200" dirty="0">
-                <a:latin typeface="Consolas" panose="020B0609020204030204" pitchFamily="49" charset="0"/>
-              </a:rPr>
-              <a:t>,</a:t>
-            </a:r>
-          </a:p>
-          <a:p>
-            <a:r>
-              <a:rPr lang="en-US" sz="1200" dirty="0">
-                <a:latin typeface="Consolas" panose="020B0609020204030204" pitchFamily="49" charset="0"/>
-              </a:rPr>
-              <a:t>                </a:t>
-            </a:r>
-            <a:r>
-              <a:rPr lang="en-US" sz="1200" dirty="0" err="1">
-                <a:latin typeface="Consolas" panose="020B0609020204030204" pitchFamily="49" charset="0"/>
-              </a:rPr>
-              <a:t>args</a:t>
-            </a:r>
-            <a:r>
-              <a:rPr lang="en-US" sz="1200" dirty="0">
-                <a:latin typeface="Consolas" panose="020B0609020204030204" pitchFamily="49" charset="0"/>
-              </a:rPr>
-              <a:t> = list(</a:t>
-            </a:r>
-            <a:r>
-              <a:rPr lang="en-US" sz="1200" dirty="0" err="1">
-                <a:latin typeface="Consolas" panose="020B0609020204030204" pitchFamily="49" charset="0"/>
-              </a:rPr>
-              <a:t>meanlog</a:t>
-            </a:r>
-            <a:r>
-              <a:rPr lang="en-US" sz="1200" dirty="0">
-                <a:latin typeface="Consolas" panose="020B0609020204030204" pitchFamily="49" charset="0"/>
-              </a:rPr>
-              <a:t> = 10, </a:t>
-            </a:r>
-            <a:r>
-              <a:rPr lang="en-US" sz="1200" dirty="0" err="1">
-                <a:latin typeface="Consolas" panose="020B0609020204030204" pitchFamily="49" charset="0"/>
-              </a:rPr>
-              <a:t>sdlog</a:t>
-            </a:r>
-            <a:r>
-              <a:rPr lang="en-US" sz="1200" dirty="0">
-                <a:latin typeface="Consolas" panose="020B0609020204030204" pitchFamily="49" charset="0"/>
-              </a:rPr>
-              <a:t> = 1.0))</a:t>
-            </a:r>
-          </a:p>
-        </p:txBody>
-      </p:sp>
+      <mc:AlternateContent xmlns:mc="http://schemas.openxmlformats.org/markup-compatibility/2006">
+        <mc:Choice xmlns:a14="http://schemas.microsoft.com/office/drawing/2010/main" Requires="a14">
+          <p:sp>
+            <p:nvSpPr>
+              <p:cNvPr id="7" name="Rectangle 6">
+                <a:extLst>
+                  <a:ext uri="{FF2B5EF4-FFF2-40B4-BE49-F238E27FC236}">
+                    <a16:creationId xmlns:a16="http://schemas.microsoft.com/office/drawing/2014/main" id="{C6BCF7F9-C050-C1EC-CD19-FD4AB58ABEA3}"/>
+                  </a:ext>
+                </a:extLst>
+              </p:cNvPr>
+              <p:cNvSpPr/>
+              <p:nvPr/>
+            </p:nvSpPr>
+            <p:spPr>
+              <a:xfrm>
+                <a:off x="7086600" y="2140085"/>
+                <a:ext cx="1982821" cy="2667000"/>
+              </a:xfrm>
+              <a:prstGeom prst="rect">
+                <a:avLst/>
+              </a:prstGeom>
+              <a:noFill/>
+              <a:ln>
+                <a:noFill/>
+              </a:ln>
+            </p:spPr>
+            <p:style>
+              <a:lnRef idx="2">
+                <a:schemeClr val="accent1">
+                  <a:shade val="50000"/>
+                </a:schemeClr>
+              </a:lnRef>
+              <a:fillRef idx="1">
+                <a:schemeClr val="accent1"/>
+              </a:fillRef>
+              <a:effectRef idx="0">
+                <a:schemeClr val="accent1"/>
+              </a:effectRef>
+              <a:fontRef idx="minor">
+                <a:schemeClr val="lt1"/>
+              </a:fontRef>
+            </p:style>
+            <p:txBody>
+              <a:bodyPr rtlCol="0" anchor="ctr"/>
+              <a:lstStyle/>
+              <a:p>
+                <a:pPr algn="ctr"/>
+                <a:r>
+                  <a:rPr lang="en-US" sz="2000" b="1" dirty="0">
+                    <a:solidFill>
+                      <a:schemeClr val="tx1"/>
+                    </a:solidFill>
+                    <a:latin typeface="Arial" panose="020B0604020202020204" pitchFamily="34" charset="0"/>
+                    <a:cs typeface="Arial" panose="020B0604020202020204" pitchFamily="34" charset="0"/>
+                  </a:rPr>
+                  <a:t>Descriptive Statistics Shared:</a:t>
+                </a:r>
+                <a:endParaRPr lang="en-US" sz="2000" i="1" dirty="0">
+                  <a:solidFill>
+                    <a:schemeClr val="tx1"/>
+                  </a:solidFill>
+                  <a:latin typeface="Arial" panose="020B0604020202020204" pitchFamily="34" charset="0"/>
+                  <a:cs typeface="Arial" panose="020B0604020202020204" pitchFamily="34" charset="0"/>
+                </a:endParaRPr>
+              </a:p>
+              <a:p>
+                <a:pPr algn="ctr"/>
+                <a14:m>
+                  <m:oMath xmlns:m="http://schemas.openxmlformats.org/officeDocument/2006/math">
+                    <m:acc>
+                      <m:accPr>
+                        <m:chr m:val="̅"/>
+                        <m:ctrlPr>
+                          <a:rPr lang="en-US" sz="2000" i="1" dirty="0" smtClean="0">
+                            <a:solidFill>
+                              <a:schemeClr val="tx1"/>
+                            </a:solidFill>
+                            <a:latin typeface="Cambria Math" panose="02040503050406030204" pitchFamily="18" charset="0"/>
+                          </a:rPr>
+                        </m:ctrlPr>
+                      </m:accPr>
+                      <m:e>
+                        <m:r>
+                          <a:rPr lang="en-US" sz="2000" b="0" i="1" dirty="0" smtClean="0">
+                            <a:solidFill>
+                              <a:schemeClr val="tx1"/>
+                            </a:solidFill>
+                            <a:latin typeface="Cambria Math" panose="02040503050406030204" pitchFamily="18" charset="0"/>
+                          </a:rPr>
+                          <m:t>𝑥</m:t>
+                        </m:r>
+                      </m:e>
+                    </m:acc>
+                  </m:oMath>
+                </a14:m>
+                <a:r>
+                  <a:rPr lang="en-US" sz="2000" dirty="0">
+                    <a:solidFill>
+                      <a:schemeClr val="tx1"/>
+                    </a:solidFill>
+                  </a:rPr>
+                  <a:t>, </a:t>
+                </a:r>
+                <a14:m>
+                  <m:oMath xmlns:m="http://schemas.openxmlformats.org/officeDocument/2006/math">
+                    <m:acc>
+                      <m:accPr>
+                        <m:chr m:val="̅"/>
+                        <m:ctrlPr>
+                          <a:rPr lang="en-US" sz="2000" i="1" dirty="0" smtClean="0">
+                            <a:solidFill>
+                              <a:schemeClr val="tx1"/>
+                            </a:solidFill>
+                            <a:latin typeface="Cambria Math" panose="02040503050406030204" pitchFamily="18" charset="0"/>
+                          </a:rPr>
+                        </m:ctrlPr>
+                      </m:accPr>
+                      <m:e>
+                        <m:r>
+                          <a:rPr lang="en-US" sz="2000" b="0" i="1" dirty="0" smtClean="0">
+                            <a:solidFill>
+                              <a:schemeClr val="tx1"/>
+                            </a:solidFill>
+                            <a:latin typeface="Cambria Math" panose="02040503050406030204" pitchFamily="18" charset="0"/>
+                          </a:rPr>
+                          <m:t>𝑦</m:t>
+                        </m:r>
+                      </m:e>
+                    </m:acc>
+                  </m:oMath>
+                </a14:m>
+                <a:endParaRPr lang="en-US" sz="2000" dirty="0">
+                  <a:solidFill>
+                    <a:schemeClr val="tx1"/>
+                  </a:solidFill>
+                  <a:latin typeface="Arial" panose="020B0604020202020204" pitchFamily="34" charset="0"/>
+                  <a:cs typeface="Arial" panose="020B0604020202020204" pitchFamily="34" charset="0"/>
+                </a:endParaRPr>
+              </a:p>
+              <a:p>
+                <a:pPr algn="ctr"/>
+                <a14:m>
+                  <m:oMath xmlns:m="http://schemas.openxmlformats.org/officeDocument/2006/math">
+                    <m:sSubSup>
+                      <m:sSubSupPr>
+                        <m:ctrlPr>
+                          <a:rPr lang="en-US" sz="2000" b="0" i="1" dirty="0" smtClean="0">
+                            <a:solidFill>
+                              <a:schemeClr val="tx1"/>
+                            </a:solidFill>
+                            <a:latin typeface="Cambria Math" panose="02040503050406030204" pitchFamily="18" charset="0"/>
+                          </a:rPr>
+                        </m:ctrlPr>
+                      </m:sSubSupPr>
+                      <m:e>
+                        <m:r>
+                          <a:rPr lang="en-US" sz="2000" b="0" i="1" dirty="0" smtClean="0">
+                            <a:solidFill>
+                              <a:schemeClr val="tx1"/>
+                            </a:solidFill>
+                            <a:latin typeface="Cambria Math" panose="02040503050406030204" pitchFamily="18" charset="0"/>
+                          </a:rPr>
+                          <m:t>𝑠</m:t>
+                        </m:r>
+                      </m:e>
+                      <m:sub>
+                        <m:r>
+                          <a:rPr lang="en-US" sz="2000" b="0" i="1" dirty="0" smtClean="0">
+                            <a:solidFill>
+                              <a:schemeClr val="tx1"/>
+                            </a:solidFill>
+                            <a:latin typeface="Cambria Math" panose="02040503050406030204" pitchFamily="18" charset="0"/>
+                          </a:rPr>
+                          <m:t>𝑥</m:t>
+                        </m:r>
+                      </m:sub>
+                      <m:sup>
+                        <m:r>
+                          <a:rPr lang="en-US" sz="2000" b="0" i="1" dirty="0" smtClean="0">
+                            <a:solidFill>
+                              <a:schemeClr val="tx1"/>
+                            </a:solidFill>
+                            <a:latin typeface="Cambria Math" panose="02040503050406030204" pitchFamily="18" charset="0"/>
+                          </a:rPr>
+                          <m:t>2</m:t>
+                        </m:r>
+                      </m:sup>
+                    </m:sSubSup>
+                  </m:oMath>
+                </a14:m>
+                <a:r>
+                  <a:rPr lang="en-US" sz="2000" dirty="0">
+                    <a:solidFill>
+                      <a:schemeClr val="tx1"/>
+                    </a:solidFill>
+                  </a:rPr>
+                  <a:t>, </a:t>
+                </a:r>
+                <a14:m>
+                  <m:oMath xmlns:m="http://schemas.openxmlformats.org/officeDocument/2006/math">
+                    <m:sSubSup>
+                      <m:sSubSupPr>
+                        <m:ctrlPr>
+                          <a:rPr lang="en-US" sz="2000" b="0" i="1" dirty="0" smtClean="0">
+                            <a:solidFill>
+                              <a:schemeClr val="tx1"/>
+                            </a:solidFill>
+                            <a:latin typeface="Cambria Math" panose="02040503050406030204" pitchFamily="18" charset="0"/>
+                          </a:rPr>
+                        </m:ctrlPr>
+                      </m:sSubSupPr>
+                      <m:e>
+                        <m:r>
+                          <a:rPr lang="en-US" sz="2000" b="0" i="1" dirty="0" smtClean="0">
+                            <a:solidFill>
+                              <a:schemeClr val="tx1"/>
+                            </a:solidFill>
+                            <a:latin typeface="Cambria Math" panose="02040503050406030204" pitchFamily="18" charset="0"/>
+                          </a:rPr>
+                          <m:t>𝑠</m:t>
+                        </m:r>
+                      </m:e>
+                      <m:sub>
+                        <m:r>
+                          <a:rPr lang="en-US" sz="2000" b="0" i="1" dirty="0" smtClean="0">
+                            <a:solidFill>
+                              <a:schemeClr val="tx1"/>
+                            </a:solidFill>
+                            <a:latin typeface="Cambria Math" panose="02040503050406030204" pitchFamily="18" charset="0"/>
+                          </a:rPr>
+                          <m:t>𝑦</m:t>
+                        </m:r>
+                      </m:sub>
+                      <m:sup>
+                        <m:r>
+                          <a:rPr lang="en-US" sz="2000" b="0" i="1" dirty="0" smtClean="0">
+                            <a:solidFill>
+                              <a:schemeClr val="tx1"/>
+                            </a:solidFill>
+                            <a:latin typeface="Cambria Math" panose="02040503050406030204" pitchFamily="18" charset="0"/>
+                          </a:rPr>
+                          <m:t>2</m:t>
+                        </m:r>
+                      </m:sup>
+                    </m:sSubSup>
+                  </m:oMath>
+                </a14:m>
+                <a:endParaRPr lang="en-US" sz="2000" dirty="0">
+                  <a:solidFill>
+                    <a:schemeClr val="tx1"/>
+                  </a:solidFill>
+                  <a:latin typeface="Arial" panose="020B0604020202020204" pitchFamily="34" charset="0"/>
+                  <a:cs typeface="Arial" panose="020B0604020202020204" pitchFamily="34" charset="0"/>
+                </a:endParaRPr>
+              </a:p>
+              <a:p>
+                <a:pPr algn="ctr"/>
+                <a14:m>
+                  <m:oMathPara xmlns:m="http://schemas.openxmlformats.org/officeDocument/2006/math">
+                    <m:oMathParaPr>
+                      <m:jc m:val="centerGroup"/>
+                    </m:oMathParaPr>
+                    <m:oMath xmlns:m="http://schemas.openxmlformats.org/officeDocument/2006/math">
+                      <m:sSub>
+                        <m:sSubPr>
+                          <m:ctrlPr>
+                            <a:rPr lang="en-US" sz="2000" b="0" i="1" dirty="0" smtClean="0">
+                              <a:solidFill>
+                                <a:schemeClr val="tx1"/>
+                              </a:solidFill>
+                              <a:latin typeface="Cambria Math" panose="02040503050406030204" pitchFamily="18" charset="0"/>
+                            </a:rPr>
+                          </m:ctrlPr>
+                        </m:sSubPr>
+                        <m:e>
+                          <m:r>
+                            <a:rPr lang="en-US" sz="2000" b="0" i="1" dirty="0" smtClean="0">
+                              <a:solidFill>
+                                <a:schemeClr val="tx1"/>
+                              </a:solidFill>
+                              <a:latin typeface="Cambria Math" panose="02040503050406030204" pitchFamily="18" charset="0"/>
+                              <a:ea typeface="Cambria Math" panose="02040503050406030204" pitchFamily="18" charset="0"/>
+                            </a:rPr>
+                            <m:t>𝜌</m:t>
+                          </m:r>
+                        </m:e>
+                        <m:sub>
+                          <m:r>
+                            <a:rPr lang="en-US" sz="2000" b="0" i="1" dirty="0" smtClean="0">
+                              <a:solidFill>
+                                <a:schemeClr val="tx1"/>
+                              </a:solidFill>
+                              <a:latin typeface="Cambria Math" panose="02040503050406030204" pitchFamily="18" charset="0"/>
+                            </a:rPr>
+                            <m:t>𝑥𝑦</m:t>
+                          </m:r>
+                        </m:sub>
+                      </m:sSub>
+                    </m:oMath>
+                  </m:oMathPara>
+                </a14:m>
+                <a:endParaRPr lang="en-US" sz="2000" dirty="0">
+                  <a:solidFill>
+                    <a:schemeClr val="tx1"/>
+                  </a:solidFill>
+                  <a:latin typeface="Arial" panose="020B0604020202020204" pitchFamily="34" charset="0"/>
+                  <a:cs typeface="Arial" panose="020B0604020202020204" pitchFamily="34" charset="0"/>
+                </a:endParaRPr>
+              </a:p>
+              <a:p>
+                <a:pPr algn="ctr"/>
+                <a14:m>
+                  <m:oMathPara xmlns:m="http://schemas.openxmlformats.org/officeDocument/2006/math">
+                    <m:oMathParaPr>
+                      <m:jc m:val="centerGroup"/>
+                    </m:oMathParaPr>
+                    <m:oMath xmlns:m="http://schemas.openxmlformats.org/officeDocument/2006/math">
+                      <m:sSup>
+                        <m:sSupPr>
+                          <m:ctrlPr>
+                            <a:rPr lang="en-US" sz="2000" b="0" i="1" dirty="0" smtClean="0">
+                              <a:solidFill>
+                                <a:schemeClr val="tx1"/>
+                              </a:solidFill>
+                              <a:latin typeface="Cambria Math" panose="02040503050406030204" pitchFamily="18" charset="0"/>
+                            </a:rPr>
+                          </m:ctrlPr>
+                        </m:sSupPr>
+                        <m:e>
+                          <m:r>
+                            <a:rPr lang="en-US" sz="2000" b="0" i="1" dirty="0" smtClean="0">
+                              <a:solidFill>
+                                <a:schemeClr val="tx1"/>
+                              </a:solidFill>
+                              <a:latin typeface="Cambria Math" panose="02040503050406030204" pitchFamily="18" charset="0"/>
+                            </a:rPr>
+                            <m:t>𝑅</m:t>
+                          </m:r>
+                        </m:e>
+                        <m:sup>
+                          <m:r>
+                            <a:rPr lang="en-US" sz="2000" b="0" i="1" dirty="0" smtClean="0">
+                              <a:solidFill>
+                                <a:schemeClr val="tx1"/>
+                              </a:solidFill>
+                              <a:latin typeface="Cambria Math" panose="02040503050406030204" pitchFamily="18" charset="0"/>
+                            </a:rPr>
+                            <m:t>2</m:t>
+                          </m:r>
+                        </m:sup>
+                      </m:sSup>
+                    </m:oMath>
+                  </m:oMathPara>
+                </a14:m>
+                <a:endParaRPr lang="en-US" sz="2000" dirty="0">
+                  <a:solidFill>
+                    <a:schemeClr val="tx1"/>
+                  </a:solidFill>
+                  <a:latin typeface="Arial" panose="020B0604020202020204" pitchFamily="34" charset="0"/>
+                  <a:cs typeface="Arial" panose="020B0604020202020204" pitchFamily="34" charset="0"/>
+                </a:endParaRPr>
+              </a:p>
+              <a:p>
+                <a:pPr algn="ctr"/>
+                <a14:m>
+                  <m:oMath xmlns:m="http://schemas.openxmlformats.org/officeDocument/2006/math">
+                    <m:sSub>
+                      <m:sSubPr>
+                        <m:ctrlPr>
+                          <a:rPr lang="en-US" sz="2000" b="0" i="1" dirty="0" smtClean="0">
+                            <a:solidFill>
+                              <a:schemeClr val="tx1"/>
+                            </a:solidFill>
+                            <a:latin typeface="Cambria Math" panose="02040503050406030204" pitchFamily="18" charset="0"/>
+                          </a:rPr>
+                        </m:ctrlPr>
+                      </m:sSubPr>
+                      <m:e>
+                        <m:acc>
+                          <m:accPr>
+                            <m:chr m:val="̂"/>
+                            <m:ctrlPr>
+                              <a:rPr lang="en-US" sz="2000" b="0" i="1" dirty="0" smtClean="0">
+                                <a:solidFill>
+                                  <a:schemeClr val="tx1"/>
+                                </a:solidFill>
+                                <a:latin typeface="Cambria Math" panose="02040503050406030204" pitchFamily="18" charset="0"/>
+                              </a:rPr>
+                            </m:ctrlPr>
+                          </m:accPr>
+                          <m:e>
+                            <m:r>
+                              <a:rPr lang="en-US" sz="2000" b="0" i="1" dirty="0" smtClean="0">
+                                <a:solidFill>
+                                  <a:schemeClr val="tx1"/>
+                                </a:solidFill>
+                                <a:latin typeface="Cambria Math" panose="02040503050406030204" pitchFamily="18" charset="0"/>
+                                <a:ea typeface="Cambria Math" panose="02040503050406030204" pitchFamily="18" charset="0"/>
+                              </a:rPr>
+                              <m:t>𝛽</m:t>
+                            </m:r>
+                          </m:e>
+                        </m:acc>
+                      </m:e>
+                      <m:sub>
+                        <m:r>
+                          <a:rPr lang="en-US" sz="2000" b="0" i="1" dirty="0" smtClean="0">
+                            <a:solidFill>
+                              <a:schemeClr val="tx1"/>
+                            </a:solidFill>
+                            <a:latin typeface="Cambria Math" panose="02040503050406030204" pitchFamily="18" charset="0"/>
+                          </a:rPr>
+                          <m:t>0</m:t>
+                        </m:r>
+                      </m:sub>
+                    </m:sSub>
+                  </m:oMath>
+                </a14:m>
+                <a:r>
+                  <a:rPr lang="en-US" sz="2000" dirty="0">
+                    <a:solidFill>
+                      <a:schemeClr val="tx1"/>
+                    </a:solidFill>
+                  </a:rPr>
+                  <a:t> and </a:t>
+                </a:r>
+                <a14:m>
+                  <m:oMath xmlns:m="http://schemas.openxmlformats.org/officeDocument/2006/math">
+                    <m:sSub>
+                      <m:sSubPr>
+                        <m:ctrlPr>
+                          <a:rPr lang="en-US" sz="2000" b="0" i="1" dirty="0" smtClean="0">
+                            <a:solidFill>
+                              <a:schemeClr val="tx1"/>
+                            </a:solidFill>
+                            <a:latin typeface="Cambria Math" panose="02040503050406030204" pitchFamily="18" charset="0"/>
+                          </a:rPr>
+                        </m:ctrlPr>
+                      </m:sSubPr>
+                      <m:e>
+                        <m:acc>
+                          <m:accPr>
+                            <m:chr m:val="̂"/>
+                            <m:ctrlPr>
+                              <a:rPr lang="en-US" sz="2000" i="1" dirty="0">
+                                <a:solidFill>
+                                  <a:schemeClr val="tx1"/>
+                                </a:solidFill>
+                                <a:latin typeface="Cambria Math" panose="02040503050406030204" pitchFamily="18" charset="0"/>
+                              </a:rPr>
+                            </m:ctrlPr>
+                          </m:accPr>
+                          <m:e>
+                            <m:r>
+                              <a:rPr lang="en-US" sz="2000" i="1" dirty="0">
+                                <a:solidFill>
+                                  <a:schemeClr val="tx1"/>
+                                </a:solidFill>
+                                <a:latin typeface="Cambria Math" panose="02040503050406030204" pitchFamily="18" charset="0"/>
+                                <a:ea typeface="Cambria Math" panose="02040503050406030204" pitchFamily="18" charset="0"/>
+                              </a:rPr>
+                              <m:t>𝛽</m:t>
+                            </m:r>
+                          </m:e>
+                        </m:acc>
+                      </m:e>
+                      <m:sub>
+                        <m:r>
+                          <a:rPr lang="en-US" sz="2000" b="0" i="1" dirty="0" smtClean="0">
+                            <a:solidFill>
+                              <a:schemeClr val="tx1"/>
+                            </a:solidFill>
+                            <a:latin typeface="Cambria Math" panose="02040503050406030204" pitchFamily="18" charset="0"/>
+                            <a:ea typeface="Cambria Math" panose="02040503050406030204" pitchFamily="18" charset="0"/>
+                          </a:rPr>
+                          <m:t>1</m:t>
+                        </m:r>
+                      </m:sub>
+                    </m:sSub>
+                  </m:oMath>
+                </a14:m>
+                <a:endParaRPr lang="en-US" sz="2000" dirty="0">
+                  <a:solidFill>
+                    <a:schemeClr val="tx1"/>
+                  </a:solidFill>
+                  <a:latin typeface="Arial" panose="020B0604020202020204" pitchFamily="34" charset="0"/>
+                  <a:cs typeface="Arial" panose="020B0604020202020204" pitchFamily="34" charset="0"/>
+                </a:endParaRPr>
+              </a:p>
+            </p:txBody>
+          </p:sp>
+        </mc:Choice>
+        <mc:Fallback>
+          <p:sp>
+            <p:nvSpPr>
+              <p:cNvPr id="7" name="Rectangle 6">
+                <a:extLst>
+                  <a:ext uri="{FF2B5EF4-FFF2-40B4-BE49-F238E27FC236}">
+                    <a16:creationId xmlns:a16="http://schemas.microsoft.com/office/drawing/2014/main" id="{C6BCF7F9-C050-C1EC-CD19-FD4AB58ABEA3}"/>
+                  </a:ext>
+                </a:extLst>
+              </p:cNvPr>
+              <p:cNvSpPr>
+                <a:spLocks noRot="1" noChangeAspect="1" noMove="1" noResize="1" noEditPoints="1" noAdjustHandles="1" noChangeArrowheads="1" noChangeShapeType="1" noTextEdit="1"/>
+              </p:cNvSpPr>
+              <p:nvPr/>
+            </p:nvSpPr>
+            <p:spPr>
+              <a:xfrm>
+                <a:off x="7086600" y="2140085"/>
+                <a:ext cx="1982821" cy="2667000"/>
+              </a:xfrm>
+              <a:prstGeom prst="rect">
+                <a:avLst/>
+              </a:prstGeom>
+              <a:blipFill>
+                <a:blip r:embed="rId4"/>
+                <a:stretch>
+                  <a:fillRect b="-2968"/>
+                </a:stretch>
+              </a:blipFill>
+              <a:ln>
+                <a:noFill/>
+              </a:ln>
+            </p:spPr>
+            <p:txBody>
+              <a:bodyPr/>
+              <a:lstStyle/>
+              <a:p>
+                <a:r>
+                  <a:rPr lang="en-US">
+                    <a:noFill/>
+                  </a:rPr>
+                  <a:t> </a:t>
+                </a:r>
+              </a:p>
+            </p:txBody>
+          </p:sp>
+        </mc:Fallback>
+      </mc:AlternateContent>
     </p:spTree>
     <p:extLst>
       <p:ext uri="{BB962C8B-B14F-4D97-AF65-F5344CB8AC3E}">
-        <p14:creationId xmlns:p14="http://schemas.microsoft.com/office/powerpoint/2010/main" val="2647909989"/>
+        <p14:creationId xmlns:p14="http://schemas.microsoft.com/office/powerpoint/2010/main" val="1276715374"/>
       </p:ext>
     </p:extLst>
   </p:cSld>
@@ -21810,17 +20049,25 @@
           <a:p>
             <a:r>
               <a:rPr lang="en-US" dirty="0"/>
-              <a:t>Titles &amp; Renaming Variables</a:t>
+              <a:t>The </a:t>
+            </a:r>
+            <a:r>
+              <a:rPr lang="en-US" dirty="0" err="1"/>
+              <a:t>Datasaurus</a:t>
+            </a:r>
+            <a:r>
+              <a:rPr lang="en-US" dirty="0"/>
+              <a:t> Dozen</a:t>
             </a:r>
           </a:p>
         </p:txBody>
       </p:sp>
       <p:pic>
         <p:nvPicPr>
-          <p:cNvPr id="4" name="Picture 3">
+          <p:cNvPr id="5" name="Picture 4">
             <a:extLst>
               <a:ext uri="{FF2B5EF4-FFF2-40B4-BE49-F238E27FC236}">
-                <a16:creationId xmlns:a16="http://schemas.microsoft.com/office/drawing/2014/main" id="{4A0037C9-EB90-2900-D4EC-DF813BC908A7}"/>
+                <a16:creationId xmlns:a16="http://schemas.microsoft.com/office/drawing/2014/main" id="{A1D04C52-BC0A-838E-54F5-E8696FD6985E}"/>
               </a:ext>
             </a:extLst>
           </p:cNvPr>
@@ -21830,7 +20077,7 @@
           <p:nvPr/>
         </p:nvPicPr>
         <p:blipFill>
-          <a:blip r:embed="rId2" r:link="rId3" cstate="print">
+          <a:blip r:embed="rId2" r:link="rId3">
             <a:extLst>
               <a:ext uri="{28A0092B-C50C-407E-A947-70E740481C1C}">
                 <a14:useLocalDpi xmlns:a14="http://schemas.microsoft.com/office/drawing/2010/main" val="0"/>
@@ -21844,134 +20091,410 @@
         </p:blipFill>
         <p:spPr>
           <a:xfrm>
-            <a:off x="2971801" y="1447801"/>
-            <a:ext cx="5943597" cy="3962397"/>
+            <a:off x="533400" y="1524000"/>
+            <a:ext cx="4953000" cy="4953000"/>
           </a:xfrm>
           <a:prstGeom prst="rect">
             <a:avLst/>
           </a:prstGeom>
         </p:spPr>
       </p:pic>
-      <p:sp>
-        <p:nvSpPr>
-          <p:cNvPr id="5" name="TextBox 4">
+      <p:pic>
+        <p:nvPicPr>
+          <p:cNvPr id="6" name="Picture 5">
             <a:extLst>
               <a:ext uri="{FF2B5EF4-FFF2-40B4-BE49-F238E27FC236}">
-                <a16:creationId xmlns:a16="http://schemas.microsoft.com/office/drawing/2014/main" id="{04AF6261-B4B1-D761-810B-AACA39E89170}"/>
+                <a16:creationId xmlns:a16="http://schemas.microsoft.com/office/drawing/2014/main" id="{CE698ADA-9C8C-7B61-3790-8F932AD3F29C}"/>
               </a:ext>
             </a:extLst>
           </p:cNvPr>
-          <p:cNvSpPr txBox="1"/>
+          <p:cNvPicPr>
+            <a:picLocks noChangeAspect="1"/>
+          </p:cNvPicPr>
           <p:nvPr/>
-        </p:nvSpPr>
+        </p:nvPicPr>
+        <p:blipFill>
+          <a:blip r:link="rId4"/>
+          <a:srcRect/>
+          <a:stretch>
+            <a:fillRect/>
+          </a:stretch>
+        </p:blipFill>
         <p:spPr>
           <a:xfrm>
-            <a:off x="228601" y="2514600"/>
-            <a:ext cx="2431673" cy="1815882"/>
+            <a:off x="5786336" y="1524000"/>
+            <a:ext cx="2819400" cy="2819400"/>
           </a:xfrm>
           <a:prstGeom prst="rect">
             <a:avLst/>
           </a:prstGeom>
-          <a:noFill/>
         </p:spPr>
-        <p:txBody>
-          <a:bodyPr wrap="square" rtlCol="0">
-            <a:spAutoFit/>
-          </a:bodyPr>
-          <a:lstStyle/>
-          <a:p>
-            <a:pPr algn="ctr"/>
-            <a:r>
-              <a:rPr lang="en-US" sz="2800" dirty="0">
-                <a:latin typeface="Arial" panose="020B0604020202020204" pitchFamily="34" charset="0"/>
-                <a:cs typeface="Arial" panose="020B0604020202020204" pitchFamily="34" charset="0"/>
-              </a:rPr>
-              <a:t>Adding a title and variable names goes a long way.</a:t>
-            </a:r>
-          </a:p>
-        </p:txBody>
-      </p:sp>
-      <p:sp>
-        <p:nvSpPr>
-          <p:cNvPr id="3" name="TextBox 2">
-            <a:extLst>
-              <a:ext uri="{FF2B5EF4-FFF2-40B4-BE49-F238E27FC236}">
-                <a16:creationId xmlns:a16="http://schemas.microsoft.com/office/drawing/2014/main" id="{5CA26C35-36C9-ADDC-3107-CF1F9C4ABAD9}"/>
-              </a:ext>
-            </a:extLst>
-          </p:cNvPr>
-          <p:cNvSpPr txBox="1"/>
-          <p:nvPr/>
-        </p:nvSpPr>
-        <p:spPr>
-          <a:xfrm>
-            <a:off x="260498" y="5181600"/>
-            <a:ext cx="7588101" cy="1200329"/>
-          </a:xfrm>
-          <a:prstGeom prst="rect">
-            <a:avLst/>
-          </a:prstGeom>
-          <a:noFill/>
-        </p:spPr>
-        <p:txBody>
-          <a:bodyPr wrap="square" rtlCol="0">
-            <a:spAutoFit/>
-          </a:bodyPr>
-          <a:lstStyle/>
-          <a:p>
-            <a:r>
-              <a:rPr lang="en-US" sz="1200" dirty="0">
-                <a:latin typeface="Consolas" panose="020B0609020204030204" pitchFamily="49" charset="0"/>
-              </a:rPr>
-              <a:t>p &lt;- p +</a:t>
-            </a:r>
-          </a:p>
-          <a:p>
-            <a:r>
-              <a:rPr lang="en-US" sz="1200" dirty="0">
-                <a:latin typeface="Consolas" panose="020B0609020204030204" pitchFamily="49" charset="0"/>
-              </a:rPr>
-              <a:t> labs(</a:t>
-            </a:r>
-          </a:p>
-          <a:p>
-            <a:r>
-              <a:rPr lang="en-US" sz="1200" dirty="0">
-                <a:latin typeface="Consolas" panose="020B0609020204030204" pitchFamily="49" charset="0"/>
-              </a:rPr>
-              <a:t>    x = "Severity",</a:t>
-            </a:r>
-          </a:p>
-          <a:p>
-            <a:r>
-              <a:rPr lang="en-US" sz="1200" dirty="0">
-                <a:latin typeface="Consolas" panose="020B0609020204030204" pitchFamily="49" charset="0"/>
-              </a:rPr>
-              <a:t>    y = "Density",</a:t>
-            </a:r>
-          </a:p>
-          <a:p>
-            <a:r>
-              <a:rPr lang="en-US" sz="1200" dirty="0">
-                <a:latin typeface="Consolas" panose="020B0609020204030204" pitchFamily="49" charset="0"/>
-              </a:rPr>
-              <a:t>    title = "Fitted Severity Curve"</a:t>
-            </a:r>
-          </a:p>
-          <a:p>
-            <a:r>
-              <a:rPr lang="en-US" sz="1200" dirty="0">
-                <a:latin typeface="Consolas" panose="020B0609020204030204" pitchFamily="49" charset="0"/>
-              </a:rPr>
-              <a:t>  )</a:t>
-            </a:r>
-          </a:p>
-        </p:txBody>
-      </p:sp>
+      </p:pic>
+      <mc:AlternateContent xmlns:mc="http://schemas.openxmlformats.org/markup-compatibility/2006">
+        <mc:Choice xmlns:a14="http://schemas.microsoft.com/office/drawing/2010/main" Requires="a14">
+          <p:sp>
+            <p:nvSpPr>
+              <p:cNvPr id="3" name="Rectangle 2">
+                <a:extLst>
+                  <a:ext uri="{FF2B5EF4-FFF2-40B4-BE49-F238E27FC236}">
+                    <a16:creationId xmlns:a16="http://schemas.microsoft.com/office/drawing/2014/main" id="{3BD48443-35CC-D91F-4F82-55F6715FFF7C}"/>
+                  </a:ext>
+                </a:extLst>
+              </p:cNvPr>
+              <p:cNvSpPr/>
+              <p:nvPr/>
+            </p:nvSpPr>
+            <p:spPr>
+              <a:xfrm>
+                <a:off x="5900636" y="4191000"/>
+                <a:ext cx="2590800" cy="2667000"/>
+              </a:xfrm>
+              <a:prstGeom prst="rect">
+                <a:avLst/>
+              </a:prstGeom>
+              <a:noFill/>
+              <a:ln>
+                <a:noFill/>
+              </a:ln>
+            </p:spPr>
+            <p:style>
+              <a:lnRef idx="2">
+                <a:schemeClr val="accent1">
+                  <a:shade val="50000"/>
+                </a:schemeClr>
+              </a:lnRef>
+              <a:fillRef idx="1">
+                <a:schemeClr val="accent1"/>
+              </a:fillRef>
+              <a:effectRef idx="0">
+                <a:schemeClr val="accent1"/>
+              </a:effectRef>
+              <a:fontRef idx="minor">
+                <a:schemeClr val="lt1"/>
+              </a:fontRef>
+            </p:style>
+            <p:txBody>
+              <a:bodyPr rtlCol="0" anchor="ctr"/>
+              <a:lstStyle/>
+              <a:p>
+                <a:pPr algn="ctr"/>
+                <a:r>
+                  <a:rPr lang="en-US" sz="2000" b="1" dirty="0">
+                    <a:solidFill>
+                      <a:schemeClr val="tx1"/>
+                    </a:solidFill>
+                    <a:latin typeface="Arial" panose="020B0604020202020204" pitchFamily="34" charset="0"/>
+                    <a:cs typeface="Arial" panose="020B0604020202020204" pitchFamily="34" charset="0"/>
+                  </a:rPr>
+                  <a:t>Descriptive Statistics Shared:</a:t>
+                </a:r>
+                <a:endParaRPr lang="en-US" sz="2000" i="1" dirty="0">
+                  <a:solidFill>
+                    <a:schemeClr val="tx1"/>
+                  </a:solidFill>
+                  <a:latin typeface="Arial" panose="020B0604020202020204" pitchFamily="34" charset="0"/>
+                  <a:cs typeface="Arial" panose="020B0604020202020204" pitchFamily="34" charset="0"/>
+                </a:endParaRPr>
+              </a:p>
+              <a:p>
+                <a:pPr algn="ctr"/>
+                <a14:m>
+                  <m:oMath xmlns:m="http://schemas.openxmlformats.org/officeDocument/2006/math">
+                    <m:acc>
+                      <m:accPr>
+                        <m:chr m:val="̅"/>
+                        <m:ctrlPr>
+                          <a:rPr lang="en-US" sz="2000" i="1" dirty="0" smtClean="0">
+                            <a:solidFill>
+                              <a:schemeClr val="tx1"/>
+                            </a:solidFill>
+                            <a:latin typeface="Cambria Math" panose="02040503050406030204" pitchFamily="18" charset="0"/>
+                          </a:rPr>
+                        </m:ctrlPr>
+                      </m:accPr>
+                      <m:e>
+                        <m:r>
+                          <a:rPr lang="en-US" sz="2000" b="0" i="1" dirty="0" smtClean="0">
+                            <a:solidFill>
+                              <a:schemeClr val="tx1"/>
+                            </a:solidFill>
+                            <a:latin typeface="Cambria Math" panose="02040503050406030204" pitchFamily="18" charset="0"/>
+                          </a:rPr>
+                          <m:t>𝑥</m:t>
+                        </m:r>
+                      </m:e>
+                    </m:acc>
+                  </m:oMath>
+                </a14:m>
+                <a:r>
+                  <a:rPr lang="en-US" sz="2000" dirty="0">
+                    <a:solidFill>
+                      <a:schemeClr val="tx1"/>
+                    </a:solidFill>
+                  </a:rPr>
+                  <a:t>, </a:t>
+                </a:r>
+                <a14:m>
+                  <m:oMath xmlns:m="http://schemas.openxmlformats.org/officeDocument/2006/math">
+                    <m:acc>
+                      <m:accPr>
+                        <m:chr m:val="̅"/>
+                        <m:ctrlPr>
+                          <a:rPr lang="en-US" sz="2000" i="1" dirty="0" smtClean="0">
+                            <a:solidFill>
+                              <a:schemeClr val="tx1"/>
+                            </a:solidFill>
+                            <a:latin typeface="Cambria Math" panose="02040503050406030204" pitchFamily="18" charset="0"/>
+                          </a:rPr>
+                        </m:ctrlPr>
+                      </m:accPr>
+                      <m:e>
+                        <m:r>
+                          <a:rPr lang="en-US" sz="2000" b="0" i="1" dirty="0" smtClean="0">
+                            <a:solidFill>
+                              <a:schemeClr val="tx1"/>
+                            </a:solidFill>
+                            <a:latin typeface="Cambria Math" panose="02040503050406030204" pitchFamily="18" charset="0"/>
+                          </a:rPr>
+                          <m:t>𝑦</m:t>
+                        </m:r>
+                      </m:e>
+                    </m:acc>
+                  </m:oMath>
+                </a14:m>
+                <a:endParaRPr lang="en-US" sz="2000" dirty="0">
+                  <a:solidFill>
+                    <a:schemeClr val="tx1"/>
+                  </a:solidFill>
+                  <a:latin typeface="Arial" panose="020B0604020202020204" pitchFamily="34" charset="0"/>
+                  <a:cs typeface="Arial" panose="020B0604020202020204" pitchFamily="34" charset="0"/>
+                </a:endParaRPr>
+              </a:p>
+              <a:p>
+                <a:pPr algn="ctr"/>
+                <a14:m>
+                  <m:oMath xmlns:m="http://schemas.openxmlformats.org/officeDocument/2006/math">
+                    <m:sSubSup>
+                      <m:sSubSupPr>
+                        <m:ctrlPr>
+                          <a:rPr lang="en-US" sz="2000" b="0" i="1" dirty="0" smtClean="0">
+                            <a:solidFill>
+                              <a:schemeClr val="tx1"/>
+                            </a:solidFill>
+                            <a:latin typeface="Cambria Math" panose="02040503050406030204" pitchFamily="18" charset="0"/>
+                          </a:rPr>
+                        </m:ctrlPr>
+                      </m:sSubSupPr>
+                      <m:e>
+                        <m:r>
+                          <a:rPr lang="en-US" sz="2000" b="0" i="1" dirty="0" smtClean="0">
+                            <a:solidFill>
+                              <a:schemeClr val="tx1"/>
+                            </a:solidFill>
+                            <a:latin typeface="Cambria Math" panose="02040503050406030204" pitchFamily="18" charset="0"/>
+                          </a:rPr>
+                          <m:t>𝑠</m:t>
+                        </m:r>
+                      </m:e>
+                      <m:sub>
+                        <m:r>
+                          <a:rPr lang="en-US" sz="2000" b="0" i="1" dirty="0" smtClean="0">
+                            <a:solidFill>
+                              <a:schemeClr val="tx1"/>
+                            </a:solidFill>
+                            <a:latin typeface="Cambria Math" panose="02040503050406030204" pitchFamily="18" charset="0"/>
+                          </a:rPr>
+                          <m:t>𝑥</m:t>
+                        </m:r>
+                      </m:sub>
+                      <m:sup>
+                        <m:r>
+                          <a:rPr lang="en-US" sz="2000" b="0" i="1" dirty="0" smtClean="0">
+                            <a:solidFill>
+                              <a:schemeClr val="tx1"/>
+                            </a:solidFill>
+                            <a:latin typeface="Cambria Math" panose="02040503050406030204" pitchFamily="18" charset="0"/>
+                          </a:rPr>
+                          <m:t>2</m:t>
+                        </m:r>
+                      </m:sup>
+                    </m:sSubSup>
+                  </m:oMath>
+                </a14:m>
+                <a:r>
+                  <a:rPr lang="en-US" sz="2000" dirty="0">
+                    <a:solidFill>
+                      <a:schemeClr val="tx1"/>
+                    </a:solidFill>
+                  </a:rPr>
+                  <a:t>, </a:t>
+                </a:r>
+                <a14:m>
+                  <m:oMath xmlns:m="http://schemas.openxmlformats.org/officeDocument/2006/math">
+                    <m:sSubSup>
+                      <m:sSubSupPr>
+                        <m:ctrlPr>
+                          <a:rPr lang="en-US" sz="2000" b="0" i="1" dirty="0" smtClean="0">
+                            <a:solidFill>
+                              <a:schemeClr val="tx1"/>
+                            </a:solidFill>
+                            <a:latin typeface="Cambria Math" panose="02040503050406030204" pitchFamily="18" charset="0"/>
+                          </a:rPr>
+                        </m:ctrlPr>
+                      </m:sSubSupPr>
+                      <m:e>
+                        <m:r>
+                          <a:rPr lang="en-US" sz="2000" b="0" i="1" dirty="0" smtClean="0">
+                            <a:solidFill>
+                              <a:schemeClr val="tx1"/>
+                            </a:solidFill>
+                            <a:latin typeface="Cambria Math" panose="02040503050406030204" pitchFamily="18" charset="0"/>
+                          </a:rPr>
+                          <m:t>𝑠</m:t>
+                        </m:r>
+                      </m:e>
+                      <m:sub>
+                        <m:r>
+                          <a:rPr lang="en-US" sz="2000" b="0" i="1" dirty="0" smtClean="0">
+                            <a:solidFill>
+                              <a:schemeClr val="tx1"/>
+                            </a:solidFill>
+                            <a:latin typeface="Cambria Math" panose="02040503050406030204" pitchFamily="18" charset="0"/>
+                          </a:rPr>
+                          <m:t>𝑦</m:t>
+                        </m:r>
+                      </m:sub>
+                      <m:sup>
+                        <m:r>
+                          <a:rPr lang="en-US" sz="2000" b="0" i="1" dirty="0" smtClean="0">
+                            <a:solidFill>
+                              <a:schemeClr val="tx1"/>
+                            </a:solidFill>
+                            <a:latin typeface="Cambria Math" panose="02040503050406030204" pitchFamily="18" charset="0"/>
+                          </a:rPr>
+                          <m:t>2</m:t>
+                        </m:r>
+                      </m:sup>
+                    </m:sSubSup>
+                  </m:oMath>
+                </a14:m>
+                <a:endParaRPr lang="en-US" sz="2000" dirty="0">
+                  <a:solidFill>
+                    <a:schemeClr val="tx1"/>
+                  </a:solidFill>
+                  <a:latin typeface="Arial" panose="020B0604020202020204" pitchFamily="34" charset="0"/>
+                  <a:cs typeface="Arial" panose="020B0604020202020204" pitchFamily="34" charset="0"/>
+                </a:endParaRPr>
+              </a:p>
+              <a:p>
+                <a:pPr algn="ctr"/>
+                <a14:m>
+                  <m:oMathPara xmlns:m="http://schemas.openxmlformats.org/officeDocument/2006/math">
+                    <m:oMathParaPr>
+                      <m:jc m:val="centerGroup"/>
+                    </m:oMathParaPr>
+                    <m:oMath xmlns:m="http://schemas.openxmlformats.org/officeDocument/2006/math">
+                      <m:sSub>
+                        <m:sSubPr>
+                          <m:ctrlPr>
+                            <a:rPr lang="en-US" sz="2000" b="0" i="1" dirty="0" smtClean="0">
+                              <a:solidFill>
+                                <a:schemeClr val="tx1"/>
+                              </a:solidFill>
+                              <a:latin typeface="Cambria Math" panose="02040503050406030204" pitchFamily="18" charset="0"/>
+                            </a:rPr>
+                          </m:ctrlPr>
+                        </m:sSubPr>
+                        <m:e>
+                          <m:r>
+                            <a:rPr lang="en-US" sz="2000" b="0" i="1" dirty="0" smtClean="0">
+                              <a:solidFill>
+                                <a:schemeClr val="tx1"/>
+                              </a:solidFill>
+                              <a:latin typeface="Cambria Math" panose="02040503050406030204" pitchFamily="18" charset="0"/>
+                              <a:ea typeface="Cambria Math" panose="02040503050406030204" pitchFamily="18" charset="0"/>
+                            </a:rPr>
+                            <m:t>𝜌</m:t>
+                          </m:r>
+                        </m:e>
+                        <m:sub>
+                          <m:r>
+                            <a:rPr lang="en-US" sz="2000" b="0" i="1" dirty="0" smtClean="0">
+                              <a:solidFill>
+                                <a:schemeClr val="tx1"/>
+                              </a:solidFill>
+                              <a:latin typeface="Cambria Math" panose="02040503050406030204" pitchFamily="18" charset="0"/>
+                            </a:rPr>
+                            <m:t>𝑥𝑦</m:t>
+                          </m:r>
+                        </m:sub>
+                      </m:sSub>
+                    </m:oMath>
+                  </m:oMathPara>
+                </a14:m>
+                <a:endParaRPr lang="en-US" sz="2000" dirty="0">
+                  <a:solidFill>
+                    <a:schemeClr val="tx1"/>
+                  </a:solidFill>
+                  <a:latin typeface="Arial" panose="020B0604020202020204" pitchFamily="34" charset="0"/>
+                  <a:cs typeface="Arial" panose="020B0604020202020204" pitchFamily="34" charset="0"/>
+                </a:endParaRPr>
+              </a:p>
+            </p:txBody>
+          </p:sp>
+        </mc:Choice>
+        <mc:Fallback>
+          <p:sp>
+            <p:nvSpPr>
+              <p:cNvPr id="3" name="Rectangle 2">
+                <a:extLst>
+                  <a:ext uri="{FF2B5EF4-FFF2-40B4-BE49-F238E27FC236}">
+                    <a16:creationId xmlns:a16="http://schemas.microsoft.com/office/drawing/2014/main" id="{3BD48443-35CC-D91F-4F82-55F6715FFF7C}"/>
+                  </a:ext>
+                </a:extLst>
+              </p:cNvPr>
+              <p:cNvSpPr>
+                <a:spLocks noRot="1" noChangeAspect="1" noMove="1" noResize="1" noEditPoints="1" noAdjustHandles="1" noChangeArrowheads="1" noChangeShapeType="1" noTextEdit="1"/>
+              </p:cNvSpPr>
+              <p:nvPr/>
+            </p:nvSpPr>
+            <p:spPr>
+              <a:xfrm>
+                <a:off x="5900636" y="4191000"/>
+                <a:ext cx="2590800" cy="2667000"/>
+              </a:xfrm>
+              <a:prstGeom prst="rect">
+                <a:avLst/>
+              </a:prstGeom>
+              <a:blipFill>
+                <a:blip r:embed="rId5"/>
+                <a:stretch>
+                  <a:fillRect/>
+                </a:stretch>
+              </a:blipFill>
+              <a:ln>
+                <a:noFill/>
+              </a:ln>
+            </p:spPr>
+            <p:txBody>
+              <a:bodyPr/>
+              <a:lstStyle/>
+              <a:p>
+                <a:r>
+                  <a:rPr lang="en-US">
+                    <a:noFill/>
+                  </a:rPr>
+                  <a:t> </a:t>
+                </a:r>
+              </a:p>
+            </p:txBody>
+          </p:sp>
+        </mc:Fallback>
+      </mc:AlternateContent>
     </p:spTree>
     <p:extLst>
       <p:ext uri="{BB962C8B-B14F-4D97-AF65-F5344CB8AC3E}">
-        <p14:creationId xmlns:p14="http://schemas.microsoft.com/office/powerpoint/2010/main" val="988489605"/>
+        <p14:creationId xmlns:p14="http://schemas.microsoft.com/office/powerpoint/2010/main" val="2130879661"/>
       </p:ext>
     </p:extLst>
   </p:cSld>

--- a/Presentation Slides/Effective Data Visualization for Actuaries.pptx
+++ b/Presentation Slides/Effective Data Visualization for Actuaries.pptx
@@ -8,7 +8,7 @@
     <p:sldMasterId id="2147483701" r:id="rId4"/>
   </p:sldMasterIdLst>
   <p:notesMasterIdLst>
-    <p:notesMasterId r:id="rId31"/>
+    <p:notesMasterId r:id="rId35"/>
   </p:notesMasterIdLst>
   <p:sldIdLst>
     <p:sldId id="262" r:id="rId5"/>
@@ -21,22 +21,26 @@
     <p:sldId id="313" r:id="rId12"/>
     <p:sldId id="310" r:id="rId13"/>
     <p:sldId id="265" r:id="rId14"/>
-    <p:sldId id="306" r:id="rId15"/>
-    <p:sldId id="270" r:id="rId16"/>
-    <p:sldId id="307" r:id="rId17"/>
-    <p:sldId id="315" r:id="rId18"/>
-    <p:sldId id="285" r:id="rId19"/>
-    <p:sldId id="289" r:id="rId20"/>
-    <p:sldId id="291" r:id="rId21"/>
-    <p:sldId id="292" r:id="rId22"/>
-    <p:sldId id="293" r:id="rId23"/>
-    <p:sldId id="298" r:id="rId24"/>
-    <p:sldId id="267" r:id="rId25"/>
-    <p:sldId id="287" r:id="rId26"/>
-    <p:sldId id="288" r:id="rId27"/>
-    <p:sldId id="259" r:id="rId28"/>
-    <p:sldId id="260" r:id="rId29"/>
-    <p:sldId id="261" r:id="rId30"/>
+    <p:sldId id="321" r:id="rId15"/>
+    <p:sldId id="323" r:id="rId16"/>
+    <p:sldId id="325" r:id="rId17"/>
+    <p:sldId id="324" r:id="rId18"/>
+    <p:sldId id="306" r:id="rId19"/>
+    <p:sldId id="270" r:id="rId20"/>
+    <p:sldId id="307" r:id="rId21"/>
+    <p:sldId id="315" r:id="rId22"/>
+    <p:sldId id="285" r:id="rId23"/>
+    <p:sldId id="289" r:id="rId24"/>
+    <p:sldId id="291" r:id="rId25"/>
+    <p:sldId id="292" r:id="rId26"/>
+    <p:sldId id="293" r:id="rId27"/>
+    <p:sldId id="298" r:id="rId28"/>
+    <p:sldId id="267" r:id="rId29"/>
+    <p:sldId id="287" r:id="rId30"/>
+    <p:sldId id="288" r:id="rId31"/>
+    <p:sldId id="259" r:id="rId32"/>
+    <p:sldId id="260" r:id="rId33"/>
+    <p:sldId id="261" r:id="rId34"/>
   </p:sldIdLst>
   <p:sldSz cx="9144000" cy="6858000" type="screen4x3"/>
   <p:notesSz cx="6858000" cy="9144000"/>
@@ -184,6 +188,10 @@
             <p14:sldId id="313"/>
             <p14:sldId id="310"/>
             <p14:sldId id="265"/>
+            <p14:sldId id="321"/>
+            <p14:sldId id="323"/>
+            <p14:sldId id="325"/>
+            <p14:sldId id="324"/>
           </p14:sldIdLst>
         </p14:section>
         <p14:section name="Actuarial Visualization" id="{1D1F7FD0-8F51-4D65-9C43-759341125BBE}">
@@ -253,7 +261,7 @@
   <pc:docChgLst>
     <pc:chgData name="Bonner Jordan - Hartford-Remote-HSB" userId="e82d229e-6edb-4e20-9ecc-a487e5c63362" providerId="ADAL" clId="{76C91056-D0C8-422A-ADD5-0DC98A576341}"/>
     <pc:docChg chg="undo custSel addSld delSld modSld sldOrd modSection">
-      <pc:chgData name="Bonner Jordan - Hartford-Remote-HSB" userId="e82d229e-6edb-4e20-9ecc-a487e5c63362" providerId="ADAL" clId="{76C91056-D0C8-422A-ADD5-0DC98A576341}" dt="2023-03-21T03:40:25.782" v="1785" actId="6549"/>
+      <pc:chgData name="Bonner Jordan - Hartford-Remote-HSB" userId="e82d229e-6edb-4e20-9ecc-a487e5c63362" providerId="ADAL" clId="{76C91056-D0C8-422A-ADD5-0DC98A576341}" dt="2023-04-06T04:28:23.587" v="2644" actId="20577"/>
       <pc:docMkLst>
         <pc:docMk/>
       </pc:docMkLst>
@@ -288,7 +296,7 @@
         </pc:spChg>
       </pc:sldChg>
       <pc:sldChg chg="addSp delSp modSp mod ord">
-        <pc:chgData name="Bonner Jordan - Hartford-Remote-HSB" userId="e82d229e-6edb-4e20-9ecc-a487e5c63362" providerId="ADAL" clId="{76C91056-D0C8-422A-ADD5-0DC98A576341}" dt="2023-03-21T03:37:16.078" v="1664" actId="6549"/>
+        <pc:chgData name="Bonner Jordan - Hartford-Remote-HSB" userId="e82d229e-6edb-4e20-9ecc-a487e5c63362" providerId="ADAL" clId="{76C91056-D0C8-422A-ADD5-0DC98A576341}" dt="2023-03-30T02:06:58.219" v="2082" actId="20577"/>
         <pc:sldMkLst>
           <pc:docMk/>
           <pc:sldMk cId="2741569399" sldId="265"/>
@@ -302,7 +310,7 @@
           </ac:spMkLst>
         </pc:spChg>
         <pc:spChg chg="mod">
-          <ac:chgData name="Bonner Jordan - Hartford-Remote-HSB" userId="e82d229e-6edb-4e20-9ecc-a487e5c63362" providerId="ADAL" clId="{76C91056-D0C8-422A-ADD5-0DC98A576341}" dt="2023-03-21T03:37:16.078" v="1664" actId="6549"/>
+          <ac:chgData name="Bonner Jordan - Hartford-Remote-HSB" userId="e82d229e-6edb-4e20-9ecc-a487e5c63362" providerId="ADAL" clId="{76C91056-D0C8-422A-ADD5-0DC98A576341}" dt="2023-03-30T02:06:58.219" v="2082" actId="20577"/>
           <ac:spMkLst>
             <pc:docMk/>
             <pc:sldMk cId="2741569399" sldId="265"/>
@@ -790,7 +798,7 @@
         </pc:picChg>
       </pc:sldChg>
       <pc:sldChg chg="delSp modSp add mod">
-        <pc:chgData name="Bonner Jordan - Hartford-Remote-HSB" userId="e82d229e-6edb-4e20-9ecc-a487e5c63362" providerId="ADAL" clId="{76C91056-D0C8-422A-ADD5-0DC98A576341}" dt="2023-03-21T03:35:28.692" v="1509" actId="113"/>
+        <pc:chgData name="Bonner Jordan - Hartford-Remote-HSB" userId="e82d229e-6edb-4e20-9ecc-a487e5c63362" providerId="ADAL" clId="{76C91056-D0C8-422A-ADD5-0DC98A576341}" dt="2023-03-31T02:52:34.121" v="2227" actId="12788"/>
         <pc:sldMkLst>
           <pc:docMk/>
           <pc:sldMk cId="205080381" sldId="311"/>
@@ -804,7 +812,7 @@
           </ac:spMkLst>
         </pc:spChg>
         <pc:spChg chg="mod">
-          <ac:chgData name="Bonner Jordan - Hartford-Remote-HSB" userId="e82d229e-6edb-4e20-9ecc-a487e5c63362" providerId="ADAL" clId="{76C91056-D0C8-422A-ADD5-0DC98A576341}" dt="2023-03-21T03:35:28.692" v="1509" actId="113"/>
+          <ac:chgData name="Bonner Jordan - Hartford-Remote-HSB" userId="e82d229e-6edb-4e20-9ecc-a487e5c63362" providerId="ADAL" clId="{76C91056-D0C8-422A-ADD5-0DC98A576341}" dt="2023-03-31T02:52:34.121" v="2227" actId="12788"/>
           <ac:spMkLst>
             <pc:docMk/>
             <pc:sldMk cId="205080381" sldId="311"/>
@@ -934,6 +942,260 @@
             <ac:spMk id="3" creationId="{39176E43-0115-E50B-D268-5E00760022A7}"/>
           </ac:spMkLst>
         </pc:spChg>
+      </pc:sldChg>
+      <pc:sldChg chg="modSp add del mod">
+        <pc:chgData name="Bonner Jordan - Hartford-Remote-HSB" userId="e82d229e-6edb-4e20-9ecc-a487e5c63362" providerId="ADAL" clId="{76C91056-D0C8-422A-ADD5-0DC98A576341}" dt="2023-04-06T01:57:27.314" v="2267" actId="47"/>
+        <pc:sldMkLst>
+          <pc:docMk/>
+          <pc:sldMk cId="3827428436" sldId="316"/>
+        </pc:sldMkLst>
+        <pc:spChg chg="mod">
+          <ac:chgData name="Bonner Jordan - Hartford-Remote-HSB" userId="e82d229e-6edb-4e20-9ecc-a487e5c63362" providerId="ADAL" clId="{76C91056-D0C8-422A-ADD5-0DC98A576341}" dt="2023-03-30T01:48:31.571" v="1816" actId="20577"/>
+          <ac:spMkLst>
+            <pc:docMk/>
+            <pc:sldMk cId="3827428436" sldId="316"/>
+            <ac:spMk id="2" creationId="{10B17ABD-BE88-D042-5997-22F660D5947A}"/>
+          </ac:spMkLst>
+        </pc:spChg>
+        <pc:spChg chg="mod">
+          <ac:chgData name="Bonner Jordan - Hartford-Remote-HSB" userId="e82d229e-6edb-4e20-9ecc-a487e5c63362" providerId="ADAL" clId="{76C91056-D0C8-422A-ADD5-0DC98A576341}" dt="2023-03-30T02:08:45.998" v="2108" actId="20577"/>
+          <ac:spMkLst>
+            <pc:docMk/>
+            <pc:sldMk cId="3827428436" sldId="316"/>
+            <ac:spMk id="3" creationId="{F33662A3-4DD5-0500-C0E1-EA5CF57A5ABC}"/>
+          </ac:spMkLst>
+        </pc:spChg>
+      </pc:sldChg>
+      <pc:sldChg chg="modSp add del mod modNotesTx">
+        <pc:chgData name="Bonner Jordan - Hartford-Remote-HSB" userId="e82d229e-6edb-4e20-9ecc-a487e5c63362" providerId="ADAL" clId="{76C91056-D0C8-422A-ADD5-0DC98A576341}" dt="2023-04-06T04:27:59.365" v="2625" actId="47"/>
+        <pc:sldMkLst>
+          <pc:docMk/>
+          <pc:sldMk cId="2922147038" sldId="317"/>
+        </pc:sldMkLst>
+        <pc:spChg chg="mod">
+          <ac:chgData name="Bonner Jordan - Hartford-Remote-HSB" userId="e82d229e-6edb-4e20-9ecc-a487e5c63362" providerId="ADAL" clId="{76C91056-D0C8-422A-ADD5-0DC98A576341}" dt="2023-03-30T01:58:20.479" v="1957" actId="20577"/>
+          <ac:spMkLst>
+            <pc:docMk/>
+            <pc:sldMk cId="2922147038" sldId="317"/>
+            <ac:spMk id="2" creationId="{10B17ABD-BE88-D042-5997-22F660D5947A}"/>
+          </ac:spMkLst>
+        </pc:spChg>
+        <pc:spChg chg="mod">
+          <ac:chgData name="Bonner Jordan - Hartford-Remote-HSB" userId="e82d229e-6edb-4e20-9ecc-a487e5c63362" providerId="ADAL" clId="{76C91056-D0C8-422A-ADD5-0DC98A576341}" dt="2023-03-30T01:59:19.605" v="1967" actId="20577"/>
+          <ac:spMkLst>
+            <pc:docMk/>
+            <pc:sldMk cId="2922147038" sldId="317"/>
+            <ac:spMk id="3" creationId="{F33662A3-4DD5-0500-C0E1-EA5CF57A5ABC}"/>
+          </ac:spMkLst>
+        </pc:spChg>
+      </pc:sldChg>
+      <pc:sldChg chg="modSp add del mod ord">
+        <pc:chgData name="Bonner Jordan - Hartford-Remote-HSB" userId="e82d229e-6edb-4e20-9ecc-a487e5c63362" providerId="ADAL" clId="{76C91056-D0C8-422A-ADD5-0DC98A576341}" dt="2023-04-06T02:32:59.443" v="2409" actId="47"/>
+        <pc:sldMkLst>
+          <pc:docMk/>
+          <pc:sldMk cId="3268346176" sldId="318"/>
+        </pc:sldMkLst>
+        <pc:spChg chg="mod">
+          <ac:chgData name="Bonner Jordan - Hartford-Remote-HSB" userId="e82d229e-6edb-4e20-9ecc-a487e5c63362" providerId="ADAL" clId="{76C91056-D0C8-422A-ADD5-0DC98A576341}" dt="2023-03-30T01:59:27.321" v="1993" actId="20577"/>
+          <ac:spMkLst>
+            <pc:docMk/>
+            <pc:sldMk cId="3268346176" sldId="318"/>
+            <ac:spMk id="2" creationId="{10B17ABD-BE88-D042-5997-22F660D5947A}"/>
+          </ac:spMkLst>
+        </pc:spChg>
+        <pc:spChg chg="mod">
+          <ac:chgData name="Bonner Jordan - Hartford-Remote-HSB" userId="e82d229e-6edb-4e20-9ecc-a487e5c63362" providerId="ADAL" clId="{76C91056-D0C8-422A-ADD5-0DC98A576341}" dt="2023-03-30T15:33:03.529" v="2129" actId="20577"/>
+          <ac:spMkLst>
+            <pc:docMk/>
+            <pc:sldMk cId="3268346176" sldId="318"/>
+            <ac:spMk id="3" creationId="{F33662A3-4DD5-0500-C0E1-EA5CF57A5ABC}"/>
+          </ac:spMkLst>
+        </pc:spChg>
+      </pc:sldChg>
+      <pc:sldChg chg="modSp add del mod ord">
+        <pc:chgData name="Bonner Jordan - Hartford-Remote-HSB" userId="e82d229e-6edb-4e20-9ecc-a487e5c63362" providerId="ADAL" clId="{76C91056-D0C8-422A-ADD5-0DC98A576341}" dt="2023-03-30T02:07:01.154" v="2083" actId="47"/>
+        <pc:sldMkLst>
+          <pc:docMk/>
+          <pc:sldMk cId="3849009846" sldId="319"/>
+        </pc:sldMkLst>
+        <pc:spChg chg="mod">
+          <ac:chgData name="Bonner Jordan - Hartford-Remote-HSB" userId="e82d229e-6edb-4e20-9ecc-a487e5c63362" providerId="ADAL" clId="{76C91056-D0C8-422A-ADD5-0DC98A576341}" dt="2023-03-30T01:59:55.842" v="2028" actId="20577"/>
+          <ac:spMkLst>
+            <pc:docMk/>
+            <pc:sldMk cId="3849009846" sldId="319"/>
+            <ac:spMk id="2" creationId="{10B17ABD-BE88-D042-5997-22F660D5947A}"/>
+          </ac:spMkLst>
+        </pc:spChg>
+      </pc:sldChg>
+      <pc:sldChg chg="modSp add del mod modNotesTx">
+        <pc:chgData name="Bonner Jordan - Hartford-Remote-HSB" userId="e82d229e-6edb-4e20-9ecc-a487e5c63362" providerId="ADAL" clId="{76C91056-D0C8-422A-ADD5-0DC98A576341}" dt="2023-04-06T03:57:04.205" v="2590" actId="47"/>
+        <pc:sldMkLst>
+          <pc:docMk/>
+          <pc:sldMk cId="3139596780" sldId="320"/>
+        </pc:sldMkLst>
+        <pc:spChg chg="mod">
+          <ac:chgData name="Bonner Jordan - Hartford-Remote-HSB" userId="e82d229e-6edb-4e20-9ecc-a487e5c63362" providerId="ADAL" clId="{76C91056-D0C8-422A-ADD5-0DC98A576341}" dt="2023-03-30T02:00:03.910" v="2049" actId="20577"/>
+          <ac:spMkLst>
+            <pc:docMk/>
+            <pc:sldMk cId="3139596780" sldId="320"/>
+            <ac:spMk id="2" creationId="{10B17ABD-BE88-D042-5997-22F660D5947A}"/>
+          </ac:spMkLst>
+        </pc:spChg>
+      </pc:sldChg>
+      <pc:sldChg chg="addSp delSp modSp add mod modNotesTx">
+        <pc:chgData name="Bonner Jordan - Hartford-Remote-HSB" userId="e82d229e-6edb-4e20-9ecc-a487e5c63362" providerId="ADAL" clId="{76C91056-D0C8-422A-ADD5-0DC98A576341}" dt="2023-04-06T01:57:42.781" v="2345" actId="20577"/>
+        <pc:sldMkLst>
+          <pc:docMk/>
+          <pc:sldMk cId="2913470376" sldId="321"/>
+        </pc:sldMkLst>
+        <pc:spChg chg="mod">
+          <ac:chgData name="Bonner Jordan - Hartford-Remote-HSB" userId="e82d229e-6edb-4e20-9ecc-a487e5c63362" providerId="ADAL" clId="{76C91056-D0C8-422A-ADD5-0DC98A576341}" dt="2023-04-03T02:24:50.137" v="2232" actId="14100"/>
+          <ac:spMkLst>
+            <pc:docMk/>
+            <pc:sldMk cId="2913470376" sldId="321"/>
+            <ac:spMk id="2" creationId="{10B17ABD-BE88-D042-5997-22F660D5947A}"/>
+          </ac:spMkLst>
+        </pc:spChg>
+        <pc:spChg chg="del mod">
+          <ac:chgData name="Bonner Jordan - Hartford-Remote-HSB" userId="e82d229e-6edb-4e20-9ecc-a487e5c63362" providerId="ADAL" clId="{76C91056-D0C8-422A-ADD5-0DC98A576341}" dt="2023-04-03T02:25:45.957" v="2258" actId="478"/>
+          <ac:spMkLst>
+            <pc:docMk/>
+            <pc:sldMk cId="2913470376" sldId="321"/>
+            <ac:spMk id="3" creationId="{F33662A3-4DD5-0500-C0E1-EA5CF57A5ABC}"/>
+          </ac:spMkLst>
+        </pc:spChg>
+        <pc:spChg chg="add mod">
+          <ac:chgData name="Bonner Jordan - Hartford-Remote-HSB" userId="e82d229e-6edb-4e20-9ecc-a487e5c63362" providerId="ADAL" clId="{76C91056-D0C8-422A-ADD5-0DC98A576341}" dt="2023-04-03T02:25:50.232" v="2260" actId="1076"/>
+          <ac:spMkLst>
+            <pc:docMk/>
+            <pc:sldMk cId="2913470376" sldId="321"/>
+            <ac:spMk id="4" creationId="{686B437B-B919-F9EB-B4B5-EFBFF26314C9}"/>
+          </ac:spMkLst>
+        </pc:spChg>
+        <pc:spChg chg="add del mod">
+          <ac:chgData name="Bonner Jordan - Hartford-Remote-HSB" userId="e82d229e-6edb-4e20-9ecc-a487e5c63362" providerId="ADAL" clId="{76C91056-D0C8-422A-ADD5-0DC98A576341}" dt="2023-04-03T02:25:47.957" v="2259" actId="478"/>
+          <ac:spMkLst>
+            <pc:docMk/>
+            <pc:sldMk cId="2913470376" sldId="321"/>
+            <ac:spMk id="6" creationId="{00CB7E50-BF92-B2DF-EA65-B45AD387FDAC}"/>
+          </ac:spMkLst>
+        </pc:spChg>
+        <pc:picChg chg="add mod">
+          <ac:chgData name="Bonner Jordan - Hartford-Remote-HSB" userId="e82d229e-6edb-4e20-9ecc-a487e5c63362" providerId="ADAL" clId="{76C91056-D0C8-422A-ADD5-0DC98A576341}" dt="2023-04-03T02:30:45.943" v="2266" actId="14826"/>
+          <ac:picMkLst>
+            <pc:docMk/>
+            <pc:sldMk cId="2913470376" sldId="321"/>
+            <ac:picMk id="7" creationId="{CF602B87-1FF7-623E-22FA-DF09204653B0}"/>
+          </ac:picMkLst>
+        </pc:picChg>
+      </pc:sldChg>
+      <pc:sldChg chg="modSp add del mod modNotesTx">
+        <pc:chgData name="Bonner Jordan - Hartford-Remote-HSB" userId="e82d229e-6edb-4e20-9ecc-a487e5c63362" providerId="ADAL" clId="{76C91056-D0C8-422A-ADD5-0DC98A576341}" dt="2023-04-06T02:32:45.588" v="2408" actId="47"/>
+        <pc:sldMkLst>
+          <pc:docMk/>
+          <pc:sldMk cId="1884587916" sldId="322"/>
+        </pc:sldMkLst>
+        <pc:spChg chg="mod">
+          <ac:chgData name="Bonner Jordan - Hartford-Remote-HSB" userId="e82d229e-6edb-4e20-9ecc-a487e5c63362" providerId="ADAL" clId="{76C91056-D0C8-422A-ADD5-0DC98A576341}" dt="2023-04-06T01:58:04.743" v="2367" actId="20577"/>
+          <ac:spMkLst>
+            <pc:docMk/>
+            <pc:sldMk cId="1884587916" sldId="322"/>
+            <ac:spMk id="2" creationId="{10B17ABD-BE88-D042-5997-22F660D5947A}"/>
+          </ac:spMkLst>
+        </pc:spChg>
+        <pc:spChg chg="mod">
+          <ac:chgData name="Bonner Jordan - Hartford-Remote-HSB" userId="e82d229e-6edb-4e20-9ecc-a487e5c63362" providerId="ADAL" clId="{76C91056-D0C8-422A-ADD5-0DC98A576341}" dt="2023-04-06T01:58:08.882" v="2376" actId="20577"/>
+          <ac:spMkLst>
+            <pc:docMk/>
+            <pc:sldMk cId="1884587916" sldId="322"/>
+            <ac:spMk id="4" creationId="{686B437B-B919-F9EB-B4B5-EFBFF26314C9}"/>
+          </ac:spMkLst>
+        </pc:spChg>
+      </pc:sldChg>
+      <pc:sldChg chg="modSp add mod modNotesTx">
+        <pc:chgData name="Bonner Jordan - Hartford-Remote-HSB" userId="e82d229e-6edb-4e20-9ecc-a487e5c63362" providerId="ADAL" clId="{76C91056-D0C8-422A-ADD5-0DC98A576341}" dt="2023-04-06T02:32:42.611" v="2407"/>
+        <pc:sldMkLst>
+          <pc:docMk/>
+          <pc:sldMk cId="3497283673" sldId="323"/>
+        </pc:sldMkLst>
+        <pc:spChg chg="mod">
+          <ac:chgData name="Bonner Jordan - Hartford-Remote-HSB" userId="e82d229e-6edb-4e20-9ecc-a487e5c63362" providerId="ADAL" clId="{76C91056-D0C8-422A-ADD5-0DC98A576341}" dt="2023-04-06T02:31:24.121" v="2391" actId="20577"/>
+          <ac:spMkLst>
+            <pc:docMk/>
+            <pc:sldMk cId="3497283673" sldId="323"/>
+            <ac:spMk id="4" creationId="{686B437B-B919-F9EB-B4B5-EFBFF26314C9}"/>
+          </ac:spMkLst>
+        </pc:spChg>
+        <pc:picChg chg="mod">
+          <ac:chgData name="Bonner Jordan - Hartford-Remote-HSB" userId="e82d229e-6edb-4e20-9ecc-a487e5c63362" providerId="ADAL" clId="{76C91056-D0C8-422A-ADD5-0DC98A576341}" dt="2023-04-06T02:32:05.185" v="2392" actId="14826"/>
+          <ac:picMkLst>
+            <pc:docMk/>
+            <pc:sldMk cId="3497283673" sldId="323"/>
+            <ac:picMk id="7" creationId="{CF602B87-1FF7-623E-22FA-DF09204653B0}"/>
+          </ac:picMkLst>
+        </pc:picChg>
+      </pc:sldChg>
+      <pc:sldChg chg="modSp add mod modNotesTx">
+        <pc:chgData name="Bonner Jordan - Hartford-Remote-HSB" userId="e82d229e-6edb-4e20-9ecc-a487e5c63362" providerId="ADAL" clId="{76C91056-D0C8-422A-ADD5-0DC98A576341}" dt="2023-04-06T04:28:21.315" v="2643" actId="20577"/>
+        <pc:sldMkLst>
+          <pc:docMk/>
+          <pc:sldMk cId="1134655189" sldId="324"/>
+        </pc:sldMkLst>
+        <pc:spChg chg="mod">
+          <ac:chgData name="Bonner Jordan - Hartford-Remote-HSB" userId="e82d229e-6edb-4e20-9ecc-a487e5c63362" providerId="ADAL" clId="{76C91056-D0C8-422A-ADD5-0DC98A576341}" dt="2023-04-06T04:28:12.595" v="2642" actId="20577"/>
+          <ac:spMkLst>
+            <pc:docMk/>
+            <pc:sldMk cId="1134655189" sldId="324"/>
+            <ac:spMk id="2" creationId="{10B17ABD-BE88-D042-5997-22F660D5947A}"/>
+          </ac:spMkLst>
+        </pc:spChg>
+        <pc:spChg chg="mod">
+          <ac:chgData name="Bonner Jordan - Hartford-Remote-HSB" userId="e82d229e-6edb-4e20-9ecc-a487e5c63362" providerId="ADAL" clId="{76C91056-D0C8-422A-ADD5-0DC98A576341}" dt="2023-04-06T04:28:21.315" v="2643" actId="20577"/>
+          <ac:spMkLst>
+            <pc:docMk/>
+            <pc:sldMk cId="1134655189" sldId="324"/>
+            <ac:spMk id="4" creationId="{686B437B-B919-F9EB-B4B5-EFBFF26314C9}"/>
+          </ac:spMkLst>
+        </pc:spChg>
+        <pc:picChg chg="mod">
+          <ac:chgData name="Bonner Jordan - Hartford-Remote-HSB" userId="e82d229e-6edb-4e20-9ecc-a487e5c63362" providerId="ADAL" clId="{76C91056-D0C8-422A-ADD5-0DC98A576341}" dt="2023-04-06T03:56:48.449" v="2587" actId="14826"/>
+          <ac:picMkLst>
+            <pc:docMk/>
+            <pc:sldMk cId="1134655189" sldId="324"/>
+            <ac:picMk id="7" creationId="{CF602B87-1FF7-623E-22FA-DF09204653B0}"/>
+          </ac:picMkLst>
+        </pc:picChg>
+      </pc:sldChg>
+      <pc:sldChg chg="modSp add mod modNotesTx">
+        <pc:chgData name="Bonner Jordan - Hartford-Remote-HSB" userId="e82d229e-6edb-4e20-9ecc-a487e5c63362" providerId="ADAL" clId="{76C91056-D0C8-422A-ADD5-0DC98A576341}" dt="2023-04-06T04:28:23.587" v="2644" actId="20577"/>
+        <pc:sldMkLst>
+          <pc:docMk/>
+          <pc:sldMk cId="3082247570" sldId="325"/>
+        </pc:sldMkLst>
+        <pc:spChg chg="mod">
+          <ac:chgData name="Bonner Jordan - Hartford-Remote-HSB" userId="e82d229e-6edb-4e20-9ecc-a487e5c63362" providerId="ADAL" clId="{76C91056-D0C8-422A-ADD5-0DC98A576341}" dt="2023-04-06T04:27:53.545" v="2624" actId="20577"/>
+          <ac:spMkLst>
+            <pc:docMk/>
+            <pc:sldMk cId="3082247570" sldId="325"/>
+            <ac:spMk id="2" creationId="{10B17ABD-BE88-D042-5997-22F660D5947A}"/>
+          </ac:spMkLst>
+        </pc:spChg>
+        <pc:spChg chg="mod">
+          <ac:chgData name="Bonner Jordan - Hartford-Remote-HSB" userId="e82d229e-6edb-4e20-9ecc-a487e5c63362" providerId="ADAL" clId="{76C91056-D0C8-422A-ADD5-0DC98A576341}" dt="2023-04-06T04:28:23.587" v="2644" actId="20577"/>
+          <ac:spMkLst>
+            <pc:docMk/>
+            <pc:sldMk cId="3082247570" sldId="325"/>
+            <ac:spMk id="4" creationId="{686B437B-B919-F9EB-B4B5-EFBFF26314C9}"/>
+          </ac:spMkLst>
+        </pc:spChg>
+        <pc:picChg chg="mod">
+          <ac:chgData name="Bonner Jordan - Hartford-Remote-HSB" userId="e82d229e-6edb-4e20-9ecc-a487e5c63362" providerId="ADAL" clId="{76C91056-D0C8-422A-ADD5-0DC98A576341}" dt="2023-04-06T04:27:34.839" v="2592" actId="14826"/>
+          <ac:picMkLst>
+            <pc:docMk/>
+            <pc:sldMk cId="3082247570" sldId="325"/>
+            <ac:picMk id="7" creationId="{CF602B87-1FF7-623E-22FA-DF09204653B0}"/>
+          </ac:picMkLst>
+        </pc:picChg>
       </pc:sldChg>
     </pc:docChg>
   </pc:docChgLst>
@@ -1670,6 +1932,378 @@
 </p:notes>
 </file>
 
+<file path=ppt/notesSlides/notesSlide4.xml><?xml version="1.0" encoding="utf-8"?>
+<p:notes xmlns:a="http://schemas.openxmlformats.org/drawingml/2006/main" xmlns:r="http://schemas.openxmlformats.org/officeDocument/2006/relationships" xmlns:p="http://schemas.openxmlformats.org/presentationml/2006/main">
+  <p:cSld>
+    <p:spTree>
+      <p:nvGrpSpPr>
+        <p:cNvPr id="1" name=""/>
+        <p:cNvGrpSpPr/>
+        <p:nvPr/>
+      </p:nvGrpSpPr>
+      <p:grpSpPr>
+        <a:xfrm>
+          <a:off x="0" y="0"/>
+          <a:ext cx="0" cy="0"/>
+          <a:chOff x="0" y="0"/>
+          <a:chExt cx="0" cy="0"/>
+        </a:xfrm>
+      </p:grpSpPr>
+      <p:sp>
+        <p:nvSpPr>
+          <p:cNvPr id="2" name="Slide Image Placeholder 1"/>
+          <p:cNvSpPr>
+            <a:spLocks noGrp="1" noRot="1" noChangeAspect="1"/>
+          </p:cNvSpPr>
+          <p:nvPr>
+            <p:ph type="sldImg"/>
+          </p:nvPr>
+        </p:nvSpPr>
+        <p:spPr/>
+      </p:sp>
+      <p:sp>
+        <p:nvSpPr>
+          <p:cNvPr id="3" name="Notes Placeholder 2"/>
+          <p:cNvSpPr>
+            <a:spLocks noGrp="1"/>
+          </p:cNvSpPr>
+          <p:nvPr>
+            <p:ph type="body" idx="1"/>
+          </p:nvPr>
+        </p:nvSpPr>
+        <p:spPr/>
+        <p:txBody>
+          <a:bodyPr/>
+          <a:lstStyle/>
+          <a:p>
+            <a:r>
+              <a:rPr lang="en-US" dirty="0"/>
+              <a:t>We could also show an exhibit on Loss Development here, too? Not sure.</a:t>
+            </a:r>
+          </a:p>
+        </p:txBody>
+      </p:sp>
+      <p:sp>
+        <p:nvSpPr>
+          <p:cNvPr id="4" name="Slide Number Placeholder 3"/>
+          <p:cNvSpPr>
+            <a:spLocks noGrp="1"/>
+          </p:cNvSpPr>
+          <p:nvPr>
+            <p:ph type="sldNum" sz="quarter" idx="5"/>
+          </p:nvPr>
+        </p:nvSpPr>
+        <p:spPr/>
+        <p:txBody>
+          <a:bodyPr/>
+          <a:lstStyle/>
+          <a:p>
+            <a:pPr>
+              <a:defRPr/>
+            </a:pPr>
+            <a:fld id="{A1D775D4-8371-4D20-A3D5-2FC6977A2504}" type="slidenum">
+              <a:rPr lang="en-US" smtClean="0"/>
+              <a:pPr>
+                <a:defRPr/>
+              </a:pPr>
+              <a:t>11</a:t>
+            </a:fld>
+            <a:endParaRPr lang="en-US"/>
+          </a:p>
+        </p:txBody>
+      </p:sp>
+    </p:spTree>
+    <p:extLst>
+      <p:ext uri="{BB962C8B-B14F-4D97-AF65-F5344CB8AC3E}">
+        <p14:creationId xmlns:p14="http://schemas.microsoft.com/office/powerpoint/2010/main" val="815721907"/>
+      </p:ext>
+    </p:extLst>
+  </p:cSld>
+  <p:clrMapOvr>
+    <a:masterClrMapping/>
+  </p:clrMapOvr>
+</p:notes>
+</file>
+
+<file path=ppt/notesSlides/notesSlide5.xml><?xml version="1.0" encoding="utf-8"?>
+<p:notes xmlns:a="http://schemas.openxmlformats.org/drawingml/2006/main" xmlns:r="http://schemas.openxmlformats.org/officeDocument/2006/relationships" xmlns:p="http://schemas.openxmlformats.org/presentationml/2006/main">
+  <p:cSld>
+    <p:spTree>
+      <p:nvGrpSpPr>
+        <p:cNvPr id="1" name=""/>
+        <p:cNvGrpSpPr/>
+        <p:nvPr/>
+      </p:nvGrpSpPr>
+      <p:grpSpPr>
+        <a:xfrm>
+          <a:off x="0" y="0"/>
+          <a:ext cx="0" cy="0"/>
+          <a:chOff x="0" y="0"/>
+          <a:chExt cx="0" cy="0"/>
+        </a:xfrm>
+      </p:grpSpPr>
+      <p:sp>
+        <p:nvSpPr>
+          <p:cNvPr id="2" name="Slide Image Placeholder 1"/>
+          <p:cNvSpPr>
+            <a:spLocks noGrp="1" noRot="1" noChangeAspect="1"/>
+          </p:cNvSpPr>
+          <p:nvPr>
+            <p:ph type="sldImg"/>
+          </p:nvPr>
+        </p:nvSpPr>
+        <p:spPr/>
+      </p:sp>
+      <p:sp>
+        <p:nvSpPr>
+          <p:cNvPr id="3" name="Notes Placeholder 2"/>
+          <p:cNvSpPr>
+            <a:spLocks noGrp="1"/>
+          </p:cNvSpPr>
+          <p:nvPr>
+            <p:ph type="body" idx="1"/>
+          </p:nvPr>
+        </p:nvSpPr>
+        <p:spPr/>
+        <p:txBody>
+          <a:bodyPr/>
+          <a:lstStyle/>
+          <a:p>
+            <a:r>
+              <a:rPr lang="en-US" dirty="0"/>
+              <a:t>We could also show an exhibit on box plots here, too? Not sure.</a:t>
+            </a:r>
+          </a:p>
+        </p:txBody>
+      </p:sp>
+      <p:sp>
+        <p:nvSpPr>
+          <p:cNvPr id="4" name="Slide Number Placeholder 3"/>
+          <p:cNvSpPr>
+            <a:spLocks noGrp="1"/>
+          </p:cNvSpPr>
+          <p:nvPr>
+            <p:ph type="sldNum" sz="quarter" idx="5"/>
+          </p:nvPr>
+        </p:nvSpPr>
+        <p:spPr/>
+        <p:txBody>
+          <a:bodyPr/>
+          <a:lstStyle/>
+          <a:p>
+            <a:pPr>
+              <a:defRPr/>
+            </a:pPr>
+            <a:fld id="{A1D775D4-8371-4D20-A3D5-2FC6977A2504}" type="slidenum">
+              <a:rPr lang="en-US" smtClean="0"/>
+              <a:pPr>
+                <a:defRPr/>
+              </a:pPr>
+              <a:t>12</a:t>
+            </a:fld>
+            <a:endParaRPr lang="en-US"/>
+          </a:p>
+        </p:txBody>
+      </p:sp>
+    </p:spTree>
+    <p:extLst>
+      <p:ext uri="{BB962C8B-B14F-4D97-AF65-F5344CB8AC3E}">
+        <p14:creationId xmlns:p14="http://schemas.microsoft.com/office/powerpoint/2010/main" val="1242701618"/>
+      </p:ext>
+    </p:extLst>
+  </p:cSld>
+  <p:clrMapOvr>
+    <a:masterClrMapping/>
+  </p:clrMapOvr>
+</p:notes>
+</file>
+
+<file path=ppt/notesSlides/notesSlide6.xml><?xml version="1.0" encoding="utf-8"?>
+<p:notes xmlns:a="http://schemas.openxmlformats.org/drawingml/2006/main" xmlns:r="http://schemas.openxmlformats.org/officeDocument/2006/relationships" xmlns:p="http://schemas.openxmlformats.org/presentationml/2006/main">
+  <p:cSld>
+    <p:spTree>
+      <p:nvGrpSpPr>
+        <p:cNvPr id="1" name=""/>
+        <p:cNvGrpSpPr/>
+        <p:nvPr/>
+      </p:nvGrpSpPr>
+      <p:grpSpPr>
+        <a:xfrm>
+          <a:off x="0" y="0"/>
+          <a:ext cx="0" cy="0"/>
+          <a:chOff x="0" y="0"/>
+          <a:chExt cx="0" cy="0"/>
+        </a:xfrm>
+      </p:grpSpPr>
+      <p:sp>
+        <p:nvSpPr>
+          <p:cNvPr id="2" name="Slide Image Placeholder 1"/>
+          <p:cNvSpPr>
+            <a:spLocks noGrp="1" noRot="1" noChangeAspect="1"/>
+          </p:cNvSpPr>
+          <p:nvPr>
+            <p:ph type="sldImg"/>
+          </p:nvPr>
+        </p:nvSpPr>
+        <p:spPr/>
+      </p:sp>
+      <p:sp>
+        <p:nvSpPr>
+          <p:cNvPr id="3" name="Notes Placeholder 2"/>
+          <p:cNvSpPr>
+            <a:spLocks noGrp="1"/>
+          </p:cNvSpPr>
+          <p:nvPr>
+            <p:ph type="body" idx="1"/>
+          </p:nvPr>
+        </p:nvSpPr>
+        <p:spPr/>
+        <p:txBody>
+          <a:bodyPr/>
+          <a:lstStyle/>
+          <a:p>
+            <a:r>
+              <a:rPr lang="en-US" dirty="0"/>
+              <a:t>Could we show line chart over time with a particular group behaving clearly different?</a:t>
+            </a:r>
+          </a:p>
+        </p:txBody>
+      </p:sp>
+      <p:sp>
+        <p:nvSpPr>
+          <p:cNvPr id="4" name="Slide Number Placeholder 3"/>
+          <p:cNvSpPr>
+            <a:spLocks noGrp="1"/>
+          </p:cNvSpPr>
+          <p:nvPr>
+            <p:ph type="sldNum" sz="quarter" idx="5"/>
+          </p:nvPr>
+        </p:nvSpPr>
+        <p:spPr/>
+        <p:txBody>
+          <a:bodyPr/>
+          <a:lstStyle/>
+          <a:p>
+            <a:pPr>
+              <a:defRPr/>
+            </a:pPr>
+            <a:fld id="{A1D775D4-8371-4D20-A3D5-2FC6977A2504}" type="slidenum">
+              <a:rPr lang="en-US" smtClean="0"/>
+              <a:pPr>
+                <a:defRPr/>
+              </a:pPr>
+              <a:t>13</a:t>
+            </a:fld>
+            <a:endParaRPr lang="en-US"/>
+          </a:p>
+        </p:txBody>
+      </p:sp>
+    </p:spTree>
+    <p:extLst>
+      <p:ext uri="{BB962C8B-B14F-4D97-AF65-F5344CB8AC3E}">
+        <p14:creationId xmlns:p14="http://schemas.microsoft.com/office/powerpoint/2010/main" val="1350505746"/>
+      </p:ext>
+    </p:extLst>
+  </p:cSld>
+  <p:clrMapOvr>
+    <a:masterClrMapping/>
+  </p:clrMapOvr>
+</p:notes>
+</file>
+
+<file path=ppt/notesSlides/notesSlide7.xml><?xml version="1.0" encoding="utf-8"?>
+<p:notes xmlns:a="http://schemas.openxmlformats.org/drawingml/2006/main" xmlns:r="http://schemas.openxmlformats.org/officeDocument/2006/relationships" xmlns:p="http://schemas.openxmlformats.org/presentationml/2006/main">
+  <p:cSld>
+    <p:spTree>
+      <p:nvGrpSpPr>
+        <p:cNvPr id="1" name=""/>
+        <p:cNvGrpSpPr/>
+        <p:nvPr/>
+      </p:nvGrpSpPr>
+      <p:grpSpPr>
+        <a:xfrm>
+          <a:off x="0" y="0"/>
+          <a:ext cx="0" cy="0"/>
+          <a:chOff x="0" y="0"/>
+          <a:chExt cx="0" cy="0"/>
+        </a:xfrm>
+      </p:grpSpPr>
+      <p:sp>
+        <p:nvSpPr>
+          <p:cNvPr id="2" name="Slide Image Placeholder 1"/>
+          <p:cNvSpPr>
+            <a:spLocks noGrp="1" noRot="1" noChangeAspect="1"/>
+          </p:cNvSpPr>
+          <p:nvPr>
+            <p:ph type="sldImg"/>
+          </p:nvPr>
+        </p:nvSpPr>
+        <p:spPr/>
+      </p:sp>
+      <p:sp>
+        <p:nvSpPr>
+          <p:cNvPr id="3" name="Notes Placeholder 2"/>
+          <p:cNvSpPr>
+            <a:spLocks noGrp="1"/>
+          </p:cNvSpPr>
+          <p:nvPr>
+            <p:ph type="body" idx="1"/>
+          </p:nvPr>
+        </p:nvSpPr>
+        <p:spPr/>
+        <p:txBody>
+          <a:bodyPr/>
+          <a:lstStyle/>
+          <a:p>
+            <a:r>
+              <a:rPr lang="en-US" dirty="0"/>
+              <a:t>Which are you more likely to remember?</a:t>
+            </a:r>
+          </a:p>
+        </p:txBody>
+      </p:sp>
+      <p:sp>
+        <p:nvSpPr>
+          <p:cNvPr id="4" name="Slide Number Placeholder 3"/>
+          <p:cNvSpPr>
+            <a:spLocks noGrp="1"/>
+          </p:cNvSpPr>
+          <p:nvPr>
+            <p:ph type="sldNum" sz="quarter" idx="5"/>
+          </p:nvPr>
+        </p:nvSpPr>
+        <p:spPr/>
+        <p:txBody>
+          <a:bodyPr/>
+          <a:lstStyle/>
+          <a:p>
+            <a:pPr>
+              <a:defRPr/>
+            </a:pPr>
+            <a:fld id="{A1D775D4-8371-4D20-A3D5-2FC6977A2504}" type="slidenum">
+              <a:rPr lang="en-US" smtClean="0"/>
+              <a:pPr>
+                <a:defRPr/>
+              </a:pPr>
+              <a:t>14</a:t>
+            </a:fld>
+            <a:endParaRPr lang="en-US"/>
+          </a:p>
+        </p:txBody>
+      </p:sp>
+    </p:spTree>
+    <p:extLst>
+      <p:ext uri="{BB962C8B-B14F-4D97-AF65-F5344CB8AC3E}">
+        <p14:creationId xmlns:p14="http://schemas.microsoft.com/office/powerpoint/2010/main" val="2246081486"/>
+      </p:ext>
+    </p:extLst>
+  </p:cSld>
+  <p:clrMapOvr>
+    <a:masterClrMapping/>
+  </p:clrMapOvr>
+</p:notes>
+</file>
+
 <file path=ppt/slideLayouts/slideLayout1.xml><?xml version="1.0" encoding="utf-8"?>
 <p:sldLayout xmlns:a="http://schemas.openxmlformats.org/drawingml/2006/main" xmlns:r="http://schemas.openxmlformats.org/officeDocument/2006/relationships" xmlns:p="http://schemas.openxmlformats.org/presentationml/2006/main" type="title" preserve="1">
   <p:cSld name="Title Slide">
@@ -2458,7 +3092,7 @@
               <a:pPr>
                 <a:defRPr/>
               </a:pPr>
-              <a:t>3/20/2023</a:t>
+              <a:t>4/5/2023</a:t>
             </a:fld>
             <a:endParaRPr lang="en-US"/>
           </a:p>
@@ -2657,7 +3291,7 @@
               <a:pPr>
                 <a:defRPr/>
               </a:pPr>
-              <a:t>3/20/2023</a:t>
+              <a:t>4/5/2023</a:t>
             </a:fld>
             <a:endParaRPr lang="en-US"/>
           </a:p>
@@ -2924,7 +3558,7 @@
               <a:pPr>
                 <a:defRPr/>
               </a:pPr>
-              <a:t>3/20/2023</a:t>
+              <a:t>4/5/2023</a:t>
             </a:fld>
             <a:endParaRPr lang="en-US"/>
           </a:p>
@@ -3231,7 +3865,7 @@
               <a:pPr>
                 <a:defRPr/>
               </a:pPr>
-              <a:t>3/20/2023</a:t>
+              <a:t>4/5/2023</a:t>
             </a:fld>
             <a:endParaRPr lang="en-US"/>
           </a:p>
@@ -3672,7 +4306,7 @@
               <a:pPr>
                 <a:defRPr/>
               </a:pPr>
-              <a:t>3/20/2023</a:t>
+              <a:t>4/5/2023</a:t>
             </a:fld>
             <a:endParaRPr lang="en-US"/>
           </a:p>
@@ -3811,7 +4445,7 @@
               <a:pPr>
                 <a:defRPr/>
               </a:pPr>
-              <a:t>3/20/2023</a:t>
+              <a:t>4/5/2023</a:t>
             </a:fld>
             <a:endParaRPr lang="en-US"/>
           </a:p>
@@ -3928,7 +4562,7 @@
               <a:pPr>
                 <a:defRPr/>
               </a:pPr>
-              <a:t>3/20/2023</a:t>
+              <a:t>4/5/2023</a:t>
             </a:fld>
             <a:endParaRPr lang="en-US"/>
           </a:p>
@@ -4225,7 +4859,7 @@
               <a:pPr>
                 <a:defRPr/>
               </a:pPr>
-              <a:t>3/20/2023</a:t>
+              <a:t>4/5/2023</a:t>
             </a:fld>
             <a:endParaRPr lang="en-US"/>
           </a:p>
@@ -4691,7 +5325,7 @@
               <a:pPr>
                 <a:defRPr/>
               </a:pPr>
-              <a:t>3/20/2023</a:t>
+              <a:t>4/5/2023</a:t>
             </a:fld>
             <a:endParaRPr lang="en-US"/>
           </a:p>
@@ -4881,7 +5515,7 @@
               <a:pPr>
                 <a:defRPr/>
               </a:pPr>
-              <a:t>3/20/2023</a:t>
+              <a:t>4/5/2023</a:t>
             </a:fld>
             <a:endParaRPr lang="en-US"/>
           </a:p>
@@ -5081,7 +5715,7 @@
               <a:pPr>
                 <a:defRPr/>
               </a:pPr>
-              <a:t>3/20/2023</a:t>
+              <a:t>4/5/2023</a:t>
             </a:fld>
             <a:endParaRPr lang="en-US"/>
           </a:p>
@@ -5343,7 +5977,7 @@
               <a:pPr>
                 <a:defRPr/>
               </a:pPr>
-              <a:t>3/20/2023</a:t>
+              <a:t>4/5/2023</a:t>
             </a:fld>
             <a:endParaRPr lang="en-US"/>
           </a:p>
@@ -5542,7 +6176,7 @@
               <a:pPr>
                 <a:defRPr/>
               </a:pPr>
-              <a:t>3/20/2023</a:t>
+              <a:t>4/5/2023</a:t>
             </a:fld>
             <a:endParaRPr lang="en-US"/>
           </a:p>
@@ -5809,7 +6443,7 @@
               <a:pPr>
                 <a:defRPr/>
               </a:pPr>
-              <a:t>3/20/2023</a:t>
+              <a:t>4/5/2023</a:t>
             </a:fld>
             <a:endParaRPr lang="en-US"/>
           </a:p>
@@ -6116,7 +6750,7 @@
               <a:pPr>
                 <a:defRPr/>
               </a:pPr>
-              <a:t>3/20/2023</a:t>
+              <a:t>4/5/2023</a:t>
             </a:fld>
             <a:endParaRPr lang="en-US"/>
           </a:p>
@@ -6557,7 +7191,7 @@
               <a:pPr>
                 <a:defRPr/>
               </a:pPr>
-              <a:t>3/20/2023</a:t>
+              <a:t>4/5/2023</a:t>
             </a:fld>
             <a:endParaRPr lang="en-US"/>
           </a:p>
@@ -6696,7 +7330,7 @@
               <a:pPr>
                 <a:defRPr/>
               </a:pPr>
-              <a:t>3/20/2023</a:t>
+              <a:t>4/5/2023</a:t>
             </a:fld>
             <a:endParaRPr lang="en-US"/>
           </a:p>
@@ -6813,7 +7447,7 @@
               <a:pPr>
                 <a:defRPr/>
               </a:pPr>
-              <a:t>3/20/2023</a:t>
+              <a:t>4/5/2023</a:t>
             </a:fld>
             <a:endParaRPr lang="en-US"/>
           </a:p>
@@ -7322,7 +7956,7 @@
               <a:pPr>
                 <a:defRPr/>
               </a:pPr>
-              <a:t>3/20/2023</a:t>
+              <a:t>4/5/2023</a:t>
             </a:fld>
             <a:endParaRPr lang="en-US"/>
           </a:p>
@@ -7599,7 +8233,7 @@
               <a:pPr>
                 <a:defRPr/>
               </a:pPr>
-              <a:t>3/20/2023</a:t>
+              <a:t>4/5/2023</a:t>
             </a:fld>
             <a:endParaRPr lang="en-US"/>
           </a:p>
@@ -7789,7 +8423,7 @@
               <a:pPr>
                 <a:defRPr/>
               </a:pPr>
-              <a:t>3/20/2023</a:t>
+              <a:t>4/5/2023</a:t>
             </a:fld>
             <a:endParaRPr lang="en-US"/>
           </a:p>
@@ -7989,7 +8623,7 @@
               <a:pPr>
                 <a:defRPr/>
               </a:pPr>
-              <a:t>3/20/2023</a:t>
+              <a:t>4/5/2023</a:t>
             </a:fld>
             <a:endParaRPr lang="en-US"/>
           </a:p>
@@ -8251,7 +8885,7 @@
               <a:pPr>
                 <a:defRPr/>
               </a:pPr>
-              <a:t>3/20/2023</a:t>
+              <a:t>4/5/2023</a:t>
             </a:fld>
             <a:endParaRPr lang="en-US"/>
           </a:p>
@@ -8441,7 +9075,7 @@
               <a:pPr>
                 <a:defRPr/>
               </a:pPr>
-              <a:t>3/20/2023</a:t>
+              <a:t>4/5/2023</a:t>
             </a:fld>
             <a:endParaRPr lang="en-US"/>
           </a:p>
@@ -8708,7 +9342,7 @@
               <a:pPr>
                 <a:defRPr/>
               </a:pPr>
-              <a:t>3/20/2023</a:t>
+              <a:t>4/5/2023</a:t>
             </a:fld>
             <a:endParaRPr lang="en-US"/>
           </a:p>
@@ -9015,7 +9649,7 @@
               <a:pPr>
                 <a:defRPr/>
               </a:pPr>
-              <a:t>3/20/2023</a:t>
+              <a:t>4/5/2023</a:t>
             </a:fld>
             <a:endParaRPr lang="en-US"/>
           </a:p>
@@ -9456,7 +10090,7 @@
               <a:pPr>
                 <a:defRPr/>
               </a:pPr>
-              <a:t>3/20/2023</a:t>
+              <a:t>4/5/2023</a:t>
             </a:fld>
             <a:endParaRPr lang="en-US"/>
           </a:p>
@@ -9595,7 +10229,7 @@
               <a:pPr>
                 <a:defRPr/>
               </a:pPr>
-              <a:t>3/20/2023</a:t>
+              <a:t>4/5/2023</a:t>
             </a:fld>
             <a:endParaRPr lang="en-US"/>
           </a:p>
@@ -10018,7 +10652,7 @@
               <a:pPr>
                 <a:defRPr/>
               </a:pPr>
-              <a:t>3/20/2023</a:t>
+              <a:t>4/5/2023</a:t>
             </a:fld>
             <a:endParaRPr lang="en-US"/>
           </a:p>
@@ -10315,7 +10949,7 @@
               <a:pPr>
                 <a:defRPr/>
               </a:pPr>
-              <a:t>3/20/2023</a:t>
+              <a:t>4/5/2023</a:t>
             </a:fld>
             <a:endParaRPr lang="en-US"/>
           </a:p>
@@ -10592,7 +11226,7 @@
               <a:pPr>
                 <a:defRPr/>
               </a:pPr>
-              <a:t>3/20/2023</a:t>
+              <a:t>4/5/2023</a:t>
             </a:fld>
             <a:endParaRPr lang="en-US"/>
           </a:p>
@@ -10782,7 +11416,7 @@
               <a:pPr>
                 <a:defRPr/>
               </a:pPr>
-              <a:t>3/20/2023</a:t>
+              <a:t>4/5/2023</a:t>
             </a:fld>
             <a:endParaRPr lang="en-US"/>
           </a:p>
@@ -10982,7 +11616,7 @@
               <a:pPr>
                 <a:defRPr/>
               </a:pPr>
-              <a:t>3/20/2023</a:t>
+              <a:t>4/5/2023</a:t>
             </a:fld>
             <a:endParaRPr lang="en-US"/>
           </a:p>
@@ -13186,7 +13820,7 @@
               <a:pPr>
                 <a:defRPr/>
               </a:pPr>
-              <a:t>3/20/2023</a:t>
+              <a:t>4/5/2023</a:t>
             </a:fld>
             <a:endParaRPr lang="en-US"/>
           </a:p>
@@ -13865,7 +14499,7 @@
               <a:pPr>
                 <a:defRPr/>
               </a:pPr>
-              <a:t>3/20/2023</a:t>
+              <a:t>4/5/2023</a:t>
             </a:fld>
             <a:endParaRPr lang="en-US"/>
           </a:p>
@@ -14551,7 +15185,7 @@
               <a:pPr>
                 <a:defRPr/>
               </a:pPr>
-              <a:t>3/20/2023</a:t>
+              <a:t>4/5/2023</a:t>
             </a:fld>
             <a:endParaRPr lang="en-US"/>
           </a:p>
@@ -15579,19 +16213,13 @@
           <a:p>
             <a:r>
               <a:rPr lang="en-US" b="1" dirty="0"/>
-              <a:t>“Big Picture”</a:t>
+              <a:t>Identifying Outliers</a:t>
             </a:r>
           </a:p>
           <a:p>
             <a:r>
               <a:rPr lang="en-US" b="1" dirty="0"/>
-              <a:t>Identifying Outliers</a:t>
-            </a:r>
-          </a:p>
-          <a:p>
-            <a:r>
-              <a:rPr lang="en-US" b="1" dirty="0"/>
-              <a:t>Easily Interpreted</a:t>
+              <a:t>Spotting the “Big Picture”</a:t>
             </a:r>
           </a:p>
           <a:p>
@@ -15637,7 +16265,7 @@
           <p:cNvPr id="2" name="Title 1">
             <a:extLst>
               <a:ext uri="{FF2B5EF4-FFF2-40B4-BE49-F238E27FC236}">
-                <a16:creationId xmlns:a16="http://schemas.microsoft.com/office/drawing/2014/main" id="{FB164A08-7CBF-A761-E02D-33DAFF697330}"/>
+                <a16:creationId xmlns:a16="http://schemas.microsoft.com/office/drawing/2014/main" id="{10B17ABD-BE88-D042-5997-22F660D5947A}"/>
               </a:ext>
             </a:extLst>
           </p:cNvPr>
@@ -15655,40 +16283,235 @@
           <a:p>
             <a:r>
               <a:rPr lang="en-US" dirty="0"/>
-              <a:t>Decoding Complexity</a:t>
-            </a:r>
-          </a:p>
-        </p:txBody>
-      </p:sp>
-      <p:sp>
-        <p:nvSpPr>
-          <p:cNvPr id="3" name="Text Placeholder 2">
+              <a:t>Better Pattern Identification</a:t>
+            </a:r>
+          </a:p>
+        </p:txBody>
+      </p:sp>
+      <p:sp>
+        <p:nvSpPr>
+          <p:cNvPr id="4" name="Title 1">
             <a:extLst>
               <a:ext uri="{FF2B5EF4-FFF2-40B4-BE49-F238E27FC236}">
-                <a16:creationId xmlns:a16="http://schemas.microsoft.com/office/drawing/2014/main" id="{4B1F8AE9-444E-BC75-AA22-A6E4BADDFFA8}"/>
+                <a16:creationId xmlns:a16="http://schemas.microsoft.com/office/drawing/2014/main" id="{686B437B-B919-F9EB-B4B5-EFBFF26314C9}"/>
               </a:ext>
             </a:extLst>
           </p:cNvPr>
-          <p:cNvSpPr>
-            <a:spLocks noGrp="1"/>
-          </p:cNvSpPr>
-          <p:nvPr>
-            <p:ph type="body" idx="1"/>
-          </p:nvPr>
-        </p:nvSpPr>
-        <p:spPr/>
-        <p:txBody>
-          <a:bodyPr/>
-          <a:lstStyle/>
-          <a:p>
-            <a:endParaRPr lang="en-US"/>
-          </a:p>
-        </p:txBody>
-      </p:sp>
+          <p:cNvSpPr txBox="1">
+            <a:spLocks/>
+          </p:cNvSpPr>
+          <p:nvPr/>
+        </p:nvSpPr>
+        <p:spPr bwMode="auto">
+          <a:xfrm>
+            <a:off x="1066800" y="1097035"/>
+            <a:ext cx="7620000" cy="641206"/>
+          </a:xfrm>
+          <a:prstGeom prst="rect">
+            <a:avLst/>
+          </a:prstGeom>
+          <a:noFill/>
+          <a:ln w="9525">
+            <a:noFill/>
+            <a:miter lim="800000"/>
+            <a:headEnd/>
+            <a:tailEnd/>
+          </a:ln>
+        </p:spPr>
+        <p:txBody>
+          <a:bodyPr vert="horz" wrap="square" lIns="91440" tIns="45720" rIns="91440" bIns="45720" numCol="1" anchor="ctr" anchorCtr="0" compatLnSpc="1">
+            <a:prstTxWarp prst="textNoShape">
+              <a:avLst/>
+            </a:prstTxWarp>
+          </a:bodyPr>
+          <a:lstStyle>
+            <a:lvl1pPr algn="l" rtl="0" eaLnBrk="0" fontAlgn="base" hangingPunct="0">
+              <a:spcBef>
+                <a:spcPct val="0"/>
+              </a:spcBef>
+              <a:spcAft>
+                <a:spcPct val="0"/>
+              </a:spcAft>
+              <a:defRPr sz="4400" kern="1200">
+                <a:solidFill>
+                  <a:srgbClr val="001C59"/>
+                </a:solidFill>
+                <a:latin typeface="Arial" pitchFamily="34" charset="0"/>
+                <a:ea typeface="+mj-ea"/>
+                <a:cs typeface="Arial" pitchFamily="34" charset="0"/>
+              </a:defRPr>
+            </a:lvl1pPr>
+            <a:lvl2pPr algn="l" rtl="0" eaLnBrk="0" fontAlgn="base" hangingPunct="0">
+              <a:spcBef>
+                <a:spcPct val="0"/>
+              </a:spcBef>
+              <a:spcAft>
+                <a:spcPct val="0"/>
+              </a:spcAft>
+              <a:defRPr sz="4400">
+                <a:solidFill>
+                  <a:srgbClr val="001C59"/>
+                </a:solidFill>
+                <a:latin typeface="Arial" charset="0"/>
+                <a:cs typeface="Arial" charset="0"/>
+              </a:defRPr>
+            </a:lvl2pPr>
+            <a:lvl3pPr algn="l" rtl="0" eaLnBrk="0" fontAlgn="base" hangingPunct="0">
+              <a:spcBef>
+                <a:spcPct val="0"/>
+              </a:spcBef>
+              <a:spcAft>
+                <a:spcPct val="0"/>
+              </a:spcAft>
+              <a:defRPr sz="4400">
+                <a:solidFill>
+                  <a:srgbClr val="001C59"/>
+                </a:solidFill>
+                <a:latin typeface="Arial" charset="0"/>
+                <a:cs typeface="Arial" charset="0"/>
+              </a:defRPr>
+            </a:lvl3pPr>
+            <a:lvl4pPr algn="l" rtl="0" eaLnBrk="0" fontAlgn="base" hangingPunct="0">
+              <a:spcBef>
+                <a:spcPct val="0"/>
+              </a:spcBef>
+              <a:spcAft>
+                <a:spcPct val="0"/>
+              </a:spcAft>
+              <a:defRPr sz="4400">
+                <a:solidFill>
+                  <a:srgbClr val="001C59"/>
+                </a:solidFill>
+                <a:latin typeface="Arial" charset="0"/>
+                <a:cs typeface="Arial" charset="0"/>
+              </a:defRPr>
+            </a:lvl4pPr>
+            <a:lvl5pPr algn="l" rtl="0" eaLnBrk="0" fontAlgn="base" hangingPunct="0">
+              <a:spcBef>
+                <a:spcPct val="0"/>
+              </a:spcBef>
+              <a:spcAft>
+                <a:spcPct val="0"/>
+              </a:spcAft>
+              <a:defRPr sz="4400">
+                <a:solidFill>
+                  <a:srgbClr val="001C59"/>
+                </a:solidFill>
+                <a:latin typeface="Arial" charset="0"/>
+                <a:cs typeface="Arial" charset="0"/>
+              </a:defRPr>
+            </a:lvl5pPr>
+            <a:lvl6pPr marL="457200" algn="ctr" rtl="0" fontAlgn="base">
+              <a:spcBef>
+                <a:spcPct val="0"/>
+              </a:spcBef>
+              <a:spcAft>
+                <a:spcPct val="0"/>
+              </a:spcAft>
+              <a:defRPr sz="4400">
+                <a:solidFill>
+                  <a:schemeClr val="tx1"/>
+                </a:solidFill>
+                <a:latin typeface="Calibri" pitchFamily="34" charset="0"/>
+              </a:defRPr>
+            </a:lvl6pPr>
+            <a:lvl7pPr marL="914400" algn="ctr" rtl="0" fontAlgn="base">
+              <a:spcBef>
+                <a:spcPct val="0"/>
+              </a:spcBef>
+              <a:spcAft>
+                <a:spcPct val="0"/>
+              </a:spcAft>
+              <a:defRPr sz="4400">
+                <a:solidFill>
+                  <a:schemeClr val="tx1"/>
+                </a:solidFill>
+                <a:latin typeface="Calibri" pitchFamily="34" charset="0"/>
+              </a:defRPr>
+            </a:lvl7pPr>
+            <a:lvl8pPr marL="1371600" algn="ctr" rtl="0" fontAlgn="base">
+              <a:spcBef>
+                <a:spcPct val="0"/>
+              </a:spcBef>
+              <a:spcAft>
+                <a:spcPct val="0"/>
+              </a:spcAft>
+              <a:defRPr sz="4400">
+                <a:solidFill>
+                  <a:schemeClr val="tx1"/>
+                </a:solidFill>
+                <a:latin typeface="Calibri" pitchFamily="34" charset="0"/>
+              </a:defRPr>
+            </a:lvl8pPr>
+            <a:lvl9pPr marL="1828800" algn="ctr" rtl="0" fontAlgn="base">
+              <a:spcBef>
+                <a:spcPct val="0"/>
+              </a:spcBef>
+              <a:spcAft>
+                <a:spcPct val="0"/>
+              </a:spcAft>
+              <a:defRPr sz="4400">
+                <a:solidFill>
+                  <a:schemeClr val="tx1"/>
+                </a:solidFill>
+                <a:latin typeface="Calibri" pitchFamily="34" charset="0"/>
+              </a:defRPr>
+            </a:lvl9pPr>
+          </a:lstStyle>
+          <a:p>
+            <a:r>
+              <a:rPr lang="en-US" sz="3200" b="1" dirty="0">
+                <a:solidFill>
+                  <a:srgbClr val="0072BC"/>
+                </a:solidFill>
+                <a:ea typeface="+mn-ea"/>
+              </a:rPr>
+              <a:t>Seasonality</a:t>
+            </a:r>
+          </a:p>
+        </p:txBody>
+      </p:sp>
+      <p:pic>
+        <p:nvPicPr>
+          <p:cNvPr id="7" name="Picture 6">
+            <a:extLst>
+              <a:ext uri="{FF2B5EF4-FFF2-40B4-BE49-F238E27FC236}">
+                <a16:creationId xmlns:a16="http://schemas.microsoft.com/office/drawing/2014/main" id="{CF602B87-1FF7-623E-22FA-DF09204653B0}"/>
+              </a:ext>
+            </a:extLst>
+          </p:cNvPr>
+          <p:cNvPicPr>
+            <a:picLocks noChangeAspect="1"/>
+          </p:cNvPicPr>
+          <p:nvPr/>
+        </p:nvPicPr>
+        <p:blipFill>
+          <a:blip r:embed="rId3" r:link="rId4">
+            <a:extLst>
+              <a:ext uri="{28A0092B-C50C-407E-A947-70E740481C1C}">
+                <a14:useLocalDpi xmlns:a14="http://schemas.microsoft.com/office/drawing/2010/main" val="0"/>
+              </a:ext>
+            </a:extLst>
+          </a:blip>
+          <a:srcRect/>
+          <a:stretch>
+            <a:fillRect/>
+          </a:stretch>
+        </p:blipFill>
+        <p:spPr>
+          <a:xfrm>
+            <a:off x="228600" y="1706565"/>
+            <a:ext cx="7315195" cy="4876797"/>
+          </a:xfrm>
+          <a:prstGeom prst="rect">
+            <a:avLst/>
+          </a:prstGeom>
+        </p:spPr>
+      </p:pic>
     </p:spTree>
     <p:extLst>
       <p:ext uri="{BB962C8B-B14F-4D97-AF65-F5344CB8AC3E}">
-        <p14:creationId xmlns:p14="http://schemas.microsoft.com/office/powerpoint/2010/main" val="1394516605"/>
+        <p14:creationId xmlns:p14="http://schemas.microsoft.com/office/powerpoint/2010/main" val="2913470376"/>
       </p:ext>
     </p:extLst>
   </p:cSld>
@@ -15720,7 +16543,7 @@
           <p:cNvPr id="2" name="Title 1">
             <a:extLst>
               <a:ext uri="{FF2B5EF4-FFF2-40B4-BE49-F238E27FC236}">
-                <a16:creationId xmlns:a16="http://schemas.microsoft.com/office/drawing/2014/main" id="{18969BF5-0288-FD7C-1739-0C8672F3D7F8}"/>
+                <a16:creationId xmlns:a16="http://schemas.microsoft.com/office/drawing/2014/main" id="{10B17ABD-BE88-D042-5997-22F660D5947A}"/>
               </a:ext>
             </a:extLst>
           </p:cNvPr>
@@ -15738,61 +16561,235 @@
           <a:p>
             <a:r>
               <a:rPr lang="en-US" dirty="0"/>
-              <a:t>Decoding Complexity</a:t>
-            </a:r>
-          </a:p>
-        </p:txBody>
-      </p:sp>
-      <p:sp>
-        <p:nvSpPr>
-          <p:cNvPr id="3" name="Content Placeholder 2">
+              <a:t>Identifying Outliers</a:t>
+            </a:r>
+          </a:p>
+        </p:txBody>
+      </p:sp>
+      <p:sp>
+        <p:nvSpPr>
+          <p:cNvPr id="4" name="Title 1">
             <a:extLst>
               <a:ext uri="{FF2B5EF4-FFF2-40B4-BE49-F238E27FC236}">
-                <a16:creationId xmlns:a16="http://schemas.microsoft.com/office/drawing/2014/main" id="{39176E43-0115-E50B-D268-5E00760022A7}"/>
+                <a16:creationId xmlns:a16="http://schemas.microsoft.com/office/drawing/2014/main" id="{686B437B-B919-F9EB-B4B5-EFBFF26314C9}"/>
               </a:ext>
             </a:extLst>
           </p:cNvPr>
-          <p:cNvSpPr>
-            <a:spLocks noGrp="1"/>
-          </p:cNvSpPr>
-          <p:nvPr>
-            <p:ph idx="1"/>
-          </p:nvPr>
-        </p:nvSpPr>
-        <p:spPr/>
-        <p:txBody>
-          <a:bodyPr/>
-          <a:lstStyle/>
-          <a:p>
-            <a:r>
-              <a:rPr lang="en-US" dirty="0"/>
-              <a:t>Univariate Linear Regression</a:t>
-            </a:r>
-          </a:p>
-          <a:p>
-            <a:r>
-              <a:rPr lang="en-US" dirty="0"/>
-              <a:t>Principal Components Analysis</a:t>
-            </a:r>
-          </a:p>
-          <a:p>
-            <a:r>
-              <a:rPr lang="en-US" dirty="0"/>
-              <a:t>Decision Trees</a:t>
-            </a:r>
-          </a:p>
-          <a:p>
-            <a:r>
-              <a:rPr lang="en-US" dirty="0"/>
-              <a:t>Correlation &amp; Tail Correlation</a:t>
-            </a:r>
-          </a:p>
-        </p:txBody>
-      </p:sp>
+          <p:cNvSpPr txBox="1">
+            <a:spLocks/>
+          </p:cNvSpPr>
+          <p:nvPr/>
+        </p:nvSpPr>
+        <p:spPr bwMode="auto">
+          <a:xfrm>
+            <a:off x="1066800" y="1097035"/>
+            <a:ext cx="7620000" cy="641206"/>
+          </a:xfrm>
+          <a:prstGeom prst="rect">
+            <a:avLst/>
+          </a:prstGeom>
+          <a:noFill/>
+          <a:ln w="9525">
+            <a:noFill/>
+            <a:miter lim="800000"/>
+            <a:headEnd/>
+            <a:tailEnd/>
+          </a:ln>
+        </p:spPr>
+        <p:txBody>
+          <a:bodyPr vert="horz" wrap="square" lIns="91440" tIns="45720" rIns="91440" bIns="45720" numCol="1" anchor="ctr" anchorCtr="0" compatLnSpc="1">
+            <a:prstTxWarp prst="textNoShape">
+              <a:avLst/>
+            </a:prstTxWarp>
+          </a:bodyPr>
+          <a:lstStyle>
+            <a:lvl1pPr algn="l" rtl="0" eaLnBrk="0" fontAlgn="base" hangingPunct="0">
+              <a:spcBef>
+                <a:spcPct val="0"/>
+              </a:spcBef>
+              <a:spcAft>
+                <a:spcPct val="0"/>
+              </a:spcAft>
+              <a:defRPr sz="4400" kern="1200">
+                <a:solidFill>
+                  <a:srgbClr val="001C59"/>
+                </a:solidFill>
+                <a:latin typeface="Arial" pitchFamily="34" charset="0"/>
+                <a:ea typeface="+mj-ea"/>
+                <a:cs typeface="Arial" pitchFamily="34" charset="0"/>
+              </a:defRPr>
+            </a:lvl1pPr>
+            <a:lvl2pPr algn="l" rtl="0" eaLnBrk="0" fontAlgn="base" hangingPunct="0">
+              <a:spcBef>
+                <a:spcPct val="0"/>
+              </a:spcBef>
+              <a:spcAft>
+                <a:spcPct val="0"/>
+              </a:spcAft>
+              <a:defRPr sz="4400">
+                <a:solidFill>
+                  <a:srgbClr val="001C59"/>
+                </a:solidFill>
+                <a:latin typeface="Arial" charset="0"/>
+                <a:cs typeface="Arial" charset="0"/>
+              </a:defRPr>
+            </a:lvl2pPr>
+            <a:lvl3pPr algn="l" rtl="0" eaLnBrk="0" fontAlgn="base" hangingPunct="0">
+              <a:spcBef>
+                <a:spcPct val="0"/>
+              </a:spcBef>
+              <a:spcAft>
+                <a:spcPct val="0"/>
+              </a:spcAft>
+              <a:defRPr sz="4400">
+                <a:solidFill>
+                  <a:srgbClr val="001C59"/>
+                </a:solidFill>
+                <a:latin typeface="Arial" charset="0"/>
+                <a:cs typeface="Arial" charset="0"/>
+              </a:defRPr>
+            </a:lvl3pPr>
+            <a:lvl4pPr algn="l" rtl="0" eaLnBrk="0" fontAlgn="base" hangingPunct="0">
+              <a:spcBef>
+                <a:spcPct val="0"/>
+              </a:spcBef>
+              <a:spcAft>
+                <a:spcPct val="0"/>
+              </a:spcAft>
+              <a:defRPr sz="4400">
+                <a:solidFill>
+                  <a:srgbClr val="001C59"/>
+                </a:solidFill>
+                <a:latin typeface="Arial" charset="0"/>
+                <a:cs typeface="Arial" charset="0"/>
+              </a:defRPr>
+            </a:lvl4pPr>
+            <a:lvl5pPr algn="l" rtl="0" eaLnBrk="0" fontAlgn="base" hangingPunct="0">
+              <a:spcBef>
+                <a:spcPct val="0"/>
+              </a:spcBef>
+              <a:spcAft>
+                <a:spcPct val="0"/>
+              </a:spcAft>
+              <a:defRPr sz="4400">
+                <a:solidFill>
+                  <a:srgbClr val="001C59"/>
+                </a:solidFill>
+                <a:latin typeface="Arial" charset="0"/>
+                <a:cs typeface="Arial" charset="0"/>
+              </a:defRPr>
+            </a:lvl5pPr>
+            <a:lvl6pPr marL="457200" algn="ctr" rtl="0" fontAlgn="base">
+              <a:spcBef>
+                <a:spcPct val="0"/>
+              </a:spcBef>
+              <a:spcAft>
+                <a:spcPct val="0"/>
+              </a:spcAft>
+              <a:defRPr sz="4400">
+                <a:solidFill>
+                  <a:schemeClr val="tx1"/>
+                </a:solidFill>
+                <a:latin typeface="Calibri" pitchFamily="34" charset="0"/>
+              </a:defRPr>
+            </a:lvl6pPr>
+            <a:lvl7pPr marL="914400" algn="ctr" rtl="0" fontAlgn="base">
+              <a:spcBef>
+                <a:spcPct val="0"/>
+              </a:spcBef>
+              <a:spcAft>
+                <a:spcPct val="0"/>
+              </a:spcAft>
+              <a:defRPr sz="4400">
+                <a:solidFill>
+                  <a:schemeClr val="tx1"/>
+                </a:solidFill>
+                <a:latin typeface="Calibri" pitchFamily="34" charset="0"/>
+              </a:defRPr>
+            </a:lvl7pPr>
+            <a:lvl8pPr marL="1371600" algn="ctr" rtl="0" fontAlgn="base">
+              <a:spcBef>
+                <a:spcPct val="0"/>
+              </a:spcBef>
+              <a:spcAft>
+                <a:spcPct val="0"/>
+              </a:spcAft>
+              <a:defRPr sz="4400">
+                <a:solidFill>
+                  <a:schemeClr val="tx1"/>
+                </a:solidFill>
+                <a:latin typeface="Calibri" pitchFamily="34" charset="0"/>
+              </a:defRPr>
+            </a:lvl8pPr>
+            <a:lvl9pPr marL="1828800" algn="ctr" rtl="0" fontAlgn="base">
+              <a:spcBef>
+                <a:spcPct val="0"/>
+              </a:spcBef>
+              <a:spcAft>
+                <a:spcPct val="0"/>
+              </a:spcAft>
+              <a:defRPr sz="4400">
+                <a:solidFill>
+                  <a:schemeClr val="tx1"/>
+                </a:solidFill>
+                <a:latin typeface="Calibri" pitchFamily="34" charset="0"/>
+              </a:defRPr>
+            </a:lvl9pPr>
+          </a:lstStyle>
+          <a:p>
+            <a:r>
+              <a:rPr lang="en-US" sz="3200" b="1" dirty="0">
+                <a:solidFill>
+                  <a:srgbClr val="0072BC"/>
+                </a:solidFill>
+                <a:ea typeface="+mn-ea"/>
+              </a:rPr>
+              <a:t>Model Residual Plots</a:t>
+            </a:r>
+          </a:p>
+        </p:txBody>
+      </p:sp>
+      <p:pic>
+        <p:nvPicPr>
+          <p:cNvPr id="7" name="Picture 6">
+            <a:extLst>
+              <a:ext uri="{FF2B5EF4-FFF2-40B4-BE49-F238E27FC236}">
+                <a16:creationId xmlns:a16="http://schemas.microsoft.com/office/drawing/2014/main" id="{CF602B87-1FF7-623E-22FA-DF09204653B0}"/>
+              </a:ext>
+            </a:extLst>
+          </p:cNvPr>
+          <p:cNvPicPr>
+            <a:picLocks noChangeAspect="1"/>
+          </p:cNvPicPr>
+          <p:nvPr/>
+        </p:nvPicPr>
+        <p:blipFill>
+          <a:blip r:embed="rId3" r:link="rId4">
+            <a:extLst>
+              <a:ext uri="{28A0092B-C50C-407E-A947-70E740481C1C}">
+                <a14:useLocalDpi xmlns:a14="http://schemas.microsoft.com/office/drawing/2010/main" val="0"/>
+              </a:ext>
+            </a:extLst>
+          </a:blip>
+          <a:srcRect/>
+          <a:stretch>
+            <a:fillRect/>
+          </a:stretch>
+        </p:blipFill>
+        <p:spPr>
+          <a:xfrm>
+            <a:off x="228600" y="1706565"/>
+            <a:ext cx="7315195" cy="4876796"/>
+          </a:xfrm>
+          <a:prstGeom prst="rect">
+            <a:avLst/>
+          </a:prstGeom>
+        </p:spPr>
+      </p:pic>
     </p:spTree>
     <p:extLst>
       <p:ext uri="{BB962C8B-B14F-4D97-AF65-F5344CB8AC3E}">
-        <p14:creationId xmlns:p14="http://schemas.microsoft.com/office/powerpoint/2010/main" val="1361387039"/>
+        <p14:creationId xmlns:p14="http://schemas.microsoft.com/office/powerpoint/2010/main" val="3497283673"/>
       </p:ext>
     </p:extLst>
   </p:cSld>
@@ -15824,7 +16821,7 @@
           <p:cNvPr id="2" name="Title 1">
             <a:extLst>
               <a:ext uri="{FF2B5EF4-FFF2-40B4-BE49-F238E27FC236}">
-                <a16:creationId xmlns:a16="http://schemas.microsoft.com/office/drawing/2014/main" id="{FB164A08-7CBF-A761-E02D-33DAFF697330}"/>
+                <a16:creationId xmlns:a16="http://schemas.microsoft.com/office/drawing/2014/main" id="{10B17ABD-BE88-D042-5997-22F660D5947A}"/>
               </a:ext>
             </a:extLst>
           </p:cNvPr>
@@ -15842,40 +16839,235 @@
           <a:p>
             <a:r>
               <a:rPr lang="en-US" dirty="0"/>
-              <a:t>The power of persuasion</a:t>
-            </a:r>
-          </a:p>
-        </p:txBody>
-      </p:sp>
-      <p:sp>
-        <p:nvSpPr>
-          <p:cNvPr id="3" name="Text Placeholder 2">
+              <a:t>Spotting the “Big Picture”</a:t>
+            </a:r>
+          </a:p>
+        </p:txBody>
+      </p:sp>
+      <p:sp>
+        <p:nvSpPr>
+          <p:cNvPr id="4" name="Title 1">
             <a:extLst>
               <a:ext uri="{FF2B5EF4-FFF2-40B4-BE49-F238E27FC236}">
-                <a16:creationId xmlns:a16="http://schemas.microsoft.com/office/drawing/2014/main" id="{4B1F8AE9-444E-BC75-AA22-A6E4BADDFFA8}"/>
+                <a16:creationId xmlns:a16="http://schemas.microsoft.com/office/drawing/2014/main" id="{686B437B-B919-F9EB-B4B5-EFBFF26314C9}"/>
               </a:ext>
             </a:extLst>
           </p:cNvPr>
-          <p:cNvSpPr>
-            <a:spLocks noGrp="1"/>
-          </p:cNvSpPr>
-          <p:nvPr>
-            <p:ph type="body" idx="1"/>
-          </p:nvPr>
-        </p:nvSpPr>
-        <p:spPr/>
-        <p:txBody>
-          <a:bodyPr/>
-          <a:lstStyle/>
-          <a:p>
-            <a:endParaRPr lang="en-US"/>
-          </a:p>
-        </p:txBody>
-      </p:sp>
+          <p:cNvSpPr txBox="1">
+            <a:spLocks/>
+          </p:cNvSpPr>
+          <p:nvPr/>
+        </p:nvSpPr>
+        <p:spPr bwMode="auto">
+          <a:xfrm>
+            <a:off x="1066800" y="1097035"/>
+            <a:ext cx="7620000" cy="641206"/>
+          </a:xfrm>
+          <a:prstGeom prst="rect">
+            <a:avLst/>
+          </a:prstGeom>
+          <a:noFill/>
+          <a:ln w="9525">
+            <a:noFill/>
+            <a:miter lim="800000"/>
+            <a:headEnd/>
+            <a:tailEnd/>
+          </a:ln>
+        </p:spPr>
+        <p:txBody>
+          <a:bodyPr vert="horz" wrap="square" lIns="91440" tIns="45720" rIns="91440" bIns="45720" numCol="1" anchor="ctr" anchorCtr="0" compatLnSpc="1">
+            <a:prstTxWarp prst="textNoShape">
+              <a:avLst/>
+            </a:prstTxWarp>
+          </a:bodyPr>
+          <a:lstStyle>
+            <a:lvl1pPr algn="l" rtl="0" eaLnBrk="0" fontAlgn="base" hangingPunct="0">
+              <a:spcBef>
+                <a:spcPct val="0"/>
+              </a:spcBef>
+              <a:spcAft>
+                <a:spcPct val="0"/>
+              </a:spcAft>
+              <a:defRPr sz="4400" kern="1200">
+                <a:solidFill>
+                  <a:srgbClr val="001C59"/>
+                </a:solidFill>
+                <a:latin typeface="Arial" pitchFamily="34" charset="0"/>
+                <a:ea typeface="+mj-ea"/>
+                <a:cs typeface="Arial" pitchFamily="34" charset="0"/>
+              </a:defRPr>
+            </a:lvl1pPr>
+            <a:lvl2pPr algn="l" rtl="0" eaLnBrk="0" fontAlgn="base" hangingPunct="0">
+              <a:spcBef>
+                <a:spcPct val="0"/>
+              </a:spcBef>
+              <a:spcAft>
+                <a:spcPct val="0"/>
+              </a:spcAft>
+              <a:defRPr sz="4400">
+                <a:solidFill>
+                  <a:srgbClr val="001C59"/>
+                </a:solidFill>
+                <a:latin typeface="Arial" charset="0"/>
+                <a:cs typeface="Arial" charset="0"/>
+              </a:defRPr>
+            </a:lvl2pPr>
+            <a:lvl3pPr algn="l" rtl="0" eaLnBrk="0" fontAlgn="base" hangingPunct="0">
+              <a:spcBef>
+                <a:spcPct val="0"/>
+              </a:spcBef>
+              <a:spcAft>
+                <a:spcPct val="0"/>
+              </a:spcAft>
+              <a:defRPr sz="4400">
+                <a:solidFill>
+                  <a:srgbClr val="001C59"/>
+                </a:solidFill>
+                <a:latin typeface="Arial" charset="0"/>
+                <a:cs typeface="Arial" charset="0"/>
+              </a:defRPr>
+            </a:lvl3pPr>
+            <a:lvl4pPr algn="l" rtl="0" eaLnBrk="0" fontAlgn="base" hangingPunct="0">
+              <a:spcBef>
+                <a:spcPct val="0"/>
+              </a:spcBef>
+              <a:spcAft>
+                <a:spcPct val="0"/>
+              </a:spcAft>
+              <a:defRPr sz="4400">
+                <a:solidFill>
+                  <a:srgbClr val="001C59"/>
+                </a:solidFill>
+                <a:latin typeface="Arial" charset="0"/>
+                <a:cs typeface="Arial" charset="0"/>
+              </a:defRPr>
+            </a:lvl4pPr>
+            <a:lvl5pPr algn="l" rtl="0" eaLnBrk="0" fontAlgn="base" hangingPunct="0">
+              <a:spcBef>
+                <a:spcPct val="0"/>
+              </a:spcBef>
+              <a:spcAft>
+                <a:spcPct val="0"/>
+              </a:spcAft>
+              <a:defRPr sz="4400">
+                <a:solidFill>
+                  <a:srgbClr val="001C59"/>
+                </a:solidFill>
+                <a:latin typeface="Arial" charset="0"/>
+                <a:cs typeface="Arial" charset="0"/>
+              </a:defRPr>
+            </a:lvl5pPr>
+            <a:lvl6pPr marL="457200" algn="ctr" rtl="0" fontAlgn="base">
+              <a:spcBef>
+                <a:spcPct val="0"/>
+              </a:spcBef>
+              <a:spcAft>
+                <a:spcPct val="0"/>
+              </a:spcAft>
+              <a:defRPr sz="4400">
+                <a:solidFill>
+                  <a:schemeClr val="tx1"/>
+                </a:solidFill>
+                <a:latin typeface="Calibri" pitchFamily="34" charset="0"/>
+              </a:defRPr>
+            </a:lvl6pPr>
+            <a:lvl7pPr marL="914400" algn="ctr" rtl="0" fontAlgn="base">
+              <a:spcBef>
+                <a:spcPct val="0"/>
+              </a:spcBef>
+              <a:spcAft>
+                <a:spcPct val="0"/>
+              </a:spcAft>
+              <a:defRPr sz="4400">
+                <a:solidFill>
+                  <a:schemeClr val="tx1"/>
+                </a:solidFill>
+                <a:latin typeface="Calibri" pitchFamily="34" charset="0"/>
+              </a:defRPr>
+            </a:lvl7pPr>
+            <a:lvl8pPr marL="1371600" algn="ctr" rtl="0" fontAlgn="base">
+              <a:spcBef>
+                <a:spcPct val="0"/>
+              </a:spcBef>
+              <a:spcAft>
+                <a:spcPct val="0"/>
+              </a:spcAft>
+              <a:defRPr sz="4400">
+                <a:solidFill>
+                  <a:schemeClr val="tx1"/>
+                </a:solidFill>
+                <a:latin typeface="Calibri" pitchFamily="34" charset="0"/>
+              </a:defRPr>
+            </a:lvl8pPr>
+            <a:lvl9pPr marL="1828800" algn="ctr" rtl="0" fontAlgn="base">
+              <a:spcBef>
+                <a:spcPct val="0"/>
+              </a:spcBef>
+              <a:spcAft>
+                <a:spcPct val="0"/>
+              </a:spcAft>
+              <a:defRPr sz="4400">
+                <a:solidFill>
+                  <a:schemeClr val="tx1"/>
+                </a:solidFill>
+                <a:latin typeface="Calibri" pitchFamily="34" charset="0"/>
+              </a:defRPr>
+            </a:lvl9pPr>
+          </a:lstStyle>
+          <a:p>
+            <a:r>
+              <a:rPr lang="en-US" sz="3200" b="1" dirty="0">
+                <a:solidFill>
+                  <a:srgbClr val="0072BC"/>
+                </a:solidFill>
+                <a:ea typeface="+mn-ea"/>
+              </a:rPr>
+              <a:t> </a:t>
+            </a:r>
+          </a:p>
+        </p:txBody>
+      </p:sp>
+      <p:pic>
+        <p:nvPicPr>
+          <p:cNvPr id="7" name="Picture 6">
+            <a:extLst>
+              <a:ext uri="{FF2B5EF4-FFF2-40B4-BE49-F238E27FC236}">
+                <a16:creationId xmlns:a16="http://schemas.microsoft.com/office/drawing/2014/main" id="{CF602B87-1FF7-623E-22FA-DF09204653B0}"/>
+              </a:ext>
+            </a:extLst>
+          </p:cNvPr>
+          <p:cNvPicPr>
+            <a:picLocks noChangeAspect="1"/>
+          </p:cNvPicPr>
+          <p:nvPr/>
+        </p:nvPicPr>
+        <p:blipFill>
+          <a:blip r:embed="rId3" r:link="rId4">
+            <a:extLst>
+              <a:ext uri="{28A0092B-C50C-407E-A947-70E740481C1C}">
+                <a14:useLocalDpi xmlns:a14="http://schemas.microsoft.com/office/drawing/2010/main" val="0"/>
+              </a:ext>
+            </a:extLst>
+          </a:blip>
+          <a:srcRect/>
+          <a:stretch>
+            <a:fillRect/>
+          </a:stretch>
+        </p:blipFill>
+        <p:spPr>
+          <a:xfrm>
+            <a:off x="228600" y="1706565"/>
+            <a:ext cx="7315194" cy="4876796"/>
+          </a:xfrm>
+          <a:prstGeom prst="rect">
+            <a:avLst/>
+          </a:prstGeom>
+        </p:spPr>
+      </p:pic>
     </p:spTree>
     <p:extLst>
       <p:ext uri="{BB962C8B-B14F-4D97-AF65-F5344CB8AC3E}">
-        <p14:creationId xmlns:p14="http://schemas.microsoft.com/office/powerpoint/2010/main" val="2737078565"/>
+        <p14:creationId xmlns:p14="http://schemas.microsoft.com/office/powerpoint/2010/main" val="3082247570"/>
       </p:ext>
     </p:extLst>
   </p:cSld>
@@ -15907,6 +17099,554 @@
           <p:cNvPr id="2" name="Title 1">
             <a:extLst>
               <a:ext uri="{FF2B5EF4-FFF2-40B4-BE49-F238E27FC236}">
+                <a16:creationId xmlns:a16="http://schemas.microsoft.com/office/drawing/2014/main" id="{10B17ABD-BE88-D042-5997-22F660D5947A}"/>
+              </a:ext>
+            </a:extLst>
+          </p:cNvPr>
+          <p:cNvSpPr>
+            <a:spLocks noGrp="1"/>
+          </p:cNvSpPr>
+          <p:nvPr>
+            <p:ph type="title"/>
+          </p:nvPr>
+        </p:nvSpPr>
+        <p:spPr/>
+        <p:txBody>
+          <a:bodyPr/>
+          <a:lstStyle/>
+          <a:p>
+            <a:r>
+              <a:rPr lang="en-US" dirty="0"/>
+              <a:t>Memory Retention</a:t>
+            </a:r>
+          </a:p>
+        </p:txBody>
+      </p:sp>
+      <p:sp>
+        <p:nvSpPr>
+          <p:cNvPr id="4" name="Title 1">
+            <a:extLst>
+              <a:ext uri="{FF2B5EF4-FFF2-40B4-BE49-F238E27FC236}">
+                <a16:creationId xmlns:a16="http://schemas.microsoft.com/office/drawing/2014/main" id="{686B437B-B919-F9EB-B4B5-EFBFF26314C9}"/>
+              </a:ext>
+            </a:extLst>
+          </p:cNvPr>
+          <p:cNvSpPr txBox="1">
+            <a:spLocks/>
+          </p:cNvSpPr>
+          <p:nvPr/>
+        </p:nvSpPr>
+        <p:spPr bwMode="auto">
+          <a:xfrm>
+            <a:off x="1066800" y="1097035"/>
+            <a:ext cx="7620000" cy="641206"/>
+          </a:xfrm>
+          <a:prstGeom prst="rect">
+            <a:avLst/>
+          </a:prstGeom>
+          <a:noFill/>
+          <a:ln w="9525">
+            <a:noFill/>
+            <a:miter lim="800000"/>
+            <a:headEnd/>
+            <a:tailEnd/>
+          </a:ln>
+        </p:spPr>
+        <p:txBody>
+          <a:bodyPr vert="horz" wrap="square" lIns="91440" tIns="45720" rIns="91440" bIns="45720" numCol="1" anchor="ctr" anchorCtr="0" compatLnSpc="1">
+            <a:prstTxWarp prst="textNoShape">
+              <a:avLst/>
+            </a:prstTxWarp>
+          </a:bodyPr>
+          <a:lstStyle>
+            <a:lvl1pPr algn="l" rtl="0" eaLnBrk="0" fontAlgn="base" hangingPunct="0">
+              <a:spcBef>
+                <a:spcPct val="0"/>
+              </a:spcBef>
+              <a:spcAft>
+                <a:spcPct val="0"/>
+              </a:spcAft>
+              <a:defRPr sz="4400" kern="1200">
+                <a:solidFill>
+                  <a:srgbClr val="001C59"/>
+                </a:solidFill>
+                <a:latin typeface="Arial" pitchFamily="34" charset="0"/>
+                <a:ea typeface="+mj-ea"/>
+                <a:cs typeface="Arial" pitchFamily="34" charset="0"/>
+              </a:defRPr>
+            </a:lvl1pPr>
+            <a:lvl2pPr algn="l" rtl="0" eaLnBrk="0" fontAlgn="base" hangingPunct="0">
+              <a:spcBef>
+                <a:spcPct val="0"/>
+              </a:spcBef>
+              <a:spcAft>
+                <a:spcPct val="0"/>
+              </a:spcAft>
+              <a:defRPr sz="4400">
+                <a:solidFill>
+                  <a:srgbClr val="001C59"/>
+                </a:solidFill>
+                <a:latin typeface="Arial" charset="0"/>
+                <a:cs typeface="Arial" charset="0"/>
+              </a:defRPr>
+            </a:lvl2pPr>
+            <a:lvl3pPr algn="l" rtl="0" eaLnBrk="0" fontAlgn="base" hangingPunct="0">
+              <a:spcBef>
+                <a:spcPct val="0"/>
+              </a:spcBef>
+              <a:spcAft>
+                <a:spcPct val="0"/>
+              </a:spcAft>
+              <a:defRPr sz="4400">
+                <a:solidFill>
+                  <a:srgbClr val="001C59"/>
+                </a:solidFill>
+                <a:latin typeface="Arial" charset="0"/>
+                <a:cs typeface="Arial" charset="0"/>
+              </a:defRPr>
+            </a:lvl3pPr>
+            <a:lvl4pPr algn="l" rtl="0" eaLnBrk="0" fontAlgn="base" hangingPunct="0">
+              <a:spcBef>
+                <a:spcPct val="0"/>
+              </a:spcBef>
+              <a:spcAft>
+                <a:spcPct val="0"/>
+              </a:spcAft>
+              <a:defRPr sz="4400">
+                <a:solidFill>
+                  <a:srgbClr val="001C59"/>
+                </a:solidFill>
+                <a:latin typeface="Arial" charset="0"/>
+                <a:cs typeface="Arial" charset="0"/>
+              </a:defRPr>
+            </a:lvl4pPr>
+            <a:lvl5pPr algn="l" rtl="0" eaLnBrk="0" fontAlgn="base" hangingPunct="0">
+              <a:spcBef>
+                <a:spcPct val="0"/>
+              </a:spcBef>
+              <a:spcAft>
+                <a:spcPct val="0"/>
+              </a:spcAft>
+              <a:defRPr sz="4400">
+                <a:solidFill>
+                  <a:srgbClr val="001C59"/>
+                </a:solidFill>
+                <a:latin typeface="Arial" charset="0"/>
+                <a:cs typeface="Arial" charset="0"/>
+              </a:defRPr>
+            </a:lvl5pPr>
+            <a:lvl6pPr marL="457200" algn="ctr" rtl="0" fontAlgn="base">
+              <a:spcBef>
+                <a:spcPct val="0"/>
+              </a:spcBef>
+              <a:spcAft>
+                <a:spcPct val="0"/>
+              </a:spcAft>
+              <a:defRPr sz="4400">
+                <a:solidFill>
+                  <a:schemeClr val="tx1"/>
+                </a:solidFill>
+                <a:latin typeface="Calibri" pitchFamily="34" charset="0"/>
+              </a:defRPr>
+            </a:lvl6pPr>
+            <a:lvl7pPr marL="914400" algn="ctr" rtl="0" fontAlgn="base">
+              <a:spcBef>
+                <a:spcPct val="0"/>
+              </a:spcBef>
+              <a:spcAft>
+                <a:spcPct val="0"/>
+              </a:spcAft>
+              <a:defRPr sz="4400">
+                <a:solidFill>
+                  <a:schemeClr val="tx1"/>
+                </a:solidFill>
+                <a:latin typeface="Calibri" pitchFamily="34" charset="0"/>
+              </a:defRPr>
+            </a:lvl7pPr>
+            <a:lvl8pPr marL="1371600" algn="ctr" rtl="0" fontAlgn="base">
+              <a:spcBef>
+                <a:spcPct val="0"/>
+              </a:spcBef>
+              <a:spcAft>
+                <a:spcPct val="0"/>
+              </a:spcAft>
+              <a:defRPr sz="4400">
+                <a:solidFill>
+                  <a:schemeClr val="tx1"/>
+                </a:solidFill>
+                <a:latin typeface="Calibri" pitchFamily="34" charset="0"/>
+              </a:defRPr>
+            </a:lvl8pPr>
+            <a:lvl9pPr marL="1828800" algn="ctr" rtl="0" fontAlgn="base">
+              <a:spcBef>
+                <a:spcPct val="0"/>
+              </a:spcBef>
+              <a:spcAft>
+                <a:spcPct val="0"/>
+              </a:spcAft>
+              <a:defRPr sz="4400">
+                <a:solidFill>
+                  <a:schemeClr val="tx1"/>
+                </a:solidFill>
+                <a:latin typeface="Calibri" pitchFamily="34" charset="0"/>
+              </a:defRPr>
+            </a:lvl9pPr>
+          </a:lstStyle>
+          <a:p>
+            <a:r>
+              <a:rPr lang="en-US" sz="3200" b="1" dirty="0">
+                <a:solidFill>
+                  <a:srgbClr val="0072BC"/>
+                </a:solidFill>
+                <a:ea typeface="+mn-ea"/>
+              </a:rPr>
+              <a:t> </a:t>
+            </a:r>
+          </a:p>
+        </p:txBody>
+      </p:sp>
+      <p:pic>
+        <p:nvPicPr>
+          <p:cNvPr id="7" name="Picture 6">
+            <a:extLst>
+              <a:ext uri="{FF2B5EF4-FFF2-40B4-BE49-F238E27FC236}">
+                <a16:creationId xmlns:a16="http://schemas.microsoft.com/office/drawing/2014/main" id="{CF602B87-1FF7-623E-22FA-DF09204653B0}"/>
+              </a:ext>
+            </a:extLst>
+          </p:cNvPr>
+          <p:cNvPicPr>
+            <a:picLocks noChangeAspect="1"/>
+          </p:cNvPicPr>
+          <p:nvPr/>
+        </p:nvPicPr>
+        <p:blipFill>
+          <a:blip r:embed="rId3" r:link="rId4">
+            <a:extLst>
+              <a:ext uri="{28A0092B-C50C-407E-A947-70E740481C1C}">
+                <a14:useLocalDpi xmlns:a14="http://schemas.microsoft.com/office/drawing/2010/main" val="0"/>
+              </a:ext>
+            </a:extLst>
+          </a:blip>
+          <a:srcRect/>
+          <a:stretch>
+            <a:fillRect/>
+          </a:stretch>
+        </p:blipFill>
+        <p:spPr>
+          <a:xfrm>
+            <a:off x="228600" y="1706565"/>
+            <a:ext cx="7315194" cy="4876796"/>
+          </a:xfrm>
+          <a:prstGeom prst="rect">
+            <a:avLst/>
+          </a:prstGeom>
+        </p:spPr>
+      </p:pic>
+    </p:spTree>
+    <p:extLst>
+      <p:ext uri="{BB962C8B-B14F-4D97-AF65-F5344CB8AC3E}">
+        <p14:creationId xmlns:p14="http://schemas.microsoft.com/office/powerpoint/2010/main" val="1134655189"/>
+      </p:ext>
+    </p:extLst>
+  </p:cSld>
+  <p:clrMapOvr>
+    <a:masterClrMapping/>
+  </p:clrMapOvr>
+</p:sld>
+</file>
+
+<file path=ppt/slides/slide15.xml><?xml version="1.0" encoding="utf-8"?>
+<p:sld xmlns:a="http://schemas.openxmlformats.org/drawingml/2006/main" xmlns:r="http://schemas.openxmlformats.org/officeDocument/2006/relationships" xmlns:p="http://schemas.openxmlformats.org/presentationml/2006/main">
+  <p:cSld>
+    <p:spTree>
+      <p:nvGrpSpPr>
+        <p:cNvPr id="1" name=""/>
+        <p:cNvGrpSpPr/>
+        <p:nvPr/>
+      </p:nvGrpSpPr>
+      <p:grpSpPr>
+        <a:xfrm>
+          <a:off x="0" y="0"/>
+          <a:ext cx="0" cy="0"/>
+          <a:chOff x="0" y="0"/>
+          <a:chExt cx="0" cy="0"/>
+        </a:xfrm>
+      </p:grpSpPr>
+      <p:sp>
+        <p:nvSpPr>
+          <p:cNvPr id="2" name="Title 1">
+            <a:extLst>
+              <a:ext uri="{FF2B5EF4-FFF2-40B4-BE49-F238E27FC236}">
+                <a16:creationId xmlns:a16="http://schemas.microsoft.com/office/drawing/2014/main" id="{FB164A08-7CBF-A761-E02D-33DAFF697330}"/>
+              </a:ext>
+            </a:extLst>
+          </p:cNvPr>
+          <p:cNvSpPr>
+            <a:spLocks noGrp="1"/>
+          </p:cNvSpPr>
+          <p:nvPr>
+            <p:ph type="title"/>
+          </p:nvPr>
+        </p:nvSpPr>
+        <p:spPr/>
+        <p:txBody>
+          <a:bodyPr/>
+          <a:lstStyle/>
+          <a:p>
+            <a:r>
+              <a:rPr lang="en-US" dirty="0"/>
+              <a:t>Decoding Complexity</a:t>
+            </a:r>
+          </a:p>
+        </p:txBody>
+      </p:sp>
+      <p:sp>
+        <p:nvSpPr>
+          <p:cNvPr id="3" name="Text Placeholder 2">
+            <a:extLst>
+              <a:ext uri="{FF2B5EF4-FFF2-40B4-BE49-F238E27FC236}">
+                <a16:creationId xmlns:a16="http://schemas.microsoft.com/office/drawing/2014/main" id="{4B1F8AE9-444E-BC75-AA22-A6E4BADDFFA8}"/>
+              </a:ext>
+            </a:extLst>
+          </p:cNvPr>
+          <p:cNvSpPr>
+            <a:spLocks noGrp="1"/>
+          </p:cNvSpPr>
+          <p:nvPr>
+            <p:ph type="body" idx="1"/>
+          </p:nvPr>
+        </p:nvSpPr>
+        <p:spPr/>
+        <p:txBody>
+          <a:bodyPr/>
+          <a:lstStyle/>
+          <a:p>
+            <a:endParaRPr lang="en-US"/>
+          </a:p>
+        </p:txBody>
+      </p:sp>
+    </p:spTree>
+    <p:extLst>
+      <p:ext uri="{BB962C8B-B14F-4D97-AF65-F5344CB8AC3E}">
+        <p14:creationId xmlns:p14="http://schemas.microsoft.com/office/powerpoint/2010/main" val="1394516605"/>
+      </p:ext>
+    </p:extLst>
+  </p:cSld>
+  <p:clrMapOvr>
+    <a:masterClrMapping/>
+  </p:clrMapOvr>
+</p:sld>
+</file>
+
+<file path=ppt/slides/slide16.xml><?xml version="1.0" encoding="utf-8"?>
+<p:sld xmlns:a="http://schemas.openxmlformats.org/drawingml/2006/main" xmlns:r="http://schemas.openxmlformats.org/officeDocument/2006/relationships" xmlns:p="http://schemas.openxmlformats.org/presentationml/2006/main">
+  <p:cSld>
+    <p:spTree>
+      <p:nvGrpSpPr>
+        <p:cNvPr id="1" name=""/>
+        <p:cNvGrpSpPr/>
+        <p:nvPr/>
+      </p:nvGrpSpPr>
+      <p:grpSpPr>
+        <a:xfrm>
+          <a:off x="0" y="0"/>
+          <a:ext cx="0" cy="0"/>
+          <a:chOff x="0" y="0"/>
+          <a:chExt cx="0" cy="0"/>
+        </a:xfrm>
+      </p:grpSpPr>
+      <p:sp>
+        <p:nvSpPr>
+          <p:cNvPr id="2" name="Title 1">
+            <a:extLst>
+              <a:ext uri="{FF2B5EF4-FFF2-40B4-BE49-F238E27FC236}">
+                <a16:creationId xmlns:a16="http://schemas.microsoft.com/office/drawing/2014/main" id="{18969BF5-0288-FD7C-1739-0C8672F3D7F8}"/>
+              </a:ext>
+            </a:extLst>
+          </p:cNvPr>
+          <p:cNvSpPr>
+            <a:spLocks noGrp="1"/>
+          </p:cNvSpPr>
+          <p:nvPr>
+            <p:ph type="title"/>
+          </p:nvPr>
+        </p:nvSpPr>
+        <p:spPr/>
+        <p:txBody>
+          <a:bodyPr/>
+          <a:lstStyle/>
+          <a:p>
+            <a:r>
+              <a:rPr lang="en-US" dirty="0"/>
+              <a:t>Decoding Complexity</a:t>
+            </a:r>
+          </a:p>
+        </p:txBody>
+      </p:sp>
+      <p:sp>
+        <p:nvSpPr>
+          <p:cNvPr id="3" name="Content Placeholder 2">
+            <a:extLst>
+              <a:ext uri="{FF2B5EF4-FFF2-40B4-BE49-F238E27FC236}">
+                <a16:creationId xmlns:a16="http://schemas.microsoft.com/office/drawing/2014/main" id="{39176E43-0115-E50B-D268-5E00760022A7}"/>
+              </a:ext>
+            </a:extLst>
+          </p:cNvPr>
+          <p:cNvSpPr>
+            <a:spLocks noGrp="1"/>
+          </p:cNvSpPr>
+          <p:nvPr>
+            <p:ph idx="1"/>
+          </p:nvPr>
+        </p:nvSpPr>
+        <p:spPr/>
+        <p:txBody>
+          <a:bodyPr/>
+          <a:lstStyle/>
+          <a:p>
+            <a:r>
+              <a:rPr lang="en-US" dirty="0"/>
+              <a:t>Univariate Linear Regression</a:t>
+            </a:r>
+          </a:p>
+          <a:p>
+            <a:r>
+              <a:rPr lang="en-US" dirty="0"/>
+              <a:t>Principal Components Analysis</a:t>
+            </a:r>
+          </a:p>
+          <a:p>
+            <a:r>
+              <a:rPr lang="en-US" dirty="0"/>
+              <a:t>Decision Trees</a:t>
+            </a:r>
+          </a:p>
+          <a:p>
+            <a:r>
+              <a:rPr lang="en-US" dirty="0"/>
+              <a:t>Correlation &amp; Tail Correlation</a:t>
+            </a:r>
+          </a:p>
+        </p:txBody>
+      </p:sp>
+    </p:spTree>
+    <p:extLst>
+      <p:ext uri="{BB962C8B-B14F-4D97-AF65-F5344CB8AC3E}">
+        <p14:creationId xmlns:p14="http://schemas.microsoft.com/office/powerpoint/2010/main" val="1361387039"/>
+      </p:ext>
+    </p:extLst>
+  </p:cSld>
+  <p:clrMapOvr>
+    <a:masterClrMapping/>
+  </p:clrMapOvr>
+</p:sld>
+</file>
+
+<file path=ppt/slides/slide17.xml><?xml version="1.0" encoding="utf-8"?>
+<p:sld xmlns:a="http://schemas.openxmlformats.org/drawingml/2006/main" xmlns:r="http://schemas.openxmlformats.org/officeDocument/2006/relationships" xmlns:p="http://schemas.openxmlformats.org/presentationml/2006/main">
+  <p:cSld>
+    <p:spTree>
+      <p:nvGrpSpPr>
+        <p:cNvPr id="1" name=""/>
+        <p:cNvGrpSpPr/>
+        <p:nvPr/>
+      </p:nvGrpSpPr>
+      <p:grpSpPr>
+        <a:xfrm>
+          <a:off x="0" y="0"/>
+          <a:ext cx="0" cy="0"/>
+          <a:chOff x="0" y="0"/>
+          <a:chExt cx="0" cy="0"/>
+        </a:xfrm>
+      </p:grpSpPr>
+      <p:sp>
+        <p:nvSpPr>
+          <p:cNvPr id="2" name="Title 1">
+            <a:extLst>
+              <a:ext uri="{FF2B5EF4-FFF2-40B4-BE49-F238E27FC236}">
+                <a16:creationId xmlns:a16="http://schemas.microsoft.com/office/drawing/2014/main" id="{FB164A08-7CBF-A761-E02D-33DAFF697330}"/>
+              </a:ext>
+            </a:extLst>
+          </p:cNvPr>
+          <p:cNvSpPr>
+            <a:spLocks noGrp="1"/>
+          </p:cNvSpPr>
+          <p:nvPr>
+            <p:ph type="title"/>
+          </p:nvPr>
+        </p:nvSpPr>
+        <p:spPr/>
+        <p:txBody>
+          <a:bodyPr/>
+          <a:lstStyle/>
+          <a:p>
+            <a:r>
+              <a:rPr lang="en-US" dirty="0"/>
+              <a:t>The power of persuasion</a:t>
+            </a:r>
+          </a:p>
+        </p:txBody>
+      </p:sp>
+      <p:sp>
+        <p:nvSpPr>
+          <p:cNvPr id="3" name="Text Placeholder 2">
+            <a:extLst>
+              <a:ext uri="{FF2B5EF4-FFF2-40B4-BE49-F238E27FC236}">
+                <a16:creationId xmlns:a16="http://schemas.microsoft.com/office/drawing/2014/main" id="{4B1F8AE9-444E-BC75-AA22-A6E4BADDFFA8}"/>
+              </a:ext>
+            </a:extLst>
+          </p:cNvPr>
+          <p:cNvSpPr>
+            <a:spLocks noGrp="1"/>
+          </p:cNvSpPr>
+          <p:nvPr>
+            <p:ph type="body" idx="1"/>
+          </p:nvPr>
+        </p:nvSpPr>
+        <p:spPr/>
+        <p:txBody>
+          <a:bodyPr/>
+          <a:lstStyle/>
+          <a:p>
+            <a:endParaRPr lang="en-US"/>
+          </a:p>
+        </p:txBody>
+      </p:sp>
+    </p:spTree>
+    <p:extLst>
+      <p:ext uri="{BB962C8B-B14F-4D97-AF65-F5344CB8AC3E}">
+        <p14:creationId xmlns:p14="http://schemas.microsoft.com/office/powerpoint/2010/main" val="2737078565"/>
+      </p:ext>
+    </p:extLst>
+  </p:cSld>
+  <p:clrMapOvr>
+    <a:masterClrMapping/>
+  </p:clrMapOvr>
+</p:sld>
+</file>
+
+<file path=ppt/slides/slide18.xml><?xml version="1.0" encoding="utf-8"?>
+<p:sld xmlns:a="http://schemas.openxmlformats.org/drawingml/2006/main" xmlns:r="http://schemas.openxmlformats.org/officeDocument/2006/relationships" xmlns:p="http://schemas.openxmlformats.org/presentationml/2006/main">
+  <p:cSld>
+    <p:spTree>
+      <p:nvGrpSpPr>
+        <p:cNvPr id="1" name=""/>
+        <p:cNvGrpSpPr/>
+        <p:nvPr/>
+      </p:nvGrpSpPr>
+      <p:grpSpPr>
+        <a:xfrm>
+          <a:off x="0" y="0"/>
+          <a:ext cx="0" cy="0"/>
+          <a:chOff x="0" y="0"/>
+          <a:chExt cx="0" cy="0"/>
+        </a:xfrm>
+      </p:grpSpPr>
+      <p:sp>
+        <p:nvSpPr>
+          <p:cNvPr id="2" name="Title 1">
+            <a:extLst>
+              <a:ext uri="{FF2B5EF4-FFF2-40B4-BE49-F238E27FC236}">
                 <a16:creationId xmlns:a16="http://schemas.microsoft.com/office/drawing/2014/main" id="{18969BF5-0288-FD7C-1739-0C8672F3D7F8}"/>
               </a:ext>
             </a:extLst>
@@ -15990,7 +17730,7 @@
 </p:sld>
 </file>
 
-<file path=ppt/slides/slide15.xml><?xml version="1.0" encoding="utf-8"?>
+<file path=ppt/slides/slide19.xml><?xml version="1.0" encoding="utf-8"?>
 <p:sld xmlns:a="http://schemas.openxmlformats.org/drawingml/2006/main" xmlns:r="http://schemas.openxmlformats.org/officeDocument/2006/relationships" xmlns:p="http://schemas.openxmlformats.org/presentationml/2006/main">
   <p:cSld>
     <p:spTree>
@@ -16286,7 +18026,130 @@
 </p:sld>
 </file>
 
-<file path=ppt/slides/slide16.xml><?xml version="1.0" encoding="utf-8"?>
+<file path=ppt/slides/slide2.xml><?xml version="1.0" encoding="utf-8"?>
+<p:sld xmlns:a="http://schemas.openxmlformats.org/drawingml/2006/main" xmlns:r="http://schemas.openxmlformats.org/officeDocument/2006/relationships" xmlns:p="http://schemas.openxmlformats.org/presentationml/2006/main">
+  <p:cSld>
+    <p:spTree>
+      <p:nvGrpSpPr>
+        <p:cNvPr id="1" name=""/>
+        <p:cNvGrpSpPr/>
+        <p:nvPr/>
+      </p:nvGrpSpPr>
+      <p:grpSpPr>
+        <a:xfrm>
+          <a:off x="0" y="0"/>
+          <a:ext cx="0" cy="0"/>
+          <a:chOff x="0" y="0"/>
+          <a:chExt cx="0" cy="0"/>
+        </a:xfrm>
+      </p:grpSpPr>
+      <p:sp>
+        <p:nvSpPr>
+          <p:cNvPr id="2" name="Title 1">
+            <a:extLst>
+              <a:ext uri="{FF2B5EF4-FFF2-40B4-BE49-F238E27FC236}">
+                <a16:creationId xmlns:a16="http://schemas.microsoft.com/office/drawing/2014/main" id="{10B17ABD-BE88-D042-5997-22F660D5947A}"/>
+              </a:ext>
+            </a:extLst>
+          </p:cNvPr>
+          <p:cNvSpPr>
+            <a:spLocks noGrp="1"/>
+          </p:cNvSpPr>
+          <p:nvPr>
+            <p:ph type="title"/>
+          </p:nvPr>
+        </p:nvSpPr>
+        <p:spPr/>
+        <p:txBody>
+          <a:bodyPr/>
+          <a:lstStyle/>
+          <a:p>
+            <a:r>
+              <a:rPr lang="en-US" dirty="0"/>
+              <a:t>Ideas for Interactivity</a:t>
+            </a:r>
+          </a:p>
+        </p:txBody>
+      </p:sp>
+      <p:sp>
+        <p:nvSpPr>
+          <p:cNvPr id="3" name="Content Placeholder 2">
+            <a:extLst>
+              <a:ext uri="{FF2B5EF4-FFF2-40B4-BE49-F238E27FC236}">
+                <a16:creationId xmlns:a16="http://schemas.microsoft.com/office/drawing/2014/main" id="{F33662A3-4DD5-0500-C0E1-EA5CF57A5ABC}"/>
+              </a:ext>
+            </a:extLst>
+          </p:cNvPr>
+          <p:cNvSpPr>
+            <a:spLocks noGrp="1"/>
+          </p:cNvSpPr>
+          <p:nvPr>
+            <p:ph idx="1"/>
+          </p:nvPr>
+        </p:nvSpPr>
+        <p:spPr/>
+        <p:txBody>
+          <a:bodyPr/>
+          <a:lstStyle/>
+          <a:p>
+            <a:endParaRPr lang="en-US" sz="1600" b="1" dirty="0"/>
+          </a:p>
+          <a:p>
+            <a:r>
+              <a:rPr lang="en-US" sz="2000" b="1" dirty="0"/>
+              <a:t>Familiarity with R</a:t>
+            </a:r>
+          </a:p>
+          <a:p>
+            <a:r>
+              <a:rPr lang="en-US" sz="2000" b="1" dirty="0"/>
+              <a:t>“Which chart is easier to interpret”</a:t>
+            </a:r>
+          </a:p>
+          <a:p>
+            <a:r>
+              <a:rPr lang="en-US" sz="2000" b="1" dirty="0"/>
+              <a:t>Test Bar/Line bias (</a:t>
+            </a:r>
+            <a:r>
+              <a:rPr lang="en-US" sz="1800" u="sng" dirty="0">
+                <a:solidFill>
+                  <a:srgbClr val="0000FF"/>
+                </a:solidFill>
+                <a:effectLst/>
+                <a:latin typeface="Calibri" panose="020F0502020204030204" pitchFamily="34" charset="0"/>
+                <a:ea typeface="SimSun" panose="02010600030101010101" pitchFamily="2" charset="-122"/>
+                <a:hlinkClick r:id="rId3"/>
+              </a:rPr>
+              <a:t>https://bit.ly/3ymQ1eE</a:t>
+            </a:r>
+            <a:r>
+              <a:rPr lang="en-US" sz="2000" b="1" dirty="0"/>
+              <a:t>)</a:t>
+            </a:r>
+          </a:p>
+          <a:p>
+            <a:endParaRPr lang="en-US" sz="3600" b="1" dirty="0"/>
+          </a:p>
+          <a:p>
+            <a:endParaRPr lang="en-US" sz="3600" b="1" dirty="0"/>
+          </a:p>
+        </p:txBody>
+      </p:sp>
+    </p:spTree>
+    <p:extLst>
+      <p:ext uri="{BB962C8B-B14F-4D97-AF65-F5344CB8AC3E}">
+        <p14:creationId xmlns:p14="http://schemas.microsoft.com/office/powerpoint/2010/main" val="2113688764"/>
+      </p:ext>
+    </p:extLst>
+  </p:cSld>
+  <p:clrMapOvr>
+    <a:masterClrMapping/>
+  </p:clrMapOvr>
+</p:sld>
+</file>
+
+<file path=ppt/slides/slide20.xml><?xml version="1.0" encoding="utf-8"?>
 <p:sld xmlns:a="http://schemas.openxmlformats.org/drawingml/2006/main" xmlns:r="http://schemas.openxmlformats.org/officeDocument/2006/relationships" xmlns:p="http://schemas.openxmlformats.org/presentationml/2006/main">
   <p:cSld>
     <p:spTree>
@@ -16497,7 +18360,7 @@
 </p:sld>
 </file>
 
-<file path=ppt/slides/slide17.xml><?xml version="1.0" encoding="utf-8"?>
+<file path=ppt/slides/slide21.xml><?xml version="1.0" encoding="utf-8"?>
 <p:sld xmlns:a="http://schemas.openxmlformats.org/drawingml/2006/main" xmlns:r="http://schemas.openxmlformats.org/officeDocument/2006/relationships" xmlns:p="http://schemas.openxmlformats.org/presentationml/2006/main">
   <p:cSld>
     <p:spTree>
@@ -16784,7 +18647,7 @@
 </p:sld>
 </file>
 
-<file path=ppt/slides/slide18.xml><?xml version="1.0" encoding="utf-8"?>
+<file path=ppt/slides/slide22.xml><?xml version="1.0" encoding="utf-8"?>
 <p:sld xmlns:a="http://schemas.openxmlformats.org/drawingml/2006/main" xmlns:r="http://schemas.openxmlformats.org/officeDocument/2006/relationships" xmlns:p="http://schemas.openxmlformats.org/presentationml/2006/main">
   <p:cSld>
     <p:spTree>
@@ -17167,7 +19030,7 @@
 </p:sld>
 </file>
 
-<file path=ppt/slides/slide19.xml><?xml version="1.0" encoding="utf-8"?>
+<file path=ppt/slides/slide23.xml><?xml version="1.0" encoding="utf-8"?>
 <p:sld xmlns:a="http://schemas.openxmlformats.org/drawingml/2006/main" xmlns:r="http://schemas.openxmlformats.org/officeDocument/2006/relationships" xmlns:p="http://schemas.openxmlformats.org/presentationml/2006/main">
   <p:cSld>
     <p:spTree>
@@ -17530,130 +19393,7 @@
 </p:sld>
 </file>
 
-<file path=ppt/slides/slide2.xml><?xml version="1.0" encoding="utf-8"?>
-<p:sld xmlns:a="http://schemas.openxmlformats.org/drawingml/2006/main" xmlns:r="http://schemas.openxmlformats.org/officeDocument/2006/relationships" xmlns:p="http://schemas.openxmlformats.org/presentationml/2006/main">
-  <p:cSld>
-    <p:spTree>
-      <p:nvGrpSpPr>
-        <p:cNvPr id="1" name=""/>
-        <p:cNvGrpSpPr/>
-        <p:nvPr/>
-      </p:nvGrpSpPr>
-      <p:grpSpPr>
-        <a:xfrm>
-          <a:off x="0" y="0"/>
-          <a:ext cx="0" cy="0"/>
-          <a:chOff x="0" y="0"/>
-          <a:chExt cx="0" cy="0"/>
-        </a:xfrm>
-      </p:grpSpPr>
-      <p:sp>
-        <p:nvSpPr>
-          <p:cNvPr id="2" name="Title 1">
-            <a:extLst>
-              <a:ext uri="{FF2B5EF4-FFF2-40B4-BE49-F238E27FC236}">
-                <a16:creationId xmlns:a16="http://schemas.microsoft.com/office/drawing/2014/main" id="{10B17ABD-BE88-D042-5997-22F660D5947A}"/>
-              </a:ext>
-            </a:extLst>
-          </p:cNvPr>
-          <p:cNvSpPr>
-            <a:spLocks noGrp="1"/>
-          </p:cNvSpPr>
-          <p:nvPr>
-            <p:ph type="title"/>
-          </p:nvPr>
-        </p:nvSpPr>
-        <p:spPr/>
-        <p:txBody>
-          <a:bodyPr/>
-          <a:lstStyle/>
-          <a:p>
-            <a:r>
-              <a:rPr lang="en-US" dirty="0"/>
-              <a:t>Ideas for Interactivity</a:t>
-            </a:r>
-          </a:p>
-        </p:txBody>
-      </p:sp>
-      <p:sp>
-        <p:nvSpPr>
-          <p:cNvPr id="3" name="Content Placeholder 2">
-            <a:extLst>
-              <a:ext uri="{FF2B5EF4-FFF2-40B4-BE49-F238E27FC236}">
-                <a16:creationId xmlns:a16="http://schemas.microsoft.com/office/drawing/2014/main" id="{F33662A3-4DD5-0500-C0E1-EA5CF57A5ABC}"/>
-              </a:ext>
-            </a:extLst>
-          </p:cNvPr>
-          <p:cNvSpPr>
-            <a:spLocks noGrp="1"/>
-          </p:cNvSpPr>
-          <p:nvPr>
-            <p:ph idx="1"/>
-          </p:nvPr>
-        </p:nvSpPr>
-        <p:spPr/>
-        <p:txBody>
-          <a:bodyPr/>
-          <a:lstStyle/>
-          <a:p>
-            <a:endParaRPr lang="en-US" sz="1600" b="1" dirty="0"/>
-          </a:p>
-          <a:p>
-            <a:r>
-              <a:rPr lang="en-US" sz="2000" b="1" dirty="0"/>
-              <a:t>Familiarity with R</a:t>
-            </a:r>
-          </a:p>
-          <a:p>
-            <a:r>
-              <a:rPr lang="en-US" sz="2000" b="1" dirty="0"/>
-              <a:t>“Which chart is easier to interpret”</a:t>
-            </a:r>
-          </a:p>
-          <a:p>
-            <a:r>
-              <a:rPr lang="en-US" sz="2000" b="1" dirty="0"/>
-              <a:t>Test Bar/Line bias (</a:t>
-            </a:r>
-            <a:r>
-              <a:rPr lang="en-US" sz="1800" u="sng" dirty="0">
-                <a:solidFill>
-                  <a:srgbClr val="0000FF"/>
-                </a:solidFill>
-                <a:effectLst/>
-                <a:latin typeface="Calibri" panose="020F0502020204030204" pitchFamily="34" charset="0"/>
-                <a:ea typeface="SimSun" panose="02010600030101010101" pitchFamily="2" charset="-122"/>
-                <a:hlinkClick r:id="rId3"/>
-              </a:rPr>
-              <a:t>https://bit.ly/3ymQ1eE</a:t>
-            </a:r>
-            <a:r>
-              <a:rPr lang="en-US" sz="2000" b="1" dirty="0"/>
-              <a:t>)</a:t>
-            </a:r>
-          </a:p>
-          <a:p>
-            <a:endParaRPr lang="en-US" sz="3600" b="1" dirty="0"/>
-          </a:p>
-          <a:p>
-            <a:endParaRPr lang="en-US" sz="3600" b="1" dirty="0"/>
-          </a:p>
-        </p:txBody>
-      </p:sp>
-    </p:spTree>
-    <p:extLst>
-      <p:ext uri="{BB962C8B-B14F-4D97-AF65-F5344CB8AC3E}">
-        <p14:creationId xmlns:p14="http://schemas.microsoft.com/office/powerpoint/2010/main" val="2113688764"/>
-      </p:ext>
-    </p:extLst>
-  </p:cSld>
-  <p:clrMapOvr>
-    <a:masterClrMapping/>
-  </p:clrMapOvr>
-</p:sld>
-</file>
-
-<file path=ppt/slides/slide20.xml><?xml version="1.0" encoding="utf-8"?>
+<file path=ppt/slides/slide24.xml><?xml version="1.0" encoding="utf-8"?>
 <p:sld xmlns:a="http://schemas.openxmlformats.org/drawingml/2006/main" xmlns:r="http://schemas.openxmlformats.org/officeDocument/2006/relationships" xmlns:p="http://schemas.openxmlformats.org/presentationml/2006/main">
   <p:cSld>
     <p:spTree>
@@ -17785,7 +19525,7 @@
 </p:sld>
 </file>
 
-<file path=ppt/slides/slide21.xml><?xml version="1.0" encoding="utf-8"?>
+<file path=ppt/slides/slide25.xml><?xml version="1.0" encoding="utf-8"?>
 <p:sld xmlns:a="http://schemas.openxmlformats.org/drawingml/2006/main" xmlns:r="http://schemas.openxmlformats.org/officeDocument/2006/relationships" xmlns:p="http://schemas.openxmlformats.org/presentationml/2006/main">
   <p:cSld>
     <p:spTree>
@@ -17868,7 +19608,7 @@
 </p:sld>
 </file>
 
-<file path=ppt/slides/slide22.xml><?xml version="1.0" encoding="utf-8"?>
+<file path=ppt/slides/slide26.xml><?xml version="1.0" encoding="utf-8"?>
 <p:sld xmlns:a="http://schemas.openxmlformats.org/drawingml/2006/main" xmlns:r="http://schemas.openxmlformats.org/officeDocument/2006/relationships" xmlns:p="http://schemas.openxmlformats.org/presentationml/2006/main">
   <p:cSld>
     <p:spTree>
@@ -18000,7 +19740,7 @@
 </p:sld>
 </file>
 
-<file path=ppt/slides/slide23.xml><?xml version="1.0" encoding="utf-8"?>
+<file path=ppt/slides/slide27.xml><?xml version="1.0" encoding="utf-8"?>
 <p:sld xmlns:a="http://schemas.openxmlformats.org/drawingml/2006/main" xmlns:r="http://schemas.openxmlformats.org/officeDocument/2006/relationships" xmlns:p="http://schemas.openxmlformats.org/presentationml/2006/main">
   <p:cSld>
     <p:spTree>
@@ -18095,7 +19835,7 @@
 </p:sld>
 </file>
 
-<file path=ppt/slides/slide24.xml><?xml version="1.0" encoding="utf-8"?>
+<file path=ppt/slides/slide28.xml><?xml version="1.0" encoding="utf-8"?>
 <p:sld xmlns:a="http://schemas.openxmlformats.org/drawingml/2006/main" xmlns:r="http://schemas.openxmlformats.org/officeDocument/2006/relationships" xmlns:p="http://schemas.openxmlformats.org/presentationml/2006/main">
   <p:cSld>
     <p:spTree>
@@ -18190,7 +19930,7 @@
 </p:sld>
 </file>
 
-<file path=ppt/slides/slide25.xml><?xml version="1.0" encoding="utf-8"?>
+<file path=ppt/slides/slide29.xml><?xml version="1.0" encoding="utf-8"?>
 <p:sld xmlns:a="http://schemas.openxmlformats.org/drawingml/2006/main" xmlns:r="http://schemas.openxmlformats.org/officeDocument/2006/relationships" xmlns:p="http://schemas.openxmlformats.org/presentationml/2006/main">
   <p:cSld>
     <p:spTree>
@@ -18285,7 +20025,113 @@
 </p:sld>
 </file>
 
-<file path=ppt/slides/slide26.xml><?xml version="1.0" encoding="utf-8"?>
+<file path=ppt/slides/slide3.xml><?xml version="1.0" encoding="utf-8"?>
+<p:sld xmlns:a="http://schemas.openxmlformats.org/drawingml/2006/main" xmlns:r="http://schemas.openxmlformats.org/officeDocument/2006/relationships" xmlns:p="http://schemas.openxmlformats.org/presentationml/2006/main">
+  <p:cSld>
+    <p:spTree>
+      <p:nvGrpSpPr>
+        <p:cNvPr id="1" name=""/>
+        <p:cNvGrpSpPr/>
+        <p:nvPr/>
+      </p:nvGrpSpPr>
+      <p:grpSpPr>
+        <a:xfrm>
+          <a:off x="0" y="0"/>
+          <a:ext cx="0" cy="0"/>
+          <a:chOff x="0" y="0"/>
+          <a:chExt cx="0" cy="0"/>
+        </a:xfrm>
+      </p:grpSpPr>
+      <p:sp>
+        <p:nvSpPr>
+          <p:cNvPr id="2" name="Title 1">
+            <a:extLst>
+              <a:ext uri="{FF2B5EF4-FFF2-40B4-BE49-F238E27FC236}">
+                <a16:creationId xmlns:a16="http://schemas.microsoft.com/office/drawing/2014/main" id="{74710D85-8C9D-388F-E1FC-561F624F73D8}"/>
+              </a:ext>
+            </a:extLst>
+          </p:cNvPr>
+          <p:cNvSpPr>
+            <a:spLocks noGrp="1"/>
+          </p:cNvSpPr>
+          <p:nvPr>
+            <p:ph type="ctrTitle"/>
+          </p:nvPr>
+        </p:nvSpPr>
+        <p:spPr/>
+        <p:txBody>
+          <a:bodyPr/>
+          <a:lstStyle/>
+          <a:p>
+            <a:r>
+              <a:rPr lang="en-US" dirty="0"/>
+              <a:t>Effective</a:t>
+            </a:r>
+            <a:br>
+              <a:rPr lang="en-US" dirty="0"/>
+            </a:br>
+            <a:r>
+              <a:rPr lang="en-US" dirty="0"/>
+              <a:t>Data Visualization</a:t>
+            </a:r>
+            <a:br>
+              <a:rPr lang="en-US" dirty="0"/>
+            </a:br>
+            <a:r>
+              <a:rPr lang="en-US" dirty="0"/>
+              <a:t>for Actuaries</a:t>
+            </a:r>
+          </a:p>
+        </p:txBody>
+      </p:sp>
+      <p:sp>
+        <p:nvSpPr>
+          <p:cNvPr id="3" name="Subtitle 2">
+            <a:extLst>
+              <a:ext uri="{FF2B5EF4-FFF2-40B4-BE49-F238E27FC236}">
+                <a16:creationId xmlns:a16="http://schemas.microsoft.com/office/drawing/2014/main" id="{4053B939-82C6-7883-3378-EEEF2C23A74B}"/>
+              </a:ext>
+            </a:extLst>
+          </p:cNvPr>
+          <p:cNvSpPr>
+            <a:spLocks noGrp="1"/>
+          </p:cNvSpPr>
+          <p:nvPr>
+            <p:ph type="subTitle" idx="1"/>
+          </p:nvPr>
+        </p:nvSpPr>
+        <p:spPr/>
+        <p:txBody>
+          <a:bodyPr/>
+          <a:lstStyle/>
+          <a:p>
+            <a:r>
+              <a:rPr lang="en-US" dirty="0"/>
+              <a:t>Brian Fannin</a:t>
+            </a:r>
+          </a:p>
+          <a:p>
+            <a:r>
+              <a:rPr lang="en-US" dirty="0"/>
+              <a:t>Jordan Bonner</a:t>
+            </a:r>
+          </a:p>
+        </p:txBody>
+      </p:sp>
+    </p:spTree>
+    <p:extLst>
+      <p:ext uri="{BB962C8B-B14F-4D97-AF65-F5344CB8AC3E}">
+        <p14:creationId xmlns:p14="http://schemas.microsoft.com/office/powerpoint/2010/main" val="3925388622"/>
+      </p:ext>
+    </p:extLst>
+  </p:cSld>
+  <p:clrMapOvr>
+    <a:masterClrMapping/>
+  </p:clrMapOvr>
+</p:sld>
+</file>
+
+<file path=ppt/slides/slide30.xml><?xml version="1.0" encoding="utf-8"?>
 <p:sld xmlns:a="http://schemas.openxmlformats.org/drawingml/2006/main" xmlns:r="http://schemas.openxmlformats.org/officeDocument/2006/relationships" xmlns:p="http://schemas.openxmlformats.org/presentationml/2006/main">
   <p:cSld>
     <p:spTree>
@@ -18380,112 +20226,6 @@
 </p:sld>
 </file>
 
-<file path=ppt/slides/slide3.xml><?xml version="1.0" encoding="utf-8"?>
-<p:sld xmlns:a="http://schemas.openxmlformats.org/drawingml/2006/main" xmlns:r="http://schemas.openxmlformats.org/officeDocument/2006/relationships" xmlns:p="http://schemas.openxmlformats.org/presentationml/2006/main">
-  <p:cSld>
-    <p:spTree>
-      <p:nvGrpSpPr>
-        <p:cNvPr id="1" name=""/>
-        <p:cNvGrpSpPr/>
-        <p:nvPr/>
-      </p:nvGrpSpPr>
-      <p:grpSpPr>
-        <a:xfrm>
-          <a:off x="0" y="0"/>
-          <a:ext cx="0" cy="0"/>
-          <a:chOff x="0" y="0"/>
-          <a:chExt cx="0" cy="0"/>
-        </a:xfrm>
-      </p:grpSpPr>
-      <p:sp>
-        <p:nvSpPr>
-          <p:cNvPr id="2" name="Title 1">
-            <a:extLst>
-              <a:ext uri="{FF2B5EF4-FFF2-40B4-BE49-F238E27FC236}">
-                <a16:creationId xmlns:a16="http://schemas.microsoft.com/office/drawing/2014/main" id="{74710D85-8C9D-388F-E1FC-561F624F73D8}"/>
-              </a:ext>
-            </a:extLst>
-          </p:cNvPr>
-          <p:cNvSpPr>
-            <a:spLocks noGrp="1"/>
-          </p:cNvSpPr>
-          <p:nvPr>
-            <p:ph type="ctrTitle"/>
-          </p:nvPr>
-        </p:nvSpPr>
-        <p:spPr/>
-        <p:txBody>
-          <a:bodyPr/>
-          <a:lstStyle/>
-          <a:p>
-            <a:r>
-              <a:rPr lang="en-US" dirty="0"/>
-              <a:t>Effective</a:t>
-            </a:r>
-            <a:br>
-              <a:rPr lang="en-US" dirty="0"/>
-            </a:br>
-            <a:r>
-              <a:rPr lang="en-US" dirty="0"/>
-              <a:t>Data Visualization</a:t>
-            </a:r>
-            <a:br>
-              <a:rPr lang="en-US" dirty="0"/>
-            </a:br>
-            <a:r>
-              <a:rPr lang="en-US" dirty="0"/>
-              <a:t>for Actuaries</a:t>
-            </a:r>
-          </a:p>
-        </p:txBody>
-      </p:sp>
-      <p:sp>
-        <p:nvSpPr>
-          <p:cNvPr id="3" name="Subtitle 2">
-            <a:extLst>
-              <a:ext uri="{FF2B5EF4-FFF2-40B4-BE49-F238E27FC236}">
-                <a16:creationId xmlns:a16="http://schemas.microsoft.com/office/drawing/2014/main" id="{4053B939-82C6-7883-3378-EEEF2C23A74B}"/>
-              </a:ext>
-            </a:extLst>
-          </p:cNvPr>
-          <p:cNvSpPr>
-            <a:spLocks noGrp="1"/>
-          </p:cNvSpPr>
-          <p:nvPr>
-            <p:ph type="subTitle" idx="1"/>
-          </p:nvPr>
-        </p:nvSpPr>
-        <p:spPr/>
-        <p:txBody>
-          <a:bodyPr/>
-          <a:lstStyle/>
-          <a:p>
-            <a:r>
-              <a:rPr lang="en-US" dirty="0"/>
-              <a:t>Brian Fannin</a:t>
-            </a:r>
-          </a:p>
-          <a:p>
-            <a:r>
-              <a:rPr lang="en-US" dirty="0"/>
-              <a:t>Jordan Bonner</a:t>
-            </a:r>
-          </a:p>
-        </p:txBody>
-      </p:sp>
-    </p:spTree>
-    <p:extLst>
-      <p:ext uri="{BB962C8B-B14F-4D97-AF65-F5344CB8AC3E}">
-        <p14:creationId xmlns:p14="http://schemas.microsoft.com/office/powerpoint/2010/main" val="3925388622"/>
-      </p:ext>
-    </p:extLst>
-  </p:cSld>
-  <p:clrMapOvr>
-    <a:masterClrMapping/>
-  </p:clrMapOvr>
-</p:sld>
-</file>
-
 <file path=ppt/slides/slide4.xml><?xml version="1.0" encoding="utf-8"?>
 <p:sld xmlns:a="http://schemas.openxmlformats.org/drawingml/2006/main" xmlns:r="http://schemas.openxmlformats.org/officeDocument/2006/relationships" xmlns:p="http://schemas.openxmlformats.org/presentationml/2006/main">
   <p:cSld>
@@ -18854,8 +20594,8 @@
           </a:p>
         </p:txBody>
       </p:sp>
-      <mc:AlternateContent xmlns:mc="http://schemas.openxmlformats.org/markup-compatibility/2006">
-        <mc:Choice xmlns:a14="http://schemas.microsoft.com/office/drawing/2010/main" Requires="a14">
+      <mc:AlternateContent xmlns:mc="http://schemas.openxmlformats.org/markup-compatibility/2006" xmlns:a14="http://schemas.microsoft.com/office/drawing/2010/main">
+        <mc:Choice Requires="a14">
           <p:sp>
             <p:nvSpPr>
               <p:cNvPr id="7" name="Rectangle 6">
@@ -18870,8 +20610,8 @@
             </p:nvSpPr>
             <p:spPr>
               <a:xfrm>
-                <a:off x="1981200" y="2590800"/>
-                <a:ext cx="5259421" cy="2667000"/>
+                <a:off x="1789890" y="2590800"/>
+                <a:ext cx="5564221" cy="2667000"/>
               </a:xfrm>
               <a:prstGeom prst="rect">
                 <a:avLst/>
@@ -18910,7 +20650,7 @@
                     <a:latin typeface="Arial" panose="020B0604020202020204" pitchFamily="34" charset="0"/>
                     <a:cs typeface="Arial" panose="020B0604020202020204" pitchFamily="34" charset="0"/>
                   </a:rPr>
-                  <a:t>Imagine you have two sets of points with similar:</a:t>
+                  <a:t>Imagine you have two datasets with two variables each (x, y). Suppose the datasets have the same:</a:t>
                 </a:r>
               </a:p>
               <a:p>
@@ -19277,7 +21017,7 @@
                     <a:latin typeface="Arial" panose="020B0604020202020204" pitchFamily="34" charset="0"/>
                     <a:cs typeface="Arial" panose="020B0604020202020204" pitchFamily="34" charset="0"/>
                   </a:rPr>
-                  <a:t>regression line</a:t>
+                  <a:t>fitted regression line</a:t>
                 </a:r>
               </a:p>
               <a:p>
@@ -19312,7 +21052,7 @@
             </p:txBody>
           </p:sp>
         </mc:Choice>
-        <mc:Fallback>
+        <mc:Fallback xmlns="">
           <p:sp>
             <p:nvSpPr>
               <p:cNvPr id="7" name="Rectangle 6">
@@ -19329,8 +21069,8 @@
             </p:nvSpPr>
             <p:spPr>
               <a:xfrm>
-                <a:off x="1981200" y="2590800"/>
-                <a:ext cx="5259421" cy="2667000"/>
+                <a:off x="1789890" y="2590800"/>
+                <a:ext cx="5564221" cy="2667000"/>
               </a:xfrm>
               <a:prstGeom prst="rect">
                 <a:avLst/>
@@ -19338,7 +21078,7 @@
               <a:blipFill>
                 <a:blip r:embed="rId2"/>
                 <a:stretch>
-                  <a:fillRect l="-1506" t="-23059" b="-26712"/>
+                  <a:fillRect l="-1535" t="-29909" r="-1316" b="-33562"/>
                 </a:stretch>
               </a:blipFill>
               <a:ln>
@@ -19455,8 +21195,8 @@
           </a:prstGeom>
         </p:spPr>
       </p:pic>
-      <mc:AlternateContent xmlns:mc="http://schemas.openxmlformats.org/markup-compatibility/2006">
-        <mc:Choice xmlns:a14="http://schemas.microsoft.com/office/drawing/2010/main" Requires="a14">
+      <mc:AlternateContent xmlns:mc="http://schemas.openxmlformats.org/markup-compatibility/2006" xmlns:a14="http://schemas.microsoft.com/office/drawing/2010/main">
+        <mc:Choice Requires="a14">
           <p:sp>
             <p:nvSpPr>
               <p:cNvPr id="7" name="Rectangle 6">
@@ -19948,7 +21688,7 @@
             </p:txBody>
           </p:sp>
         </mc:Choice>
-        <mc:Fallback>
+        <mc:Fallback xmlns="">
           <p:sp>
             <p:nvSpPr>
               <p:cNvPr id="7" name="Rectangle 6">
@@ -20130,8 +21870,8 @@
           </a:prstGeom>
         </p:spPr>
       </p:pic>
-      <mc:AlternateContent xmlns:mc="http://schemas.openxmlformats.org/markup-compatibility/2006">
-        <mc:Choice xmlns:a14="http://schemas.microsoft.com/office/drawing/2010/main" Requires="a14">
+      <mc:AlternateContent xmlns:mc="http://schemas.openxmlformats.org/markup-compatibility/2006" xmlns:a14="http://schemas.microsoft.com/office/drawing/2010/main">
+        <mc:Choice Requires="a14">
           <p:sp>
             <p:nvSpPr>
               <p:cNvPr id="3" name="Rectangle 2">
@@ -20443,7 +22183,7 @@
             </p:txBody>
           </p:sp>
         </mc:Choice>
-        <mc:Fallback>
+        <mc:Fallback xmlns="">
           <p:sp>
             <p:nvSpPr>
               <p:cNvPr id="3" name="Rectangle 2">
